--- a/MacClusteringProject/data_analysis.pptx
+++ b/MacClusteringProject/data_analysis.pptx
@@ -3,19 +3,35 @@
 <p:presentation xmlns:a="http://schemas.openxmlformats.org/drawingml/2006/main" xmlns:p="http://schemas.openxmlformats.org/presentationml/2006/main" xmlns:r="http://schemas.openxmlformats.org/officeDocument/2006/relationships" xmlns:p14="http://schemas.microsoft.com/office/powerpoint/2010/main" xmlns:p15="http://schemas.microsoft.com/office/powerpoint/2012/main" xmlns:mc="http://schemas.openxmlformats.org/markup-compatibility/2006">
   <p:sldMasterIdLst>
     <p:sldMasterId id="2147483648" r:id="rId2"/>
+    <p:sldMasterId id="2147483661" r:id="rId3"/>
   </p:sldMasterIdLst>
   <p:sldIdLst>
-    <p:sldId id="256" r:id="rId3"/>
-    <p:sldId id="257" r:id="rId4"/>
-    <p:sldId id="258" r:id="rId5"/>
-    <p:sldId id="259" r:id="rId6"/>
-    <p:sldId id="260" r:id="rId7"/>
-    <p:sldId id="261" r:id="rId8"/>
-    <p:sldId id="262" r:id="rId9"/>
-    <p:sldId id="263" r:id="rId10"/>
+    <p:sldId id="256" r:id="rId4"/>
+    <p:sldId id="257" r:id="rId5"/>
+    <p:sldId id="258" r:id="rId6"/>
+    <p:sldId id="259" r:id="rId7"/>
+    <p:sldId id="260" r:id="rId8"/>
+    <p:sldId id="261" r:id="rId9"/>
+    <p:sldId id="262" r:id="rId10"/>
+    <p:sldId id="263" r:id="rId11"/>
+    <p:sldId id="264" r:id="rId12"/>
+    <p:sldId id="265" r:id="rId13"/>
+    <p:sldId id="266" r:id="rId14"/>
+    <p:sldId id="267" r:id="rId15"/>
+    <p:sldId id="268" r:id="rId16"/>
+    <p:sldId id="269" r:id="rId17"/>
+    <p:sldId id="270" r:id="rId18"/>
+    <p:sldId id="271" r:id="rId19"/>
+    <p:sldId id="272" r:id="rId20"/>
+    <p:sldId id="273" r:id="rId21"/>
+    <p:sldId id="274" r:id="rId22"/>
+    <p:sldId id="275" r:id="rId23"/>
+    <p:sldId id="276" r:id="rId24"/>
+    <p:sldId id="277" r:id="rId25"/>
+    <p:sldId id="278" r:id="rId26"/>
   </p:sldIdLst>
   <p:sldSz cx="10080625" cy="7559675"/>
-  <p:notesSz cx="7559675" cy="10691812"/>
+  <p:notesSz cx="7772400" cy="10058400"/>
 </p:presentation>
 </file>
 
@@ -60,7 +76,7 @@
       </p:grpSpPr>
       <p:sp>
         <p:nvSpPr>
-          <p:cNvPr id="26" name="PlaceHolder 1"/>
+          <p:cNvPr id="27" name="PlaceHolder 1"/>
           <p:cNvSpPr>
             <a:spLocks noGrp="1"/>
           </p:cNvSpPr>
@@ -70,8 +86,8 @@
         </p:nvSpPr>
         <p:spPr>
           <a:xfrm>
-            <a:off x="180000" y="180000"/>
-            <a:ext cx="9720000" cy="720000"/>
+            <a:off x="504000" y="805320"/>
+            <a:ext cx="9071640" cy="1262160"/>
           </a:xfrm>
           <a:prstGeom prst="rect">
             <a:avLst/>
@@ -80,19 +96,18 @@
         <p:txBody>
           <a:bodyPr lIns="0" rIns="0" tIns="0" bIns="0" anchor="ctr"/>
           <a:p>
-            <a:pPr algn="r"/>
-            <a:endParaRPr b="1" lang="es-PE" sz="2800" spc="-1" strike="noStrike">
-              <a:solidFill>
-                <a:srgbClr val="ffffff"/>
-              </a:solidFill>
-              <a:latin typeface="Source Sans Pro Black"/>
-            </a:endParaRPr>
-          </a:p>
-        </p:txBody>
-      </p:sp>
-      <p:sp>
-        <p:nvSpPr>
-          <p:cNvPr id="27" name="PlaceHolder 2"/>
+            <a:endParaRPr b="0" lang="en-US" sz="3200" spc="-1" strike="noStrike">
+              <a:solidFill>
+                <a:srgbClr val="3399ff"/>
+              </a:solidFill>
+              <a:latin typeface="Source Sans Pro"/>
+            </a:endParaRPr>
+          </a:p>
+        </p:txBody>
+      </p:sp>
+      <p:sp>
+        <p:nvSpPr>
+          <p:cNvPr id="28" name="PlaceHolder 2"/>
           <p:cNvSpPr>
             <a:spLocks noGrp="1"/>
           </p:cNvSpPr>
@@ -102,7 +117,7 @@
         </p:nvSpPr>
         <p:spPr>
           <a:xfrm>
-            <a:off x="504000" y="1260000"/>
+            <a:off x="504000" y="2273040"/>
             <a:ext cx="9071640" cy="2091240"/>
           </a:xfrm>
           <a:prstGeom prst="rect">
@@ -112,15 +127,18 @@
         <p:txBody>
           <a:bodyPr lIns="0" rIns="0" tIns="0" bIns="0"/>
           <a:p>
-            <a:endParaRPr b="0" lang="es-PE" sz="2600" spc="-1" strike="noStrike">
-              <a:latin typeface="Tahoma"/>
-            </a:endParaRPr>
-          </a:p>
-        </p:txBody>
-      </p:sp>
-      <p:sp>
-        <p:nvSpPr>
-          <p:cNvPr id="28" name="PlaceHolder 3"/>
+            <a:endParaRPr b="0" lang="en-US" sz="2200" spc="-1" strike="noStrike">
+              <a:solidFill>
+                <a:srgbClr val="000000"/>
+              </a:solidFill>
+              <a:latin typeface="Source Sans Pro"/>
+            </a:endParaRPr>
+          </a:p>
+        </p:txBody>
+      </p:sp>
+      <p:sp>
+        <p:nvSpPr>
+          <p:cNvPr id="29" name="PlaceHolder 3"/>
           <p:cNvSpPr>
             <a:spLocks noGrp="1"/>
           </p:cNvSpPr>
@@ -130,7 +148,7 @@
         </p:nvSpPr>
         <p:spPr>
           <a:xfrm>
-            <a:off x="504000" y="3550320"/>
+            <a:off x="504000" y="4563360"/>
             <a:ext cx="9071640" cy="2091240"/>
           </a:xfrm>
           <a:prstGeom prst="rect">
@@ -140,8 +158,11 @@
         <p:txBody>
           <a:bodyPr lIns="0" rIns="0" tIns="0" bIns="0"/>
           <a:p>
-            <a:endParaRPr b="0" lang="es-PE" sz="2600" spc="-1" strike="noStrike">
-              <a:latin typeface="Tahoma"/>
+            <a:endParaRPr b="0" lang="en-US" sz="2200" spc="-1" strike="noStrike">
+              <a:solidFill>
+                <a:srgbClr val="000000"/>
+              </a:solidFill>
+              <a:latin typeface="Source Sans Pro"/>
             </a:endParaRPr>
           </a:p>
         </p:txBody>
@@ -170,7 +191,7 @@
       </p:grpSpPr>
       <p:sp>
         <p:nvSpPr>
-          <p:cNvPr id="29" name="PlaceHolder 1"/>
+          <p:cNvPr id="30" name="PlaceHolder 1"/>
           <p:cNvSpPr>
             <a:spLocks noGrp="1"/>
           </p:cNvSpPr>
@@ -180,8 +201,8 @@
         </p:nvSpPr>
         <p:spPr>
           <a:xfrm>
-            <a:off x="180000" y="180000"/>
-            <a:ext cx="9720000" cy="720000"/>
+            <a:off x="504000" y="805320"/>
+            <a:ext cx="9071640" cy="1262160"/>
           </a:xfrm>
           <a:prstGeom prst="rect">
             <a:avLst/>
@@ -190,19 +211,18 @@
         <p:txBody>
           <a:bodyPr lIns="0" rIns="0" tIns="0" bIns="0" anchor="ctr"/>
           <a:p>
-            <a:pPr algn="r"/>
-            <a:endParaRPr b="1" lang="es-PE" sz="2800" spc="-1" strike="noStrike">
-              <a:solidFill>
-                <a:srgbClr val="ffffff"/>
-              </a:solidFill>
-              <a:latin typeface="Source Sans Pro Black"/>
-            </a:endParaRPr>
-          </a:p>
-        </p:txBody>
-      </p:sp>
-      <p:sp>
-        <p:nvSpPr>
-          <p:cNvPr id="30" name="PlaceHolder 2"/>
+            <a:endParaRPr b="0" lang="en-US" sz="3200" spc="-1" strike="noStrike">
+              <a:solidFill>
+                <a:srgbClr val="3399ff"/>
+              </a:solidFill>
+              <a:latin typeface="Source Sans Pro"/>
+            </a:endParaRPr>
+          </a:p>
+        </p:txBody>
+      </p:sp>
+      <p:sp>
+        <p:nvSpPr>
+          <p:cNvPr id="31" name="PlaceHolder 2"/>
           <p:cNvSpPr>
             <a:spLocks noGrp="1"/>
           </p:cNvSpPr>
@@ -212,7 +232,7 @@
         </p:nvSpPr>
         <p:spPr>
           <a:xfrm>
-            <a:off x="504000" y="1260000"/>
+            <a:off x="504000" y="2273040"/>
             <a:ext cx="4426920" cy="2091240"/>
           </a:xfrm>
           <a:prstGeom prst="rect">
@@ -222,15 +242,18 @@
         <p:txBody>
           <a:bodyPr lIns="0" rIns="0" tIns="0" bIns="0"/>
           <a:p>
-            <a:endParaRPr b="0" lang="es-PE" sz="2600" spc="-1" strike="noStrike">
-              <a:latin typeface="Tahoma"/>
-            </a:endParaRPr>
-          </a:p>
-        </p:txBody>
-      </p:sp>
-      <p:sp>
-        <p:nvSpPr>
-          <p:cNvPr id="31" name="PlaceHolder 3"/>
+            <a:endParaRPr b="0" lang="en-US" sz="2200" spc="-1" strike="noStrike">
+              <a:solidFill>
+                <a:srgbClr val="000000"/>
+              </a:solidFill>
+              <a:latin typeface="Source Sans Pro"/>
+            </a:endParaRPr>
+          </a:p>
+        </p:txBody>
+      </p:sp>
+      <p:sp>
+        <p:nvSpPr>
+          <p:cNvPr id="32" name="PlaceHolder 3"/>
           <p:cNvSpPr>
             <a:spLocks noGrp="1"/>
           </p:cNvSpPr>
@@ -240,7 +263,7 @@
         </p:nvSpPr>
         <p:spPr>
           <a:xfrm>
-            <a:off x="5152680" y="1260000"/>
+            <a:off x="5152680" y="2273040"/>
             <a:ext cx="4426920" cy="2091240"/>
           </a:xfrm>
           <a:prstGeom prst="rect">
@@ -250,15 +273,18 @@
         <p:txBody>
           <a:bodyPr lIns="0" rIns="0" tIns="0" bIns="0"/>
           <a:p>
-            <a:endParaRPr b="0" lang="es-PE" sz="2600" spc="-1" strike="noStrike">
-              <a:latin typeface="Tahoma"/>
-            </a:endParaRPr>
-          </a:p>
-        </p:txBody>
-      </p:sp>
-      <p:sp>
-        <p:nvSpPr>
-          <p:cNvPr id="32" name="PlaceHolder 4"/>
+            <a:endParaRPr b="0" lang="en-US" sz="2200" spc="-1" strike="noStrike">
+              <a:solidFill>
+                <a:srgbClr val="000000"/>
+              </a:solidFill>
+              <a:latin typeface="Source Sans Pro"/>
+            </a:endParaRPr>
+          </a:p>
+        </p:txBody>
+      </p:sp>
+      <p:sp>
+        <p:nvSpPr>
+          <p:cNvPr id="33" name="PlaceHolder 4"/>
           <p:cNvSpPr>
             <a:spLocks noGrp="1"/>
           </p:cNvSpPr>
@@ -268,7 +294,7 @@
         </p:nvSpPr>
         <p:spPr>
           <a:xfrm>
-            <a:off x="504000" y="3550320"/>
+            <a:off x="504000" y="4563360"/>
             <a:ext cx="4426920" cy="2091240"/>
           </a:xfrm>
           <a:prstGeom prst="rect">
@@ -278,15 +304,18 @@
         <p:txBody>
           <a:bodyPr lIns="0" rIns="0" tIns="0" bIns="0"/>
           <a:p>
-            <a:endParaRPr b="0" lang="es-PE" sz="2600" spc="-1" strike="noStrike">
-              <a:latin typeface="Tahoma"/>
-            </a:endParaRPr>
-          </a:p>
-        </p:txBody>
-      </p:sp>
-      <p:sp>
-        <p:nvSpPr>
-          <p:cNvPr id="33" name="PlaceHolder 5"/>
+            <a:endParaRPr b="0" lang="en-US" sz="2200" spc="-1" strike="noStrike">
+              <a:solidFill>
+                <a:srgbClr val="000000"/>
+              </a:solidFill>
+              <a:latin typeface="Source Sans Pro"/>
+            </a:endParaRPr>
+          </a:p>
+        </p:txBody>
+      </p:sp>
+      <p:sp>
+        <p:nvSpPr>
+          <p:cNvPr id="34" name="PlaceHolder 5"/>
           <p:cNvSpPr>
             <a:spLocks noGrp="1"/>
           </p:cNvSpPr>
@@ -296,7 +325,7 @@
         </p:nvSpPr>
         <p:spPr>
           <a:xfrm>
-            <a:off x="5152680" y="3550320"/>
+            <a:off x="5152680" y="4563360"/>
             <a:ext cx="4426920" cy="2091240"/>
           </a:xfrm>
           <a:prstGeom prst="rect">
@@ -306,8 +335,11 @@
         <p:txBody>
           <a:bodyPr lIns="0" rIns="0" tIns="0" bIns="0"/>
           <a:p>
-            <a:endParaRPr b="0" lang="es-PE" sz="2600" spc="-1" strike="noStrike">
-              <a:latin typeface="Tahoma"/>
+            <a:endParaRPr b="0" lang="en-US" sz="2200" spc="-1" strike="noStrike">
+              <a:solidFill>
+                <a:srgbClr val="000000"/>
+              </a:solidFill>
+              <a:latin typeface="Source Sans Pro"/>
             </a:endParaRPr>
           </a:p>
         </p:txBody>
@@ -336,7 +368,7 @@
       </p:grpSpPr>
       <p:sp>
         <p:nvSpPr>
-          <p:cNvPr id="34" name="PlaceHolder 1"/>
+          <p:cNvPr id="35" name="PlaceHolder 1"/>
           <p:cNvSpPr>
             <a:spLocks noGrp="1"/>
           </p:cNvSpPr>
@@ -346,8 +378,8 @@
         </p:nvSpPr>
         <p:spPr>
           <a:xfrm>
-            <a:off x="180000" y="180000"/>
-            <a:ext cx="9720000" cy="720000"/>
+            <a:off x="504000" y="805320"/>
+            <a:ext cx="9071640" cy="1262160"/>
           </a:xfrm>
           <a:prstGeom prst="rect">
             <a:avLst/>
@@ -356,19 +388,18 @@
         <p:txBody>
           <a:bodyPr lIns="0" rIns="0" tIns="0" bIns="0" anchor="ctr"/>
           <a:p>
-            <a:pPr algn="r"/>
-            <a:endParaRPr b="1" lang="es-PE" sz="2800" spc="-1" strike="noStrike">
-              <a:solidFill>
-                <a:srgbClr val="ffffff"/>
-              </a:solidFill>
-              <a:latin typeface="Source Sans Pro Black"/>
-            </a:endParaRPr>
-          </a:p>
-        </p:txBody>
-      </p:sp>
-      <p:sp>
-        <p:nvSpPr>
-          <p:cNvPr id="35" name="PlaceHolder 2"/>
+            <a:endParaRPr b="0" lang="en-US" sz="3200" spc="-1" strike="noStrike">
+              <a:solidFill>
+                <a:srgbClr val="3399ff"/>
+              </a:solidFill>
+              <a:latin typeface="Source Sans Pro"/>
+            </a:endParaRPr>
+          </a:p>
+        </p:txBody>
+      </p:sp>
+      <p:sp>
+        <p:nvSpPr>
+          <p:cNvPr id="36" name="PlaceHolder 2"/>
           <p:cNvSpPr>
             <a:spLocks noGrp="1"/>
           </p:cNvSpPr>
@@ -378,7 +409,7 @@
         </p:nvSpPr>
         <p:spPr>
           <a:xfrm>
-            <a:off x="504000" y="1260000"/>
+            <a:off x="504000" y="2273040"/>
             <a:ext cx="2920680" cy="2091240"/>
           </a:xfrm>
           <a:prstGeom prst="rect">
@@ -388,15 +419,18 @@
         <p:txBody>
           <a:bodyPr lIns="0" rIns="0" tIns="0" bIns="0"/>
           <a:p>
-            <a:endParaRPr b="0" lang="es-PE" sz="2600" spc="-1" strike="noStrike">
-              <a:latin typeface="Tahoma"/>
-            </a:endParaRPr>
-          </a:p>
-        </p:txBody>
-      </p:sp>
-      <p:sp>
-        <p:nvSpPr>
-          <p:cNvPr id="36" name="PlaceHolder 3"/>
+            <a:endParaRPr b="0" lang="en-US" sz="2200" spc="-1" strike="noStrike">
+              <a:solidFill>
+                <a:srgbClr val="000000"/>
+              </a:solidFill>
+              <a:latin typeface="Source Sans Pro"/>
+            </a:endParaRPr>
+          </a:p>
+        </p:txBody>
+      </p:sp>
+      <p:sp>
+        <p:nvSpPr>
+          <p:cNvPr id="37" name="PlaceHolder 3"/>
           <p:cNvSpPr>
             <a:spLocks noGrp="1"/>
           </p:cNvSpPr>
@@ -406,7 +440,7 @@
         </p:nvSpPr>
         <p:spPr>
           <a:xfrm>
-            <a:off x="3571200" y="1260000"/>
+            <a:off x="3571200" y="2273040"/>
             <a:ext cx="2920680" cy="2091240"/>
           </a:xfrm>
           <a:prstGeom prst="rect">
@@ -416,15 +450,18 @@
         <p:txBody>
           <a:bodyPr lIns="0" rIns="0" tIns="0" bIns="0"/>
           <a:p>
-            <a:endParaRPr b="0" lang="es-PE" sz="2600" spc="-1" strike="noStrike">
-              <a:latin typeface="Tahoma"/>
-            </a:endParaRPr>
-          </a:p>
-        </p:txBody>
-      </p:sp>
-      <p:sp>
-        <p:nvSpPr>
-          <p:cNvPr id="37" name="PlaceHolder 4"/>
+            <a:endParaRPr b="0" lang="en-US" sz="2200" spc="-1" strike="noStrike">
+              <a:solidFill>
+                <a:srgbClr val="000000"/>
+              </a:solidFill>
+              <a:latin typeface="Source Sans Pro"/>
+            </a:endParaRPr>
+          </a:p>
+        </p:txBody>
+      </p:sp>
+      <p:sp>
+        <p:nvSpPr>
+          <p:cNvPr id="38" name="PlaceHolder 4"/>
           <p:cNvSpPr>
             <a:spLocks noGrp="1"/>
           </p:cNvSpPr>
@@ -434,7 +471,7 @@
         </p:nvSpPr>
         <p:spPr>
           <a:xfrm>
-            <a:off x="6638040" y="1260000"/>
+            <a:off x="6638040" y="2273040"/>
             <a:ext cx="2920680" cy="2091240"/>
           </a:xfrm>
           <a:prstGeom prst="rect">
@@ -444,15 +481,18 @@
         <p:txBody>
           <a:bodyPr lIns="0" rIns="0" tIns="0" bIns="0"/>
           <a:p>
-            <a:endParaRPr b="0" lang="es-PE" sz="2600" spc="-1" strike="noStrike">
-              <a:latin typeface="Tahoma"/>
-            </a:endParaRPr>
-          </a:p>
-        </p:txBody>
-      </p:sp>
-      <p:sp>
-        <p:nvSpPr>
-          <p:cNvPr id="38" name="PlaceHolder 5"/>
+            <a:endParaRPr b="0" lang="en-US" sz="2200" spc="-1" strike="noStrike">
+              <a:solidFill>
+                <a:srgbClr val="000000"/>
+              </a:solidFill>
+              <a:latin typeface="Source Sans Pro"/>
+            </a:endParaRPr>
+          </a:p>
+        </p:txBody>
+      </p:sp>
+      <p:sp>
+        <p:nvSpPr>
+          <p:cNvPr id="39" name="PlaceHolder 5"/>
           <p:cNvSpPr>
             <a:spLocks noGrp="1"/>
           </p:cNvSpPr>
@@ -462,7 +502,7 @@
         </p:nvSpPr>
         <p:spPr>
           <a:xfrm>
-            <a:off x="504000" y="3550320"/>
+            <a:off x="504000" y="4563360"/>
             <a:ext cx="2920680" cy="2091240"/>
           </a:xfrm>
           <a:prstGeom prst="rect">
@@ -472,15 +512,18 @@
         <p:txBody>
           <a:bodyPr lIns="0" rIns="0" tIns="0" bIns="0"/>
           <a:p>
-            <a:endParaRPr b="0" lang="es-PE" sz="2600" spc="-1" strike="noStrike">
-              <a:latin typeface="Tahoma"/>
-            </a:endParaRPr>
-          </a:p>
-        </p:txBody>
-      </p:sp>
-      <p:sp>
-        <p:nvSpPr>
-          <p:cNvPr id="39" name="PlaceHolder 6"/>
+            <a:endParaRPr b="0" lang="en-US" sz="2200" spc="-1" strike="noStrike">
+              <a:solidFill>
+                <a:srgbClr val="000000"/>
+              </a:solidFill>
+              <a:latin typeface="Source Sans Pro"/>
+            </a:endParaRPr>
+          </a:p>
+        </p:txBody>
+      </p:sp>
+      <p:sp>
+        <p:nvSpPr>
+          <p:cNvPr id="40" name="PlaceHolder 6"/>
           <p:cNvSpPr>
             <a:spLocks noGrp="1"/>
           </p:cNvSpPr>
@@ -490,7 +533,7 @@
         </p:nvSpPr>
         <p:spPr>
           <a:xfrm>
-            <a:off x="3571200" y="3550320"/>
+            <a:off x="3571200" y="4563360"/>
             <a:ext cx="2920680" cy="2091240"/>
           </a:xfrm>
           <a:prstGeom prst="rect">
@@ -500,15 +543,18 @@
         <p:txBody>
           <a:bodyPr lIns="0" rIns="0" tIns="0" bIns="0"/>
           <a:p>
-            <a:endParaRPr b="0" lang="es-PE" sz="2600" spc="-1" strike="noStrike">
-              <a:latin typeface="Tahoma"/>
-            </a:endParaRPr>
-          </a:p>
-        </p:txBody>
-      </p:sp>
-      <p:sp>
-        <p:nvSpPr>
-          <p:cNvPr id="40" name="PlaceHolder 7"/>
+            <a:endParaRPr b="0" lang="en-US" sz="2200" spc="-1" strike="noStrike">
+              <a:solidFill>
+                <a:srgbClr val="000000"/>
+              </a:solidFill>
+              <a:latin typeface="Source Sans Pro"/>
+            </a:endParaRPr>
+          </a:p>
+        </p:txBody>
+      </p:sp>
+      <p:sp>
+        <p:nvSpPr>
+          <p:cNvPr id="41" name="PlaceHolder 7"/>
           <p:cNvSpPr>
             <a:spLocks noGrp="1"/>
           </p:cNvSpPr>
@@ -518,7 +564,7 @@
         </p:nvSpPr>
         <p:spPr>
           <a:xfrm>
-            <a:off x="6638040" y="3550320"/>
+            <a:off x="6638040" y="4563360"/>
             <a:ext cx="2920680" cy="2091240"/>
           </a:xfrm>
           <a:prstGeom prst="rect">
@@ -528,8 +574,564 @@
         <p:txBody>
           <a:bodyPr lIns="0" rIns="0" tIns="0" bIns="0"/>
           <a:p>
-            <a:endParaRPr b="0" lang="es-PE" sz="2600" spc="-1" strike="noStrike">
-              <a:latin typeface="Tahoma"/>
+            <a:endParaRPr b="0" lang="en-US" sz="2200" spc="-1" strike="noStrike">
+              <a:solidFill>
+                <a:srgbClr val="000000"/>
+              </a:solidFill>
+              <a:latin typeface="Source Sans Pro"/>
+            </a:endParaRPr>
+          </a:p>
+        </p:txBody>
+      </p:sp>
+    </p:spTree>
+  </p:cSld>
+</p:sldLayout>
+</file>
+
+<file path=ppt/slideLayouts/slideLayout13.xml><?xml version="1.0" encoding="utf-8"?>
+<p:sldLayout xmlns:a="http://schemas.openxmlformats.org/drawingml/2006/main" xmlns:p="http://schemas.openxmlformats.org/presentationml/2006/main" xmlns:r="http://schemas.openxmlformats.org/officeDocument/2006/relationships" xmlns:p14="http://schemas.microsoft.com/office/powerpoint/2010/main" xmlns:p15="http://schemas.microsoft.com/office/powerpoint/2012/main" xmlns:mc="http://schemas.openxmlformats.org/markup-compatibility/2006" type="blank" preserve="1">
+  <p:cSld name="Blank Slide">
+    <p:spTree>
+      <p:nvGrpSpPr>
+        <p:cNvPr id="1" name=""/>
+        <p:cNvGrpSpPr/>
+        <p:nvPr/>
+      </p:nvGrpSpPr>
+      <p:grpSpPr>
+        <a:xfrm>
+          <a:off x="0" y="0"/>
+          <a:ext cx="0" cy="0"/>
+          <a:chOff x="0" y="0"/>
+          <a:chExt cx="0" cy="0"/>
+        </a:xfrm>
+      </p:grpSpPr>
+    </p:spTree>
+  </p:cSld>
+</p:sldLayout>
+</file>
+
+<file path=ppt/slideLayouts/slideLayout14.xml><?xml version="1.0" encoding="utf-8"?>
+<p:sldLayout xmlns:a="http://schemas.openxmlformats.org/drawingml/2006/main" xmlns:p="http://schemas.openxmlformats.org/presentationml/2006/main" xmlns:r="http://schemas.openxmlformats.org/officeDocument/2006/relationships" xmlns:p14="http://schemas.microsoft.com/office/powerpoint/2010/main" xmlns:p15="http://schemas.microsoft.com/office/powerpoint/2012/main" xmlns:mc="http://schemas.openxmlformats.org/markup-compatibility/2006" type="tx" preserve="1">
+  <p:cSld name="Title Slide">
+    <p:spTree>
+      <p:nvGrpSpPr>
+        <p:cNvPr id="1" name=""/>
+        <p:cNvGrpSpPr/>
+        <p:nvPr/>
+      </p:nvGrpSpPr>
+      <p:grpSpPr>
+        <a:xfrm>
+          <a:off x="0" y="0"/>
+          <a:ext cx="0" cy="0"/>
+          <a:chOff x="0" y="0"/>
+          <a:chExt cx="0" cy="0"/>
+        </a:xfrm>
+      </p:grpSpPr>
+      <p:sp>
+        <p:nvSpPr>
+          <p:cNvPr id="48" name="PlaceHolder 1"/>
+          <p:cNvSpPr>
+            <a:spLocks noGrp="1"/>
+          </p:cNvSpPr>
+          <p:nvPr>
+            <p:ph type="title"/>
+          </p:nvPr>
+        </p:nvSpPr>
+        <p:spPr>
+          <a:xfrm>
+            <a:off x="504000" y="805320"/>
+            <a:ext cx="9071640" cy="1262160"/>
+          </a:xfrm>
+          <a:prstGeom prst="rect">
+            <a:avLst/>
+          </a:prstGeom>
+        </p:spPr>
+        <p:txBody>
+          <a:bodyPr lIns="0" rIns="0" tIns="0" bIns="0" anchor="ctr"/>
+          <a:p>
+            <a:endParaRPr b="0" lang="en-US" sz="3200" spc="-1" strike="noStrike">
+              <a:solidFill>
+                <a:srgbClr val="3399ff"/>
+              </a:solidFill>
+              <a:latin typeface="Source Sans Pro"/>
+            </a:endParaRPr>
+          </a:p>
+        </p:txBody>
+      </p:sp>
+      <p:sp>
+        <p:nvSpPr>
+          <p:cNvPr id="49" name="PlaceHolder 2"/>
+          <p:cNvSpPr>
+            <a:spLocks noGrp="1"/>
+          </p:cNvSpPr>
+          <p:nvPr>
+            <p:ph type="subTitle"/>
+          </p:nvPr>
+        </p:nvSpPr>
+        <p:spPr>
+          <a:xfrm>
+            <a:off x="504000" y="2273040"/>
+            <a:ext cx="9071640" cy="4384800"/>
+          </a:xfrm>
+          <a:prstGeom prst="rect">
+            <a:avLst/>
+          </a:prstGeom>
+        </p:spPr>
+        <p:txBody>
+          <a:bodyPr lIns="0" rIns="0" tIns="0" bIns="0" anchor="ctr"/>
+          <a:p>
+            <a:pPr algn="ctr"/>
+            <a:endParaRPr b="0" lang="en-US" sz="3200" spc="-1" strike="noStrike">
+              <a:latin typeface="Source Sans Pro"/>
+            </a:endParaRPr>
+          </a:p>
+        </p:txBody>
+      </p:sp>
+    </p:spTree>
+  </p:cSld>
+</p:sldLayout>
+</file>
+
+<file path=ppt/slideLayouts/slideLayout15.xml><?xml version="1.0" encoding="utf-8"?>
+<p:sldLayout xmlns:a="http://schemas.openxmlformats.org/drawingml/2006/main" xmlns:p="http://schemas.openxmlformats.org/presentationml/2006/main" xmlns:r="http://schemas.openxmlformats.org/officeDocument/2006/relationships" xmlns:p14="http://schemas.microsoft.com/office/powerpoint/2010/main" xmlns:p15="http://schemas.microsoft.com/office/powerpoint/2012/main" xmlns:mc="http://schemas.openxmlformats.org/markup-compatibility/2006" type="obj" preserve="1">
+  <p:cSld name="Title, Content">
+    <p:spTree>
+      <p:nvGrpSpPr>
+        <p:cNvPr id="1" name=""/>
+        <p:cNvGrpSpPr/>
+        <p:nvPr/>
+      </p:nvGrpSpPr>
+      <p:grpSpPr>
+        <a:xfrm>
+          <a:off x="0" y="0"/>
+          <a:ext cx="0" cy="0"/>
+          <a:chOff x="0" y="0"/>
+          <a:chExt cx="0" cy="0"/>
+        </a:xfrm>
+      </p:grpSpPr>
+      <p:sp>
+        <p:nvSpPr>
+          <p:cNvPr id="50" name="PlaceHolder 1"/>
+          <p:cNvSpPr>
+            <a:spLocks noGrp="1"/>
+          </p:cNvSpPr>
+          <p:nvPr>
+            <p:ph type="title"/>
+          </p:nvPr>
+        </p:nvSpPr>
+        <p:spPr>
+          <a:xfrm>
+            <a:off x="504000" y="805320"/>
+            <a:ext cx="9071640" cy="1262160"/>
+          </a:xfrm>
+          <a:prstGeom prst="rect">
+            <a:avLst/>
+          </a:prstGeom>
+        </p:spPr>
+        <p:txBody>
+          <a:bodyPr lIns="0" rIns="0" tIns="0" bIns="0" anchor="ctr"/>
+          <a:p>
+            <a:endParaRPr b="0" lang="en-US" sz="3200" spc="-1" strike="noStrike">
+              <a:solidFill>
+                <a:srgbClr val="3399ff"/>
+              </a:solidFill>
+              <a:latin typeface="Source Sans Pro"/>
+            </a:endParaRPr>
+          </a:p>
+        </p:txBody>
+      </p:sp>
+      <p:sp>
+        <p:nvSpPr>
+          <p:cNvPr id="51" name="PlaceHolder 2"/>
+          <p:cNvSpPr>
+            <a:spLocks noGrp="1"/>
+          </p:cNvSpPr>
+          <p:nvPr>
+            <p:ph type="body"/>
+          </p:nvPr>
+        </p:nvSpPr>
+        <p:spPr>
+          <a:xfrm>
+            <a:off x="504000" y="2273040"/>
+            <a:ext cx="9071640" cy="4384800"/>
+          </a:xfrm>
+          <a:prstGeom prst="rect">
+            <a:avLst/>
+          </a:prstGeom>
+        </p:spPr>
+        <p:txBody>
+          <a:bodyPr lIns="0" rIns="0" tIns="0" bIns="0"/>
+          <a:p>
+            <a:endParaRPr b="0" lang="en-US" sz="2200" spc="-1" strike="noStrike">
+              <a:solidFill>
+                <a:srgbClr val="000000"/>
+              </a:solidFill>
+              <a:latin typeface="Source Sans Pro"/>
+            </a:endParaRPr>
+          </a:p>
+        </p:txBody>
+      </p:sp>
+    </p:spTree>
+  </p:cSld>
+</p:sldLayout>
+</file>
+
+<file path=ppt/slideLayouts/slideLayout16.xml><?xml version="1.0" encoding="utf-8"?>
+<p:sldLayout xmlns:a="http://schemas.openxmlformats.org/drawingml/2006/main" xmlns:p="http://schemas.openxmlformats.org/presentationml/2006/main" xmlns:r="http://schemas.openxmlformats.org/officeDocument/2006/relationships" xmlns:p14="http://schemas.microsoft.com/office/powerpoint/2010/main" xmlns:p15="http://schemas.microsoft.com/office/powerpoint/2012/main" xmlns:mc="http://schemas.openxmlformats.org/markup-compatibility/2006" type="twoObj" preserve="1">
+  <p:cSld name="Title, 2 Content">
+    <p:spTree>
+      <p:nvGrpSpPr>
+        <p:cNvPr id="1" name=""/>
+        <p:cNvGrpSpPr/>
+        <p:nvPr/>
+      </p:nvGrpSpPr>
+      <p:grpSpPr>
+        <a:xfrm>
+          <a:off x="0" y="0"/>
+          <a:ext cx="0" cy="0"/>
+          <a:chOff x="0" y="0"/>
+          <a:chExt cx="0" cy="0"/>
+        </a:xfrm>
+      </p:grpSpPr>
+      <p:sp>
+        <p:nvSpPr>
+          <p:cNvPr id="52" name="PlaceHolder 1"/>
+          <p:cNvSpPr>
+            <a:spLocks noGrp="1"/>
+          </p:cNvSpPr>
+          <p:nvPr>
+            <p:ph type="title"/>
+          </p:nvPr>
+        </p:nvSpPr>
+        <p:spPr>
+          <a:xfrm>
+            <a:off x="504000" y="805320"/>
+            <a:ext cx="9071640" cy="1262160"/>
+          </a:xfrm>
+          <a:prstGeom prst="rect">
+            <a:avLst/>
+          </a:prstGeom>
+        </p:spPr>
+        <p:txBody>
+          <a:bodyPr lIns="0" rIns="0" tIns="0" bIns="0" anchor="ctr"/>
+          <a:p>
+            <a:endParaRPr b="0" lang="en-US" sz="3200" spc="-1" strike="noStrike">
+              <a:solidFill>
+                <a:srgbClr val="3399ff"/>
+              </a:solidFill>
+              <a:latin typeface="Source Sans Pro"/>
+            </a:endParaRPr>
+          </a:p>
+        </p:txBody>
+      </p:sp>
+      <p:sp>
+        <p:nvSpPr>
+          <p:cNvPr id="53" name="PlaceHolder 2"/>
+          <p:cNvSpPr>
+            <a:spLocks noGrp="1"/>
+          </p:cNvSpPr>
+          <p:nvPr>
+            <p:ph type="body"/>
+          </p:nvPr>
+        </p:nvSpPr>
+        <p:spPr>
+          <a:xfrm>
+            <a:off x="504000" y="2273040"/>
+            <a:ext cx="4426920" cy="4384800"/>
+          </a:xfrm>
+          <a:prstGeom prst="rect">
+            <a:avLst/>
+          </a:prstGeom>
+        </p:spPr>
+        <p:txBody>
+          <a:bodyPr lIns="0" rIns="0" tIns="0" bIns="0"/>
+          <a:p>
+            <a:endParaRPr b="0" lang="en-US" sz="2200" spc="-1" strike="noStrike">
+              <a:solidFill>
+                <a:srgbClr val="000000"/>
+              </a:solidFill>
+              <a:latin typeface="Source Sans Pro"/>
+            </a:endParaRPr>
+          </a:p>
+        </p:txBody>
+      </p:sp>
+      <p:sp>
+        <p:nvSpPr>
+          <p:cNvPr id="54" name="PlaceHolder 3"/>
+          <p:cNvSpPr>
+            <a:spLocks noGrp="1"/>
+          </p:cNvSpPr>
+          <p:nvPr>
+            <p:ph type="body"/>
+          </p:nvPr>
+        </p:nvSpPr>
+        <p:spPr>
+          <a:xfrm>
+            <a:off x="5152680" y="2273040"/>
+            <a:ext cx="4426920" cy="4384800"/>
+          </a:xfrm>
+          <a:prstGeom prst="rect">
+            <a:avLst/>
+          </a:prstGeom>
+        </p:spPr>
+        <p:txBody>
+          <a:bodyPr lIns="0" rIns="0" tIns="0" bIns="0"/>
+          <a:p>
+            <a:endParaRPr b="0" lang="en-US" sz="2200" spc="-1" strike="noStrike">
+              <a:solidFill>
+                <a:srgbClr val="000000"/>
+              </a:solidFill>
+              <a:latin typeface="Source Sans Pro"/>
+            </a:endParaRPr>
+          </a:p>
+        </p:txBody>
+      </p:sp>
+    </p:spTree>
+  </p:cSld>
+</p:sldLayout>
+</file>
+
+<file path=ppt/slideLayouts/slideLayout17.xml><?xml version="1.0" encoding="utf-8"?>
+<p:sldLayout xmlns:a="http://schemas.openxmlformats.org/drawingml/2006/main" xmlns:p="http://schemas.openxmlformats.org/presentationml/2006/main" xmlns:r="http://schemas.openxmlformats.org/officeDocument/2006/relationships" xmlns:p14="http://schemas.microsoft.com/office/powerpoint/2010/main" xmlns:p15="http://schemas.microsoft.com/office/powerpoint/2012/main" xmlns:mc="http://schemas.openxmlformats.org/markup-compatibility/2006" type="titleOnly" preserve="1">
+  <p:cSld name="Title Only">
+    <p:spTree>
+      <p:nvGrpSpPr>
+        <p:cNvPr id="1" name=""/>
+        <p:cNvGrpSpPr/>
+        <p:nvPr/>
+      </p:nvGrpSpPr>
+      <p:grpSpPr>
+        <a:xfrm>
+          <a:off x="0" y="0"/>
+          <a:ext cx="0" cy="0"/>
+          <a:chOff x="0" y="0"/>
+          <a:chExt cx="0" cy="0"/>
+        </a:xfrm>
+      </p:grpSpPr>
+      <p:sp>
+        <p:nvSpPr>
+          <p:cNvPr id="55" name="PlaceHolder 1"/>
+          <p:cNvSpPr>
+            <a:spLocks noGrp="1"/>
+          </p:cNvSpPr>
+          <p:nvPr>
+            <p:ph type="title"/>
+          </p:nvPr>
+        </p:nvSpPr>
+        <p:spPr>
+          <a:xfrm>
+            <a:off x="504000" y="805320"/>
+            <a:ext cx="9071640" cy="1262160"/>
+          </a:xfrm>
+          <a:prstGeom prst="rect">
+            <a:avLst/>
+          </a:prstGeom>
+        </p:spPr>
+        <p:txBody>
+          <a:bodyPr lIns="0" rIns="0" tIns="0" bIns="0" anchor="ctr"/>
+          <a:p>
+            <a:endParaRPr b="0" lang="en-US" sz="3200" spc="-1" strike="noStrike">
+              <a:solidFill>
+                <a:srgbClr val="3399ff"/>
+              </a:solidFill>
+              <a:latin typeface="Source Sans Pro"/>
+            </a:endParaRPr>
+          </a:p>
+        </p:txBody>
+      </p:sp>
+    </p:spTree>
+  </p:cSld>
+</p:sldLayout>
+</file>
+
+<file path=ppt/slideLayouts/slideLayout18.xml><?xml version="1.0" encoding="utf-8"?>
+<p:sldLayout xmlns:a="http://schemas.openxmlformats.org/drawingml/2006/main" xmlns:p="http://schemas.openxmlformats.org/presentationml/2006/main" xmlns:r="http://schemas.openxmlformats.org/officeDocument/2006/relationships" xmlns:p14="http://schemas.microsoft.com/office/powerpoint/2010/main" xmlns:p15="http://schemas.microsoft.com/office/powerpoint/2012/main" xmlns:mc="http://schemas.openxmlformats.org/markup-compatibility/2006" type="objOnly" preserve="1">
+  <p:cSld name="Centered Text">
+    <p:spTree>
+      <p:nvGrpSpPr>
+        <p:cNvPr id="1" name=""/>
+        <p:cNvGrpSpPr/>
+        <p:nvPr/>
+      </p:nvGrpSpPr>
+      <p:grpSpPr>
+        <a:xfrm>
+          <a:off x="0" y="0"/>
+          <a:ext cx="0" cy="0"/>
+          <a:chOff x="0" y="0"/>
+          <a:chExt cx="0" cy="0"/>
+        </a:xfrm>
+      </p:grpSpPr>
+      <p:sp>
+        <p:nvSpPr>
+          <p:cNvPr id="56" name="PlaceHolder 1"/>
+          <p:cNvSpPr>
+            <a:spLocks noGrp="1"/>
+          </p:cNvSpPr>
+          <p:nvPr>
+            <p:ph type="subTitle"/>
+          </p:nvPr>
+        </p:nvSpPr>
+        <p:spPr>
+          <a:xfrm>
+            <a:off x="504000" y="805320"/>
+            <a:ext cx="9071640" cy="5851800"/>
+          </a:xfrm>
+          <a:prstGeom prst="rect">
+            <a:avLst/>
+          </a:prstGeom>
+        </p:spPr>
+        <p:txBody>
+          <a:bodyPr lIns="0" rIns="0" tIns="0" bIns="0" anchor="ctr"/>
+          <a:p>
+            <a:pPr algn="ctr"/>
+            <a:endParaRPr b="0" lang="en-US" sz="3200" spc="-1" strike="noStrike">
+              <a:latin typeface="Source Sans Pro"/>
+            </a:endParaRPr>
+          </a:p>
+        </p:txBody>
+      </p:sp>
+    </p:spTree>
+  </p:cSld>
+</p:sldLayout>
+</file>
+
+<file path=ppt/slideLayouts/slideLayout19.xml><?xml version="1.0" encoding="utf-8"?>
+<p:sldLayout xmlns:a="http://schemas.openxmlformats.org/drawingml/2006/main" xmlns:p="http://schemas.openxmlformats.org/presentationml/2006/main" xmlns:r="http://schemas.openxmlformats.org/officeDocument/2006/relationships" xmlns:p14="http://schemas.microsoft.com/office/powerpoint/2010/main" xmlns:p15="http://schemas.microsoft.com/office/powerpoint/2012/main" xmlns:mc="http://schemas.openxmlformats.org/markup-compatibility/2006" type="twoObjAndObj" preserve="1">
+  <p:cSld name="Title, 2 Content and Content">
+    <p:spTree>
+      <p:nvGrpSpPr>
+        <p:cNvPr id="1" name=""/>
+        <p:cNvGrpSpPr/>
+        <p:nvPr/>
+      </p:nvGrpSpPr>
+      <p:grpSpPr>
+        <a:xfrm>
+          <a:off x="0" y="0"/>
+          <a:ext cx="0" cy="0"/>
+          <a:chOff x="0" y="0"/>
+          <a:chExt cx="0" cy="0"/>
+        </a:xfrm>
+      </p:grpSpPr>
+      <p:sp>
+        <p:nvSpPr>
+          <p:cNvPr id="57" name="PlaceHolder 1"/>
+          <p:cNvSpPr>
+            <a:spLocks noGrp="1"/>
+          </p:cNvSpPr>
+          <p:nvPr>
+            <p:ph type="title"/>
+          </p:nvPr>
+        </p:nvSpPr>
+        <p:spPr>
+          <a:xfrm>
+            <a:off x="504000" y="805320"/>
+            <a:ext cx="9071640" cy="1262160"/>
+          </a:xfrm>
+          <a:prstGeom prst="rect">
+            <a:avLst/>
+          </a:prstGeom>
+        </p:spPr>
+        <p:txBody>
+          <a:bodyPr lIns="0" rIns="0" tIns="0" bIns="0" anchor="ctr"/>
+          <a:p>
+            <a:endParaRPr b="0" lang="en-US" sz="3200" spc="-1" strike="noStrike">
+              <a:solidFill>
+                <a:srgbClr val="3399ff"/>
+              </a:solidFill>
+              <a:latin typeface="Source Sans Pro"/>
+            </a:endParaRPr>
+          </a:p>
+        </p:txBody>
+      </p:sp>
+      <p:sp>
+        <p:nvSpPr>
+          <p:cNvPr id="58" name="PlaceHolder 2"/>
+          <p:cNvSpPr>
+            <a:spLocks noGrp="1"/>
+          </p:cNvSpPr>
+          <p:nvPr>
+            <p:ph type="body"/>
+          </p:nvPr>
+        </p:nvSpPr>
+        <p:spPr>
+          <a:xfrm>
+            <a:off x="504000" y="2273040"/>
+            <a:ext cx="4426920" cy="2091240"/>
+          </a:xfrm>
+          <a:prstGeom prst="rect">
+            <a:avLst/>
+          </a:prstGeom>
+        </p:spPr>
+        <p:txBody>
+          <a:bodyPr lIns="0" rIns="0" tIns="0" bIns="0"/>
+          <a:p>
+            <a:endParaRPr b="0" lang="en-US" sz="2200" spc="-1" strike="noStrike">
+              <a:solidFill>
+                <a:srgbClr val="000000"/>
+              </a:solidFill>
+              <a:latin typeface="Source Sans Pro"/>
+            </a:endParaRPr>
+          </a:p>
+        </p:txBody>
+      </p:sp>
+      <p:sp>
+        <p:nvSpPr>
+          <p:cNvPr id="59" name="PlaceHolder 3"/>
+          <p:cNvSpPr>
+            <a:spLocks noGrp="1"/>
+          </p:cNvSpPr>
+          <p:nvPr>
+            <p:ph type="body"/>
+          </p:nvPr>
+        </p:nvSpPr>
+        <p:spPr>
+          <a:xfrm>
+            <a:off x="5152680" y="2273040"/>
+            <a:ext cx="4426920" cy="4384800"/>
+          </a:xfrm>
+          <a:prstGeom prst="rect">
+            <a:avLst/>
+          </a:prstGeom>
+        </p:spPr>
+        <p:txBody>
+          <a:bodyPr lIns="0" rIns="0" tIns="0" bIns="0"/>
+          <a:p>
+            <a:endParaRPr b="0" lang="en-US" sz="2200" spc="-1" strike="noStrike">
+              <a:solidFill>
+                <a:srgbClr val="000000"/>
+              </a:solidFill>
+              <a:latin typeface="Source Sans Pro"/>
+            </a:endParaRPr>
+          </a:p>
+        </p:txBody>
+      </p:sp>
+      <p:sp>
+        <p:nvSpPr>
+          <p:cNvPr id="60" name="PlaceHolder 4"/>
+          <p:cNvSpPr>
+            <a:spLocks noGrp="1"/>
+          </p:cNvSpPr>
+          <p:nvPr>
+            <p:ph type="body"/>
+          </p:nvPr>
+        </p:nvSpPr>
+        <p:spPr>
+          <a:xfrm>
+            <a:off x="504000" y="4563360"/>
+            <a:ext cx="4426920" cy="2091240"/>
+          </a:xfrm>
+          <a:prstGeom prst="rect">
+            <a:avLst/>
+          </a:prstGeom>
+        </p:spPr>
+        <p:txBody>
+          <a:bodyPr lIns="0" rIns="0" tIns="0" bIns="0"/>
+          <a:p>
+            <a:endParaRPr b="0" lang="en-US" sz="2200" spc="-1" strike="noStrike">
+              <a:solidFill>
+                <a:srgbClr val="000000"/>
+              </a:solidFill>
+              <a:latin typeface="Source Sans Pro"/>
             </a:endParaRPr>
           </a:p>
         </p:txBody>
@@ -558,7 +1160,7 @@
       </p:grpSpPr>
       <p:sp>
         <p:nvSpPr>
-          <p:cNvPr id="5" name="PlaceHolder 1"/>
+          <p:cNvPr id="6" name="PlaceHolder 1"/>
           <p:cNvSpPr>
             <a:spLocks noGrp="1"/>
           </p:cNvSpPr>
@@ -568,8 +1170,8 @@
         </p:nvSpPr>
         <p:spPr>
           <a:xfrm>
-            <a:off x="180000" y="180000"/>
-            <a:ext cx="9720000" cy="720000"/>
+            <a:off x="504000" y="805320"/>
+            <a:ext cx="9071640" cy="1262160"/>
           </a:xfrm>
           <a:prstGeom prst="rect">
             <a:avLst/>
@@ -578,19 +1180,18 @@
         <p:txBody>
           <a:bodyPr lIns="0" rIns="0" tIns="0" bIns="0" anchor="ctr"/>
           <a:p>
-            <a:pPr algn="r"/>
-            <a:endParaRPr b="1" lang="es-PE" sz="2800" spc="-1" strike="noStrike">
-              <a:solidFill>
-                <a:srgbClr val="ffffff"/>
-              </a:solidFill>
-              <a:latin typeface="Source Sans Pro Black"/>
-            </a:endParaRPr>
-          </a:p>
-        </p:txBody>
-      </p:sp>
-      <p:sp>
-        <p:nvSpPr>
-          <p:cNvPr id="6" name="PlaceHolder 2"/>
+            <a:endParaRPr b="0" lang="en-US" sz="3200" spc="-1" strike="noStrike">
+              <a:solidFill>
+                <a:srgbClr val="3399ff"/>
+              </a:solidFill>
+              <a:latin typeface="Source Sans Pro"/>
+            </a:endParaRPr>
+          </a:p>
+        </p:txBody>
+      </p:sp>
+      <p:sp>
+        <p:nvSpPr>
+          <p:cNvPr id="7" name="PlaceHolder 2"/>
           <p:cNvSpPr>
             <a:spLocks noGrp="1"/>
           </p:cNvSpPr>
@@ -600,7 +1201,7 @@
         </p:nvSpPr>
         <p:spPr>
           <a:xfrm>
-            <a:off x="504000" y="1260000"/>
+            <a:off x="504000" y="2273040"/>
             <a:ext cx="9071640" cy="4384800"/>
           </a:xfrm>
           <a:prstGeom prst="rect">
@@ -611,9 +1212,829 @@
           <a:bodyPr lIns="0" rIns="0" tIns="0" bIns="0" anchor="ctr"/>
           <a:p>
             <a:pPr algn="ctr"/>
-            <a:endParaRPr b="0" lang="es-PE" sz="3200" spc="-1" strike="noStrike">
-              <a:solidFill>
-                <a:srgbClr val="ffffff"/>
+            <a:endParaRPr b="0" lang="en-US" sz="3200" spc="-1" strike="noStrike">
+              <a:latin typeface="Source Sans Pro"/>
+            </a:endParaRPr>
+          </a:p>
+        </p:txBody>
+      </p:sp>
+    </p:spTree>
+  </p:cSld>
+</p:sldLayout>
+</file>
+
+<file path=ppt/slideLayouts/slideLayout20.xml><?xml version="1.0" encoding="utf-8"?>
+<p:sldLayout xmlns:a="http://schemas.openxmlformats.org/drawingml/2006/main" xmlns:p="http://schemas.openxmlformats.org/presentationml/2006/main" xmlns:r="http://schemas.openxmlformats.org/officeDocument/2006/relationships" xmlns:p14="http://schemas.microsoft.com/office/powerpoint/2010/main" xmlns:p15="http://schemas.microsoft.com/office/powerpoint/2012/main" xmlns:mc="http://schemas.openxmlformats.org/markup-compatibility/2006" type="objAndTwoObj" preserve="1">
+  <p:cSld name="Title Content and 2 Content">
+    <p:spTree>
+      <p:nvGrpSpPr>
+        <p:cNvPr id="1" name=""/>
+        <p:cNvGrpSpPr/>
+        <p:nvPr/>
+      </p:nvGrpSpPr>
+      <p:grpSpPr>
+        <a:xfrm>
+          <a:off x="0" y="0"/>
+          <a:ext cx="0" cy="0"/>
+          <a:chOff x="0" y="0"/>
+          <a:chExt cx="0" cy="0"/>
+        </a:xfrm>
+      </p:grpSpPr>
+      <p:sp>
+        <p:nvSpPr>
+          <p:cNvPr id="61" name="PlaceHolder 1"/>
+          <p:cNvSpPr>
+            <a:spLocks noGrp="1"/>
+          </p:cNvSpPr>
+          <p:nvPr>
+            <p:ph type="title"/>
+          </p:nvPr>
+        </p:nvSpPr>
+        <p:spPr>
+          <a:xfrm>
+            <a:off x="504000" y="805320"/>
+            <a:ext cx="9071640" cy="1262160"/>
+          </a:xfrm>
+          <a:prstGeom prst="rect">
+            <a:avLst/>
+          </a:prstGeom>
+        </p:spPr>
+        <p:txBody>
+          <a:bodyPr lIns="0" rIns="0" tIns="0" bIns="0" anchor="ctr"/>
+          <a:p>
+            <a:endParaRPr b="0" lang="en-US" sz="3200" spc="-1" strike="noStrike">
+              <a:solidFill>
+                <a:srgbClr val="3399ff"/>
+              </a:solidFill>
+              <a:latin typeface="Source Sans Pro"/>
+            </a:endParaRPr>
+          </a:p>
+        </p:txBody>
+      </p:sp>
+      <p:sp>
+        <p:nvSpPr>
+          <p:cNvPr id="62" name="PlaceHolder 2"/>
+          <p:cNvSpPr>
+            <a:spLocks noGrp="1"/>
+          </p:cNvSpPr>
+          <p:nvPr>
+            <p:ph type="body"/>
+          </p:nvPr>
+        </p:nvSpPr>
+        <p:spPr>
+          <a:xfrm>
+            <a:off x="504000" y="2273040"/>
+            <a:ext cx="4426920" cy="4384800"/>
+          </a:xfrm>
+          <a:prstGeom prst="rect">
+            <a:avLst/>
+          </a:prstGeom>
+        </p:spPr>
+        <p:txBody>
+          <a:bodyPr lIns="0" rIns="0" tIns="0" bIns="0"/>
+          <a:p>
+            <a:endParaRPr b="0" lang="en-US" sz="2200" spc="-1" strike="noStrike">
+              <a:solidFill>
+                <a:srgbClr val="000000"/>
+              </a:solidFill>
+              <a:latin typeface="Source Sans Pro"/>
+            </a:endParaRPr>
+          </a:p>
+        </p:txBody>
+      </p:sp>
+      <p:sp>
+        <p:nvSpPr>
+          <p:cNvPr id="63" name="PlaceHolder 3"/>
+          <p:cNvSpPr>
+            <a:spLocks noGrp="1"/>
+          </p:cNvSpPr>
+          <p:nvPr>
+            <p:ph type="body"/>
+          </p:nvPr>
+        </p:nvSpPr>
+        <p:spPr>
+          <a:xfrm>
+            <a:off x="5152680" y="2273040"/>
+            <a:ext cx="4426920" cy="2091240"/>
+          </a:xfrm>
+          <a:prstGeom prst="rect">
+            <a:avLst/>
+          </a:prstGeom>
+        </p:spPr>
+        <p:txBody>
+          <a:bodyPr lIns="0" rIns="0" tIns="0" bIns="0"/>
+          <a:p>
+            <a:endParaRPr b="0" lang="en-US" sz="2200" spc="-1" strike="noStrike">
+              <a:solidFill>
+                <a:srgbClr val="000000"/>
+              </a:solidFill>
+              <a:latin typeface="Source Sans Pro"/>
+            </a:endParaRPr>
+          </a:p>
+        </p:txBody>
+      </p:sp>
+      <p:sp>
+        <p:nvSpPr>
+          <p:cNvPr id="64" name="PlaceHolder 4"/>
+          <p:cNvSpPr>
+            <a:spLocks noGrp="1"/>
+          </p:cNvSpPr>
+          <p:nvPr>
+            <p:ph type="body"/>
+          </p:nvPr>
+        </p:nvSpPr>
+        <p:spPr>
+          <a:xfrm>
+            <a:off x="5152680" y="4563360"/>
+            <a:ext cx="4426920" cy="2091240"/>
+          </a:xfrm>
+          <a:prstGeom prst="rect">
+            <a:avLst/>
+          </a:prstGeom>
+        </p:spPr>
+        <p:txBody>
+          <a:bodyPr lIns="0" rIns="0" tIns="0" bIns="0"/>
+          <a:p>
+            <a:endParaRPr b="0" lang="en-US" sz="2200" spc="-1" strike="noStrike">
+              <a:solidFill>
+                <a:srgbClr val="000000"/>
+              </a:solidFill>
+              <a:latin typeface="Source Sans Pro"/>
+            </a:endParaRPr>
+          </a:p>
+        </p:txBody>
+      </p:sp>
+    </p:spTree>
+  </p:cSld>
+</p:sldLayout>
+</file>
+
+<file path=ppt/slideLayouts/slideLayout21.xml><?xml version="1.0" encoding="utf-8"?>
+<p:sldLayout xmlns:a="http://schemas.openxmlformats.org/drawingml/2006/main" xmlns:p="http://schemas.openxmlformats.org/presentationml/2006/main" xmlns:r="http://schemas.openxmlformats.org/officeDocument/2006/relationships" xmlns:p14="http://schemas.microsoft.com/office/powerpoint/2010/main" xmlns:p15="http://schemas.microsoft.com/office/powerpoint/2012/main" xmlns:mc="http://schemas.openxmlformats.org/markup-compatibility/2006" type="twoObjOverTx" preserve="1">
+  <p:cSld name="Title, 2 Content over Content">
+    <p:spTree>
+      <p:nvGrpSpPr>
+        <p:cNvPr id="1" name=""/>
+        <p:cNvGrpSpPr/>
+        <p:nvPr/>
+      </p:nvGrpSpPr>
+      <p:grpSpPr>
+        <a:xfrm>
+          <a:off x="0" y="0"/>
+          <a:ext cx="0" cy="0"/>
+          <a:chOff x="0" y="0"/>
+          <a:chExt cx="0" cy="0"/>
+        </a:xfrm>
+      </p:grpSpPr>
+      <p:sp>
+        <p:nvSpPr>
+          <p:cNvPr id="65" name="PlaceHolder 1"/>
+          <p:cNvSpPr>
+            <a:spLocks noGrp="1"/>
+          </p:cNvSpPr>
+          <p:nvPr>
+            <p:ph type="title"/>
+          </p:nvPr>
+        </p:nvSpPr>
+        <p:spPr>
+          <a:xfrm>
+            <a:off x="504000" y="805320"/>
+            <a:ext cx="9071640" cy="1262160"/>
+          </a:xfrm>
+          <a:prstGeom prst="rect">
+            <a:avLst/>
+          </a:prstGeom>
+        </p:spPr>
+        <p:txBody>
+          <a:bodyPr lIns="0" rIns="0" tIns="0" bIns="0" anchor="ctr"/>
+          <a:p>
+            <a:endParaRPr b="0" lang="en-US" sz="3200" spc="-1" strike="noStrike">
+              <a:solidFill>
+                <a:srgbClr val="3399ff"/>
+              </a:solidFill>
+              <a:latin typeface="Source Sans Pro"/>
+            </a:endParaRPr>
+          </a:p>
+        </p:txBody>
+      </p:sp>
+      <p:sp>
+        <p:nvSpPr>
+          <p:cNvPr id="66" name="PlaceHolder 2"/>
+          <p:cNvSpPr>
+            <a:spLocks noGrp="1"/>
+          </p:cNvSpPr>
+          <p:nvPr>
+            <p:ph type="body"/>
+          </p:nvPr>
+        </p:nvSpPr>
+        <p:spPr>
+          <a:xfrm>
+            <a:off x="504000" y="2273040"/>
+            <a:ext cx="4426920" cy="2091240"/>
+          </a:xfrm>
+          <a:prstGeom prst="rect">
+            <a:avLst/>
+          </a:prstGeom>
+        </p:spPr>
+        <p:txBody>
+          <a:bodyPr lIns="0" rIns="0" tIns="0" bIns="0"/>
+          <a:p>
+            <a:endParaRPr b="0" lang="en-US" sz="2200" spc="-1" strike="noStrike">
+              <a:solidFill>
+                <a:srgbClr val="000000"/>
+              </a:solidFill>
+              <a:latin typeface="Source Sans Pro"/>
+            </a:endParaRPr>
+          </a:p>
+        </p:txBody>
+      </p:sp>
+      <p:sp>
+        <p:nvSpPr>
+          <p:cNvPr id="67" name="PlaceHolder 3"/>
+          <p:cNvSpPr>
+            <a:spLocks noGrp="1"/>
+          </p:cNvSpPr>
+          <p:nvPr>
+            <p:ph type="body"/>
+          </p:nvPr>
+        </p:nvSpPr>
+        <p:spPr>
+          <a:xfrm>
+            <a:off x="5152680" y="2273040"/>
+            <a:ext cx="4426920" cy="2091240"/>
+          </a:xfrm>
+          <a:prstGeom prst="rect">
+            <a:avLst/>
+          </a:prstGeom>
+        </p:spPr>
+        <p:txBody>
+          <a:bodyPr lIns="0" rIns="0" tIns="0" bIns="0"/>
+          <a:p>
+            <a:endParaRPr b="0" lang="en-US" sz="2200" spc="-1" strike="noStrike">
+              <a:solidFill>
+                <a:srgbClr val="000000"/>
+              </a:solidFill>
+              <a:latin typeface="Source Sans Pro"/>
+            </a:endParaRPr>
+          </a:p>
+        </p:txBody>
+      </p:sp>
+      <p:sp>
+        <p:nvSpPr>
+          <p:cNvPr id="68" name="PlaceHolder 4"/>
+          <p:cNvSpPr>
+            <a:spLocks noGrp="1"/>
+          </p:cNvSpPr>
+          <p:nvPr>
+            <p:ph type="body"/>
+          </p:nvPr>
+        </p:nvSpPr>
+        <p:spPr>
+          <a:xfrm>
+            <a:off x="504000" y="4563360"/>
+            <a:ext cx="9071640" cy="2091240"/>
+          </a:xfrm>
+          <a:prstGeom prst="rect">
+            <a:avLst/>
+          </a:prstGeom>
+        </p:spPr>
+        <p:txBody>
+          <a:bodyPr lIns="0" rIns="0" tIns="0" bIns="0"/>
+          <a:p>
+            <a:endParaRPr b="0" lang="en-US" sz="2200" spc="-1" strike="noStrike">
+              <a:solidFill>
+                <a:srgbClr val="000000"/>
+              </a:solidFill>
+              <a:latin typeface="Source Sans Pro"/>
+            </a:endParaRPr>
+          </a:p>
+        </p:txBody>
+      </p:sp>
+    </p:spTree>
+  </p:cSld>
+</p:sldLayout>
+</file>
+
+<file path=ppt/slideLayouts/slideLayout22.xml><?xml version="1.0" encoding="utf-8"?>
+<p:sldLayout xmlns:a="http://schemas.openxmlformats.org/drawingml/2006/main" xmlns:p="http://schemas.openxmlformats.org/presentationml/2006/main" xmlns:r="http://schemas.openxmlformats.org/officeDocument/2006/relationships" xmlns:p14="http://schemas.microsoft.com/office/powerpoint/2010/main" xmlns:p15="http://schemas.microsoft.com/office/powerpoint/2012/main" xmlns:mc="http://schemas.openxmlformats.org/markup-compatibility/2006" type="objOverTx" preserve="1">
+  <p:cSld name="Title, Content over Content">
+    <p:spTree>
+      <p:nvGrpSpPr>
+        <p:cNvPr id="1" name=""/>
+        <p:cNvGrpSpPr/>
+        <p:nvPr/>
+      </p:nvGrpSpPr>
+      <p:grpSpPr>
+        <a:xfrm>
+          <a:off x="0" y="0"/>
+          <a:ext cx="0" cy="0"/>
+          <a:chOff x="0" y="0"/>
+          <a:chExt cx="0" cy="0"/>
+        </a:xfrm>
+      </p:grpSpPr>
+      <p:sp>
+        <p:nvSpPr>
+          <p:cNvPr id="69" name="PlaceHolder 1"/>
+          <p:cNvSpPr>
+            <a:spLocks noGrp="1"/>
+          </p:cNvSpPr>
+          <p:nvPr>
+            <p:ph type="title"/>
+          </p:nvPr>
+        </p:nvSpPr>
+        <p:spPr>
+          <a:xfrm>
+            <a:off x="504000" y="805320"/>
+            <a:ext cx="9071640" cy="1262160"/>
+          </a:xfrm>
+          <a:prstGeom prst="rect">
+            <a:avLst/>
+          </a:prstGeom>
+        </p:spPr>
+        <p:txBody>
+          <a:bodyPr lIns="0" rIns="0" tIns="0" bIns="0" anchor="ctr"/>
+          <a:p>
+            <a:endParaRPr b="0" lang="en-US" sz="3200" spc="-1" strike="noStrike">
+              <a:solidFill>
+                <a:srgbClr val="3399ff"/>
+              </a:solidFill>
+              <a:latin typeface="Source Sans Pro"/>
+            </a:endParaRPr>
+          </a:p>
+        </p:txBody>
+      </p:sp>
+      <p:sp>
+        <p:nvSpPr>
+          <p:cNvPr id="70" name="PlaceHolder 2"/>
+          <p:cNvSpPr>
+            <a:spLocks noGrp="1"/>
+          </p:cNvSpPr>
+          <p:nvPr>
+            <p:ph type="body"/>
+          </p:nvPr>
+        </p:nvSpPr>
+        <p:spPr>
+          <a:xfrm>
+            <a:off x="504000" y="2273040"/>
+            <a:ext cx="9071640" cy="2091240"/>
+          </a:xfrm>
+          <a:prstGeom prst="rect">
+            <a:avLst/>
+          </a:prstGeom>
+        </p:spPr>
+        <p:txBody>
+          <a:bodyPr lIns="0" rIns="0" tIns="0" bIns="0"/>
+          <a:p>
+            <a:endParaRPr b="0" lang="en-US" sz="2200" spc="-1" strike="noStrike">
+              <a:solidFill>
+                <a:srgbClr val="000000"/>
+              </a:solidFill>
+              <a:latin typeface="Source Sans Pro"/>
+            </a:endParaRPr>
+          </a:p>
+        </p:txBody>
+      </p:sp>
+      <p:sp>
+        <p:nvSpPr>
+          <p:cNvPr id="71" name="PlaceHolder 3"/>
+          <p:cNvSpPr>
+            <a:spLocks noGrp="1"/>
+          </p:cNvSpPr>
+          <p:nvPr>
+            <p:ph type="body"/>
+          </p:nvPr>
+        </p:nvSpPr>
+        <p:spPr>
+          <a:xfrm>
+            <a:off x="504000" y="4563360"/>
+            <a:ext cx="9071640" cy="2091240"/>
+          </a:xfrm>
+          <a:prstGeom prst="rect">
+            <a:avLst/>
+          </a:prstGeom>
+        </p:spPr>
+        <p:txBody>
+          <a:bodyPr lIns="0" rIns="0" tIns="0" bIns="0"/>
+          <a:p>
+            <a:endParaRPr b="0" lang="en-US" sz="2200" spc="-1" strike="noStrike">
+              <a:solidFill>
+                <a:srgbClr val="000000"/>
+              </a:solidFill>
+              <a:latin typeface="Source Sans Pro"/>
+            </a:endParaRPr>
+          </a:p>
+        </p:txBody>
+      </p:sp>
+    </p:spTree>
+  </p:cSld>
+</p:sldLayout>
+</file>
+
+<file path=ppt/slideLayouts/slideLayout23.xml><?xml version="1.0" encoding="utf-8"?>
+<p:sldLayout xmlns:a="http://schemas.openxmlformats.org/drawingml/2006/main" xmlns:p="http://schemas.openxmlformats.org/presentationml/2006/main" xmlns:r="http://schemas.openxmlformats.org/officeDocument/2006/relationships" xmlns:p14="http://schemas.microsoft.com/office/powerpoint/2010/main" xmlns:p15="http://schemas.microsoft.com/office/powerpoint/2012/main" xmlns:mc="http://schemas.openxmlformats.org/markup-compatibility/2006" type="fourObj" preserve="1">
+  <p:cSld name="Title, 4 Content">
+    <p:spTree>
+      <p:nvGrpSpPr>
+        <p:cNvPr id="1" name=""/>
+        <p:cNvGrpSpPr/>
+        <p:nvPr/>
+      </p:nvGrpSpPr>
+      <p:grpSpPr>
+        <a:xfrm>
+          <a:off x="0" y="0"/>
+          <a:ext cx="0" cy="0"/>
+          <a:chOff x="0" y="0"/>
+          <a:chExt cx="0" cy="0"/>
+        </a:xfrm>
+      </p:grpSpPr>
+      <p:sp>
+        <p:nvSpPr>
+          <p:cNvPr id="72" name="PlaceHolder 1"/>
+          <p:cNvSpPr>
+            <a:spLocks noGrp="1"/>
+          </p:cNvSpPr>
+          <p:nvPr>
+            <p:ph type="title"/>
+          </p:nvPr>
+        </p:nvSpPr>
+        <p:spPr>
+          <a:xfrm>
+            <a:off x="504000" y="805320"/>
+            <a:ext cx="9071640" cy="1262160"/>
+          </a:xfrm>
+          <a:prstGeom prst="rect">
+            <a:avLst/>
+          </a:prstGeom>
+        </p:spPr>
+        <p:txBody>
+          <a:bodyPr lIns="0" rIns="0" tIns="0" bIns="0" anchor="ctr"/>
+          <a:p>
+            <a:endParaRPr b="0" lang="en-US" sz="3200" spc="-1" strike="noStrike">
+              <a:solidFill>
+                <a:srgbClr val="3399ff"/>
+              </a:solidFill>
+              <a:latin typeface="Source Sans Pro"/>
+            </a:endParaRPr>
+          </a:p>
+        </p:txBody>
+      </p:sp>
+      <p:sp>
+        <p:nvSpPr>
+          <p:cNvPr id="73" name="PlaceHolder 2"/>
+          <p:cNvSpPr>
+            <a:spLocks noGrp="1"/>
+          </p:cNvSpPr>
+          <p:nvPr>
+            <p:ph type="body"/>
+          </p:nvPr>
+        </p:nvSpPr>
+        <p:spPr>
+          <a:xfrm>
+            <a:off x="504000" y="2273040"/>
+            <a:ext cx="4426920" cy="2091240"/>
+          </a:xfrm>
+          <a:prstGeom prst="rect">
+            <a:avLst/>
+          </a:prstGeom>
+        </p:spPr>
+        <p:txBody>
+          <a:bodyPr lIns="0" rIns="0" tIns="0" bIns="0"/>
+          <a:p>
+            <a:endParaRPr b="0" lang="en-US" sz="2200" spc="-1" strike="noStrike">
+              <a:solidFill>
+                <a:srgbClr val="000000"/>
+              </a:solidFill>
+              <a:latin typeface="Source Sans Pro"/>
+            </a:endParaRPr>
+          </a:p>
+        </p:txBody>
+      </p:sp>
+      <p:sp>
+        <p:nvSpPr>
+          <p:cNvPr id="74" name="PlaceHolder 3"/>
+          <p:cNvSpPr>
+            <a:spLocks noGrp="1"/>
+          </p:cNvSpPr>
+          <p:nvPr>
+            <p:ph type="body"/>
+          </p:nvPr>
+        </p:nvSpPr>
+        <p:spPr>
+          <a:xfrm>
+            <a:off x="5152680" y="2273040"/>
+            <a:ext cx="4426920" cy="2091240"/>
+          </a:xfrm>
+          <a:prstGeom prst="rect">
+            <a:avLst/>
+          </a:prstGeom>
+        </p:spPr>
+        <p:txBody>
+          <a:bodyPr lIns="0" rIns="0" tIns="0" bIns="0"/>
+          <a:p>
+            <a:endParaRPr b="0" lang="en-US" sz="2200" spc="-1" strike="noStrike">
+              <a:solidFill>
+                <a:srgbClr val="000000"/>
+              </a:solidFill>
+              <a:latin typeface="Source Sans Pro"/>
+            </a:endParaRPr>
+          </a:p>
+        </p:txBody>
+      </p:sp>
+      <p:sp>
+        <p:nvSpPr>
+          <p:cNvPr id="75" name="PlaceHolder 4"/>
+          <p:cNvSpPr>
+            <a:spLocks noGrp="1"/>
+          </p:cNvSpPr>
+          <p:nvPr>
+            <p:ph type="body"/>
+          </p:nvPr>
+        </p:nvSpPr>
+        <p:spPr>
+          <a:xfrm>
+            <a:off x="504000" y="4563360"/>
+            <a:ext cx="4426920" cy="2091240"/>
+          </a:xfrm>
+          <a:prstGeom prst="rect">
+            <a:avLst/>
+          </a:prstGeom>
+        </p:spPr>
+        <p:txBody>
+          <a:bodyPr lIns="0" rIns="0" tIns="0" bIns="0"/>
+          <a:p>
+            <a:endParaRPr b="0" lang="en-US" sz="2200" spc="-1" strike="noStrike">
+              <a:solidFill>
+                <a:srgbClr val="000000"/>
+              </a:solidFill>
+              <a:latin typeface="Source Sans Pro"/>
+            </a:endParaRPr>
+          </a:p>
+        </p:txBody>
+      </p:sp>
+      <p:sp>
+        <p:nvSpPr>
+          <p:cNvPr id="76" name="PlaceHolder 5"/>
+          <p:cNvSpPr>
+            <a:spLocks noGrp="1"/>
+          </p:cNvSpPr>
+          <p:nvPr>
+            <p:ph type="body"/>
+          </p:nvPr>
+        </p:nvSpPr>
+        <p:spPr>
+          <a:xfrm>
+            <a:off x="5152680" y="4563360"/>
+            <a:ext cx="4426920" cy="2091240"/>
+          </a:xfrm>
+          <a:prstGeom prst="rect">
+            <a:avLst/>
+          </a:prstGeom>
+        </p:spPr>
+        <p:txBody>
+          <a:bodyPr lIns="0" rIns="0" tIns="0" bIns="0"/>
+          <a:p>
+            <a:endParaRPr b="0" lang="en-US" sz="2200" spc="-1" strike="noStrike">
+              <a:solidFill>
+                <a:srgbClr val="000000"/>
+              </a:solidFill>
+              <a:latin typeface="Source Sans Pro"/>
+            </a:endParaRPr>
+          </a:p>
+        </p:txBody>
+      </p:sp>
+    </p:spTree>
+  </p:cSld>
+</p:sldLayout>
+</file>
+
+<file path=ppt/slideLayouts/slideLayout24.xml><?xml version="1.0" encoding="utf-8"?>
+<p:sldLayout xmlns:a="http://schemas.openxmlformats.org/drawingml/2006/main" xmlns:p="http://schemas.openxmlformats.org/presentationml/2006/main" xmlns:r="http://schemas.openxmlformats.org/officeDocument/2006/relationships" xmlns:p14="http://schemas.microsoft.com/office/powerpoint/2010/main" xmlns:p15="http://schemas.microsoft.com/office/powerpoint/2012/main" xmlns:mc="http://schemas.openxmlformats.org/markup-compatibility/2006" type="blank" preserve="1">
+  <p:cSld name="Title, 6 Content">
+    <p:spTree>
+      <p:nvGrpSpPr>
+        <p:cNvPr id="1" name=""/>
+        <p:cNvGrpSpPr/>
+        <p:nvPr/>
+      </p:nvGrpSpPr>
+      <p:grpSpPr>
+        <a:xfrm>
+          <a:off x="0" y="0"/>
+          <a:ext cx="0" cy="0"/>
+          <a:chOff x="0" y="0"/>
+          <a:chExt cx="0" cy="0"/>
+        </a:xfrm>
+      </p:grpSpPr>
+      <p:sp>
+        <p:nvSpPr>
+          <p:cNvPr id="77" name="PlaceHolder 1"/>
+          <p:cNvSpPr>
+            <a:spLocks noGrp="1"/>
+          </p:cNvSpPr>
+          <p:nvPr>
+            <p:ph type="title"/>
+          </p:nvPr>
+        </p:nvSpPr>
+        <p:spPr>
+          <a:xfrm>
+            <a:off x="504000" y="805320"/>
+            <a:ext cx="9071640" cy="1262160"/>
+          </a:xfrm>
+          <a:prstGeom prst="rect">
+            <a:avLst/>
+          </a:prstGeom>
+        </p:spPr>
+        <p:txBody>
+          <a:bodyPr lIns="0" rIns="0" tIns="0" bIns="0" anchor="ctr"/>
+          <a:p>
+            <a:endParaRPr b="0" lang="en-US" sz="3200" spc="-1" strike="noStrike">
+              <a:solidFill>
+                <a:srgbClr val="3399ff"/>
+              </a:solidFill>
+              <a:latin typeface="Source Sans Pro"/>
+            </a:endParaRPr>
+          </a:p>
+        </p:txBody>
+      </p:sp>
+      <p:sp>
+        <p:nvSpPr>
+          <p:cNvPr id="78" name="PlaceHolder 2"/>
+          <p:cNvSpPr>
+            <a:spLocks noGrp="1"/>
+          </p:cNvSpPr>
+          <p:nvPr>
+            <p:ph type="body"/>
+          </p:nvPr>
+        </p:nvSpPr>
+        <p:spPr>
+          <a:xfrm>
+            <a:off x="504000" y="2273040"/>
+            <a:ext cx="2920680" cy="2091240"/>
+          </a:xfrm>
+          <a:prstGeom prst="rect">
+            <a:avLst/>
+          </a:prstGeom>
+        </p:spPr>
+        <p:txBody>
+          <a:bodyPr lIns="0" rIns="0" tIns="0" bIns="0"/>
+          <a:p>
+            <a:endParaRPr b="0" lang="en-US" sz="2200" spc="-1" strike="noStrike">
+              <a:solidFill>
+                <a:srgbClr val="000000"/>
+              </a:solidFill>
+              <a:latin typeface="Source Sans Pro"/>
+            </a:endParaRPr>
+          </a:p>
+        </p:txBody>
+      </p:sp>
+      <p:sp>
+        <p:nvSpPr>
+          <p:cNvPr id="79" name="PlaceHolder 3"/>
+          <p:cNvSpPr>
+            <a:spLocks noGrp="1"/>
+          </p:cNvSpPr>
+          <p:nvPr>
+            <p:ph type="body"/>
+          </p:nvPr>
+        </p:nvSpPr>
+        <p:spPr>
+          <a:xfrm>
+            <a:off x="3571200" y="2273040"/>
+            <a:ext cx="2920680" cy="2091240"/>
+          </a:xfrm>
+          <a:prstGeom prst="rect">
+            <a:avLst/>
+          </a:prstGeom>
+        </p:spPr>
+        <p:txBody>
+          <a:bodyPr lIns="0" rIns="0" tIns="0" bIns="0"/>
+          <a:p>
+            <a:endParaRPr b="0" lang="en-US" sz="2200" spc="-1" strike="noStrike">
+              <a:solidFill>
+                <a:srgbClr val="000000"/>
+              </a:solidFill>
+              <a:latin typeface="Source Sans Pro"/>
+            </a:endParaRPr>
+          </a:p>
+        </p:txBody>
+      </p:sp>
+      <p:sp>
+        <p:nvSpPr>
+          <p:cNvPr id="80" name="PlaceHolder 4"/>
+          <p:cNvSpPr>
+            <a:spLocks noGrp="1"/>
+          </p:cNvSpPr>
+          <p:nvPr>
+            <p:ph type="body"/>
+          </p:nvPr>
+        </p:nvSpPr>
+        <p:spPr>
+          <a:xfrm>
+            <a:off x="6638040" y="2273040"/>
+            <a:ext cx="2920680" cy="2091240"/>
+          </a:xfrm>
+          <a:prstGeom prst="rect">
+            <a:avLst/>
+          </a:prstGeom>
+        </p:spPr>
+        <p:txBody>
+          <a:bodyPr lIns="0" rIns="0" tIns="0" bIns="0"/>
+          <a:p>
+            <a:endParaRPr b="0" lang="en-US" sz="2200" spc="-1" strike="noStrike">
+              <a:solidFill>
+                <a:srgbClr val="000000"/>
+              </a:solidFill>
+              <a:latin typeface="Source Sans Pro"/>
+            </a:endParaRPr>
+          </a:p>
+        </p:txBody>
+      </p:sp>
+      <p:sp>
+        <p:nvSpPr>
+          <p:cNvPr id="81" name="PlaceHolder 5"/>
+          <p:cNvSpPr>
+            <a:spLocks noGrp="1"/>
+          </p:cNvSpPr>
+          <p:nvPr>
+            <p:ph type="body"/>
+          </p:nvPr>
+        </p:nvSpPr>
+        <p:spPr>
+          <a:xfrm>
+            <a:off x="504000" y="4563360"/>
+            <a:ext cx="2920680" cy="2091240"/>
+          </a:xfrm>
+          <a:prstGeom prst="rect">
+            <a:avLst/>
+          </a:prstGeom>
+        </p:spPr>
+        <p:txBody>
+          <a:bodyPr lIns="0" rIns="0" tIns="0" bIns="0"/>
+          <a:p>
+            <a:endParaRPr b="0" lang="en-US" sz="2200" spc="-1" strike="noStrike">
+              <a:solidFill>
+                <a:srgbClr val="000000"/>
+              </a:solidFill>
+              <a:latin typeface="Source Sans Pro"/>
+            </a:endParaRPr>
+          </a:p>
+        </p:txBody>
+      </p:sp>
+      <p:sp>
+        <p:nvSpPr>
+          <p:cNvPr id="82" name="PlaceHolder 6"/>
+          <p:cNvSpPr>
+            <a:spLocks noGrp="1"/>
+          </p:cNvSpPr>
+          <p:nvPr>
+            <p:ph type="body"/>
+          </p:nvPr>
+        </p:nvSpPr>
+        <p:spPr>
+          <a:xfrm>
+            <a:off x="3571200" y="4563360"/>
+            <a:ext cx="2920680" cy="2091240"/>
+          </a:xfrm>
+          <a:prstGeom prst="rect">
+            <a:avLst/>
+          </a:prstGeom>
+        </p:spPr>
+        <p:txBody>
+          <a:bodyPr lIns="0" rIns="0" tIns="0" bIns="0"/>
+          <a:p>
+            <a:endParaRPr b="0" lang="en-US" sz="2200" spc="-1" strike="noStrike">
+              <a:solidFill>
+                <a:srgbClr val="000000"/>
+              </a:solidFill>
+              <a:latin typeface="Source Sans Pro"/>
+            </a:endParaRPr>
+          </a:p>
+        </p:txBody>
+      </p:sp>
+      <p:sp>
+        <p:nvSpPr>
+          <p:cNvPr id="83" name="PlaceHolder 7"/>
+          <p:cNvSpPr>
+            <a:spLocks noGrp="1"/>
+          </p:cNvSpPr>
+          <p:nvPr>
+            <p:ph type="body"/>
+          </p:nvPr>
+        </p:nvSpPr>
+        <p:spPr>
+          <a:xfrm>
+            <a:off x="6638040" y="4563360"/>
+            <a:ext cx="2920680" cy="2091240"/>
+          </a:xfrm>
+          <a:prstGeom prst="rect">
+            <a:avLst/>
+          </a:prstGeom>
+        </p:spPr>
+        <p:txBody>
+          <a:bodyPr lIns="0" rIns="0" tIns="0" bIns="0"/>
+          <a:p>
+            <a:endParaRPr b="0" lang="en-US" sz="2200" spc="-1" strike="noStrike">
+              <a:solidFill>
+                <a:srgbClr val="000000"/>
               </a:solidFill>
               <a:latin typeface="Source Sans Pro"/>
             </a:endParaRPr>
@@ -644,7 +2065,7 @@
       </p:grpSpPr>
       <p:sp>
         <p:nvSpPr>
-          <p:cNvPr id="7" name="PlaceHolder 1"/>
+          <p:cNvPr id="8" name="PlaceHolder 1"/>
           <p:cNvSpPr>
             <a:spLocks noGrp="1"/>
           </p:cNvSpPr>
@@ -654,8 +2075,8 @@
         </p:nvSpPr>
         <p:spPr>
           <a:xfrm>
-            <a:off x="180000" y="180000"/>
-            <a:ext cx="9720000" cy="720000"/>
+            <a:off x="504000" y="805320"/>
+            <a:ext cx="9071640" cy="1262160"/>
           </a:xfrm>
           <a:prstGeom prst="rect">
             <a:avLst/>
@@ -664,19 +2085,18 @@
         <p:txBody>
           <a:bodyPr lIns="0" rIns="0" tIns="0" bIns="0" anchor="ctr"/>
           <a:p>
-            <a:pPr algn="r"/>
-            <a:endParaRPr b="1" lang="es-PE" sz="2800" spc="-1" strike="noStrike">
-              <a:solidFill>
-                <a:srgbClr val="ffffff"/>
-              </a:solidFill>
-              <a:latin typeface="Source Sans Pro Black"/>
-            </a:endParaRPr>
-          </a:p>
-        </p:txBody>
-      </p:sp>
-      <p:sp>
-        <p:nvSpPr>
-          <p:cNvPr id="8" name="PlaceHolder 2"/>
+            <a:endParaRPr b="0" lang="en-US" sz="3200" spc="-1" strike="noStrike">
+              <a:solidFill>
+                <a:srgbClr val="3399ff"/>
+              </a:solidFill>
+              <a:latin typeface="Source Sans Pro"/>
+            </a:endParaRPr>
+          </a:p>
+        </p:txBody>
+      </p:sp>
+      <p:sp>
+        <p:nvSpPr>
+          <p:cNvPr id="9" name="PlaceHolder 2"/>
           <p:cNvSpPr>
             <a:spLocks noGrp="1"/>
           </p:cNvSpPr>
@@ -686,7 +2106,7 @@
         </p:nvSpPr>
         <p:spPr>
           <a:xfrm>
-            <a:off x="504000" y="1260000"/>
+            <a:off x="504000" y="2273040"/>
             <a:ext cx="9071640" cy="4384800"/>
           </a:xfrm>
           <a:prstGeom prst="rect">
@@ -696,8 +2116,11 @@
         <p:txBody>
           <a:bodyPr lIns="0" rIns="0" tIns="0" bIns="0"/>
           <a:p>
-            <a:endParaRPr b="0" lang="es-PE" sz="2600" spc="-1" strike="noStrike">
-              <a:latin typeface="Tahoma"/>
+            <a:endParaRPr b="0" lang="en-US" sz="2200" spc="-1" strike="noStrike">
+              <a:solidFill>
+                <a:srgbClr val="000000"/>
+              </a:solidFill>
+              <a:latin typeface="Source Sans Pro"/>
             </a:endParaRPr>
           </a:p>
         </p:txBody>
@@ -726,7 +2149,7 @@
       </p:grpSpPr>
       <p:sp>
         <p:nvSpPr>
-          <p:cNvPr id="9" name="PlaceHolder 1"/>
+          <p:cNvPr id="10" name="PlaceHolder 1"/>
           <p:cNvSpPr>
             <a:spLocks noGrp="1"/>
           </p:cNvSpPr>
@@ -736,8 +2159,8 @@
         </p:nvSpPr>
         <p:spPr>
           <a:xfrm>
-            <a:off x="180000" y="180000"/>
-            <a:ext cx="9720000" cy="720000"/>
+            <a:off x="504000" y="805320"/>
+            <a:ext cx="9071640" cy="1262160"/>
           </a:xfrm>
           <a:prstGeom prst="rect">
             <a:avLst/>
@@ -746,19 +2169,18 @@
         <p:txBody>
           <a:bodyPr lIns="0" rIns="0" tIns="0" bIns="0" anchor="ctr"/>
           <a:p>
-            <a:pPr algn="r"/>
-            <a:endParaRPr b="1" lang="es-PE" sz="2800" spc="-1" strike="noStrike">
-              <a:solidFill>
-                <a:srgbClr val="ffffff"/>
-              </a:solidFill>
-              <a:latin typeface="Source Sans Pro Black"/>
-            </a:endParaRPr>
-          </a:p>
-        </p:txBody>
-      </p:sp>
-      <p:sp>
-        <p:nvSpPr>
-          <p:cNvPr id="10" name="PlaceHolder 2"/>
+            <a:endParaRPr b="0" lang="en-US" sz="3200" spc="-1" strike="noStrike">
+              <a:solidFill>
+                <a:srgbClr val="3399ff"/>
+              </a:solidFill>
+              <a:latin typeface="Source Sans Pro"/>
+            </a:endParaRPr>
+          </a:p>
+        </p:txBody>
+      </p:sp>
+      <p:sp>
+        <p:nvSpPr>
+          <p:cNvPr id="11" name="PlaceHolder 2"/>
           <p:cNvSpPr>
             <a:spLocks noGrp="1"/>
           </p:cNvSpPr>
@@ -768,7 +2190,7 @@
         </p:nvSpPr>
         <p:spPr>
           <a:xfrm>
-            <a:off x="504000" y="1260000"/>
+            <a:off x="504000" y="2273040"/>
             <a:ext cx="4426920" cy="4384800"/>
           </a:xfrm>
           <a:prstGeom prst="rect">
@@ -778,15 +2200,18 @@
         <p:txBody>
           <a:bodyPr lIns="0" rIns="0" tIns="0" bIns="0"/>
           <a:p>
-            <a:endParaRPr b="0" lang="es-PE" sz="2600" spc="-1" strike="noStrike">
-              <a:latin typeface="Tahoma"/>
-            </a:endParaRPr>
-          </a:p>
-        </p:txBody>
-      </p:sp>
-      <p:sp>
-        <p:nvSpPr>
-          <p:cNvPr id="11" name="PlaceHolder 3"/>
+            <a:endParaRPr b="0" lang="en-US" sz="2200" spc="-1" strike="noStrike">
+              <a:solidFill>
+                <a:srgbClr val="000000"/>
+              </a:solidFill>
+              <a:latin typeface="Source Sans Pro"/>
+            </a:endParaRPr>
+          </a:p>
+        </p:txBody>
+      </p:sp>
+      <p:sp>
+        <p:nvSpPr>
+          <p:cNvPr id="12" name="PlaceHolder 3"/>
           <p:cNvSpPr>
             <a:spLocks noGrp="1"/>
           </p:cNvSpPr>
@@ -796,7 +2221,7 @@
         </p:nvSpPr>
         <p:spPr>
           <a:xfrm>
-            <a:off x="5152680" y="1260000"/>
+            <a:off x="5152680" y="2273040"/>
             <a:ext cx="4426920" cy="4384800"/>
           </a:xfrm>
           <a:prstGeom prst="rect">
@@ -806,8 +2231,11 @@
         <p:txBody>
           <a:bodyPr lIns="0" rIns="0" tIns="0" bIns="0"/>
           <a:p>
-            <a:endParaRPr b="0" lang="es-PE" sz="2600" spc="-1" strike="noStrike">
-              <a:latin typeface="Tahoma"/>
+            <a:endParaRPr b="0" lang="en-US" sz="2200" spc="-1" strike="noStrike">
+              <a:solidFill>
+                <a:srgbClr val="000000"/>
+              </a:solidFill>
+              <a:latin typeface="Source Sans Pro"/>
             </a:endParaRPr>
           </a:p>
         </p:txBody>
@@ -836,7 +2264,7 @@
       </p:grpSpPr>
       <p:sp>
         <p:nvSpPr>
-          <p:cNvPr id="12" name="PlaceHolder 1"/>
+          <p:cNvPr id="13" name="PlaceHolder 1"/>
           <p:cNvSpPr>
             <a:spLocks noGrp="1"/>
           </p:cNvSpPr>
@@ -846,8 +2274,8 @@
         </p:nvSpPr>
         <p:spPr>
           <a:xfrm>
-            <a:off x="180000" y="180000"/>
-            <a:ext cx="9720000" cy="720000"/>
+            <a:off x="504000" y="805320"/>
+            <a:ext cx="9071640" cy="1262160"/>
           </a:xfrm>
           <a:prstGeom prst="rect">
             <a:avLst/>
@@ -856,12 +2284,11 @@
         <p:txBody>
           <a:bodyPr lIns="0" rIns="0" tIns="0" bIns="0" anchor="ctr"/>
           <a:p>
-            <a:pPr algn="r"/>
-            <a:endParaRPr b="1" lang="es-PE" sz="2800" spc="-1" strike="noStrike">
-              <a:solidFill>
-                <a:srgbClr val="ffffff"/>
-              </a:solidFill>
-              <a:latin typeface="Source Sans Pro Black"/>
+            <a:endParaRPr b="0" lang="en-US" sz="3200" spc="-1" strike="noStrike">
+              <a:solidFill>
+                <a:srgbClr val="3399ff"/>
+              </a:solidFill>
+              <a:latin typeface="Source Sans Pro"/>
             </a:endParaRPr>
           </a:p>
         </p:txBody>
@@ -890,7 +2317,7 @@
       </p:grpSpPr>
       <p:sp>
         <p:nvSpPr>
-          <p:cNvPr id="13" name="PlaceHolder 1"/>
+          <p:cNvPr id="14" name="PlaceHolder 1"/>
           <p:cNvSpPr>
             <a:spLocks noGrp="1"/>
           </p:cNvSpPr>
@@ -900,8 +2327,8 @@
         </p:nvSpPr>
         <p:spPr>
           <a:xfrm>
-            <a:off x="180000" y="180000"/>
-            <a:ext cx="9720000" cy="3338640"/>
+            <a:off x="504000" y="805320"/>
+            <a:ext cx="9071640" cy="5851800"/>
           </a:xfrm>
           <a:prstGeom prst="rect">
             <a:avLst/>
@@ -911,10 +2338,7 @@
           <a:bodyPr lIns="0" rIns="0" tIns="0" bIns="0" anchor="ctr"/>
           <a:p>
             <a:pPr algn="ctr"/>
-            <a:endParaRPr b="0" lang="es-PE" sz="3200" spc="-1" strike="noStrike">
-              <a:solidFill>
-                <a:srgbClr val="ffffff"/>
-              </a:solidFill>
+            <a:endParaRPr b="0" lang="en-US" sz="3200" spc="-1" strike="noStrike">
               <a:latin typeface="Source Sans Pro"/>
             </a:endParaRPr>
           </a:p>
@@ -944,7 +2368,7 @@
       </p:grpSpPr>
       <p:sp>
         <p:nvSpPr>
-          <p:cNvPr id="14" name="PlaceHolder 1"/>
+          <p:cNvPr id="15" name="PlaceHolder 1"/>
           <p:cNvSpPr>
             <a:spLocks noGrp="1"/>
           </p:cNvSpPr>
@@ -954,8 +2378,8 @@
         </p:nvSpPr>
         <p:spPr>
           <a:xfrm>
-            <a:off x="180000" y="180000"/>
-            <a:ext cx="9720000" cy="720000"/>
+            <a:off x="504000" y="805320"/>
+            <a:ext cx="9071640" cy="1262160"/>
           </a:xfrm>
           <a:prstGeom prst="rect">
             <a:avLst/>
@@ -964,19 +2388,18 @@
         <p:txBody>
           <a:bodyPr lIns="0" rIns="0" tIns="0" bIns="0" anchor="ctr"/>
           <a:p>
-            <a:pPr algn="r"/>
-            <a:endParaRPr b="1" lang="es-PE" sz="2800" spc="-1" strike="noStrike">
-              <a:solidFill>
-                <a:srgbClr val="ffffff"/>
-              </a:solidFill>
-              <a:latin typeface="Source Sans Pro Black"/>
-            </a:endParaRPr>
-          </a:p>
-        </p:txBody>
-      </p:sp>
-      <p:sp>
-        <p:nvSpPr>
-          <p:cNvPr id="15" name="PlaceHolder 2"/>
+            <a:endParaRPr b="0" lang="en-US" sz="3200" spc="-1" strike="noStrike">
+              <a:solidFill>
+                <a:srgbClr val="3399ff"/>
+              </a:solidFill>
+              <a:latin typeface="Source Sans Pro"/>
+            </a:endParaRPr>
+          </a:p>
+        </p:txBody>
+      </p:sp>
+      <p:sp>
+        <p:nvSpPr>
+          <p:cNvPr id="16" name="PlaceHolder 2"/>
           <p:cNvSpPr>
             <a:spLocks noGrp="1"/>
           </p:cNvSpPr>
@@ -986,7 +2409,7 @@
         </p:nvSpPr>
         <p:spPr>
           <a:xfrm>
-            <a:off x="504000" y="1260000"/>
+            <a:off x="504000" y="2273040"/>
             <a:ext cx="4426920" cy="2091240"/>
           </a:xfrm>
           <a:prstGeom prst="rect">
@@ -996,15 +2419,18 @@
         <p:txBody>
           <a:bodyPr lIns="0" rIns="0" tIns="0" bIns="0"/>
           <a:p>
-            <a:endParaRPr b="0" lang="es-PE" sz="2600" spc="-1" strike="noStrike">
-              <a:latin typeface="Tahoma"/>
-            </a:endParaRPr>
-          </a:p>
-        </p:txBody>
-      </p:sp>
-      <p:sp>
-        <p:nvSpPr>
-          <p:cNvPr id="16" name="PlaceHolder 3"/>
+            <a:endParaRPr b="0" lang="en-US" sz="2200" spc="-1" strike="noStrike">
+              <a:solidFill>
+                <a:srgbClr val="000000"/>
+              </a:solidFill>
+              <a:latin typeface="Source Sans Pro"/>
+            </a:endParaRPr>
+          </a:p>
+        </p:txBody>
+      </p:sp>
+      <p:sp>
+        <p:nvSpPr>
+          <p:cNvPr id="17" name="PlaceHolder 3"/>
           <p:cNvSpPr>
             <a:spLocks noGrp="1"/>
           </p:cNvSpPr>
@@ -1014,7 +2440,7 @@
         </p:nvSpPr>
         <p:spPr>
           <a:xfrm>
-            <a:off x="5152680" y="1260000"/>
+            <a:off x="5152680" y="2273040"/>
             <a:ext cx="4426920" cy="4384800"/>
           </a:xfrm>
           <a:prstGeom prst="rect">
@@ -1024,15 +2450,18 @@
         <p:txBody>
           <a:bodyPr lIns="0" rIns="0" tIns="0" bIns="0"/>
           <a:p>
-            <a:endParaRPr b="0" lang="es-PE" sz="2600" spc="-1" strike="noStrike">
-              <a:latin typeface="Tahoma"/>
-            </a:endParaRPr>
-          </a:p>
-        </p:txBody>
-      </p:sp>
-      <p:sp>
-        <p:nvSpPr>
-          <p:cNvPr id="17" name="PlaceHolder 4"/>
+            <a:endParaRPr b="0" lang="en-US" sz="2200" spc="-1" strike="noStrike">
+              <a:solidFill>
+                <a:srgbClr val="000000"/>
+              </a:solidFill>
+              <a:latin typeface="Source Sans Pro"/>
+            </a:endParaRPr>
+          </a:p>
+        </p:txBody>
+      </p:sp>
+      <p:sp>
+        <p:nvSpPr>
+          <p:cNvPr id="18" name="PlaceHolder 4"/>
           <p:cNvSpPr>
             <a:spLocks noGrp="1"/>
           </p:cNvSpPr>
@@ -1042,7 +2471,7 @@
         </p:nvSpPr>
         <p:spPr>
           <a:xfrm>
-            <a:off x="504000" y="3550320"/>
+            <a:off x="504000" y="4563360"/>
             <a:ext cx="4426920" cy="2091240"/>
           </a:xfrm>
           <a:prstGeom prst="rect">
@@ -1052,8 +2481,11 @@
         <p:txBody>
           <a:bodyPr lIns="0" rIns="0" tIns="0" bIns="0"/>
           <a:p>
-            <a:endParaRPr b="0" lang="es-PE" sz="2600" spc="-1" strike="noStrike">
-              <a:latin typeface="Tahoma"/>
+            <a:endParaRPr b="0" lang="en-US" sz="2200" spc="-1" strike="noStrike">
+              <a:solidFill>
+                <a:srgbClr val="000000"/>
+              </a:solidFill>
+              <a:latin typeface="Source Sans Pro"/>
             </a:endParaRPr>
           </a:p>
         </p:txBody>
@@ -1082,7 +2514,7 @@
       </p:grpSpPr>
       <p:sp>
         <p:nvSpPr>
-          <p:cNvPr id="18" name="PlaceHolder 1"/>
+          <p:cNvPr id="19" name="PlaceHolder 1"/>
           <p:cNvSpPr>
             <a:spLocks noGrp="1"/>
           </p:cNvSpPr>
@@ -1092,8 +2524,8 @@
         </p:nvSpPr>
         <p:spPr>
           <a:xfrm>
-            <a:off x="180000" y="180000"/>
-            <a:ext cx="9720000" cy="720000"/>
+            <a:off x="504000" y="805320"/>
+            <a:ext cx="9071640" cy="1262160"/>
           </a:xfrm>
           <a:prstGeom prst="rect">
             <a:avLst/>
@@ -1102,19 +2534,18 @@
         <p:txBody>
           <a:bodyPr lIns="0" rIns="0" tIns="0" bIns="0" anchor="ctr"/>
           <a:p>
-            <a:pPr algn="r"/>
-            <a:endParaRPr b="1" lang="es-PE" sz="2800" spc="-1" strike="noStrike">
-              <a:solidFill>
-                <a:srgbClr val="ffffff"/>
-              </a:solidFill>
-              <a:latin typeface="Source Sans Pro Black"/>
-            </a:endParaRPr>
-          </a:p>
-        </p:txBody>
-      </p:sp>
-      <p:sp>
-        <p:nvSpPr>
-          <p:cNvPr id="19" name="PlaceHolder 2"/>
+            <a:endParaRPr b="0" lang="en-US" sz="3200" spc="-1" strike="noStrike">
+              <a:solidFill>
+                <a:srgbClr val="3399ff"/>
+              </a:solidFill>
+              <a:latin typeface="Source Sans Pro"/>
+            </a:endParaRPr>
+          </a:p>
+        </p:txBody>
+      </p:sp>
+      <p:sp>
+        <p:nvSpPr>
+          <p:cNvPr id="20" name="PlaceHolder 2"/>
           <p:cNvSpPr>
             <a:spLocks noGrp="1"/>
           </p:cNvSpPr>
@@ -1124,7 +2555,7 @@
         </p:nvSpPr>
         <p:spPr>
           <a:xfrm>
-            <a:off x="504000" y="1260000"/>
+            <a:off x="504000" y="2273040"/>
             <a:ext cx="4426920" cy="4384800"/>
           </a:xfrm>
           <a:prstGeom prst="rect">
@@ -1134,15 +2565,18 @@
         <p:txBody>
           <a:bodyPr lIns="0" rIns="0" tIns="0" bIns="0"/>
           <a:p>
-            <a:endParaRPr b="0" lang="es-PE" sz="2600" spc="-1" strike="noStrike">
-              <a:latin typeface="Tahoma"/>
-            </a:endParaRPr>
-          </a:p>
-        </p:txBody>
-      </p:sp>
-      <p:sp>
-        <p:nvSpPr>
-          <p:cNvPr id="20" name="PlaceHolder 3"/>
+            <a:endParaRPr b="0" lang="en-US" sz="2200" spc="-1" strike="noStrike">
+              <a:solidFill>
+                <a:srgbClr val="000000"/>
+              </a:solidFill>
+              <a:latin typeface="Source Sans Pro"/>
+            </a:endParaRPr>
+          </a:p>
+        </p:txBody>
+      </p:sp>
+      <p:sp>
+        <p:nvSpPr>
+          <p:cNvPr id="21" name="PlaceHolder 3"/>
           <p:cNvSpPr>
             <a:spLocks noGrp="1"/>
           </p:cNvSpPr>
@@ -1152,7 +2586,7 @@
         </p:nvSpPr>
         <p:spPr>
           <a:xfrm>
-            <a:off x="5152680" y="1260000"/>
+            <a:off x="5152680" y="2273040"/>
             <a:ext cx="4426920" cy="2091240"/>
           </a:xfrm>
           <a:prstGeom prst="rect">
@@ -1162,15 +2596,18 @@
         <p:txBody>
           <a:bodyPr lIns="0" rIns="0" tIns="0" bIns="0"/>
           <a:p>
-            <a:endParaRPr b="0" lang="es-PE" sz="2600" spc="-1" strike="noStrike">
-              <a:latin typeface="Tahoma"/>
-            </a:endParaRPr>
-          </a:p>
-        </p:txBody>
-      </p:sp>
-      <p:sp>
-        <p:nvSpPr>
-          <p:cNvPr id="21" name="PlaceHolder 4"/>
+            <a:endParaRPr b="0" lang="en-US" sz="2200" spc="-1" strike="noStrike">
+              <a:solidFill>
+                <a:srgbClr val="000000"/>
+              </a:solidFill>
+              <a:latin typeface="Source Sans Pro"/>
+            </a:endParaRPr>
+          </a:p>
+        </p:txBody>
+      </p:sp>
+      <p:sp>
+        <p:nvSpPr>
+          <p:cNvPr id="22" name="PlaceHolder 4"/>
           <p:cNvSpPr>
             <a:spLocks noGrp="1"/>
           </p:cNvSpPr>
@@ -1180,7 +2617,7 @@
         </p:nvSpPr>
         <p:spPr>
           <a:xfrm>
-            <a:off x="5152680" y="3550320"/>
+            <a:off x="5152680" y="4563360"/>
             <a:ext cx="4426920" cy="2091240"/>
           </a:xfrm>
           <a:prstGeom prst="rect">
@@ -1190,8 +2627,11 @@
         <p:txBody>
           <a:bodyPr lIns="0" rIns="0" tIns="0" bIns="0"/>
           <a:p>
-            <a:endParaRPr b="0" lang="es-PE" sz="2600" spc="-1" strike="noStrike">
-              <a:latin typeface="Tahoma"/>
+            <a:endParaRPr b="0" lang="en-US" sz="2200" spc="-1" strike="noStrike">
+              <a:solidFill>
+                <a:srgbClr val="000000"/>
+              </a:solidFill>
+              <a:latin typeface="Source Sans Pro"/>
             </a:endParaRPr>
           </a:p>
         </p:txBody>
@@ -1220,7 +2660,7 @@
       </p:grpSpPr>
       <p:sp>
         <p:nvSpPr>
-          <p:cNvPr id="22" name="PlaceHolder 1"/>
+          <p:cNvPr id="23" name="PlaceHolder 1"/>
           <p:cNvSpPr>
             <a:spLocks noGrp="1"/>
           </p:cNvSpPr>
@@ -1230,8 +2670,8 @@
         </p:nvSpPr>
         <p:spPr>
           <a:xfrm>
-            <a:off x="180000" y="180000"/>
-            <a:ext cx="9720000" cy="720000"/>
+            <a:off x="504000" y="805320"/>
+            <a:ext cx="9071640" cy="1262160"/>
           </a:xfrm>
           <a:prstGeom prst="rect">
             <a:avLst/>
@@ -1240,19 +2680,18 @@
         <p:txBody>
           <a:bodyPr lIns="0" rIns="0" tIns="0" bIns="0" anchor="ctr"/>
           <a:p>
-            <a:pPr algn="r"/>
-            <a:endParaRPr b="1" lang="es-PE" sz="2800" spc="-1" strike="noStrike">
-              <a:solidFill>
-                <a:srgbClr val="ffffff"/>
-              </a:solidFill>
-              <a:latin typeface="Source Sans Pro Black"/>
-            </a:endParaRPr>
-          </a:p>
-        </p:txBody>
-      </p:sp>
-      <p:sp>
-        <p:nvSpPr>
-          <p:cNvPr id="23" name="PlaceHolder 2"/>
+            <a:endParaRPr b="0" lang="en-US" sz="3200" spc="-1" strike="noStrike">
+              <a:solidFill>
+                <a:srgbClr val="3399ff"/>
+              </a:solidFill>
+              <a:latin typeface="Source Sans Pro"/>
+            </a:endParaRPr>
+          </a:p>
+        </p:txBody>
+      </p:sp>
+      <p:sp>
+        <p:nvSpPr>
+          <p:cNvPr id="24" name="PlaceHolder 2"/>
           <p:cNvSpPr>
             <a:spLocks noGrp="1"/>
           </p:cNvSpPr>
@@ -1262,7 +2701,7 @@
         </p:nvSpPr>
         <p:spPr>
           <a:xfrm>
-            <a:off x="504000" y="1260000"/>
+            <a:off x="504000" y="2273040"/>
             <a:ext cx="4426920" cy="2091240"/>
           </a:xfrm>
           <a:prstGeom prst="rect">
@@ -1272,15 +2711,18 @@
         <p:txBody>
           <a:bodyPr lIns="0" rIns="0" tIns="0" bIns="0"/>
           <a:p>
-            <a:endParaRPr b="0" lang="es-PE" sz="2600" spc="-1" strike="noStrike">
-              <a:latin typeface="Tahoma"/>
-            </a:endParaRPr>
-          </a:p>
-        </p:txBody>
-      </p:sp>
-      <p:sp>
-        <p:nvSpPr>
-          <p:cNvPr id="24" name="PlaceHolder 3"/>
+            <a:endParaRPr b="0" lang="en-US" sz="2200" spc="-1" strike="noStrike">
+              <a:solidFill>
+                <a:srgbClr val="000000"/>
+              </a:solidFill>
+              <a:latin typeface="Source Sans Pro"/>
+            </a:endParaRPr>
+          </a:p>
+        </p:txBody>
+      </p:sp>
+      <p:sp>
+        <p:nvSpPr>
+          <p:cNvPr id="25" name="PlaceHolder 3"/>
           <p:cNvSpPr>
             <a:spLocks noGrp="1"/>
           </p:cNvSpPr>
@@ -1290,7 +2732,7 @@
         </p:nvSpPr>
         <p:spPr>
           <a:xfrm>
-            <a:off x="5152680" y="1260000"/>
+            <a:off x="5152680" y="2273040"/>
             <a:ext cx="4426920" cy="2091240"/>
           </a:xfrm>
           <a:prstGeom prst="rect">
@@ -1300,15 +2742,18 @@
         <p:txBody>
           <a:bodyPr lIns="0" rIns="0" tIns="0" bIns="0"/>
           <a:p>
-            <a:endParaRPr b="0" lang="es-PE" sz="2600" spc="-1" strike="noStrike">
-              <a:latin typeface="Tahoma"/>
-            </a:endParaRPr>
-          </a:p>
-        </p:txBody>
-      </p:sp>
-      <p:sp>
-        <p:nvSpPr>
-          <p:cNvPr id="25" name="PlaceHolder 4"/>
+            <a:endParaRPr b="0" lang="en-US" sz="2200" spc="-1" strike="noStrike">
+              <a:solidFill>
+                <a:srgbClr val="000000"/>
+              </a:solidFill>
+              <a:latin typeface="Source Sans Pro"/>
+            </a:endParaRPr>
+          </a:p>
+        </p:txBody>
+      </p:sp>
+      <p:sp>
+        <p:nvSpPr>
+          <p:cNvPr id="26" name="PlaceHolder 4"/>
           <p:cNvSpPr>
             <a:spLocks noGrp="1"/>
           </p:cNvSpPr>
@@ -1318,7 +2763,7 @@
         </p:nvSpPr>
         <p:spPr>
           <a:xfrm>
-            <a:off x="504000" y="3550320"/>
+            <a:off x="504000" y="4563360"/>
             <a:ext cx="9071640" cy="2091240"/>
           </a:xfrm>
           <a:prstGeom prst="rect">
@@ -1328,8 +2773,11 @@
         <p:txBody>
           <a:bodyPr lIns="0" rIns="0" tIns="0" bIns="0"/>
           <a:p>
-            <a:endParaRPr b="0" lang="es-PE" sz="2600" spc="-1" strike="noStrike">
-              <a:latin typeface="Tahoma"/>
+            <a:endParaRPr b="0" lang="en-US" sz="2200" spc="-1" strike="noStrike">
+              <a:solidFill>
+                <a:srgbClr val="000000"/>
+              </a:solidFill>
+              <a:latin typeface="Source Sans Pro"/>
             </a:endParaRPr>
           </a:p>
         </p:txBody>
@@ -1342,16 +2790,6 @@
 <file path=ppt/slideMasters/slideMaster1.xml><?xml version="1.0" encoding="utf-8"?>
 <p:sldMaster xmlns:a="http://schemas.openxmlformats.org/drawingml/2006/main" xmlns:p="http://schemas.openxmlformats.org/presentationml/2006/main" xmlns:r="http://schemas.openxmlformats.org/officeDocument/2006/relationships" xmlns:p14="http://schemas.microsoft.com/office/powerpoint/2010/main" xmlns:p15="http://schemas.microsoft.com/office/powerpoint/2012/main" xmlns:mc="http://schemas.openxmlformats.org/markup-compatibility/2006">
   <p:cSld>
-    <p:bg>
-      <p:bgPr>
-        <a:blipFill rotWithShape="0">
-          <a:blip r:embed="rId2"/>
-          <a:stretch>
-            <a:fillRect/>
-          </a:stretch>
-        </a:blipFill>
-      </p:bgPr>
-    </p:bg>
     <p:spTree>
       <p:nvGrpSpPr>
         <p:cNvPr id="1" name=""/>
@@ -1366,81 +2804,32 @@
           <a:chExt cx="0" cy="0"/>
         </a:xfrm>
       </p:grpSpPr>
-      <p:sp>
-        <p:nvSpPr>
-          <p:cNvPr id="0" name="CustomShape 1"/>
-          <p:cNvSpPr/>
+      <p:pic>
+        <p:nvPicPr>
+          <p:cNvPr id="0" name="" descr=""/>
+          <p:cNvPicPr/>
           <p:nvPr/>
-        </p:nvSpPr>
-        <p:spPr>
-          <a:xfrm>
-            <a:off x="180000" y="180000"/>
-            <a:ext cx="9720000" cy="720000"/>
-          </a:xfrm>
-          <a:custGeom>
-            <a:avLst/>
-            <a:gdLst/>
-            <a:ahLst/>
-            <a:rect l="0" t="0" r="r" b="b"/>
-            <a:pathLst>
-              <a:path w="27002" h="2002">
-                <a:moveTo>
-                  <a:pt x="333" y="0"/>
-                </a:moveTo>
-                <a:cubicBezTo>
-                  <a:pt x="166" y="0"/>
-                  <a:pt x="0" y="166"/>
-                  <a:pt x="0" y="333"/>
-                </a:cubicBezTo>
-                <a:lnTo>
-                  <a:pt x="0" y="1667"/>
-                </a:lnTo>
-                <a:cubicBezTo>
-                  <a:pt x="0" y="1834"/>
-                  <a:pt x="166" y="2001"/>
-                  <a:pt x="333" y="2001"/>
-                </a:cubicBezTo>
-                <a:lnTo>
-                  <a:pt x="26667" y="2001"/>
-                </a:lnTo>
-                <a:cubicBezTo>
-                  <a:pt x="26834" y="2001"/>
-                  <a:pt x="27001" y="1834"/>
-                  <a:pt x="27001" y="1667"/>
-                </a:cubicBezTo>
-                <a:lnTo>
-                  <a:pt x="27001" y="333"/>
-                </a:lnTo>
-                <a:cubicBezTo>
-                  <a:pt x="27001" y="166"/>
-                  <a:pt x="26834" y="0"/>
-                  <a:pt x="26667" y="0"/>
-                </a:cubicBezTo>
-                <a:lnTo>
-                  <a:pt x="333" y="0"/>
-                </a:lnTo>
-              </a:path>
-            </a:pathLst>
-          </a:custGeom>
-          <a:solidFill>
-            <a:srgbClr val="333333">
-              <a:alpha val="50000"/>
-            </a:srgbClr>
-          </a:solidFill>
-          <a:ln>
+        </p:nvPicPr>
+        <p:blipFill>
+          <a:blip r:embed="rId2"/>
+          <a:stretch/>
+        </p:blipFill>
+        <p:spPr>
+          <a:xfrm>
+            <a:off x="360" y="360"/>
+            <a:ext cx="10058040" cy="7543440"/>
+          </a:xfrm>
+          <a:prstGeom prst="rect">
+            <a:avLst/>
+          </a:prstGeom>
+          <a:ln w="21600">
             <a:noFill/>
           </a:ln>
         </p:spPr>
-        <p:style>
-          <a:lnRef idx="0"/>
-          <a:fillRef idx="0"/>
-          <a:effectRef idx="0"/>
-          <a:fontRef idx="minor"/>
-        </p:style>
-      </p:sp>
-      <p:sp>
-        <p:nvSpPr>
-          <p:cNvPr id="1" name="PlaceHolder 2"/>
+      </p:pic>
+      <p:sp>
+        <p:nvSpPr>
+          <p:cNvPr id="1" name="PlaceHolder 1"/>
           <p:cNvSpPr>
             <a:spLocks noGrp="1"/>
           </p:cNvSpPr>
@@ -1450,8 +2839,8 @@
         </p:nvSpPr>
         <p:spPr>
           <a:xfrm>
-            <a:off x="180000" y="180000"/>
-            <a:ext cx="9720000" cy="720000"/>
+            <a:off x="3477600" y="2482200"/>
+            <a:ext cx="5643000" cy="1353960"/>
           </a:xfrm>
           <a:prstGeom prst="rect">
             <a:avLst/>
@@ -1462,26 +2851,130 @@
           <a:p>
             <a:pPr algn="r"/>
             <a:r>
-              <a:rPr b="1" lang="es-PE" sz="2800" spc="-1" strike="noStrike">
+              <a:rPr b="0" lang="en-US" sz="4400" spc="-1" strike="noStrike">
                 <a:solidFill>
                   <a:srgbClr val="ffffff"/>
                 </a:solidFill>
-                <a:latin typeface="Source Sans Pro Black"/>
+                <a:latin typeface="Source Sans Pro"/>
               </a:rPr>
-              <a:t>Pulse para editar el formato del texto de título</a:t>
+              <a:t>Click to edit the title text format</a:t>
             </a:r>
-            <a:endParaRPr b="1" lang="es-PE" sz="2800" spc="-1" strike="noStrike">
+            <a:endParaRPr b="0" lang="en-US" sz="4400" spc="-1" strike="noStrike">
               <a:solidFill>
                 <a:srgbClr val="ffffff"/>
               </a:solidFill>
-              <a:latin typeface="Source Sans Pro Black"/>
-            </a:endParaRPr>
-          </a:p>
-        </p:txBody>
-      </p:sp>
-      <p:sp>
-        <p:nvSpPr>
-          <p:cNvPr id="2" name="PlaceHolder 3"/>
+              <a:latin typeface="Source Sans Pro"/>
+            </a:endParaRPr>
+          </a:p>
+        </p:txBody>
+      </p:sp>
+      <p:sp>
+        <p:nvSpPr>
+          <p:cNvPr id="2" name="PlaceHolder 2"/>
+          <p:cNvSpPr>
+            <a:spLocks noGrp="1"/>
+          </p:cNvSpPr>
+          <p:nvPr>
+            <p:ph type="dt"/>
+          </p:nvPr>
+        </p:nvSpPr>
+        <p:spPr>
+          <a:xfrm>
+            <a:off x="288720" y="6995160"/>
+            <a:ext cx="1677600" cy="521280"/>
+          </a:xfrm>
+          <a:prstGeom prst="rect">
+            <a:avLst/>
+          </a:prstGeom>
+        </p:spPr>
+        <p:txBody>
+          <a:bodyPr lIns="0" rIns="0" tIns="0" bIns="0"/>
+          <a:p>
+            <a:r>
+              <a:rPr b="0" lang="en-US" sz="1400" spc="-1" strike="noStrike">
+                <a:latin typeface="Century Gothic"/>
+              </a:rPr>
+              <a:t>&lt;date/time&gt;</a:t>
+            </a:r>
+            <a:endParaRPr b="0" lang="en-US" sz="1400" spc="-1" strike="noStrike">
+              <a:latin typeface="Century Gothic"/>
+            </a:endParaRPr>
+          </a:p>
+        </p:txBody>
+      </p:sp>
+      <p:sp>
+        <p:nvSpPr>
+          <p:cNvPr id="3" name="PlaceHolder 3"/>
+          <p:cNvSpPr>
+            <a:spLocks noGrp="1"/>
+          </p:cNvSpPr>
+          <p:nvPr>
+            <p:ph type="ftr"/>
+          </p:nvPr>
+        </p:nvSpPr>
+        <p:spPr>
+          <a:xfrm>
+            <a:off x="3948120" y="6995160"/>
+            <a:ext cx="2023200" cy="521280"/>
+          </a:xfrm>
+          <a:prstGeom prst="rect">
+            <a:avLst/>
+          </a:prstGeom>
+        </p:spPr>
+        <p:txBody>
+          <a:bodyPr lIns="0" rIns="0" tIns="0" bIns="0"/>
+          <a:p>
+            <a:pPr algn="ctr"/>
+            <a:r>
+              <a:rPr b="0" lang="en-US" sz="1400" spc="-1" strike="noStrike">
+                <a:latin typeface="Century Gothic"/>
+              </a:rPr>
+              <a:t>&lt;footer&gt;</a:t>
+            </a:r>
+            <a:endParaRPr b="0" lang="en-US" sz="1400" spc="-1" strike="noStrike">
+              <a:latin typeface="Century Gothic"/>
+            </a:endParaRPr>
+          </a:p>
+        </p:txBody>
+      </p:sp>
+      <p:sp>
+        <p:nvSpPr>
+          <p:cNvPr id="4" name="PlaceHolder 4"/>
+          <p:cNvSpPr>
+            <a:spLocks noGrp="1"/>
+          </p:cNvSpPr>
+          <p:nvPr>
+            <p:ph type="sldNum"/>
+          </p:nvPr>
+        </p:nvSpPr>
+        <p:spPr>
+          <a:xfrm>
+            <a:off x="7953120" y="6995160"/>
+            <a:ext cx="1803240" cy="521280"/>
+          </a:xfrm>
+          <a:prstGeom prst="rect">
+            <a:avLst/>
+          </a:prstGeom>
+        </p:spPr>
+        <p:txBody>
+          <a:bodyPr lIns="0" rIns="0" tIns="0" bIns="0"/>
+          <a:p>
+            <a:pPr algn="r"/>
+            <a:fld id="{6D2BB84E-8E05-4F70-9B5E-F3B61A8B7CBE}" type="slidenum">
+              <a:rPr b="0" lang="en-US" sz="1400" spc="-1" strike="noStrike">
+                <a:latin typeface="Century Gothic"/>
+              </a:rPr>
+              <a:t>&lt;number&gt;</a:t>
+            </a:fld>
+            <a:endParaRPr b="0" lang="en-US" sz="1400" spc="-1" strike="noStrike">
+              <a:latin typeface="Century Gothic"/>
+            </a:endParaRPr>
+          </a:p>
+        </p:txBody>
+      </p:sp>
+      <p:sp>
+        <p:nvSpPr>
+          <p:cNvPr id="5" name="PlaceHolder 5"/>
           <p:cNvSpPr>
             <a:spLocks noGrp="1"/>
           </p:cNvSpPr>
@@ -1491,7 +2984,7 @@
         </p:nvSpPr>
         <p:spPr>
           <a:xfrm>
-            <a:off x="504000" y="1260000"/>
+            <a:off x="504000" y="1769040"/>
             <a:ext cx="9071640" cy="4384800"/>
           </a:xfrm>
           <a:prstGeom prst="rect">
@@ -1513,19 +3006,41 @@
               <a:buChar char=""/>
             </a:pPr>
             <a:r>
-              <a:rPr b="0" lang="es-PE" sz="2600" spc="-1" strike="noStrike">
-                <a:latin typeface="Tahoma"/>
+              <a:rPr b="0" lang="en-US" sz="3200" spc="-1" strike="noStrike">
+                <a:latin typeface="Arial"/>
               </a:rPr>
               <a:t>Click to edit the outline text format</a:t>
             </a:r>
-            <a:endParaRPr b="0" lang="es-PE" sz="2600" spc="-1" strike="noStrike">
-              <a:latin typeface="Tahoma"/>
+            <a:endParaRPr b="0" lang="en-US" sz="3200" spc="-1" strike="noStrike">
+              <a:latin typeface="Arial"/>
             </a:endParaRPr>
           </a:p>
           <a:p>
             <a:pPr lvl="1" marL="864000" indent="-324000">
               <a:spcAft>
                 <a:spcPts val="1134"/>
+              </a:spcAft>
+              <a:buClr>
+                <a:srgbClr val="000000"/>
+              </a:buClr>
+              <a:buSzPct val="75000"/>
+              <a:buFont typeface="Symbol" charset="2"/>
+              <a:buChar char=""/>
+            </a:pPr>
+            <a:r>
+              <a:rPr b="0" lang="en-US" sz="2800" spc="-1" strike="noStrike">
+                <a:latin typeface="Arial"/>
+              </a:rPr>
+              <a:t>Second Outline Level</a:t>
+            </a:r>
+            <a:endParaRPr b="0" lang="en-US" sz="2800" spc="-1" strike="noStrike">
+              <a:latin typeface="Arial"/>
+            </a:endParaRPr>
+          </a:p>
+          <a:p>
+            <a:pPr lvl="2" marL="1296000" indent="-288000">
+              <a:spcAft>
+                <a:spcPts val="850"/>
               </a:spcAft>
               <a:buClr>
                 <a:srgbClr val="000000"/>
@@ -1535,19 +3050,19 @@
               <a:buChar char=""/>
             </a:pPr>
             <a:r>
-              <a:rPr b="0" lang="es-PE" sz="2400" spc="-1" strike="noStrike">
-                <a:latin typeface="Tahoma"/>
+              <a:rPr b="0" lang="en-US" sz="2400" spc="-1" strike="noStrike">
+                <a:latin typeface="Arial"/>
               </a:rPr>
-              <a:t>Second Outline Level</a:t>
+              <a:t>Third Outline Level</a:t>
             </a:r>
-            <a:endParaRPr b="0" lang="es-PE" sz="2400" spc="-1" strike="noStrike">
-              <a:latin typeface="Tahoma"/>
-            </a:endParaRPr>
-          </a:p>
-          <a:p>
-            <a:pPr lvl="2" marL="1296000" indent="-288000">
+            <a:endParaRPr b="0" lang="en-US" sz="2400" spc="-1" strike="noStrike">
+              <a:latin typeface="Arial"/>
+            </a:endParaRPr>
+          </a:p>
+          <a:p>
+            <a:pPr lvl="3" marL="1728000" indent="-216000">
               <a:spcAft>
-                <a:spcPts val="850"/>
+                <a:spcPts val="567"/>
               </a:spcAft>
               <a:buClr>
                 <a:srgbClr val="000000"/>
@@ -1557,19 +3072,19 @@
               <a:buChar char=""/>
             </a:pPr>
             <a:r>
-              <a:rPr b="0" lang="es-PE" sz="2400" spc="-1" strike="noStrike">
-                <a:latin typeface="Tahoma"/>
+              <a:rPr b="0" lang="en-US" sz="2000" spc="-1" strike="noStrike">
+                <a:latin typeface="Arial"/>
               </a:rPr>
-              <a:t>Third Outline Level</a:t>
+              <a:t>Fourth Outline Level</a:t>
             </a:r>
-            <a:endParaRPr b="0" lang="es-PE" sz="2400" spc="-1" strike="noStrike">
-              <a:latin typeface="Tahoma"/>
-            </a:endParaRPr>
-          </a:p>
-          <a:p>
-            <a:pPr lvl="3" marL="1728000" indent="-216000">
+            <a:endParaRPr b="0" lang="en-US" sz="2000" spc="-1" strike="noStrike">
+              <a:latin typeface="Arial"/>
+            </a:endParaRPr>
+          </a:p>
+          <a:p>
+            <a:pPr lvl="4" marL="2160000" indent="-216000">
               <a:spcAft>
-                <a:spcPts val="567"/>
+                <a:spcPts val="283"/>
               </a:spcAft>
               <a:buClr>
                 <a:srgbClr val="000000"/>
@@ -1579,35 +3094,13 @@
               <a:buChar char=""/>
             </a:pPr>
             <a:r>
-              <a:rPr b="0" lang="es-PE" sz="2000" spc="-1" strike="noStrike">
-                <a:latin typeface="Tahoma"/>
-              </a:rPr>
-              <a:t>Fourth Outline Level</a:t>
-            </a:r>
-            <a:endParaRPr b="0" lang="es-PE" sz="2000" spc="-1" strike="noStrike">
-              <a:latin typeface="Tahoma"/>
-            </a:endParaRPr>
-          </a:p>
-          <a:p>
-            <a:pPr lvl="4" marL="2160000" indent="-216000">
-              <a:spcAft>
-                <a:spcPts val="283"/>
-              </a:spcAft>
-              <a:buClr>
-                <a:srgbClr val="000000"/>
-              </a:buClr>
-              <a:buSzPct val="75000"/>
-              <a:buFont typeface="Symbol" charset="2"/>
-              <a:buChar char=""/>
-            </a:pPr>
-            <a:r>
-              <a:rPr b="0" lang="es-PE" sz="2000" spc="-1" strike="noStrike">
-                <a:latin typeface="Tahoma"/>
+              <a:rPr b="0" lang="en-US" sz="2000" spc="-1" strike="noStrike">
+                <a:latin typeface="Arial"/>
               </a:rPr>
               <a:t>Fifth Outline Level</a:t>
             </a:r>
-            <a:endParaRPr b="0" lang="es-PE" sz="2000" spc="-1" strike="noStrike">
-              <a:latin typeface="Tahoma"/>
+            <a:endParaRPr b="0" lang="en-US" sz="2000" spc="-1" strike="noStrike">
+              <a:latin typeface="Arial"/>
             </a:endParaRPr>
           </a:p>
           <a:p>
@@ -1623,13 +3116,13 @@
               <a:buChar char=""/>
             </a:pPr>
             <a:r>
-              <a:rPr b="0" lang="es-PE" sz="2000" spc="-1" strike="noStrike">
-                <a:latin typeface="Tahoma"/>
+              <a:rPr b="0" lang="en-US" sz="2000" spc="-1" strike="noStrike">
+                <a:latin typeface="Arial"/>
               </a:rPr>
               <a:t>Sixth Outline Level</a:t>
             </a:r>
-            <a:endParaRPr b="0" lang="es-PE" sz="2000" spc="-1" strike="noStrike">
-              <a:latin typeface="Tahoma"/>
+            <a:endParaRPr b="0" lang="en-US" sz="2000" spc="-1" strike="noStrike">
+              <a:latin typeface="Arial"/>
             </a:endParaRPr>
           </a:p>
           <a:p>
@@ -1645,83 +3138,13 @@
               <a:buChar char=""/>
             </a:pPr>
             <a:r>
-              <a:rPr b="0" lang="es-PE" sz="2000" spc="-1" strike="noStrike">
-                <a:latin typeface="Tahoma"/>
+              <a:rPr b="0" lang="en-US" sz="2000" spc="-1" strike="noStrike">
+                <a:latin typeface="Arial"/>
               </a:rPr>
               <a:t>Seventh Outline Level</a:t>
             </a:r>
-            <a:endParaRPr b="0" lang="es-PE" sz="2000" spc="-1" strike="noStrike">
-              <a:latin typeface="Tahoma"/>
-            </a:endParaRPr>
-          </a:p>
-        </p:txBody>
-      </p:sp>
-      <p:sp>
-        <p:nvSpPr>
-          <p:cNvPr id="3" name="PlaceHolder 4"/>
-          <p:cNvSpPr>
-            <a:spLocks noGrp="1"/>
-          </p:cNvSpPr>
-          <p:nvPr>
-            <p:ph type="ftr"/>
-          </p:nvPr>
-        </p:nvSpPr>
-        <p:spPr>
-          <a:xfrm>
-            <a:off x="3447360" y="6887160"/>
-            <a:ext cx="3195000" cy="521280"/>
-          </a:xfrm>
-          <a:prstGeom prst="rect">
-            <a:avLst/>
-          </a:prstGeom>
-        </p:spPr>
-        <p:txBody>
-          <a:bodyPr lIns="0" rIns="0" tIns="0" bIns="0"/>
-          <a:p>
-            <a:pPr algn="ctr"/>
-            <a:r>
-              <a:rPr b="0" lang="es-PE" sz="1400" spc="-1" strike="noStrike">
-                <a:latin typeface="Times New Roman"/>
-              </a:rPr>
-              <a:t>&lt;footer&gt;</a:t>
-            </a:r>
-            <a:endParaRPr b="0" lang="es-PE" sz="1400" spc="-1" strike="noStrike">
-              <a:latin typeface="Times New Roman"/>
-            </a:endParaRPr>
-          </a:p>
-        </p:txBody>
-      </p:sp>
-      <p:sp>
-        <p:nvSpPr>
-          <p:cNvPr id="4" name="PlaceHolder 5"/>
-          <p:cNvSpPr>
-            <a:spLocks noGrp="1"/>
-          </p:cNvSpPr>
-          <p:nvPr>
-            <p:ph type="sldNum"/>
-          </p:nvPr>
-        </p:nvSpPr>
-        <p:spPr>
-          <a:xfrm>
-            <a:off x="7227360" y="6887160"/>
-            <a:ext cx="2348280" cy="521280"/>
-          </a:xfrm>
-          <a:prstGeom prst="rect">
-            <a:avLst/>
-          </a:prstGeom>
-        </p:spPr>
-        <p:txBody>
-          <a:bodyPr lIns="0" rIns="0" tIns="0" bIns="0"/>
-          <a:p>
-            <a:pPr algn="r"/>
-            <a:fld id="{92F39A5F-F393-4658-B444-90192F1630A2}" type="slidenum">
-              <a:rPr b="0" lang="es-PE" sz="1400" spc="-1" strike="noStrike">
-                <a:latin typeface="Times New Roman"/>
-              </a:rPr>
-              <a:t>&lt;number&gt;</a:t>
-            </a:fld>
-            <a:endParaRPr b="0" lang="es-PE" sz="1400" spc="-1" strike="noStrike">
-              <a:latin typeface="Times New Roman"/>
+            <a:endParaRPr b="0" lang="en-US" sz="2000" spc="-1" strike="noStrike">
+              <a:latin typeface="Arial"/>
             </a:endParaRPr>
           </a:p>
         </p:txBody>
@@ -1742,6 +3165,429 @@
     <p:sldLayoutId id="2147483658" r:id="rId12"/>
     <p:sldLayoutId id="2147483659" r:id="rId13"/>
     <p:sldLayoutId id="2147483660" r:id="rId14"/>
+  </p:sldLayoutIdLst>
+</p:sldMaster>
+</file>
+
+<file path=ppt/slideMasters/slideMaster2.xml><?xml version="1.0" encoding="utf-8"?>
+<p:sldMaster xmlns:a="http://schemas.openxmlformats.org/drawingml/2006/main" xmlns:p="http://schemas.openxmlformats.org/presentationml/2006/main" xmlns:r="http://schemas.openxmlformats.org/officeDocument/2006/relationships" xmlns:p14="http://schemas.microsoft.com/office/powerpoint/2010/main" xmlns:p15="http://schemas.microsoft.com/office/powerpoint/2012/main" xmlns:mc="http://schemas.openxmlformats.org/markup-compatibility/2006">
+  <p:cSld>
+    <p:spTree>
+      <p:nvGrpSpPr>
+        <p:cNvPr id="1" name=""/>
+        <p:cNvGrpSpPr/>
+        <p:nvPr/>
+      </p:nvGrpSpPr>
+      <p:grpSpPr>
+        <a:xfrm>
+          <a:off x="0" y="0"/>
+          <a:ext cx="0" cy="0"/>
+          <a:chOff x="0" y="0"/>
+          <a:chExt cx="0" cy="0"/>
+        </a:xfrm>
+      </p:grpSpPr>
+      <p:pic>
+        <p:nvPicPr>
+          <p:cNvPr id="42" name="" descr=""/>
+          <p:cNvPicPr/>
+          <p:nvPr/>
+        </p:nvPicPr>
+        <p:blipFill>
+          <a:blip r:embed="rId2"/>
+          <a:stretch/>
+        </p:blipFill>
+        <p:spPr>
+          <a:xfrm>
+            <a:off x="0" y="360"/>
+            <a:ext cx="10073160" cy="7543440"/>
+          </a:xfrm>
+          <a:prstGeom prst="rect">
+            <a:avLst/>
+          </a:prstGeom>
+          <a:ln w="21600">
+            <a:noFill/>
+          </a:ln>
+        </p:spPr>
+      </p:pic>
+      <p:sp>
+        <p:nvSpPr>
+          <p:cNvPr id="43" name="PlaceHolder 1"/>
+          <p:cNvSpPr>
+            <a:spLocks noGrp="1"/>
+          </p:cNvSpPr>
+          <p:nvPr>
+            <p:ph type="title"/>
+          </p:nvPr>
+        </p:nvSpPr>
+        <p:spPr>
+          <a:xfrm>
+            <a:off x="504000" y="805320"/>
+            <a:ext cx="9071640" cy="1262160"/>
+          </a:xfrm>
+          <a:prstGeom prst="rect">
+            <a:avLst/>
+          </a:prstGeom>
+        </p:spPr>
+        <p:txBody>
+          <a:bodyPr lIns="0" rIns="0" tIns="0" bIns="0" anchor="ctr"/>
+          <a:p>
+            <a:r>
+              <a:rPr b="0" lang="en-US" sz="3200" spc="-1" strike="noStrike">
+                <a:solidFill>
+                  <a:srgbClr val="3399ff"/>
+                </a:solidFill>
+                <a:latin typeface="Source Sans Pro"/>
+              </a:rPr>
+              <a:t>Click to edit the title text format</a:t>
+            </a:r>
+            <a:endParaRPr b="0" lang="en-US" sz="3200" spc="-1" strike="noStrike">
+              <a:solidFill>
+                <a:srgbClr val="3399ff"/>
+              </a:solidFill>
+              <a:latin typeface="Source Sans Pro"/>
+            </a:endParaRPr>
+          </a:p>
+        </p:txBody>
+      </p:sp>
+      <p:sp>
+        <p:nvSpPr>
+          <p:cNvPr id="44" name="PlaceHolder 2"/>
+          <p:cNvSpPr>
+            <a:spLocks noGrp="1"/>
+          </p:cNvSpPr>
+          <p:nvPr>
+            <p:ph type="body"/>
+          </p:nvPr>
+        </p:nvSpPr>
+        <p:spPr>
+          <a:xfrm>
+            <a:off x="504000" y="2273040"/>
+            <a:ext cx="9071640" cy="4384800"/>
+          </a:xfrm>
+          <a:prstGeom prst="rect">
+            <a:avLst/>
+          </a:prstGeom>
+        </p:spPr>
+        <p:txBody>
+          <a:bodyPr lIns="0" rIns="0" tIns="0" bIns="0"/>
+          <a:p>
+            <a:pPr marL="432000" indent="-324000">
+              <a:spcAft>
+                <a:spcPts val="1417"/>
+              </a:spcAft>
+              <a:buClr>
+                <a:srgbClr val="000000"/>
+              </a:buClr>
+              <a:buSzPct val="45000"/>
+              <a:buFont typeface="Wingdings" charset="2"/>
+              <a:buChar char=""/>
+            </a:pPr>
+            <a:r>
+              <a:rPr b="0" lang="en-US" sz="2200" spc="-1" strike="noStrike">
+                <a:solidFill>
+                  <a:srgbClr val="000000"/>
+                </a:solidFill>
+                <a:latin typeface="Source Sans Pro"/>
+              </a:rPr>
+              <a:t>Click to edit the outline text format</a:t>
+            </a:r>
+            <a:endParaRPr b="0" lang="en-US" sz="2200" spc="-1" strike="noStrike">
+              <a:solidFill>
+                <a:srgbClr val="000000"/>
+              </a:solidFill>
+              <a:latin typeface="Source Sans Pro"/>
+            </a:endParaRPr>
+          </a:p>
+          <a:p>
+            <a:pPr lvl="1" marL="864000" indent="-324000">
+              <a:spcAft>
+                <a:spcPts val="1134"/>
+              </a:spcAft>
+              <a:buClr>
+                <a:srgbClr val="000000"/>
+              </a:buClr>
+              <a:buSzPct val="75000"/>
+              <a:buFont typeface="Symbol" charset="2"/>
+              <a:buChar char=""/>
+            </a:pPr>
+            <a:r>
+              <a:rPr b="0" lang="en-US" sz="1800" spc="-1" strike="noStrike">
+                <a:solidFill>
+                  <a:srgbClr val="111111"/>
+                </a:solidFill>
+                <a:latin typeface="Corbel"/>
+              </a:rPr>
+              <a:t>Second Outline Level</a:t>
+            </a:r>
+            <a:endParaRPr b="0" lang="en-US" sz="1800" spc="-1" strike="noStrike">
+              <a:solidFill>
+                <a:srgbClr val="111111"/>
+              </a:solidFill>
+              <a:latin typeface="Corbel"/>
+            </a:endParaRPr>
+          </a:p>
+          <a:p>
+            <a:pPr lvl="2" marL="1296000" indent="-288000">
+              <a:spcAft>
+                <a:spcPts val="850"/>
+              </a:spcAft>
+              <a:buClr>
+                <a:srgbClr val="000000"/>
+              </a:buClr>
+              <a:buSzPct val="45000"/>
+              <a:buFont typeface="Wingdings" charset="2"/>
+              <a:buChar char=""/>
+            </a:pPr>
+            <a:r>
+              <a:rPr b="0" lang="en-US" sz="1800" spc="-1" strike="noStrike">
+                <a:solidFill>
+                  <a:srgbClr val="111111"/>
+                </a:solidFill>
+                <a:latin typeface="Corbel"/>
+              </a:rPr>
+              <a:t>Third Outline Level</a:t>
+            </a:r>
+            <a:endParaRPr b="0" lang="en-US" sz="1800" spc="-1" strike="noStrike">
+              <a:solidFill>
+                <a:srgbClr val="111111"/>
+              </a:solidFill>
+              <a:latin typeface="Corbel"/>
+            </a:endParaRPr>
+          </a:p>
+          <a:p>
+            <a:pPr lvl="3" marL="1728000" indent="-216000">
+              <a:spcAft>
+                <a:spcPts val="567"/>
+              </a:spcAft>
+              <a:buClr>
+                <a:srgbClr val="000000"/>
+              </a:buClr>
+              <a:buSzPct val="75000"/>
+              <a:buFont typeface="Symbol" charset="2"/>
+              <a:buChar char=""/>
+            </a:pPr>
+            <a:r>
+              <a:rPr b="0" lang="en-US" sz="1800" spc="-1" strike="noStrike">
+                <a:solidFill>
+                  <a:srgbClr val="111111"/>
+                </a:solidFill>
+                <a:latin typeface="Corbel"/>
+              </a:rPr>
+              <a:t>Fourth Outline Level</a:t>
+            </a:r>
+            <a:endParaRPr b="0" lang="en-US" sz="1800" spc="-1" strike="noStrike">
+              <a:solidFill>
+                <a:srgbClr val="111111"/>
+              </a:solidFill>
+              <a:latin typeface="Corbel"/>
+            </a:endParaRPr>
+          </a:p>
+          <a:p>
+            <a:pPr lvl="4" marL="2160000" indent="-216000">
+              <a:spcAft>
+                <a:spcPts val="283"/>
+              </a:spcAft>
+              <a:buClr>
+                <a:srgbClr val="000000"/>
+              </a:buClr>
+              <a:buSzPct val="45000"/>
+              <a:buFont typeface="Wingdings" charset="2"/>
+              <a:buChar char=""/>
+            </a:pPr>
+            <a:r>
+              <a:rPr b="0" lang="en-US" sz="1800" spc="-1" strike="noStrike">
+                <a:solidFill>
+                  <a:srgbClr val="111111"/>
+                </a:solidFill>
+                <a:latin typeface="Corbel"/>
+              </a:rPr>
+              <a:t>Fifth Outline Level</a:t>
+            </a:r>
+            <a:endParaRPr b="0" lang="en-US" sz="1800" spc="-1" strike="noStrike">
+              <a:solidFill>
+                <a:srgbClr val="111111"/>
+              </a:solidFill>
+              <a:latin typeface="Corbel"/>
+            </a:endParaRPr>
+          </a:p>
+          <a:p>
+            <a:pPr lvl="5" marL="2592000" indent="-216000">
+              <a:spcAft>
+                <a:spcPts val="283"/>
+              </a:spcAft>
+              <a:buClr>
+                <a:srgbClr val="000000"/>
+              </a:buClr>
+              <a:buSzPct val="45000"/>
+              <a:buFont typeface="Wingdings" charset="2"/>
+              <a:buChar char=""/>
+            </a:pPr>
+            <a:r>
+              <a:rPr b="0" lang="en-US" sz="1800" spc="-1" strike="noStrike">
+                <a:solidFill>
+                  <a:srgbClr val="111111"/>
+                </a:solidFill>
+                <a:latin typeface="Corbel"/>
+              </a:rPr>
+              <a:t>Sixth Outline Level</a:t>
+            </a:r>
+            <a:endParaRPr b="0" lang="en-US" sz="1800" spc="-1" strike="noStrike">
+              <a:solidFill>
+                <a:srgbClr val="111111"/>
+              </a:solidFill>
+              <a:latin typeface="Corbel"/>
+            </a:endParaRPr>
+          </a:p>
+          <a:p>
+            <a:pPr lvl="6" marL="3024000" indent="-216000">
+              <a:spcAft>
+                <a:spcPts val="283"/>
+              </a:spcAft>
+              <a:buClr>
+                <a:srgbClr val="000000"/>
+              </a:buClr>
+              <a:buSzPct val="45000"/>
+              <a:buFont typeface="Wingdings" charset="2"/>
+              <a:buChar char=""/>
+            </a:pPr>
+            <a:r>
+              <a:rPr b="0" lang="en-US" sz="1800" spc="-1" strike="noStrike">
+                <a:solidFill>
+                  <a:srgbClr val="111111"/>
+                </a:solidFill>
+                <a:latin typeface="Corbel"/>
+              </a:rPr>
+              <a:t>Seventh Outline Level</a:t>
+            </a:r>
+            <a:endParaRPr b="0" lang="en-US" sz="1800" spc="-1" strike="noStrike">
+              <a:solidFill>
+                <a:srgbClr val="111111"/>
+              </a:solidFill>
+              <a:latin typeface="Corbel"/>
+            </a:endParaRPr>
+          </a:p>
+        </p:txBody>
+      </p:sp>
+      <p:sp>
+        <p:nvSpPr>
+          <p:cNvPr id="45" name="PlaceHolder 3"/>
+          <p:cNvSpPr>
+            <a:spLocks noGrp="1"/>
+          </p:cNvSpPr>
+          <p:nvPr>
+            <p:ph type="dt"/>
+          </p:nvPr>
+        </p:nvSpPr>
+        <p:spPr>
+          <a:xfrm>
+            <a:off x="288360" y="6995160"/>
+            <a:ext cx="1677600" cy="521280"/>
+          </a:xfrm>
+          <a:prstGeom prst="rect">
+            <a:avLst/>
+          </a:prstGeom>
+        </p:spPr>
+        <p:txBody>
+          <a:bodyPr lIns="0" rIns="0" tIns="0" bIns="0"/>
+          <a:p>
+            <a:r>
+              <a:rPr b="0" lang="en-US" sz="1400" spc="-1" strike="noStrike">
+                <a:latin typeface="Century Gothic"/>
+              </a:rPr>
+              <a:t>&lt;date/time&gt;</a:t>
+            </a:r>
+            <a:endParaRPr b="0" lang="en-US" sz="1400" spc="-1" strike="noStrike">
+              <a:latin typeface="Century Gothic"/>
+            </a:endParaRPr>
+          </a:p>
+        </p:txBody>
+      </p:sp>
+      <p:sp>
+        <p:nvSpPr>
+          <p:cNvPr id="46" name="PlaceHolder 4"/>
+          <p:cNvSpPr>
+            <a:spLocks noGrp="1"/>
+          </p:cNvSpPr>
+          <p:nvPr>
+            <p:ph type="ftr"/>
+          </p:nvPr>
+        </p:nvSpPr>
+        <p:spPr>
+          <a:xfrm>
+            <a:off x="3947760" y="6995160"/>
+            <a:ext cx="2023200" cy="521280"/>
+          </a:xfrm>
+          <a:prstGeom prst="rect">
+            <a:avLst/>
+          </a:prstGeom>
+        </p:spPr>
+        <p:txBody>
+          <a:bodyPr lIns="0" rIns="0" tIns="0" bIns="0"/>
+          <a:p>
+            <a:pPr algn="ctr"/>
+            <a:r>
+              <a:rPr b="0" lang="en-US" sz="1400" spc="-1" strike="noStrike">
+                <a:latin typeface="Century Gothic"/>
+              </a:rPr>
+              <a:t>&lt;footer&gt;</a:t>
+            </a:r>
+            <a:endParaRPr b="0" lang="en-US" sz="1400" spc="-1" strike="noStrike">
+              <a:latin typeface="Century Gothic"/>
+            </a:endParaRPr>
+          </a:p>
+        </p:txBody>
+      </p:sp>
+      <p:sp>
+        <p:nvSpPr>
+          <p:cNvPr id="47" name="PlaceHolder 5"/>
+          <p:cNvSpPr>
+            <a:spLocks noGrp="1"/>
+          </p:cNvSpPr>
+          <p:nvPr>
+            <p:ph type="sldNum"/>
+          </p:nvPr>
+        </p:nvSpPr>
+        <p:spPr>
+          <a:xfrm>
+            <a:off x="7952760" y="6995160"/>
+            <a:ext cx="1803240" cy="521280"/>
+          </a:xfrm>
+          <a:prstGeom prst="rect">
+            <a:avLst/>
+          </a:prstGeom>
+        </p:spPr>
+        <p:txBody>
+          <a:bodyPr lIns="0" rIns="0" tIns="0" bIns="0"/>
+          <a:p>
+            <a:pPr algn="r"/>
+            <a:fld id="{ED76BBAA-7350-4BA1-BF9B-03EF637B8389}" type="slidenum">
+              <a:rPr b="0" lang="en-US" sz="1400" spc="-1" strike="noStrike">
+                <a:latin typeface="Century Gothic"/>
+              </a:rPr>
+              <a:t>&lt;number&gt;</a:t>
+            </a:fld>
+            <a:endParaRPr b="0" lang="en-US" sz="1400" spc="-1" strike="noStrike">
+              <a:latin typeface="Century Gothic"/>
+            </a:endParaRPr>
+          </a:p>
+        </p:txBody>
+      </p:sp>
+    </p:spTree>
+  </p:cSld>
+  <p:clrMap bg1="lt1" bg2="lt2" tx1="dk1" tx2="dk2" accent1="accent1" accent2="accent2" accent3="accent3" accent4="accent4" accent5="accent5" accent6="accent6" hlink="hlink" folHlink="folHlink"/>
+  <p:sldLayoutIdLst>
+    <p:sldLayoutId id="2147483662" r:id="rId3"/>
+    <p:sldLayoutId id="2147483663" r:id="rId4"/>
+    <p:sldLayoutId id="2147483664" r:id="rId5"/>
+    <p:sldLayoutId id="2147483665" r:id="rId6"/>
+    <p:sldLayoutId id="2147483666" r:id="rId7"/>
+    <p:sldLayoutId id="2147483667" r:id="rId8"/>
+    <p:sldLayoutId id="2147483668" r:id="rId9"/>
+    <p:sldLayoutId id="2147483669" r:id="rId10"/>
+    <p:sldLayoutId id="2147483670" r:id="rId11"/>
+    <p:sldLayoutId id="2147483671" r:id="rId12"/>
+    <p:sldLayoutId id="2147483672" r:id="rId13"/>
+    <p:sldLayoutId id="2147483673" r:id="rId14"/>
   </p:sldLayoutIdLst>
 </p:sldMaster>
 </file>
@@ -1765,50 +3611,14 @@
       </p:grpSpPr>
       <p:sp>
         <p:nvSpPr>
-          <p:cNvPr id="41" name="TextShape 1"/>
+          <p:cNvPr id="84" name="TextShape 1"/>
           <p:cNvSpPr txBox="1"/>
           <p:nvPr/>
         </p:nvSpPr>
         <p:spPr>
           <a:xfrm>
-            <a:off x="180000" y="180000"/>
-            <a:ext cx="9720000" cy="720000"/>
-          </a:xfrm>
-          <a:prstGeom prst="rect">
-            <a:avLst/>
-          </a:prstGeom>
-          <a:solidFill>
-            <a:srgbClr val="4c4c4c">
-              <a:alpha val="50000"/>
-            </a:srgbClr>
-          </a:solidFill>
-          <a:ln>
-            <a:noFill/>
-          </a:ln>
-        </p:spPr>
-        <p:txBody>
-          <a:bodyPr lIns="0" rIns="0" tIns="0" bIns="0" anchor="ctr"/>
-          <a:p>
-            <a:pPr algn="r"/>
-            <a:endParaRPr b="1" lang="es-PE" sz="2800" spc="-1" strike="noStrike">
-              <a:solidFill>
-                <a:srgbClr val="ffffff"/>
-              </a:solidFill>
-              <a:latin typeface="Source Sans Pro Black"/>
-            </a:endParaRPr>
-          </a:p>
-        </p:txBody>
-      </p:sp>
-      <p:sp>
-        <p:nvSpPr>
-          <p:cNvPr id="42" name="TextShape 2"/>
-          <p:cNvSpPr txBox="1"/>
-          <p:nvPr/>
-        </p:nvSpPr>
-        <p:spPr>
-          <a:xfrm>
-            <a:off x="504000" y="1260000"/>
-            <a:ext cx="9071640" cy="4384800"/>
+            <a:off x="3825000" y="2851200"/>
+            <a:ext cx="5643000" cy="1093320"/>
           </a:xfrm>
           <a:prstGeom prst="rect">
             <a:avLst/>
@@ -1821,8 +3631,40 @@
         <p:txBody>
           <a:bodyPr lIns="0" rIns="0" tIns="0" bIns="0" anchor="ctr"/>
           <a:p>
-            <a:pPr algn="ctr"/>
-            <a:endParaRPr b="0" lang="es-PE" sz="3200" spc="-1" strike="noStrike">
+            <a:pPr algn="r"/>
+            <a:endParaRPr b="0" lang="en-US" sz="4400" spc="-1" strike="noStrike">
+              <a:solidFill>
+                <a:srgbClr val="ffffff"/>
+              </a:solidFill>
+              <a:latin typeface="Source Sans Pro"/>
+            </a:endParaRPr>
+          </a:p>
+        </p:txBody>
+      </p:sp>
+      <p:sp>
+        <p:nvSpPr>
+          <p:cNvPr id="85" name="TextShape 2"/>
+          <p:cNvSpPr txBox="1"/>
+          <p:nvPr/>
+        </p:nvSpPr>
+        <p:spPr>
+          <a:xfrm>
+            <a:off x="5257800" y="4150800"/>
+            <a:ext cx="4210200" cy="685800"/>
+          </a:xfrm>
+          <a:prstGeom prst="rect">
+            <a:avLst/>
+          </a:prstGeom>
+          <a:noFill/>
+          <a:ln>
+            <a:noFill/>
+          </a:ln>
+        </p:spPr>
+        <p:txBody>
+          <a:bodyPr lIns="0" rIns="0" tIns="0" bIns="0" anchor="ctr"/>
+          <a:p>
+            <a:pPr algn="r"/>
+            <a:endParaRPr b="0" lang="en-US" sz="3200" spc="-1" strike="noStrike">
               <a:solidFill>
                 <a:srgbClr val="ffffff"/>
               </a:solidFill>
@@ -1840,6 +3682,1496 @@
           <p:childTnLst>
             <p:seq>
               <p:cTn id="2" dur="indefinite" nodeType="mainSeq"/>
+              <p:prevCondLst>
+                <p:cond delay="0" evt="onPrev">
+                  <p:tgtEl>
+                    <p:sldTgt/>
+                  </p:tgtEl>
+                </p:cond>
+              </p:prevCondLst>
+              <p:nextCondLst>
+                <p:cond delay="0" evt="onNext">
+                  <p:tgtEl>
+                    <p:sldTgt/>
+                  </p:tgtEl>
+                </p:cond>
+              </p:nextCondLst>
+            </p:seq>
+          </p:childTnLst>
+        </p:cTn>
+      </p:par>
+    </p:tnLst>
+  </p:timing>
+</p:sld>
+</file>
+
+<file path=ppt/slides/slide10.xml><?xml version="1.0" encoding="utf-8"?>
+<p:sld xmlns:a="http://schemas.openxmlformats.org/drawingml/2006/main" xmlns:p="http://schemas.openxmlformats.org/presentationml/2006/main" xmlns:r="http://schemas.openxmlformats.org/officeDocument/2006/relationships" xmlns:p14="http://schemas.microsoft.com/office/powerpoint/2010/main" xmlns:p15="http://schemas.microsoft.com/office/powerpoint/2012/main" xmlns:mc="http://schemas.openxmlformats.org/markup-compatibility/2006">
+  <p:cSld>
+    <p:spTree>
+      <p:nvGrpSpPr>
+        <p:cNvPr id="1" name=""/>
+        <p:cNvGrpSpPr/>
+        <p:nvPr/>
+      </p:nvGrpSpPr>
+      <p:grpSpPr>
+        <a:xfrm>
+          <a:off x="0" y="0"/>
+          <a:ext cx="0" cy="0"/>
+          <a:chOff x="0" y="0"/>
+          <a:chExt cx="0" cy="0"/>
+        </a:xfrm>
+      </p:grpSpPr>
+      <p:sp>
+        <p:nvSpPr>
+          <p:cNvPr id="106" name="TextShape 1"/>
+          <p:cNvSpPr txBox="1"/>
+          <p:nvPr/>
+        </p:nvSpPr>
+        <p:spPr>
+          <a:xfrm>
+            <a:off x="504000" y="805320"/>
+            <a:ext cx="9071640" cy="1262160"/>
+          </a:xfrm>
+          <a:prstGeom prst="rect">
+            <a:avLst/>
+          </a:prstGeom>
+          <a:noFill/>
+          <a:ln>
+            <a:noFill/>
+          </a:ln>
+        </p:spPr>
+        <p:txBody>
+          <a:bodyPr lIns="0" rIns="0" tIns="0" bIns="0" anchor="ctr"/>
+          <a:p>
+            <a:endParaRPr b="0" lang="en-US" sz="3200" spc="-1" strike="noStrike">
+              <a:solidFill>
+                <a:srgbClr val="3399ff"/>
+              </a:solidFill>
+              <a:latin typeface="Source Sans Pro"/>
+            </a:endParaRPr>
+          </a:p>
+        </p:txBody>
+      </p:sp>
+      <p:pic>
+        <p:nvPicPr>
+          <p:cNvPr id="107" name="" descr=""/>
+          <p:cNvPicPr/>
+          <p:nvPr/>
+        </p:nvPicPr>
+        <p:blipFill>
+          <a:blip r:embed="rId1"/>
+          <a:stretch/>
+        </p:blipFill>
+        <p:spPr>
+          <a:xfrm>
+            <a:off x="180360" y="180720"/>
+            <a:ext cx="9768240" cy="7199640"/>
+          </a:xfrm>
+          <a:prstGeom prst="rect">
+            <a:avLst/>
+          </a:prstGeom>
+          <a:ln>
+            <a:noFill/>
+          </a:ln>
+        </p:spPr>
+      </p:pic>
+    </p:spTree>
+  </p:cSld>
+  <p:timing>
+    <p:tnLst>
+      <p:par>
+        <p:cTn id="19" dur="indefinite" restart="never" nodeType="tmRoot">
+          <p:childTnLst>
+            <p:seq>
+              <p:cTn id="20" dur="indefinite" nodeType="mainSeq"/>
+              <p:prevCondLst>
+                <p:cond delay="0" evt="onPrev">
+                  <p:tgtEl>
+                    <p:sldTgt/>
+                  </p:tgtEl>
+                </p:cond>
+              </p:prevCondLst>
+              <p:nextCondLst>
+                <p:cond delay="0" evt="onNext">
+                  <p:tgtEl>
+                    <p:sldTgt/>
+                  </p:tgtEl>
+                </p:cond>
+              </p:nextCondLst>
+            </p:seq>
+          </p:childTnLst>
+        </p:cTn>
+      </p:par>
+    </p:tnLst>
+  </p:timing>
+</p:sld>
+</file>
+
+<file path=ppt/slides/slide11.xml><?xml version="1.0" encoding="utf-8"?>
+<p:sld xmlns:a="http://schemas.openxmlformats.org/drawingml/2006/main" xmlns:p="http://schemas.openxmlformats.org/presentationml/2006/main" xmlns:r="http://schemas.openxmlformats.org/officeDocument/2006/relationships" xmlns:p14="http://schemas.microsoft.com/office/powerpoint/2010/main" xmlns:p15="http://schemas.microsoft.com/office/powerpoint/2012/main" xmlns:mc="http://schemas.openxmlformats.org/markup-compatibility/2006">
+  <p:cSld>
+    <p:spTree>
+      <p:nvGrpSpPr>
+        <p:cNvPr id="1" name=""/>
+        <p:cNvGrpSpPr/>
+        <p:nvPr/>
+      </p:nvGrpSpPr>
+      <p:grpSpPr>
+        <a:xfrm>
+          <a:off x="0" y="0"/>
+          <a:ext cx="0" cy="0"/>
+          <a:chOff x="0" y="0"/>
+          <a:chExt cx="0" cy="0"/>
+        </a:xfrm>
+      </p:grpSpPr>
+      <p:sp>
+        <p:nvSpPr>
+          <p:cNvPr id="108" name="TextShape 1"/>
+          <p:cNvSpPr txBox="1"/>
+          <p:nvPr/>
+        </p:nvSpPr>
+        <p:spPr>
+          <a:xfrm>
+            <a:off x="504000" y="805320"/>
+            <a:ext cx="9071640" cy="1262160"/>
+          </a:xfrm>
+          <a:prstGeom prst="rect">
+            <a:avLst/>
+          </a:prstGeom>
+          <a:noFill/>
+          <a:ln>
+            <a:noFill/>
+          </a:ln>
+        </p:spPr>
+        <p:txBody>
+          <a:bodyPr lIns="0" rIns="0" tIns="0" bIns="0" anchor="ctr"/>
+          <a:p>
+            <a:endParaRPr b="0" lang="en-US" sz="3200" spc="-1" strike="noStrike">
+              <a:solidFill>
+                <a:srgbClr val="3399ff"/>
+              </a:solidFill>
+              <a:latin typeface="Source Sans Pro"/>
+            </a:endParaRPr>
+          </a:p>
+        </p:txBody>
+      </p:sp>
+      <p:sp>
+        <p:nvSpPr>
+          <p:cNvPr id="109" name="TextShape 2"/>
+          <p:cNvSpPr txBox="1"/>
+          <p:nvPr/>
+        </p:nvSpPr>
+        <p:spPr>
+          <a:xfrm>
+            <a:off x="504000" y="2273040"/>
+            <a:ext cx="9071640" cy="4384800"/>
+          </a:xfrm>
+          <a:prstGeom prst="rect">
+            <a:avLst/>
+          </a:prstGeom>
+          <a:noFill/>
+          <a:ln>
+            <a:noFill/>
+          </a:ln>
+        </p:spPr>
+        <p:txBody>
+          <a:bodyPr lIns="0" rIns="0" tIns="0" bIns="0"/>
+          <a:p>
+            <a:endParaRPr b="0" lang="en-US" sz="2200" spc="-1" strike="noStrike">
+              <a:solidFill>
+                <a:srgbClr val="000000"/>
+              </a:solidFill>
+              <a:latin typeface="Source Sans Pro"/>
+            </a:endParaRPr>
+          </a:p>
+        </p:txBody>
+      </p:sp>
+      <p:pic>
+        <p:nvPicPr>
+          <p:cNvPr id="110" name="" descr=""/>
+          <p:cNvPicPr/>
+          <p:nvPr/>
+        </p:nvPicPr>
+        <p:blipFill>
+          <a:blip r:embed="rId1"/>
+          <a:stretch/>
+        </p:blipFill>
+        <p:spPr>
+          <a:xfrm>
+            <a:off x="251280" y="180720"/>
+            <a:ext cx="9648720" cy="7199640"/>
+          </a:xfrm>
+          <a:prstGeom prst="rect">
+            <a:avLst/>
+          </a:prstGeom>
+          <a:ln>
+            <a:noFill/>
+          </a:ln>
+        </p:spPr>
+      </p:pic>
+    </p:spTree>
+  </p:cSld>
+  <p:timing>
+    <p:tnLst>
+      <p:par>
+        <p:cTn id="21" dur="indefinite" restart="never" nodeType="tmRoot">
+          <p:childTnLst>
+            <p:seq>
+              <p:cTn id="22" dur="indefinite" nodeType="mainSeq"/>
+              <p:prevCondLst>
+                <p:cond delay="0" evt="onPrev">
+                  <p:tgtEl>
+                    <p:sldTgt/>
+                  </p:tgtEl>
+                </p:cond>
+              </p:prevCondLst>
+              <p:nextCondLst>
+                <p:cond delay="0" evt="onNext">
+                  <p:tgtEl>
+                    <p:sldTgt/>
+                  </p:tgtEl>
+                </p:cond>
+              </p:nextCondLst>
+            </p:seq>
+          </p:childTnLst>
+        </p:cTn>
+      </p:par>
+    </p:tnLst>
+  </p:timing>
+</p:sld>
+</file>
+
+<file path=ppt/slides/slide12.xml><?xml version="1.0" encoding="utf-8"?>
+<p:sld xmlns:a="http://schemas.openxmlformats.org/drawingml/2006/main" xmlns:p="http://schemas.openxmlformats.org/presentationml/2006/main" xmlns:r="http://schemas.openxmlformats.org/officeDocument/2006/relationships" xmlns:p14="http://schemas.microsoft.com/office/powerpoint/2010/main" xmlns:p15="http://schemas.microsoft.com/office/powerpoint/2012/main" xmlns:mc="http://schemas.openxmlformats.org/markup-compatibility/2006">
+  <p:cSld>
+    <p:spTree>
+      <p:nvGrpSpPr>
+        <p:cNvPr id="1" name=""/>
+        <p:cNvGrpSpPr/>
+        <p:nvPr/>
+      </p:nvGrpSpPr>
+      <p:grpSpPr>
+        <a:xfrm>
+          <a:off x="0" y="0"/>
+          <a:ext cx="0" cy="0"/>
+          <a:chOff x="0" y="0"/>
+          <a:chExt cx="0" cy="0"/>
+        </a:xfrm>
+      </p:grpSpPr>
+      <p:sp>
+        <p:nvSpPr>
+          <p:cNvPr id="111" name="TextShape 1"/>
+          <p:cNvSpPr txBox="1"/>
+          <p:nvPr/>
+        </p:nvSpPr>
+        <p:spPr>
+          <a:xfrm>
+            <a:off x="504000" y="805320"/>
+            <a:ext cx="9071640" cy="1262160"/>
+          </a:xfrm>
+          <a:prstGeom prst="rect">
+            <a:avLst/>
+          </a:prstGeom>
+          <a:noFill/>
+          <a:ln>
+            <a:noFill/>
+          </a:ln>
+        </p:spPr>
+        <p:txBody>
+          <a:bodyPr lIns="0" rIns="0" tIns="0" bIns="0" anchor="ctr"/>
+          <a:p>
+            <a:endParaRPr b="0" lang="en-US" sz="3200" spc="-1" strike="noStrike">
+              <a:solidFill>
+                <a:srgbClr val="3399ff"/>
+              </a:solidFill>
+              <a:latin typeface="Source Sans Pro"/>
+            </a:endParaRPr>
+          </a:p>
+        </p:txBody>
+      </p:sp>
+      <p:sp>
+        <p:nvSpPr>
+          <p:cNvPr id="112" name="TextShape 2"/>
+          <p:cNvSpPr txBox="1"/>
+          <p:nvPr/>
+        </p:nvSpPr>
+        <p:spPr>
+          <a:xfrm>
+            <a:off x="504000" y="2273040"/>
+            <a:ext cx="9071640" cy="4384800"/>
+          </a:xfrm>
+          <a:prstGeom prst="rect">
+            <a:avLst/>
+          </a:prstGeom>
+          <a:noFill/>
+          <a:ln>
+            <a:noFill/>
+          </a:ln>
+        </p:spPr>
+        <p:txBody>
+          <a:bodyPr lIns="0" rIns="0" tIns="0" bIns="0"/>
+          <a:p>
+            <a:endParaRPr b="0" lang="en-US" sz="2200" spc="-1" strike="noStrike">
+              <a:solidFill>
+                <a:srgbClr val="000000"/>
+              </a:solidFill>
+              <a:latin typeface="Source Sans Pro"/>
+            </a:endParaRPr>
+          </a:p>
+        </p:txBody>
+      </p:sp>
+      <p:pic>
+        <p:nvPicPr>
+          <p:cNvPr id="113" name="" descr=""/>
+          <p:cNvPicPr/>
+          <p:nvPr/>
+        </p:nvPicPr>
+        <p:blipFill>
+          <a:blip r:embed="rId1"/>
+          <a:stretch/>
+        </p:blipFill>
+        <p:spPr>
+          <a:xfrm>
+            <a:off x="180360" y="180360"/>
+            <a:ext cx="9719640" cy="7199640"/>
+          </a:xfrm>
+          <a:prstGeom prst="rect">
+            <a:avLst/>
+          </a:prstGeom>
+          <a:ln>
+            <a:noFill/>
+          </a:ln>
+        </p:spPr>
+      </p:pic>
+    </p:spTree>
+  </p:cSld>
+  <p:timing>
+    <p:tnLst>
+      <p:par>
+        <p:cTn id="23" dur="indefinite" restart="never" nodeType="tmRoot">
+          <p:childTnLst>
+            <p:seq>
+              <p:cTn id="24" dur="indefinite" nodeType="mainSeq"/>
+              <p:prevCondLst>
+                <p:cond delay="0" evt="onPrev">
+                  <p:tgtEl>
+                    <p:sldTgt/>
+                  </p:tgtEl>
+                </p:cond>
+              </p:prevCondLst>
+              <p:nextCondLst>
+                <p:cond delay="0" evt="onNext">
+                  <p:tgtEl>
+                    <p:sldTgt/>
+                  </p:tgtEl>
+                </p:cond>
+              </p:nextCondLst>
+            </p:seq>
+          </p:childTnLst>
+        </p:cTn>
+      </p:par>
+    </p:tnLst>
+  </p:timing>
+</p:sld>
+</file>
+
+<file path=ppt/slides/slide13.xml><?xml version="1.0" encoding="utf-8"?>
+<p:sld xmlns:a="http://schemas.openxmlformats.org/drawingml/2006/main" xmlns:p="http://schemas.openxmlformats.org/presentationml/2006/main" xmlns:r="http://schemas.openxmlformats.org/officeDocument/2006/relationships" xmlns:p14="http://schemas.microsoft.com/office/powerpoint/2010/main" xmlns:p15="http://schemas.microsoft.com/office/powerpoint/2012/main" xmlns:mc="http://schemas.openxmlformats.org/markup-compatibility/2006">
+  <p:cSld>
+    <p:spTree>
+      <p:nvGrpSpPr>
+        <p:cNvPr id="1" name=""/>
+        <p:cNvGrpSpPr/>
+        <p:nvPr/>
+      </p:nvGrpSpPr>
+      <p:grpSpPr>
+        <a:xfrm>
+          <a:off x="0" y="0"/>
+          <a:ext cx="0" cy="0"/>
+          <a:chOff x="0" y="0"/>
+          <a:chExt cx="0" cy="0"/>
+        </a:xfrm>
+      </p:grpSpPr>
+      <p:sp>
+        <p:nvSpPr>
+          <p:cNvPr id="114" name="TextShape 1"/>
+          <p:cNvSpPr txBox="1"/>
+          <p:nvPr/>
+        </p:nvSpPr>
+        <p:spPr>
+          <a:xfrm>
+            <a:off x="504000" y="805320"/>
+            <a:ext cx="9071640" cy="1262160"/>
+          </a:xfrm>
+          <a:prstGeom prst="rect">
+            <a:avLst/>
+          </a:prstGeom>
+          <a:noFill/>
+          <a:ln>
+            <a:noFill/>
+          </a:ln>
+        </p:spPr>
+        <p:txBody>
+          <a:bodyPr lIns="0" rIns="0" tIns="0" bIns="0" anchor="ctr"/>
+          <a:p>
+            <a:endParaRPr b="0" lang="en-US" sz="3200" spc="-1" strike="noStrike">
+              <a:solidFill>
+                <a:srgbClr val="3399ff"/>
+              </a:solidFill>
+              <a:latin typeface="Source Sans Pro"/>
+            </a:endParaRPr>
+          </a:p>
+        </p:txBody>
+      </p:sp>
+      <p:sp>
+        <p:nvSpPr>
+          <p:cNvPr id="115" name="TextShape 2"/>
+          <p:cNvSpPr txBox="1"/>
+          <p:nvPr/>
+        </p:nvSpPr>
+        <p:spPr>
+          <a:xfrm>
+            <a:off x="504000" y="2273040"/>
+            <a:ext cx="9071640" cy="4384800"/>
+          </a:xfrm>
+          <a:prstGeom prst="rect">
+            <a:avLst/>
+          </a:prstGeom>
+          <a:noFill/>
+          <a:ln>
+            <a:noFill/>
+          </a:ln>
+        </p:spPr>
+        <p:txBody>
+          <a:bodyPr lIns="0" rIns="0" tIns="0" bIns="0"/>
+          <a:p>
+            <a:endParaRPr b="0" lang="en-US" sz="2200" spc="-1" strike="noStrike">
+              <a:solidFill>
+                <a:srgbClr val="000000"/>
+              </a:solidFill>
+              <a:latin typeface="Source Sans Pro"/>
+            </a:endParaRPr>
+          </a:p>
+        </p:txBody>
+      </p:sp>
+    </p:spTree>
+  </p:cSld>
+  <p:timing>
+    <p:tnLst>
+      <p:par>
+        <p:cTn id="25" dur="indefinite" restart="never" nodeType="tmRoot">
+          <p:childTnLst>
+            <p:seq>
+              <p:cTn id="26" dur="indefinite" nodeType="mainSeq"/>
+              <p:prevCondLst>
+                <p:cond delay="0" evt="onPrev">
+                  <p:tgtEl>
+                    <p:sldTgt/>
+                  </p:tgtEl>
+                </p:cond>
+              </p:prevCondLst>
+              <p:nextCondLst>
+                <p:cond delay="0" evt="onNext">
+                  <p:tgtEl>
+                    <p:sldTgt/>
+                  </p:tgtEl>
+                </p:cond>
+              </p:nextCondLst>
+            </p:seq>
+          </p:childTnLst>
+        </p:cTn>
+      </p:par>
+    </p:tnLst>
+  </p:timing>
+</p:sld>
+</file>
+
+<file path=ppt/slides/slide14.xml><?xml version="1.0" encoding="utf-8"?>
+<p:sld xmlns:a="http://schemas.openxmlformats.org/drawingml/2006/main" xmlns:p="http://schemas.openxmlformats.org/presentationml/2006/main" xmlns:r="http://schemas.openxmlformats.org/officeDocument/2006/relationships" xmlns:p14="http://schemas.microsoft.com/office/powerpoint/2010/main" xmlns:p15="http://schemas.microsoft.com/office/powerpoint/2012/main" xmlns:mc="http://schemas.openxmlformats.org/markup-compatibility/2006">
+  <p:cSld>
+    <p:spTree>
+      <p:nvGrpSpPr>
+        <p:cNvPr id="1" name=""/>
+        <p:cNvGrpSpPr/>
+        <p:nvPr/>
+      </p:nvGrpSpPr>
+      <p:grpSpPr>
+        <a:xfrm>
+          <a:off x="0" y="0"/>
+          <a:ext cx="0" cy="0"/>
+          <a:chOff x="0" y="0"/>
+          <a:chExt cx="0" cy="0"/>
+        </a:xfrm>
+      </p:grpSpPr>
+      <p:sp>
+        <p:nvSpPr>
+          <p:cNvPr id="116" name="TextShape 1"/>
+          <p:cNvSpPr txBox="1"/>
+          <p:nvPr/>
+        </p:nvSpPr>
+        <p:spPr>
+          <a:xfrm>
+            <a:off x="504000" y="805320"/>
+            <a:ext cx="9071640" cy="1262160"/>
+          </a:xfrm>
+          <a:prstGeom prst="rect">
+            <a:avLst/>
+          </a:prstGeom>
+          <a:noFill/>
+          <a:ln>
+            <a:noFill/>
+          </a:ln>
+        </p:spPr>
+        <p:txBody>
+          <a:bodyPr lIns="0" rIns="0" tIns="0" bIns="0" anchor="ctr"/>
+          <a:p>
+            <a:endParaRPr b="0" lang="en-US" sz="3200" spc="-1" strike="noStrike">
+              <a:solidFill>
+                <a:srgbClr val="3399ff"/>
+              </a:solidFill>
+              <a:latin typeface="Source Sans Pro"/>
+            </a:endParaRPr>
+          </a:p>
+        </p:txBody>
+      </p:sp>
+      <p:sp>
+        <p:nvSpPr>
+          <p:cNvPr id="117" name="TextShape 2"/>
+          <p:cNvSpPr txBox="1"/>
+          <p:nvPr/>
+        </p:nvSpPr>
+        <p:spPr>
+          <a:xfrm>
+            <a:off x="504000" y="2273040"/>
+            <a:ext cx="9071640" cy="4384800"/>
+          </a:xfrm>
+          <a:prstGeom prst="rect">
+            <a:avLst/>
+          </a:prstGeom>
+          <a:noFill/>
+          <a:ln>
+            <a:noFill/>
+          </a:ln>
+        </p:spPr>
+        <p:txBody>
+          <a:bodyPr lIns="0" rIns="0" tIns="0" bIns="0"/>
+          <a:p>
+            <a:endParaRPr b="0" lang="en-US" sz="2200" spc="-1" strike="noStrike">
+              <a:solidFill>
+                <a:srgbClr val="000000"/>
+              </a:solidFill>
+              <a:latin typeface="Source Sans Pro"/>
+            </a:endParaRPr>
+          </a:p>
+        </p:txBody>
+      </p:sp>
+      <p:pic>
+        <p:nvPicPr>
+          <p:cNvPr id="118" name="" descr=""/>
+          <p:cNvPicPr/>
+          <p:nvPr/>
+        </p:nvPicPr>
+        <p:blipFill>
+          <a:blip r:embed="rId1"/>
+          <a:stretch/>
+        </p:blipFill>
+        <p:spPr>
+          <a:xfrm>
+            <a:off x="5400" y="0"/>
+            <a:ext cx="10079640" cy="7543800"/>
+          </a:xfrm>
+          <a:prstGeom prst="rect">
+            <a:avLst/>
+          </a:prstGeom>
+          <a:ln w="21600">
+            <a:noFill/>
+          </a:ln>
+        </p:spPr>
+      </p:pic>
+    </p:spTree>
+  </p:cSld>
+  <p:timing>
+    <p:tnLst>
+      <p:par>
+        <p:cTn id="27" dur="indefinite" restart="never" nodeType="tmRoot">
+          <p:childTnLst>
+            <p:seq>
+              <p:cTn id="28" dur="indefinite" nodeType="mainSeq"/>
+              <p:prevCondLst>
+                <p:cond delay="0" evt="onPrev">
+                  <p:tgtEl>
+                    <p:sldTgt/>
+                  </p:tgtEl>
+                </p:cond>
+              </p:prevCondLst>
+              <p:nextCondLst>
+                <p:cond delay="0" evt="onNext">
+                  <p:tgtEl>
+                    <p:sldTgt/>
+                  </p:tgtEl>
+                </p:cond>
+              </p:nextCondLst>
+            </p:seq>
+          </p:childTnLst>
+        </p:cTn>
+      </p:par>
+    </p:tnLst>
+  </p:timing>
+</p:sld>
+</file>
+
+<file path=ppt/slides/slide15.xml><?xml version="1.0" encoding="utf-8"?>
+<p:sld xmlns:a="http://schemas.openxmlformats.org/drawingml/2006/main" xmlns:p="http://schemas.openxmlformats.org/presentationml/2006/main" xmlns:r="http://schemas.openxmlformats.org/officeDocument/2006/relationships" xmlns:p14="http://schemas.microsoft.com/office/powerpoint/2010/main" xmlns:p15="http://schemas.microsoft.com/office/powerpoint/2012/main" xmlns:mc="http://schemas.openxmlformats.org/markup-compatibility/2006">
+  <p:cSld>
+    <p:spTree>
+      <p:nvGrpSpPr>
+        <p:cNvPr id="1" name=""/>
+        <p:cNvGrpSpPr/>
+        <p:nvPr/>
+      </p:nvGrpSpPr>
+      <p:grpSpPr>
+        <a:xfrm>
+          <a:off x="0" y="0"/>
+          <a:ext cx="0" cy="0"/>
+          <a:chOff x="0" y="0"/>
+          <a:chExt cx="0" cy="0"/>
+        </a:xfrm>
+      </p:grpSpPr>
+      <p:sp>
+        <p:nvSpPr>
+          <p:cNvPr id="119" name="TextShape 1"/>
+          <p:cNvSpPr txBox="1"/>
+          <p:nvPr/>
+        </p:nvSpPr>
+        <p:spPr>
+          <a:xfrm>
+            <a:off x="504000" y="805320"/>
+            <a:ext cx="9071640" cy="1262160"/>
+          </a:xfrm>
+          <a:prstGeom prst="rect">
+            <a:avLst/>
+          </a:prstGeom>
+          <a:noFill/>
+          <a:ln>
+            <a:noFill/>
+          </a:ln>
+        </p:spPr>
+        <p:txBody>
+          <a:bodyPr lIns="0" rIns="0" tIns="0" bIns="0" anchor="ctr"/>
+          <a:p>
+            <a:r>
+              <a:rPr b="0" lang="en-US" sz="3200" spc="-1" strike="noStrike">
+                <a:solidFill>
+                  <a:srgbClr val="3399ff"/>
+                </a:solidFill>
+                <a:latin typeface="Source Sans Pro"/>
+              </a:rPr>
+              <a:t>Models</a:t>
+            </a:r>
+            <a:endParaRPr b="0" lang="en-US" sz="3200" spc="-1" strike="noStrike">
+              <a:solidFill>
+                <a:srgbClr val="3399ff"/>
+              </a:solidFill>
+              <a:latin typeface="Source Sans Pro"/>
+            </a:endParaRPr>
+          </a:p>
+        </p:txBody>
+      </p:sp>
+      <p:sp>
+        <p:nvSpPr>
+          <p:cNvPr id="120" name="TextShape 2"/>
+          <p:cNvSpPr txBox="1"/>
+          <p:nvPr/>
+        </p:nvSpPr>
+        <p:spPr>
+          <a:xfrm>
+            <a:off x="504000" y="2273040"/>
+            <a:ext cx="9071640" cy="4384800"/>
+          </a:xfrm>
+          <a:prstGeom prst="rect">
+            <a:avLst/>
+          </a:prstGeom>
+          <a:noFill/>
+          <a:ln>
+            <a:noFill/>
+          </a:ln>
+        </p:spPr>
+        <p:txBody>
+          <a:bodyPr lIns="0" rIns="0" tIns="0" bIns="0"/>
+          <a:p>
+            <a:endParaRPr b="0" lang="en-US" sz="2200" spc="-1" strike="noStrike">
+              <a:solidFill>
+                <a:srgbClr val="000000"/>
+              </a:solidFill>
+              <a:latin typeface="Source Sans Pro"/>
+            </a:endParaRPr>
+          </a:p>
+        </p:txBody>
+      </p:sp>
+    </p:spTree>
+  </p:cSld>
+  <p:timing>
+    <p:tnLst>
+      <p:par>
+        <p:cTn id="29" dur="indefinite" restart="never" nodeType="tmRoot">
+          <p:childTnLst>
+            <p:seq>
+              <p:cTn id="30" dur="indefinite" nodeType="mainSeq"/>
+              <p:prevCondLst>
+                <p:cond delay="0" evt="onPrev">
+                  <p:tgtEl>
+                    <p:sldTgt/>
+                  </p:tgtEl>
+                </p:cond>
+              </p:prevCondLst>
+              <p:nextCondLst>
+                <p:cond delay="0" evt="onNext">
+                  <p:tgtEl>
+                    <p:sldTgt/>
+                  </p:tgtEl>
+                </p:cond>
+              </p:nextCondLst>
+            </p:seq>
+          </p:childTnLst>
+        </p:cTn>
+      </p:par>
+    </p:tnLst>
+  </p:timing>
+</p:sld>
+</file>
+
+<file path=ppt/slides/slide16.xml><?xml version="1.0" encoding="utf-8"?>
+<p:sld xmlns:a="http://schemas.openxmlformats.org/drawingml/2006/main" xmlns:p="http://schemas.openxmlformats.org/presentationml/2006/main" xmlns:r="http://schemas.openxmlformats.org/officeDocument/2006/relationships" xmlns:p14="http://schemas.microsoft.com/office/powerpoint/2010/main" xmlns:p15="http://schemas.microsoft.com/office/powerpoint/2012/main" xmlns:mc="http://schemas.openxmlformats.org/markup-compatibility/2006">
+  <p:cSld>
+    <p:spTree>
+      <p:nvGrpSpPr>
+        <p:cNvPr id="1" name=""/>
+        <p:cNvGrpSpPr/>
+        <p:nvPr/>
+      </p:nvGrpSpPr>
+      <p:grpSpPr>
+        <a:xfrm>
+          <a:off x="0" y="0"/>
+          <a:ext cx="0" cy="0"/>
+          <a:chOff x="0" y="0"/>
+          <a:chExt cx="0" cy="0"/>
+        </a:xfrm>
+      </p:grpSpPr>
+      <p:sp>
+        <p:nvSpPr>
+          <p:cNvPr id="121" name="TextShape 1"/>
+          <p:cNvSpPr txBox="1"/>
+          <p:nvPr/>
+        </p:nvSpPr>
+        <p:spPr>
+          <a:xfrm>
+            <a:off x="504000" y="805320"/>
+            <a:ext cx="9071640" cy="1262160"/>
+          </a:xfrm>
+          <a:prstGeom prst="rect">
+            <a:avLst/>
+          </a:prstGeom>
+          <a:noFill/>
+          <a:ln>
+            <a:noFill/>
+          </a:ln>
+        </p:spPr>
+        <p:txBody>
+          <a:bodyPr lIns="0" rIns="0" tIns="0" bIns="0" anchor="ctr"/>
+          <a:p>
+            <a:r>
+              <a:rPr b="0" lang="en-US" sz="3200" spc="-1" strike="noStrike">
+                <a:solidFill>
+                  <a:srgbClr val="3399ff"/>
+                </a:solidFill>
+                <a:latin typeface="Source Sans Pro"/>
+              </a:rPr>
+              <a:t>Predicting Category at Problem Creation</a:t>
+            </a:r>
+            <a:endParaRPr b="0" lang="en-US" sz="3200" spc="-1" strike="noStrike">
+              <a:solidFill>
+                <a:srgbClr val="3399ff"/>
+              </a:solidFill>
+              <a:latin typeface="Source Sans Pro"/>
+            </a:endParaRPr>
+          </a:p>
+        </p:txBody>
+      </p:sp>
+      <p:sp>
+        <p:nvSpPr>
+          <p:cNvPr id="122" name="TextShape 2"/>
+          <p:cNvSpPr txBox="1"/>
+          <p:nvPr/>
+        </p:nvSpPr>
+        <p:spPr>
+          <a:xfrm>
+            <a:off x="504000" y="2273040"/>
+            <a:ext cx="9071640" cy="4384800"/>
+          </a:xfrm>
+          <a:prstGeom prst="rect">
+            <a:avLst/>
+          </a:prstGeom>
+          <a:noFill/>
+          <a:ln>
+            <a:noFill/>
+          </a:ln>
+        </p:spPr>
+        <p:txBody>
+          <a:bodyPr lIns="0" rIns="0" tIns="0" bIns="0"/>
+          <a:p>
+            <a:pPr marL="432000" indent="-324000">
+              <a:spcAft>
+                <a:spcPts val="1417"/>
+              </a:spcAft>
+              <a:buClr>
+                <a:srgbClr val="000000"/>
+              </a:buClr>
+              <a:buSzPct val="45000"/>
+              <a:buFont typeface="Wingdings" charset="2"/>
+              <a:buChar char=""/>
+            </a:pPr>
+            <a:r>
+              <a:rPr b="0" lang="en-US" sz="2200" spc="-1" strike="noStrike">
+                <a:solidFill>
+                  <a:srgbClr val="000000"/>
+                </a:solidFill>
+                <a:latin typeface="Source Sans Pro"/>
+              </a:rPr>
+              <a:t>Important features (in order of importance):</a:t>
+            </a:r>
+            <a:endParaRPr b="0" lang="en-US" sz="2200" spc="-1" strike="noStrike">
+              <a:solidFill>
+                <a:srgbClr val="000000"/>
+              </a:solidFill>
+              <a:latin typeface="Source Sans Pro"/>
+            </a:endParaRPr>
+          </a:p>
+          <a:p>
+            <a:pPr lvl="1" marL="864000" indent="-324000">
+              <a:spcAft>
+                <a:spcPts val="1134"/>
+              </a:spcAft>
+              <a:buClr>
+                <a:srgbClr val="000000"/>
+              </a:buClr>
+              <a:buSzPct val="75000"/>
+              <a:buFont typeface="Symbol" charset="2"/>
+              <a:buChar char=""/>
+            </a:pPr>
+            <a:r>
+              <a:rPr b="0" lang="en-US" sz="1800" spc="-1" strike="noStrike">
+                <a:solidFill>
+                  <a:srgbClr val="111111"/>
+                </a:solidFill>
+                <a:latin typeface="Corbel"/>
+              </a:rPr>
+              <a:t>Business service</a:t>
+            </a:r>
+            <a:endParaRPr b="0" lang="en-US" sz="1800" spc="-1" strike="noStrike">
+              <a:solidFill>
+                <a:srgbClr val="111111"/>
+              </a:solidFill>
+              <a:latin typeface="Corbel"/>
+            </a:endParaRPr>
+          </a:p>
+          <a:p>
+            <a:pPr lvl="1" marL="864000" indent="-324000">
+              <a:spcAft>
+                <a:spcPts val="1134"/>
+              </a:spcAft>
+              <a:buClr>
+                <a:srgbClr val="000000"/>
+              </a:buClr>
+              <a:buSzPct val="75000"/>
+              <a:buFont typeface="Symbol" charset="2"/>
+              <a:buChar char=""/>
+            </a:pPr>
+            <a:r>
+              <a:rPr b="0" lang="en-US" sz="1800" spc="-1" strike="noStrike">
+                <a:solidFill>
+                  <a:srgbClr val="111111"/>
+                </a:solidFill>
+                <a:latin typeface="Corbel"/>
+              </a:rPr>
+              <a:t>Opened by</a:t>
+            </a:r>
+            <a:endParaRPr b="0" lang="en-US" sz="1800" spc="-1" strike="noStrike">
+              <a:solidFill>
+                <a:srgbClr val="111111"/>
+              </a:solidFill>
+              <a:latin typeface="Corbel"/>
+            </a:endParaRPr>
+          </a:p>
+          <a:p>
+            <a:pPr lvl="1" marL="864000" indent="-324000">
+              <a:spcAft>
+                <a:spcPts val="1134"/>
+              </a:spcAft>
+              <a:buClr>
+                <a:srgbClr val="000000"/>
+              </a:buClr>
+              <a:buSzPct val="75000"/>
+              <a:buFont typeface="Symbol" charset="2"/>
+              <a:buChar char=""/>
+            </a:pPr>
+            <a:r>
+              <a:rPr b="0" lang="en-US" sz="1800" spc="-1" strike="noStrike">
+                <a:solidFill>
+                  <a:srgbClr val="111111"/>
+                </a:solidFill>
+                <a:latin typeface="Corbel"/>
+              </a:rPr>
+              <a:t>Company</a:t>
+            </a:r>
+            <a:endParaRPr b="0" lang="en-US" sz="1800" spc="-1" strike="noStrike">
+              <a:solidFill>
+                <a:srgbClr val="111111"/>
+              </a:solidFill>
+              <a:latin typeface="Corbel"/>
+            </a:endParaRPr>
+          </a:p>
+          <a:p>
+            <a:pPr lvl="1" marL="864000" indent="-324000">
+              <a:spcAft>
+                <a:spcPts val="1134"/>
+              </a:spcAft>
+              <a:buClr>
+                <a:srgbClr val="000000"/>
+              </a:buClr>
+              <a:buSzPct val="75000"/>
+              <a:buFont typeface="Symbol" charset="2"/>
+              <a:buChar char=""/>
+            </a:pPr>
+            <a:r>
+              <a:rPr b="0" lang="en-US" sz="1800" spc="-1" strike="noStrike">
+                <a:solidFill>
+                  <a:srgbClr val="111111"/>
+                </a:solidFill>
+                <a:latin typeface="Corbel"/>
+              </a:rPr>
+              <a:t>Created Time</a:t>
+            </a:r>
+            <a:endParaRPr b="0" lang="en-US" sz="1800" spc="-1" strike="noStrike">
+              <a:solidFill>
+                <a:srgbClr val="111111"/>
+              </a:solidFill>
+              <a:latin typeface="Corbel"/>
+            </a:endParaRPr>
+          </a:p>
+          <a:p>
+            <a:pPr lvl="1" marL="864000" indent="-324000">
+              <a:spcAft>
+                <a:spcPts val="1134"/>
+              </a:spcAft>
+              <a:buClr>
+                <a:srgbClr val="000000"/>
+              </a:buClr>
+              <a:buSzPct val="75000"/>
+              <a:buFont typeface="Symbol" charset="2"/>
+              <a:buChar char=""/>
+            </a:pPr>
+            <a:r>
+              <a:rPr b="0" lang="en-US" sz="1800" spc="-1" strike="noStrike">
+                <a:solidFill>
+                  <a:srgbClr val="111111"/>
+                </a:solidFill>
+                <a:latin typeface="Corbel"/>
+              </a:rPr>
+              <a:t>Created by</a:t>
+            </a:r>
+            <a:endParaRPr b="0" lang="en-US" sz="1800" spc="-1" strike="noStrike">
+              <a:solidFill>
+                <a:srgbClr val="111111"/>
+              </a:solidFill>
+              <a:latin typeface="Corbel"/>
+            </a:endParaRPr>
+          </a:p>
+          <a:p>
+            <a:pPr lvl="1" marL="864000" indent="-324000">
+              <a:spcAft>
+                <a:spcPts val="1134"/>
+              </a:spcAft>
+              <a:buClr>
+                <a:srgbClr val="000000"/>
+              </a:buClr>
+              <a:buSzPct val="75000"/>
+              <a:buFont typeface="Symbol" charset="2"/>
+              <a:buChar char=""/>
+            </a:pPr>
+            <a:r>
+              <a:rPr b="0" lang="en-US" sz="1800" spc="-1" strike="noStrike">
+                <a:solidFill>
+                  <a:srgbClr val="111111"/>
+                </a:solidFill>
+                <a:latin typeface="Corbel"/>
+              </a:rPr>
+              <a:t>Assignment group</a:t>
+            </a:r>
+            <a:endParaRPr b="0" lang="en-US" sz="1800" spc="-1" strike="noStrike">
+              <a:solidFill>
+                <a:srgbClr val="111111"/>
+              </a:solidFill>
+              <a:latin typeface="Corbel"/>
+            </a:endParaRPr>
+          </a:p>
+          <a:p>
+            <a:pPr lvl="1" marL="864000" indent="-324000">
+              <a:spcAft>
+                <a:spcPts val="1134"/>
+              </a:spcAft>
+              <a:buClr>
+                <a:srgbClr val="000000"/>
+              </a:buClr>
+              <a:buSzPct val="75000"/>
+              <a:buFont typeface="Symbol" charset="2"/>
+              <a:buChar char=""/>
+            </a:pPr>
+            <a:r>
+              <a:rPr b="0" lang="en-US" sz="1800" spc="-1" strike="noStrike">
+                <a:solidFill>
+                  <a:srgbClr val="111111"/>
+                </a:solidFill>
+                <a:latin typeface="Corbel"/>
+              </a:rPr>
+              <a:t>Type</a:t>
+            </a:r>
+            <a:endParaRPr b="0" lang="en-US" sz="1800" spc="-1" strike="noStrike">
+              <a:solidFill>
+                <a:srgbClr val="111111"/>
+              </a:solidFill>
+              <a:latin typeface="Corbel"/>
+            </a:endParaRPr>
+          </a:p>
+          <a:p>
+            <a:pPr lvl="1" marL="864000" indent="-324000">
+              <a:spcAft>
+                <a:spcPts val="1134"/>
+              </a:spcAft>
+              <a:buClr>
+                <a:srgbClr val="000000"/>
+              </a:buClr>
+              <a:buSzPct val="75000"/>
+              <a:buFont typeface="Symbol" charset="2"/>
+              <a:buChar char=""/>
+            </a:pPr>
+            <a:r>
+              <a:rPr b="0" lang="en-US" sz="1800" spc="-1" strike="noStrike">
+                <a:solidFill>
+                  <a:srgbClr val="111111"/>
+                </a:solidFill>
+                <a:latin typeface="Corbel"/>
+              </a:rPr>
+              <a:t>Priority</a:t>
+            </a:r>
+            <a:endParaRPr b="0" lang="en-US" sz="1800" spc="-1" strike="noStrike">
+              <a:solidFill>
+                <a:srgbClr val="111111"/>
+              </a:solidFill>
+              <a:latin typeface="Corbel"/>
+            </a:endParaRPr>
+          </a:p>
+        </p:txBody>
+      </p:sp>
+    </p:spTree>
+  </p:cSld>
+  <p:timing>
+    <p:tnLst>
+      <p:par>
+        <p:cTn id="31" dur="indefinite" restart="never" nodeType="tmRoot">
+          <p:childTnLst>
+            <p:seq>
+              <p:cTn id="32" dur="indefinite" nodeType="mainSeq"/>
+              <p:prevCondLst>
+                <p:cond delay="0" evt="onPrev">
+                  <p:tgtEl>
+                    <p:sldTgt/>
+                  </p:tgtEl>
+                </p:cond>
+              </p:prevCondLst>
+              <p:nextCondLst>
+                <p:cond delay="0" evt="onNext">
+                  <p:tgtEl>
+                    <p:sldTgt/>
+                  </p:tgtEl>
+                </p:cond>
+              </p:nextCondLst>
+            </p:seq>
+          </p:childTnLst>
+        </p:cTn>
+      </p:par>
+    </p:tnLst>
+  </p:timing>
+</p:sld>
+</file>
+
+<file path=ppt/slides/slide17.xml><?xml version="1.0" encoding="utf-8"?>
+<p:sld xmlns:a="http://schemas.openxmlformats.org/drawingml/2006/main" xmlns:p="http://schemas.openxmlformats.org/presentationml/2006/main" xmlns:r="http://schemas.openxmlformats.org/officeDocument/2006/relationships" xmlns:p14="http://schemas.microsoft.com/office/powerpoint/2010/main" xmlns:p15="http://schemas.microsoft.com/office/powerpoint/2012/main" xmlns:mc="http://schemas.openxmlformats.org/markup-compatibility/2006">
+  <p:cSld>
+    <p:spTree>
+      <p:nvGrpSpPr>
+        <p:cNvPr id="1" name=""/>
+        <p:cNvGrpSpPr/>
+        <p:nvPr/>
+      </p:nvGrpSpPr>
+      <p:grpSpPr>
+        <a:xfrm>
+          <a:off x="0" y="0"/>
+          <a:ext cx="0" cy="0"/>
+          <a:chOff x="0" y="0"/>
+          <a:chExt cx="0" cy="0"/>
+        </a:xfrm>
+      </p:grpSpPr>
+      <p:sp>
+        <p:nvSpPr>
+          <p:cNvPr id="123" name="TextShape 1"/>
+          <p:cNvSpPr txBox="1"/>
+          <p:nvPr/>
+        </p:nvSpPr>
+        <p:spPr>
+          <a:xfrm>
+            <a:off x="504000" y="805320"/>
+            <a:ext cx="9071640" cy="1262160"/>
+          </a:xfrm>
+          <a:prstGeom prst="rect">
+            <a:avLst/>
+          </a:prstGeom>
+          <a:noFill/>
+          <a:ln>
+            <a:noFill/>
+          </a:ln>
+        </p:spPr>
+        <p:txBody>
+          <a:bodyPr lIns="0" rIns="0" tIns="0" bIns="0" anchor="ctr"/>
+          <a:p>
+            <a:endParaRPr b="0" lang="en-US" sz="3200" spc="-1" strike="noStrike">
+              <a:solidFill>
+                <a:srgbClr val="3399ff"/>
+              </a:solidFill>
+              <a:latin typeface="Source Sans Pro"/>
+            </a:endParaRPr>
+          </a:p>
+        </p:txBody>
+      </p:sp>
+      <p:sp>
+        <p:nvSpPr>
+          <p:cNvPr id="124" name="TextShape 2"/>
+          <p:cNvSpPr txBox="1"/>
+          <p:nvPr/>
+        </p:nvSpPr>
+        <p:spPr>
+          <a:xfrm>
+            <a:off x="504000" y="2273040"/>
+            <a:ext cx="9071640" cy="4384800"/>
+          </a:xfrm>
+          <a:prstGeom prst="rect">
+            <a:avLst/>
+          </a:prstGeom>
+          <a:noFill/>
+          <a:ln>
+            <a:noFill/>
+          </a:ln>
+        </p:spPr>
+        <p:txBody>
+          <a:bodyPr lIns="0" rIns="0" tIns="0" bIns="0"/>
+          <a:p>
+            <a:endParaRPr b="0" lang="en-US" sz="2200" spc="-1" strike="noStrike">
+              <a:solidFill>
+                <a:srgbClr val="000000"/>
+              </a:solidFill>
+              <a:latin typeface="Source Sans Pro"/>
+            </a:endParaRPr>
+          </a:p>
+        </p:txBody>
+      </p:sp>
+    </p:spTree>
+  </p:cSld>
+  <p:timing>
+    <p:tnLst>
+      <p:par>
+        <p:cTn id="33" dur="indefinite" restart="never" nodeType="tmRoot">
+          <p:childTnLst>
+            <p:seq>
+              <p:cTn id="34" dur="indefinite" nodeType="mainSeq"/>
+              <p:prevCondLst>
+                <p:cond delay="0" evt="onPrev">
+                  <p:tgtEl>
+                    <p:sldTgt/>
+                  </p:tgtEl>
+                </p:cond>
+              </p:prevCondLst>
+              <p:nextCondLst>
+                <p:cond delay="0" evt="onNext">
+                  <p:tgtEl>
+                    <p:sldTgt/>
+                  </p:tgtEl>
+                </p:cond>
+              </p:nextCondLst>
+            </p:seq>
+          </p:childTnLst>
+        </p:cTn>
+      </p:par>
+    </p:tnLst>
+  </p:timing>
+</p:sld>
+</file>
+
+<file path=ppt/slides/slide18.xml><?xml version="1.0" encoding="utf-8"?>
+<p:sld xmlns:a="http://schemas.openxmlformats.org/drawingml/2006/main" xmlns:p="http://schemas.openxmlformats.org/presentationml/2006/main" xmlns:r="http://schemas.openxmlformats.org/officeDocument/2006/relationships" xmlns:p14="http://schemas.microsoft.com/office/powerpoint/2010/main" xmlns:p15="http://schemas.microsoft.com/office/powerpoint/2012/main" xmlns:mc="http://schemas.openxmlformats.org/markup-compatibility/2006">
+  <p:cSld>
+    <p:spTree>
+      <p:nvGrpSpPr>
+        <p:cNvPr id="1" name=""/>
+        <p:cNvGrpSpPr/>
+        <p:nvPr/>
+      </p:nvGrpSpPr>
+      <p:grpSpPr>
+        <a:xfrm>
+          <a:off x="0" y="0"/>
+          <a:ext cx="0" cy="0"/>
+          <a:chOff x="0" y="0"/>
+          <a:chExt cx="0" cy="0"/>
+        </a:xfrm>
+      </p:grpSpPr>
+      <p:sp>
+        <p:nvSpPr>
+          <p:cNvPr id="125" name="TextShape 1"/>
+          <p:cNvSpPr txBox="1"/>
+          <p:nvPr/>
+        </p:nvSpPr>
+        <p:spPr>
+          <a:xfrm>
+            <a:off x="504000" y="805320"/>
+            <a:ext cx="9071640" cy="1262160"/>
+          </a:xfrm>
+          <a:prstGeom prst="rect">
+            <a:avLst/>
+          </a:prstGeom>
+          <a:noFill/>
+          <a:ln>
+            <a:noFill/>
+          </a:ln>
+        </p:spPr>
+        <p:txBody>
+          <a:bodyPr lIns="0" rIns="0" tIns="0" bIns="0" anchor="ctr"/>
+          <a:p>
+            <a:r>
+              <a:rPr b="0" lang="en-US" sz="3200" spc="-1" strike="noStrike">
+                <a:solidFill>
+                  <a:srgbClr val="3399ff"/>
+                </a:solidFill>
+                <a:latin typeface="Source Sans Pro"/>
+              </a:rPr>
+              <a:t>Predicting Duration at Problem Creation</a:t>
+            </a:r>
+            <a:endParaRPr b="0" lang="en-US" sz="3200" spc="-1" strike="noStrike">
+              <a:solidFill>
+                <a:srgbClr val="3399ff"/>
+              </a:solidFill>
+              <a:latin typeface="Source Sans Pro"/>
+            </a:endParaRPr>
+          </a:p>
+        </p:txBody>
+      </p:sp>
+      <p:sp>
+        <p:nvSpPr>
+          <p:cNvPr id="126" name="TextShape 2"/>
+          <p:cNvSpPr txBox="1"/>
+          <p:nvPr/>
+        </p:nvSpPr>
+        <p:spPr>
+          <a:xfrm>
+            <a:off x="504000" y="2273040"/>
+            <a:ext cx="9071640" cy="4384800"/>
+          </a:xfrm>
+          <a:prstGeom prst="rect">
+            <a:avLst/>
+          </a:prstGeom>
+          <a:noFill/>
+          <a:ln>
+            <a:noFill/>
+          </a:ln>
+        </p:spPr>
+        <p:txBody>
+          <a:bodyPr lIns="0" rIns="0" tIns="0" bIns="0"/>
+          <a:p>
+            <a:pPr marL="432000" indent="-324000">
+              <a:spcAft>
+                <a:spcPts val="1417"/>
+              </a:spcAft>
+              <a:buClr>
+                <a:srgbClr val="000000"/>
+              </a:buClr>
+              <a:buSzPct val="45000"/>
+              <a:buFont typeface="Wingdings" charset="2"/>
+              <a:buChar char=""/>
+            </a:pPr>
+            <a:r>
+              <a:rPr b="0" lang="en-US" sz="2200" spc="-1" strike="noStrike">
+                <a:solidFill>
+                  <a:srgbClr val="000000"/>
+                </a:solidFill>
+                <a:latin typeface="Source Sans Pro"/>
+              </a:rPr>
+              <a:t>Not really possible</a:t>
+            </a:r>
+            <a:endParaRPr b="0" lang="en-US" sz="2200" spc="-1" strike="noStrike">
+              <a:solidFill>
+                <a:srgbClr val="000000"/>
+              </a:solidFill>
+              <a:latin typeface="Source Sans Pro"/>
+            </a:endParaRPr>
+          </a:p>
+          <a:p>
+            <a:pPr marL="432000" indent="-324000">
+              <a:spcAft>
+                <a:spcPts val="1417"/>
+              </a:spcAft>
+              <a:buClr>
+                <a:srgbClr val="000000"/>
+              </a:buClr>
+              <a:buSzPct val="45000"/>
+              <a:buFont typeface="Wingdings" charset="2"/>
+              <a:buChar char=""/>
+            </a:pPr>
+            <a:r>
+              <a:rPr b="0" lang="en-US" sz="2200" spc="-1" strike="noStrike">
+                <a:solidFill>
+                  <a:srgbClr val="000000"/>
+                </a:solidFill>
+                <a:latin typeface="Source Sans Pro"/>
+              </a:rPr>
+              <a:t>All models had correlation coefficient of &lt; 0.2 and error measures &gt; 90%</a:t>
+            </a:r>
+            <a:endParaRPr b="0" lang="en-US" sz="2200" spc="-1" strike="noStrike">
+              <a:solidFill>
+                <a:srgbClr val="000000"/>
+              </a:solidFill>
+              <a:latin typeface="Source Sans Pro"/>
+            </a:endParaRPr>
+          </a:p>
+        </p:txBody>
+      </p:sp>
+    </p:spTree>
+  </p:cSld>
+  <p:timing>
+    <p:tnLst>
+      <p:par>
+        <p:cTn id="35" dur="indefinite" restart="never" nodeType="tmRoot">
+          <p:childTnLst>
+            <p:seq>
+              <p:cTn id="36" dur="indefinite" nodeType="mainSeq"/>
+              <p:prevCondLst>
+                <p:cond delay="0" evt="onPrev">
+                  <p:tgtEl>
+                    <p:sldTgt/>
+                  </p:tgtEl>
+                </p:cond>
+              </p:prevCondLst>
+              <p:nextCondLst>
+                <p:cond delay="0" evt="onNext">
+                  <p:tgtEl>
+                    <p:sldTgt/>
+                  </p:tgtEl>
+                </p:cond>
+              </p:nextCondLst>
+            </p:seq>
+          </p:childTnLst>
+        </p:cTn>
+      </p:par>
+    </p:tnLst>
+  </p:timing>
+</p:sld>
+</file>
+
+<file path=ppt/slides/slide19.xml><?xml version="1.0" encoding="utf-8"?>
+<p:sld xmlns:a="http://schemas.openxmlformats.org/drawingml/2006/main" xmlns:p="http://schemas.openxmlformats.org/presentationml/2006/main" xmlns:r="http://schemas.openxmlformats.org/officeDocument/2006/relationships" xmlns:p14="http://schemas.microsoft.com/office/powerpoint/2010/main" xmlns:p15="http://schemas.microsoft.com/office/powerpoint/2012/main" xmlns:mc="http://schemas.openxmlformats.org/markup-compatibility/2006">
+  <p:cSld>
+    <p:spTree>
+      <p:nvGrpSpPr>
+        <p:cNvPr id="1" name=""/>
+        <p:cNvGrpSpPr/>
+        <p:nvPr/>
+      </p:nvGrpSpPr>
+      <p:grpSpPr>
+        <a:xfrm>
+          <a:off x="0" y="0"/>
+          <a:ext cx="0" cy="0"/>
+          <a:chOff x="0" y="0"/>
+          <a:chExt cx="0" cy="0"/>
+        </a:xfrm>
+      </p:grpSpPr>
+      <p:sp>
+        <p:nvSpPr>
+          <p:cNvPr id="127" name="TextShape 1"/>
+          <p:cNvSpPr txBox="1"/>
+          <p:nvPr/>
+        </p:nvSpPr>
+        <p:spPr>
+          <a:xfrm>
+            <a:off x="504000" y="805320"/>
+            <a:ext cx="9071640" cy="1262160"/>
+          </a:xfrm>
+          <a:prstGeom prst="rect">
+            <a:avLst/>
+          </a:prstGeom>
+          <a:noFill/>
+          <a:ln>
+            <a:noFill/>
+          </a:ln>
+        </p:spPr>
+        <p:txBody>
+          <a:bodyPr lIns="0" rIns="0" tIns="0" bIns="0" anchor="ctr"/>
+          <a:p>
+            <a:endParaRPr b="0" lang="en-US" sz="3200" spc="-1" strike="noStrike">
+              <a:solidFill>
+                <a:srgbClr val="3399ff"/>
+              </a:solidFill>
+              <a:latin typeface="Source Sans Pro"/>
+            </a:endParaRPr>
+          </a:p>
+        </p:txBody>
+      </p:sp>
+      <p:sp>
+        <p:nvSpPr>
+          <p:cNvPr id="128" name="TextShape 2"/>
+          <p:cNvSpPr txBox="1"/>
+          <p:nvPr/>
+        </p:nvSpPr>
+        <p:spPr>
+          <a:xfrm>
+            <a:off x="504000" y="2273040"/>
+            <a:ext cx="9071640" cy="4384800"/>
+          </a:xfrm>
+          <a:prstGeom prst="rect">
+            <a:avLst/>
+          </a:prstGeom>
+          <a:noFill/>
+          <a:ln>
+            <a:noFill/>
+          </a:ln>
+        </p:spPr>
+        <p:txBody>
+          <a:bodyPr lIns="0" rIns="0" tIns="0" bIns="0"/>
+          <a:p>
+            <a:endParaRPr b="0" lang="en-US" sz="2200" spc="-1" strike="noStrike">
+              <a:solidFill>
+                <a:srgbClr val="000000"/>
+              </a:solidFill>
+              <a:latin typeface="Source Sans Pro"/>
+            </a:endParaRPr>
+          </a:p>
+        </p:txBody>
+      </p:sp>
+    </p:spTree>
+  </p:cSld>
+  <p:timing>
+    <p:tnLst>
+      <p:par>
+        <p:cTn id="37" dur="indefinite" restart="never" nodeType="tmRoot">
+          <p:childTnLst>
+            <p:seq>
+              <p:cTn id="38" dur="indefinite" nodeType="mainSeq"/>
               <p:prevCondLst>
                 <p:cond delay="0" evt="onPrev">
                   <p:tgtEl>
@@ -1882,23 +5214,19 @@
       </p:grpSpPr>
       <p:sp>
         <p:nvSpPr>
-          <p:cNvPr id="43" name="TextShape 1"/>
+          <p:cNvPr id="86" name="TextShape 1"/>
           <p:cNvSpPr txBox="1"/>
           <p:nvPr/>
         </p:nvSpPr>
         <p:spPr>
           <a:xfrm>
-            <a:off x="180000" y="180000"/>
-            <a:ext cx="9720000" cy="720000"/>
-          </a:xfrm>
-          <a:prstGeom prst="rect">
-            <a:avLst/>
-          </a:prstGeom>
-          <a:solidFill>
-            <a:srgbClr val="4c4c4c">
-              <a:alpha val="50000"/>
-            </a:srgbClr>
-          </a:solidFill>
+            <a:off x="504000" y="805320"/>
+            <a:ext cx="9071640" cy="1262160"/>
+          </a:xfrm>
+          <a:prstGeom prst="rect">
+            <a:avLst/>
+          </a:prstGeom>
+          <a:noFill/>
           <a:ln>
             <a:noFill/>
           </a:ln>
@@ -1906,39 +5234,215 @@
         <p:txBody>
           <a:bodyPr lIns="0" rIns="0" tIns="0" bIns="0" anchor="ctr"/>
           <a:p>
-            <a:pPr algn="r"/>
-            <a:endParaRPr b="1" lang="es-PE" sz="2800" spc="-1" strike="noStrike">
-              <a:solidFill>
-                <a:srgbClr val="ffffff"/>
-              </a:solidFill>
-              <a:latin typeface="Source Sans Pro Black"/>
-            </a:endParaRPr>
-          </a:p>
-        </p:txBody>
-      </p:sp>
-      <p:pic>
-        <p:nvPicPr>
-          <p:cNvPr id="44" name="" descr=""/>
-          <p:cNvPicPr/>
+            <a:r>
+              <a:rPr b="0" lang="en-US" sz="3200" spc="-1" strike="noStrike">
+                <a:solidFill>
+                  <a:srgbClr val="3399ff"/>
+                </a:solidFill>
+                <a:latin typeface="Source Sans Pro"/>
+              </a:rPr>
+              <a:t>Dataset Summary</a:t>
+            </a:r>
+            <a:endParaRPr b="0" lang="en-US" sz="3200" spc="-1" strike="noStrike">
+              <a:solidFill>
+                <a:srgbClr val="3399ff"/>
+              </a:solidFill>
+              <a:latin typeface="Source Sans Pro"/>
+            </a:endParaRPr>
+          </a:p>
+        </p:txBody>
+      </p:sp>
+      <p:sp>
+        <p:nvSpPr>
+          <p:cNvPr id="87" name="TextShape 2"/>
+          <p:cNvSpPr txBox="1"/>
           <p:nvPr/>
-        </p:nvPicPr>
-        <p:blipFill>
-          <a:blip r:embed="rId1"/>
-          <a:stretch/>
-        </p:blipFill>
-        <p:spPr>
-          <a:xfrm>
-            <a:off x="180000" y="180000"/>
-            <a:ext cx="9720000" cy="7200000"/>
-          </a:xfrm>
-          <a:prstGeom prst="rect">
-            <a:avLst/>
-          </a:prstGeom>
+        </p:nvSpPr>
+        <p:spPr>
+          <a:xfrm>
+            <a:off x="504000" y="2273040"/>
+            <a:ext cx="9071640" cy="4384800"/>
+          </a:xfrm>
+          <a:prstGeom prst="rect">
+            <a:avLst/>
+          </a:prstGeom>
+          <a:noFill/>
           <a:ln>
             <a:noFill/>
           </a:ln>
         </p:spPr>
-      </p:pic>
+        <p:txBody>
+          <a:bodyPr lIns="0" rIns="0" tIns="0" bIns="0"/>
+          <a:p>
+            <a:pPr marL="432000" indent="-324000">
+              <a:spcAft>
+                <a:spcPts val="1417"/>
+              </a:spcAft>
+              <a:buClr>
+                <a:srgbClr val="000000"/>
+              </a:buClr>
+              <a:buSzPct val="45000"/>
+              <a:buFont typeface="Wingdings" charset="2"/>
+              <a:buChar char=""/>
+            </a:pPr>
+            <a:r>
+              <a:rPr b="0" lang="en-US" sz="2200" spc="-1" strike="noStrike">
+                <a:solidFill>
+                  <a:srgbClr val="000000"/>
+                </a:solidFill>
+                <a:latin typeface="Source Sans Pro"/>
+              </a:rPr>
+              <a:t>1857 observations</a:t>
+            </a:r>
+            <a:endParaRPr b="0" lang="en-US" sz="2200" spc="-1" strike="noStrike">
+              <a:solidFill>
+                <a:srgbClr val="000000"/>
+              </a:solidFill>
+              <a:latin typeface="Source Sans Pro"/>
+            </a:endParaRPr>
+          </a:p>
+          <a:p>
+            <a:pPr marL="432000" indent="-324000">
+              <a:spcAft>
+                <a:spcPts val="1417"/>
+              </a:spcAft>
+              <a:buClr>
+                <a:srgbClr val="000000"/>
+              </a:buClr>
+              <a:buSzPct val="45000"/>
+              <a:buFont typeface="Wingdings" charset="2"/>
+              <a:buChar char=""/>
+            </a:pPr>
+            <a:r>
+              <a:rPr b="0" lang="en-US" sz="2200" spc="-1" strike="noStrike">
+                <a:solidFill>
+                  <a:srgbClr val="000000"/>
+                </a:solidFill>
+                <a:latin typeface="Source Sans Pro"/>
+              </a:rPr>
+              <a:t>111 features</a:t>
+            </a:r>
+            <a:endParaRPr b="0" lang="en-US" sz="2200" spc="-1" strike="noStrike">
+              <a:solidFill>
+                <a:srgbClr val="000000"/>
+              </a:solidFill>
+              <a:latin typeface="Source Sans Pro"/>
+            </a:endParaRPr>
+          </a:p>
+          <a:p>
+            <a:pPr marL="432000" indent="-324000">
+              <a:spcAft>
+                <a:spcPts val="1417"/>
+              </a:spcAft>
+              <a:buClr>
+                <a:srgbClr val="000000"/>
+              </a:buClr>
+              <a:buSzPct val="45000"/>
+              <a:buFont typeface="Wingdings" charset="2"/>
+              <a:buChar char=""/>
+            </a:pPr>
+            <a:r>
+              <a:rPr b="0" lang="en-US" sz="2200" spc="-1" strike="noStrike">
+                <a:solidFill>
+                  <a:srgbClr val="000000"/>
+                </a:solidFill>
+                <a:latin typeface="Source Sans Pro"/>
+              </a:rPr>
+              <a:t>27 / 111 had all NA</a:t>
+            </a:r>
+            <a:endParaRPr b="0" lang="en-US" sz="2200" spc="-1" strike="noStrike">
+              <a:solidFill>
+                <a:srgbClr val="000000"/>
+              </a:solidFill>
+              <a:latin typeface="Source Sans Pro"/>
+            </a:endParaRPr>
+          </a:p>
+          <a:p>
+            <a:pPr marL="432000" indent="-324000">
+              <a:spcAft>
+                <a:spcPts val="1417"/>
+              </a:spcAft>
+              <a:buClr>
+                <a:srgbClr val="000000"/>
+              </a:buClr>
+              <a:buSzPct val="45000"/>
+              <a:buFont typeface="Wingdings" charset="2"/>
+              <a:buChar char=""/>
+            </a:pPr>
+            <a:r>
+              <a:rPr b="0" lang="en-US" sz="2200" spc="-1" strike="noStrike">
+                <a:solidFill>
+                  <a:srgbClr val="000000"/>
+                </a:solidFill>
+                <a:latin typeface="Source Sans Pro"/>
+              </a:rPr>
+              <a:t>40 / 111 were over 30% missing values</a:t>
+            </a:r>
+            <a:endParaRPr b="0" lang="en-US" sz="2200" spc="-1" strike="noStrike">
+              <a:solidFill>
+                <a:srgbClr val="000000"/>
+              </a:solidFill>
+              <a:latin typeface="Source Sans Pro"/>
+            </a:endParaRPr>
+          </a:p>
+          <a:p>
+            <a:pPr marL="432000" indent="-324000">
+              <a:spcAft>
+                <a:spcPts val="1417"/>
+              </a:spcAft>
+              <a:buClr>
+                <a:srgbClr val="000000"/>
+              </a:buClr>
+              <a:buSzPct val="45000"/>
+              <a:buFont typeface="Wingdings" charset="2"/>
+              <a:buChar char=""/>
+            </a:pPr>
+            <a:r>
+              <a:rPr b="0" lang="en-US" sz="2200" spc="-1" strike="noStrike">
+                <a:solidFill>
+                  <a:srgbClr val="000000"/>
+                </a:solidFill>
+                <a:latin typeface="Source Sans Pro"/>
+              </a:rPr>
+              <a:t>11 / 111 had all the same value</a:t>
+            </a:r>
+            <a:endParaRPr b="0" lang="en-US" sz="2200" spc="-1" strike="noStrike">
+              <a:solidFill>
+                <a:srgbClr val="000000"/>
+              </a:solidFill>
+              <a:latin typeface="Source Sans Pro"/>
+            </a:endParaRPr>
+          </a:p>
+          <a:p>
+            <a:pPr marL="432000" indent="-324000">
+              <a:spcAft>
+                <a:spcPts val="1417"/>
+              </a:spcAft>
+              <a:buClr>
+                <a:srgbClr val="000000"/>
+              </a:buClr>
+              <a:buSzPct val="45000"/>
+              <a:buFont typeface="Wingdings" charset="2"/>
+              <a:buChar char=""/>
+            </a:pPr>
+            <a:r>
+              <a:rPr b="0" lang="en-US" sz="2200" spc="-1" strike="noStrike">
+                <a:solidFill>
+                  <a:srgbClr val="000000"/>
+                </a:solidFill>
+                <a:latin typeface="Source Sans Pro"/>
+              </a:rPr>
+              <a:t>After eliminating features with mostly same value and lengthy text based features: 26 usable features</a:t>
+            </a:r>
+            <a:endParaRPr b="0" lang="en-US" sz="2200" spc="-1" strike="noStrike">
+              <a:solidFill>
+                <a:srgbClr val="000000"/>
+              </a:solidFill>
+              <a:latin typeface="Source Sans Pro"/>
+            </a:endParaRPr>
+          </a:p>
+        </p:txBody>
+      </p:sp>
     </p:spTree>
   </p:cSld>
   <p:timing>
@@ -1948,6 +5452,450 @@
           <p:childTnLst>
             <p:seq>
               <p:cTn id="4" dur="indefinite" nodeType="mainSeq"/>
+              <p:prevCondLst>
+                <p:cond delay="0" evt="onPrev">
+                  <p:tgtEl>
+                    <p:sldTgt/>
+                  </p:tgtEl>
+                </p:cond>
+              </p:prevCondLst>
+              <p:nextCondLst>
+                <p:cond delay="0" evt="onNext">
+                  <p:tgtEl>
+                    <p:sldTgt/>
+                  </p:tgtEl>
+                </p:cond>
+              </p:nextCondLst>
+            </p:seq>
+          </p:childTnLst>
+        </p:cTn>
+      </p:par>
+    </p:tnLst>
+  </p:timing>
+</p:sld>
+</file>
+
+<file path=ppt/slides/slide20.xml><?xml version="1.0" encoding="utf-8"?>
+<p:sld xmlns:a="http://schemas.openxmlformats.org/drawingml/2006/main" xmlns:p="http://schemas.openxmlformats.org/presentationml/2006/main" xmlns:r="http://schemas.openxmlformats.org/officeDocument/2006/relationships" xmlns:p14="http://schemas.microsoft.com/office/powerpoint/2010/main" xmlns:p15="http://schemas.microsoft.com/office/powerpoint/2012/main" xmlns:mc="http://schemas.openxmlformats.org/markup-compatibility/2006">
+  <p:cSld>
+    <p:spTree>
+      <p:nvGrpSpPr>
+        <p:cNvPr id="1" name=""/>
+        <p:cNvGrpSpPr/>
+        <p:nvPr/>
+      </p:nvGrpSpPr>
+      <p:grpSpPr>
+        <a:xfrm>
+          <a:off x="0" y="0"/>
+          <a:ext cx="0" cy="0"/>
+          <a:chOff x="0" y="0"/>
+          <a:chExt cx="0" cy="0"/>
+        </a:xfrm>
+      </p:grpSpPr>
+      <p:sp>
+        <p:nvSpPr>
+          <p:cNvPr id="129" name="TextShape 1"/>
+          <p:cNvSpPr txBox="1"/>
+          <p:nvPr/>
+        </p:nvSpPr>
+        <p:spPr>
+          <a:xfrm>
+            <a:off x="504000" y="805320"/>
+            <a:ext cx="9071640" cy="1262160"/>
+          </a:xfrm>
+          <a:prstGeom prst="rect">
+            <a:avLst/>
+          </a:prstGeom>
+          <a:noFill/>
+          <a:ln>
+            <a:noFill/>
+          </a:ln>
+        </p:spPr>
+        <p:txBody>
+          <a:bodyPr lIns="0" rIns="0" tIns="0" bIns="0" anchor="ctr"/>
+          <a:p>
+            <a:endParaRPr b="0" lang="en-US" sz="3200" spc="-1" strike="noStrike">
+              <a:solidFill>
+                <a:srgbClr val="3399ff"/>
+              </a:solidFill>
+              <a:latin typeface="Source Sans Pro"/>
+            </a:endParaRPr>
+          </a:p>
+        </p:txBody>
+      </p:sp>
+      <p:sp>
+        <p:nvSpPr>
+          <p:cNvPr id="130" name="TextShape 2"/>
+          <p:cNvSpPr txBox="1"/>
+          <p:nvPr/>
+        </p:nvSpPr>
+        <p:spPr>
+          <a:xfrm>
+            <a:off x="504000" y="2273040"/>
+            <a:ext cx="9071640" cy="4384800"/>
+          </a:xfrm>
+          <a:prstGeom prst="rect">
+            <a:avLst/>
+          </a:prstGeom>
+          <a:noFill/>
+          <a:ln>
+            <a:noFill/>
+          </a:ln>
+        </p:spPr>
+        <p:txBody>
+          <a:bodyPr lIns="0" rIns="0" tIns="0" bIns="0"/>
+          <a:p>
+            <a:endParaRPr b="0" lang="en-US" sz="2200" spc="-1" strike="noStrike">
+              <a:solidFill>
+                <a:srgbClr val="000000"/>
+              </a:solidFill>
+              <a:latin typeface="Source Sans Pro"/>
+            </a:endParaRPr>
+          </a:p>
+        </p:txBody>
+      </p:sp>
+    </p:spTree>
+  </p:cSld>
+  <p:timing>
+    <p:tnLst>
+      <p:par>
+        <p:cTn id="39" dur="indefinite" restart="never" nodeType="tmRoot">
+          <p:childTnLst>
+            <p:seq>
+              <p:cTn id="40" dur="indefinite" nodeType="mainSeq"/>
+              <p:prevCondLst>
+                <p:cond delay="0" evt="onPrev">
+                  <p:tgtEl>
+                    <p:sldTgt/>
+                  </p:tgtEl>
+                </p:cond>
+              </p:prevCondLst>
+              <p:nextCondLst>
+                <p:cond delay="0" evt="onNext">
+                  <p:tgtEl>
+                    <p:sldTgt/>
+                  </p:tgtEl>
+                </p:cond>
+              </p:nextCondLst>
+            </p:seq>
+          </p:childTnLst>
+        </p:cTn>
+      </p:par>
+    </p:tnLst>
+  </p:timing>
+</p:sld>
+</file>
+
+<file path=ppt/slides/slide21.xml><?xml version="1.0" encoding="utf-8"?>
+<p:sld xmlns:a="http://schemas.openxmlformats.org/drawingml/2006/main" xmlns:p="http://schemas.openxmlformats.org/presentationml/2006/main" xmlns:r="http://schemas.openxmlformats.org/officeDocument/2006/relationships" xmlns:p14="http://schemas.microsoft.com/office/powerpoint/2010/main" xmlns:p15="http://schemas.microsoft.com/office/powerpoint/2012/main" xmlns:mc="http://schemas.openxmlformats.org/markup-compatibility/2006">
+  <p:cSld>
+    <p:spTree>
+      <p:nvGrpSpPr>
+        <p:cNvPr id="1" name=""/>
+        <p:cNvGrpSpPr/>
+        <p:nvPr/>
+      </p:nvGrpSpPr>
+      <p:grpSpPr>
+        <a:xfrm>
+          <a:off x="0" y="0"/>
+          <a:ext cx="0" cy="0"/>
+          <a:chOff x="0" y="0"/>
+          <a:chExt cx="0" cy="0"/>
+        </a:xfrm>
+      </p:grpSpPr>
+      <p:sp>
+        <p:nvSpPr>
+          <p:cNvPr id="131" name="TextShape 1"/>
+          <p:cNvSpPr txBox="1"/>
+          <p:nvPr/>
+        </p:nvSpPr>
+        <p:spPr>
+          <a:xfrm>
+            <a:off x="504000" y="805320"/>
+            <a:ext cx="9071640" cy="1262160"/>
+          </a:xfrm>
+          <a:prstGeom prst="rect">
+            <a:avLst/>
+          </a:prstGeom>
+          <a:noFill/>
+          <a:ln>
+            <a:noFill/>
+          </a:ln>
+        </p:spPr>
+        <p:txBody>
+          <a:bodyPr lIns="0" rIns="0" tIns="0" bIns="0" anchor="ctr"/>
+          <a:p>
+            <a:endParaRPr b="0" lang="en-US" sz="3200" spc="-1" strike="noStrike">
+              <a:solidFill>
+                <a:srgbClr val="3399ff"/>
+              </a:solidFill>
+              <a:latin typeface="Source Sans Pro"/>
+            </a:endParaRPr>
+          </a:p>
+        </p:txBody>
+      </p:sp>
+      <p:sp>
+        <p:nvSpPr>
+          <p:cNvPr id="132" name="TextShape 2"/>
+          <p:cNvSpPr txBox="1"/>
+          <p:nvPr/>
+        </p:nvSpPr>
+        <p:spPr>
+          <a:xfrm>
+            <a:off x="504000" y="2273040"/>
+            <a:ext cx="9071640" cy="4384800"/>
+          </a:xfrm>
+          <a:prstGeom prst="rect">
+            <a:avLst/>
+          </a:prstGeom>
+          <a:noFill/>
+          <a:ln>
+            <a:noFill/>
+          </a:ln>
+        </p:spPr>
+        <p:txBody>
+          <a:bodyPr lIns="0" rIns="0" tIns="0" bIns="0"/>
+          <a:p>
+            <a:endParaRPr b="0" lang="en-US" sz="2200" spc="-1" strike="noStrike">
+              <a:solidFill>
+                <a:srgbClr val="000000"/>
+              </a:solidFill>
+              <a:latin typeface="Source Sans Pro"/>
+            </a:endParaRPr>
+          </a:p>
+        </p:txBody>
+      </p:sp>
+    </p:spTree>
+  </p:cSld>
+  <p:timing>
+    <p:tnLst>
+      <p:par>
+        <p:cTn id="41" dur="indefinite" restart="never" nodeType="tmRoot">
+          <p:childTnLst>
+            <p:seq>
+              <p:cTn id="42" dur="indefinite" nodeType="mainSeq"/>
+              <p:prevCondLst>
+                <p:cond delay="0" evt="onPrev">
+                  <p:tgtEl>
+                    <p:sldTgt/>
+                  </p:tgtEl>
+                </p:cond>
+              </p:prevCondLst>
+              <p:nextCondLst>
+                <p:cond delay="0" evt="onNext">
+                  <p:tgtEl>
+                    <p:sldTgt/>
+                  </p:tgtEl>
+                </p:cond>
+              </p:nextCondLst>
+            </p:seq>
+          </p:childTnLst>
+        </p:cTn>
+      </p:par>
+    </p:tnLst>
+  </p:timing>
+</p:sld>
+</file>
+
+<file path=ppt/slides/slide22.xml><?xml version="1.0" encoding="utf-8"?>
+<p:sld xmlns:a="http://schemas.openxmlformats.org/drawingml/2006/main" xmlns:p="http://schemas.openxmlformats.org/presentationml/2006/main" xmlns:r="http://schemas.openxmlformats.org/officeDocument/2006/relationships" xmlns:p14="http://schemas.microsoft.com/office/powerpoint/2010/main" xmlns:p15="http://schemas.microsoft.com/office/powerpoint/2012/main" xmlns:mc="http://schemas.openxmlformats.org/markup-compatibility/2006">
+  <p:cSld>
+    <p:spTree>
+      <p:nvGrpSpPr>
+        <p:cNvPr id="1" name=""/>
+        <p:cNvGrpSpPr/>
+        <p:nvPr/>
+      </p:nvGrpSpPr>
+      <p:grpSpPr>
+        <a:xfrm>
+          <a:off x="0" y="0"/>
+          <a:ext cx="0" cy="0"/>
+          <a:chOff x="0" y="0"/>
+          <a:chExt cx="0" cy="0"/>
+        </a:xfrm>
+      </p:grpSpPr>
+      <p:sp>
+        <p:nvSpPr>
+          <p:cNvPr id="133" name="TextShape 1"/>
+          <p:cNvSpPr txBox="1"/>
+          <p:nvPr/>
+        </p:nvSpPr>
+        <p:spPr>
+          <a:xfrm>
+            <a:off x="504000" y="805320"/>
+            <a:ext cx="9071640" cy="1262160"/>
+          </a:xfrm>
+          <a:prstGeom prst="rect">
+            <a:avLst/>
+          </a:prstGeom>
+          <a:noFill/>
+          <a:ln>
+            <a:noFill/>
+          </a:ln>
+        </p:spPr>
+        <p:txBody>
+          <a:bodyPr lIns="0" rIns="0" tIns="0" bIns="0" anchor="ctr"/>
+          <a:p>
+            <a:endParaRPr b="0" lang="en-US" sz="3200" spc="-1" strike="noStrike">
+              <a:solidFill>
+                <a:srgbClr val="3399ff"/>
+              </a:solidFill>
+              <a:latin typeface="Source Sans Pro"/>
+            </a:endParaRPr>
+          </a:p>
+        </p:txBody>
+      </p:sp>
+      <p:sp>
+        <p:nvSpPr>
+          <p:cNvPr id="134" name="TextShape 2"/>
+          <p:cNvSpPr txBox="1"/>
+          <p:nvPr/>
+        </p:nvSpPr>
+        <p:spPr>
+          <a:xfrm>
+            <a:off x="504000" y="2273040"/>
+            <a:ext cx="9071640" cy="4384800"/>
+          </a:xfrm>
+          <a:prstGeom prst="rect">
+            <a:avLst/>
+          </a:prstGeom>
+          <a:noFill/>
+          <a:ln>
+            <a:noFill/>
+          </a:ln>
+        </p:spPr>
+        <p:txBody>
+          <a:bodyPr lIns="0" rIns="0" tIns="0" bIns="0"/>
+          <a:p>
+            <a:endParaRPr b="0" lang="en-US" sz="2200" spc="-1" strike="noStrike">
+              <a:solidFill>
+                <a:srgbClr val="000000"/>
+              </a:solidFill>
+              <a:latin typeface="Source Sans Pro"/>
+            </a:endParaRPr>
+          </a:p>
+        </p:txBody>
+      </p:sp>
+    </p:spTree>
+  </p:cSld>
+  <p:timing>
+    <p:tnLst>
+      <p:par>
+        <p:cTn id="43" dur="indefinite" restart="never" nodeType="tmRoot">
+          <p:childTnLst>
+            <p:seq>
+              <p:cTn id="44" dur="indefinite" nodeType="mainSeq"/>
+              <p:prevCondLst>
+                <p:cond delay="0" evt="onPrev">
+                  <p:tgtEl>
+                    <p:sldTgt/>
+                  </p:tgtEl>
+                </p:cond>
+              </p:prevCondLst>
+              <p:nextCondLst>
+                <p:cond delay="0" evt="onNext">
+                  <p:tgtEl>
+                    <p:sldTgt/>
+                  </p:tgtEl>
+                </p:cond>
+              </p:nextCondLst>
+            </p:seq>
+          </p:childTnLst>
+        </p:cTn>
+      </p:par>
+    </p:tnLst>
+  </p:timing>
+</p:sld>
+</file>
+
+<file path=ppt/slides/slide23.xml><?xml version="1.0" encoding="utf-8"?>
+<p:sld xmlns:a="http://schemas.openxmlformats.org/drawingml/2006/main" xmlns:p="http://schemas.openxmlformats.org/presentationml/2006/main" xmlns:r="http://schemas.openxmlformats.org/officeDocument/2006/relationships" xmlns:p14="http://schemas.microsoft.com/office/powerpoint/2010/main" xmlns:p15="http://schemas.microsoft.com/office/powerpoint/2012/main" xmlns:mc="http://schemas.openxmlformats.org/markup-compatibility/2006">
+  <p:cSld>
+    <p:spTree>
+      <p:nvGrpSpPr>
+        <p:cNvPr id="1" name=""/>
+        <p:cNvGrpSpPr/>
+        <p:nvPr/>
+      </p:nvGrpSpPr>
+      <p:grpSpPr>
+        <a:xfrm>
+          <a:off x="0" y="0"/>
+          <a:ext cx="0" cy="0"/>
+          <a:chOff x="0" y="0"/>
+          <a:chExt cx="0" cy="0"/>
+        </a:xfrm>
+      </p:grpSpPr>
+      <p:sp>
+        <p:nvSpPr>
+          <p:cNvPr id="135" name="TextShape 1"/>
+          <p:cNvSpPr txBox="1"/>
+          <p:nvPr/>
+        </p:nvSpPr>
+        <p:spPr>
+          <a:xfrm>
+            <a:off x="504000" y="805320"/>
+            <a:ext cx="9071640" cy="1262160"/>
+          </a:xfrm>
+          <a:prstGeom prst="rect">
+            <a:avLst/>
+          </a:prstGeom>
+          <a:noFill/>
+          <a:ln>
+            <a:noFill/>
+          </a:ln>
+        </p:spPr>
+        <p:txBody>
+          <a:bodyPr lIns="0" rIns="0" tIns="0" bIns="0" anchor="ctr"/>
+          <a:p>
+            <a:endParaRPr b="0" lang="en-US" sz="3200" spc="-1" strike="noStrike">
+              <a:solidFill>
+                <a:srgbClr val="3399ff"/>
+              </a:solidFill>
+              <a:latin typeface="Source Sans Pro"/>
+            </a:endParaRPr>
+          </a:p>
+        </p:txBody>
+      </p:sp>
+      <p:sp>
+        <p:nvSpPr>
+          <p:cNvPr id="136" name="TextShape 2"/>
+          <p:cNvSpPr txBox="1"/>
+          <p:nvPr/>
+        </p:nvSpPr>
+        <p:spPr>
+          <a:xfrm>
+            <a:off x="504000" y="2273040"/>
+            <a:ext cx="9071640" cy="4384800"/>
+          </a:xfrm>
+          <a:prstGeom prst="rect">
+            <a:avLst/>
+          </a:prstGeom>
+          <a:noFill/>
+          <a:ln>
+            <a:noFill/>
+          </a:ln>
+        </p:spPr>
+        <p:txBody>
+          <a:bodyPr lIns="0" rIns="0" tIns="0" bIns="0"/>
+          <a:p>
+            <a:endParaRPr b="0" lang="en-US" sz="2200" spc="-1" strike="noStrike">
+              <a:solidFill>
+                <a:srgbClr val="000000"/>
+              </a:solidFill>
+              <a:latin typeface="Source Sans Pro"/>
+            </a:endParaRPr>
+          </a:p>
+        </p:txBody>
+      </p:sp>
+    </p:spTree>
+  </p:cSld>
+  <p:timing>
+    <p:tnLst>
+      <p:par>
+        <p:cTn id="45" dur="indefinite" restart="never" nodeType="tmRoot">
+          <p:childTnLst>
+            <p:seq>
+              <p:cTn id="46" dur="indefinite" nodeType="mainSeq"/>
               <p:prevCondLst>
                 <p:cond delay="0" evt="onPrev">
                   <p:tgtEl>
@@ -1990,23 +5938,19 @@
       </p:grpSpPr>
       <p:sp>
         <p:nvSpPr>
-          <p:cNvPr id="45" name="TextShape 1"/>
+          <p:cNvPr id="88" name="TextShape 1"/>
           <p:cNvSpPr txBox="1"/>
           <p:nvPr/>
         </p:nvSpPr>
         <p:spPr>
           <a:xfrm>
-            <a:off x="180000" y="180000"/>
-            <a:ext cx="9720000" cy="720000"/>
-          </a:xfrm>
-          <a:prstGeom prst="rect">
-            <a:avLst/>
-          </a:prstGeom>
-          <a:solidFill>
-            <a:srgbClr val="4c4c4c">
-              <a:alpha val="50000"/>
-            </a:srgbClr>
-          </a:solidFill>
+            <a:off x="504000" y="805320"/>
+            <a:ext cx="9071640" cy="1262160"/>
+          </a:xfrm>
+          <a:prstGeom prst="rect">
+            <a:avLst/>
+          </a:prstGeom>
+          <a:noFill/>
           <a:ln>
             <a:noFill/>
           </a:ln>
@@ -2014,39 +5958,131 @@
         <p:txBody>
           <a:bodyPr lIns="0" rIns="0" tIns="0" bIns="0" anchor="ctr"/>
           <a:p>
-            <a:pPr algn="r"/>
-            <a:endParaRPr b="1" lang="es-PE" sz="2800" spc="-1" strike="noStrike">
-              <a:solidFill>
-                <a:srgbClr val="ffffff"/>
-              </a:solidFill>
-              <a:latin typeface="Source Sans Pro Black"/>
-            </a:endParaRPr>
-          </a:p>
-        </p:txBody>
-      </p:sp>
-      <p:pic>
-        <p:nvPicPr>
-          <p:cNvPr id="46" name="" descr=""/>
-          <p:cNvPicPr/>
+            <a:r>
+              <a:rPr b="0" lang="en-US" sz="3200" spc="-1" strike="noStrike">
+                <a:solidFill>
+                  <a:srgbClr val="3399ff"/>
+                </a:solidFill>
+                <a:latin typeface="Source Sans Pro"/>
+              </a:rPr>
+              <a:t>Missing Data</a:t>
+            </a:r>
+            <a:endParaRPr b="0" lang="en-US" sz="3200" spc="-1" strike="noStrike">
+              <a:solidFill>
+                <a:srgbClr val="3399ff"/>
+              </a:solidFill>
+              <a:latin typeface="Source Sans Pro"/>
+            </a:endParaRPr>
+          </a:p>
+        </p:txBody>
+      </p:sp>
+      <p:sp>
+        <p:nvSpPr>
+          <p:cNvPr id="89" name="TextShape 2"/>
+          <p:cNvSpPr txBox="1"/>
           <p:nvPr/>
-        </p:nvPicPr>
-        <p:blipFill>
-          <a:blip r:embed="rId1"/>
-          <a:stretch/>
-        </p:blipFill>
-        <p:spPr>
-          <a:xfrm>
-            <a:off x="180000" y="180000"/>
-            <a:ext cx="9720000" cy="7200000"/>
-          </a:xfrm>
-          <a:prstGeom prst="rect">
-            <a:avLst/>
-          </a:prstGeom>
+        </p:nvSpPr>
+        <p:spPr>
+          <a:xfrm>
+            <a:off x="504000" y="2273040"/>
+            <a:ext cx="9071640" cy="4384800"/>
+          </a:xfrm>
+          <a:prstGeom prst="rect">
+            <a:avLst/>
+          </a:prstGeom>
+          <a:noFill/>
           <a:ln>
             <a:noFill/>
           </a:ln>
         </p:spPr>
-      </p:pic>
+        <p:txBody>
+          <a:bodyPr lIns="0" rIns="0" tIns="0" bIns="0"/>
+          <a:p>
+            <a:pPr marL="432000" indent="-324000">
+              <a:spcAft>
+                <a:spcPts val="1417"/>
+              </a:spcAft>
+              <a:buClr>
+                <a:srgbClr val="000000"/>
+              </a:buClr>
+              <a:buSzPct val="45000"/>
+              <a:buFont typeface="Wingdings" charset="2"/>
+              <a:buChar char=""/>
+            </a:pPr>
+            <a:r>
+              <a:rPr b="0" lang="en-US" sz="2200" spc="-1" strike="noStrike">
+                <a:solidFill>
+                  <a:srgbClr val="000000"/>
+                </a:solidFill>
+                <a:latin typeface="Source Sans Pro"/>
+              </a:rPr>
+              <a:t>1324 / 1857 had 0 duration</a:t>
+            </a:r>
+            <a:endParaRPr b="0" lang="en-US" sz="2200" spc="-1" strike="noStrike">
+              <a:solidFill>
+                <a:srgbClr val="000000"/>
+              </a:solidFill>
+              <a:latin typeface="Source Sans Pro"/>
+            </a:endParaRPr>
+          </a:p>
+          <a:p>
+            <a:pPr marL="432000" indent="-324000">
+              <a:spcAft>
+                <a:spcPts val="1417"/>
+              </a:spcAft>
+              <a:buClr>
+                <a:srgbClr val="000000"/>
+              </a:buClr>
+              <a:buSzPct val="45000"/>
+              <a:buFont typeface="Wingdings" charset="2"/>
+              <a:buChar char=""/>
+            </a:pPr>
+            <a:r>
+              <a:rPr b="0" lang="en-US" sz="2200" spc="-1" strike="noStrike">
+                <a:solidFill>
+                  <a:srgbClr val="000000"/>
+                </a:solidFill>
+                <a:latin typeface="Source Sans Pro"/>
+              </a:rPr>
+              <a:t>Taking mean combined with duration data in instances dataset brought this down to 887</a:t>
+            </a:r>
+            <a:endParaRPr b="0" lang="en-US" sz="2200" spc="-1" strike="noStrike">
+              <a:solidFill>
+                <a:srgbClr val="000000"/>
+              </a:solidFill>
+              <a:latin typeface="Source Sans Pro"/>
+            </a:endParaRPr>
+          </a:p>
+          <a:p>
+            <a:pPr marL="432000" indent="-324000">
+              <a:spcAft>
+                <a:spcPts val="1417"/>
+              </a:spcAft>
+              <a:buClr>
+                <a:srgbClr val="000000"/>
+              </a:buClr>
+              <a:buSzPct val="45000"/>
+              <a:buFont typeface="Wingdings" charset="2"/>
+              <a:buChar char=""/>
+            </a:pPr>
+            <a:r>
+              <a:rPr b="0" lang="en-US" sz="2200" spc="-1" strike="noStrike">
+                <a:solidFill>
+                  <a:srgbClr val="000000"/>
+                </a:solidFill>
+                <a:latin typeface="Source Sans Pro"/>
+              </a:rPr>
+              <a:t>992 / 1857 Problems had no related incident</a:t>
+            </a:r>
+            <a:endParaRPr b="0" lang="en-US" sz="2200" spc="-1" strike="noStrike">
+              <a:solidFill>
+                <a:srgbClr val="000000"/>
+              </a:solidFill>
+              <a:latin typeface="Source Sans Pro"/>
+            </a:endParaRPr>
+          </a:p>
+        </p:txBody>
+      </p:sp>
     </p:spTree>
   </p:cSld>
   <p:timing>
@@ -2098,23 +6134,19 @@
       </p:grpSpPr>
       <p:sp>
         <p:nvSpPr>
-          <p:cNvPr id="47" name="TextShape 1"/>
+          <p:cNvPr id="90" name="TextShape 1"/>
           <p:cNvSpPr txBox="1"/>
           <p:nvPr/>
         </p:nvSpPr>
         <p:spPr>
           <a:xfrm>
-            <a:off x="180000" y="180000"/>
-            <a:ext cx="9720000" cy="720000"/>
-          </a:xfrm>
-          <a:prstGeom prst="rect">
-            <a:avLst/>
-          </a:prstGeom>
-          <a:solidFill>
-            <a:srgbClr val="4c4c4c">
-              <a:alpha val="50000"/>
-            </a:srgbClr>
-          </a:solidFill>
+            <a:off x="504000" y="805320"/>
+            <a:ext cx="9071640" cy="1262160"/>
+          </a:xfrm>
+          <a:prstGeom prst="rect">
+            <a:avLst/>
+          </a:prstGeom>
+          <a:noFill/>
           <a:ln>
             <a:noFill/>
           </a:ln>
@@ -2122,39 +6154,271 @@
         <p:txBody>
           <a:bodyPr lIns="0" rIns="0" tIns="0" bIns="0" anchor="ctr"/>
           <a:p>
-            <a:pPr algn="r"/>
-            <a:endParaRPr b="1" lang="es-PE" sz="2800" spc="-1" strike="noStrike">
-              <a:solidFill>
-                <a:srgbClr val="ffffff"/>
-              </a:solidFill>
-              <a:latin typeface="Source Sans Pro Black"/>
-            </a:endParaRPr>
-          </a:p>
-        </p:txBody>
-      </p:sp>
-      <p:pic>
-        <p:nvPicPr>
-          <p:cNvPr id="48" name="" descr=""/>
-          <p:cNvPicPr/>
+            <a:r>
+              <a:rPr b="0" lang="en-US" sz="3200" spc="-1" strike="noStrike">
+                <a:solidFill>
+                  <a:srgbClr val="3399ff"/>
+                </a:solidFill>
+                <a:latin typeface="Source Sans Pro"/>
+              </a:rPr>
+              <a:t>Missing Data</a:t>
+            </a:r>
+            <a:endParaRPr b="0" lang="en-US" sz="3200" spc="-1" strike="noStrike">
+              <a:solidFill>
+                <a:srgbClr val="3399ff"/>
+              </a:solidFill>
+              <a:latin typeface="Source Sans Pro"/>
+            </a:endParaRPr>
+          </a:p>
+        </p:txBody>
+      </p:sp>
+      <p:sp>
+        <p:nvSpPr>
+          <p:cNvPr id="91" name="TextShape 2"/>
+          <p:cNvSpPr txBox="1"/>
           <p:nvPr/>
-        </p:nvPicPr>
-        <p:blipFill>
-          <a:blip r:embed="rId1"/>
-          <a:stretch/>
-        </p:blipFill>
-        <p:spPr>
-          <a:xfrm>
-            <a:off x="180000" y="180000"/>
-            <a:ext cx="9720000" cy="7200000"/>
-          </a:xfrm>
-          <a:prstGeom prst="rect">
-            <a:avLst/>
-          </a:prstGeom>
+        </p:nvSpPr>
+        <p:spPr>
+          <a:xfrm>
+            <a:off x="504000" y="2273040"/>
+            <a:ext cx="9071640" cy="4384800"/>
+          </a:xfrm>
+          <a:prstGeom prst="rect">
+            <a:avLst/>
+          </a:prstGeom>
+          <a:noFill/>
           <a:ln>
             <a:noFill/>
           </a:ln>
         </p:spPr>
-      </p:pic>
+        <p:txBody>
+          <a:bodyPr lIns="0" rIns="0" tIns="0" bIns="0"/>
+          <a:p>
+            <a:pPr marL="432000" indent="-324000">
+              <a:spcAft>
+                <a:spcPts val="1417"/>
+              </a:spcAft>
+              <a:buClr>
+                <a:srgbClr val="000000"/>
+              </a:buClr>
+              <a:buSzPct val="45000"/>
+              <a:buFont typeface="Wingdings" charset="2"/>
+              <a:buChar char=""/>
+            </a:pPr>
+            <a:r>
+              <a:rPr b="0" lang="en-US" sz="2200" spc="-1" strike="noStrike">
+                <a:solidFill>
+                  <a:srgbClr val="000000"/>
+                </a:solidFill>
+                <a:latin typeface="Source Sans Pro"/>
+              </a:rPr>
+              <a:t>NA count by feature:</a:t>
+            </a:r>
+            <a:endParaRPr b="0" lang="en-US" sz="2200" spc="-1" strike="noStrike">
+              <a:solidFill>
+                <a:srgbClr val="000000"/>
+              </a:solidFill>
+              <a:latin typeface="Source Sans Pro"/>
+            </a:endParaRPr>
+          </a:p>
+          <a:p>
+            <a:pPr marL="432000" indent="-324000">
+              <a:spcAft>
+                <a:spcPts val="1134"/>
+              </a:spcAft>
+              <a:buClr>
+                <a:srgbClr val="000000"/>
+              </a:buClr>
+              <a:buSzPct val="45000"/>
+              <a:buFont typeface="Wingdings" charset="2"/>
+              <a:buChar char=""/>
+            </a:pPr>
+            <a:r>
+              <a:rPr b="0" lang="en-US" sz="2200" spc="-1" strike="noStrike">
+                <a:solidFill>
+                  <a:srgbClr val="000000"/>
+                </a:solidFill>
+                <a:latin typeface="Source Sans Pro"/>
+              </a:rPr>
+              <a:t>Assignment group = 16</a:t>
+            </a:r>
+            <a:endParaRPr b="0" lang="en-US" sz="2200" spc="-1" strike="noStrike">
+              <a:solidFill>
+                <a:srgbClr val="000000"/>
+              </a:solidFill>
+              <a:latin typeface="Source Sans Pro"/>
+            </a:endParaRPr>
+          </a:p>
+          <a:p>
+            <a:pPr marL="432000" indent="-324000">
+              <a:spcAft>
+                <a:spcPts val="1134"/>
+              </a:spcAft>
+              <a:buClr>
+                <a:srgbClr val="000000"/>
+              </a:buClr>
+              <a:buSzPct val="45000"/>
+              <a:buFont typeface="Wingdings" charset="2"/>
+              <a:buChar char=""/>
+            </a:pPr>
+            <a:r>
+              <a:rPr b="0" lang="en-US" sz="2200" spc="-1" strike="noStrike">
+                <a:solidFill>
+                  <a:srgbClr val="000000"/>
+                </a:solidFill>
+                <a:latin typeface="Source Sans Pro"/>
+              </a:rPr>
+              <a:t>Business service = 131</a:t>
+            </a:r>
+            <a:endParaRPr b="0" lang="en-US" sz="2200" spc="-1" strike="noStrike">
+              <a:solidFill>
+                <a:srgbClr val="000000"/>
+              </a:solidFill>
+              <a:latin typeface="Source Sans Pro"/>
+            </a:endParaRPr>
+          </a:p>
+          <a:p>
+            <a:pPr marL="432000" indent="-324000">
+              <a:spcAft>
+                <a:spcPts val="1134"/>
+              </a:spcAft>
+              <a:buClr>
+                <a:srgbClr val="000000"/>
+              </a:buClr>
+              <a:buSzPct val="45000"/>
+              <a:buFont typeface="Wingdings" charset="2"/>
+              <a:buChar char=""/>
+            </a:pPr>
+            <a:r>
+              <a:rPr b="0" lang="en-US" sz="2200" spc="-1" strike="noStrike">
+                <a:solidFill>
+                  <a:srgbClr val="000000"/>
+                </a:solidFill>
+                <a:latin typeface="Source Sans Pro"/>
+              </a:rPr>
+              <a:t>Category = 233</a:t>
+            </a:r>
+            <a:endParaRPr b="0" lang="en-US" sz="2200" spc="-1" strike="noStrike">
+              <a:solidFill>
+                <a:srgbClr val="000000"/>
+              </a:solidFill>
+              <a:latin typeface="Source Sans Pro"/>
+            </a:endParaRPr>
+          </a:p>
+          <a:p>
+            <a:pPr marL="432000" indent="-324000">
+              <a:spcAft>
+                <a:spcPts val="1134"/>
+              </a:spcAft>
+              <a:buClr>
+                <a:srgbClr val="000000"/>
+              </a:buClr>
+              <a:buSzPct val="45000"/>
+              <a:buFont typeface="Wingdings" charset="2"/>
+              <a:buChar char=""/>
+            </a:pPr>
+            <a:r>
+              <a:rPr b="0" lang="en-US" sz="2200" spc="-1" strike="noStrike">
+                <a:solidFill>
+                  <a:srgbClr val="000000"/>
+                </a:solidFill>
+                <a:latin typeface="Source Sans Pro"/>
+              </a:rPr>
+              <a:t>Company = 923</a:t>
+            </a:r>
+            <a:endParaRPr b="0" lang="en-US" sz="2200" spc="-1" strike="noStrike">
+              <a:solidFill>
+                <a:srgbClr val="000000"/>
+              </a:solidFill>
+              <a:latin typeface="Source Sans Pro"/>
+            </a:endParaRPr>
+          </a:p>
+          <a:p>
+            <a:pPr marL="432000" indent="-324000">
+              <a:spcAft>
+                <a:spcPts val="1134"/>
+              </a:spcAft>
+              <a:buClr>
+                <a:srgbClr val="000000"/>
+              </a:buClr>
+              <a:buSzPct val="45000"/>
+              <a:buFont typeface="Wingdings" charset="2"/>
+              <a:buChar char=""/>
+            </a:pPr>
+            <a:r>
+              <a:rPr b="0" lang="en-US" sz="2200" spc="-1" strike="noStrike">
+                <a:solidFill>
+                  <a:srgbClr val="000000"/>
+                </a:solidFill>
+                <a:latin typeface="Source Sans Pro"/>
+              </a:rPr>
+              <a:t>Opened by = 0</a:t>
+            </a:r>
+            <a:endParaRPr b="0" lang="en-US" sz="2200" spc="-1" strike="noStrike">
+              <a:solidFill>
+                <a:srgbClr val="000000"/>
+              </a:solidFill>
+              <a:latin typeface="Source Sans Pro"/>
+            </a:endParaRPr>
+          </a:p>
+          <a:p>
+            <a:pPr marL="432000" indent="-324000">
+              <a:spcAft>
+                <a:spcPts val="1134"/>
+              </a:spcAft>
+              <a:buClr>
+                <a:srgbClr val="000000"/>
+              </a:buClr>
+              <a:buSzPct val="45000"/>
+              <a:buFont typeface="Wingdings" charset="2"/>
+              <a:buChar char=""/>
+            </a:pPr>
+            <a:r>
+              <a:rPr b="0" lang="en-US" sz="2200" spc="-1" strike="noStrike">
+                <a:solidFill>
+                  <a:srgbClr val="000000"/>
+                </a:solidFill>
+                <a:latin typeface="Source Sans Pro"/>
+              </a:rPr>
+              <a:t>Problem Manager = 27</a:t>
+            </a:r>
+            <a:endParaRPr b="0" lang="en-US" sz="2200" spc="-1" strike="noStrike">
+              <a:solidFill>
+                <a:srgbClr val="000000"/>
+              </a:solidFill>
+              <a:latin typeface="Source Sans Pro"/>
+            </a:endParaRPr>
+          </a:p>
+          <a:p>
+            <a:pPr marL="432000" indent="-324000">
+              <a:spcAft>
+                <a:spcPts val="1417"/>
+              </a:spcAft>
+              <a:buClr>
+                <a:srgbClr val="000000"/>
+              </a:buClr>
+              <a:buSzPct val="45000"/>
+              <a:buFont typeface="Wingdings" charset="2"/>
+              <a:buChar char=""/>
+            </a:pPr>
+            <a:r>
+              <a:rPr b="0" lang="en-US" sz="2200" spc="-1" strike="noStrike">
+                <a:solidFill>
+                  <a:srgbClr val="000000"/>
+                </a:solidFill>
+                <a:latin typeface="Source Sans Pro"/>
+              </a:rPr>
+              <a:t>Type = 99</a:t>
+            </a:r>
+            <a:endParaRPr b="0" lang="en-US" sz="2200" spc="-1" strike="noStrike">
+              <a:solidFill>
+                <a:srgbClr val="000000"/>
+              </a:solidFill>
+              <a:latin typeface="Source Sans Pro"/>
+            </a:endParaRPr>
+          </a:p>
+        </p:txBody>
+      </p:sp>
     </p:spTree>
   </p:cSld>
   <p:timing>
@@ -2206,23 +6470,19 @@
       </p:grpSpPr>
       <p:sp>
         <p:nvSpPr>
-          <p:cNvPr id="49" name="TextShape 1"/>
+          <p:cNvPr id="92" name="TextShape 1"/>
           <p:cNvSpPr txBox="1"/>
           <p:nvPr/>
         </p:nvSpPr>
         <p:spPr>
           <a:xfrm>
-            <a:off x="180000" y="180000"/>
-            <a:ext cx="9720000" cy="720000"/>
-          </a:xfrm>
-          <a:prstGeom prst="rect">
-            <a:avLst/>
-          </a:prstGeom>
-          <a:solidFill>
-            <a:srgbClr val="4c4c4c">
-              <a:alpha val="50000"/>
-            </a:srgbClr>
-          </a:solidFill>
+            <a:off x="504000" y="805320"/>
+            <a:ext cx="9071640" cy="1262160"/>
+          </a:xfrm>
+          <a:prstGeom prst="rect">
+            <a:avLst/>
+          </a:prstGeom>
+          <a:noFill/>
           <a:ln>
             <a:noFill/>
           </a:ln>
@@ -2230,39 +6490,243 @@
         <p:txBody>
           <a:bodyPr lIns="0" rIns="0" tIns="0" bIns="0" anchor="ctr"/>
           <a:p>
-            <a:pPr algn="r"/>
-            <a:endParaRPr b="1" lang="es-PE" sz="2800" spc="-1" strike="noStrike">
-              <a:solidFill>
-                <a:srgbClr val="ffffff"/>
-              </a:solidFill>
-              <a:latin typeface="Source Sans Pro Black"/>
-            </a:endParaRPr>
-          </a:p>
-        </p:txBody>
-      </p:sp>
-      <p:pic>
-        <p:nvPicPr>
-          <p:cNvPr id="50" name="" descr=""/>
-          <p:cNvPicPr/>
+            <a:r>
+              <a:rPr b="0" lang="en-US" sz="3200" spc="-1" strike="noStrike">
+                <a:solidFill>
+                  <a:srgbClr val="3399ff"/>
+                </a:solidFill>
+                <a:latin typeface="Source Sans Pro"/>
+              </a:rPr>
+              <a:t>Meaningful Features</a:t>
+            </a:r>
+            <a:endParaRPr b="0" lang="en-US" sz="3200" spc="-1" strike="noStrike">
+              <a:solidFill>
+                <a:srgbClr val="3399ff"/>
+              </a:solidFill>
+              <a:latin typeface="Source Sans Pro"/>
+            </a:endParaRPr>
+          </a:p>
+        </p:txBody>
+      </p:sp>
+      <p:sp>
+        <p:nvSpPr>
+          <p:cNvPr id="93" name="TextShape 2"/>
+          <p:cNvSpPr txBox="1"/>
           <p:nvPr/>
-        </p:nvPicPr>
-        <p:blipFill>
-          <a:blip r:embed="rId1"/>
-          <a:stretch/>
-        </p:blipFill>
-        <p:spPr>
-          <a:xfrm>
-            <a:off x="180000" y="180000"/>
-            <a:ext cx="9768600" cy="7200000"/>
-          </a:xfrm>
-          <a:prstGeom prst="rect">
-            <a:avLst/>
-          </a:prstGeom>
+        </p:nvSpPr>
+        <p:spPr>
+          <a:xfrm>
+            <a:off x="504000" y="2273040"/>
+            <a:ext cx="9071640" cy="4384800"/>
+          </a:xfrm>
+          <a:prstGeom prst="rect">
+            <a:avLst/>
+          </a:prstGeom>
+          <a:noFill/>
           <a:ln>
             <a:noFill/>
           </a:ln>
         </p:spPr>
-      </p:pic>
+        <p:txBody>
+          <a:bodyPr lIns="0" rIns="0" tIns="0" bIns="0"/>
+          <a:p>
+            <a:pPr marL="432000" indent="-324000">
+              <a:spcAft>
+                <a:spcPts val="1417"/>
+              </a:spcAft>
+              <a:buClr>
+                <a:srgbClr val="000000"/>
+              </a:buClr>
+              <a:buSzPct val="45000"/>
+              <a:buFont typeface="Wingdings" charset="2"/>
+              <a:buChar char=""/>
+            </a:pPr>
+            <a:r>
+              <a:rPr b="0" lang="en-US" sz="2200" spc="-1" strike="noStrike">
+                <a:solidFill>
+                  <a:srgbClr val="000000"/>
+                </a:solidFill>
+                <a:latin typeface="Source Sans Pro"/>
+              </a:rPr>
+              <a:t>For Category Prediction:</a:t>
+            </a:r>
+            <a:endParaRPr b="0" lang="en-US" sz="2200" spc="-1" strike="noStrike">
+              <a:solidFill>
+                <a:srgbClr val="000000"/>
+              </a:solidFill>
+              <a:latin typeface="Source Sans Pro"/>
+            </a:endParaRPr>
+          </a:p>
+          <a:p>
+            <a:pPr lvl="1" marL="864000" indent="-324000">
+              <a:spcAft>
+                <a:spcPts val="1134"/>
+              </a:spcAft>
+              <a:buClr>
+                <a:srgbClr val="000000"/>
+              </a:buClr>
+              <a:buSzPct val="75000"/>
+              <a:buFont typeface="Symbol" charset="2"/>
+              <a:buChar char=""/>
+            </a:pPr>
+            <a:r>
+              <a:rPr b="0" lang="en-US" sz="1800" spc="-1" strike="noStrike">
+                <a:solidFill>
+                  <a:srgbClr val="111111"/>
+                </a:solidFill>
+                <a:latin typeface="Corbel"/>
+              </a:rPr>
+              <a:t>Business service</a:t>
+            </a:r>
+            <a:endParaRPr b="0" lang="en-US" sz="1800" spc="-1" strike="noStrike">
+              <a:solidFill>
+                <a:srgbClr val="111111"/>
+              </a:solidFill>
+              <a:latin typeface="Corbel"/>
+            </a:endParaRPr>
+          </a:p>
+          <a:p>
+            <a:pPr lvl="1" marL="864000" indent="-324000">
+              <a:spcAft>
+                <a:spcPts val="1134"/>
+              </a:spcAft>
+              <a:buClr>
+                <a:srgbClr val="000000"/>
+              </a:buClr>
+              <a:buSzPct val="75000"/>
+              <a:buFont typeface="Symbol" charset="2"/>
+              <a:buChar char=""/>
+            </a:pPr>
+            <a:r>
+              <a:rPr b="0" lang="en-US" sz="1800" spc="-1" strike="noStrike">
+                <a:solidFill>
+                  <a:srgbClr val="111111"/>
+                </a:solidFill>
+                <a:latin typeface="Corbel"/>
+              </a:rPr>
+              <a:t>Duration Mean</a:t>
+            </a:r>
+            <a:endParaRPr b="0" lang="en-US" sz="1800" spc="-1" strike="noStrike">
+              <a:solidFill>
+                <a:srgbClr val="111111"/>
+              </a:solidFill>
+              <a:latin typeface="Corbel"/>
+            </a:endParaRPr>
+          </a:p>
+          <a:p>
+            <a:pPr lvl="1" marL="864000" indent="-324000">
+              <a:spcAft>
+                <a:spcPts val="1134"/>
+              </a:spcAft>
+              <a:buClr>
+                <a:srgbClr val="000000"/>
+              </a:buClr>
+              <a:buSzPct val="75000"/>
+              <a:buFont typeface="Symbol" charset="2"/>
+              <a:buChar char=""/>
+            </a:pPr>
+            <a:r>
+              <a:rPr b="0" lang="en-US" sz="1800" spc="-1" strike="noStrike">
+                <a:solidFill>
+                  <a:srgbClr val="111111"/>
+                </a:solidFill>
+                <a:latin typeface="Corbel"/>
+              </a:rPr>
+              <a:t>Opened by</a:t>
+            </a:r>
+            <a:endParaRPr b="0" lang="en-US" sz="1800" spc="-1" strike="noStrike">
+              <a:solidFill>
+                <a:srgbClr val="111111"/>
+              </a:solidFill>
+              <a:latin typeface="Corbel"/>
+            </a:endParaRPr>
+          </a:p>
+          <a:p>
+            <a:pPr lvl="1" marL="864000" indent="-324000">
+              <a:spcAft>
+                <a:spcPts val="1134"/>
+              </a:spcAft>
+              <a:buClr>
+                <a:srgbClr val="000000"/>
+              </a:buClr>
+              <a:buSzPct val="75000"/>
+              <a:buFont typeface="Symbol" charset="2"/>
+              <a:buChar char=""/>
+            </a:pPr>
+            <a:r>
+              <a:rPr b="0" lang="en-US" sz="1800" spc="-1" strike="noStrike">
+                <a:solidFill>
+                  <a:srgbClr val="111111"/>
+                </a:solidFill>
+                <a:latin typeface="Corbel"/>
+              </a:rPr>
+              <a:t>Problem Manager</a:t>
+            </a:r>
+            <a:endParaRPr b="0" lang="en-US" sz="1800" spc="-1" strike="noStrike">
+              <a:solidFill>
+                <a:srgbClr val="111111"/>
+              </a:solidFill>
+              <a:latin typeface="Corbel"/>
+            </a:endParaRPr>
+          </a:p>
+          <a:p>
+            <a:pPr lvl="1" marL="864000" indent="-324000">
+              <a:spcAft>
+                <a:spcPts val="1134"/>
+              </a:spcAft>
+              <a:buClr>
+                <a:srgbClr val="000000"/>
+              </a:buClr>
+              <a:buSzPct val="75000"/>
+              <a:buFont typeface="Symbol" charset="2"/>
+              <a:buChar char=""/>
+            </a:pPr>
+            <a:r>
+              <a:rPr b="0" lang="en-US" sz="1800" spc="-1" strike="noStrike">
+                <a:solidFill>
+                  <a:srgbClr val="111111"/>
+                </a:solidFill>
+                <a:latin typeface="Corbel"/>
+              </a:rPr>
+              <a:t>Reassignment Count</a:t>
+            </a:r>
+            <a:endParaRPr b="0" lang="en-US" sz="1800" spc="-1" strike="noStrike">
+              <a:solidFill>
+                <a:srgbClr val="111111"/>
+              </a:solidFill>
+              <a:latin typeface="Corbel"/>
+            </a:endParaRPr>
+          </a:p>
+          <a:p>
+            <a:pPr lvl="1" marL="864000" indent="-324000">
+              <a:spcAft>
+                <a:spcPts val="1134"/>
+              </a:spcAft>
+              <a:buClr>
+                <a:srgbClr val="000000"/>
+              </a:buClr>
+              <a:buSzPct val="75000"/>
+              <a:buFont typeface="Symbol" charset="2"/>
+              <a:buChar char=""/>
+            </a:pPr>
+            <a:r>
+              <a:rPr b="0" lang="en-US" sz="1800" spc="-1" strike="noStrike">
+                <a:solidFill>
+                  <a:srgbClr val="111111"/>
+                </a:solidFill>
+                <a:latin typeface="Corbel"/>
+              </a:rPr>
+              <a:t>Updates</a:t>
+            </a:r>
+            <a:endParaRPr b="0" lang="en-US" sz="1800" spc="-1" strike="noStrike">
+              <a:solidFill>
+                <a:srgbClr val="111111"/>
+              </a:solidFill>
+              <a:latin typeface="Corbel"/>
+            </a:endParaRPr>
+          </a:p>
+        </p:txBody>
+      </p:sp>
     </p:spTree>
   </p:cSld>
   <p:timing>
@@ -2314,23 +6778,19 @@
       </p:grpSpPr>
       <p:sp>
         <p:nvSpPr>
-          <p:cNvPr id="51" name="TextShape 1"/>
+          <p:cNvPr id="94" name="TextShape 1"/>
           <p:cNvSpPr txBox="1"/>
           <p:nvPr/>
         </p:nvSpPr>
         <p:spPr>
           <a:xfrm>
-            <a:off x="180000" y="180000"/>
-            <a:ext cx="9720000" cy="720000"/>
-          </a:xfrm>
-          <a:prstGeom prst="rect">
-            <a:avLst/>
-          </a:prstGeom>
-          <a:solidFill>
-            <a:srgbClr val="4c4c4c">
-              <a:alpha val="50000"/>
-            </a:srgbClr>
-          </a:solidFill>
+            <a:off x="504000" y="850320"/>
+            <a:ext cx="9071640" cy="1172160"/>
+          </a:xfrm>
+          <a:prstGeom prst="rect">
+            <a:avLst/>
+          </a:prstGeom>
+          <a:noFill/>
           <a:ln>
             <a:noFill/>
           </a:ln>
@@ -2338,19 +6798,49 @@
         <p:txBody>
           <a:bodyPr lIns="0" rIns="0" tIns="0" bIns="0" anchor="ctr"/>
           <a:p>
-            <a:pPr algn="r"/>
-            <a:endParaRPr b="1" lang="es-PE" sz="2800" spc="-1" strike="noStrike">
-              <a:solidFill>
-                <a:srgbClr val="ffffff"/>
-              </a:solidFill>
-              <a:latin typeface="Source Sans Pro Black"/>
+            <a:endParaRPr b="0" lang="en-US" sz="3200" spc="-1" strike="noStrike">
+              <a:solidFill>
+                <a:srgbClr val="3399ff"/>
+              </a:solidFill>
+              <a:latin typeface="Source Sans Pro"/>
+            </a:endParaRPr>
+          </a:p>
+        </p:txBody>
+      </p:sp>
+      <p:sp>
+        <p:nvSpPr>
+          <p:cNvPr id="95" name="TextShape 2"/>
+          <p:cNvSpPr txBox="1"/>
+          <p:nvPr/>
+        </p:nvSpPr>
+        <p:spPr>
+          <a:xfrm>
+            <a:off x="504000" y="2273040"/>
+            <a:ext cx="9071640" cy="3627360"/>
+          </a:xfrm>
+          <a:prstGeom prst="rect">
+            <a:avLst/>
+          </a:prstGeom>
+          <a:noFill/>
+          <a:ln>
+            <a:noFill/>
+          </a:ln>
+        </p:spPr>
+        <p:txBody>
+          <a:bodyPr lIns="0" rIns="0" tIns="0" bIns="0"/>
+          <a:p>
+            <a:endParaRPr b="0" lang="en-US" sz="2200" spc="-1" strike="noStrike">
+              <a:solidFill>
+                <a:srgbClr val="000000"/>
+              </a:solidFill>
+              <a:latin typeface="Source Sans Pro"/>
             </a:endParaRPr>
           </a:p>
         </p:txBody>
       </p:sp>
       <p:pic>
         <p:nvPicPr>
-          <p:cNvPr id="52" name="" descr=""/>
+          <p:cNvPr id="96" name="" descr=""/>
           <p:cNvPicPr/>
           <p:nvPr/>
         </p:nvPicPr>
@@ -2360,8 +6850,8 @@
         </p:blipFill>
         <p:spPr>
           <a:xfrm>
-            <a:off x="250920" y="180000"/>
-            <a:ext cx="9649080" cy="7200000"/>
+            <a:off x="180360" y="180360"/>
+            <a:ext cx="9719640" cy="7199640"/>
           </a:xfrm>
           <a:prstGeom prst="rect">
             <a:avLst/>
@@ -2422,23 +6912,19 @@
       </p:grpSpPr>
       <p:sp>
         <p:nvSpPr>
-          <p:cNvPr id="53" name="TextShape 1"/>
+          <p:cNvPr id="97" name="TextShape 1"/>
           <p:cNvSpPr txBox="1"/>
           <p:nvPr/>
         </p:nvSpPr>
         <p:spPr>
           <a:xfrm>
-            <a:off x="180000" y="180000"/>
-            <a:ext cx="9720000" cy="720000"/>
-          </a:xfrm>
-          <a:prstGeom prst="rect">
-            <a:avLst/>
-          </a:prstGeom>
-          <a:solidFill>
-            <a:srgbClr val="4c4c4c">
-              <a:alpha val="50000"/>
-            </a:srgbClr>
-          </a:solidFill>
+            <a:off x="504000" y="805320"/>
+            <a:ext cx="9071640" cy="1262160"/>
+          </a:xfrm>
+          <a:prstGeom prst="rect">
+            <a:avLst/>
+          </a:prstGeom>
+          <a:noFill/>
           <a:ln>
             <a:noFill/>
           </a:ln>
@@ -2446,19 +6932,49 @@
         <p:txBody>
           <a:bodyPr lIns="0" rIns="0" tIns="0" bIns="0" anchor="ctr"/>
           <a:p>
-            <a:pPr algn="r"/>
-            <a:endParaRPr b="1" lang="es-PE" sz="2800" spc="-1" strike="noStrike">
-              <a:solidFill>
-                <a:srgbClr val="ffffff"/>
-              </a:solidFill>
-              <a:latin typeface="Source Sans Pro Black"/>
+            <a:endParaRPr b="0" lang="en-US" sz="3200" spc="-1" strike="noStrike">
+              <a:solidFill>
+                <a:srgbClr val="3399ff"/>
+              </a:solidFill>
+              <a:latin typeface="Source Sans Pro"/>
+            </a:endParaRPr>
+          </a:p>
+        </p:txBody>
+      </p:sp>
+      <p:sp>
+        <p:nvSpPr>
+          <p:cNvPr id="98" name="TextShape 2"/>
+          <p:cNvSpPr txBox="1"/>
+          <p:nvPr/>
+        </p:nvSpPr>
+        <p:spPr>
+          <a:xfrm>
+            <a:off x="504000" y="2273040"/>
+            <a:ext cx="9071640" cy="4384800"/>
+          </a:xfrm>
+          <a:prstGeom prst="rect">
+            <a:avLst/>
+          </a:prstGeom>
+          <a:noFill/>
+          <a:ln>
+            <a:noFill/>
+          </a:ln>
+        </p:spPr>
+        <p:txBody>
+          <a:bodyPr lIns="0" rIns="0" tIns="0" bIns="0"/>
+          <a:p>
+            <a:endParaRPr b="0" lang="en-US" sz="2200" spc="-1" strike="noStrike">
+              <a:solidFill>
+                <a:srgbClr val="000000"/>
+              </a:solidFill>
+              <a:latin typeface="Source Sans Pro"/>
             </a:endParaRPr>
           </a:p>
         </p:txBody>
       </p:sp>
       <p:pic>
         <p:nvPicPr>
-          <p:cNvPr id="54" name="" descr=""/>
+          <p:cNvPr id="99" name="" descr=""/>
           <p:cNvPicPr/>
           <p:nvPr/>
         </p:nvPicPr>
@@ -2468,13 +6984,13 @@
         </p:blipFill>
         <p:spPr>
           <a:xfrm>
-            <a:off x="180000" y="180000"/>
-            <a:ext cx="9720000" cy="7200000"/>
-          </a:xfrm>
-          <a:prstGeom prst="rect">
-            <a:avLst/>
-          </a:prstGeom>
-          <a:ln>
+            <a:off x="26640" y="19800"/>
+            <a:ext cx="10031760" cy="7524000"/>
+          </a:xfrm>
+          <a:prstGeom prst="rect">
+            <a:avLst/>
+          </a:prstGeom>
+          <a:ln w="21600">
             <a:noFill/>
           </a:ln>
         </p:spPr>
@@ -2530,23 +7046,19 @@
       </p:grpSpPr>
       <p:sp>
         <p:nvSpPr>
-          <p:cNvPr id="55" name="TextShape 1"/>
+          <p:cNvPr id="100" name="TextShape 1"/>
           <p:cNvSpPr txBox="1"/>
           <p:nvPr/>
         </p:nvSpPr>
         <p:spPr>
           <a:xfrm>
-            <a:off x="180000" y="180000"/>
-            <a:ext cx="9720000" cy="720000"/>
-          </a:xfrm>
-          <a:prstGeom prst="rect">
-            <a:avLst/>
-          </a:prstGeom>
-          <a:solidFill>
-            <a:srgbClr val="4c4c4c">
-              <a:alpha val="50000"/>
-            </a:srgbClr>
-          </a:solidFill>
+            <a:off x="504000" y="805320"/>
+            <a:ext cx="9071640" cy="1262160"/>
+          </a:xfrm>
+          <a:prstGeom prst="rect">
+            <a:avLst/>
+          </a:prstGeom>
+          <a:noFill/>
           <a:ln>
             <a:noFill/>
           </a:ln>
@@ -2554,35 +7066,30 @@
         <p:txBody>
           <a:bodyPr lIns="0" rIns="0" tIns="0" bIns="0" anchor="ctr"/>
           <a:p>
-            <a:pPr algn="r"/>
-            <a:endParaRPr b="1" lang="es-PE" sz="2800" spc="-1" strike="noStrike">
-              <a:solidFill>
-                <a:srgbClr val="ffffff"/>
-              </a:solidFill>
-              <a:latin typeface="Source Sans Pro Black"/>
-            </a:endParaRPr>
-          </a:p>
-        </p:txBody>
-      </p:sp>
-      <p:sp>
-        <p:nvSpPr>
-          <p:cNvPr id="56" name="TextShape 2"/>
+            <a:endParaRPr b="0" lang="en-US" sz="3200" spc="-1" strike="noStrike">
+              <a:solidFill>
+                <a:srgbClr val="3399ff"/>
+              </a:solidFill>
+              <a:latin typeface="Source Sans Pro"/>
+            </a:endParaRPr>
+          </a:p>
+        </p:txBody>
+      </p:sp>
+      <p:sp>
+        <p:nvSpPr>
+          <p:cNvPr id="101" name="TextShape 2"/>
           <p:cNvSpPr txBox="1"/>
           <p:nvPr/>
         </p:nvSpPr>
         <p:spPr>
           <a:xfrm>
-            <a:off x="504000" y="1260000"/>
+            <a:off x="504000" y="2273040"/>
             <a:ext cx="9071640" cy="4384800"/>
           </a:xfrm>
           <a:prstGeom prst="rect">
             <a:avLst/>
           </a:prstGeom>
-          <a:solidFill>
-            <a:srgbClr val="ffffff">
-              <a:alpha val="25000"/>
-            </a:srgbClr>
-          </a:solidFill>
+          <a:noFill/>
           <a:ln>
             <a:noFill/>
           </a:ln>
@@ -2590,12 +7097,38 @@
         <p:txBody>
           <a:bodyPr lIns="0" rIns="0" tIns="0" bIns="0"/>
           <a:p>
-            <a:endParaRPr b="0" lang="es-PE" sz="2600" spc="-1" strike="noStrike">
-              <a:latin typeface="Tahoma"/>
-            </a:endParaRPr>
-          </a:p>
-        </p:txBody>
-      </p:sp>
+            <a:endParaRPr b="0" lang="en-US" sz="2200" spc="-1" strike="noStrike">
+              <a:solidFill>
+                <a:srgbClr val="000000"/>
+              </a:solidFill>
+              <a:latin typeface="Source Sans Pro"/>
+            </a:endParaRPr>
+          </a:p>
+        </p:txBody>
+      </p:sp>
+      <p:pic>
+        <p:nvPicPr>
+          <p:cNvPr id="102" name="" descr=""/>
+          <p:cNvPicPr/>
+          <p:nvPr/>
+        </p:nvPicPr>
+        <p:blipFill>
+          <a:blip r:embed="rId1"/>
+          <a:stretch/>
+        </p:blipFill>
+        <p:spPr>
+          <a:xfrm>
+            <a:off x="180720" y="180720"/>
+            <a:ext cx="9719640" cy="7199640"/>
+          </a:xfrm>
+          <a:prstGeom prst="rect">
+            <a:avLst/>
+          </a:prstGeom>
+          <a:ln>
+            <a:noFill/>
+          </a:ln>
+        </p:spPr>
+      </p:pic>
     </p:spTree>
   </p:cSld>
   <p:timing>
@@ -2605,6 +7138,140 @@
           <p:childTnLst>
             <p:seq>
               <p:cTn id="16" dur="indefinite" nodeType="mainSeq"/>
+              <p:prevCondLst>
+                <p:cond delay="0" evt="onPrev">
+                  <p:tgtEl>
+                    <p:sldTgt/>
+                  </p:tgtEl>
+                </p:cond>
+              </p:prevCondLst>
+              <p:nextCondLst>
+                <p:cond delay="0" evt="onNext">
+                  <p:tgtEl>
+                    <p:sldTgt/>
+                  </p:tgtEl>
+                </p:cond>
+              </p:nextCondLst>
+            </p:seq>
+          </p:childTnLst>
+        </p:cTn>
+      </p:par>
+    </p:tnLst>
+  </p:timing>
+</p:sld>
+</file>
+
+<file path=ppt/slides/slide9.xml><?xml version="1.0" encoding="utf-8"?>
+<p:sld xmlns:a="http://schemas.openxmlformats.org/drawingml/2006/main" xmlns:p="http://schemas.openxmlformats.org/presentationml/2006/main" xmlns:r="http://schemas.openxmlformats.org/officeDocument/2006/relationships" xmlns:p14="http://schemas.microsoft.com/office/powerpoint/2010/main" xmlns:p15="http://schemas.microsoft.com/office/powerpoint/2012/main" xmlns:mc="http://schemas.openxmlformats.org/markup-compatibility/2006">
+  <p:cSld>
+    <p:spTree>
+      <p:nvGrpSpPr>
+        <p:cNvPr id="1" name=""/>
+        <p:cNvGrpSpPr/>
+        <p:nvPr/>
+      </p:nvGrpSpPr>
+      <p:grpSpPr>
+        <a:xfrm>
+          <a:off x="0" y="0"/>
+          <a:ext cx="0" cy="0"/>
+          <a:chOff x="0" y="0"/>
+          <a:chExt cx="0" cy="0"/>
+        </a:xfrm>
+      </p:grpSpPr>
+      <p:sp>
+        <p:nvSpPr>
+          <p:cNvPr id="103" name="TextShape 1"/>
+          <p:cNvSpPr txBox="1"/>
+          <p:nvPr/>
+        </p:nvSpPr>
+        <p:spPr>
+          <a:xfrm>
+            <a:off x="504000" y="805320"/>
+            <a:ext cx="9071640" cy="1262160"/>
+          </a:xfrm>
+          <a:prstGeom prst="rect">
+            <a:avLst/>
+          </a:prstGeom>
+          <a:noFill/>
+          <a:ln>
+            <a:noFill/>
+          </a:ln>
+        </p:spPr>
+        <p:txBody>
+          <a:bodyPr lIns="0" rIns="0" tIns="0" bIns="0" anchor="ctr"/>
+          <a:p>
+            <a:endParaRPr b="0" lang="en-US" sz="3200" spc="-1" strike="noStrike">
+              <a:solidFill>
+                <a:srgbClr val="3399ff"/>
+              </a:solidFill>
+              <a:latin typeface="Source Sans Pro"/>
+            </a:endParaRPr>
+          </a:p>
+        </p:txBody>
+      </p:sp>
+      <p:sp>
+        <p:nvSpPr>
+          <p:cNvPr id="104" name="TextShape 2"/>
+          <p:cNvSpPr txBox="1"/>
+          <p:nvPr/>
+        </p:nvSpPr>
+        <p:spPr>
+          <a:xfrm>
+            <a:off x="504000" y="2273040"/>
+            <a:ext cx="9071640" cy="4384800"/>
+          </a:xfrm>
+          <a:prstGeom prst="rect">
+            <a:avLst/>
+          </a:prstGeom>
+          <a:noFill/>
+          <a:ln>
+            <a:noFill/>
+          </a:ln>
+        </p:spPr>
+        <p:txBody>
+          <a:bodyPr lIns="0" rIns="0" tIns="0" bIns="0"/>
+          <a:p>
+            <a:endParaRPr b="0" lang="en-US" sz="2200" spc="-1" strike="noStrike">
+              <a:solidFill>
+                <a:srgbClr val="000000"/>
+              </a:solidFill>
+              <a:latin typeface="Source Sans Pro"/>
+            </a:endParaRPr>
+          </a:p>
+        </p:txBody>
+      </p:sp>
+      <p:pic>
+        <p:nvPicPr>
+          <p:cNvPr id="105" name="" descr=""/>
+          <p:cNvPicPr/>
+          <p:nvPr/>
+        </p:nvPicPr>
+        <p:blipFill>
+          <a:blip r:embed="rId1"/>
+          <a:stretch/>
+        </p:blipFill>
+        <p:spPr>
+          <a:xfrm>
+            <a:off x="180720" y="180720"/>
+            <a:ext cx="9719640" cy="7199640"/>
+          </a:xfrm>
+          <a:prstGeom prst="rect">
+            <a:avLst/>
+          </a:prstGeom>
+          <a:ln>
+            <a:noFill/>
+          </a:ln>
+        </p:spPr>
+      </p:pic>
+    </p:spTree>
+  </p:cSld>
+  <p:timing>
+    <p:tnLst>
+      <p:par>
+        <p:cTn id="17" dur="indefinite" restart="never" nodeType="tmRoot">
+          <p:childTnLst>
+            <p:seq>
+              <p:cTn id="18" dur="indefinite" nodeType="mainSeq"/>
               <p:prevCondLst>
                 <p:cond delay="0" evt="onPrev">
                   <p:tgtEl>
@@ -2849,4 +7516,227 @@
     </a:fmtScheme>
   </a:themeElements>
 </a:theme>
+</file>
+
+<file path=ppt/theme/theme2.xml><?xml version="1.0" encoding="utf-8"?>
+<a:theme xmlns:a="http://schemas.openxmlformats.org/drawingml/2006/main" name="Office Theme">
+  <a:themeElements>
+    <a:clrScheme name="Office">
+      <a:dk1>
+        <a:sysClr val="windowText" lastClr="000000"/>
+      </a:dk1>
+      <a:lt1>
+        <a:sysClr val="window" lastClr="FFFFFF"/>
+      </a:lt1>
+      <a:dk2>
+        <a:srgbClr val="1f497d"/>
+      </a:dk2>
+      <a:lt2>
+        <a:srgbClr val="eeece1"/>
+      </a:lt2>
+      <a:accent1>
+        <a:srgbClr val="4f81bd"/>
+      </a:accent1>
+      <a:accent2>
+        <a:srgbClr val="c0504d"/>
+      </a:accent2>
+      <a:accent3>
+        <a:srgbClr val="9bbb59"/>
+      </a:accent3>
+      <a:accent4>
+        <a:srgbClr val="8064a2"/>
+      </a:accent4>
+      <a:accent5>
+        <a:srgbClr val="4bacc6"/>
+      </a:accent5>
+      <a:accent6>
+        <a:srgbClr val="f79646"/>
+      </a:accent6>
+      <a:hlink>
+        <a:srgbClr val="0000ff"/>
+      </a:hlink>
+      <a:folHlink>
+        <a:srgbClr val="800080"/>
+      </a:folHlink>
+    </a:clrScheme>
+    <a:fontScheme name="Office">
+      <a:majorFont>
+        <a:latin typeface="Arial"/>
+        <a:ea typeface="DejaVu Sans"/>
+        <a:cs typeface="DejaVu Sans"/>
+      </a:majorFont>
+      <a:minorFont>
+        <a:latin typeface="Arial"/>
+        <a:ea typeface="DejaVu Sans"/>
+        <a:cs typeface="DejaVu Sans"/>
+      </a:minorFont>
+    </a:fontScheme>
+    <a:fmtScheme name="Office">
+      <a:fillStyleLst>
+        <a:solidFill>
+          <a:schemeClr val="phClr"/>
+        </a:solidFill>
+        <a:gradFill rotWithShape="1">
+          <a:gsLst>
+            <a:gs pos="0">
+              <a:schemeClr val="phClr">
+                <a:tint val="50000"/>
+                <a:satMod val="300000"/>
+              </a:schemeClr>
+            </a:gs>
+            <a:gs pos="35000">
+              <a:schemeClr val="phClr">
+                <a:tint val="37000"/>
+                <a:satMod val="300000"/>
+              </a:schemeClr>
+            </a:gs>
+            <a:gs pos="100000">
+              <a:schemeClr val="phClr">
+                <a:tint val="15000"/>
+                <a:satMod val="350000"/>
+              </a:schemeClr>
+            </a:gs>
+          </a:gsLst>
+          <a:lin ang="16200000" scaled="1"/>
+        </a:gradFill>
+        <a:gradFill rotWithShape="1">
+          <a:gsLst>
+            <a:gs pos="0">
+              <a:schemeClr val="phClr">
+                <a:shade val="51000"/>
+                <a:satMod val="130000"/>
+              </a:schemeClr>
+            </a:gs>
+            <a:gs pos="80000">
+              <a:schemeClr val="phClr">
+                <a:shade val="93000"/>
+                <a:satMod val="130000"/>
+              </a:schemeClr>
+            </a:gs>
+            <a:gs pos="100000">
+              <a:schemeClr val="phClr">
+                <a:shade val="94000"/>
+                <a:satMod val="135000"/>
+              </a:schemeClr>
+            </a:gs>
+          </a:gsLst>
+          <a:lin ang="16200000" scaled="0"/>
+        </a:gradFill>
+      </a:fillStyleLst>
+      <a:lnStyleLst>
+        <a:ln w="9525" cap="flat" cmpd="sng" algn="ctr">
+          <a:solidFill>
+            <a:schemeClr val="phClr">
+              <a:shade val="95000"/>
+              <a:satMod val="105000"/>
+            </a:schemeClr>
+          </a:solidFill>
+          <a:prstDash val="solid"/>
+        </a:ln>
+        <a:ln w="25400" cap="flat" cmpd="sng" algn="ctr">
+          <a:solidFill>
+            <a:schemeClr val="phClr"/>
+          </a:solidFill>
+          <a:prstDash val="solid"/>
+        </a:ln>
+        <a:ln w="38100" cap="flat" cmpd="sng" algn="ctr">
+          <a:solidFill>
+            <a:schemeClr val="phClr"/>
+          </a:solidFill>
+          <a:prstDash val="solid"/>
+        </a:ln>
+      </a:lnStyleLst>
+      <a:effectStyleLst>
+        <a:effectStyle>
+          <a:effectLst>
+            <a:outerShdw blurRad="40000" dist="20000" dir="5400000" rotWithShape="0">
+              <a:srgbClr val="000000">
+                <a:alpha val="38000"/>
+              </a:srgbClr>
+            </a:outerShdw>
+          </a:effectLst>
+        </a:effectStyle>
+        <a:effectStyle>
+          <a:effectLst>
+            <a:outerShdw blurRad="40000" dist="23000" dir="5400000" rotWithShape="0">
+              <a:srgbClr val="000000">
+                <a:alpha val="35000"/>
+              </a:srgbClr>
+            </a:outerShdw>
+          </a:effectLst>
+        </a:effectStyle>
+        <a:effectStyle>
+          <a:effectLst>
+            <a:outerShdw blurRad="40000" dist="23000" dir="5400000" rotWithShape="0">
+              <a:srgbClr val="000000">
+                <a:alpha val="35000"/>
+              </a:srgbClr>
+            </a:outerShdw>
+          </a:effectLst>
+          <a:scene3d>
+            <a:camera prst="orthographicFront">
+              <a:rot lat="0" lon="0" rev="0"/>
+            </a:camera>
+            <a:lightRig rig="threePt" dir="t">
+              <a:rot lat="0" lon="0" rev="1200000"/>
+            </a:lightRig>
+          </a:scene3d>
+          <a:sp3d>
+            <a:bevelT w="63500" h="25400"/>
+          </a:sp3d>
+        </a:effectStyle>
+      </a:effectStyleLst>
+      <a:bgFillStyleLst>
+        <a:solidFill>
+          <a:schemeClr val="phClr"/>
+        </a:solidFill>
+        <a:gradFill rotWithShape="1">
+          <a:gsLst>
+            <a:gs pos="0">
+              <a:schemeClr val="phClr">
+                <a:tint val="40000"/>
+                <a:satMod val="350000"/>
+              </a:schemeClr>
+            </a:gs>
+            <a:gs pos="40000">
+              <a:schemeClr val="phClr">
+                <a:tint val="45000"/>
+                <a:shade val="99000"/>
+                <a:satMod val="350000"/>
+              </a:schemeClr>
+            </a:gs>
+            <a:gs pos="100000">
+              <a:schemeClr val="phClr">
+                <a:shade val="20000"/>
+                <a:satMod val="255000"/>
+              </a:schemeClr>
+            </a:gs>
+          </a:gsLst>
+          <a:path path="circle">
+            <a:fillToRect l="50000" t="-80000" r="50000" b="180000"/>
+          </a:path>
+        </a:gradFill>
+        <a:gradFill rotWithShape="1">
+          <a:gsLst>
+            <a:gs pos="0">
+              <a:schemeClr val="phClr">
+                <a:tint val="80000"/>
+                <a:satMod val="300000"/>
+              </a:schemeClr>
+            </a:gs>
+            <a:gs pos="100000">
+              <a:schemeClr val="phClr">
+                <a:shade val="30000"/>
+                <a:satMod val="200000"/>
+              </a:schemeClr>
+            </a:gs>
+          </a:gsLst>
+          <a:path path="circle">
+            <a:fillToRect l="50000" t="50000" r="50000" b="50000"/>
+          </a:path>
+        </a:gradFill>
+      </a:bgFillStyleLst>
+    </a:fmtScheme>
+  </a:themeElements>
+</a:theme>
 </file>
--- a/MacClusteringProject/data_analysis.pptx
+++ b/MacClusteringProject/data_analysis.pptx
@@ -29,9 +29,10 @@
     <p:sldId id="276" r:id="rId24"/>
     <p:sldId id="277" r:id="rId25"/>
     <p:sldId id="278" r:id="rId26"/>
+    <p:sldId id="279" r:id="rId27"/>
   </p:sldIdLst>
   <p:sldSz cx="10080625" cy="7559675"/>
-  <p:notesSz cx="7772400" cy="10058400"/>
+  <p:notesSz cx="7559675" cy="10691812"/>
 </p:presentation>
 </file>
 
@@ -76,7 +77,7 @@
       </p:grpSpPr>
       <p:sp>
         <p:nvSpPr>
-          <p:cNvPr id="27" name="PlaceHolder 1"/>
+          <p:cNvPr id="24" name="PlaceHolder 1"/>
           <p:cNvSpPr>
             <a:spLocks noGrp="1"/>
           </p:cNvSpPr>
@@ -87,7 +88,7 @@
         <p:spPr>
           <a:xfrm>
             <a:off x="504000" y="805320"/>
-            <a:ext cx="9071640" cy="1262160"/>
+            <a:ext cx="9071280" cy="1261800"/>
           </a:xfrm>
           <a:prstGeom prst="rect">
             <a:avLst/>
@@ -96,18 +97,16 @@
         <p:txBody>
           <a:bodyPr lIns="0" rIns="0" tIns="0" bIns="0" anchor="ctr"/>
           <a:p>
-            <a:endParaRPr b="0" lang="en-US" sz="3200" spc="-1" strike="noStrike">
-              <a:solidFill>
-                <a:srgbClr val="3399ff"/>
-              </a:solidFill>
-              <a:latin typeface="Source Sans Pro"/>
-            </a:endParaRPr>
-          </a:p>
-        </p:txBody>
-      </p:sp>
-      <p:sp>
-        <p:nvSpPr>
-          <p:cNvPr id="28" name="PlaceHolder 2"/>
+            <a:pPr algn="ctr"/>
+            <a:endParaRPr b="0" lang="en-US" sz="4400" spc="-1" strike="noStrike">
+              <a:latin typeface="Arial"/>
+            </a:endParaRPr>
+          </a:p>
+        </p:txBody>
+      </p:sp>
+      <p:sp>
+        <p:nvSpPr>
+          <p:cNvPr id="25" name="PlaceHolder 2"/>
           <p:cNvSpPr>
             <a:spLocks noGrp="1"/>
           </p:cNvSpPr>
@@ -118,27 +117,26 @@
         <p:spPr>
           <a:xfrm>
             <a:off x="504000" y="2273040"/>
-            <a:ext cx="9071640" cy="2091240"/>
-          </a:xfrm>
-          <a:prstGeom prst="rect">
-            <a:avLst/>
-          </a:prstGeom>
-        </p:spPr>
-        <p:txBody>
-          <a:bodyPr lIns="0" rIns="0" tIns="0" bIns="0"/>
-          <a:p>
-            <a:endParaRPr b="0" lang="en-US" sz="2200" spc="-1" strike="noStrike">
-              <a:solidFill>
-                <a:srgbClr val="000000"/>
-              </a:solidFill>
-              <a:latin typeface="Source Sans Pro"/>
-            </a:endParaRPr>
-          </a:p>
-        </p:txBody>
-      </p:sp>
-      <p:sp>
-        <p:nvSpPr>
-          <p:cNvPr id="29" name="PlaceHolder 3"/>
+            <a:ext cx="9071280" cy="2091240"/>
+          </a:xfrm>
+          <a:prstGeom prst="rect">
+            <a:avLst/>
+          </a:prstGeom>
+        </p:spPr>
+        <p:txBody>
+          <a:bodyPr lIns="0" rIns="0" tIns="0" bIns="0">
+            <a:normAutofit/>
+          </a:bodyPr>
+          <a:p>
+            <a:endParaRPr b="0" lang="en-US" sz="3200" spc="-1" strike="noStrike">
+              <a:latin typeface="Arial"/>
+            </a:endParaRPr>
+          </a:p>
+        </p:txBody>
+      </p:sp>
+      <p:sp>
+        <p:nvSpPr>
+          <p:cNvPr id="26" name="PlaceHolder 3"/>
           <p:cNvSpPr>
             <a:spLocks noGrp="1"/>
           </p:cNvSpPr>
@@ -149,20 +147,19 @@
         <p:spPr>
           <a:xfrm>
             <a:off x="504000" y="4563360"/>
-            <a:ext cx="9071640" cy="2091240"/>
-          </a:xfrm>
-          <a:prstGeom prst="rect">
-            <a:avLst/>
-          </a:prstGeom>
-        </p:spPr>
-        <p:txBody>
-          <a:bodyPr lIns="0" rIns="0" tIns="0" bIns="0"/>
-          <a:p>
-            <a:endParaRPr b="0" lang="en-US" sz="2200" spc="-1" strike="noStrike">
-              <a:solidFill>
-                <a:srgbClr val="000000"/>
-              </a:solidFill>
-              <a:latin typeface="Source Sans Pro"/>
+            <a:ext cx="9071280" cy="2091240"/>
+          </a:xfrm>
+          <a:prstGeom prst="rect">
+            <a:avLst/>
+          </a:prstGeom>
+        </p:spPr>
+        <p:txBody>
+          <a:bodyPr lIns="0" rIns="0" tIns="0" bIns="0">
+            <a:normAutofit/>
+          </a:bodyPr>
+          <a:p>
+            <a:endParaRPr b="0" lang="en-US" sz="3200" spc="-1" strike="noStrike">
+              <a:latin typeface="Arial"/>
             </a:endParaRPr>
           </a:p>
         </p:txBody>
@@ -191,7 +188,7 @@
       </p:grpSpPr>
       <p:sp>
         <p:nvSpPr>
-          <p:cNvPr id="30" name="PlaceHolder 1"/>
+          <p:cNvPr id="27" name="PlaceHolder 1"/>
           <p:cNvSpPr>
             <a:spLocks noGrp="1"/>
           </p:cNvSpPr>
@@ -202,7 +199,7 @@
         <p:spPr>
           <a:xfrm>
             <a:off x="504000" y="805320"/>
-            <a:ext cx="9071640" cy="1262160"/>
+            <a:ext cx="9071280" cy="1261800"/>
           </a:xfrm>
           <a:prstGeom prst="rect">
             <a:avLst/>
@@ -211,18 +208,16 @@
         <p:txBody>
           <a:bodyPr lIns="0" rIns="0" tIns="0" bIns="0" anchor="ctr"/>
           <a:p>
-            <a:endParaRPr b="0" lang="en-US" sz="3200" spc="-1" strike="noStrike">
-              <a:solidFill>
-                <a:srgbClr val="3399ff"/>
-              </a:solidFill>
-              <a:latin typeface="Source Sans Pro"/>
-            </a:endParaRPr>
-          </a:p>
-        </p:txBody>
-      </p:sp>
-      <p:sp>
-        <p:nvSpPr>
-          <p:cNvPr id="31" name="PlaceHolder 2"/>
+            <a:pPr algn="ctr"/>
+            <a:endParaRPr b="0" lang="en-US" sz="4400" spc="-1" strike="noStrike">
+              <a:latin typeface="Arial"/>
+            </a:endParaRPr>
+          </a:p>
+        </p:txBody>
+      </p:sp>
+      <p:sp>
+        <p:nvSpPr>
+          <p:cNvPr id="28" name="PlaceHolder 2"/>
           <p:cNvSpPr>
             <a:spLocks noGrp="1"/>
           </p:cNvSpPr>
@@ -233,27 +228,26 @@
         <p:spPr>
           <a:xfrm>
             <a:off x="504000" y="2273040"/>
-            <a:ext cx="4426920" cy="2091240"/>
-          </a:xfrm>
-          <a:prstGeom prst="rect">
-            <a:avLst/>
-          </a:prstGeom>
-        </p:spPr>
-        <p:txBody>
-          <a:bodyPr lIns="0" rIns="0" tIns="0" bIns="0"/>
-          <a:p>
-            <a:endParaRPr b="0" lang="en-US" sz="2200" spc="-1" strike="noStrike">
-              <a:solidFill>
-                <a:srgbClr val="000000"/>
-              </a:solidFill>
-              <a:latin typeface="Source Sans Pro"/>
-            </a:endParaRPr>
-          </a:p>
-        </p:txBody>
-      </p:sp>
-      <p:sp>
-        <p:nvSpPr>
-          <p:cNvPr id="32" name="PlaceHolder 3"/>
+            <a:ext cx="4426560" cy="2091240"/>
+          </a:xfrm>
+          <a:prstGeom prst="rect">
+            <a:avLst/>
+          </a:prstGeom>
+        </p:spPr>
+        <p:txBody>
+          <a:bodyPr lIns="0" rIns="0" tIns="0" bIns="0">
+            <a:normAutofit/>
+          </a:bodyPr>
+          <a:p>
+            <a:endParaRPr b="0" lang="en-US" sz="3200" spc="-1" strike="noStrike">
+              <a:latin typeface="Arial"/>
+            </a:endParaRPr>
+          </a:p>
+        </p:txBody>
+      </p:sp>
+      <p:sp>
+        <p:nvSpPr>
+          <p:cNvPr id="29" name="PlaceHolder 3"/>
           <p:cNvSpPr>
             <a:spLocks noGrp="1"/>
           </p:cNvSpPr>
@@ -263,28 +257,27 @@
         </p:nvSpPr>
         <p:spPr>
           <a:xfrm>
-            <a:off x="5152680" y="2273040"/>
-            <a:ext cx="4426920" cy="2091240"/>
-          </a:xfrm>
-          <a:prstGeom prst="rect">
-            <a:avLst/>
-          </a:prstGeom>
-        </p:spPr>
-        <p:txBody>
-          <a:bodyPr lIns="0" rIns="0" tIns="0" bIns="0"/>
-          <a:p>
-            <a:endParaRPr b="0" lang="en-US" sz="2200" spc="-1" strike="noStrike">
-              <a:solidFill>
-                <a:srgbClr val="000000"/>
-              </a:solidFill>
-              <a:latin typeface="Source Sans Pro"/>
-            </a:endParaRPr>
-          </a:p>
-        </p:txBody>
-      </p:sp>
-      <p:sp>
-        <p:nvSpPr>
-          <p:cNvPr id="33" name="PlaceHolder 4"/>
+            <a:off x="5152320" y="2273040"/>
+            <a:ext cx="4426560" cy="2091240"/>
+          </a:xfrm>
+          <a:prstGeom prst="rect">
+            <a:avLst/>
+          </a:prstGeom>
+        </p:spPr>
+        <p:txBody>
+          <a:bodyPr lIns="0" rIns="0" tIns="0" bIns="0">
+            <a:normAutofit/>
+          </a:bodyPr>
+          <a:p>
+            <a:endParaRPr b="0" lang="en-US" sz="3200" spc="-1" strike="noStrike">
+              <a:latin typeface="Arial"/>
+            </a:endParaRPr>
+          </a:p>
+        </p:txBody>
+      </p:sp>
+      <p:sp>
+        <p:nvSpPr>
+          <p:cNvPr id="30" name="PlaceHolder 4"/>
           <p:cNvSpPr>
             <a:spLocks noGrp="1"/>
           </p:cNvSpPr>
@@ -295,27 +288,26 @@
         <p:spPr>
           <a:xfrm>
             <a:off x="504000" y="4563360"/>
-            <a:ext cx="4426920" cy="2091240"/>
-          </a:xfrm>
-          <a:prstGeom prst="rect">
-            <a:avLst/>
-          </a:prstGeom>
-        </p:spPr>
-        <p:txBody>
-          <a:bodyPr lIns="0" rIns="0" tIns="0" bIns="0"/>
-          <a:p>
-            <a:endParaRPr b="0" lang="en-US" sz="2200" spc="-1" strike="noStrike">
-              <a:solidFill>
-                <a:srgbClr val="000000"/>
-              </a:solidFill>
-              <a:latin typeface="Source Sans Pro"/>
-            </a:endParaRPr>
-          </a:p>
-        </p:txBody>
-      </p:sp>
-      <p:sp>
-        <p:nvSpPr>
-          <p:cNvPr id="34" name="PlaceHolder 5"/>
+            <a:ext cx="4426560" cy="2091240"/>
+          </a:xfrm>
+          <a:prstGeom prst="rect">
+            <a:avLst/>
+          </a:prstGeom>
+        </p:spPr>
+        <p:txBody>
+          <a:bodyPr lIns="0" rIns="0" tIns="0" bIns="0">
+            <a:normAutofit/>
+          </a:bodyPr>
+          <a:p>
+            <a:endParaRPr b="0" lang="en-US" sz="3200" spc="-1" strike="noStrike">
+              <a:latin typeface="Arial"/>
+            </a:endParaRPr>
+          </a:p>
+        </p:txBody>
+      </p:sp>
+      <p:sp>
+        <p:nvSpPr>
+          <p:cNvPr id="31" name="PlaceHolder 5"/>
           <p:cNvSpPr>
             <a:spLocks noGrp="1"/>
           </p:cNvSpPr>
@@ -325,21 +317,20 @@
         </p:nvSpPr>
         <p:spPr>
           <a:xfrm>
-            <a:off x="5152680" y="4563360"/>
-            <a:ext cx="4426920" cy="2091240"/>
-          </a:xfrm>
-          <a:prstGeom prst="rect">
-            <a:avLst/>
-          </a:prstGeom>
-        </p:spPr>
-        <p:txBody>
-          <a:bodyPr lIns="0" rIns="0" tIns="0" bIns="0"/>
-          <a:p>
-            <a:endParaRPr b="0" lang="en-US" sz="2200" spc="-1" strike="noStrike">
-              <a:solidFill>
-                <a:srgbClr val="000000"/>
-              </a:solidFill>
-              <a:latin typeface="Source Sans Pro"/>
+            <a:off x="5152320" y="4563360"/>
+            <a:ext cx="4426560" cy="2091240"/>
+          </a:xfrm>
+          <a:prstGeom prst="rect">
+            <a:avLst/>
+          </a:prstGeom>
+        </p:spPr>
+        <p:txBody>
+          <a:bodyPr lIns="0" rIns="0" tIns="0" bIns="0">
+            <a:normAutofit/>
+          </a:bodyPr>
+          <a:p>
+            <a:endParaRPr b="0" lang="en-US" sz="3200" spc="-1" strike="noStrike">
+              <a:latin typeface="Arial"/>
             </a:endParaRPr>
           </a:p>
         </p:txBody>
@@ -368,7 +359,7 @@
       </p:grpSpPr>
       <p:sp>
         <p:nvSpPr>
-          <p:cNvPr id="35" name="PlaceHolder 1"/>
+          <p:cNvPr id="32" name="PlaceHolder 1"/>
           <p:cNvSpPr>
             <a:spLocks noGrp="1"/>
           </p:cNvSpPr>
@@ -379,7 +370,7 @@
         <p:spPr>
           <a:xfrm>
             <a:off x="504000" y="805320"/>
-            <a:ext cx="9071640" cy="1262160"/>
+            <a:ext cx="9071280" cy="1261800"/>
           </a:xfrm>
           <a:prstGeom prst="rect">
             <a:avLst/>
@@ -388,18 +379,16 @@
         <p:txBody>
           <a:bodyPr lIns="0" rIns="0" tIns="0" bIns="0" anchor="ctr"/>
           <a:p>
-            <a:endParaRPr b="0" lang="en-US" sz="3200" spc="-1" strike="noStrike">
-              <a:solidFill>
-                <a:srgbClr val="3399ff"/>
-              </a:solidFill>
-              <a:latin typeface="Source Sans Pro"/>
-            </a:endParaRPr>
-          </a:p>
-        </p:txBody>
-      </p:sp>
-      <p:sp>
-        <p:nvSpPr>
-          <p:cNvPr id="36" name="PlaceHolder 2"/>
+            <a:pPr algn="ctr"/>
+            <a:endParaRPr b="0" lang="en-US" sz="4400" spc="-1" strike="noStrike">
+              <a:latin typeface="Arial"/>
+            </a:endParaRPr>
+          </a:p>
+        </p:txBody>
+      </p:sp>
+      <p:sp>
+        <p:nvSpPr>
+          <p:cNvPr id="33" name="PlaceHolder 2"/>
           <p:cNvSpPr>
             <a:spLocks noGrp="1"/>
           </p:cNvSpPr>
@@ -417,20 +406,19 @@
           </a:prstGeom>
         </p:spPr>
         <p:txBody>
-          <a:bodyPr lIns="0" rIns="0" tIns="0" bIns="0"/>
-          <a:p>
-            <a:endParaRPr b="0" lang="en-US" sz="2200" spc="-1" strike="noStrike">
-              <a:solidFill>
-                <a:srgbClr val="000000"/>
-              </a:solidFill>
-              <a:latin typeface="Source Sans Pro"/>
-            </a:endParaRPr>
-          </a:p>
-        </p:txBody>
-      </p:sp>
-      <p:sp>
-        <p:nvSpPr>
-          <p:cNvPr id="37" name="PlaceHolder 3"/>
+          <a:bodyPr lIns="0" rIns="0" tIns="0" bIns="0">
+            <a:normAutofit/>
+          </a:bodyPr>
+          <a:p>
+            <a:endParaRPr b="0" lang="en-US" sz="3200" spc="-1" strike="noStrike">
+              <a:latin typeface="Arial"/>
+            </a:endParaRPr>
+          </a:p>
+        </p:txBody>
+      </p:sp>
+      <p:sp>
+        <p:nvSpPr>
+          <p:cNvPr id="34" name="PlaceHolder 3"/>
           <p:cNvSpPr>
             <a:spLocks noGrp="1"/>
           </p:cNvSpPr>
@@ -448,20 +436,19 @@
           </a:prstGeom>
         </p:spPr>
         <p:txBody>
-          <a:bodyPr lIns="0" rIns="0" tIns="0" bIns="0"/>
-          <a:p>
-            <a:endParaRPr b="0" lang="en-US" sz="2200" spc="-1" strike="noStrike">
-              <a:solidFill>
-                <a:srgbClr val="000000"/>
-              </a:solidFill>
-              <a:latin typeface="Source Sans Pro"/>
-            </a:endParaRPr>
-          </a:p>
-        </p:txBody>
-      </p:sp>
-      <p:sp>
-        <p:nvSpPr>
-          <p:cNvPr id="38" name="PlaceHolder 4"/>
+          <a:bodyPr lIns="0" rIns="0" tIns="0" bIns="0">
+            <a:normAutofit/>
+          </a:bodyPr>
+          <a:p>
+            <a:endParaRPr b="0" lang="en-US" sz="3200" spc="-1" strike="noStrike">
+              <a:latin typeface="Arial"/>
+            </a:endParaRPr>
+          </a:p>
+        </p:txBody>
+      </p:sp>
+      <p:sp>
+        <p:nvSpPr>
+          <p:cNvPr id="35" name="PlaceHolder 4"/>
           <p:cNvSpPr>
             <a:spLocks noGrp="1"/>
           </p:cNvSpPr>
@@ -479,20 +466,19 @@
           </a:prstGeom>
         </p:spPr>
         <p:txBody>
-          <a:bodyPr lIns="0" rIns="0" tIns="0" bIns="0"/>
-          <a:p>
-            <a:endParaRPr b="0" lang="en-US" sz="2200" spc="-1" strike="noStrike">
-              <a:solidFill>
-                <a:srgbClr val="000000"/>
-              </a:solidFill>
-              <a:latin typeface="Source Sans Pro"/>
-            </a:endParaRPr>
-          </a:p>
-        </p:txBody>
-      </p:sp>
-      <p:sp>
-        <p:nvSpPr>
-          <p:cNvPr id="39" name="PlaceHolder 5"/>
+          <a:bodyPr lIns="0" rIns="0" tIns="0" bIns="0">
+            <a:normAutofit/>
+          </a:bodyPr>
+          <a:p>
+            <a:endParaRPr b="0" lang="en-US" sz="3200" spc="-1" strike="noStrike">
+              <a:latin typeface="Arial"/>
+            </a:endParaRPr>
+          </a:p>
+        </p:txBody>
+      </p:sp>
+      <p:sp>
+        <p:nvSpPr>
+          <p:cNvPr id="36" name="PlaceHolder 5"/>
           <p:cNvSpPr>
             <a:spLocks noGrp="1"/>
           </p:cNvSpPr>
@@ -510,20 +496,19 @@
           </a:prstGeom>
         </p:spPr>
         <p:txBody>
-          <a:bodyPr lIns="0" rIns="0" tIns="0" bIns="0"/>
-          <a:p>
-            <a:endParaRPr b="0" lang="en-US" sz="2200" spc="-1" strike="noStrike">
-              <a:solidFill>
-                <a:srgbClr val="000000"/>
-              </a:solidFill>
-              <a:latin typeface="Source Sans Pro"/>
-            </a:endParaRPr>
-          </a:p>
-        </p:txBody>
-      </p:sp>
-      <p:sp>
-        <p:nvSpPr>
-          <p:cNvPr id="40" name="PlaceHolder 6"/>
+          <a:bodyPr lIns="0" rIns="0" tIns="0" bIns="0">
+            <a:normAutofit/>
+          </a:bodyPr>
+          <a:p>
+            <a:endParaRPr b="0" lang="en-US" sz="3200" spc="-1" strike="noStrike">
+              <a:latin typeface="Arial"/>
+            </a:endParaRPr>
+          </a:p>
+        </p:txBody>
+      </p:sp>
+      <p:sp>
+        <p:nvSpPr>
+          <p:cNvPr id="37" name="PlaceHolder 6"/>
           <p:cNvSpPr>
             <a:spLocks noGrp="1"/>
           </p:cNvSpPr>
@@ -541,20 +526,19 @@
           </a:prstGeom>
         </p:spPr>
         <p:txBody>
-          <a:bodyPr lIns="0" rIns="0" tIns="0" bIns="0"/>
-          <a:p>
-            <a:endParaRPr b="0" lang="en-US" sz="2200" spc="-1" strike="noStrike">
-              <a:solidFill>
-                <a:srgbClr val="000000"/>
-              </a:solidFill>
-              <a:latin typeface="Source Sans Pro"/>
-            </a:endParaRPr>
-          </a:p>
-        </p:txBody>
-      </p:sp>
-      <p:sp>
-        <p:nvSpPr>
-          <p:cNvPr id="41" name="PlaceHolder 7"/>
+          <a:bodyPr lIns="0" rIns="0" tIns="0" bIns="0">
+            <a:normAutofit/>
+          </a:bodyPr>
+          <a:p>
+            <a:endParaRPr b="0" lang="en-US" sz="3200" spc="-1" strike="noStrike">
+              <a:latin typeface="Arial"/>
+            </a:endParaRPr>
+          </a:p>
+        </p:txBody>
+      </p:sp>
+      <p:sp>
+        <p:nvSpPr>
+          <p:cNvPr id="38" name="PlaceHolder 7"/>
           <p:cNvSpPr>
             <a:spLocks noGrp="1"/>
           </p:cNvSpPr>
@@ -572,13 +556,12 @@
           </a:prstGeom>
         </p:spPr>
         <p:txBody>
-          <a:bodyPr lIns="0" rIns="0" tIns="0" bIns="0"/>
-          <a:p>
-            <a:endParaRPr b="0" lang="en-US" sz="2200" spc="-1" strike="noStrike">
-              <a:solidFill>
-                <a:srgbClr val="000000"/>
-              </a:solidFill>
-              <a:latin typeface="Source Sans Pro"/>
+          <a:bodyPr lIns="0" rIns="0" tIns="0" bIns="0">
+            <a:normAutofit/>
+          </a:bodyPr>
+          <a:p>
+            <a:endParaRPr b="0" lang="en-US" sz="3200" spc="-1" strike="noStrike">
+              <a:latin typeface="Arial"/>
             </a:endParaRPr>
           </a:p>
         </p:txBody>
@@ -629,7 +612,7 @@
       </p:grpSpPr>
       <p:sp>
         <p:nvSpPr>
-          <p:cNvPr id="48" name="PlaceHolder 1"/>
+          <p:cNvPr id="42" name="PlaceHolder 1"/>
           <p:cNvSpPr>
             <a:spLocks noGrp="1"/>
           </p:cNvSpPr>
@@ -640,7 +623,7 @@
         <p:spPr>
           <a:xfrm>
             <a:off x="504000" y="805320"/>
-            <a:ext cx="9071640" cy="1262160"/>
+            <a:ext cx="9071280" cy="1261800"/>
           </a:xfrm>
           <a:prstGeom prst="rect">
             <a:avLst/>
@@ -649,18 +632,16 @@
         <p:txBody>
           <a:bodyPr lIns="0" rIns="0" tIns="0" bIns="0" anchor="ctr"/>
           <a:p>
-            <a:endParaRPr b="0" lang="en-US" sz="3200" spc="-1" strike="noStrike">
-              <a:solidFill>
-                <a:srgbClr val="3399ff"/>
-              </a:solidFill>
-              <a:latin typeface="Source Sans Pro"/>
-            </a:endParaRPr>
-          </a:p>
-        </p:txBody>
-      </p:sp>
-      <p:sp>
-        <p:nvSpPr>
-          <p:cNvPr id="49" name="PlaceHolder 2"/>
+            <a:pPr algn="ctr"/>
+            <a:endParaRPr b="0" lang="en-US" sz="4400" spc="-1" strike="noStrike">
+              <a:latin typeface="Arial"/>
+            </a:endParaRPr>
+          </a:p>
+        </p:txBody>
+      </p:sp>
+      <p:sp>
+        <p:nvSpPr>
+          <p:cNvPr id="43" name="PlaceHolder 2"/>
           <p:cNvSpPr>
             <a:spLocks noGrp="1"/>
           </p:cNvSpPr>
@@ -671,7 +652,7 @@
         <p:spPr>
           <a:xfrm>
             <a:off x="504000" y="2273040"/>
-            <a:ext cx="9071640" cy="4384800"/>
+            <a:ext cx="9071280" cy="4384440"/>
           </a:xfrm>
           <a:prstGeom prst="rect">
             <a:avLst/>
@@ -682,7 +663,7 @@
           <a:p>
             <a:pPr algn="ctr"/>
             <a:endParaRPr b="0" lang="en-US" sz="3200" spc="-1" strike="noStrike">
-              <a:latin typeface="Source Sans Pro"/>
+              <a:latin typeface="Arial"/>
             </a:endParaRPr>
           </a:p>
         </p:txBody>
@@ -711,7 +692,7 @@
       </p:grpSpPr>
       <p:sp>
         <p:nvSpPr>
-          <p:cNvPr id="50" name="PlaceHolder 1"/>
+          <p:cNvPr id="44" name="PlaceHolder 1"/>
           <p:cNvSpPr>
             <a:spLocks noGrp="1"/>
           </p:cNvSpPr>
@@ -722,7 +703,7 @@
         <p:spPr>
           <a:xfrm>
             <a:off x="504000" y="805320"/>
-            <a:ext cx="9071640" cy="1262160"/>
+            <a:ext cx="9071280" cy="1261800"/>
           </a:xfrm>
           <a:prstGeom prst="rect">
             <a:avLst/>
@@ -731,18 +712,16 @@
         <p:txBody>
           <a:bodyPr lIns="0" rIns="0" tIns="0" bIns="0" anchor="ctr"/>
           <a:p>
-            <a:endParaRPr b="0" lang="en-US" sz="3200" spc="-1" strike="noStrike">
-              <a:solidFill>
-                <a:srgbClr val="3399ff"/>
-              </a:solidFill>
-              <a:latin typeface="Source Sans Pro"/>
-            </a:endParaRPr>
-          </a:p>
-        </p:txBody>
-      </p:sp>
-      <p:sp>
-        <p:nvSpPr>
-          <p:cNvPr id="51" name="PlaceHolder 2"/>
+            <a:pPr algn="ctr"/>
+            <a:endParaRPr b="0" lang="en-US" sz="4400" spc="-1" strike="noStrike">
+              <a:latin typeface="Arial"/>
+            </a:endParaRPr>
+          </a:p>
+        </p:txBody>
+      </p:sp>
+      <p:sp>
+        <p:nvSpPr>
+          <p:cNvPr id="45" name="PlaceHolder 2"/>
           <p:cNvSpPr>
             <a:spLocks noGrp="1"/>
           </p:cNvSpPr>
@@ -753,20 +732,19 @@
         <p:spPr>
           <a:xfrm>
             <a:off x="504000" y="2273040"/>
-            <a:ext cx="9071640" cy="4384800"/>
-          </a:xfrm>
-          <a:prstGeom prst="rect">
-            <a:avLst/>
-          </a:prstGeom>
-        </p:spPr>
-        <p:txBody>
-          <a:bodyPr lIns="0" rIns="0" tIns="0" bIns="0"/>
-          <a:p>
-            <a:endParaRPr b="0" lang="en-US" sz="2200" spc="-1" strike="noStrike">
-              <a:solidFill>
-                <a:srgbClr val="000000"/>
-              </a:solidFill>
-              <a:latin typeface="Source Sans Pro"/>
+            <a:ext cx="9071280" cy="4384440"/>
+          </a:xfrm>
+          <a:prstGeom prst="rect">
+            <a:avLst/>
+          </a:prstGeom>
+        </p:spPr>
+        <p:txBody>
+          <a:bodyPr lIns="0" rIns="0" tIns="0" bIns="0">
+            <a:normAutofit/>
+          </a:bodyPr>
+          <a:p>
+            <a:endParaRPr b="0" lang="en-US" sz="3200" spc="-1" strike="noStrike">
+              <a:latin typeface="Arial"/>
             </a:endParaRPr>
           </a:p>
         </p:txBody>
@@ -795,7 +773,7 @@
       </p:grpSpPr>
       <p:sp>
         <p:nvSpPr>
-          <p:cNvPr id="52" name="PlaceHolder 1"/>
+          <p:cNvPr id="46" name="PlaceHolder 1"/>
           <p:cNvSpPr>
             <a:spLocks noGrp="1"/>
           </p:cNvSpPr>
@@ -806,7 +784,7 @@
         <p:spPr>
           <a:xfrm>
             <a:off x="504000" y="805320"/>
-            <a:ext cx="9071640" cy="1262160"/>
+            <a:ext cx="9071280" cy="1261800"/>
           </a:xfrm>
           <a:prstGeom prst="rect">
             <a:avLst/>
@@ -815,18 +793,16 @@
         <p:txBody>
           <a:bodyPr lIns="0" rIns="0" tIns="0" bIns="0" anchor="ctr"/>
           <a:p>
-            <a:endParaRPr b="0" lang="en-US" sz="3200" spc="-1" strike="noStrike">
-              <a:solidFill>
-                <a:srgbClr val="3399ff"/>
-              </a:solidFill>
-              <a:latin typeface="Source Sans Pro"/>
-            </a:endParaRPr>
-          </a:p>
-        </p:txBody>
-      </p:sp>
-      <p:sp>
-        <p:nvSpPr>
-          <p:cNvPr id="53" name="PlaceHolder 2"/>
+            <a:pPr algn="ctr"/>
+            <a:endParaRPr b="0" lang="en-US" sz="4400" spc="-1" strike="noStrike">
+              <a:latin typeface="Arial"/>
+            </a:endParaRPr>
+          </a:p>
+        </p:txBody>
+      </p:sp>
+      <p:sp>
+        <p:nvSpPr>
+          <p:cNvPr id="47" name="PlaceHolder 2"/>
           <p:cNvSpPr>
             <a:spLocks noGrp="1"/>
           </p:cNvSpPr>
@@ -837,27 +813,26 @@
         <p:spPr>
           <a:xfrm>
             <a:off x="504000" y="2273040"/>
-            <a:ext cx="4426920" cy="4384800"/>
-          </a:xfrm>
-          <a:prstGeom prst="rect">
-            <a:avLst/>
-          </a:prstGeom>
-        </p:spPr>
-        <p:txBody>
-          <a:bodyPr lIns="0" rIns="0" tIns="0" bIns="0"/>
-          <a:p>
-            <a:endParaRPr b="0" lang="en-US" sz="2200" spc="-1" strike="noStrike">
-              <a:solidFill>
-                <a:srgbClr val="000000"/>
-              </a:solidFill>
-              <a:latin typeface="Source Sans Pro"/>
-            </a:endParaRPr>
-          </a:p>
-        </p:txBody>
-      </p:sp>
-      <p:sp>
-        <p:nvSpPr>
-          <p:cNvPr id="54" name="PlaceHolder 3"/>
+            <a:ext cx="4426560" cy="4384440"/>
+          </a:xfrm>
+          <a:prstGeom prst="rect">
+            <a:avLst/>
+          </a:prstGeom>
+        </p:spPr>
+        <p:txBody>
+          <a:bodyPr lIns="0" rIns="0" tIns="0" bIns="0">
+            <a:normAutofit/>
+          </a:bodyPr>
+          <a:p>
+            <a:endParaRPr b="0" lang="en-US" sz="3200" spc="-1" strike="noStrike">
+              <a:latin typeface="Arial"/>
+            </a:endParaRPr>
+          </a:p>
+        </p:txBody>
+      </p:sp>
+      <p:sp>
+        <p:nvSpPr>
+          <p:cNvPr id="48" name="PlaceHolder 3"/>
           <p:cNvSpPr>
             <a:spLocks noGrp="1"/>
           </p:cNvSpPr>
@@ -867,21 +842,20 @@
         </p:nvSpPr>
         <p:spPr>
           <a:xfrm>
-            <a:off x="5152680" y="2273040"/>
-            <a:ext cx="4426920" cy="4384800"/>
-          </a:xfrm>
-          <a:prstGeom prst="rect">
-            <a:avLst/>
-          </a:prstGeom>
-        </p:spPr>
-        <p:txBody>
-          <a:bodyPr lIns="0" rIns="0" tIns="0" bIns="0"/>
-          <a:p>
-            <a:endParaRPr b="0" lang="en-US" sz="2200" spc="-1" strike="noStrike">
-              <a:solidFill>
-                <a:srgbClr val="000000"/>
-              </a:solidFill>
-              <a:latin typeface="Source Sans Pro"/>
+            <a:off x="5152320" y="2273040"/>
+            <a:ext cx="4426560" cy="4384440"/>
+          </a:xfrm>
+          <a:prstGeom prst="rect">
+            <a:avLst/>
+          </a:prstGeom>
+        </p:spPr>
+        <p:txBody>
+          <a:bodyPr lIns="0" rIns="0" tIns="0" bIns="0">
+            <a:normAutofit/>
+          </a:bodyPr>
+          <a:p>
+            <a:endParaRPr b="0" lang="en-US" sz="3200" spc="-1" strike="noStrike">
+              <a:latin typeface="Arial"/>
             </a:endParaRPr>
           </a:p>
         </p:txBody>
@@ -910,7 +884,7 @@
       </p:grpSpPr>
       <p:sp>
         <p:nvSpPr>
-          <p:cNvPr id="55" name="PlaceHolder 1"/>
+          <p:cNvPr id="49" name="PlaceHolder 1"/>
           <p:cNvSpPr>
             <a:spLocks noGrp="1"/>
           </p:cNvSpPr>
@@ -921,7 +895,7 @@
         <p:spPr>
           <a:xfrm>
             <a:off x="504000" y="805320"/>
-            <a:ext cx="9071640" cy="1262160"/>
+            <a:ext cx="9071280" cy="1261800"/>
           </a:xfrm>
           <a:prstGeom prst="rect">
             <a:avLst/>
@@ -930,11 +904,9 @@
         <p:txBody>
           <a:bodyPr lIns="0" rIns="0" tIns="0" bIns="0" anchor="ctr"/>
           <a:p>
-            <a:endParaRPr b="0" lang="en-US" sz="3200" spc="-1" strike="noStrike">
-              <a:solidFill>
-                <a:srgbClr val="3399ff"/>
-              </a:solidFill>
-              <a:latin typeface="Source Sans Pro"/>
+            <a:pPr algn="ctr"/>
+            <a:endParaRPr b="0" lang="en-US" sz="4400" spc="-1" strike="noStrike">
+              <a:latin typeface="Arial"/>
             </a:endParaRPr>
           </a:p>
         </p:txBody>
@@ -963,7 +935,7 @@
       </p:grpSpPr>
       <p:sp>
         <p:nvSpPr>
-          <p:cNvPr id="56" name="PlaceHolder 1"/>
+          <p:cNvPr id="50" name="PlaceHolder 1"/>
           <p:cNvSpPr>
             <a:spLocks noGrp="1"/>
           </p:cNvSpPr>
@@ -974,7 +946,7 @@
         <p:spPr>
           <a:xfrm>
             <a:off x="504000" y="805320"/>
-            <a:ext cx="9071640" cy="5851800"/>
+            <a:ext cx="9071280" cy="5850360"/>
           </a:xfrm>
           <a:prstGeom prst="rect">
             <a:avLst/>
@@ -985,7 +957,7 @@
           <a:p>
             <a:pPr algn="ctr"/>
             <a:endParaRPr b="0" lang="en-US" sz="3200" spc="-1" strike="noStrike">
-              <a:latin typeface="Source Sans Pro"/>
+              <a:latin typeface="Arial"/>
             </a:endParaRPr>
           </a:p>
         </p:txBody>
@@ -1014,7 +986,7 @@
       </p:grpSpPr>
       <p:sp>
         <p:nvSpPr>
-          <p:cNvPr id="57" name="PlaceHolder 1"/>
+          <p:cNvPr id="51" name="PlaceHolder 1"/>
           <p:cNvSpPr>
             <a:spLocks noGrp="1"/>
           </p:cNvSpPr>
@@ -1025,7 +997,7 @@
         <p:spPr>
           <a:xfrm>
             <a:off x="504000" y="805320"/>
-            <a:ext cx="9071640" cy="1262160"/>
+            <a:ext cx="9071280" cy="1261800"/>
           </a:xfrm>
           <a:prstGeom prst="rect">
             <a:avLst/>
@@ -1034,18 +1006,16 @@
         <p:txBody>
           <a:bodyPr lIns="0" rIns="0" tIns="0" bIns="0" anchor="ctr"/>
           <a:p>
-            <a:endParaRPr b="0" lang="en-US" sz="3200" spc="-1" strike="noStrike">
-              <a:solidFill>
-                <a:srgbClr val="3399ff"/>
-              </a:solidFill>
-              <a:latin typeface="Source Sans Pro"/>
-            </a:endParaRPr>
-          </a:p>
-        </p:txBody>
-      </p:sp>
-      <p:sp>
-        <p:nvSpPr>
-          <p:cNvPr id="58" name="PlaceHolder 2"/>
+            <a:pPr algn="ctr"/>
+            <a:endParaRPr b="0" lang="en-US" sz="4400" spc="-1" strike="noStrike">
+              <a:latin typeface="Arial"/>
+            </a:endParaRPr>
+          </a:p>
+        </p:txBody>
+      </p:sp>
+      <p:sp>
+        <p:nvSpPr>
+          <p:cNvPr id="52" name="PlaceHolder 2"/>
           <p:cNvSpPr>
             <a:spLocks noGrp="1"/>
           </p:cNvSpPr>
@@ -1056,27 +1026,26 @@
         <p:spPr>
           <a:xfrm>
             <a:off x="504000" y="2273040"/>
-            <a:ext cx="4426920" cy="2091240"/>
-          </a:xfrm>
-          <a:prstGeom prst="rect">
-            <a:avLst/>
-          </a:prstGeom>
-        </p:spPr>
-        <p:txBody>
-          <a:bodyPr lIns="0" rIns="0" tIns="0" bIns="0"/>
-          <a:p>
-            <a:endParaRPr b="0" lang="en-US" sz="2200" spc="-1" strike="noStrike">
-              <a:solidFill>
-                <a:srgbClr val="000000"/>
-              </a:solidFill>
-              <a:latin typeface="Source Sans Pro"/>
-            </a:endParaRPr>
-          </a:p>
-        </p:txBody>
-      </p:sp>
-      <p:sp>
-        <p:nvSpPr>
-          <p:cNvPr id="59" name="PlaceHolder 3"/>
+            <a:ext cx="4426560" cy="2091240"/>
+          </a:xfrm>
+          <a:prstGeom prst="rect">
+            <a:avLst/>
+          </a:prstGeom>
+        </p:spPr>
+        <p:txBody>
+          <a:bodyPr lIns="0" rIns="0" tIns="0" bIns="0">
+            <a:normAutofit/>
+          </a:bodyPr>
+          <a:p>
+            <a:endParaRPr b="0" lang="en-US" sz="3200" spc="-1" strike="noStrike">
+              <a:latin typeface="Arial"/>
+            </a:endParaRPr>
+          </a:p>
+        </p:txBody>
+      </p:sp>
+      <p:sp>
+        <p:nvSpPr>
+          <p:cNvPr id="53" name="PlaceHolder 3"/>
           <p:cNvSpPr>
             <a:spLocks noGrp="1"/>
           </p:cNvSpPr>
@@ -1086,28 +1055,27 @@
         </p:nvSpPr>
         <p:spPr>
           <a:xfrm>
-            <a:off x="5152680" y="2273040"/>
-            <a:ext cx="4426920" cy="4384800"/>
-          </a:xfrm>
-          <a:prstGeom prst="rect">
-            <a:avLst/>
-          </a:prstGeom>
-        </p:spPr>
-        <p:txBody>
-          <a:bodyPr lIns="0" rIns="0" tIns="0" bIns="0"/>
-          <a:p>
-            <a:endParaRPr b="0" lang="en-US" sz="2200" spc="-1" strike="noStrike">
-              <a:solidFill>
-                <a:srgbClr val="000000"/>
-              </a:solidFill>
-              <a:latin typeface="Source Sans Pro"/>
-            </a:endParaRPr>
-          </a:p>
-        </p:txBody>
-      </p:sp>
-      <p:sp>
-        <p:nvSpPr>
-          <p:cNvPr id="60" name="PlaceHolder 4"/>
+            <a:off x="5152320" y="2273040"/>
+            <a:ext cx="4426560" cy="4384440"/>
+          </a:xfrm>
+          <a:prstGeom prst="rect">
+            <a:avLst/>
+          </a:prstGeom>
+        </p:spPr>
+        <p:txBody>
+          <a:bodyPr lIns="0" rIns="0" tIns="0" bIns="0">
+            <a:normAutofit/>
+          </a:bodyPr>
+          <a:p>
+            <a:endParaRPr b="0" lang="en-US" sz="3200" spc="-1" strike="noStrike">
+              <a:latin typeface="Arial"/>
+            </a:endParaRPr>
+          </a:p>
+        </p:txBody>
+      </p:sp>
+      <p:sp>
+        <p:nvSpPr>
+          <p:cNvPr id="54" name="PlaceHolder 4"/>
           <p:cNvSpPr>
             <a:spLocks noGrp="1"/>
           </p:cNvSpPr>
@@ -1118,20 +1086,19 @@
         <p:spPr>
           <a:xfrm>
             <a:off x="504000" y="4563360"/>
-            <a:ext cx="4426920" cy="2091240"/>
-          </a:xfrm>
-          <a:prstGeom prst="rect">
-            <a:avLst/>
-          </a:prstGeom>
-        </p:spPr>
-        <p:txBody>
-          <a:bodyPr lIns="0" rIns="0" tIns="0" bIns="0"/>
-          <a:p>
-            <a:endParaRPr b="0" lang="en-US" sz="2200" spc="-1" strike="noStrike">
-              <a:solidFill>
-                <a:srgbClr val="000000"/>
-              </a:solidFill>
-              <a:latin typeface="Source Sans Pro"/>
+            <a:ext cx="4426560" cy="2091240"/>
+          </a:xfrm>
+          <a:prstGeom prst="rect">
+            <a:avLst/>
+          </a:prstGeom>
+        </p:spPr>
+        <p:txBody>
+          <a:bodyPr lIns="0" rIns="0" tIns="0" bIns="0">
+            <a:normAutofit/>
+          </a:bodyPr>
+          <a:p>
+            <a:endParaRPr b="0" lang="en-US" sz="3200" spc="-1" strike="noStrike">
+              <a:latin typeface="Arial"/>
             </a:endParaRPr>
           </a:p>
         </p:txBody>
@@ -1160,7 +1127,7 @@
       </p:grpSpPr>
       <p:sp>
         <p:nvSpPr>
-          <p:cNvPr id="6" name="PlaceHolder 1"/>
+          <p:cNvPr id="3" name="PlaceHolder 1"/>
           <p:cNvSpPr>
             <a:spLocks noGrp="1"/>
           </p:cNvSpPr>
@@ -1171,7 +1138,7 @@
         <p:spPr>
           <a:xfrm>
             <a:off x="504000" y="805320"/>
-            <a:ext cx="9071640" cy="1262160"/>
+            <a:ext cx="9071280" cy="1261800"/>
           </a:xfrm>
           <a:prstGeom prst="rect">
             <a:avLst/>
@@ -1180,18 +1147,16 @@
         <p:txBody>
           <a:bodyPr lIns="0" rIns="0" tIns="0" bIns="0" anchor="ctr"/>
           <a:p>
-            <a:endParaRPr b="0" lang="en-US" sz="3200" spc="-1" strike="noStrike">
-              <a:solidFill>
-                <a:srgbClr val="3399ff"/>
-              </a:solidFill>
-              <a:latin typeface="Source Sans Pro"/>
-            </a:endParaRPr>
-          </a:p>
-        </p:txBody>
-      </p:sp>
-      <p:sp>
-        <p:nvSpPr>
-          <p:cNvPr id="7" name="PlaceHolder 2"/>
+            <a:pPr algn="ctr"/>
+            <a:endParaRPr b="0" lang="en-US" sz="4400" spc="-1" strike="noStrike">
+              <a:latin typeface="Arial"/>
+            </a:endParaRPr>
+          </a:p>
+        </p:txBody>
+      </p:sp>
+      <p:sp>
+        <p:nvSpPr>
+          <p:cNvPr id="4" name="PlaceHolder 2"/>
           <p:cNvSpPr>
             <a:spLocks noGrp="1"/>
           </p:cNvSpPr>
@@ -1202,7 +1167,7 @@
         <p:spPr>
           <a:xfrm>
             <a:off x="504000" y="2273040"/>
-            <a:ext cx="9071640" cy="4384800"/>
+            <a:ext cx="9071280" cy="4384440"/>
           </a:xfrm>
           <a:prstGeom prst="rect">
             <a:avLst/>
@@ -1213,7 +1178,7 @@
           <a:p>
             <a:pPr algn="ctr"/>
             <a:endParaRPr b="0" lang="en-US" sz="3200" spc="-1" strike="noStrike">
-              <a:latin typeface="Source Sans Pro"/>
+              <a:latin typeface="Arial"/>
             </a:endParaRPr>
           </a:p>
         </p:txBody>
@@ -1242,7 +1207,7 @@
       </p:grpSpPr>
       <p:sp>
         <p:nvSpPr>
-          <p:cNvPr id="61" name="PlaceHolder 1"/>
+          <p:cNvPr id="55" name="PlaceHolder 1"/>
           <p:cNvSpPr>
             <a:spLocks noGrp="1"/>
           </p:cNvSpPr>
@@ -1253,7 +1218,7 @@
         <p:spPr>
           <a:xfrm>
             <a:off x="504000" y="805320"/>
-            <a:ext cx="9071640" cy="1262160"/>
+            <a:ext cx="9071280" cy="1261800"/>
           </a:xfrm>
           <a:prstGeom prst="rect">
             <a:avLst/>
@@ -1262,18 +1227,16 @@
         <p:txBody>
           <a:bodyPr lIns="0" rIns="0" tIns="0" bIns="0" anchor="ctr"/>
           <a:p>
-            <a:endParaRPr b="0" lang="en-US" sz="3200" spc="-1" strike="noStrike">
-              <a:solidFill>
-                <a:srgbClr val="3399ff"/>
-              </a:solidFill>
-              <a:latin typeface="Source Sans Pro"/>
-            </a:endParaRPr>
-          </a:p>
-        </p:txBody>
-      </p:sp>
-      <p:sp>
-        <p:nvSpPr>
-          <p:cNvPr id="62" name="PlaceHolder 2"/>
+            <a:pPr algn="ctr"/>
+            <a:endParaRPr b="0" lang="en-US" sz="4400" spc="-1" strike="noStrike">
+              <a:latin typeface="Arial"/>
+            </a:endParaRPr>
+          </a:p>
+        </p:txBody>
+      </p:sp>
+      <p:sp>
+        <p:nvSpPr>
+          <p:cNvPr id="56" name="PlaceHolder 2"/>
           <p:cNvSpPr>
             <a:spLocks noGrp="1"/>
           </p:cNvSpPr>
@@ -1284,27 +1247,26 @@
         <p:spPr>
           <a:xfrm>
             <a:off x="504000" y="2273040"/>
-            <a:ext cx="4426920" cy="4384800"/>
-          </a:xfrm>
-          <a:prstGeom prst="rect">
-            <a:avLst/>
-          </a:prstGeom>
-        </p:spPr>
-        <p:txBody>
-          <a:bodyPr lIns="0" rIns="0" tIns="0" bIns="0"/>
-          <a:p>
-            <a:endParaRPr b="0" lang="en-US" sz="2200" spc="-1" strike="noStrike">
-              <a:solidFill>
-                <a:srgbClr val="000000"/>
-              </a:solidFill>
-              <a:latin typeface="Source Sans Pro"/>
-            </a:endParaRPr>
-          </a:p>
-        </p:txBody>
-      </p:sp>
-      <p:sp>
-        <p:nvSpPr>
-          <p:cNvPr id="63" name="PlaceHolder 3"/>
+            <a:ext cx="4426560" cy="4384440"/>
+          </a:xfrm>
+          <a:prstGeom prst="rect">
+            <a:avLst/>
+          </a:prstGeom>
+        </p:spPr>
+        <p:txBody>
+          <a:bodyPr lIns="0" rIns="0" tIns="0" bIns="0">
+            <a:normAutofit/>
+          </a:bodyPr>
+          <a:p>
+            <a:endParaRPr b="0" lang="en-US" sz="3200" spc="-1" strike="noStrike">
+              <a:latin typeface="Arial"/>
+            </a:endParaRPr>
+          </a:p>
+        </p:txBody>
+      </p:sp>
+      <p:sp>
+        <p:nvSpPr>
+          <p:cNvPr id="57" name="PlaceHolder 3"/>
           <p:cNvSpPr>
             <a:spLocks noGrp="1"/>
           </p:cNvSpPr>
@@ -1314,28 +1276,27 @@
         </p:nvSpPr>
         <p:spPr>
           <a:xfrm>
-            <a:off x="5152680" y="2273040"/>
-            <a:ext cx="4426920" cy="2091240"/>
-          </a:xfrm>
-          <a:prstGeom prst="rect">
-            <a:avLst/>
-          </a:prstGeom>
-        </p:spPr>
-        <p:txBody>
-          <a:bodyPr lIns="0" rIns="0" tIns="0" bIns="0"/>
-          <a:p>
-            <a:endParaRPr b="0" lang="en-US" sz="2200" spc="-1" strike="noStrike">
-              <a:solidFill>
-                <a:srgbClr val="000000"/>
-              </a:solidFill>
-              <a:latin typeface="Source Sans Pro"/>
-            </a:endParaRPr>
-          </a:p>
-        </p:txBody>
-      </p:sp>
-      <p:sp>
-        <p:nvSpPr>
-          <p:cNvPr id="64" name="PlaceHolder 4"/>
+            <a:off x="5152320" y="2273040"/>
+            <a:ext cx="4426560" cy="2091240"/>
+          </a:xfrm>
+          <a:prstGeom prst="rect">
+            <a:avLst/>
+          </a:prstGeom>
+        </p:spPr>
+        <p:txBody>
+          <a:bodyPr lIns="0" rIns="0" tIns="0" bIns="0">
+            <a:normAutofit/>
+          </a:bodyPr>
+          <a:p>
+            <a:endParaRPr b="0" lang="en-US" sz="3200" spc="-1" strike="noStrike">
+              <a:latin typeface="Arial"/>
+            </a:endParaRPr>
+          </a:p>
+        </p:txBody>
+      </p:sp>
+      <p:sp>
+        <p:nvSpPr>
+          <p:cNvPr id="58" name="PlaceHolder 4"/>
           <p:cNvSpPr>
             <a:spLocks noGrp="1"/>
           </p:cNvSpPr>
@@ -1345,21 +1306,20 @@
         </p:nvSpPr>
         <p:spPr>
           <a:xfrm>
-            <a:off x="5152680" y="4563360"/>
-            <a:ext cx="4426920" cy="2091240"/>
-          </a:xfrm>
-          <a:prstGeom prst="rect">
-            <a:avLst/>
-          </a:prstGeom>
-        </p:spPr>
-        <p:txBody>
-          <a:bodyPr lIns="0" rIns="0" tIns="0" bIns="0"/>
-          <a:p>
-            <a:endParaRPr b="0" lang="en-US" sz="2200" spc="-1" strike="noStrike">
-              <a:solidFill>
-                <a:srgbClr val="000000"/>
-              </a:solidFill>
-              <a:latin typeface="Source Sans Pro"/>
+            <a:off x="5152320" y="4563360"/>
+            <a:ext cx="4426560" cy="2091240"/>
+          </a:xfrm>
+          <a:prstGeom prst="rect">
+            <a:avLst/>
+          </a:prstGeom>
+        </p:spPr>
+        <p:txBody>
+          <a:bodyPr lIns="0" rIns="0" tIns="0" bIns="0">
+            <a:normAutofit/>
+          </a:bodyPr>
+          <a:p>
+            <a:endParaRPr b="0" lang="en-US" sz="3200" spc="-1" strike="noStrike">
+              <a:latin typeface="Arial"/>
             </a:endParaRPr>
           </a:p>
         </p:txBody>
@@ -1388,7 +1348,7 @@
       </p:grpSpPr>
       <p:sp>
         <p:nvSpPr>
-          <p:cNvPr id="65" name="PlaceHolder 1"/>
+          <p:cNvPr id="59" name="PlaceHolder 1"/>
           <p:cNvSpPr>
             <a:spLocks noGrp="1"/>
           </p:cNvSpPr>
@@ -1399,7 +1359,7 @@
         <p:spPr>
           <a:xfrm>
             <a:off x="504000" y="805320"/>
-            <a:ext cx="9071640" cy="1262160"/>
+            <a:ext cx="9071280" cy="1261800"/>
           </a:xfrm>
           <a:prstGeom prst="rect">
             <a:avLst/>
@@ -1408,18 +1368,16 @@
         <p:txBody>
           <a:bodyPr lIns="0" rIns="0" tIns="0" bIns="0" anchor="ctr"/>
           <a:p>
-            <a:endParaRPr b="0" lang="en-US" sz="3200" spc="-1" strike="noStrike">
-              <a:solidFill>
-                <a:srgbClr val="3399ff"/>
-              </a:solidFill>
-              <a:latin typeface="Source Sans Pro"/>
-            </a:endParaRPr>
-          </a:p>
-        </p:txBody>
-      </p:sp>
-      <p:sp>
-        <p:nvSpPr>
-          <p:cNvPr id="66" name="PlaceHolder 2"/>
+            <a:pPr algn="ctr"/>
+            <a:endParaRPr b="0" lang="en-US" sz="4400" spc="-1" strike="noStrike">
+              <a:latin typeface="Arial"/>
+            </a:endParaRPr>
+          </a:p>
+        </p:txBody>
+      </p:sp>
+      <p:sp>
+        <p:nvSpPr>
+          <p:cNvPr id="60" name="PlaceHolder 2"/>
           <p:cNvSpPr>
             <a:spLocks noGrp="1"/>
           </p:cNvSpPr>
@@ -1430,27 +1388,26 @@
         <p:spPr>
           <a:xfrm>
             <a:off x="504000" y="2273040"/>
-            <a:ext cx="4426920" cy="2091240"/>
-          </a:xfrm>
-          <a:prstGeom prst="rect">
-            <a:avLst/>
-          </a:prstGeom>
-        </p:spPr>
-        <p:txBody>
-          <a:bodyPr lIns="0" rIns="0" tIns="0" bIns="0"/>
-          <a:p>
-            <a:endParaRPr b="0" lang="en-US" sz="2200" spc="-1" strike="noStrike">
-              <a:solidFill>
-                <a:srgbClr val="000000"/>
-              </a:solidFill>
-              <a:latin typeface="Source Sans Pro"/>
-            </a:endParaRPr>
-          </a:p>
-        </p:txBody>
-      </p:sp>
-      <p:sp>
-        <p:nvSpPr>
-          <p:cNvPr id="67" name="PlaceHolder 3"/>
+            <a:ext cx="4426560" cy="2091240"/>
+          </a:xfrm>
+          <a:prstGeom prst="rect">
+            <a:avLst/>
+          </a:prstGeom>
+        </p:spPr>
+        <p:txBody>
+          <a:bodyPr lIns="0" rIns="0" tIns="0" bIns="0">
+            <a:normAutofit/>
+          </a:bodyPr>
+          <a:p>
+            <a:endParaRPr b="0" lang="en-US" sz="3200" spc="-1" strike="noStrike">
+              <a:latin typeface="Arial"/>
+            </a:endParaRPr>
+          </a:p>
+        </p:txBody>
+      </p:sp>
+      <p:sp>
+        <p:nvSpPr>
+          <p:cNvPr id="61" name="PlaceHolder 3"/>
           <p:cNvSpPr>
             <a:spLocks noGrp="1"/>
           </p:cNvSpPr>
@@ -1460,28 +1417,27 @@
         </p:nvSpPr>
         <p:spPr>
           <a:xfrm>
-            <a:off x="5152680" y="2273040"/>
-            <a:ext cx="4426920" cy="2091240"/>
-          </a:xfrm>
-          <a:prstGeom prst="rect">
-            <a:avLst/>
-          </a:prstGeom>
-        </p:spPr>
-        <p:txBody>
-          <a:bodyPr lIns="0" rIns="0" tIns="0" bIns="0"/>
-          <a:p>
-            <a:endParaRPr b="0" lang="en-US" sz="2200" spc="-1" strike="noStrike">
-              <a:solidFill>
-                <a:srgbClr val="000000"/>
-              </a:solidFill>
-              <a:latin typeface="Source Sans Pro"/>
-            </a:endParaRPr>
-          </a:p>
-        </p:txBody>
-      </p:sp>
-      <p:sp>
-        <p:nvSpPr>
-          <p:cNvPr id="68" name="PlaceHolder 4"/>
+            <a:off x="5152320" y="2273040"/>
+            <a:ext cx="4426560" cy="2091240"/>
+          </a:xfrm>
+          <a:prstGeom prst="rect">
+            <a:avLst/>
+          </a:prstGeom>
+        </p:spPr>
+        <p:txBody>
+          <a:bodyPr lIns="0" rIns="0" tIns="0" bIns="0">
+            <a:normAutofit/>
+          </a:bodyPr>
+          <a:p>
+            <a:endParaRPr b="0" lang="en-US" sz="3200" spc="-1" strike="noStrike">
+              <a:latin typeface="Arial"/>
+            </a:endParaRPr>
+          </a:p>
+        </p:txBody>
+      </p:sp>
+      <p:sp>
+        <p:nvSpPr>
+          <p:cNvPr id="62" name="PlaceHolder 4"/>
           <p:cNvSpPr>
             <a:spLocks noGrp="1"/>
           </p:cNvSpPr>
@@ -1492,20 +1448,19 @@
         <p:spPr>
           <a:xfrm>
             <a:off x="504000" y="4563360"/>
-            <a:ext cx="9071640" cy="2091240"/>
-          </a:xfrm>
-          <a:prstGeom prst="rect">
-            <a:avLst/>
-          </a:prstGeom>
-        </p:spPr>
-        <p:txBody>
-          <a:bodyPr lIns="0" rIns="0" tIns="0" bIns="0"/>
-          <a:p>
-            <a:endParaRPr b="0" lang="en-US" sz="2200" spc="-1" strike="noStrike">
-              <a:solidFill>
-                <a:srgbClr val="000000"/>
-              </a:solidFill>
-              <a:latin typeface="Source Sans Pro"/>
+            <a:ext cx="9071280" cy="2091240"/>
+          </a:xfrm>
+          <a:prstGeom prst="rect">
+            <a:avLst/>
+          </a:prstGeom>
+        </p:spPr>
+        <p:txBody>
+          <a:bodyPr lIns="0" rIns="0" tIns="0" bIns="0">
+            <a:normAutofit/>
+          </a:bodyPr>
+          <a:p>
+            <a:endParaRPr b="0" lang="en-US" sz="3200" spc="-1" strike="noStrike">
+              <a:latin typeface="Arial"/>
             </a:endParaRPr>
           </a:p>
         </p:txBody>
@@ -1534,7 +1489,7 @@
       </p:grpSpPr>
       <p:sp>
         <p:nvSpPr>
-          <p:cNvPr id="69" name="PlaceHolder 1"/>
+          <p:cNvPr id="63" name="PlaceHolder 1"/>
           <p:cNvSpPr>
             <a:spLocks noGrp="1"/>
           </p:cNvSpPr>
@@ -1545,7 +1500,7 @@
         <p:spPr>
           <a:xfrm>
             <a:off x="504000" y="805320"/>
-            <a:ext cx="9071640" cy="1262160"/>
+            <a:ext cx="9071280" cy="1261800"/>
           </a:xfrm>
           <a:prstGeom prst="rect">
             <a:avLst/>
@@ -1554,18 +1509,16 @@
         <p:txBody>
           <a:bodyPr lIns="0" rIns="0" tIns="0" bIns="0" anchor="ctr"/>
           <a:p>
-            <a:endParaRPr b="0" lang="en-US" sz="3200" spc="-1" strike="noStrike">
-              <a:solidFill>
-                <a:srgbClr val="3399ff"/>
-              </a:solidFill>
-              <a:latin typeface="Source Sans Pro"/>
-            </a:endParaRPr>
-          </a:p>
-        </p:txBody>
-      </p:sp>
-      <p:sp>
-        <p:nvSpPr>
-          <p:cNvPr id="70" name="PlaceHolder 2"/>
+            <a:pPr algn="ctr"/>
+            <a:endParaRPr b="0" lang="en-US" sz="4400" spc="-1" strike="noStrike">
+              <a:latin typeface="Arial"/>
+            </a:endParaRPr>
+          </a:p>
+        </p:txBody>
+      </p:sp>
+      <p:sp>
+        <p:nvSpPr>
+          <p:cNvPr id="64" name="PlaceHolder 2"/>
           <p:cNvSpPr>
             <a:spLocks noGrp="1"/>
           </p:cNvSpPr>
@@ -1576,27 +1529,26 @@
         <p:spPr>
           <a:xfrm>
             <a:off x="504000" y="2273040"/>
-            <a:ext cx="9071640" cy="2091240"/>
-          </a:xfrm>
-          <a:prstGeom prst="rect">
-            <a:avLst/>
-          </a:prstGeom>
-        </p:spPr>
-        <p:txBody>
-          <a:bodyPr lIns="0" rIns="0" tIns="0" bIns="0"/>
-          <a:p>
-            <a:endParaRPr b="0" lang="en-US" sz="2200" spc="-1" strike="noStrike">
-              <a:solidFill>
-                <a:srgbClr val="000000"/>
-              </a:solidFill>
-              <a:latin typeface="Source Sans Pro"/>
-            </a:endParaRPr>
-          </a:p>
-        </p:txBody>
-      </p:sp>
-      <p:sp>
-        <p:nvSpPr>
-          <p:cNvPr id="71" name="PlaceHolder 3"/>
+            <a:ext cx="9071280" cy="2091240"/>
+          </a:xfrm>
+          <a:prstGeom prst="rect">
+            <a:avLst/>
+          </a:prstGeom>
+        </p:spPr>
+        <p:txBody>
+          <a:bodyPr lIns="0" rIns="0" tIns="0" bIns="0">
+            <a:normAutofit/>
+          </a:bodyPr>
+          <a:p>
+            <a:endParaRPr b="0" lang="en-US" sz="3200" spc="-1" strike="noStrike">
+              <a:latin typeface="Arial"/>
+            </a:endParaRPr>
+          </a:p>
+        </p:txBody>
+      </p:sp>
+      <p:sp>
+        <p:nvSpPr>
+          <p:cNvPr id="65" name="PlaceHolder 3"/>
           <p:cNvSpPr>
             <a:spLocks noGrp="1"/>
           </p:cNvSpPr>
@@ -1607,20 +1559,19 @@
         <p:spPr>
           <a:xfrm>
             <a:off x="504000" y="4563360"/>
-            <a:ext cx="9071640" cy="2091240"/>
-          </a:xfrm>
-          <a:prstGeom prst="rect">
-            <a:avLst/>
-          </a:prstGeom>
-        </p:spPr>
-        <p:txBody>
-          <a:bodyPr lIns="0" rIns="0" tIns="0" bIns="0"/>
-          <a:p>
-            <a:endParaRPr b="0" lang="en-US" sz="2200" spc="-1" strike="noStrike">
-              <a:solidFill>
-                <a:srgbClr val="000000"/>
-              </a:solidFill>
-              <a:latin typeface="Source Sans Pro"/>
+            <a:ext cx="9071280" cy="2091240"/>
+          </a:xfrm>
+          <a:prstGeom prst="rect">
+            <a:avLst/>
+          </a:prstGeom>
+        </p:spPr>
+        <p:txBody>
+          <a:bodyPr lIns="0" rIns="0" tIns="0" bIns="0">
+            <a:normAutofit/>
+          </a:bodyPr>
+          <a:p>
+            <a:endParaRPr b="0" lang="en-US" sz="3200" spc="-1" strike="noStrike">
+              <a:latin typeface="Arial"/>
             </a:endParaRPr>
           </a:p>
         </p:txBody>
@@ -1649,7 +1600,7 @@
       </p:grpSpPr>
       <p:sp>
         <p:nvSpPr>
-          <p:cNvPr id="72" name="PlaceHolder 1"/>
+          <p:cNvPr id="66" name="PlaceHolder 1"/>
           <p:cNvSpPr>
             <a:spLocks noGrp="1"/>
           </p:cNvSpPr>
@@ -1660,7 +1611,7 @@
         <p:spPr>
           <a:xfrm>
             <a:off x="504000" y="805320"/>
-            <a:ext cx="9071640" cy="1262160"/>
+            <a:ext cx="9071280" cy="1261800"/>
           </a:xfrm>
           <a:prstGeom prst="rect">
             <a:avLst/>
@@ -1669,18 +1620,16 @@
         <p:txBody>
           <a:bodyPr lIns="0" rIns="0" tIns="0" bIns="0" anchor="ctr"/>
           <a:p>
-            <a:endParaRPr b="0" lang="en-US" sz="3200" spc="-1" strike="noStrike">
-              <a:solidFill>
-                <a:srgbClr val="3399ff"/>
-              </a:solidFill>
-              <a:latin typeface="Source Sans Pro"/>
-            </a:endParaRPr>
-          </a:p>
-        </p:txBody>
-      </p:sp>
-      <p:sp>
-        <p:nvSpPr>
-          <p:cNvPr id="73" name="PlaceHolder 2"/>
+            <a:pPr algn="ctr"/>
+            <a:endParaRPr b="0" lang="en-US" sz="4400" spc="-1" strike="noStrike">
+              <a:latin typeface="Arial"/>
+            </a:endParaRPr>
+          </a:p>
+        </p:txBody>
+      </p:sp>
+      <p:sp>
+        <p:nvSpPr>
+          <p:cNvPr id="67" name="PlaceHolder 2"/>
           <p:cNvSpPr>
             <a:spLocks noGrp="1"/>
           </p:cNvSpPr>
@@ -1691,27 +1640,26 @@
         <p:spPr>
           <a:xfrm>
             <a:off x="504000" y="2273040"/>
-            <a:ext cx="4426920" cy="2091240"/>
-          </a:xfrm>
-          <a:prstGeom prst="rect">
-            <a:avLst/>
-          </a:prstGeom>
-        </p:spPr>
-        <p:txBody>
-          <a:bodyPr lIns="0" rIns="0" tIns="0" bIns="0"/>
-          <a:p>
-            <a:endParaRPr b="0" lang="en-US" sz="2200" spc="-1" strike="noStrike">
-              <a:solidFill>
-                <a:srgbClr val="000000"/>
-              </a:solidFill>
-              <a:latin typeface="Source Sans Pro"/>
-            </a:endParaRPr>
-          </a:p>
-        </p:txBody>
-      </p:sp>
-      <p:sp>
-        <p:nvSpPr>
-          <p:cNvPr id="74" name="PlaceHolder 3"/>
+            <a:ext cx="4426560" cy="2091240"/>
+          </a:xfrm>
+          <a:prstGeom prst="rect">
+            <a:avLst/>
+          </a:prstGeom>
+        </p:spPr>
+        <p:txBody>
+          <a:bodyPr lIns="0" rIns="0" tIns="0" bIns="0">
+            <a:normAutofit/>
+          </a:bodyPr>
+          <a:p>
+            <a:endParaRPr b="0" lang="en-US" sz="3200" spc="-1" strike="noStrike">
+              <a:latin typeface="Arial"/>
+            </a:endParaRPr>
+          </a:p>
+        </p:txBody>
+      </p:sp>
+      <p:sp>
+        <p:nvSpPr>
+          <p:cNvPr id="68" name="PlaceHolder 3"/>
           <p:cNvSpPr>
             <a:spLocks noGrp="1"/>
           </p:cNvSpPr>
@@ -1721,28 +1669,27 @@
         </p:nvSpPr>
         <p:spPr>
           <a:xfrm>
-            <a:off x="5152680" y="2273040"/>
-            <a:ext cx="4426920" cy="2091240"/>
-          </a:xfrm>
-          <a:prstGeom prst="rect">
-            <a:avLst/>
-          </a:prstGeom>
-        </p:spPr>
-        <p:txBody>
-          <a:bodyPr lIns="0" rIns="0" tIns="0" bIns="0"/>
-          <a:p>
-            <a:endParaRPr b="0" lang="en-US" sz="2200" spc="-1" strike="noStrike">
-              <a:solidFill>
-                <a:srgbClr val="000000"/>
-              </a:solidFill>
-              <a:latin typeface="Source Sans Pro"/>
-            </a:endParaRPr>
-          </a:p>
-        </p:txBody>
-      </p:sp>
-      <p:sp>
-        <p:nvSpPr>
-          <p:cNvPr id="75" name="PlaceHolder 4"/>
+            <a:off x="5152320" y="2273040"/>
+            <a:ext cx="4426560" cy="2091240"/>
+          </a:xfrm>
+          <a:prstGeom prst="rect">
+            <a:avLst/>
+          </a:prstGeom>
+        </p:spPr>
+        <p:txBody>
+          <a:bodyPr lIns="0" rIns="0" tIns="0" bIns="0">
+            <a:normAutofit/>
+          </a:bodyPr>
+          <a:p>
+            <a:endParaRPr b="0" lang="en-US" sz="3200" spc="-1" strike="noStrike">
+              <a:latin typeface="Arial"/>
+            </a:endParaRPr>
+          </a:p>
+        </p:txBody>
+      </p:sp>
+      <p:sp>
+        <p:nvSpPr>
+          <p:cNvPr id="69" name="PlaceHolder 4"/>
           <p:cNvSpPr>
             <a:spLocks noGrp="1"/>
           </p:cNvSpPr>
@@ -1753,27 +1700,26 @@
         <p:spPr>
           <a:xfrm>
             <a:off x="504000" y="4563360"/>
-            <a:ext cx="4426920" cy="2091240"/>
-          </a:xfrm>
-          <a:prstGeom prst="rect">
-            <a:avLst/>
-          </a:prstGeom>
-        </p:spPr>
-        <p:txBody>
-          <a:bodyPr lIns="0" rIns="0" tIns="0" bIns="0"/>
-          <a:p>
-            <a:endParaRPr b="0" lang="en-US" sz="2200" spc="-1" strike="noStrike">
-              <a:solidFill>
-                <a:srgbClr val="000000"/>
-              </a:solidFill>
-              <a:latin typeface="Source Sans Pro"/>
-            </a:endParaRPr>
-          </a:p>
-        </p:txBody>
-      </p:sp>
-      <p:sp>
-        <p:nvSpPr>
-          <p:cNvPr id="76" name="PlaceHolder 5"/>
+            <a:ext cx="4426560" cy="2091240"/>
+          </a:xfrm>
+          <a:prstGeom prst="rect">
+            <a:avLst/>
+          </a:prstGeom>
+        </p:spPr>
+        <p:txBody>
+          <a:bodyPr lIns="0" rIns="0" tIns="0" bIns="0">
+            <a:normAutofit/>
+          </a:bodyPr>
+          <a:p>
+            <a:endParaRPr b="0" lang="en-US" sz="3200" spc="-1" strike="noStrike">
+              <a:latin typeface="Arial"/>
+            </a:endParaRPr>
+          </a:p>
+        </p:txBody>
+      </p:sp>
+      <p:sp>
+        <p:nvSpPr>
+          <p:cNvPr id="70" name="PlaceHolder 5"/>
           <p:cNvSpPr>
             <a:spLocks noGrp="1"/>
           </p:cNvSpPr>
@@ -1783,21 +1729,20 @@
         </p:nvSpPr>
         <p:spPr>
           <a:xfrm>
-            <a:off x="5152680" y="4563360"/>
-            <a:ext cx="4426920" cy="2091240"/>
-          </a:xfrm>
-          <a:prstGeom prst="rect">
-            <a:avLst/>
-          </a:prstGeom>
-        </p:spPr>
-        <p:txBody>
-          <a:bodyPr lIns="0" rIns="0" tIns="0" bIns="0"/>
-          <a:p>
-            <a:endParaRPr b="0" lang="en-US" sz="2200" spc="-1" strike="noStrike">
-              <a:solidFill>
-                <a:srgbClr val="000000"/>
-              </a:solidFill>
-              <a:latin typeface="Source Sans Pro"/>
+            <a:off x="5152320" y="4563360"/>
+            <a:ext cx="4426560" cy="2091240"/>
+          </a:xfrm>
+          <a:prstGeom prst="rect">
+            <a:avLst/>
+          </a:prstGeom>
+        </p:spPr>
+        <p:txBody>
+          <a:bodyPr lIns="0" rIns="0" tIns="0" bIns="0">
+            <a:normAutofit/>
+          </a:bodyPr>
+          <a:p>
+            <a:endParaRPr b="0" lang="en-US" sz="3200" spc="-1" strike="noStrike">
+              <a:latin typeface="Arial"/>
             </a:endParaRPr>
           </a:p>
         </p:txBody>
@@ -1826,7 +1771,7 @@
       </p:grpSpPr>
       <p:sp>
         <p:nvSpPr>
-          <p:cNvPr id="77" name="PlaceHolder 1"/>
+          <p:cNvPr id="71" name="PlaceHolder 1"/>
           <p:cNvSpPr>
             <a:spLocks noGrp="1"/>
           </p:cNvSpPr>
@@ -1837,7 +1782,7 @@
         <p:spPr>
           <a:xfrm>
             <a:off x="504000" y="805320"/>
-            <a:ext cx="9071640" cy="1262160"/>
+            <a:ext cx="9071280" cy="1261800"/>
           </a:xfrm>
           <a:prstGeom prst="rect">
             <a:avLst/>
@@ -1846,18 +1791,16 @@
         <p:txBody>
           <a:bodyPr lIns="0" rIns="0" tIns="0" bIns="0" anchor="ctr"/>
           <a:p>
-            <a:endParaRPr b="0" lang="en-US" sz="3200" spc="-1" strike="noStrike">
-              <a:solidFill>
-                <a:srgbClr val="3399ff"/>
-              </a:solidFill>
-              <a:latin typeface="Source Sans Pro"/>
-            </a:endParaRPr>
-          </a:p>
-        </p:txBody>
-      </p:sp>
-      <p:sp>
-        <p:nvSpPr>
-          <p:cNvPr id="78" name="PlaceHolder 2"/>
+            <a:pPr algn="ctr"/>
+            <a:endParaRPr b="0" lang="en-US" sz="4400" spc="-1" strike="noStrike">
+              <a:latin typeface="Arial"/>
+            </a:endParaRPr>
+          </a:p>
+        </p:txBody>
+      </p:sp>
+      <p:sp>
+        <p:nvSpPr>
+          <p:cNvPr id="72" name="PlaceHolder 2"/>
           <p:cNvSpPr>
             <a:spLocks noGrp="1"/>
           </p:cNvSpPr>
@@ -1875,20 +1818,19 @@
           </a:prstGeom>
         </p:spPr>
         <p:txBody>
-          <a:bodyPr lIns="0" rIns="0" tIns="0" bIns="0"/>
-          <a:p>
-            <a:endParaRPr b="0" lang="en-US" sz="2200" spc="-1" strike="noStrike">
-              <a:solidFill>
-                <a:srgbClr val="000000"/>
-              </a:solidFill>
-              <a:latin typeface="Source Sans Pro"/>
-            </a:endParaRPr>
-          </a:p>
-        </p:txBody>
-      </p:sp>
-      <p:sp>
-        <p:nvSpPr>
-          <p:cNvPr id="79" name="PlaceHolder 3"/>
+          <a:bodyPr lIns="0" rIns="0" tIns="0" bIns="0">
+            <a:normAutofit/>
+          </a:bodyPr>
+          <a:p>
+            <a:endParaRPr b="0" lang="en-US" sz="3200" spc="-1" strike="noStrike">
+              <a:latin typeface="Arial"/>
+            </a:endParaRPr>
+          </a:p>
+        </p:txBody>
+      </p:sp>
+      <p:sp>
+        <p:nvSpPr>
+          <p:cNvPr id="73" name="PlaceHolder 3"/>
           <p:cNvSpPr>
             <a:spLocks noGrp="1"/>
           </p:cNvSpPr>
@@ -1906,20 +1848,19 @@
           </a:prstGeom>
         </p:spPr>
         <p:txBody>
-          <a:bodyPr lIns="0" rIns="0" tIns="0" bIns="0"/>
-          <a:p>
-            <a:endParaRPr b="0" lang="en-US" sz="2200" spc="-1" strike="noStrike">
-              <a:solidFill>
-                <a:srgbClr val="000000"/>
-              </a:solidFill>
-              <a:latin typeface="Source Sans Pro"/>
-            </a:endParaRPr>
-          </a:p>
-        </p:txBody>
-      </p:sp>
-      <p:sp>
-        <p:nvSpPr>
-          <p:cNvPr id="80" name="PlaceHolder 4"/>
+          <a:bodyPr lIns="0" rIns="0" tIns="0" bIns="0">
+            <a:normAutofit/>
+          </a:bodyPr>
+          <a:p>
+            <a:endParaRPr b="0" lang="en-US" sz="3200" spc="-1" strike="noStrike">
+              <a:latin typeface="Arial"/>
+            </a:endParaRPr>
+          </a:p>
+        </p:txBody>
+      </p:sp>
+      <p:sp>
+        <p:nvSpPr>
+          <p:cNvPr id="74" name="PlaceHolder 4"/>
           <p:cNvSpPr>
             <a:spLocks noGrp="1"/>
           </p:cNvSpPr>
@@ -1937,20 +1878,19 @@
           </a:prstGeom>
         </p:spPr>
         <p:txBody>
-          <a:bodyPr lIns="0" rIns="0" tIns="0" bIns="0"/>
-          <a:p>
-            <a:endParaRPr b="0" lang="en-US" sz="2200" spc="-1" strike="noStrike">
-              <a:solidFill>
-                <a:srgbClr val="000000"/>
-              </a:solidFill>
-              <a:latin typeface="Source Sans Pro"/>
-            </a:endParaRPr>
-          </a:p>
-        </p:txBody>
-      </p:sp>
-      <p:sp>
-        <p:nvSpPr>
-          <p:cNvPr id="81" name="PlaceHolder 5"/>
+          <a:bodyPr lIns="0" rIns="0" tIns="0" bIns="0">
+            <a:normAutofit/>
+          </a:bodyPr>
+          <a:p>
+            <a:endParaRPr b="0" lang="en-US" sz="3200" spc="-1" strike="noStrike">
+              <a:latin typeface="Arial"/>
+            </a:endParaRPr>
+          </a:p>
+        </p:txBody>
+      </p:sp>
+      <p:sp>
+        <p:nvSpPr>
+          <p:cNvPr id="75" name="PlaceHolder 5"/>
           <p:cNvSpPr>
             <a:spLocks noGrp="1"/>
           </p:cNvSpPr>
@@ -1968,20 +1908,19 @@
           </a:prstGeom>
         </p:spPr>
         <p:txBody>
-          <a:bodyPr lIns="0" rIns="0" tIns="0" bIns="0"/>
-          <a:p>
-            <a:endParaRPr b="0" lang="en-US" sz="2200" spc="-1" strike="noStrike">
-              <a:solidFill>
-                <a:srgbClr val="000000"/>
-              </a:solidFill>
-              <a:latin typeface="Source Sans Pro"/>
-            </a:endParaRPr>
-          </a:p>
-        </p:txBody>
-      </p:sp>
-      <p:sp>
-        <p:nvSpPr>
-          <p:cNvPr id="82" name="PlaceHolder 6"/>
+          <a:bodyPr lIns="0" rIns="0" tIns="0" bIns="0">
+            <a:normAutofit/>
+          </a:bodyPr>
+          <a:p>
+            <a:endParaRPr b="0" lang="en-US" sz="3200" spc="-1" strike="noStrike">
+              <a:latin typeface="Arial"/>
+            </a:endParaRPr>
+          </a:p>
+        </p:txBody>
+      </p:sp>
+      <p:sp>
+        <p:nvSpPr>
+          <p:cNvPr id="76" name="PlaceHolder 6"/>
           <p:cNvSpPr>
             <a:spLocks noGrp="1"/>
           </p:cNvSpPr>
@@ -1999,20 +1938,19 @@
           </a:prstGeom>
         </p:spPr>
         <p:txBody>
-          <a:bodyPr lIns="0" rIns="0" tIns="0" bIns="0"/>
-          <a:p>
-            <a:endParaRPr b="0" lang="en-US" sz="2200" spc="-1" strike="noStrike">
-              <a:solidFill>
-                <a:srgbClr val="000000"/>
-              </a:solidFill>
-              <a:latin typeface="Source Sans Pro"/>
-            </a:endParaRPr>
-          </a:p>
-        </p:txBody>
-      </p:sp>
-      <p:sp>
-        <p:nvSpPr>
-          <p:cNvPr id="83" name="PlaceHolder 7"/>
+          <a:bodyPr lIns="0" rIns="0" tIns="0" bIns="0">
+            <a:normAutofit/>
+          </a:bodyPr>
+          <a:p>
+            <a:endParaRPr b="0" lang="en-US" sz="3200" spc="-1" strike="noStrike">
+              <a:latin typeface="Arial"/>
+            </a:endParaRPr>
+          </a:p>
+        </p:txBody>
+      </p:sp>
+      <p:sp>
+        <p:nvSpPr>
+          <p:cNvPr id="77" name="PlaceHolder 7"/>
           <p:cNvSpPr>
             <a:spLocks noGrp="1"/>
           </p:cNvSpPr>
@@ -2030,13 +1968,12 @@
           </a:prstGeom>
         </p:spPr>
         <p:txBody>
-          <a:bodyPr lIns="0" rIns="0" tIns="0" bIns="0"/>
-          <a:p>
-            <a:endParaRPr b="0" lang="en-US" sz="2200" spc="-1" strike="noStrike">
-              <a:solidFill>
-                <a:srgbClr val="000000"/>
-              </a:solidFill>
-              <a:latin typeface="Source Sans Pro"/>
+          <a:bodyPr lIns="0" rIns="0" tIns="0" bIns="0">
+            <a:normAutofit/>
+          </a:bodyPr>
+          <a:p>
+            <a:endParaRPr b="0" lang="en-US" sz="3200" spc="-1" strike="noStrike">
+              <a:latin typeface="Arial"/>
             </a:endParaRPr>
           </a:p>
         </p:txBody>
@@ -2065,7 +2002,7 @@
       </p:grpSpPr>
       <p:sp>
         <p:nvSpPr>
-          <p:cNvPr id="8" name="PlaceHolder 1"/>
+          <p:cNvPr id="5" name="PlaceHolder 1"/>
           <p:cNvSpPr>
             <a:spLocks noGrp="1"/>
           </p:cNvSpPr>
@@ -2076,7 +2013,7 @@
         <p:spPr>
           <a:xfrm>
             <a:off x="504000" y="805320"/>
-            <a:ext cx="9071640" cy="1262160"/>
+            <a:ext cx="9071280" cy="1261800"/>
           </a:xfrm>
           <a:prstGeom prst="rect">
             <a:avLst/>
@@ -2085,18 +2022,16 @@
         <p:txBody>
           <a:bodyPr lIns="0" rIns="0" tIns="0" bIns="0" anchor="ctr"/>
           <a:p>
-            <a:endParaRPr b="0" lang="en-US" sz="3200" spc="-1" strike="noStrike">
-              <a:solidFill>
-                <a:srgbClr val="3399ff"/>
-              </a:solidFill>
-              <a:latin typeface="Source Sans Pro"/>
-            </a:endParaRPr>
-          </a:p>
-        </p:txBody>
-      </p:sp>
-      <p:sp>
-        <p:nvSpPr>
-          <p:cNvPr id="9" name="PlaceHolder 2"/>
+            <a:pPr algn="ctr"/>
+            <a:endParaRPr b="0" lang="en-US" sz="4400" spc="-1" strike="noStrike">
+              <a:latin typeface="Arial"/>
+            </a:endParaRPr>
+          </a:p>
+        </p:txBody>
+      </p:sp>
+      <p:sp>
+        <p:nvSpPr>
+          <p:cNvPr id="6" name="PlaceHolder 2"/>
           <p:cNvSpPr>
             <a:spLocks noGrp="1"/>
           </p:cNvSpPr>
@@ -2107,20 +2042,19 @@
         <p:spPr>
           <a:xfrm>
             <a:off x="504000" y="2273040"/>
-            <a:ext cx="9071640" cy="4384800"/>
-          </a:xfrm>
-          <a:prstGeom prst="rect">
-            <a:avLst/>
-          </a:prstGeom>
-        </p:spPr>
-        <p:txBody>
-          <a:bodyPr lIns="0" rIns="0" tIns="0" bIns="0"/>
-          <a:p>
-            <a:endParaRPr b="0" lang="en-US" sz="2200" spc="-1" strike="noStrike">
-              <a:solidFill>
-                <a:srgbClr val="000000"/>
-              </a:solidFill>
-              <a:latin typeface="Source Sans Pro"/>
+            <a:ext cx="9071280" cy="4384440"/>
+          </a:xfrm>
+          <a:prstGeom prst="rect">
+            <a:avLst/>
+          </a:prstGeom>
+        </p:spPr>
+        <p:txBody>
+          <a:bodyPr lIns="0" rIns="0" tIns="0" bIns="0">
+            <a:normAutofit/>
+          </a:bodyPr>
+          <a:p>
+            <a:endParaRPr b="0" lang="en-US" sz="3200" spc="-1" strike="noStrike">
+              <a:latin typeface="Arial"/>
             </a:endParaRPr>
           </a:p>
         </p:txBody>
@@ -2149,7 +2083,7 @@
       </p:grpSpPr>
       <p:sp>
         <p:nvSpPr>
-          <p:cNvPr id="10" name="PlaceHolder 1"/>
+          <p:cNvPr id="7" name="PlaceHolder 1"/>
           <p:cNvSpPr>
             <a:spLocks noGrp="1"/>
           </p:cNvSpPr>
@@ -2160,7 +2094,7 @@
         <p:spPr>
           <a:xfrm>
             <a:off x="504000" y="805320"/>
-            <a:ext cx="9071640" cy="1262160"/>
+            <a:ext cx="9071280" cy="1261800"/>
           </a:xfrm>
           <a:prstGeom prst="rect">
             <a:avLst/>
@@ -2169,18 +2103,16 @@
         <p:txBody>
           <a:bodyPr lIns="0" rIns="0" tIns="0" bIns="0" anchor="ctr"/>
           <a:p>
-            <a:endParaRPr b="0" lang="en-US" sz="3200" spc="-1" strike="noStrike">
-              <a:solidFill>
-                <a:srgbClr val="3399ff"/>
-              </a:solidFill>
-              <a:latin typeface="Source Sans Pro"/>
-            </a:endParaRPr>
-          </a:p>
-        </p:txBody>
-      </p:sp>
-      <p:sp>
-        <p:nvSpPr>
-          <p:cNvPr id="11" name="PlaceHolder 2"/>
+            <a:pPr algn="ctr"/>
+            <a:endParaRPr b="0" lang="en-US" sz="4400" spc="-1" strike="noStrike">
+              <a:latin typeface="Arial"/>
+            </a:endParaRPr>
+          </a:p>
+        </p:txBody>
+      </p:sp>
+      <p:sp>
+        <p:nvSpPr>
+          <p:cNvPr id="8" name="PlaceHolder 2"/>
           <p:cNvSpPr>
             <a:spLocks noGrp="1"/>
           </p:cNvSpPr>
@@ -2191,27 +2123,26 @@
         <p:spPr>
           <a:xfrm>
             <a:off x="504000" y="2273040"/>
-            <a:ext cx="4426920" cy="4384800"/>
-          </a:xfrm>
-          <a:prstGeom prst="rect">
-            <a:avLst/>
-          </a:prstGeom>
-        </p:spPr>
-        <p:txBody>
-          <a:bodyPr lIns="0" rIns="0" tIns="0" bIns="0"/>
-          <a:p>
-            <a:endParaRPr b="0" lang="en-US" sz="2200" spc="-1" strike="noStrike">
-              <a:solidFill>
-                <a:srgbClr val="000000"/>
-              </a:solidFill>
-              <a:latin typeface="Source Sans Pro"/>
-            </a:endParaRPr>
-          </a:p>
-        </p:txBody>
-      </p:sp>
-      <p:sp>
-        <p:nvSpPr>
-          <p:cNvPr id="12" name="PlaceHolder 3"/>
+            <a:ext cx="4426560" cy="4384440"/>
+          </a:xfrm>
+          <a:prstGeom prst="rect">
+            <a:avLst/>
+          </a:prstGeom>
+        </p:spPr>
+        <p:txBody>
+          <a:bodyPr lIns="0" rIns="0" tIns="0" bIns="0">
+            <a:normAutofit/>
+          </a:bodyPr>
+          <a:p>
+            <a:endParaRPr b="0" lang="en-US" sz="3200" spc="-1" strike="noStrike">
+              <a:latin typeface="Arial"/>
+            </a:endParaRPr>
+          </a:p>
+        </p:txBody>
+      </p:sp>
+      <p:sp>
+        <p:nvSpPr>
+          <p:cNvPr id="9" name="PlaceHolder 3"/>
           <p:cNvSpPr>
             <a:spLocks noGrp="1"/>
           </p:cNvSpPr>
@@ -2221,21 +2152,20 @@
         </p:nvSpPr>
         <p:spPr>
           <a:xfrm>
-            <a:off x="5152680" y="2273040"/>
-            <a:ext cx="4426920" cy="4384800"/>
-          </a:xfrm>
-          <a:prstGeom prst="rect">
-            <a:avLst/>
-          </a:prstGeom>
-        </p:spPr>
-        <p:txBody>
-          <a:bodyPr lIns="0" rIns="0" tIns="0" bIns="0"/>
-          <a:p>
-            <a:endParaRPr b="0" lang="en-US" sz="2200" spc="-1" strike="noStrike">
-              <a:solidFill>
-                <a:srgbClr val="000000"/>
-              </a:solidFill>
-              <a:latin typeface="Source Sans Pro"/>
+            <a:off x="5152320" y="2273040"/>
+            <a:ext cx="4426560" cy="4384440"/>
+          </a:xfrm>
+          <a:prstGeom prst="rect">
+            <a:avLst/>
+          </a:prstGeom>
+        </p:spPr>
+        <p:txBody>
+          <a:bodyPr lIns="0" rIns="0" tIns="0" bIns="0">
+            <a:normAutofit/>
+          </a:bodyPr>
+          <a:p>
+            <a:endParaRPr b="0" lang="en-US" sz="3200" spc="-1" strike="noStrike">
+              <a:latin typeface="Arial"/>
             </a:endParaRPr>
           </a:p>
         </p:txBody>
@@ -2264,7 +2194,7 @@
       </p:grpSpPr>
       <p:sp>
         <p:nvSpPr>
-          <p:cNvPr id="13" name="PlaceHolder 1"/>
+          <p:cNvPr id="10" name="PlaceHolder 1"/>
           <p:cNvSpPr>
             <a:spLocks noGrp="1"/>
           </p:cNvSpPr>
@@ -2275,7 +2205,7 @@
         <p:spPr>
           <a:xfrm>
             <a:off x="504000" y="805320"/>
-            <a:ext cx="9071640" cy="1262160"/>
+            <a:ext cx="9071280" cy="1261800"/>
           </a:xfrm>
           <a:prstGeom prst="rect">
             <a:avLst/>
@@ -2284,11 +2214,9 @@
         <p:txBody>
           <a:bodyPr lIns="0" rIns="0" tIns="0" bIns="0" anchor="ctr"/>
           <a:p>
-            <a:endParaRPr b="0" lang="en-US" sz="3200" spc="-1" strike="noStrike">
-              <a:solidFill>
-                <a:srgbClr val="3399ff"/>
-              </a:solidFill>
-              <a:latin typeface="Source Sans Pro"/>
+            <a:pPr algn="ctr"/>
+            <a:endParaRPr b="0" lang="en-US" sz="4400" spc="-1" strike="noStrike">
+              <a:latin typeface="Arial"/>
             </a:endParaRPr>
           </a:p>
         </p:txBody>
@@ -2317,7 +2245,7 @@
       </p:grpSpPr>
       <p:sp>
         <p:nvSpPr>
-          <p:cNvPr id="14" name="PlaceHolder 1"/>
+          <p:cNvPr id="11" name="PlaceHolder 1"/>
           <p:cNvSpPr>
             <a:spLocks noGrp="1"/>
           </p:cNvSpPr>
@@ -2328,7 +2256,7 @@
         <p:spPr>
           <a:xfrm>
             <a:off x="504000" y="805320"/>
-            <a:ext cx="9071640" cy="5851800"/>
+            <a:ext cx="9071280" cy="5850360"/>
           </a:xfrm>
           <a:prstGeom prst="rect">
             <a:avLst/>
@@ -2339,7 +2267,7 @@
           <a:p>
             <a:pPr algn="ctr"/>
             <a:endParaRPr b="0" lang="en-US" sz="3200" spc="-1" strike="noStrike">
-              <a:latin typeface="Source Sans Pro"/>
+              <a:latin typeface="Arial"/>
             </a:endParaRPr>
           </a:p>
         </p:txBody>
@@ -2368,7 +2296,7 @@
       </p:grpSpPr>
       <p:sp>
         <p:nvSpPr>
-          <p:cNvPr id="15" name="PlaceHolder 1"/>
+          <p:cNvPr id="12" name="PlaceHolder 1"/>
           <p:cNvSpPr>
             <a:spLocks noGrp="1"/>
           </p:cNvSpPr>
@@ -2379,7 +2307,7 @@
         <p:spPr>
           <a:xfrm>
             <a:off x="504000" y="805320"/>
-            <a:ext cx="9071640" cy="1262160"/>
+            <a:ext cx="9071280" cy="1261800"/>
           </a:xfrm>
           <a:prstGeom prst="rect">
             <a:avLst/>
@@ -2388,18 +2316,16 @@
         <p:txBody>
           <a:bodyPr lIns="0" rIns="0" tIns="0" bIns="0" anchor="ctr"/>
           <a:p>
-            <a:endParaRPr b="0" lang="en-US" sz="3200" spc="-1" strike="noStrike">
-              <a:solidFill>
-                <a:srgbClr val="3399ff"/>
-              </a:solidFill>
-              <a:latin typeface="Source Sans Pro"/>
-            </a:endParaRPr>
-          </a:p>
-        </p:txBody>
-      </p:sp>
-      <p:sp>
-        <p:nvSpPr>
-          <p:cNvPr id="16" name="PlaceHolder 2"/>
+            <a:pPr algn="ctr"/>
+            <a:endParaRPr b="0" lang="en-US" sz="4400" spc="-1" strike="noStrike">
+              <a:latin typeface="Arial"/>
+            </a:endParaRPr>
+          </a:p>
+        </p:txBody>
+      </p:sp>
+      <p:sp>
+        <p:nvSpPr>
+          <p:cNvPr id="13" name="PlaceHolder 2"/>
           <p:cNvSpPr>
             <a:spLocks noGrp="1"/>
           </p:cNvSpPr>
@@ -2410,27 +2336,26 @@
         <p:spPr>
           <a:xfrm>
             <a:off x="504000" y="2273040"/>
-            <a:ext cx="4426920" cy="2091240"/>
-          </a:xfrm>
-          <a:prstGeom prst="rect">
-            <a:avLst/>
-          </a:prstGeom>
-        </p:spPr>
-        <p:txBody>
-          <a:bodyPr lIns="0" rIns="0" tIns="0" bIns="0"/>
-          <a:p>
-            <a:endParaRPr b="0" lang="en-US" sz="2200" spc="-1" strike="noStrike">
-              <a:solidFill>
-                <a:srgbClr val="000000"/>
-              </a:solidFill>
-              <a:latin typeface="Source Sans Pro"/>
-            </a:endParaRPr>
-          </a:p>
-        </p:txBody>
-      </p:sp>
-      <p:sp>
-        <p:nvSpPr>
-          <p:cNvPr id="17" name="PlaceHolder 3"/>
+            <a:ext cx="4426560" cy="2091240"/>
+          </a:xfrm>
+          <a:prstGeom prst="rect">
+            <a:avLst/>
+          </a:prstGeom>
+        </p:spPr>
+        <p:txBody>
+          <a:bodyPr lIns="0" rIns="0" tIns="0" bIns="0">
+            <a:normAutofit/>
+          </a:bodyPr>
+          <a:p>
+            <a:endParaRPr b="0" lang="en-US" sz="3200" spc="-1" strike="noStrike">
+              <a:latin typeface="Arial"/>
+            </a:endParaRPr>
+          </a:p>
+        </p:txBody>
+      </p:sp>
+      <p:sp>
+        <p:nvSpPr>
+          <p:cNvPr id="14" name="PlaceHolder 3"/>
           <p:cNvSpPr>
             <a:spLocks noGrp="1"/>
           </p:cNvSpPr>
@@ -2440,28 +2365,27 @@
         </p:nvSpPr>
         <p:spPr>
           <a:xfrm>
-            <a:off x="5152680" y="2273040"/>
-            <a:ext cx="4426920" cy="4384800"/>
-          </a:xfrm>
-          <a:prstGeom prst="rect">
-            <a:avLst/>
-          </a:prstGeom>
-        </p:spPr>
-        <p:txBody>
-          <a:bodyPr lIns="0" rIns="0" tIns="0" bIns="0"/>
-          <a:p>
-            <a:endParaRPr b="0" lang="en-US" sz="2200" spc="-1" strike="noStrike">
-              <a:solidFill>
-                <a:srgbClr val="000000"/>
-              </a:solidFill>
-              <a:latin typeface="Source Sans Pro"/>
-            </a:endParaRPr>
-          </a:p>
-        </p:txBody>
-      </p:sp>
-      <p:sp>
-        <p:nvSpPr>
-          <p:cNvPr id="18" name="PlaceHolder 4"/>
+            <a:off x="5152320" y="2273040"/>
+            <a:ext cx="4426560" cy="4384440"/>
+          </a:xfrm>
+          <a:prstGeom prst="rect">
+            <a:avLst/>
+          </a:prstGeom>
+        </p:spPr>
+        <p:txBody>
+          <a:bodyPr lIns="0" rIns="0" tIns="0" bIns="0">
+            <a:normAutofit/>
+          </a:bodyPr>
+          <a:p>
+            <a:endParaRPr b="0" lang="en-US" sz="3200" spc="-1" strike="noStrike">
+              <a:latin typeface="Arial"/>
+            </a:endParaRPr>
+          </a:p>
+        </p:txBody>
+      </p:sp>
+      <p:sp>
+        <p:nvSpPr>
+          <p:cNvPr id="15" name="PlaceHolder 4"/>
           <p:cNvSpPr>
             <a:spLocks noGrp="1"/>
           </p:cNvSpPr>
@@ -2472,20 +2396,19 @@
         <p:spPr>
           <a:xfrm>
             <a:off x="504000" y="4563360"/>
-            <a:ext cx="4426920" cy="2091240"/>
-          </a:xfrm>
-          <a:prstGeom prst="rect">
-            <a:avLst/>
-          </a:prstGeom>
-        </p:spPr>
-        <p:txBody>
-          <a:bodyPr lIns="0" rIns="0" tIns="0" bIns="0"/>
-          <a:p>
-            <a:endParaRPr b="0" lang="en-US" sz="2200" spc="-1" strike="noStrike">
-              <a:solidFill>
-                <a:srgbClr val="000000"/>
-              </a:solidFill>
-              <a:latin typeface="Source Sans Pro"/>
+            <a:ext cx="4426560" cy="2091240"/>
+          </a:xfrm>
+          <a:prstGeom prst="rect">
+            <a:avLst/>
+          </a:prstGeom>
+        </p:spPr>
+        <p:txBody>
+          <a:bodyPr lIns="0" rIns="0" tIns="0" bIns="0">
+            <a:normAutofit/>
+          </a:bodyPr>
+          <a:p>
+            <a:endParaRPr b="0" lang="en-US" sz="3200" spc="-1" strike="noStrike">
+              <a:latin typeface="Arial"/>
             </a:endParaRPr>
           </a:p>
         </p:txBody>
@@ -2514,7 +2437,7 @@
       </p:grpSpPr>
       <p:sp>
         <p:nvSpPr>
-          <p:cNvPr id="19" name="PlaceHolder 1"/>
+          <p:cNvPr id="16" name="PlaceHolder 1"/>
           <p:cNvSpPr>
             <a:spLocks noGrp="1"/>
           </p:cNvSpPr>
@@ -2525,7 +2448,7 @@
         <p:spPr>
           <a:xfrm>
             <a:off x="504000" y="805320"/>
-            <a:ext cx="9071640" cy="1262160"/>
+            <a:ext cx="9071280" cy="1261800"/>
           </a:xfrm>
           <a:prstGeom prst="rect">
             <a:avLst/>
@@ -2534,18 +2457,16 @@
         <p:txBody>
           <a:bodyPr lIns="0" rIns="0" tIns="0" bIns="0" anchor="ctr"/>
           <a:p>
-            <a:endParaRPr b="0" lang="en-US" sz="3200" spc="-1" strike="noStrike">
-              <a:solidFill>
-                <a:srgbClr val="3399ff"/>
-              </a:solidFill>
-              <a:latin typeface="Source Sans Pro"/>
-            </a:endParaRPr>
-          </a:p>
-        </p:txBody>
-      </p:sp>
-      <p:sp>
-        <p:nvSpPr>
-          <p:cNvPr id="20" name="PlaceHolder 2"/>
+            <a:pPr algn="ctr"/>
+            <a:endParaRPr b="0" lang="en-US" sz="4400" spc="-1" strike="noStrike">
+              <a:latin typeface="Arial"/>
+            </a:endParaRPr>
+          </a:p>
+        </p:txBody>
+      </p:sp>
+      <p:sp>
+        <p:nvSpPr>
+          <p:cNvPr id="17" name="PlaceHolder 2"/>
           <p:cNvSpPr>
             <a:spLocks noGrp="1"/>
           </p:cNvSpPr>
@@ -2556,27 +2477,26 @@
         <p:spPr>
           <a:xfrm>
             <a:off x="504000" y="2273040"/>
-            <a:ext cx="4426920" cy="4384800"/>
-          </a:xfrm>
-          <a:prstGeom prst="rect">
-            <a:avLst/>
-          </a:prstGeom>
-        </p:spPr>
-        <p:txBody>
-          <a:bodyPr lIns="0" rIns="0" tIns="0" bIns="0"/>
-          <a:p>
-            <a:endParaRPr b="0" lang="en-US" sz="2200" spc="-1" strike="noStrike">
-              <a:solidFill>
-                <a:srgbClr val="000000"/>
-              </a:solidFill>
-              <a:latin typeface="Source Sans Pro"/>
-            </a:endParaRPr>
-          </a:p>
-        </p:txBody>
-      </p:sp>
-      <p:sp>
-        <p:nvSpPr>
-          <p:cNvPr id="21" name="PlaceHolder 3"/>
+            <a:ext cx="4426560" cy="4384440"/>
+          </a:xfrm>
+          <a:prstGeom prst="rect">
+            <a:avLst/>
+          </a:prstGeom>
+        </p:spPr>
+        <p:txBody>
+          <a:bodyPr lIns="0" rIns="0" tIns="0" bIns="0">
+            <a:normAutofit/>
+          </a:bodyPr>
+          <a:p>
+            <a:endParaRPr b="0" lang="en-US" sz="3200" spc="-1" strike="noStrike">
+              <a:latin typeface="Arial"/>
+            </a:endParaRPr>
+          </a:p>
+        </p:txBody>
+      </p:sp>
+      <p:sp>
+        <p:nvSpPr>
+          <p:cNvPr id="18" name="PlaceHolder 3"/>
           <p:cNvSpPr>
             <a:spLocks noGrp="1"/>
           </p:cNvSpPr>
@@ -2586,28 +2506,27 @@
         </p:nvSpPr>
         <p:spPr>
           <a:xfrm>
-            <a:off x="5152680" y="2273040"/>
-            <a:ext cx="4426920" cy="2091240"/>
-          </a:xfrm>
-          <a:prstGeom prst="rect">
-            <a:avLst/>
-          </a:prstGeom>
-        </p:spPr>
-        <p:txBody>
-          <a:bodyPr lIns="0" rIns="0" tIns="0" bIns="0"/>
-          <a:p>
-            <a:endParaRPr b="0" lang="en-US" sz="2200" spc="-1" strike="noStrike">
-              <a:solidFill>
-                <a:srgbClr val="000000"/>
-              </a:solidFill>
-              <a:latin typeface="Source Sans Pro"/>
-            </a:endParaRPr>
-          </a:p>
-        </p:txBody>
-      </p:sp>
-      <p:sp>
-        <p:nvSpPr>
-          <p:cNvPr id="22" name="PlaceHolder 4"/>
+            <a:off x="5152320" y="2273040"/>
+            <a:ext cx="4426560" cy="2091240"/>
+          </a:xfrm>
+          <a:prstGeom prst="rect">
+            <a:avLst/>
+          </a:prstGeom>
+        </p:spPr>
+        <p:txBody>
+          <a:bodyPr lIns="0" rIns="0" tIns="0" bIns="0">
+            <a:normAutofit/>
+          </a:bodyPr>
+          <a:p>
+            <a:endParaRPr b="0" lang="en-US" sz="3200" spc="-1" strike="noStrike">
+              <a:latin typeface="Arial"/>
+            </a:endParaRPr>
+          </a:p>
+        </p:txBody>
+      </p:sp>
+      <p:sp>
+        <p:nvSpPr>
+          <p:cNvPr id="19" name="PlaceHolder 4"/>
           <p:cNvSpPr>
             <a:spLocks noGrp="1"/>
           </p:cNvSpPr>
@@ -2617,21 +2536,20 @@
         </p:nvSpPr>
         <p:spPr>
           <a:xfrm>
-            <a:off x="5152680" y="4563360"/>
-            <a:ext cx="4426920" cy="2091240"/>
-          </a:xfrm>
-          <a:prstGeom prst="rect">
-            <a:avLst/>
-          </a:prstGeom>
-        </p:spPr>
-        <p:txBody>
-          <a:bodyPr lIns="0" rIns="0" tIns="0" bIns="0"/>
-          <a:p>
-            <a:endParaRPr b="0" lang="en-US" sz="2200" spc="-1" strike="noStrike">
-              <a:solidFill>
-                <a:srgbClr val="000000"/>
-              </a:solidFill>
-              <a:latin typeface="Source Sans Pro"/>
+            <a:off x="5152320" y="4563360"/>
+            <a:ext cx="4426560" cy="2091240"/>
+          </a:xfrm>
+          <a:prstGeom prst="rect">
+            <a:avLst/>
+          </a:prstGeom>
+        </p:spPr>
+        <p:txBody>
+          <a:bodyPr lIns="0" rIns="0" tIns="0" bIns="0">
+            <a:normAutofit/>
+          </a:bodyPr>
+          <a:p>
+            <a:endParaRPr b="0" lang="en-US" sz="3200" spc="-1" strike="noStrike">
+              <a:latin typeface="Arial"/>
             </a:endParaRPr>
           </a:p>
         </p:txBody>
@@ -2660,7 +2578,7 @@
       </p:grpSpPr>
       <p:sp>
         <p:nvSpPr>
-          <p:cNvPr id="23" name="PlaceHolder 1"/>
+          <p:cNvPr id="20" name="PlaceHolder 1"/>
           <p:cNvSpPr>
             <a:spLocks noGrp="1"/>
           </p:cNvSpPr>
@@ -2671,7 +2589,7 @@
         <p:spPr>
           <a:xfrm>
             <a:off x="504000" y="805320"/>
-            <a:ext cx="9071640" cy="1262160"/>
+            <a:ext cx="9071280" cy="1261800"/>
           </a:xfrm>
           <a:prstGeom prst="rect">
             <a:avLst/>
@@ -2680,18 +2598,16 @@
         <p:txBody>
           <a:bodyPr lIns="0" rIns="0" tIns="0" bIns="0" anchor="ctr"/>
           <a:p>
-            <a:endParaRPr b="0" lang="en-US" sz="3200" spc="-1" strike="noStrike">
-              <a:solidFill>
-                <a:srgbClr val="3399ff"/>
-              </a:solidFill>
-              <a:latin typeface="Source Sans Pro"/>
-            </a:endParaRPr>
-          </a:p>
-        </p:txBody>
-      </p:sp>
-      <p:sp>
-        <p:nvSpPr>
-          <p:cNvPr id="24" name="PlaceHolder 2"/>
+            <a:pPr algn="ctr"/>
+            <a:endParaRPr b="0" lang="en-US" sz="4400" spc="-1" strike="noStrike">
+              <a:latin typeface="Arial"/>
+            </a:endParaRPr>
+          </a:p>
+        </p:txBody>
+      </p:sp>
+      <p:sp>
+        <p:nvSpPr>
+          <p:cNvPr id="21" name="PlaceHolder 2"/>
           <p:cNvSpPr>
             <a:spLocks noGrp="1"/>
           </p:cNvSpPr>
@@ -2702,27 +2618,26 @@
         <p:spPr>
           <a:xfrm>
             <a:off x="504000" y="2273040"/>
-            <a:ext cx="4426920" cy="2091240"/>
-          </a:xfrm>
-          <a:prstGeom prst="rect">
-            <a:avLst/>
-          </a:prstGeom>
-        </p:spPr>
-        <p:txBody>
-          <a:bodyPr lIns="0" rIns="0" tIns="0" bIns="0"/>
-          <a:p>
-            <a:endParaRPr b="0" lang="en-US" sz="2200" spc="-1" strike="noStrike">
-              <a:solidFill>
-                <a:srgbClr val="000000"/>
-              </a:solidFill>
-              <a:latin typeface="Source Sans Pro"/>
-            </a:endParaRPr>
-          </a:p>
-        </p:txBody>
-      </p:sp>
-      <p:sp>
-        <p:nvSpPr>
-          <p:cNvPr id="25" name="PlaceHolder 3"/>
+            <a:ext cx="4426560" cy="2091240"/>
+          </a:xfrm>
+          <a:prstGeom prst="rect">
+            <a:avLst/>
+          </a:prstGeom>
+        </p:spPr>
+        <p:txBody>
+          <a:bodyPr lIns="0" rIns="0" tIns="0" bIns="0">
+            <a:normAutofit/>
+          </a:bodyPr>
+          <a:p>
+            <a:endParaRPr b="0" lang="en-US" sz="3200" spc="-1" strike="noStrike">
+              <a:latin typeface="Arial"/>
+            </a:endParaRPr>
+          </a:p>
+        </p:txBody>
+      </p:sp>
+      <p:sp>
+        <p:nvSpPr>
+          <p:cNvPr id="22" name="PlaceHolder 3"/>
           <p:cNvSpPr>
             <a:spLocks noGrp="1"/>
           </p:cNvSpPr>
@@ -2732,28 +2647,27 @@
         </p:nvSpPr>
         <p:spPr>
           <a:xfrm>
-            <a:off x="5152680" y="2273040"/>
-            <a:ext cx="4426920" cy="2091240"/>
-          </a:xfrm>
-          <a:prstGeom prst="rect">
-            <a:avLst/>
-          </a:prstGeom>
-        </p:spPr>
-        <p:txBody>
-          <a:bodyPr lIns="0" rIns="0" tIns="0" bIns="0"/>
-          <a:p>
-            <a:endParaRPr b="0" lang="en-US" sz="2200" spc="-1" strike="noStrike">
-              <a:solidFill>
-                <a:srgbClr val="000000"/>
-              </a:solidFill>
-              <a:latin typeface="Source Sans Pro"/>
-            </a:endParaRPr>
-          </a:p>
-        </p:txBody>
-      </p:sp>
-      <p:sp>
-        <p:nvSpPr>
-          <p:cNvPr id="26" name="PlaceHolder 4"/>
+            <a:off x="5152320" y="2273040"/>
+            <a:ext cx="4426560" cy="2091240"/>
+          </a:xfrm>
+          <a:prstGeom prst="rect">
+            <a:avLst/>
+          </a:prstGeom>
+        </p:spPr>
+        <p:txBody>
+          <a:bodyPr lIns="0" rIns="0" tIns="0" bIns="0">
+            <a:normAutofit/>
+          </a:bodyPr>
+          <a:p>
+            <a:endParaRPr b="0" lang="en-US" sz="3200" spc="-1" strike="noStrike">
+              <a:latin typeface="Arial"/>
+            </a:endParaRPr>
+          </a:p>
+        </p:txBody>
+      </p:sp>
+      <p:sp>
+        <p:nvSpPr>
+          <p:cNvPr id="23" name="PlaceHolder 4"/>
           <p:cNvSpPr>
             <a:spLocks noGrp="1"/>
           </p:cNvSpPr>
@@ -2764,20 +2678,19 @@
         <p:spPr>
           <a:xfrm>
             <a:off x="504000" y="4563360"/>
-            <a:ext cx="9071640" cy="2091240"/>
-          </a:xfrm>
-          <a:prstGeom prst="rect">
-            <a:avLst/>
-          </a:prstGeom>
-        </p:spPr>
-        <p:txBody>
-          <a:bodyPr lIns="0" rIns="0" tIns="0" bIns="0"/>
-          <a:p>
-            <a:endParaRPr b="0" lang="en-US" sz="2200" spc="-1" strike="noStrike">
-              <a:solidFill>
-                <a:srgbClr val="000000"/>
-              </a:solidFill>
-              <a:latin typeface="Source Sans Pro"/>
+            <a:ext cx="9071280" cy="2091240"/>
+          </a:xfrm>
+          <a:prstGeom prst="rect">
+            <a:avLst/>
+          </a:prstGeom>
+        </p:spPr>
+        <p:txBody>
+          <a:bodyPr lIns="0" rIns="0" tIns="0" bIns="0">
+            <a:normAutofit/>
+          </a:bodyPr>
+          <a:p>
+            <a:endParaRPr b="0" lang="en-US" sz="3200" spc="-1" strike="noStrike">
+              <a:latin typeface="Arial"/>
             </a:endParaRPr>
           </a:p>
         </p:txBody>
@@ -2817,7 +2730,7 @@
         <p:spPr>
           <a:xfrm>
             <a:off x="360" y="360"/>
-            <a:ext cx="10058040" cy="7543440"/>
+            <a:ext cx="10057680" cy="7543080"/>
           </a:xfrm>
           <a:prstGeom prst="rect">
             <a:avLst/>
@@ -2839,8 +2752,8 @@
         </p:nvSpPr>
         <p:spPr>
           <a:xfrm>
-            <a:off x="3477600" y="2482200"/>
-            <a:ext cx="5643000" cy="1353960"/>
+            <a:off x="504000" y="805320"/>
+            <a:ext cx="9071280" cy="1261800"/>
           </a:xfrm>
           <a:prstGeom prst="rect">
             <a:avLst/>
@@ -2849,21 +2762,14 @@
         <p:txBody>
           <a:bodyPr lIns="0" rIns="0" tIns="0" bIns="0" anchor="ctr"/>
           <a:p>
-            <a:pPr algn="r"/>
             <a:r>
-              <a:rPr b="0" lang="en-US" sz="4400" spc="-1" strike="noStrike">
-                <a:solidFill>
-                  <a:srgbClr val="ffffff"/>
-                </a:solidFill>
-                <a:latin typeface="Source Sans Pro"/>
+              <a:rPr b="0" lang="en-US" sz="1800" spc="-1" strike="noStrike">
+                <a:latin typeface="Arial"/>
               </a:rPr>
               <a:t>Click to edit the title text format</a:t>
             </a:r>
-            <a:endParaRPr b="0" lang="en-US" sz="4400" spc="-1" strike="noStrike">
-              <a:solidFill>
-                <a:srgbClr val="ffffff"/>
-              </a:solidFill>
-              <a:latin typeface="Source Sans Pro"/>
+            <a:endParaRPr b="0" lang="en-US" sz="1800" spc="-1" strike="noStrike">
+              <a:latin typeface="Arial"/>
             </a:endParaRPr>
           </a:p>
         </p:txBody>
@@ -2871,110 +2777,6 @@
       <p:sp>
         <p:nvSpPr>
           <p:cNvPr id="2" name="PlaceHolder 2"/>
-          <p:cNvSpPr>
-            <a:spLocks noGrp="1"/>
-          </p:cNvSpPr>
-          <p:nvPr>
-            <p:ph type="dt"/>
-          </p:nvPr>
-        </p:nvSpPr>
-        <p:spPr>
-          <a:xfrm>
-            <a:off x="288720" y="6995160"/>
-            <a:ext cx="1677600" cy="521280"/>
-          </a:xfrm>
-          <a:prstGeom prst="rect">
-            <a:avLst/>
-          </a:prstGeom>
-        </p:spPr>
-        <p:txBody>
-          <a:bodyPr lIns="0" rIns="0" tIns="0" bIns="0"/>
-          <a:p>
-            <a:r>
-              <a:rPr b="0" lang="en-US" sz="1400" spc="-1" strike="noStrike">
-                <a:latin typeface="Century Gothic"/>
-              </a:rPr>
-              <a:t>&lt;date/time&gt;</a:t>
-            </a:r>
-            <a:endParaRPr b="0" lang="en-US" sz="1400" spc="-1" strike="noStrike">
-              <a:latin typeface="Century Gothic"/>
-            </a:endParaRPr>
-          </a:p>
-        </p:txBody>
-      </p:sp>
-      <p:sp>
-        <p:nvSpPr>
-          <p:cNvPr id="3" name="PlaceHolder 3"/>
-          <p:cNvSpPr>
-            <a:spLocks noGrp="1"/>
-          </p:cNvSpPr>
-          <p:nvPr>
-            <p:ph type="ftr"/>
-          </p:nvPr>
-        </p:nvSpPr>
-        <p:spPr>
-          <a:xfrm>
-            <a:off x="3948120" y="6995160"/>
-            <a:ext cx="2023200" cy="521280"/>
-          </a:xfrm>
-          <a:prstGeom prst="rect">
-            <a:avLst/>
-          </a:prstGeom>
-        </p:spPr>
-        <p:txBody>
-          <a:bodyPr lIns="0" rIns="0" tIns="0" bIns="0"/>
-          <a:p>
-            <a:pPr algn="ctr"/>
-            <a:r>
-              <a:rPr b="0" lang="en-US" sz="1400" spc="-1" strike="noStrike">
-                <a:latin typeface="Century Gothic"/>
-              </a:rPr>
-              <a:t>&lt;footer&gt;</a:t>
-            </a:r>
-            <a:endParaRPr b="0" lang="en-US" sz="1400" spc="-1" strike="noStrike">
-              <a:latin typeface="Century Gothic"/>
-            </a:endParaRPr>
-          </a:p>
-        </p:txBody>
-      </p:sp>
-      <p:sp>
-        <p:nvSpPr>
-          <p:cNvPr id="4" name="PlaceHolder 4"/>
-          <p:cNvSpPr>
-            <a:spLocks noGrp="1"/>
-          </p:cNvSpPr>
-          <p:nvPr>
-            <p:ph type="sldNum"/>
-          </p:nvPr>
-        </p:nvSpPr>
-        <p:spPr>
-          <a:xfrm>
-            <a:off x="7953120" y="6995160"/>
-            <a:ext cx="1803240" cy="521280"/>
-          </a:xfrm>
-          <a:prstGeom prst="rect">
-            <a:avLst/>
-          </a:prstGeom>
-        </p:spPr>
-        <p:txBody>
-          <a:bodyPr lIns="0" rIns="0" tIns="0" bIns="0"/>
-          <a:p>
-            <a:pPr algn="r"/>
-            <a:fld id="{6D2BB84E-8E05-4F70-9B5E-F3B61A8B7CBE}" type="slidenum">
-              <a:rPr b="0" lang="en-US" sz="1400" spc="-1" strike="noStrike">
-                <a:latin typeface="Century Gothic"/>
-              </a:rPr>
-              <a:t>&lt;number&gt;</a:t>
-            </a:fld>
-            <a:endParaRPr b="0" lang="en-US" sz="1400" spc="-1" strike="noStrike">
-              <a:latin typeface="Century Gothic"/>
-            </a:endParaRPr>
-          </a:p>
-        </p:txBody>
-      </p:sp>
-      <p:sp>
-        <p:nvSpPr>
-          <p:cNvPr id="5" name="PlaceHolder 5"/>
           <p:cNvSpPr>
             <a:spLocks noGrp="1"/>
           </p:cNvSpPr>
@@ -2984,20 +2786,22 @@
         </p:nvSpPr>
         <p:spPr>
           <a:xfrm>
-            <a:off x="504000" y="1769040"/>
-            <a:ext cx="9071640" cy="4384800"/>
-          </a:xfrm>
-          <a:prstGeom prst="rect">
-            <a:avLst/>
-          </a:prstGeom>
-        </p:spPr>
-        <p:txBody>
-          <a:bodyPr lIns="0" rIns="0" tIns="0" bIns="0"/>
+            <a:off x="504000" y="1768680"/>
+            <a:ext cx="9072000" cy="4384080"/>
+          </a:xfrm>
+          <a:prstGeom prst="rect">
+            <a:avLst/>
+          </a:prstGeom>
+        </p:spPr>
+        <p:txBody>
+          <a:bodyPr lIns="0" rIns="0" tIns="0" bIns="0">
+            <a:normAutofit/>
+          </a:bodyPr>
           <a:p>
             <a:pPr marL="432000" indent="-324000">
-              <a:spcAft>
+              <a:spcBef>
                 <a:spcPts val="1417"/>
-              </a:spcAft>
+              </a:spcBef>
               <a:buClr>
                 <a:srgbClr val="000000"/>
               </a:buClr>
@@ -3017,9 +2821,9 @@
           </a:p>
           <a:p>
             <a:pPr lvl="1" marL="864000" indent="-324000">
-              <a:spcAft>
+              <a:spcBef>
                 <a:spcPts val="1134"/>
-              </a:spcAft>
+              </a:spcBef>
               <a:buClr>
                 <a:srgbClr val="000000"/>
               </a:buClr>
@@ -3039,9 +2843,9 @@
           </a:p>
           <a:p>
             <a:pPr lvl="2" marL="1296000" indent="-288000">
-              <a:spcAft>
+              <a:spcBef>
                 <a:spcPts val="850"/>
-              </a:spcAft>
+              </a:spcBef>
               <a:buClr>
                 <a:srgbClr val="000000"/>
               </a:buClr>
@@ -3061,9 +2865,9 @@
           </a:p>
           <a:p>
             <a:pPr lvl="3" marL="1728000" indent="-216000">
-              <a:spcAft>
+              <a:spcBef>
                 <a:spcPts val="567"/>
-              </a:spcAft>
+              </a:spcBef>
               <a:buClr>
                 <a:srgbClr val="000000"/>
               </a:buClr>
@@ -3083,9 +2887,9 @@
           </a:p>
           <a:p>
             <a:pPr lvl="4" marL="2160000" indent="-216000">
-              <a:spcAft>
+              <a:spcBef>
                 <a:spcPts val="283"/>
-              </a:spcAft>
+              </a:spcBef>
               <a:buClr>
                 <a:srgbClr val="000000"/>
               </a:buClr>
@@ -3105,9 +2909,9 @@
           </a:p>
           <a:p>
             <a:pPr lvl="5" marL="2592000" indent="-216000">
-              <a:spcAft>
+              <a:spcBef>
                 <a:spcPts val="283"/>
-              </a:spcAft>
+              </a:spcBef>
               <a:buClr>
                 <a:srgbClr val="000000"/>
               </a:buClr>
@@ -3127,9 +2931,9 @@
           </a:p>
           <a:p>
             <a:pPr lvl="6" marL="3024000" indent="-216000">
-              <a:spcAft>
+              <a:spcBef>
                 <a:spcPts val="283"/>
-              </a:spcAft>
+              </a:spcBef>
               <a:buClr>
                 <a:srgbClr val="000000"/>
               </a:buClr>
@@ -3188,7 +2992,7 @@
       </p:grpSpPr>
       <p:pic>
         <p:nvPicPr>
-          <p:cNvPr id="42" name="" descr=""/>
+          <p:cNvPr id="39" name="" descr=""/>
           <p:cNvPicPr/>
           <p:nvPr/>
         </p:nvPicPr>
@@ -3199,7 +3003,7 @@
         <p:spPr>
           <a:xfrm>
             <a:off x="0" y="360"/>
-            <a:ext cx="10073160" cy="7543440"/>
+            <a:ext cx="10072800" cy="7543080"/>
           </a:xfrm>
           <a:prstGeom prst="rect">
             <a:avLst/>
@@ -3211,7 +3015,7 @@
       </p:pic>
       <p:sp>
         <p:nvSpPr>
-          <p:cNvPr id="43" name="PlaceHolder 1"/>
+          <p:cNvPr id="40" name="PlaceHolder 1"/>
           <p:cNvSpPr>
             <a:spLocks noGrp="1"/>
           </p:cNvSpPr>
@@ -3222,7 +3026,7 @@
         <p:spPr>
           <a:xfrm>
             <a:off x="504000" y="805320"/>
-            <a:ext cx="9071640" cy="1262160"/>
+            <a:ext cx="9071280" cy="1261800"/>
           </a:xfrm>
           <a:prstGeom prst="rect">
             <a:avLst/>
@@ -3232,26 +3036,20 @@
           <a:bodyPr lIns="0" rIns="0" tIns="0" bIns="0" anchor="ctr"/>
           <a:p>
             <a:r>
-              <a:rPr b="0" lang="en-US" sz="3200" spc="-1" strike="noStrike">
-                <a:solidFill>
-                  <a:srgbClr val="3399ff"/>
-                </a:solidFill>
-                <a:latin typeface="Source Sans Pro"/>
+              <a:rPr b="0" lang="en-US" sz="1800" spc="-1" strike="noStrike">
+                <a:latin typeface="Arial"/>
               </a:rPr>
               <a:t>Click to edit the title text format</a:t>
             </a:r>
-            <a:endParaRPr b="0" lang="en-US" sz="3200" spc="-1" strike="noStrike">
-              <a:solidFill>
-                <a:srgbClr val="3399ff"/>
-              </a:solidFill>
-              <a:latin typeface="Source Sans Pro"/>
-            </a:endParaRPr>
-          </a:p>
-        </p:txBody>
-      </p:sp>
-      <p:sp>
-        <p:nvSpPr>
-          <p:cNvPr id="44" name="PlaceHolder 2"/>
+            <a:endParaRPr b="0" lang="en-US" sz="1800" spc="-1" strike="noStrike">
+              <a:latin typeface="Arial"/>
+            </a:endParaRPr>
+          </a:p>
+        </p:txBody>
+      </p:sp>
+      <p:sp>
+        <p:nvSpPr>
+          <p:cNvPr id="41" name="PlaceHolder 2"/>
           <p:cNvSpPr>
             <a:spLocks noGrp="1"/>
           </p:cNvSpPr>
@@ -3262,7 +3060,7 @@
         <p:spPr>
           <a:xfrm>
             <a:off x="504000" y="2273040"/>
-            <a:ext cx="9071640" cy="4384800"/>
+            <a:ext cx="9071280" cy="4384440"/>
           </a:xfrm>
           <a:prstGeom prst="rect">
             <a:avLst/>
@@ -3272,9 +3070,9 @@
           <a:bodyPr lIns="0" rIns="0" tIns="0" bIns="0"/>
           <a:p>
             <a:pPr marL="432000" indent="-324000">
-              <a:spcAft>
+              <a:spcBef>
                 <a:spcPts val="1417"/>
-              </a:spcAft>
+              </a:spcBef>
               <a:buClr>
                 <a:srgbClr val="000000"/>
               </a:buClr>
@@ -3283,26 +3081,20 @@
               <a:buChar char=""/>
             </a:pPr>
             <a:r>
-              <a:rPr b="0" lang="en-US" sz="2200" spc="-1" strike="noStrike">
-                <a:solidFill>
-                  <a:srgbClr val="000000"/>
-                </a:solidFill>
-                <a:latin typeface="Source Sans Pro"/>
+              <a:rPr b="0" lang="en-US" sz="1800" spc="-1" strike="noStrike">
+                <a:latin typeface="Arial"/>
               </a:rPr>
               <a:t>Click to edit the outline text format</a:t>
             </a:r>
-            <a:endParaRPr b="0" lang="en-US" sz="2200" spc="-1" strike="noStrike">
-              <a:solidFill>
-                <a:srgbClr val="000000"/>
-              </a:solidFill>
-              <a:latin typeface="Source Sans Pro"/>
+            <a:endParaRPr b="0" lang="en-US" sz="1800" spc="-1" strike="noStrike">
+              <a:latin typeface="Arial"/>
             </a:endParaRPr>
           </a:p>
           <a:p>
             <a:pPr lvl="1" marL="864000" indent="-324000">
-              <a:spcAft>
+              <a:spcBef>
                 <a:spcPts val="1134"/>
-              </a:spcAft>
+              </a:spcBef>
               <a:buClr>
                 <a:srgbClr val="000000"/>
               </a:buClr>
@@ -3312,25 +3104,19 @@
             </a:pPr>
             <a:r>
               <a:rPr b="0" lang="en-US" sz="1800" spc="-1" strike="noStrike">
-                <a:solidFill>
-                  <a:srgbClr val="111111"/>
-                </a:solidFill>
-                <a:latin typeface="Corbel"/>
+                <a:latin typeface="Arial"/>
               </a:rPr>
               <a:t>Second Outline Level</a:t>
             </a:r>
             <a:endParaRPr b="0" lang="en-US" sz="1800" spc="-1" strike="noStrike">
-              <a:solidFill>
-                <a:srgbClr val="111111"/>
-              </a:solidFill>
-              <a:latin typeface="Corbel"/>
+              <a:latin typeface="Arial"/>
             </a:endParaRPr>
           </a:p>
           <a:p>
             <a:pPr lvl="2" marL="1296000" indent="-288000">
-              <a:spcAft>
+              <a:spcBef>
                 <a:spcPts val="850"/>
-              </a:spcAft>
+              </a:spcBef>
               <a:buClr>
                 <a:srgbClr val="000000"/>
               </a:buClr>
@@ -3340,25 +3126,19 @@
             </a:pPr>
             <a:r>
               <a:rPr b="0" lang="en-US" sz="1800" spc="-1" strike="noStrike">
-                <a:solidFill>
-                  <a:srgbClr val="111111"/>
-                </a:solidFill>
-                <a:latin typeface="Corbel"/>
+                <a:latin typeface="Arial"/>
               </a:rPr>
               <a:t>Third Outline Level</a:t>
             </a:r>
             <a:endParaRPr b="0" lang="en-US" sz="1800" spc="-1" strike="noStrike">
-              <a:solidFill>
-                <a:srgbClr val="111111"/>
-              </a:solidFill>
-              <a:latin typeface="Corbel"/>
+              <a:latin typeface="Arial"/>
             </a:endParaRPr>
           </a:p>
           <a:p>
             <a:pPr lvl="3" marL="1728000" indent="-216000">
-              <a:spcAft>
+              <a:spcBef>
                 <a:spcPts val="567"/>
-              </a:spcAft>
+              </a:spcBef>
               <a:buClr>
                 <a:srgbClr val="000000"/>
               </a:buClr>
@@ -3368,25 +3148,19 @@
             </a:pPr>
             <a:r>
               <a:rPr b="0" lang="en-US" sz="1800" spc="-1" strike="noStrike">
-                <a:solidFill>
-                  <a:srgbClr val="111111"/>
-                </a:solidFill>
-                <a:latin typeface="Corbel"/>
+                <a:latin typeface="Arial"/>
               </a:rPr>
               <a:t>Fourth Outline Level</a:t>
             </a:r>
             <a:endParaRPr b="0" lang="en-US" sz="1800" spc="-1" strike="noStrike">
-              <a:solidFill>
-                <a:srgbClr val="111111"/>
-              </a:solidFill>
-              <a:latin typeface="Corbel"/>
+              <a:latin typeface="Arial"/>
             </a:endParaRPr>
           </a:p>
           <a:p>
             <a:pPr lvl="4" marL="2160000" indent="-216000">
-              <a:spcAft>
+              <a:spcBef>
                 <a:spcPts val="283"/>
-              </a:spcAft>
+              </a:spcBef>
               <a:buClr>
                 <a:srgbClr val="000000"/>
               </a:buClr>
@@ -3396,25 +3170,19 @@
             </a:pPr>
             <a:r>
               <a:rPr b="0" lang="en-US" sz="1800" spc="-1" strike="noStrike">
-                <a:solidFill>
-                  <a:srgbClr val="111111"/>
-                </a:solidFill>
-                <a:latin typeface="Corbel"/>
+                <a:latin typeface="Arial"/>
               </a:rPr>
               <a:t>Fifth Outline Level</a:t>
             </a:r>
             <a:endParaRPr b="0" lang="en-US" sz="1800" spc="-1" strike="noStrike">
-              <a:solidFill>
-                <a:srgbClr val="111111"/>
-              </a:solidFill>
-              <a:latin typeface="Corbel"/>
+              <a:latin typeface="Arial"/>
             </a:endParaRPr>
           </a:p>
           <a:p>
             <a:pPr lvl="5" marL="2592000" indent="-216000">
-              <a:spcAft>
+              <a:spcBef>
                 <a:spcPts val="283"/>
-              </a:spcAft>
+              </a:spcBef>
               <a:buClr>
                 <a:srgbClr val="000000"/>
               </a:buClr>
@@ -3424,25 +3192,19 @@
             </a:pPr>
             <a:r>
               <a:rPr b="0" lang="en-US" sz="1800" spc="-1" strike="noStrike">
-                <a:solidFill>
-                  <a:srgbClr val="111111"/>
-                </a:solidFill>
-                <a:latin typeface="Corbel"/>
+                <a:latin typeface="Arial"/>
               </a:rPr>
               <a:t>Sixth Outline Level</a:t>
             </a:r>
             <a:endParaRPr b="0" lang="en-US" sz="1800" spc="-1" strike="noStrike">
-              <a:solidFill>
-                <a:srgbClr val="111111"/>
-              </a:solidFill>
-              <a:latin typeface="Corbel"/>
+              <a:latin typeface="Arial"/>
             </a:endParaRPr>
           </a:p>
           <a:p>
             <a:pPr lvl="6" marL="3024000" indent="-216000">
-              <a:spcAft>
+              <a:spcBef>
                 <a:spcPts val="283"/>
-              </a:spcAft>
+              </a:spcBef>
               <a:buClr>
                 <a:srgbClr val="000000"/>
               </a:buClr>
@@ -3452,122 +3214,12 @@
             </a:pPr>
             <a:r>
               <a:rPr b="0" lang="en-US" sz="1800" spc="-1" strike="noStrike">
-                <a:solidFill>
-                  <a:srgbClr val="111111"/>
-                </a:solidFill>
-                <a:latin typeface="Corbel"/>
+                <a:latin typeface="Arial"/>
               </a:rPr>
               <a:t>Seventh Outline Level</a:t>
             </a:r>
             <a:endParaRPr b="0" lang="en-US" sz="1800" spc="-1" strike="noStrike">
-              <a:solidFill>
-                <a:srgbClr val="111111"/>
-              </a:solidFill>
-              <a:latin typeface="Corbel"/>
-            </a:endParaRPr>
-          </a:p>
-        </p:txBody>
-      </p:sp>
-      <p:sp>
-        <p:nvSpPr>
-          <p:cNvPr id="45" name="PlaceHolder 3"/>
-          <p:cNvSpPr>
-            <a:spLocks noGrp="1"/>
-          </p:cNvSpPr>
-          <p:nvPr>
-            <p:ph type="dt"/>
-          </p:nvPr>
-        </p:nvSpPr>
-        <p:spPr>
-          <a:xfrm>
-            <a:off x="288360" y="6995160"/>
-            <a:ext cx="1677600" cy="521280"/>
-          </a:xfrm>
-          <a:prstGeom prst="rect">
-            <a:avLst/>
-          </a:prstGeom>
-        </p:spPr>
-        <p:txBody>
-          <a:bodyPr lIns="0" rIns="0" tIns="0" bIns="0"/>
-          <a:p>
-            <a:r>
-              <a:rPr b="0" lang="en-US" sz="1400" spc="-1" strike="noStrike">
-                <a:latin typeface="Century Gothic"/>
-              </a:rPr>
-              <a:t>&lt;date/time&gt;</a:t>
-            </a:r>
-            <a:endParaRPr b="0" lang="en-US" sz="1400" spc="-1" strike="noStrike">
-              <a:latin typeface="Century Gothic"/>
-            </a:endParaRPr>
-          </a:p>
-        </p:txBody>
-      </p:sp>
-      <p:sp>
-        <p:nvSpPr>
-          <p:cNvPr id="46" name="PlaceHolder 4"/>
-          <p:cNvSpPr>
-            <a:spLocks noGrp="1"/>
-          </p:cNvSpPr>
-          <p:nvPr>
-            <p:ph type="ftr"/>
-          </p:nvPr>
-        </p:nvSpPr>
-        <p:spPr>
-          <a:xfrm>
-            <a:off x="3947760" y="6995160"/>
-            <a:ext cx="2023200" cy="521280"/>
-          </a:xfrm>
-          <a:prstGeom prst="rect">
-            <a:avLst/>
-          </a:prstGeom>
-        </p:spPr>
-        <p:txBody>
-          <a:bodyPr lIns="0" rIns="0" tIns="0" bIns="0"/>
-          <a:p>
-            <a:pPr algn="ctr"/>
-            <a:r>
-              <a:rPr b="0" lang="en-US" sz="1400" spc="-1" strike="noStrike">
-                <a:latin typeface="Century Gothic"/>
-              </a:rPr>
-              <a:t>&lt;footer&gt;</a:t>
-            </a:r>
-            <a:endParaRPr b="0" lang="en-US" sz="1400" spc="-1" strike="noStrike">
-              <a:latin typeface="Century Gothic"/>
-            </a:endParaRPr>
-          </a:p>
-        </p:txBody>
-      </p:sp>
-      <p:sp>
-        <p:nvSpPr>
-          <p:cNvPr id="47" name="PlaceHolder 5"/>
-          <p:cNvSpPr>
-            <a:spLocks noGrp="1"/>
-          </p:cNvSpPr>
-          <p:nvPr>
-            <p:ph type="sldNum"/>
-          </p:nvPr>
-        </p:nvSpPr>
-        <p:spPr>
-          <a:xfrm>
-            <a:off x="7952760" y="6995160"/>
-            <a:ext cx="1803240" cy="521280"/>
-          </a:xfrm>
-          <a:prstGeom prst="rect">
-            <a:avLst/>
-          </a:prstGeom>
-        </p:spPr>
-        <p:txBody>
-          <a:bodyPr lIns="0" rIns="0" tIns="0" bIns="0"/>
-          <a:p>
-            <a:pPr algn="r"/>
-            <a:fld id="{ED76BBAA-7350-4BA1-BF9B-03EF637B8389}" type="slidenum">
-              <a:rPr b="0" lang="en-US" sz="1400" spc="-1" strike="noStrike">
-                <a:latin typeface="Century Gothic"/>
-              </a:rPr>
-              <a:t>&lt;number&gt;</a:t>
-            </a:fld>
-            <a:endParaRPr b="0" lang="en-US" sz="1400" spc="-1" strike="noStrike">
-              <a:latin typeface="Century Gothic"/>
+              <a:latin typeface="Arial"/>
             </a:endParaRPr>
           </a:p>
         </p:txBody>
@@ -3611,14 +3263,14 @@
       </p:grpSpPr>
       <p:sp>
         <p:nvSpPr>
-          <p:cNvPr id="84" name="TextShape 1"/>
-          <p:cNvSpPr txBox="1"/>
+          <p:cNvPr id="78" name="CustomShape 1"/>
+          <p:cNvSpPr/>
           <p:nvPr/>
         </p:nvSpPr>
         <p:spPr>
           <a:xfrm>
             <a:off x="3825000" y="2851200"/>
-            <a:ext cx="5643000" cy="1093320"/>
+            <a:ext cx="5642640" cy="1092960"/>
           </a:xfrm>
           <a:prstGeom prst="rect">
             <a:avLst/>
@@ -3628,29 +3280,23 @@
             <a:noFill/>
           </a:ln>
         </p:spPr>
-        <p:txBody>
-          <a:bodyPr lIns="0" rIns="0" tIns="0" bIns="0" anchor="ctr"/>
-          <a:p>
-            <a:pPr algn="r"/>
-            <a:endParaRPr b="0" lang="en-US" sz="4400" spc="-1" strike="noStrike">
-              <a:solidFill>
-                <a:srgbClr val="ffffff"/>
-              </a:solidFill>
-              <a:latin typeface="Source Sans Pro"/>
-            </a:endParaRPr>
-          </a:p>
-        </p:txBody>
-      </p:sp>
-      <p:sp>
-        <p:nvSpPr>
-          <p:cNvPr id="85" name="TextShape 2"/>
-          <p:cNvSpPr txBox="1"/>
+        <p:style>
+          <a:lnRef idx="0"/>
+          <a:fillRef idx="0"/>
+          <a:effectRef idx="0"/>
+          <a:fontRef idx="minor"/>
+        </p:style>
+      </p:sp>
+      <p:sp>
+        <p:nvSpPr>
+          <p:cNvPr id="79" name="CustomShape 2"/>
+          <p:cNvSpPr/>
           <p:nvPr/>
         </p:nvSpPr>
         <p:spPr>
           <a:xfrm>
             <a:off x="5257800" y="4150800"/>
-            <a:ext cx="4210200" cy="685800"/>
+            <a:ext cx="4209840" cy="685440"/>
           </a:xfrm>
           <a:prstGeom prst="rect">
             <a:avLst/>
@@ -3660,18 +3306,12 @@
             <a:noFill/>
           </a:ln>
         </p:spPr>
-        <p:txBody>
-          <a:bodyPr lIns="0" rIns="0" tIns="0" bIns="0" anchor="ctr"/>
-          <a:p>
-            <a:pPr algn="r"/>
-            <a:endParaRPr b="0" lang="en-US" sz="3200" spc="-1" strike="noStrike">
-              <a:solidFill>
-                <a:srgbClr val="ffffff"/>
-              </a:solidFill>
-              <a:latin typeface="Source Sans Pro"/>
-            </a:endParaRPr>
-          </a:p>
-        </p:txBody>
+        <p:style>
+          <a:lnRef idx="0"/>
+          <a:fillRef idx="0"/>
+          <a:effectRef idx="0"/>
+          <a:fontRef idx="minor"/>
+        </p:style>
       </p:sp>
     </p:spTree>
   </p:cSld>
@@ -3724,14 +3364,14 @@
       </p:grpSpPr>
       <p:sp>
         <p:nvSpPr>
-          <p:cNvPr id="106" name="TextShape 1"/>
-          <p:cNvSpPr txBox="1"/>
+          <p:cNvPr id="99" name="CustomShape 1"/>
+          <p:cNvSpPr/>
           <p:nvPr/>
         </p:nvSpPr>
         <p:spPr>
           <a:xfrm>
             <a:off x="504000" y="805320"/>
-            <a:ext cx="9071640" cy="1262160"/>
+            <a:ext cx="9071280" cy="1261800"/>
           </a:xfrm>
           <a:prstGeom prst="rect">
             <a:avLst/>
@@ -3741,21 +3381,42 @@
             <a:noFill/>
           </a:ln>
         </p:spPr>
-        <p:txBody>
-          <a:bodyPr lIns="0" rIns="0" tIns="0" bIns="0" anchor="ctr"/>
-          <a:p>
-            <a:endParaRPr b="0" lang="en-US" sz="3200" spc="-1" strike="noStrike">
-              <a:solidFill>
-                <a:srgbClr val="3399ff"/>
-              </a:solidFill>
-              <a:latin typeface="Source Sans Pro"/>
-            </a:endParaRPr>
-          </a:p>
-        </p:txBody>
+        <p:style>
+          <a:lnRef idx="0"/>
+          <a:fillRef idx="0"/>
+          <a:effectRef idx="0"/>
+          <a:fontRef idx="minor"/>
+        </p:style>
+      </p:sp>
+      <p:sp>
+        <p:nvSpPr>
+          <p:cNvPr id="100" name="CustomShape 2"/>
+          <p:cNvSpPr/>
+          <p:nvPr/>
+        </p:nvSpPr>
+        <p:spPr>
+          <a:xfrm>
+            <a:off x="504000" y="2273040"/>
+            <a:ext cx="9071280" cy="4384440"/>
+          </a:xfrm>
+          <a:prstGeom prst="rect">
+            <a:avLst/>
+          </a:prstGeom>
+          <a:noFill/>
+          <a:ln>
+            <a:noFill/>
+          </a:ln>
+        </p:spPr>
+        <p:style>
+          <a:lnRef idx="0"/>
+          <a:fillRef idx="0"/>
+          <a:effectRef idx="0"/>
+          <a:fontRef idx="minor"/>
+        </p:style>
       </p:sp>
       <p:pic>
         <p:nvPicPr>
-          <p:cNvPr id="107" name="" descr=""/>
+          <p:cNvPr id="101" name="" descr=""/>
           <p:cNvPicPr/>
           <p:nvPr/>
         </p:nvPicPr>
@@ -3765,8 +3426,8 @@
         </p:blipFill>
         <p:spPr>
           <a:xfrm>
-            <a:off x="180360" y="180720"/>
-            <a:ext cx="9768240" cy="7199640"/>
+            <a:off x="180720" y="180720"/>
+            <a:ext cx="9719280" cy="7199280"/>
           </a:xfrm>
           <a:prstGeom prst="rect">
             <a:avLst/>
@@ -3827,14 +3488,14 @@
       </p:grpSpPr>
       <p:sp>
         <p:nvSpPr>
-          <p:cNvPr id="108" name="TextShape 1"/>
-          <p:cNvSpPr txBox="1"/>
+          <p:cNvPr id="102" name="CustomShape 1"/>
+          <p:cNvSpPr/>
           <p:nvPr/>
         </p:nvSpPr>
         <p:spPr>
           <a:xfrm>
             <a:off x="504000" y="805320"/>
-            <a:ext cx="9071640" cy="1262160"/>
+            <a:ext cx="9071280" cy="1261800"/>
           </a:xfrm>
           <a:prstGeom prst="rect">
             <a:avLst/>
@@ -3844,52 +3505,16 @@
             <a:noFill/>
           </a:ln>
         </p:spPr>
-        <p:txBody>
-          <a:bodyPr lIns="0" rIns="0" tIns="0" bIns="0" anchor="ctr"/>
-          <a:p>
-            <a:endParaRPr b="0" lang="en-US" sz="3200" spc="-1" strike="noStrike">
-              <a:solidFill>
-                <a:srgbClr val="3399ff"/>
-              </a:solidFill>
-              <a:latin typeface="Source Sans Pro"/>
-            </a:endParaRPr>
-          </a:p>
-        </p:txBody>
-      </p:sp>
-      <p:sp>
-        <p:nvSpPr>
-          <p:cNvPr id="109" name="TextShape 2"/>
-          <p:cNvSpPr txBox="1"/>
-          <p:nvPr/>
-        </p:nvSpPr>
-        <p:spPr>
-          <a:xfrm>
-            <a:off x="504000" y="2273040"/>
-            <a:ext cx="9071640" cy="4384800"/>
-          </a:xfrm>
-          <a:prstGeom prst="rect">
-            <a:avLst/>
-          </a:prstGeom>
-          <a:noFill/>
-          <a:ln>
-            <a:noFill/>
-          </a:ln>
-        </p:spPr>
-        <p:txBody>
-          <a:bodyPr lIns="0" rIns="0" tIns="0" bIns="0"/>
-          <a:p>
-            <a:endParaRPr b="0" lang="en-US" sz="2200" spc="-1" strike="noStrike">
-              <a:solidFill>
-                <a:srgbClr val="000000"/>
-              </a:solidFill>
-              <a:latin typeface="Source Sans Pro"/>
-            </a:endParaRPr>
-          </a:p>
-        </p:txBody>
+        <p:style>
+          <a:lnRef idx="0"/>
+          <a:fillRef idx="0"/>
+          <a:effectRef idx="0"/>
+          <a:fontRef idx="minor"/>
+        </p:style>
       </p:sp>
       <p:pic>
         <p:nvPicPr>
-          <p:cNvPr id="110" name="" descr=""/>
+          <p:cNvPr id="103" name="" descr=""/>
           <p:cNvPicPr/>
           <p:nvPr/>
         </p:nvPicPr>
@@ -3899,8 +3524,8 @@
         </p:blipFill>
         <p:spPr>
           <a:xfrm>
-            <a:off x="251280" y="180720"/>
-            <a:ext cx="9648720" cy="7199640"/>
+            <a:off x="180360" y="180720"/>
+            <a:ext cx="9767880" cy="7199280"/>
           </a:xfrm>
           <a:prstGeom prst="rect">
             <a:avLst/>
@@ -3961,14 +3586,14 @@
       </p:grpSpPr>
       <p:sp>
         <p:nvSpPr>
-          <p:cNvPr id="111" name="TextShape 1"/>
-          <p:cNvSpPr txBox="1"/>
+          <p:cNvPr id="104" name="CustomShape 1"/>
+          <p:cNvSpPr/>
           <p:nvPr/>
         </p:nvSpPr>
         <p:spPr>
           <a:xfrm>
             <a:off x="504000" y="805320"/>
-            <a:ext cx="9071640" cy="1262160"/>
+            <a:ext cx="9071280" cy="1261800"/>
           </a:xfrm>
           <a:prstGeom prst="rect">
             <a:avLst/>
@@ -3978,28 +3603,23 @@
             <a:noFill/>
           </a:ln>
         </p:spPr>
-        <p:txBody>
-          <a:bodyPr lIns="0" rIns="0" tIns="0" bIns="0" anchor="ctr"/>
-          <a:p>
-            <a:endParaRPr b="0" lang="en-US" sz="3200" spc="-1" strike="noStrike">
-              <a:solidFill>
-                <a:srgbClr val="3399ff"/>
-              </a:solidFill>
-              <a:latin typeface="Source Sans Pro"/>
-            </a:endParaRPr>
-          </a:p>
-        </p:txBody>
-      </p:sp>
-      <p:sp>
-        <p:nvSpPr>
-          <p:cNvPr id="112" name="TextShape 2"/>
-          <p:cNvSpPr txBox="1"/>
+        <p:style>
+          <a:lnRef idx="0"/>
+          <a:fillRef idx="0"/>
+          <a:effectRef idx="0"/>
+          <a:fontRef idx="minor"/>
+        </p:style>
+      </p:sp>
+      <p:sp>
+        <p:nvSpPr>
+          <p:cNvPr id="105" name="CustomShape 2"/>
+          <p:cNvSpPr/>
           <p:nvPr/>
         </p:nvSpPr>
         <p:spPr>
           <a:xfrm>
             <a:off x="504000" y="2273040"/>
-            <a:ext cx="9071640" cy="4384800"/>
+            <a:ext cx="9071280" cy="4384440"/>
           </a:xfrm>
           <a:prstGeom prst="rect">
             <a:avLst/>
@@ -4009,21 +3629,16 @@
             <a:noFill/>
           </a:ln>
         </p:spPr>
-        <p:txBody>
-          <a:bodyPr lIns="0" rIns="0" tIns="0" bIns="0"/>
-          <a:p>
-            <a:endParaRPr b="0" lang="en-US" sz="2200" spc="-1" strike="noStrike">
-              <a:solidFill>
-                <a:srgbClr val="000000"/>
-              </a:solidFill>
-              <a:latin typeface="Source Sans Pro"/>
-            </a:endParaRPr>
-          </a:p>
-        </p:txBody>
+        <p:style>
+          <a:lnRef idx="0"/>
+          <a:fillRef idx="0"/>
+          <a:effectRef idx="0"/>
+          <a:fontRef idx="minor"/>
+        </p:style>
       </p:sp>
       <p:pic>
         <p:nvPicPr>
-          <p:cNvPr id="113" name="" descr=""/>
+          <p:cNvPr id="106" name="" descr=""/>
           <p:cNvPicPr/>
           <p:nvPr/>
         </p:nvPicPr>
@@ -4033,8 +3648,8 @@
         </p:blipFill>
         <p:spPr>
           <a:xfrm>
-            <a:off x="180360" y="180360"/>
-            <a:ext cx="9719640" cy="7199640"/>
+            <a:off x="251280" y="180720"/>
+            <a:ext cx="9648360" cy="7199280"/>
           </a:xfrm>
           <a:prstGeom prst="rect">
             <a:avLst/>
@@ -4095,14 +3710,14 @@
       </p:grpSpPr>
       <p:sp>
         <p:nvSpPr>
-          <p:cNvPr id="114" name="TextShape 1"/>
-          <p:cNvSpPr txBox="1"/>
+          <p:cNvPr id="107" name="CustomShape 1"/>
+          <p:cNvSpPr/>
           <p:nvPr/>
         </p:nvSpPr>
         <p:spPr>
           <a:xfrm>
             <a:off x="504000" y="805320"/>
-            <a:ext cx="9071640" cy="1262160"/>
+            <a:ext cx="9071280" cy="1261800"/>
           </a:xfrm>
           <a:prstGeom prst="rect">
             <a:avLst/>
@@ -4112,28 +3727,23 @@
             <a:noFill/>
           </a:ln>
         </p:spPr>
-        <p:txBody>
-          <a:bodyPr lIns="0" rIns="0" tIns="0" bIns="0" anchor="ctr"/>
-          <a:p>
-            <a:endParaRPr b="0" lang="en-US" sz="3200" spc="-1" strike="noStrike">
-              <a:solidFill>
-                <a:srgbClr val="3399ff"/>
-              </a:solidFill>
-              <a:latin typeface="Source Sans Pro"/>
-            </a:endParaRPr>
-          </a:p>
-        </p:txBody>
-      </p:sp>
-      <p:sp>
-        <p:nvSpPr>
-          <p:cNvPr id="115" name="TextShape 2"/>
-          <p:cNvSpPr txBox="1"/>
+        <p:style>
+          <a:lnRef idx="0"/>
+          <a:fillRef idx="0"/>
+          <a:effectRef idx="0"/>
+          <a:fontRef idx="minor"/>
+        </p:style>
+      </p:sp>
+      <p:sp>
+        <p:nvSpPr>
+          <p:cNvPr id="108" name="CustomShape 2"/>
+          <p:cNvSpPr/>
           <p:nvPr/>
         </p:nvSpPr>
         <p:spPr>
           <a:xfrm>
             <a:off x="504000" y="2273040"/>
-            <a:ext cx="9071640" cy="4384800"/>
+            <a:ext cx="9071280" cy="4384440"/>
           </a:xfrm>
           <a:prstGeom prst="rect">
             <a:avLst/>
@@ -4143,18 +3753,36 @@
             <a:noFill/>
           </a:ln>
         </p:spPr>
-        <p:txBody>
-          <a:bodyPr lIns="0" rIns="0" tIns="0" bIns="0"/>
-          <a:p>
-            <a:endParaRPr b="0" lang="en-US" sz="2200" spc="-1" strike="noStrike">
-              <a:solidFill>
-                <a:srgbClr val="000000"/>
-              </a:solidFill>
-              <a:latin typeface="Source Sans Pro"/>
-            </a:endParaRPr>
-          </a:p>
-        </p:txBody>
-      </p:sp>
+        <p:style>
+          <a:lnRef idx="0"/>
+          <a:fillRef idx="0"/>
+          <a:effectRef idx="0"/>
+          <a:fontRef idx="minor"/>
+        </p:style>
+      </p:sp>
+      <p:pic>
+        <p:nvPicPr>
+          <p:cNvPr id="109" name="" descr=""/>
+          <p:cNvPicPr/>
+          <p:nvPr/>
+        </p:nvPicPr>
+        <p:blipFill>
+          <a:blip r:embed="rId1"/>
+          <a:stretch/>
+        </p:blipFill>
+        <p:spPr>
+          <a:xfrm>
+            <a:off x="180360" y="180360"/>
+            <a:ext cx="9719280" cy="7199280"/>
+          </a:xfrm>
+          <a:prstGeom prst="rect">
+            <a:avLst/>
+          </a:prstGeom>
+          <a:ln>
+            <a:noFill/>
+          </a:ln>
+        </p:spPr>
+      </p:pic>
     </p:spTree>
   </p:cSld>
   <p:timing>
@@ -4206,14 +3834,14 @@
       </p:grpSpPr>
       <p:sp>
         <p:nvSpPr>
-          <p:cNvPr id="116" name="TextShape 1"/>
-          <p:cNvSpPr txBox="1"/>
+          <p:cNvPr id="110" name="CustomShape 1"/>
+          <p:cNvSpPr/>
           <p:nvPr/>
         </p:nvSpPr>
         <p:spPr>
           <a:xfrm>
             <a:off x="504000" y="805320"/>
-            <a:ext cx="9071640" cy="1262160"/>
+            <a:ext cx="9071280" cy="1261800"/>
           </a:xfrm>
           <a:prstGeom prst="rect">
             <a:avLst/>
@@ -4223,28 +3851,23 @@
             <a:noFill/>
           </a:ln>
         </p:spPr>
-        <p:txBody>
-          <a:bodyPr lIns="0" rIns="0" tIns="0" bIns="0" anchor="ctr"/>
-          <a:p>
-            <a:endParaRPr b="0" lang="en-US" sz="3200" spc="-1" strike="noStrike">
-              <a:solidFill>
-                <a:srgbClr val="3399ff"/>
-              </a:solidFill>
-              <a:latin typeface="Source Sans Pro"/>
-            </a:endParaRPr>
-          </a:p>
-        </p:txBody>
-      </p:sp>
-      <p:sp>
-        <p:nvSpPr>
-          <p:cNvPr id="117" name="TextShape 2"/>
-          <p:cNvSpPr txBox="1"/>
+        <p:style>
+          <a:lnRef idx="0"/>
+          <a:fillRef idx="0"/>
+          <a:effectRef idx="0"/>
+          <a:fontRef idx="minor"/>
+        </p:style>
+      </p:sp>
+      <p:sp>
+        <p:nvSpPr>
+          <p:cNvPr id="111" name="CustomShape 2"/>
+          <p:cNvSpPr/>
           <p:nvPr/>
         </p:nvSpPr>
         <p:spPr>
           <a:xfrm>
             <a:off x="504000" y="2273040"/>
-            <a:ext cx="9071640" cy="4384800"/>
+            <a:ext cx="9071280" cy="4384440"/>
           </a:xfrm>
           <a:prstGeom prst="rect">
             <a:avLst/>
@@ -4254,21 +3877,16 @@
             <a:noFill/>
           </a:ln>
         </p:spPr>
-        <p:txBody>
-          <a:bodyPr lIns="0" rIns="0" tIns="0" bIns="0"/>
-          <a:p>
-            <a:endParaRPr b="0" lang="en-US" sz="2200" spc="-1" strike="noStrike">
-              <a:solidFill>
-                <a:srgbClr val="000000"/>
-              </a:solidFill>
-              <a:latin typeface="Source Sans Pro"/>
-            </a:endParaRPr>
-          </a:p>
-        </p:txBody>
+        <p:style>
+          <a:lnRef idx="0"/>
+          <a:fillRef idx="0"/>
+          <a:effectRef idx="0"/>
+          <a:fontRef idx="minor"/>
+        </p:style>
       </p:sp>
       <p:pic>
         <p:nvPicPr>
-          <p:cNvPr id="118" name="" descr=""/>
+          <p:cNvPr id="112" name="" descr=""/>
           <p:cNvPicPr/>
           <p:nvPr/>
         </p:nvPicPr>
@@ -4279,7 +3897,7 @@
         <p:spPr>
           <a:xfrm>
             <a:off x="5400" y="0"/>
-            <a:ext cx="10079640" cy="7543800"/>
+            <a:ext cx="10079280" cy="7543440"/>
           </a:xfrm>
           <a:prstGeom prst="rect">
             <a:avLst/>
@@ -4340,14 +3958,14 @@
       </p:grpSpPr>
       <p:sp>
         <p:nvSpPr>
-          <p:cNvPr id="119" name="TextShape 1"/>
-          <p:cNvSpPr txBox="1"/>
+          <p:cNvPr id="113" name="CustomShape 1"/>
+          <p:cNvSpPr/>
           <p:nvPr/>
         </p:nvSpPr>
         <p:spPr>
           <a:xfrm>
             <a:off x="504000" y="805320"/>
-            <a:ext cx="9071640" cy="1262160"/>
+            <a:ext cx="9071280" cy="1261800"/>
           </a:xfrm>
           <a:prstGeom prst="rect">
             <a:avLst/>
@@ -4357,9 +3975,20 @@
             <a:noFill/>
           </a:ln>
         </p:spPr>
+        <p:style>
+          <a:lnRef idx="0"/>
+          <a:fillRef idx="0"/>
+          <a:effectRef idx="0"/>
+          <a:fontRef idx="minor"/>
+        </p:style>
         <p:txBody>
           <a:bodyPr lIns="0" rIns="0" tIns="0" bIns="0" anchor="ctr"/>
           <a:p>
+            <a:pPr>
+              <a:lnSpc>
+                <a:spcPct val="100000"/>
+              </a:lnSpc>
+            </a:pPr>
             <a:r>
               <a:rPr b="0" lang="en-US" sz="3200" spc="-1" strike="noStrike">
                 <a:solidFill>
@@ -4370,24 +3999,21 @@
               <a:t>Models</a:t>
             </a:r>
             <a:endParaRPr b="0" lang="en-US" sz="3200" spc="-1" strike="noStrike">
-              <a:solidFill>
-                <a:srgbClr val="3399ff"/>
-              </a:solidFill>
-              <a:latin typeface="Source Sans Pro"/>
-            </a:endParaRPr>
-          </a:p>
-        </p:txBody>
-      </p:sp>
-      <p:sp>
-        <p:nvSpPr>
-          <p:cNvPr id="120" name="TextShape 2"/>
-          <p:cNvSpPr txBox="1"/>
+              <a:latin typeface="Arial"/>
+            </a:endParaRPr>
+          </a:p>
+        </p:txBody>
+      </p:sp>
+      <p:sp>
+        <p:nvSpPr>
+          <p:cNvPr id="114" name="CustomShape 2"/>
+          <p:cNvSpPr/>
           <p:nvPr/>
         </p:nvSpPr>
         <p:spPr>
           <a:xfrm>
             <a:off x="504000" y="2273040"/>
-            <a:ext cx="9071640" cy="4384800"/>
+            <a:ext cx="9071280" cy="4384440"/>
           </a:xfrm>
           <a:prstGeom prst="rect">
             <a:avLst/>
@@ -4397,17 +4023,12 @@
             <a:noFill/>
           </a:ln>
         </p:spPr>
-        <p:txBody>
-          <a:bodyPr lIns="0" rIns="0" tIns="0" bIns="0"/>
-          <a:p>
-            <a:endParaRPr b="0" lang="en-US" sz="2200" spc="-1" strike="noStrike">
-              <a:solidFill>
-                <a:srgbClr val="000000"/>
-              </a:solidFill>
-              <a:latin typeface="Source Sans Pro"/>
-            </a:endParaRPr>
-          </a:p>
-        </p:txBody>
+        <p:style>
+          <a:lnRef idx="0"/>
+          <a:fillRef idx="0"/>
+          <a:effectRef idx="0"/>
+          <a:fontRef idx="minor"/>
+        </p:style>
       </p:sp>
     </p:spTree>
   </p:cSld>
@@ -4460,14 +4081,14 @@
       </p:grpSpPr>
       <p:sp>
         <p:nvSpPr>
-          <p:cNvPr id="121" name="TextShape 1"/>
-          <p:cNvSpPr txBox="1"/>
+          <p:cNvPr id="115" name="CustomShape 1"/>
+          <p:cNvSpPr/>
           <p:nvPr/>
         </p:nvSpPr>
         <p:spPr>
           <a:xfrm>
             <a:off x="504000" y="805320"/>
-            <a:ext cx="9071640" cy="1262160"/>
+            <a:ext cx="9071280" cy="1261800"/>
           </a:xfrm>
           <a:prstGeom prst="rect">
             <a:avLst/>
@@ -4477,9 +4098,20 @@
             <a:noFill/>
           </a:ln>
         </p:spPr>
+        <p:style>
+          <a:lnRef idx="0"/>
+          <a:fillRef idx="0"/>
+          <a:effectRef idx="0"/>
+          <a:fontRef idx="minor"/>
+        </p:style>
         <p:txBody>
           <a:bodyPr lIns="0" rIns="0" tIns="0" bIns="0" anchor="ctr"/>
           <a:p>
+            <a:pPr>
+              <a:lnSpc>
+                <a:spcPct val="100000"/>
+              </a:lnSpc>
+            </a:pPr>
             <a:r>
               <a:rPr b="0" lang="en-US" sz="3200" spc="-1" strike="noStrike">
                 <a:solidFill>
@@ -4490,24 +4122,21 @@
               <a:t>Predicting Category at Problem Creation</a:t>
             </a:r>
             <a:endParaRPr b="0" lang="en-US" sz="3200" spc="-1" strike="noStrike">
-              <a:solidFill>
-                <a:srgbClr val="3399ff"/>
-              </a:solidFill>
-              <a:latin typeface="Source Sans Pro"/>
-            </a:endParaRPr>
-          </a:p>
-        </p:txBody>
-      </p:sp>
-      <p:sp>
-        <p:nvSpPr>
-          <p:cNvPr id="122" name="TextShape 2"/>
-          <p:cNvSpPr txBox="1"/>
+              <a:latin typeface="Arial"/>
+            </a:endParaRPr>
+          </a:p>
+        </p:txBody>
+      </p:sp>
+      <p:sp>
+        <p:nvSpPr>
+          <p:cNvPr id="116" name="CustomShape 2"/>
+          <p:cNvSpPr/>
           <p:nvPr/>
         </p:nvSpPr>
         <p:spPr>
           <a:xfrm>
             <a:off x="504000" y="2273040"/>
-            <a:ext cx="9071640" cy="4384800"/>
+            <a:ext cx="9071280" cy="4384440"/>
           </a:xfrm>
           <a:prstGeom prst="rect">
             <a:avLst/>
@@ -4517,10 +4146,19 @@
             <a:noFill/>
           </a:ln>
         </p:spPr>
+        <p:style>
+          <a:lnRef idx="0"/>
+          <a:fillRef idx="0"/>
+          <a:effectRef idx="0"/>
+          <a:fontRef idx="minor"/>
+        </p:style>
         <p:txBody>
           <a:bodyPr lIns="0" rIns="0" tIns="0" bIns="0"/>
           <a:p>
-            <a:pPr marL="432000" indent="-324000">
+            <a:pPr marL="432000" indent="-323640">
+              <a:lnSpc>
+                <a:spcPct val="100000"/>
+              </a:lnSpc>
               <a:spcAft>
                 <a:spcPts val="1417"/>
               </a:spcAft>
@@ -4541,14 +4179,14 @@
               <a:t>Important features (in order of importance):</a:t>
             </a:r>
             <a:endParaRPr b="0" lang="en-US" sz="2200" spc="-1" strike="noStrike">
-              <a:solidFill>
-                <a:srgbClr val="000000"/>
-              </a:solidFill>
-              <a:latin typeface="Source Sans Pro"/>
-            </a:endParaRPr>
-          </a:p>
-          <a:p>
-            <a:pPr lvl="1" marL="864000" indent="-324000">
+              <a:latin typeface="Arial"/>
+            </a:endParaRPr>
+          </a:p>
+          <a:p>
+            <a:pPr lvl="1" marL="864000" indent="-323640">
+              <a:lnSpc>
+                <a:spcPct val="100000"/>
+              </a:lnSpc>
               <a:spcAft>
                 <a:spcPts val="1134"/>
               </a:spcAft>
@@ -4556,7 +4194,7 @@
                 <a:srgbClr val="000000"/>
               </a:buClr>
               <a:buSzPct val="75000"/>
-              <a:buFont typeface="Symbol" charset="2"/>
+              <a:buFont typeface="Symbol"/>
               <a:buChar char=""/>
             </a:pPr>
             <a:r>
@@ -4569,14 +4207,14 @@
               <a:t>Business service</a:t>
             </a:r>
             <a:endParaRPr b="0" lang="en-US" sz="1800" spc="-1" strike="noStrike">
-              <a:solidFill>
-                <a:srgbClr val="111111"/>
-              </a:solidFill>
-              <a:latin typeface="Corbel"/>
-            </a:endParaRPr>
-          </a:p>
-          <a:p>
-            <a:pPr lvl="1" marL="864000" indent="-324000">
+              <a:latin typeface="Arial"/>
+            </a:endParaRPr>
+          </a:p>
+          <a:p>
+            <a:pPr lvl="1" marL="864000" indent="-323640">
+              <a:lnSpc>
+                <a:spcPct val="100000"/>
+              </a:lnSpc>
               <a:spcAft>
                 <a:spcPts val="1134"/>
               </a:spcAft>
@@ -4584,7 +4222,7 @@
                 <a:srgbClr val="000000"/>
               </a:buClr>
               <a:buSzPct val="75000"/>
-              <a:buFont typeface="Symbol" charset="2"/>
+              <a:buFont typeface="Symbol"/>
               <a:buChar char=""/>
             </a:pPr>
             <a:r>
@@ -4597,14 +4235,14 @@
               <a:t>Opened by</a:t>
             </a:r>
             <a:endParaRPr b="0" lang="en-US" sz="1800" spc="-1" strike="noStrike">
-              <a:solidFill>
-                <a:srgbClr val="111111"/>
-              </a:solidFill>
-              <a:latin typeface="Corbel"/>
-            </a:endParaRPr>
-          </a:p>
-          <a:p>
-            <a:pPr lvl="1" marL="864000" indent="-324000">
+              <a:latin typeface="Arial"/>
+            </a:endParaRPr>
+          </a:p>
+          <a:p>
+            <a:pPr lvl="1" marL="864000" indent="-323640">
+              <a:lnSpc>
+                <a:spcPct val="100000"/>
+              </a:lnSpc>
               <a:spcAft>
                 <a:spcPts val="1134"/>
               </a:spcAft>
@@ -4612,7 +4250,7 @@
                 <a:srgbClr val="000000"/>
               </a:buClr>
               <a:buSzPct val="75000"/>
-              <a:buFont typeface="Symbol" charset="2"/>
+              <a:buFont typeface="Symbol"/>
               <a:buChar char=""/>
             </a:pPr>
             <a:r>
@@ -4625,14 +4263,14 @@
               <a:t>Company</a:t>
             </a:r>
             <a:endParaRPr b="0" lang="en-US" sz="1800" spc="-1" strike="noStrike">
-              <a:solidFill>
-                <a:srgbClr val="111111"/>
-              </a:solidFill>
-              <a:latin typeface="Corbel"/>
-            </a:endParaRPr>
-          </a:p>
-          <a:p>
-            <a:pPr lvl="1" marL="864000" indent="-324000">
+              <a:latin typeface="Arial"/>
+            </a:endParaRPr>
+          </a:p>
+          <a:p>
+            <a:pPr lvl="1" marL="864000" indent="-323640">
+              <a:lnSpc>
+                <a:spcPct val="100000"/>
+              </a:lnSpc>
               <a:spcAft>
                 <a:spcPts val="1134"/>
               </a:spcAft>
@@ -4640,7 +4278,7 @@
                 <a:srgbClr val="000000"/>
               </a:buClr>
               <a:buSzPct val="75000"/>
-              <a:buFont typeface="Symbol" charset="2"/>
+              <a:buFont typeface="Symbol"/>
               <a:buChar char=""/>
             </a:pPr>
             <a:r>
@@ -4653,14 +4291,14 @@
               <a:t>Created Time</a:t>
             </a:r>
             <a:endParaRPr b="0" lang="en-US" sz="1800" spc="-1" strike="noStrike">
-              <a:solidFill>
-                <a:srgbClr val="111111"/>
-              </a:solidFill>
-              <a:latin typeface="Corbel"/>
-            </a:endParaRPr>
-          </a:p>
-          <a:p>
-            <a:pPr lvl="1" marL="864000" indent="-324000">
+              <a:latin typeface="Arial"/>
+            </a:endParaRPr>
+          </a:p>
+          <a:p>
+            <a:pPr lvl="1" marL="864000" indent="-323640">
+              <a:lnSpc>
+                <a:spcPct val="100000"/>
+              </a:lnSpc>
               <a:spcAft>
                 <a:spcPts val="1134"/>
               </a:spcAft>
@@ -4668,7 +4306,7 @@
                 <a:srgbClr val="000000"/>
               </a:buClr>
               <a:buSzPct val="75000"/>
-              <a:buFont typeface="Symbol" charset="2"/>
+              <a:buFont typeface="Symbol"/>
               <a:buChar char=""/>
             </a:pPr>
             <a:r>
@@ -4681,14 +4319,14 @@
               <a:t>Created by</a:t>
             </a:r>
             <a:endParaRPr b="0" lang="en-US" sz="1800" spc="-1" strike="noStrike">
-              <a:solidFill>
-                <a:srgbClr val="111111"/>
-              </a:solidFill>
-              <a:latin typeface="Corbel"/>
-            </a:endParaRPr>
-          </a:p>
-          <a:p>
-            <a:pPr lvl="1" marL="864000" indent="-324000">
+              <a:latin typeface="Arial"/>
+            </a:endParaRPr>
+          </a:p>
+          <a:p>
+            <a:pPr lvl="1" marL="864000" indent="-323640">
+              <a:lnSpc>
+                <a:spcPct val="100000"/>
+              </a:lnSpc>
               <a:spcAft>
                 <a:spcPts val="1134"/>
               </a:spcAft>
@@ -4696,7 +4334,7 @@
                 <a:srgbClr val="000000"/>
               </a:buClr>
               <a:buSzPct val="75000"/>
-              <a:buFont typeface="Symbol" charset="2"/>
+              <a:buFont typeface="Symbol"/>
               <a:buChar char=""/>
             </a:pPr>
             <a:r>
@@ -4709,14 +4347,14 @@
               <a:t>Assignment group</a:t>
             </a:r>
             <a:endParaRPr b="0" lang="en-US" sz="1800" spc="-1" strike="noStrike">
-              <a:solidFill>
-                <a:srgbClr val="111111"/>
-              </a:solidFill>
-              <a:latin typeface="Corbel"/>
-            </a:endParaRPr>
-          </a:p>
-          <a:p>
-            <a:pPr lvl="1" marL="864000" indent="-324000">
+              <a:latin typeface="Arial"/>
+            </a:endParaRPr>
+          </a:p>
+          <a:p>
+            <a:pPr lvl="1" marL="864000" indent="-323640">
+              <a:lnSpc>
+                <a:spcPct val="100000"/>
+              </a:lnSpc>
               <a:spcAft>
                 <a:spcPts val="1134"/>
               </a:spcAft>
@@ -4724,7 +4362,7 @@
                 <a:srgbClr val="000000"/>
               </a:buClr>
               <a:buSzPct val="75000"/>
-              <a:buFont typeface="Symbol" charset="2"/>
+              <a:buFont typeface="Symbol"/>
               <a:buChar char=""/>
             </a:pPr>
             <a:r>
@@ -4737,14 +4375,14 @@
               <a:t>Type</a:t>
             </a:r>
             <a:endParaRPr b="0" lang="en-US" sz="1800" spc="-1" strike="noStrike">
-              <a:solidFill>
-                <a:srgbClr val="111111"/>
-              </a:solidFill>
-              <a:latin typeface="Corbel"/>
-            </a:endParaRPr>
-          </a:p>
-          <a:p>
-            <a:pPr lvl="1" marL="864000" indent="-324000">
+              <a:latin typeface="Arial"/>
+            </a:endParaRPr>
+          </a:p>
+          <a:p>
+            <a:pPr lvl="1" marL="864000" indent="-323640">
+              <a:lnSpc>
+                <a:spcPct val="100000"/>
+              </a:lnSpc>
               <a:spcAft>
                 <a:spcPts val="1134"/>
               </a:spcAft>
@@ -4752,7 +4390,7 @@
                 <a:srgbClr val="000000"/>
               </a:buClr>
               <a:buSzPct val="75000"/>
-              <a:buFont typeface="Symbol" charset="2"/>
+              <a:buFont typeface="Symbol"/>
               <a:buChar char=""/>
             </a:pPr>
             <a:r>
@@ -4765,10 +4403,7 @@
               <a:t>Priority</a:t>
             </a:r>
             <a:endParaRPr b="0" lang="en-US" sz="1800" spc="-1" strike="noStrike">
-              <a:solidFill>
-                <a:srgbClr val="111111"/>
-              </a:solidFill>
-              <a:latin typeface="Corbel"/>
+              <a:latin typeface="Arial"/>
             </a:endParaRPr>
           </a:p>
         </p:txBody>
@@ -4824,14 +4459,14 @@
       </p:grpSpPr>
       <p:sp>
         <p:nvSpPr>
-          <p:cNvPr id="123" name="TextShape 1"/>
-          <p:cNvSpPr txBox="1"/>
+          <p:cNvPr id="117" name="CustomShape 1"/>
+          <p:cNvSpPr/>
           <p:nvPr/>
         </p:nvSpPr>
         <p:spPr>
           <a:xfrm>
             <a:off x="504000" y="805320"/>
-            <a:ext cx="9071640" cy="1262160"/>
+            <a:ext cx="9071280" cy="1261800"/>
           </a:xfrm>
           <a:prstGeom prst="rect">
             <a:avLst/>
@@ -4841,28 +4476,23 @@
             <a:noFill/>
           </a:ln>
         </p:spPr>
-        <p:txBody>
-          <a:bodyPr lIns="0" rIns="0" tIns="0" bIns="0" anchor="ctr"/>
-          <a:p>
-            <a:endParaRPr b="0" lang="en-US" sz="3200" spc="-1" strike="noStrike">
-              <a:solidFill>
-                <a:srgbClr val="3399ff"/>
-              </a:solidFill>
-              <a:latin typeface="Source Sans Pro"/>
-            </a:endParaRPr>
-          </a:p>
-        </p:txBody>
-      </p:sp>
-      <p:sp>
-        <p:nvSpPr>
-          <p:cNvPr id="124" name="TextShape 2"/>
-          <p:cNvSpPr txBox="1"/>
+        <p:style>
+          <a:lnRef idx="0"/>
+          <a:fillRef idx="0"/>
+          <a:effectRef idx="0"/>
+          <a:fontRef idx="minor"/>
+        </p:style>
+      </p:sp>
+      <p:sp>
+        <p:nvSpPr>
+          <p:cNvPr id="118" name="CustomShape 2"/>
+          <p:cNvSpPr/>
           <p:nvPr/>
         </p:nvSpPr>
         <p:spPr>
           <a:xfrm>
             <a:off x="504000" y="2273040"/>
-            <a:ext cx="9071640" cy="4384800"/>
+            <a:ext cx="9071280" cy="4384440"/>
           </a:xfrm>
           <a:prstGeom prst="rect">
             <a:avLst/>
@@ -4872,17 +4502,12 @@
             <a:noFill/>
           </a:ln>
         </p:spPr>
-        <p:txBody>
-          <a:bodyPr lIns="0" rIns="0" tIns="0" bIns="0"/>
-          <a:p>
-            <a:endParaRPr b="0" lang="en-US" sz="2200" spc="-1" strike="noStrike">
-              <a:solidFill>
-                <a:srgbClr val="000000"/>
-              </a:solidFill>
-              <a:latin typeface="Source Sans Pro"/>
-            </a:endParaRPr>
-          </a:p>
-        </p:txBody>
+        <p:style>
+          <a:lnRef idx="0"/>
+          <a:fillRef idx="0"/>
+          <a:effectRef idx="0"/>
+          <a:fontRef idx="minor"/>
+        </p:style>
       </p:sp>
     </p:spTree>
   </p:cSld>
@@ -4935,14 +4560,14 @@
       </p:grpSpPr>
       <p:sp>
         <p:nvSpPr>
-          <p:cNvPr id="125" name="TextShape 1"/>
-          <p:cNvSpPr txBox="1"/>
+          <p:cNvPr id="119" name="CustomShape 1"/>
+          <p:cNvSpPr/>
           <p:nvPr/>
         </p:nvSpPr>
         <p:spPr>
           <a:xfrm>
             <a:off x="504000" y="805320"/>
-            <a:ext cx="9071640" cy="1262160"/>
+            <a:ext cx="9071280" cy="1261800"/>
           </a:xfrm>
           <a:prstGeom prst="rect">
             <a:avLst/>
@@ -4952,9 +4577,20 @@
             <a:noFill/>
           </a:ln>
         </p:spPr>
+        <p:style>
+          <a:lnRef idx="0"/>
+          <a:fillRef idx="0"/>
+          <a:effectRef idx="0"/>
+          <a:fontRef idx="minor"/>
+        </p:style>
         <p:txBody>
           <a:bodyPr lIns="0" rIns="0" tIns="0" bIns="0" anchor="ctr"/>
           <a:p>
+            <a:pPr>
+              <a:lnSpc>
+                <a:spcPct val="100000"/>
+              </a:lnSpc>
+            </a:pPr>
             <a:r>
               <a:rPr b="0" lang="en-US" sz="3200" spc="-1" strike="noStrike">
                 <a:solidFill>
@@ -4965,24 +4601,21 @@
               <a:t>Predicting Duration at Problem Creation</a:t>
             </a:r>
             <a:endParaRPr b="0" lang="en-US" sz="3200" spc="-1" strike="noStrike">
-              <a:solidFill>
-                <a:srgbClr val="3399ff"/>
-              </a:solidFill>
-              <a:latin typeface="Source Sans Pro"/>
-            </a:endParaRPr>
-          </a:p>
-        </p:txBody>
-      </p:sp>
-      <p:sp>
-        <p:nvSpPr>
-          <p:cNvPr id="126" name="TextShape 2"/>
-          <p:cNvSpPr txBox="1"/>
+              <a:latin typeface="Arial"/>
+            </a:endParaRPr>
+          </a:p>
+        </p:txBody>
+      </p:sp>
+      <p:sp>
+        <p:nvSpPr>
+          <p:cNvPr id="120" name="CustomShape 2"/>
+          <p:cNvSpPr/>
           <p:nvPr/>
         </p:nvSpPr>
         <p:spPr>
           <a:xfrm>
             <a:off x="504000" y="2273040"/>
-            <a:ext cx="9071640" cy="4384800"/>
+            <a:ext cx="9071280" cy="4384440"/>
           </a:xfrm>
           <a:prstGeom prst="rect">
             <a:avLst/>
@@ -4992,10 +4625,19 @@
             <a:noFill/>
           </a:ln>
         </p:spPr>
+        <p:style>
+          <a:lnRef idx="0"/>
+          <a:fillRef idx="0"/>
+          <a:effectRef idx="0"/>
+          <a:fontRef idx="minor"/>
+        </p:style>
         <p:txBody>
           <a:bodyPr lIns="0" rIns="0" tIns="0" bIns="0"/>
           <a:p>
-            <a:pPr marL="432000" indent="-324000">
+            <a:pPr marL="432000" indent="-323640">
+              <a:lnSpc>
+                <a:spcPct val="100000"/>
+              </a:lnSpc>
               <a:spcAft>
                 <a:spcPts val="1417"/>
               </a:spcAft>
@@ -5016,14 +4658,14 @@
               <a:t>Not really possible</a:t>
             </a:r>
             <a:endParaRPr b="0" lang="en-US" sz="2200" spc="-1" strike="noStrike">
-              <a:solidFill>
-                <a:srgbClr val="000000"/>
-              </a:solidFill>
-              <a:latin typeface="Source Sans Pro"/>
-            </a:endParaRPr>
-          </a:p>
-          <a:p>
-            <a:pPr marL="432000" indent="-324000">
+              <a:latin typeface="Arial"/>
+            </a:endParaRPr>
+          </a:p>
+          <a:p>
+            <a:pPr marL="432000" indent="-323640">
+              <a:lnSpc>
+                <a:spcPct val="100000"/>
+              </a:lnSpc>
               <a:spcAft>
                 <a:spcPts val="1417"/>
               </a:spcAft>
@@ -5044,10 +4686,7 @@
               <a:t>All models had correlation coefficient of &lt; 0.2 and error measures &gt; 90%</a:t>
             </a:r>
             <a:endParaRPr b="0" lang="en-US" sz="2200" spc="-1" strike="noStrike">
-              <a:solidFill>
-                <a:srgbClr val="000000"/>
-              </a:solidFill>
-              <a:latin typeface="Source Sans Pro"/>
+              <a:latin typeface="Arial"/>
             </a:endParaRPr>
           </a:p>
         </p:txBody>
@@ -5103,14 +4742,14 @@
       </p:grpSpPr>
       <p:sp>
         <p:nvSpPr>
-          <p:cNvPr id="127" name="TextShape 1"/>
-          <p:cNvSpPr txBox="1"/>
+          <p:cNvPr id="121" name="CustomShape 1"/>
+          <p:cNvSpPr/>
           <p:nvPr/>
         </p:nvSpPr>
         <p:spPr>
           <a:xfrm>
             <a:off x="504000" y="805320"/>
-            <a:ext cx="9071640" cy="1262160"/>
+            <a:ext cx="9071280" cy="1261800"/>
           </a:xfrm>
           <a:prstGeom prst="rect">
             <a:avLst/>
@@ -5120,28 +4759,23 @@
             <a:noFill/>
           </a:ln>
         </p:spPr>
-        <p:txBody>
-          <a:bodyPr lIns="0" rIns="0" tIns="0" bIns="0" anchor="ctr"/>
-          <a:p>
-            <a:endParaRPr b="0" lang="en-US" sz="3200" spc="-1" strike="noStrike">
-              <a:solidFill>
-                <a:srgbClr val="3399ff"/>
-              </a:solidFill>
-              <a:latin typeface="Source Sans Pro"/>
-            </a:endParaRPr>
-          </a:p>
-        </p:txBody>
-      </p:sp>
-      <p:sp>
-        <p:nvSpPr>
-          <p:cNvPr id="128" name="TextShape 2"/>
-          <p:cNvSpPr txBox="1"/>
+        <p:style>
+          <a:lnRef idx="0"/>
+          <a:fillRef idx="0"/>
+          <a:effectRef idx="0"/>
+          <a:fontRef idx="minor"/>
+        </p:style>
+      </p:sp>
+      <p:sp>
+        <p:nvSpPr>
+          <p:cNvPr id="122" name="CustomShape 2"/>
+          <p:cNvSpPr/>
           <p:nvPr/>
         </p:nvSpPr>
         <p:spPr>
           <a:xfrm>
             <a:off x="504000" y="2273040"/>
-            <a:ext cx="9071640" cy="4384800"/>
+            <a:ext cx="9071280" cy="4384440"/>
           </a:xfrm>
           <a:prstGeom prst="rect">
             <a:avLst/>
@@ -5151,17 +4785,12 @@
             <a:noFill/>
           </a:ln>
         </p:spPr>
-        <p:txBody>
-          <a:bodyPr lIns="0" rIns="0" tIns="0" bIns="0"/>
-          <a:p>
-            <a:endParaRPr b="0" lang="en-US" sz="2200" spc="-1" strike="noStrike">
-              <a:solidFill>
-                <a:srgbClr val="000000"/>
-              </a:solidFill>
-              <a:latin typeface="Source Sans Pro"/>
-            </a:endParaRPr>
-          </a:p>
-        </p:txBody>
+        <p:style>
+          <a:lnRef idx="0"/>
+          <a:fillRef idx="0"/>
+          <a:effectRef idx="0"/>
+          <a:fontRef idx="minor"/>
+        </p:style>
       </p:sp>
     </p:spTree>
   </p:cSld>
@@ -5214,14 +4843,14 @@
       </p:grpSpPr>
       <p:sp>
         <p:nvSpPr>
-          <p:cNvPr id="86" name="TextShape 1"/>
-          <p:cNvSpPr txBox="1"/>
+          <p:cNvPr id="80" name="CustomShape 1"/>
+          <p:cNvSpPr/>
           <p:nvPr/>
         </p:nvSpPr>
         <p:spPr>
           <a:xfrm>
             <a:off x="504000" y="805320"/>
-            <a:ext cx="9071640" cy="1262160"/>
+            <a:ext cx="9071280" cy="1261800"/>
           </a:xfrm>
           <a:prstGeom prst="rect">
             <a:avLst/>
@@ -5231,9 +4860,20 @@
             <a:noFill/>
           </a:ln>
         </p:spPr>
+        <p:style>
+          <a:lnRef idx="0"/>
+          <a:fillRef idx="0"/>
+          <a:effectRef idx="0"/>
+          <a:fontRef idx="minor"/>
+        </p:style>
         <p:txBody>
           <a:bodyPr lIns="0" rIns="0" tIns="0" bIns="0" anchor="ctr"/>
           <a:p>
+            <a:pPr>
+              <a:lnSpc>
+                <a:spcPct val="100000"/>
+              </a:lnSpc>
+            </a:pPr>
             <a:r>
               <a:rPr b="0" lang="en-US" sz="3200" spc="-1" strike="noStrike">
                 <a:solidFill>
@@ -5244,24 +4884,21 @@
               <a:t>Dataset Summary</a:t>
             </a:r>
             <a:endParaRPr b="0" lang="en-US" sz="3200" spc="-1" strike="noStrike">
-              <a:solidFill>
-                <a:srgbClr val="3399ff"/>
-              </a:solidFill>
-              <a:latin typeface="Source Sans Pro"/>
-            </a:endParaRPr>
-          </a:p>
-        </p:txBody>
-      </p:sp>
-      <p:sp>
-        <p:nvSpPr>
-          <p:cNvPr id="87" name="TextShape 2"/>
-          <p:cNvSpPr txBox="1"/>
+              <a:latin typeface="Arial"/>
+            </a:endParaRPr>
+          </a:p>
+        </p:txBody>
+      </p:sp>
+      <p:sp>
+        <p:nvSpPr>
+          <p:cNvPr id="81" name="CustomShape 2"/>
+          <p:cNvSpPr/>
           <p:nvPr/>
         </p:nvSpPr>
         <p:spPr>
           <a:xfrm>
             <a:off x="504000" y="2273040"/>
-            <a:ext cx="9071640" cy="4384800"/>
+            <a:ext cx="9071280" cy="4384440"/>
           </a:xfrm>
           <a:prstGeom prst="rect">
             <a:avLst/>
@@ -5271,10 +4908,19 @@
             <a:noFill/>
           </a:ln>
         </p:spPr>
+        <p:style>
+          <a:lnRef idx="0"/>
+          <a:fillRef idx="0"/>
+          <a:effectRef idx="0"/>
+          <a:fontRef idx="minor"/>
+        </p:style>
         <p:txBody>
           <a:bodyPr lIns="0" rIns="0" tIns="0" bIns="0"/>
           <a:p>
-            <a:pPr marL="432000" indent="-324000">
+            <a:pPr marL="432000" indent="-323640">
+              <a:lnSpc>
+                <a:spcPct val="100000"/>
+              </a:lnSpc>
               <a:spcAft>
                 <a:spcPts val="1417"/>
               </a:spcAft>
@@ -5295,14 +4941,14 @@
               <a:t>1857 observations</a:t>
             </a:r>
             <a:endParaRPr b="0" lang="en-US" sz="2200" spc="-1" strike="noStrike">
-              <a:solidFill>
-                <a:srgbClr val="000000"/>
-              </a:solidFill>
-              <a:latin typeface="Source Sans Pro"/>
-            </a:endParaRPr>
-          </a:p>
-          <a:p>
-            <a:pPr marL="432000" indent="-324000">
+              <a:latin typeface="Arial"/>
+            </a:endParaRPr>
+          </a:p>
+          <a:p>
+            <a:pPr marL="432000" indent="-323640">
+              <a:lnSpc>
+                <a:spcPct val="100000"/>
+              </a:lnSpc>
               <a:spcAft>
                 <a:spcPts val="1417"/>
               </a:spcAft>
@@ -5323,14 +4969,14 @@
               <a:t>111 features</a:t>
             </a:r>
             <a:endParaRPr b="0" lang="en-US" sz="2200" spc="-1" strike="noStrike">
-              <a:solidFill>
-                <a:srgbClr val="000000"/>
-              </a:solidFill>
-              <a:latin typeface="Source Sans Pro"/>
-            </a:endParaRPr>
-          </a:p>
-          <a:p>
-            <a:pPr marL="432000" indent="-324000">
+              <a:latin typeface="Arial"/>
+            </a:endParaRPr>
+          </a:p>
+          <a:p>
+            <a:pPr marL="432000" indent="-323640">
+              <a:lnSpc>
+                <a:spcPct val="100000"/>
+              </a:lnSpc>
               <a:spcAft>
                 <a:spcPts val="1417"/>
               </a:spcAft>
@@ -5351,14 +4997,14 @@
               <a:t>27 / 111 had all NA</a:t>
             </a:r>
             <a:endParaRPr b="0" lang="en-US" sz="2200" spc="-1" strike="noStrike">
-              <a:solidFill>
-                <a:srgbClr val="000000"/>
-              </a:solidFill>
-              <a:latin typeface="Source Sans Pro"/>
-            </a:endParaRPr>
-          </a:p>
-          <a:p>
-            <a:pPr marL="432000" indent="-324000">
+              <a:latin typeface="Arial"/>
+            </a:endParaRPr>
+          </a:p>
+          <a:p>
+            <a:pPr marL="432000" indent="-323640">
+              <a:lnSpc>
+                <a:spcPct val="100000"/>
+              </a:lnSpc>
               <a:spcAft>
                 <a:spcPts val="1417"/>
               </a:spcAft>
@@ -5379,14 +5025,14 @@
               <a:t>40 / 111 were over 30% missing values</a:t>
             </a:r>
             <a:endParaRPr b="0" lang="en-US" sz="2200" spc="-1" strike="noStrike">
-              <a:solidFill>
-                <a:srgbClr val="000000"/>
-              </a:solidFill>
-              <a:latin typeface="Source Sans Pro"/>
-            </a:endParaRPr>
-          </a:p>
-          <a:p>
-            <a:pPr marL="432000" indent="-324000">
+              <a:latin typeface="Arial"/>
+            </a:endParaRPr>
+          </a:p>
+          <a:p>
+            <a:pPr marL="432000" indent="-323640">
+              <a:lnSpc>
+                <a:spcPct val="100000"/>
+              </a:lnSpc>
               <a:spcAft>
                 <a:spcPts val="1417"/>
               </a:spcAft>
@@ -5407,14 +5053,14 @@
               <a:t>11 / 111 had all the same value</a:t>
             </a:r>
             <a:endParaRPr b="0" lang="en-US" sz="2200" spc="-1" strike="noStrike">
-              <a:solidFill>
-                <a:srgbClr val="000000"/>
-              </a:solidFill>
-              <a:latin typeface="Source Sans Pro"/>
-            </a:endParaRPr>
-          </a:p>
-          <a:p>
-            <a:pPr marL="432000" indent="-324000">
+              <a:latin typeface="Arial"/>
+            </a:endParaRPr>
+          </a:p>
+          <a:p>
+            <a:pPr marL="432000" indent="-323640">
+              <a:lnSpc>
+                <a:spcPct val="100000"/>
+              </a:lnSpc>
               <a:spcAft>
                 <a:spcPts val="1417"/>
               </a:spcAft>
@@ -5435,10 +5081,7 @@
               <a:t>After eliminating features with mostly same value and lengthy text based features: 26 usable features</a:t>
             </a:r>
             <a:endParaRPr b="0" lang="en-US" sz="2200" spc="-1" strike="noStrike">
-              <a:solidFill>
-                <a:srgbClr val="000000"/>
-              </a:solidFill>
-              <a:latin typeface="Source Sans Pro"/>
+              <a:latin typeface="Arial"/>
             </a:endParaRPr>
           </a:p>
         </p:txBody>
@@ -5494,14 +5137,14 @@
       </p:grpSpPr>
       <p:sp>
         <p:nvSpPr>
-          <p:cNvPr id="129" name="TextShape 1"/>
-          <p:cNvSpPr txBox="1"/>
+          <p:cNvPr id="123" name="CustomShape 1"/>
+          <p:cNvSpPr/>
           <p:nvPr/>
         </p:nvSpPr>
         <p:spPr>
           <a:xfrm>
             <a:off x="504000" y="805320"/>
-            <a:ext cx="9071640" cy="1262160"/>
+            <a:ext cx="9071280" cy="1261800"/>
           </a:xfrm>
           <a:prstGeom prst="rect">
             <a:avLst/>
@@ -5511,28 +5154,23 @@
             <a:noFill/>
           </a:ln>
         </p:spPr>
-        <p:txBody>
-          <a:bodyPr lIns="0" rIns="0" tIns="0" bIns="0" anchor="ctr"/>
-          <a:p>
-            <a:endParaRPr b="0" lang="en-US" sz="3200" spc="-1" strike="noStrike">
-              <a:solidFill>
-                <a:srgbClr val="3399ff"/>
-              </a:solidFill>
-              <a:latin typeface="Source Sans Pro"/>
-            </a:endParaRPr>
-          </a:p>
-        </p:txBody>
-      </p:sp>
-      <p:sp>
-        <p:nvSpPr>
-          <p:cNvPr id="130" name="TextShape 2"/>
-          <p:cNvSpPr txBox="1"/>
+        <p:style>
+          <a:lnRef idx="0"/>
+          <a:fillRef idx="0"/>
+          <a:effectRef idx="0"/>
+          <a:fontRef idx="minor"/>
+        </p:style>
+      </p:sp>
+      <p:sp>
+        <p:nvSpPr>
+          <p:cNvPr id="124" name="CustomShape 2"/>
+          <p:cNvSpPr/>
           <p:nvPr/>
         </p:nvSpPr>
         <p:spPr>
           <a:xfrm>
             <a:off x="504000" y="2273040"/>
-            <a:ext cx="9071640" cy="4384800"/>
+            <a:ext cx="9071280" cy="4384440"/>
           </a:xfrm>
           <a:prstGeom prst="rect">
             <a:avLst/>
@@ -5542,17 +5180,12 @@
             <a:noFill/>
           </a:ln>
         </p:spPr>
-        <p:txBody>
-          <a:bodyPr lIns="0" rIns="0" tIns="0" bIns="0"/>
-          <a:p>
-            <a:endParaRPr b="0" lang="en-US" sz="2200" spc="-1" strike="noStrike">
-              <a:solidFill>
-                <a:srgbClr val="000000"/>
-              </a:solidFill>
-              <a:latin typeface="Source Sans Pro"/>
-            </a:endParaRPr>
-          </a:p>
-        </p:txBody>
+        <p:style>
+          <a:lnRef idx="0"/>
+          <a:fillRef idx="0"/>
+          <a:effectRef idx="0"/>
+          <a:fontRef idx="minor"/>
+        </p:style>
       </p:sp>
     </p:spTree>
   </p:cSld>
@@ -5605,14 +5238,14 @@
       </p:grpSpPr>
       <p:sp>
         <p:nvSpPr>
-          <p:cNvPr id="131" name="TextShape 1"/>
-          <p:cNvSpPr txBox="1"/>
+          <p:cNvPr id="125" name="CustomShape 1"/>
+          <p:cNvSpPr/>
           <p:nvPr/>
         </p:nvSpPr>
         <p:spPr>
           <a:xfrm>
             <a:off x="504000" y="805320"/>
-            <a:ext cx="9071640" cy="1262160"/>
+            <a:ext cx="9071280" cy="1261800"/>
           </a:xfrm>
           <a:prstGeom prst="rect">
             <a:avLst/>
@@ -5622,28 +5255,23 @@
             <a:noFill/>
           </a:ln>
         </p:spPr>
-        <p:txBody>
-          <a:bodyPr lIns="0" rIns="0" tIns="0" bIns="0" anchor="ctr"/>
-          <a:p>
-            <a:endParaRPr b="0" lang="en-US" sz="3200" spc="-1" strike="noStrike">
-              <a:solidFill>
-                <a:srgbClr val="3399ff"/>
-              </a:solidFill>
-              <a:latin typeface="Source Sans Pro"/>
-            </a:endParaRPr>
-          </a:p>
-        </p:txBody>
-      </p:sp>
-      <p:sp>
-        <p:nvSpPr>
-          <p:cNvPr id="132" name="TextShape 2"/>
-          <p:cNvSpPr txBox="1"/>
+        <p:style>
+          <a:lnRef idx="0"/>
+          <a:fillRef idx="0"/>
+          <a:effectRef idx="0"/>
+          <a:fontRef idx="minor"/>
+        </p:style>
+      </p:sp>
+      <p:sp>
+        <p:nvSpPr>
+          <p:cNvPr id="126" name="CustomShape 2"/>
+          <p:cNvSpPr/>
           <p:nvPr/>
         </p:nvSpPr>
         <p:spPr>
           <a:xfrm>
             <a:off x="504000" y="2273040"/>
-            <a:ext cx="9071640" cy="4384800"/>
+            <a:ext cx="9071280" cy="4384440"/>
           </a:xfrm>
           <a:prstGeom prst="rect">
             <a:avLst/>
@@ -5653,17 +5281,12 @@
             <a:noFill/>
           </a:ln>
         </p:spPr>
-        <p:txBody>
-          <a:bodyPr lIns="0" rIns="0" tIns="0" bIns="0"/>
-          <a:p>
-            <a:endParaRPr b="0" lang="en-US" sz="2200" spc="-1" strike="noStrike">
-              <a:solidFill>
-                <a:srgbClr val="000000"/>
-              </a:solidFill>
-              <a:latin typeface="Source Sans Pro"/>
-            </a:endParaRPr>
-          </a:p>
-        </p:txBody>
+        <p:style>
+          <a:lnRef idx="0"/>
+          <a:fillRef idx="0"/>
+          <a:effectRef idx="0"/>
+          <a:fontRef idx="minor"/>
+        </p:style>
       </p:sp>
     </p:spTree>
   </p:cSld>
@@ -5716,14 +5339,14 @@
       </p:grpSpPr>
       <p:sp>
         <p:nvSpPr>
-          <p:cNvPr id="133" name="TextShape 1"/>
-          <p:cNvSpPr txBox="1"/>
+          <p:cNvPr id="127" name="CustomShape 1"/>
+          <p:cNvSpPr/>
           <p:nvPr/>
         </p:nvSpPr>
         <p:spPr>
           <a:xfrm>
             <a:off x="504000" y="805320"/>
-            <a:ext cx="9071640" cy="1262160"/>
+            <a:ext cx="9071280" cy="1261800"/>
           </a:xfrm>
           <a:prstGeom prst="rect">
             <a:avLst/>
@@ -5733,28 +5356,23 @@
             <a:noFill/>
           </a:ln>
         </p:spPr>
-        <p:txBody>
-          <a:bodyPr lIns="0" rIns="0" tIns="0" bIns="0" anchor="ctr"/>
-          <a:p>
-            <a:endParaRPr b="0" lang="en-US" sz="3200" spc="-1" strike="noStrike">
-              <a:solidFill>
-                <a:srgbClr val="3399ff"/>
-              </a:solidFill>
-              <a:latin typeface="Source Sans Pro"/>
-            </a:endParaRPr>
-          </a:p>
-        </p:txBody>
-      </p:sp>
-      <p:sp>
-        <p:nvSpPr>
-          <p:cNvPr id="134" name="TextShape 2"/>
-          <p:cNvSpPr txBox="1"/>
+        <p:style>
+          <a:lnRef idx="0"/>
+          <a:fillRef idx="0"/>
+          <a:effectRef idx="0"/>
+          <a:fontRef idx="minor"/>
+        </p:style>
+      </p:sp>
+      <p:sp>
+        <p:nvSpPr>
+          <p:cNvPr id="128" name="CustomShape 2"/>
+          <p:cNvSpPr/>
           <p:nvPr/>
         </p:nvSpPr>
         <p:spPr>
           <a:xfrm>
             <a:off x="504000" y="2273040"/>
-            <a:ext cx="9071640" cy="4384800"/>
+            <a:ext cx="9071280" cy="4384440"/>
           </a:xfrm>
           <a:prstGeom prst="rect">
             <a:avLst/>
@@ -5764,17 +5382,12 @@
             <a:noFill/>
           </a:ln>
         </p:spPr>
-        <p:txBody>
-          <a:bodyPr lIns="0" rIns="0" tIns="0" bIns="0"/>
-          <a:p>
-            <a:endParaRPr b="0" lang="en-US" sz="2200" spc="-1" strike="noStrike">
-              <a:solidFill>
-                <a:srgbClr val="000000"/>
-              </a:solidFill>
-              <a:latin typeface="Source Sans Pro"/>
-            </a:endParaRPr>
-          </a:p>
-        </p:txBody>
+        <p:style>
+          <a:lnRef idx="0"/>
+          <a:fillRef idx="0"/>
+          <a:effectRef idx="0"/>
+          <a:fontRef idx="minor"/>
+        </p:style>
       </p:sp>
     </p:spTree>
   </p:cSld>
@@ -5827,14 +5440,14 @@
       </p:grpSpPr>
       <p:sp>
         <p:nvSpPr>
-          <p:cNvPr id="135" name="TextShape 1"/>
-          <p:cNvSpPr txBox="1"/>
+          <p:cNvPr id="129" name="CustomShape 1"/>
+          <p:cNvSpPr/>
           <p:nvPr/>
         </p:nvSpPr>
         <p:spPr>
           <a:xfrm>
             <a:off x="504000" y="805320"/>
-            <a:ext cx="9071640" cy="1262160"/>
+            <a:ext cx="9071280" cy="1261800"/>
           </a:xfrm>
           <a:prstGeom prst="rect">
             <a:avLst/>
@@ -5844,28 +5457,23 @@
             <a:noFill/>
           </a:ln>
         </p:spPr>
-        <p:txBody>
-          <a:bodyPr lIns="0" rIns="0" tIns="0" bIns="0" anchor="ctr"/>
-          <a:p>
-            <a:endParaRPr b="0" lang="en-US" sz="3200" spc="-1" strike="noStrike">
-              <a:solidFill>
-                <a:srgbClr val="3399ff"/>
-              </a:solidFill>
-              <a:latin typeface="Source Sans Pro"/>
-            </a:endParaRPr>
-          </a:p>
-        </p:txBody>
-      </p:sp>
-      <p:sp>
-        <p:nvSpPr>
-          <p:cNvPr id="136" name="TextShape 2"/>
-          <p:cNvSpPr txBox="1"/>
+        <p:style>
+          <a:lnRef idx="0"/>
+          <a:fillRef idx="0"/>
+          <a:effectRef idx="0"/>
+          <a:fontRef idx="minor"/>
+        </p:style>
+      </p:sp>
+      <p:sp>
+        <p:nvSpPr>
+          <p:cNvPr id="130" name="CustomShape 2"/>
+          <p:cNvSpPr/>
           <p:nvPr/>
         </p:nvSpPr>
         <p:spPr>
           <a:xfrm>
             <a:off x="504000" y="2273040"/>
-            <a:ext cx="9071640" cy="4384800"/>
+            <a:ext cx="9071280" cy="4384440"/>
           </a:xfrm>
           <a:prstGeom prst="rect">
             <a:avLst/>
@@ -5875,17 +5483,12 @@
             <a:noFill/>
           </a:ln>
         </p:spPr>
-        <p:txBody>
-          <a:bodyPr lIns="0" rIns="0" tIns="0" bIns="0"/>
-          <a:p>
-            <a:endParaRPr b="0" lang="en-US" sz="2200" spc="-1" strike="noStrike">
-              <a:solidFill>
-                <a:srgbClr val="000000"/>
-              </a:solidFill>
-              <a:latin typeface="Source Sans Pro"/>
-            </a:endParaRPr>
-          </a:p>
-        </p:txBody>
+        <p:style>
+          <a:lnRef idx="0"/>
+          <a:fillRef idx="0"/>
+          <a:effectRef idx="0"/>
+          <a:fontRef idx="minor"/>
+        </p:style>
       </p:sp>
     </p:spTree>
   </p:cSld>
@@ -5896,6 +5499,107 @@
           <p:childTnLst>
             <p:seq>
               <p:cTn id="46" dur="indefinite" nodeType="mainSeq"/>
+              <p:prevCondLst>
+                <p:cond delay="0" evt="onPrev">
+                  <p:tgtEl>
+                    <p:sldTgt/>
+                  </p:tgtEl>
+                </p:cond>
+              </p:prevCondLst>
+              <p:nextCondLst>
+                <p:cond delay="0" evt="onNext">
+                  <p:tgtEl>
+                    <p:sldTgt/>
+                  </p:tgtEl>
+                </p:cond>
+              </p:nextCondLst>
+            </p:seq>
+          </p:childTnLst>
+        </p:cTn>
+      </p:par>
+    </p:tnLst>
+  </p:timing>
+</p:sld>
+</file>
+
+<file path=ppt/slides/slide24.xml><?xml version="1.0" encoding="utf-8"?>
+<p:sld xmlns:a="http://schemas.openxmlformats.org/drawingml/2006/main" xmlns:p="http://schemas.openxmlformats.org/presentationml/2006/main" xmlns:r="http://schemas.openxmlformats.org/officeDocument/2006/relationships" xmlns:p14="http://schemas.microsoft.com/office/powerpoint/2010/main" xmlns:p15="http://schemas.microsoft.com/office/powerpoint/2012/main" xmlns:mc="http://schemas.openxmlformats.org/markup-compatibility/2006">
+  <p:cSld>
+    <p:spTree>
+      <p:nvGrpSpPr>
+        <p:cNvPr id="1" name=""/>
+        <p:cNvGrpSpPr/>
+        <p:nvPr/>
+      </p:nvGrpSpPr>
+      <p:grpSpPr>
+        <a:xfrm>
+          <a:off x="0" y="0"/>
+          <a:ext cx="0" cy="0"/>
+          <a:chOff x="0" y="0"/>
+          <a:chExt cx="0" cy="0"/>
+        </a:xfrm>
+      </p:grpSpPr>
+      <p:sp>
+        <p:nvSpPr>
+          <p:cNvPr id="131" name="CustomShape 1"/>
+          <p:cNvSpPr/>
+          <p:nvPr/>
+        </p:nvSpPr>
+        <p:spPr>
+          <a:xfrm>
+            <a:off x="504000" y="805320"/>
+            <a:ext cx="9071280" cy="1261800"/>
+          </a:xfrm>
+          <a:prstGeom prst="rect">
+            <a:avLst/>
+          </a:prstGeom>
+          <a:noFill/>
+          <a:ln>
+            <a:noFill/>
+          </a:ln>
+        </p:spPr>
+        <p:style>
+          <a:lnRef idx="0"/>
+          <a:fillRef idx="0"/>
+          <a:effectRef idx="0"/>
+          <a:fontRef idx="minor"/>
+        </p:style>
+      </p:sp>
+      <p:sp>
+        <p:nvSpPr>
+          <p:cNvPr id="132" name="CustomShape 2"/>
+          <p:cNvSpPr/>
+          <p:nvPr/>
+        </p:nvSpPr>
+        <p:spPr>
+          <a:xfrm>
+            <a:off x="504000" y="2273040"/>
+            <a:ext cx="9071280" cy="4384440"/>
+          </a:xfrm>
+          <a:prstGeom prst="rect">
+            <a:avLst/>
+          </a:prstGeom>
+          <a:noFill/>
+          <a:ln>
+            <a:noFill/>
+          </a:ln>
+        </p:spPr>
+        <p:style>
+          <a:lnRef idx="0"/>
+          <a:fillRef idx="0"/>
+          <a:effectRef idx="0"/>
+          <a:fontRef idx="minor"/>
+        </p:style>
+      </p:sp>
+    </p:spTree>
+  </p:cSld>
+  <p:timing>
+    <p:tnLst>
+      <p:par>
+        <p:cTn id="47" dur="indefinite" restart="never" nodeType="tmRoot">
+          <p:childTnLst>
+            <p:seq>
+              <p:cTn id="48" dur="indefinite" nodeType="mainSeq"/>
               <p:prevCondLst>
                 <p:cond delay="0" evt="onPrev">
                   <p:tgtEl>
@@ -5938,14 +5642,14 @@
       </p:grpSpPr>
       <p:sp>
         <p:nvSpPr>
-          <p:cNvPr id="88" name="TextShape 1"/>
-          <p:cNvSpPr txBox="1"/>
+          <p:cNvPr id="82" name="CustomShape 1"/>
+          <p:cNvSpPr/>
           <p:nvPr/>
         </p:nvSpPr>
         <p:spPr>
           <a:xfrm>
             <a:off x="504000" y="805320"/>
-            <a:ext cx="9071640" cy="1262160"/>
+            <a:ext cx="9071280" cy="1261800"/>
           </a:xfrm>
           <a:prstGeom prst="rect">
             <a:avLst/>
@@ -5955,9 +5659,20 @@
             <a:noFill/>
           </a:ln>
         </p:spPr>
+        <p:style>
+          <a:lnRef idx="0"/>
+          <a:fillRef idx="0"/>
+          <a:effectRef idx="0"/>
+          <a:fontRef idx="minor"/>
+        </p:style>
         <p:txBody>
           <a:bodyPr lIns="0" rIns="0" tIns="0" bIns="0" anchor="ctr"/>
           <a:p>
+            <a:pPr>
+              <a:lnSpc>
+                <a:spcPct val="100000"/>
+              </a:lnSpc>
+            </a:pPr>
             <a:r>
               <a:rPr b="0" lang="en-US" sz="3200" spc="-1" strike="noStrike">
                 <a:solidFill>
@@ -5968,24 +5683,21 @@
               <a:t>Missing Data</a:t>
             </a:r>
             <a:endParaRPr b="0" lang="en-US" sz="3200" spc="-1" strike="noStrike">
-              <a:solidFill>
-                <a:srgbClr val="3399ff"/>
-              </a:solidFill>
-              <a:latin typeface="Source Sans Pro"/>
-            </a:endParaRPr>
-          </a:p>
-        </p:txBody>
-      </p:sp>
-      <p:sp>
-        <p:nvSpPr>
-          <p:cNvPr id="89" name="TextShape 2"/>
-          <p:cNvSpPr txBox="1"/>
+              <a:latin typeface="Arial"/>
+            </a:endParaRPr>
+          </a:p>
+        </p:txBody>
+      </p:sp>
+      <p:sp>
+        <p:nvSpPr>
+          <p:cNvPr id="83" name="CustomShape 2"/>
+          <p:cNvSpPr/>
           <p:nvPr/>
         </p:nvSpPr>
         <p:spPr>
           <a:xfrm>
             <a:off x="504000" y="2273040"/>
-            <a:ext cx="9071640" cy="4384800"/>
+            <a:ext cx="9071280" cy="4384440"/>
           </a:xfrm>
           <a:prstGeom prst="rect">
             <a:avLst/>
@@ -5995,10 +5707,19 @@
             <a:noFill/>
           </a:ln>
         </p:spPr>
+        <p:style>
+          <a:lnRef idx="0"/>
+          <a:fillRef idx="0"/>
+          <a:effectRef idx="0"/>
+          <a:fontRef idx="minor"/>
+        </p:style>
         <p:txBody>
           <a:bodyPr lIns="0" rIns="0" tIns="0" bIns="0"/>
           <a:p>
-            <a:pPr marL="432000" indent="-324000">
+            <a:pPr marL="432000" indent="-323640">
+              <a:lnSpc>
+                <a:spcPct val="100000"/>
+              </a:lnSpc>
               <a:spcAft>
                 <a:spcPts val="1417"/>
               </a:spcAft>
@@ -6019,14 +5740,14 @@
               <a:t>1324 / 1857 had 0 duration</a:t>
             </a:r>
             <a:endParaRPr b="0" lang="en-US" sz="2200" spc="-1" strike="noStrike">
-              <a:solidFill>
-                <a:srgbClr val="000000"/>
-              </a:solidFill>
-              <a:latin typeface="Source Sans Pro"/>
-            </a:endParaRPr>
-          </a:p>
-          <a:p>
-            <a:pPr marL="432000" indent="-324000">
+              <a:latin typeface="Arial"/>
+            </a:endParaRPr>
+          </a:p>
+          <a:p>
+            <a:pPr marL="432000" indent="-323640">
+              <a:lnSpc>
+                <a:spcPct val="100000"/>
+              </a:lnSpc>
               <a:spcAft>
                 <a:spcPts val="1417"/>
               </a:spcAft>
@@ -6047,14 +5768,14 @@
               <a:t>Taking mean combined with duration data in instances dataset brought this down to 887</a:t>
             </a:r>
             <a:endParaRPr b="0" lang="en-US" sz="2200" spc="-1" strike="noStrike">
-              <a:solidFill>
-                <a:srgbClr val="000000"/>
-              </a:solidFill>
-              <a:latin typeface="Source Sans Pro"/>
-            </a:endParaRPr>
-          </a:p>
-          <a:p>
-            <a:pPr marL="432000" indent="-324000">
+              <a:latin typeface="Arial"/>
+            </a:endParaRPr>
+          </a:p>
+          <a:p>
+            <a:pPr marL="432000" indent="-323640">
+              <a:lnSpc>
+                <a:spcPct val="100000"/>
+              </a:lnSpc>
               <a:spcAft>
                 <a:spcPts val="1417"/>
               </a:spcAft>
@@ -6075,10 +5796,7 @@
               <a:t>992 / 1857 Problems had no related incident</a:t>
             </a:r>
             <a:endParaRPr b="0" lang="en-US" sz="2200" spc="-1" strike="noStrike">
-              <a:solidFill>
-                <a:srgbClr val="000000"/>
-              </a:solidFill>
-              <a:latin typeface="Source Sans Pro"/>
+              <a:latin typeface="Arial"/>
             </a:endParaRPr>
           </a:p>
         </p:txBody>
@@ -6134,14 +5852,14 @@
       </p:grpSpPr>
       <p:sp>
         <p:nvSpPr>
-          <p:cNvPr id="90" name="TextShape 1"/>
-          <p:cNvSpPr txBox="1"/>
+          <p:cNvPr id="84" name="CustomShape 1"/>
+          <p:cNvSpPr/>
           <p:nvPr/>
         </p:nvSpPr>
         <p:spPr>
           <a:xfrm>
             <a:off x="504000" y="805320"/>
-            <a:ext cx="9071640" cy="1262160"/>
+            <a:ext cx="9071280" cy="1261800"/>
           </a:xfrm>
           <a:prstGeom prst="rect">
             <a:avLst/>
@@ -6151,9 +5869,20 @@
             <a:noFill/>
           </a:ln>
         </p:spPr>
+        <p:style>
+          <a:lnRef idx="0"/>
+          <a:fillRef idx="0"/>
+          <a:effectRef idx="0"/>
+          <a:fontRef idx="minor"/>
+        </p:style>
         <p:txBody>
           <a:bodyPr lIns="0" rIns="0" tIns="0" bIns="0" anchor="ctr"/>
           <a:p>
+            <a:pPr>
+              <a:lnSpc>
+                <a:spcPct val="100000"/>
+              </a:lnSpc>
+            </a:pPr>
             <a:r>
               <a:rPr b="0" lang="en-US" sz="3200" spc="-1" strike="noStrike">
                 <a:solidFill>
@@ -6164,24 +5893,21 @@
               <a:t>Missing Data</a:t>
             </a:r>
             <a:endParaRPr b="0" lang="en-US" sz="3200" spc="-1" strike="noStrike">
-              <a:solidFill>
-                <a:srgbClr val="3399ff"/>
-              </a:solidFill>
-              <a:latin typeface="Source Sans Pro"/>
-            </a:endParaRPr>
-          </a:p>
-        </p:txBody>
-      </p:sp>
-      <p:sp>
-        <p:nvSpPr>
-          <p:cNvPr id="91" name="TextShape 2"/>
-          <p:cNvSpPr txBox="1"/>
+              <a:latin typeface="Arial"/>
+            </a:endParaRPr>
+          </a:p>
+        </p:txBody>
+      </p:sp>
+      <p:sp>
+        <p:nvSpPr>
+          <p:cNvPr id="85" name="CustomShape 2"/>
+          <p:cNvSpPr/>
           <p:nvPr/>
         </p:nvSpPr>
         <p:spPr>
           <a:xfrm>
             <a:off x="504000" y="2273040"/>
-            <a:ext cx="9071640" cy="4384800"/>
+            <a:ext cx="9071280" cy="4384440"/>
           </a:xfrm>
           <a:prstGeom prst="rect">
             <a:avLst/>
@@ -6191,10 +5917,19 @@
             <a:noFill/>
           </a:ln>
         </p:spPr>
+        <p:style>
+          <a:lnRef idx="0"/>
+          <a:fillRef idx="0"/>
+          <a:effectRef idx="0"/>
+          <a:fontRef idx="minor"/>
+        </p:style>
         <p:txBody>
           <a:bodyPr lIns="0" rIns="0" tIns="0" bIns="0"/>
           <a:p>
-            <a:pPr marL="432000" indent="-324000">
+            <a:pPr marL="432000" indent="-323640">
+              <a:lnSpc>
+                <a:spcPct val="100000"/>
+              </a:lnSpc>
               <a:spcAft>
                 <a:spcPts val="1417"/>
               </a:spcAft>
@@ -6215,14 +5950,14 @@
               <a:t>NA count by feature:</a:t>
             </a:r>
             <a:endParaRPr b="0" lang="en-US" sz="2200" spc="-1" strike="noStrike">
-              <a:solidFill>
-                <a:srgbClr val="000000"/>
-              </a:solidFill>
-              <a:latin typeface="Source Sans Pro"/>
-            </a:endParaRPr>
-          </a:p>
-          <a:p>
-            <a:pPr marL="432000" indent="-324000">
+              <a:latin typeface="Arial"/>
+            </a:endParaRPr>
+          </a:p>
+          <a:p>
+            <a:pPr marL="432000" indent="-323640">
+              <a:lnSpc>
+                <a:spcPct val="100000"/>
+              </a:lnSpc>
               <a:spcAft>
                 <a:spcPts val="1134"/>
               </a:spcAft>
@@ -6243,14 +5978,14 @@
               <a:t>Assignment group = 16</a:t>
             </a:r>
             <a:endParaRPr b="0" lang="en-US" sz="2200" spc="-1" strike="noStrike">
-              <a:solidFill>
-                <a:srgbClr val="000000"/>
-              </a:solidFill>
-              <a:latin typeface="Source Sans Pro"/>
-            </a:endParaRPr>
-          </a:p>
-          <a:p>
-            <a:pPr marL="432000" indent="-324000">
+              <a:latin typeface="Arial"/>
+            </a:endParaRPr>
+          </a:p>
+          <a:p>
+            <a:pPr marL="432000" indent="-323640">
+              <a:lnSpc>
+                <a:spcPct val="100000"/>
+              </a:lnSpc>
               <a:spcAft>
                 <a:spcPts val="1134"/>
               </a:spcAft>
@@ -6271,14 +6006,14 @@
               <a:t>Business service = 131</a:t>
             </a:r>
             <a:endParaRPr b="0" lang="en-US" sz="2200" spc="-1" strike="noStrike">
-              <a:solidFill>
-                <a:srgbClr val="000000"/>
-              </a:solidFill>
-              <a:latin typeface="Source Sans Pro"/>
-            </a:endParaRPr>
-          </a:p>
-          <a:p>
-            <a:pPr marL="432000" indent="-324000">
+              <a:latin typeface="Arial"/>
+            </a:endParaRPr>
+          </a:p>
+          <a:p>
+            <a:pPr marL="432000" indent="-323640">
+              <a:lnSpc>
+                <a:spcPct val="100000"/>
+              </a:lnSpc>
               <a:spcAft>
                 <a:spcPts val="1134"/>
               </a:spcAft>
@@ -6299,14 +6034,14 @@
               <a:t>Category = 233</a:t>
             </a:r>
             <a:endParaRPr b="0" lang="en-US" sz="2200" spc="-1" strike="noStrike">
-              <a:solidFill>
-                <a:srgbClr val="000000"/>
-              </a:solidFill>
-              <a:latin typeface="Source Sans Pro"/>
-            </a:endParaRPr>
-          </a:p>
-          <a:p>
-            <a:pPr marL="432000" indent="-324000">
+              <a:latin typeface="Arial"/>
+            </a:endParaRPr>
+          </a:p>
+          <a:p>
+            <a:pPr marL="432000" indent="-323640">
+              <a:lnSpc>
+                <a:spcPct val="100000"/>
+              </a:lnSpc>
               <a:spcAft>
                 <a:spcPts val="1134"/>
               </a:spcAft>
@@ -6327,14 +6062,14 @@
               <a:t>Company = 923</a:t>
             </a:r>
             <a:endParaRPr b="0" lang="en-US" sz="2200" spc="-1" strike="noStrike">
-              <a:solidFill>
-                <a:srgbClr val="000000"/>
-              </a:solidFill>
-              <a:latin typeface="Source Sans Pro"/>
-            </a:endParaRPr>
-          </a:p>
-          <a:p>
-            <a:pPr marL="432000" indent="-324000">
+              <a:latin typeface="Arial"/>
+            </a:endParaRPr>
+          </a:p>
+          <a:p>
+            <a:pPr marL="432000" indent="-323640">
+              <a:lnSpc>
+                <a:spcPct val="100000"/>
+              </a:lnSpc>
               <a:spcAft>
                 <a:spcPts val="1134"/>
               </a:spcAft>
@@ -6355,14 +6090,14 @@
               <a:t>Opened by = 0</a:t>
             </a:r>
             <a:endParaRPr b="0" lang="en-US" sz="2200" spc="-1" strike="noStrike">
-              <a:solidFill>
-                <a:srgbClr val="000000"/>
-              </a:solidFill>
-              <a:latin typeface="Source Sans Pro"/>
-            </a:endParaRPr>
-          </a:p>
-          <a:p>
-            <a:pPr marL="432000" indent="-324000">
+              <a:latin typeface="Arial"/>
+            </a:endParaRPr>
+          </a:p>
+          <a:p>
+            <a:pPr marL="432000" indent="-323640">
+              <a:lnSpc>
+                <a:spcPct val="100000"/>
+              </a:lnSpc>
               <a:spcAft>
                 <a:spcPts val="1134"/>
               </a:spcAft>
@@ -6383,14 +6118,14 @@
               <a:t>Problem Manager = 27</a:t>
             </a:r>
             <a:endParaRPr b="0" lang="en-US" sz="2200" spc="-1" strike="noStrike">
-              <a:solidFill>
-                <a:srgbClr val="000000"/>
-              </a:solidFill>
-              <a:latin typeface="Source Sans Pro"/>
-            </a:endParaRPr>
-          </a:p>
-          <a:p>
-            <a:pPr marL="432000" indent="-324000">
+              <a:latin typeface="Arial"/>
+            </a:endParaRPr>
+          </a:p>
+          <a:p>
+            <a:pPr marL="432000" indent="-323640">
+              <a:lnSpc>
+                <a:spcPct val="100000"/>
+              </a:lnSpc>
               <a:spcAft>
                 <a:spcPts val="1417"/>
               </a:spcAft>
@@ -6411,10 +6146,7 @@
               <a:t>Type = 99</a:t>
             </a:r>
             <a:endParaRPr b="0" lang="en-US" sz="2200" spc="-1" strike="noStrike">
-              <a:solidFill>
-                <a:srgbClr val="000000"/>
-              </a:solidFill>
-              <a:latin typeface="Source Sans Pro"/>
+              <a:latin typeface="Arial"/>
             </a:endParaRPr>
           </a:p>
         </p:txBody>
@@ -6470,14 +6202,14 @@
       </p:grpSpPr>
       <p:sp>
         <p:nvSpPr>
-          <p:cNvPr id="92" name="TextShape 1"/>
-          <p:cNvSpPr txBox="1"/>
+          <p:cNvPr id="86" name="CustomShape 1"/>
+          <p:cNvSpPr/>
           <p:nvPr/>
         </p:nvSpPr>
         <p:spPr>
           <a:xfrm>
             <a:off x="504000" y="805320"/>
-            <a:ext cx="9071640" cy="1262160"/>
+            <a:ext cx="9071280" cy="1261800"/>
           </a:xfrm>
           <a:prstGeom prst="rect">
             <a:avLst/>
@@ -6487,9 +6219,20 @@
             <a:noFill/>
           </a:ln>
         </p:spPr>
+        <p:style>
+          <a:lnRef idx="0"/>
+          <a:fillRef idx="0"/>
+          <a:effectRef idx="0"/>
+          <a:fontRef idx="minor"/>
+        </p:style>
         <p:txBody>
           <a:bodyPr lIns="0" rIns="0" tIns="0" bIns="0" anchor="ctr"/>
           <a:p>
+            <a:pPr>
+              <a:lnSpc>
+                <a:spcPct val="100000"/>
+              </a:lnSpc>
+            </a:pPr>
             <a:r>
               <a:rPr b="0" lang="en-US" sz="3200" spc="-1" strike="noStrike">
                 <a:solidFill>
@@ -6500,24 +6243,21 @@
               <a:t>Meaningful Features</a:t>
             </a:r>
             <a:endParaRPr b="0" lang="en-US" sz="3200" spc="-1" strike="noStrike">
-              <a:solidFill>
-                <a:srgbClr val="3399ff"/>
-              </a:solidFill>
-              <a:latin typeface="Source Sans Pro"/>
-            </a:endParaRPr>
-          </a:p>
-        </p:txBody>
-      </p:sp>
-      <p:sp>
-        <p:nvSpPr>
-          <p:cNvPr id="93" name="TextShape 2"/>
-          <p:cNvSpPr txBox="1"/>
+              <a:latin typeface="Arial"/>
+            </a:endParaRPr>
+          </a:p>
+        </p:txBody>
+      </p:sp>
+      <p:sp>
+        <p:nvSpPr>
+          <p:cNvPr id="87" name="CustomShape 2"/>
+          <p:cNvSpPr/>
           <p:nvPr/>
         </p:nvSpPr>
         <p:spPr>
           <a:xfrm>
             <a:off x="504000" y="2273040"/>
-            <a:ext cx="9071640" cy="4384800"/>
+            <a:ext cx="9071280" cy="4384440"/>
           </a:xfrm>
           <a:prstGeom prst="rect">
             <a:avLst/>
@@ -6527,10 +6267,19 @@
             <a:noFill/>
           </a:ln>
         </p:spPr>
+        <p:style>
+          <a:lnRef idx="0"/>
+          <a:fillRef idx="0"/>
+          <a:effectRef idx="0"/>
+          <a:fontRef idx="minor"/>
+        </p:style>
         <p:txBody>
           <a:bodyPr lIns="0" rIns="0" tIns="0" bIns="0"/>
           <a:p>
-            <a:pPr marL="432000" indent="-324000">
+            <a:pPr marL="432000" indent="-323640">
+              <a:lnSpc>
+                <a:spcPct val="100000"/>
+              </a:lnSpc>
               <a:spcAft>
                 <a:spcPts val="1417"/>
               </a:spcAft>
@@ -6551,14 +6300,14 @@
               <a:t>For Category Prediction:</a:t>
             </a:r>
             <a:endParaRPr b="0" lang="en-US" sz="2200" spc="-1" strike="noStrike">
-              <a:solidFill>
-                <a:srgbClr val="000000"/>
-              </a:solidFill>
-              <a:latin typeface="Source Sans Pro"/>
-            </a:endParaRPr>
-          </a:p>
-          <a:p>
-            <a:pPr lvl="1" marL="864000" indent="-324000">
+              <a:latin typeface="Arial"/>
+            </a:endParaRPr>
+          </a:p>
+          <a:p>
+            <a:pPr lvl="1" marL="864000" indent="-323640">
+              <a:lnSpc>
+                <a:spcPct val="100000"/>
+              </a:lnSpc>
               <a:spcAft>
                 <a:spcPts val="1134"/>
               </a:spcAft>
@@ -6566,7 +6315,7 @@
                 <a:srgbClr val="000000"/>
               </a:buClr>
               <a:buSzPct val="75000"/>
-              <a:buFont typeface="Symbol" charset="2"/>
+              <a:buFont typeface="Symbol"/>
               <a:buChar char=""/>
             </a:pPr>
             <a:r>
@@ -6579,14 +6328,14 @@
               <a:t>Business service</a:t>
             </a:r>
             <a:endParaRPr b="0" lang="en-US" sz="1800" spc="-1" strike="noStrike">
-              <a:solidFill>
-                <a:srgbClr val="111111"/>
-              </a:solidFill>
-              <a:latin typeface="Corbel"/>
-            </a:endParaRPr>
-          </a:p>
-          <a:p>
-            <a:pPr lvl="1" marL="864000" indent="-324000">
+              <a:latin typeface="Arial"/>
+            </a:endParaRPr>
+          </a:p>
+          <a:p>
+            <a:pPr lvl="1" marL="864000" indent="-323640">
+              <a:lnSpc>
+                <a:spcPct val="100000"/>
+              </a:lnSpc>
               <a:spcAft>
                 <a:spcPts val="1134"/>
               </a:spcAft>
@@ -6594,7 +6343,7 @@
                 <a:srgbClr val="000000"/>
               </a:buClr>
               <a:buSzPct val="75000"/>
-              <a:buFont typeface="Symbol" charset="2"/>
+              <a:buFont typeface="Symbol"/>
               <a:buChar char=""/>
             </a:pPr>
             <a:r>
@@ -6607,14 +6356,14 @@
               <a:t>Duration Mean</a:t>
             </a:r>
             <a:endParaRPr b="0" lang="en-US" sz="1800" spc="-1" strike="noStrike">
-              <a:solidFill>
-                <a:srgbClr val="111111"/>
-              </a:solidFill>
-              <a:latin typeface="Corbel"/>
-            </a:endParaRPr>
-          </a:p>
-          <a:p>
-            <a:pPr lvl="1" marL="864000" indent="-324000">
+              <a:latin typeface="Arial"/>
+            </a:endParaRPr>
+          </a:p>
+          <a:p>
+            <a:pPr lvl="1" marL="864000" indent="-323640">
+              <a:lnSpc>
+                <a:spcPct val="100000"/>
+              </a:lnSpc>
               <a:spcAft>
                 <a:spcPts val="1134"/>
               </a:spcAft>
@@ -6622,7 +6371,7 @@
                 <a:srgbClr val="000000"/>
               </a:buClr>
               <a:buSzPct val="75000"/>
-              <a:buFont typeface="Symbol" charset="2"/>
+              <a:buFont typeface="Symbol"/>
               <a:buChar char=""/>
             </a:pPr>
             <a:r>
@@ -6635,14 +6384,14 @@
               <a:t>Opened by</a:t>
             </a:r>
             <a:endParaRPr b="0" lang="en-US" sz="1800" spc="-1" strike="noStrike">
-              <a:solidFill>
-                <a:srgbClr val="111111"/>
-              </a:solidFill>
-              <a:latin typeface="Corbel"/>
-            </a:endParaRPr>
-          </a:p>
-          <a:p>
-            <a:pPr lvl="1" marL="864000" indent="-324000">
+              <a:latin typeface="Arial"/>
+            </a:endParaRPr>
+          </a:p>
+          <a:p>
+            <a:pPr lvl="1" marL="864000" indent="-323640">
+              <a:lnSpc>
+                <a:spcPct val="100000"/>
+              </a:lnSpc>
               <a:spcAft>
                 <a:spcPts val="1134"/>
               </a:spcAft>
@@ -6650,7 +6399,7 @@
                 <a:srgbClr val="000000"/>
               </a:buClr>
               <a:buSzPct val="75000"/>
-              <a:buFont typeface="Symbol" charset="2"/>
+              <a:buFont typeface="Symbol"/>
               <a:buChar char=""/>
             </a:pPr>
             <a:r>
@@ -6663,14 +6412,14 @@
               <a:t>Problem Manager</a:t>
             </a:r>
             <a:endParaRPr b="0" lang="en-US" sz="1800" spc="-1" strike="noStrike">
-              <a:solidFill>
-                <a:srgbClr val="111111"/>
-              </a:solidFill>
-              <a:latin typeface="Corbel"/>
-            </a:endParaRPr>
-          </a:p>
-          <a:p>
-            <a:pPr lvl="1" marL="864000" indent="-324000">
+              <a:latin typeface="Arial"/>
+            </a:endParaRPr>
+          </a:p>
+          <a:p>
+            <a:pPr lvl="1" marL="864000" indent="-323640">
+              <a:lnSpc>
+                <a:spcPct val="100000"/>
+              </a:lnSpc>
               <a:spcAft>
                 <a:spcPts val="1134"/>
               </a:spcAft>
@@ -6678,7 +6427,7 @@
                 <a:srgbClr val="000000"/>
               </a:buClr>
               <a:buSzPct val="75000"/>
-              <a:buFont typeface="Symbol" charset="2"/>
+              <a:buFont typeface="Symbol"/>
               <a:buChar char=""/>
             </a:pPr>
             <a:r>
@@ -6691,14 +6440,14 @@
               <a:t>Reassignment Count</a:t>
             </a:r>
             <a:endParaRPr b="0" lang="en-US" sz="1800" spc="-1" strike="noStrike">
-              <a:solidFill>
-                <a:srgbClr val="111111"/>
-              </a:solidFill>
-              <a:latin typeface="Corbel"/>
-            </a:endParaRPr>
-          </a:p>
-          <a:p>
-            <a:pPr lvl="1" marL="864000" indent="-324000">
+              <a:latin typeface="Arial"/>
+            </a:endParaRPr>
+          </a:p>
+          <a:p>
+            <a:pPr lvl="1" marL="864000" indent="-323640">
+              <a:lnSpc>
+                <a:spcPct val="100000"/>
+              </a:lnSpc>
               <a:spcAft>
                 <a:spcPts val="1134"/>
               </a:spcAft>
@@ -6706,7 +6455,7 @@
                 <a:srgbClr val="000000"/>
               </a:buClr>
               <a:buSzPct val="75000"/>
-              <a:buFont typeface="Symbol" charset="2"/>
+              <a:buFont typeface="Symbol"/>
               <a:buChar char=""/>
             </a:pPr>
             <a:r>
@@ -6719,10 +6468,7 @@
               <a:t>Updates</a:t>
             </a:r>
             <a:endParaRPr b="0" lang="en-US" sz="1800" spc="-1" strike="noStrike">
-              <a:solidFill>
-                <a:srgbClr val="111111"/>
-              </a:solidFill>
-              <a:latin typeface="Corbel"/>
+              <a:latin typeface="Arial"/>
             </a:endParaRPr>
           </a:p>
         </p:txBody>
@@ -6778,14 +6524,14 @@
       </p:grpSpPr>
       <p:sp>
         <p:nvSpPr>
-          <p:cNvPr id="94" name="TextShape 1"/>
-          <p:cNvSpPr txBox="1"/>
+          <p:cNvPr id="88" name="CustomShape 1"/>
+          <p:cNvSpPr/>
           <p:nvPr/>
         </p:nvSpPr>
         <p:spPr>
           <a:xfrm>
-            <a:off x="504000" y="850320"/>
-            <a:ext cx="9071640" cy="1172160"/>
+            <a:off x="504000" y="805320"/>
+            <a:ext cx="9071280" cy="1261800"/>
           </a:xfrm>
           <a:prstGeom prst="rect">
             <a:avLst/>
@@ -6795,28 +6541,45 @@
             <a:noFill/>
           </a:ln>
         </p:spPr>
+        <p:style>
+          <a:lnRef idx="0"/>
+          <a:fillRef idx="0"/>
+          <a:effectRef idx="0"/>
+          <a:fontRef idx="minor"/>
+        </p:style>
         <p:txBody>
           <a:bodyPr lIns="0" rIns="0" tIns="0" bIns="0" anchor="ctr"/>
           <a:p>
+            <a:pPr>
+              <a:lnSpc>
+                <a:spcPct val="100000"/>
+              </a:lnSpc>
+            </a:pPr>
+            <a:r>
+              <a:rPr b="0" lang="en-US" sz="3200" spc="-1" strike="noStrike">
+                <a:solidFill>
+                  <a:srgbClr val="3399ff"/>
+                </a:solidFill>
+                <a:latin typeface="Source Sans Pro"/>
+              </a:rPr>
+              <a:t>Category Distribution</a:t>
+            </a:r>
             <a:endParaRPr b="0" lang="en-US" sz="3200" spc="-1" strike="noStrike">
-              <a:solidFill>
-                <a:srgbClr val="3399ff"/>
-              </a:solidFill>
-              <a:latin typeface="Source Sans Pro"/>
-            </a:endParaRPr>
-          </a:p>
-        </p:txBody>
-      </p:sp>
-      <p:sp>
-        <p:nvSpPr>
-          <p:cNvPr id="95" name="TextShape 2"/>
-          <p:cNvSpPr txBox="1"/>
+              <a:latin typeface="Arial"/>
+            </a:endParaRPr>
+          </a:p>
+        </p:txBody>
+      </p:sp>
+      <p:sp>
+        <p:nvSpPr>
+          <p:cNvPr id="89" name="CustomShape 2"/>
+          <p:cNvSpPr/>
           <p:nvPr/>
         </p:nvSpPr>
         <p:spPr>
           <a:xfrm>
             <a:off x="504000" y="2273040"/>
-            <a:ext cx="9071640" cy="3627360"/>
+            <a:ext cx="9071280" cy="4384440"/>
           </a:xfrm>
           <a:prstGeom prst="rect">
             <a:avLst/>
@@ -6826,41 +6589,268 @@
             <a:noFill/>
           </a:ln>
         </p:spPr>
+        <p:style>
+          <a:lnRef idx="0"/>
+          <a:fillRef idx="0"/>
+          <a:effectRef idx="0"/>
+          <a:fontRef idx="minor"/>
+        </p:style>
         <p:txBody>
           <a:bodyPr lIns="0" rIns="0" tIns="0" bIns="0"/>
           <a:p>
+            <a:pPr marL="432000" indent="-323640">
+              <a:lnSpc>
+                <a:spcPct val="100000"/>
+              </a:lnSpc>
+              <a:spcAft>
+                <a:spcPts val="1417"/>
+              </a:spcAft>
+              <a:buClr>
+                <a:srgbClr val="000000"/>
+              </a:buClr>
+              <a:buSzPct val="45000"/>
+              <a:buFont typeface="Wingdings" charset="2"/>
+              <a:buChar char=""/>
+            </a:pPr>
+            <a:r>
+              <a:rPr b="0" lang="en-US" sz="2200" spc="-1" strike="noStrike">
+                <a:solidFill>
+                  <a:srgbClr val="000000"/>
+                </a:solidFill>
+                <a:latin typeface="Source Sans Pro"/>
+              </a:rPr>
+              <a:t>Application - 1122</a:t>
+            </a:r>
             <a:endParaRPr b="0" lang="en-US" sz="2200" spc="-1" strike="noStrike">
-              <a:solidFill>
+              <a:latin typeface="Arial"/>
+            </a:endParaRPr>
+          </a:p>
+          <a:p>
+            <a:pPr marL="432000" indent="-323640">
+              <a:lnSpc>
+                <a:spcPct val="100000"/>
+              </a:lnSpc>
+              <a:spcAft>
+                <a:spcPts val="1417"/>
+              </a:spcAft>
+              <a:buClr>
                 <a:srgbClr val="000000"/>
-              </a:solidFill>
-              <a:latin typeface="Source Sans Pro"/>
-            </a:endParaRPr>
-          </a:p>
-        </p:txBody>
-      </p:sp>
-      <p:pic>
-        <p:nvPicPr>
-          <p:cNvPr id="96" name="" descr=""/>
-          <p:cNvPicPr/>
-          <p:nvPr/>
-        </p:nvPicPr>
-        <p:blipFill>
-          <a:blip r:embed="rId1"/>
-          <a:stretch/>
-        </p:blipFill>
-        <p:spPr>
-          <a:xfrm>
-            <a:off x="180360" y="180360"/>
-            <a:ext cx="9719640" cy="7199640"/>
-          </a:xfrm>
-          <a:prstGeom prst="rect">
-            <a:avLst/>
-          </a:prstGeom>
-          <a:ln>
-            <a:noFill/>
-          </a:ln>
-        </p:spPr>
-      </p:pic>
+              </a:buClr>
+              <a:buSzPct val="45000"/>
+              <a:buFont typeface="Wingdings" charset="2"/>
+              <a:buChar char=""/>
+            </a:pPr>
+            <a:r>
+              <a:rPr b="0" lang="en-US" sz="2200" spc="-1" strike="noStrike">
+                <a:solidFill>
+                  <a:srgbClr val="000000"/>
+                </a:solidFill>
+                <a:latin typeface="Source Sans Pro"/>
+              </a:rPr>
+              <a:t>Hardware – 345</a:t>
+            </a:r>
+            <a:endParaRPr b="0" lang="en-US" sz="2200" spc="-1" strike="noStrike">
+              <a:latin typeface="Arial"/>
+            </a:endParaRPr>
+          </a:p>
+          <a:p>
+            <a:pPr marL="432000" indent="-323640">
+              <a:lnSpc>
+                <a:spcPct val="100000"/>
+              </a:lnSpc>
+              <a:spcAft>
+                <a:spcPts val="1417"/>
+              </a:spcAft>
+              <a:buClr>
+                <a:srgbClr val="000000"/>
+              </a:buClr>
+              <a:buSzPct val="45000"/>
+              <a:buFont typeface="Wingdings" charset="2"/>
+              <a:buChar char=""/>
+            </a:pPr>
+            <a:r>
+              <a:rPr b="0" lang="en-US" sz="2200" spc="-1" strike="noStrike">
+                <a:solidFill>
+                  <a:srgbClr val="000000"/>
+                </a:solidFill>
+                <a:latin typeface="Source Sans Pro"/>
+              </a:rPr>
+              <a:t>Other – 233</a:t>
+            </a:r>
+            <a:endParaRPr b="0" lang="en-US" sz="2200" spc="-1" strike="noStrike">
+              <a:latin typeface="Arial"/>
+            </a:endParaRPr>
+          </a:p>
+          <a:p>
+            <a:pPr marL="432000" indent="-323640">
+              <a:lnSpc>
+                <a:spcPct val="100000"/>
+              </a:lnSpc>
+              <a:spcAft>
+                <a:spcPts val="1417"/>
+              </a:spcAft>
+              <a:buClr>
+                <a:srgbClr val="000000"/>
+              </a:buClr>
+              <a:buSzPct val="45000"/>
+              <a:buFont typeface="Wingdings" charset="2"/>
+              <a:buChar char=""/>
+            </a:pPr>
+            <a:r>
+              <a:rPr b="0" lang="en-US" sz="2200" spc="-1" strike="noStrike">
+                <a:solidFill>
+                  <a:srgbClr val="000000"/>
+                </a:solidFill>
+                <a:latin typeface="Source Sans Pro"/>
+              </a:rPr>
+              <a:t>Network – 59</a:t>
+            </a:r>
+            <a:endParaRPr b="0" lang="en-US" sz="2200" spc="-1" strike="noStrike">
+              <a:latin typeface="Arial"/>
+            </a:endParaRPr>
+          </a:p>
+          <a:p>
+            <a:pPr marL="432000" indent="-323640">
+              <a:lnSpc>
+                <a:spcPct val="100000"/>
+              </a:lnSpc>
+              <a:spcAft>
+                <a:spcPts val="1417"/>
+              </a:spcAft>
+              <a:buClr>
+                <a:srgbClr val="000000"/>
+              </a:buClr>
+              <a:buSzPct val="45000"/>
+              <a:buFont typeface="Wingdings" charset="2"/>
+              <a:buChar char=""/>
+            </a:pPr>
+            <a:r>
+              <a:rPr b="0" lang="en-US" sz="2200" spc="-1" strike="noStrike">
+                <a:solidFill>
+                  <a:srgbClr val="000000"/>
+                </a:solidFill>
+                <a:latin typeface="Source Sans Pro"/>
+              </a:rPr>
+              <a:t>Inquiry / Help – 39</a:t>
+            </a:r>
+            <a:endParaRPr b="0" lang="en-US" sz="2200" spc="-1" strike="noStrike">
+              <a:latin typeface="Arial"/>
+            </a:endParaRPr>
+          </a:p>
+          <a:p>
+            <a:pPr marL="432000" indent="-323640">
+              <a:lnSpc>
+                <a:spcPct val="100000"/>
+              </a:lnSpc>
+              <a:spcAft>
+                <a:spcPts val="1417"/>
+              </a:spcAft>
+              <a:buClr>
+                <a:srgbClr val="000000"/>
+              </a:buClr>
+              <a:buSzPct val="45000"/>
+              <a:buFont typeface="Wingdings" charset="2"/>
+              <a:buChar char=""/>
+            </a:pPr>
+            <a:r>
+              <a:rPr b="0" lang="en-US" sz="2200" spc="-1" strike="noStrike">
+                <a:solidFill>
+                  <a:srgbClr val="000000"/>
+                </a:solidFill>
+                <a:latin typeface="Source Sans Pro"/>
+              </a:rPr>
+              <a:t>Infrastructure – 33</a:t>
+            </a:r>
+            <a:endParaRPr b="0" lang="en-US" sz="2200" spc="-1" strike="noStrike">
+              <a:latin typeface="Arial"/>
+            </a:endParaRPr>
+          </a:p>
+          <a:p>
+            <a:pPr marL="432000" indent="-323640">
+              <a:lnSpc>
+                <a:spcPct val="100000"/>
+              </a:lnSpc>
+              <a:spcAft>
+                <a:spcPts val="1417"/>
+              </a:spcAft>
+              <a:buClr>
+                <a:srgbClr val="000000"/>
+              </a:buClr>
+              <a:buSzPct val="45000"/>
+              <a:buFont typeface="Wingdings" charset="2"/>
+              <a:buChar char=""/>
+            </a:pPr>
+            <a:r>
+              <a:rPr b="0" lang="en-US" sz="2200" spc="-1" strike="noStrike">
+                <a:solidFill>
+                  <a:srgbClr val="000000"/>
+                </a:solidFill>
+                <a:latin typeface="Source Sans Pro"/>
+              </a:rPr>
+              <a:t>Security – 14</a:t>
+            </a:r>
+            <a:endParaRPr b="0" lang="en-US" sz="2200" spc="-1" strike="noStrike">
+              <a:latin typeface="Arial"/>
+            </a:endParaRPr>
+          </a:p>
+          <a:p>
+            <a:pPr marL="432000" indent="-323640">
+              <a:lnSpc>
+                <a:spcPct val="100000"/>
+              </a:lnSpc>
+              <a:spcAft>
+                <a:spcPts val="1417"/>
+              </a:spcAft>
+              <a:buClr>
+                <a:srgbClr val="000000"/>
+              </a:buClr>
+              <a:buSzPct val="45000"/>
+              <a:buFont typeface="Wingdings" charset="2"/>
+              <a:buChar char=""/>
+            </a:pPr>
+            <a:r>
+              <a:rPr b="0" lang="en-US" sz="2200" spc="-1" strike="noStrike">
+                <a:solidFill>
+                  <a:srgbClr val="000000"/>
+                </a:solidFill>
+                <a:latin typeface="Source Sans Pro"/>
+              </a:rPr>
+              <a:t>Environment 7</a:t>
+            </a:r>
+            <a:endParaRPr b="0" lang="en-US" sz="2200" spc="-1" strike="noStrike">
+              <a:latin typeface="Arial"/>
+            </a:endParaRPr>
+          </a:p>
+          <a:p>
+            <a:pPr marL="432000" indent="-323640">
+              <a:lnSpc>
+                <a:spcPct val="100000"/>
+              </a:lnSpc>
+              <a:spcAft>
+                <a:spcPts val="1417"/>
+              </a:spcAft>
+              <a:buClr>
+                <a:srgbClr val="000000"/>
+              </a:buClr>
+              <a:buSzPct val="45000"/>
+              <a:buFont typeface="Wingdings" charset="2"/>
+              <a:buChar char=""/>
+            </a:pPr>
+            <a:r>
+              <a:rPr b="0" lang="en-US" sz="2200" spc="-1" strike="noStrike">
+                <a:solidFill>
+                  <a:srgbClr val="000000"/>
+                </a:solidFill>
+                <a:latin typeface="Source Sans Pro"/>
+              </a:rPr>
+              <a:t>Telephony - 5</a:t>
+            </a:r>
+            <a:endParaRPr b="0" lang="en-US" sz="2200" spc="-1" strike="noStrike">
+              <a:latin typeface="Arial"/>
+            </a:endParaRPr>
+          </a:p>
+        </p:txBody>
+      </p:sp>
     </p:spTree>
   </p:cSld>
   <p:timing>
@@ -6912,14 +6902,14 @@
       </p:grpSpPr>
       <p:sp>
         <p:nvSpPr>
-          <p:cNvPr id="97" name="TextShape 1"/>
-          <p:cNvSpPr txBox="1"/>
+          <p:cNvPr id="90" name="CustomShape 1"/>
+          <p:cNvSpPr/>
           <p:nvPr/>
         </p:nvSpPr>
         <p:spPr>
           <a:xfrm>
-            <a:off x="504000" y="805320"/>
-            <a:ext cx="9071640" cy="1262160"/>
+            <a:off x="504000" y="850320"/>
+            <a:ext cx="9071280" cy="1171800"/>
           </a:xfrm>
           <a:prstGeom prst="rect">
             <a:avLst/>
@@ -6929,28 +6919,23 @@
             <a:noFill/>
           </a:ln>
         </p:spPr>
-        <p:txBody>
-          <a:bodyPr lIns="0" rIns="0" tIns="0" bIns="0" anchor="ctr"/>
-          <a:p>
-            <a:endParaRPr b="0" lang="en-US" sz="3200" spc="-1" strike="noStrike">
-              <a:solidFill>
-                <a:srgbClr val="3399ff"/>
-              </a:solidFill>
-              <a:latin typeface="Source Sans Pro"/>
-            </a:endParaRPr>
-          </a:p>
-        </p:txBody>
-      </p:sp>
-      <p:sp>
-        <p:nvSpPr>
-          <p:cNvPr id="98" name="TextShape 2"/>
-          <p:cNvSpPr txBox="1"/>
+        <p:style>
+          <a:lnRef idx="0"/>
+          <a:fillRef idx="0"/>
+          <a:effectRef idx="0"/>
+          <a:fontRef idx="minor"/>
+        </p:style>
+      </p:sp>
+      <p:sp>
+        <p:nvSpPr>
+          <p:cNvPr id="91" name="CustomShape 2"/>
+          <p:cNvSpPr/>
           <p:nvPr/>
         </p:nvSpPr>
         <p:spPr>
           <a:xfrm>
             <a:off x="504000" y="2273040"/>
-            <a:ext cx="9071640" cy="4384800"/>
+            <a:ext cx="9071280" cy="3627000"/>
           </a:xfrm>
           <a:prstGeom prst="rect">
             <a:avLst/>
@@ -6960,21 +6945,16 @@
             <a:noFill/>
           </a:ln>
         </p:spPr>
-        <p:txBody>
-          <a:bodyPr lIns="0" rIns="0" tIns="0" bIns="0"/>
-          <a:p>
-            <a:endParaRPr b="0" lang="en-US" sz="2200" spc="-1" strike="noStrike">
-              <a:solidFill>
-                <a:srgbClr val="000000"/>
-              </a:solidFill>
-              <a:latin typeface="Source Sans Pro"/>
-            </a:endParaRPr>
-          </a:p>
-        </p:txBody>
+        <p:style>
+          <a:lnRef idx="0"/>
+          <a:fillRef idx="0"/>
+          <a:effectRef idx="0"/>
+          <a:fontRef idx="minor"/>
+        </p:style>
       </p:sp>
       <p:pic>
         <p:nvPicPr>
-          <p:cNvPr id="99" name="" descr=""/>
+          <p:cNvPr id="92" name="" descr=""/>
           <p:cNvPicPr/>
           <p:nvPr/>
         </p:nvPicPr>
@@ -6984,13 +6964,13 @@
         </p:blipFill>
         <p:spPr>
           <a:xfrm>
-            <a:off x="26640" y="19800"/>
-            <a:ext cx="10031760" cy="7524000"/>
-          </a:xfrm>
-          <a:prstGeom prst="rect">
-            <a:avLst/>
-          </a:prstGeom>
-          <a:ln w="21600">
+            <a:off x="180360" y="180360"/>
+            <a:ext cx="9719280" cy="7199280"/>
+          </a:xfrm>
+          <a:prstGeom prst="rect">
+            <a:avLst/>
+          </a:prstGeom>
+          <a:ln>
             <a:noFill/>
           </a:ln>
         </p:spPr>
@@ -7046,14 +7026,14 @@
       </p:grpSpPr>
       <p:sp>
         <p:nvSpPr>
-          <p:cNvPr id="100" name="TextShape 1"/>
-          <p:cNvSpPr txBox="1"/>
+          <p:cNvPr id="93" name="CustomShape 1"/>
+          <p:cNvSpPr/>
           <p:nvPr/>
         </p:nvSpPr>
         <p:spPr>
           <a:xfrm>
             <a:off x="504000" y="805320"/>
-            <a:ext cx="9071640" cy="1262160"/>
+            <a:ext cx="9071280" cy="1261800"/>
           </a:xfrm>
           <a:prstGeom prst="rect">
             <a:avLst/>
@@ -7063,28 +7043,23 @@
             <a:noFill/>
           </a:ln>
         </p:spPr>
-        <p:txBody>
-          <a:bodyPr lIns="0" rIns="0" tIns="0" bIns="0" anchor="ctr"/>
-          <a:p>
-            <a:endParaRPr b="0" lang="en-US" sz="3200" spc="-1" strike="noStrike">
-              <a:solidFill>
-                <a:srgbClr val="3399ff"/>
-              </a:solidFill>
-              <a:latin typeface="Source Sans Pro"/>
-            </a:endParaRPr>
-          </a:p>
-        </p:txBody>
-      </p:sp>
-      <p:sp>
-        <p:nvSpPr>
-          <p:cNvPr id="101" name="TextShape 2"/>
-          <p:cNvSpPr txBox="1"/>
+        <p:style>
+          <a:lnRef idx="0"/>
+          <a:fillRef idx="0"/>
+          <a:effectRef idx="0"/>
+          <a:fontRef idx="minor"/>
+        </p:style>
+      </p:sp>
+      <p:sp>
+        <p:nvSpPr>
+          <p:cNvPr id="94" name="CustomShape 2"/>
+          <p:cNvSpPr/>
           <p:nvPr/>
         </p:nvSpPr>
         <p:spPr>
           <a:xfrm>
             <a:off x="504000" y="2273040"/>
-            <a:ext cx="9071640" cy="4384800"/>
+            <a:ext cx="9071280" cy="4384440"/>
           </a:xfrm>
           <a:prstGeom prst="rect">
             <a:avLst/>
@@ -7094,21 +7069,16 @@
             <a:noFill/>
           </a:ln>
         </p:spPr>
-        <p:txBody>
-          <a:bodyPr lIns="0" rIns="0" tIns="0" bIns="0"/>
-          <a:p>
-            <a:endParaRPr b="0" lang="en-US" sz="2200" spc="-1" strike="noStrike">
-              <a:solidFill>
-                <a:srgbClr val="000000"/>
-              </a:solidFill>
-              <a:latin typeface="Source Sans Pro"/>
-            </a:endParaRPr>
-          </a:p>
-        </p:txBody>
+        <p:style>
+          <a:lnRef idx="0"/>
+          <a:fillRef idx="0"/>
+          <a:effectRef idx="0"/>
+          <a:fontRef idx="minor"/>
+        </p:style>
       </p:sp>
       <p:pic>
         <p:nvPicPr>
-          <p:cNvPr id="102" name="" descr=""/>
+          <p:cNvPr id="95" name="" descr=""/>
           <p:cNvPicPr/>
           <p:nvPr/>
         </p:nvPicPr>
@@ -7118,13 +7088,13 @@
         </p:blipFill>
         <p:spPr>
           <a:xfrm>
-            <a:off x="180720" y="180720"/>
-            <a:ext cx="9719640" cy="7199640"/>
-          </a:xfrm>
-          <a:prstGeom prst="rect">
-            <a:avLst/>
-          </a:prstGeom>
-          <a:ln>
+            <a:off x="26640" y="19800"/>
+            <a:ext cx="10031400" cy="7523640"/>
+          </a:xfrm>
+          <a:prstGeom prst="rect">
+            <a:avLst/>
+          </a:prstGeom>
+          <a:ln w="21600">
             <a:noFill/>
           </a:ln>
         </p:spPr>
@@ -7180,14 +7150,14 @@
       </p:grpSpPr>
       <p:sp>
         <p:nvSpPr>
-          <p:cNvPr id="103" name="TextShape 1"/>
-          <p:cNvSpPr txBox="1"/>
+          <p:cNvPr id="96" name="CustomShape 1"/>
+          <p:cNvSpPr/>
           <p:nvPr/>
         </p:nvSpPr>
         <p:spPr>
           <a:xfrm>
             <a:off x="504000" y="805320"/>
-            <a:ext cx="9071640" cy="1262160"/>
+            <a:ext cx="9071280" cy="1261800"/>
           </a:xfrm>
           <a:prstGeom prst="rect">
             <a:avLst/>
@@ -7197,28 +7167,23 @@
             <a:noFill/>
           </a:ln>
         </p:spPr>
-        <p:txBody>
-          <a:bodyPr lIns="0" rIns="0" tIns="0" bIns="0" anchor="ctr"/>
-          <a:p>
-            <a:endParaRPr b="0" lang="en-US" sz="3200" spc="-1" strike="noStrike">
-              <a:solidFill>
-                <a:srgbClr val="3399ff"/>
-              </a:solidFill>
-              <a:latin typeface="Source Sans Pro"/>
-            </a:endParaRPr>
-          </a:p>
-        </p:txBody>
-      </p:sp>
-      <p:sp>
-        <p:nvSpPr>
-          <p:cNvPr id="104" name="TextShape 2"/>
-          <p:cNvSpPr txBox="1"/>
+        <p:style>
+          <a:lnRef idx="0"/>
+          <a:fillRef idx="0"/>
+          <a:effectRef idx="0"/>
+          <a:fontRef idx="minor"/>
+        </p:style>
+      </p:sp>
+      <p:sp>
+        <p:nvSpPr>
+          <p:cNvPr id="97" name="CustomShape 2"/>
+          <p:cNvSpPr/>
           <p:nvPr/>
         </p:nvSpPr>
         <p:spPr>
           <a:xfrm>
             <a:off x="504000" y="2273040"/>
-            <a:ext cx="9071640" cy="4384800"/>
+            <a:ext cx="9071280" cy="4384440"/>
           </a:xfrm>
           <a:prstGeom prst="rect">
             <a:avLst/>
@@ -7228,21 +7193,16 @@
             <a:noFill/>
           </a:ln>
         </p:spPr>
-        <p:txBody>
-          <a:bodyPr lIns="0" rIns="0" tIns="0" bIns="0"/>
-          <a:p>
-            <a:endParaRPr b="0" lang="en-US" sz="2200" spc="-1" strike="noStrike">
-              <a:solidFill>
-                <a:srgbClr val="000000"/>
-              </a:solidFill>
-              <a:latin typeface="Source Sans Pro"/>
-            </a:endParaRPr>
-          </a:p>
-        </p:txBody>
+        <p:style>
+          <a:lnRef idx="0"/>
+          <a:fillRef idx="0"/>
+          <a:effectRef idx="0"/>
+          <a:fontRef idx="minor"/>
+        </p:style>
       </p:sp>
       <p:pic>
         <p:nvPicPr>
-          <p:cNvPr id="105" name="" descr=""/>
+          <p:cNvPr id="98" name="" descr=""/>
           <p:cNvPicPr/>
           <p:nvPr/>
         </p:nvPicPr>
@@ -7253,7 +7213,7 @@
         <p:spPr>
           <a:xfrm>
             <a:off x="180720" y="180720"/>
-            <a:ext cx="9719640" cy="7199640"/>
+            <a:ext cx="9719280" cy="7199280"/>
           </a:xfrm>
           <a:prstGeom prst="rect">
             <a:avLst/>

--- a/MacClusteringProject/data_analysis.pptx
+++ b/MacClusteringProject/data_analysis.pptx
@@ -30,6 +30,7 @@
     <p:sldId id="277" r:id="rId25"/>
     <p:sldId id="278" r:id="rId26"/>
     <p:sldId id="279" r:id="rId27"/>
+    <p:sldId id="280" r:id="rId28"/>
   </p:sldIdLst>
   <p:sldSz cx="10080625" cy="7559675"/>
   <p:notesSz cx="7559675" cy="10691812"/>
@@ -87,8 +88,8 @@
         </p:nvSpPr>
         <p:spPr>
           <a:xfrm>
-            <a:off x="504000" y="805320"/>
-            <a:ext cx="9071280" cy="1261800"/>
+            <a:off x="504000" y="301320"/>
+            <a:ext cx="9072000" cy="1261800"/>
           </a:xfrm>
           <a:prstGeom prst="rect">
             <a:avLst/>
@@ -116,8 +117,8 @@
         </p:nvSpPr>
         <p:spPr>
           <a:xfrm>
-            <a:off x="504000" y="2273040"/>
-            <a:ext cx="9071280" cy="2091240"/>
+            <a:off x="504000" y="1768680"/>
+            <a:ext cx="9072000" cy="2090880"/>
           </a:xfrm>
           <a:prstGeom prst="rect">
             <a:avLst/>
@@ -146,8 +147,8 @@
         </p:nvSpPr>
         <p:spPr>
           <a:xfrm>
-            <a:off x="504000" y="4563360"/>
-            <a:ext cx="9071280" cy="2091240"/>
+            <a:off x="504000" y="4058640"/>
+            <a:ext cx="9072000" cy="2090880"/>
           </a:xfrm>
           <a:prstGeom prst="rect">
             <a:avLst/>
@@ -198,8 +199,8 @@
         </p:nvSpPr>
         <p:spPr>
           <a:xfrm>
-            <a:off x="504000" y="805320"/>
-            <a:ext cx="9071280" cy="1261800"/>
+            <a:off x="504000" y="301320"/>
+            <a:ext cx="9072000" cy="1261800"/>
           </a:xfrm>
           <a:prstGeom prst="rect">
             <a:avLst/>
@@ -227,8 +228,8 @@
         </p:nvSpPr>
         <p:spPr>
           <a:xfrm>
-            <a:off x="504000" y="2273040"/>
-            <a:ext cx="4426560" cy="2091240"/>
+            <a:off x="504000" y="1768680"/>
+            <a:ext cx="4426920" cy="2090880"/>
           </a:xfrm>
           <a:prstGeom prst="rect">
             <a:avLst/>
@@ -257,8 +258,8 @@
         </p:nvSpPr>
         <p:spPr>
           <a:xfrm>
-            <a:off x="5152320" y="2273040"/>
-            <a:ext cx="4426560" cy="2091240"/>
+            <a:off x="5152680" y="1768680"/>
+            <a:ext cx="4426920" cy="2090880"/>
           </a:xfrm>
           <a:prstGeom prst="rect">
             <a:avLst/>
@@ -287,8 +288,8 @@
         </p:nvSpPr>
         <p:spPr>
           <a:xfrm>
-            <a:off x="504000" y="4563360"/>
-            <a:ext cx="4426560" cy="2091240"/>
+            <a:off x="504000" y="4058640"/>
+            <a:ext cx="4426920" cy="2090880"/>
           </a:xfrm>
           <a:prstGeom prst="rect">
             <a:avLst/>
@@ -317,8 +318,8 @@
         </p:nvSpPr>
         <p:spPr>
           <a:xfrm>
-            <a:off x="5152320" y="4563360"/>
-            <a:ext cx="4426560" cy="2091240"/>
+            <a:off x="5152680" y="4058640"/>
+            <a:ext cx="4426920" cy="2090880"/>
           </a:xfrm>
           <a:prstGeom prst="rect">
             <a:avLst/>
@@ -369,8 +370,8 @@
         </p:nvSpPr>
         <p:spPr>
           <a:xfrm>
-            <a:off x="504000" y="805320"/>
-            <a:ext cx="9071280" cy="1261800"/>
+            <a:off x="504000" y="301320"/>
+            <a:ext cx="9072000" cy="1261800"/>
           </a:xfrm>
           <a:prstGeom prst="rect">
             <a:avLst/>
@@ -398,8 +399,8 @@
         </p:nvSpPr>
         <p:spPr>
           <a:xfrm>
-            <a:off x="504000" y="2273040"/>
-            <a:ext cx="2920680" cy="2091240"/>
+            <a:off x="504000" y="1768680"/>
+            <a:ext cx="2921040" cy="2090880"/>
           </a:xfrm>
           <a:prstGeom prst="rect">
             <a:avLst/>
@@ -428,8 +429,8 @@
         </p:nvSpPr>
         <p:spPr>
           <a:xfrm>
-            <a:off x="3571200" y="2273040"/>
-            <a:ext cx="2920680" cy="2091240"/>
+            <a:off x="3571560" y="1768680"/>
+            <a:ext cx="2921040" cy="2090880"/>
           </a:xfrm>
           <a:prstGeom prst="rect">
             <a:avLst/>
@@ -458,8 +459,8 @@
         </p:nvSpPr>
         <p:spPr>
           <a:xfrm>
-            <a:off x="6638040" y="2273040"/>
-            <a:ext cx="2920680" cy="2091240"/>
+            <a:off x="6639120" y="1768680"/>
+            <a:ext cx="2921040" cy="2090880"/>
           </a:xfrm>
           <a:prstGeom prst="rect">
             <a:avLst/>
@@ -488,8 +489,8 @@
         </p:nvSpPr>
         <p:spPr>
           <a:xfrm>
-            <a:off x="504000" y="4563360"/>
-            <a:ext cx="2920680" cy="2091240"/>
+            <a:off x="504000" y="4058640"/>
+            <a:ext cx="2921040" cy="2090880"/>
           </a:xfrm>
           <a:prstGeom prst="rect">
             <a:avLst/>
@@ -518,8 +519,8 @@
         </p:nvSpPr>
         <p:spPr>
           <a:xfrm>
-            <a:off x="3571200" y="4563360"/>
-            <a:ext cx="2920680" cy="2091240"/>
+            <a:off x="3571560" y="4058640"/>
+            <a:ext cx="2921040" cy="2090880"/>
           </a:xfrm>
           <a:prstGeom prst="rect">
             <a:avLst/>
@@ -548,8 +549,8 @@
         </p:nvSpPr>
         <p:spPr>
           <a:xfrm>
-            <a:off x="6638040" y="4563360"/>
-            <a:ext cx="2920680" cy="2091240"/>
+            <a:off x="6639120" y="4058640"/>
+            <a:ext cx="2921040" cy="2090880"/>
           </a:xfrm>
           <a:prstGeom prst="rect">
             <a:avLst/>
@@ -622,8 +623,8 @@
         </p:nvSpPr>
         <p:spPr>
           <a:xfrm>
-            <a:off x="504000" y="805320"/>
-            <a:ext cx="9071280" cy="1261800"/>
+            <a:off x="504000" y="301320"/>
+            <a:ext cx="9072000" cy="1261800"/>
           </a:xfrm>
           <a:prstGeom prst="rect">
             <a:avLst/>
@@ -651,8 +652,8 @@
         </p:nvSpPr>
         <p:spPr>
           <a:xfrm>
-            <a:off x="504000" y="2273040"/>
-            <a:ext cx="9071280" cy="4384440"/>
+            <a:off x="504000" y="1768680"/>
+            <a:ext cx="9072000" cy="4384080"/>
           </a:xfrm>
           <a:prstGeom prst="rect">
             <a:avLst/>
@@ -702,8 +703,8 @@
         </p:nvSpPr>
         <p:spPr>
           <a:xfrm>
-            <a:off x="504000" y="805320"/>
-            <a:ext cx="9071280" cy="1261800"/>
+            <a:off x="504000" y="301320"/>
+            <a:ext cx="9072000" cy="1261800"/>
           </a:xfrm>
           <a:prstGeom prst="rect">
             <a:avLst/>
@@ -731,8 +732,8 @@
         </p:nvSpPr>
         <p:spPr>
           <a:xfrm>
-            <a:off x="504000" y="2273040"/>
-            <a:ext cx="9071280" cy="4384440"/>
+            <a:off x="504000" y="1768680"/>
+            <a:ext cx="9072000" cy="4384080"/>
           </a:xfrm>
           <a:prstGeom prst="rect">
             <a:avLst/>
@@ -783,8 +784,8 @@
         </p:nvSpPr>
         <p:spPr>
           <a:xfrm>
-            <a:off x="504000" y="805320"/>
-            <a:ext cx="9071280" cy="1261800"/>
+            <a:off x="504000" y="301320"/>
+            <a:ext cx="9072000" cy="1261800"/>
           </a:xfrm>
           <a:prstGeom prst="rect">
             <a:avLst/>
@@ -812,8 +813,8 @@
         </p:nvSpPr>
         <p:spPr>
           <a:xfrm>
-            <a:off x="504000" y="2273040"/>
-            <a:ext cx="4426560" cy="4384440"/>
+            <a:off x="504000" y="1768680"/>
+            <a:ext cx="4426920" cy="4384080"/>
           </a:xfrm>
           <a:prstGeom prst="rect">
             <a:avLst/>
@@ -842,8 +843,8 @@
         </p:nvSpPr>
         <p:spPr>
           <a:xfrm>
-            <a:off x="5152320" y="2273040"/>
-            <a:ext cx="4426560" cy="4384440"/>
+            <a:off x="5152680" y="1768680"/>
+            <a:ext cx="4426920" cy="4384080"/>
           </a:xfrm>
           <a:prstGeom prst="rect">
             <a:avLst/>
@@ -894,8 +895,8 @@
         </p:nvSpPr>
         <p:spPr>
           <a:xfrm>
-            <a:off x="504000" y="805320"/>
-            <a:ext cx="9071280" cy="1261800"/>
+            <a:off x="504000" y="301320"/>
+            <a:ext cx="9072000" cy="1261800"/>
           </a:xfrm>
           <a:prstGeom prst="rect">
             <a:avLst/>
@@ -945,8 +946,8 @@
         </p:nvSpPr>
         <p:spPr>
           <a:xfrm>
-            <a:off x="504000" y="805320"/>
-            <a:ext cx="9071280" cy="5850360"/>
+            <a:off x="504000" y="301320"/>
+            <a:ext cx="9072000" cy="5850360"/>
           </a:xfrm>
           <a:prstGeom prst="rect">
             <a:avLst/>
@@ -996,8 +997,8 @@
         </p:nvSpPr>
         <p:spPr>
           <a:xfrm>
-            <a:off x="504000" y="805320"/>
-            <a:ext cx="9071280" cy="1261800"/>
+            <a:off x="504000" y="301320"/>
+            <a:ext cx="9072000" cy="1261800"/>
           </a:xfrm>
           <a:prstGeom prst="rect">
             <a:avLst/>
@@ -1025,8 +1026,8 @@
         </p:nvSpPr>
         <p:spPr>
           <a:xfrm>
-            <a:off x="504000" y="2273040"/>
-            <a:ext cx="4426560" cy="2091240"/>
+            <a:off x="504000" y="1768680"/>
+            <a:ext cx="4426920" cy="2090880"/>
           </a:xfrm>
           <a:prstGeom prst="rect">
             <a:avLst/>
@@ -1055,8 +1056,8 @@
         </p:nvSpPr>
         <p:spPr>
           <a:xfrm>
-            <a:off x="5152320" y="2273040"/>
-            <a:ext cx="4426560" cy="4384440"/>
+            <a:off x="5152680" y="1768680"/>
+            <a:ext cx="4426920" cy="4384080"/>
           </a:xfrm>
           <a:prstGeom prst="rect">
             <a:avLst/>
@@ -1085,8 +1086,8 @@
         </p:nvSpPr>
         <p:spPr>
           <a:xfrm>
-            <a:off x="504000" y="4563360"/>
-            <a:ext cx="4426560" cy="2091240"/>
+            <a:off x="504000" y="4058640"/>
+            <a:ext cx="4426920" cy="2090880"/>
           </a:xfrm>
           <a:prstGeom prst="rect">
             <a:avLst/>
@@ -1137,8 +1138,8 @@
         </p:nvSpPr>
         <p:spPr>
           <a:xfrm>
-            <a:off x="504000" y="805320"/>
-            <a:ext cx="9071280" cy="1261800"/>
+            <a:off x="504000" y="301320"/>
+            <a:ext cx="9072000" cy="1261800"/>
           </a:xfrm>
           <a:prstGeom prst="rect">
             <a:avLst/>
@@ -1166,8 +1167,8 @@
         </p:nvSpPr>
         <p:spPr>
           <a:xfrm>
-            <a:off x="504000" y="2273040"/>
-            <a:ext cx="9071280" cy="4384440"/>
+            <a:off x="504000" y="1768680"/>
+            <a:ext cx="9072000" cy="4384080"/>
           </a:xfrm>
           <a:prstGeom prst="rect">
             <a:avLst/>
@@ -1217,8 +1218,8 @@
         </p:nvSpPr>
         <p:spPr>
           <a:xfrm>
-            <a:off x="504000" y="805320"/>
-            <a:ext cx="9071280" cy="1261800"/>
+            <a:off x="504000" y="301320"/>
+            <a:ext cx="9072000" cy="1261800"/>
           </a:xfrm>
           <a:prstGeom prst="rect">
             <a:avLst/>
@@ -1246,8 +1247,8 @@
         </p:nvSpPr>
         <p:spPr>
           <a:xfrm>
-            <a:off x="504000" y="2273040"/>
-            <a:ext cx="4426560" cy="4384440"/>
+            <a:off x="504000" y="1768680"/>
+            <a:ext cx="4426920" cy="4384080"/>
           </a:xfrm>
           <a:prstGeom prst="rect">
             <a:avLst/>
@@ -1276,8 +1277,8 @@
         </p:nvSpPr>
         <p:spPr>
           <a:xfrm>
-            <a:off x="5152320" y="2273040"/>
-            <a:ext cx="4426560" cy="2091240"/>
+            <a:off x="5152680" y="1768680"/>
+            <a:ext cx="4426920" cy="2090880"/>
           </a:xfrm>
           <a:prstGeom prst="rect">
             <a:avLst/>
@@ -1306,8 +1307,8 @@
         </p:nvSpPr>
         <p:spPr>
           <a:xfrm>
-            <a:off x="5152320" y="4563360"/>
-            <a:ext cx="4426560" cy="2091240"/>
+            <a:off x="5152680" y="4058640"/>
+            <a:ext cx="4426920" cy="2090880"/>
           </a:xfrm>
           <a:prstGeom prst="rect">
             <a:avLst/>
@@ -1358,8 +1359,8 @@
         </p:nvSpPr>
         <p:spPr>
           <a:xfrm>
-            <a:off x="504000" y="805320"/>
-            <a:ext cx="9071280" cy="1261800"/>
+            <a:off x="504000" y="301320"/>
+            <a:ext cx="9072000" cy="1261800"/>
           </a:xfrm>
           <a:prstGeom prst="rect">
             <a:avLst/>
@@ -1387,8 +1388,8 @@
         </p:nvSpPr>
         <p:spPr>
           <a:xfrm>
-            <a:off x="504000" y="2273040"/>
-            <a:ext cx="4426560" cy="2091240"/>
+            <a:off x="504000" y="1768680"/>
+            <a:ext cx="4426920" cy="2090880"/>
           </a:xfrm>
           <a:prstGeom prst="rect">
             <a:avLst/>
@@ -1417,8 +1418,8 @@
         </p:nvSpPr>
         <p:spPr>
           <a:xfrm>
-            <a:off x="5152320" y="2273040"/>
-            <a:ext cx="4426560" cy="2091240"/>
+            <a:off x="5152680" y="1768680"/>
+            <a:ext cx="4426920" cy="2090880"/>
           </a:xfrm>
           <a:prstGeom prst="rect">
             <a:avLst/>
@@ -1447,8 +1448,8 @@
         </p:nvSpPr>
         <p:spPr>
           <a:xfrm>
-            <a:off x="504000" y="4563360"/>
-            <a:ext cx="9071280" cy="2091240"/>
+            <a:off x="504000" y="4058640"/>
+            <a:ext cx="9072000" cy="2090880"/>
           </a:xfrm>
           <a:prstGeom prst="rect">
             <a:avLst/>
@@ -1499,8 +1500,8 @@
         </p:nvSpPr>
         <p:spPr>
           <a:xfrm>
-            <a:off x="504000" y="805320"/>
-            <a:ext cx="9071280" cy="1261800"/>
+            <a:off x="504000" y="301320"/>
+            <a:ext cx="9072000" cy="1261800"/>
           </a:xfrm>
           <a:prstGeom prst="rect">
             <a:avLst/>
@@ -1528,8 +1529,8 @@
         </p:nvSpPr>
         <p:spPr>
           <a:xfrm>
-            <a:off x="504000" y="2273040"/>
-            <a:ext cx="9071280" cy="2091240"/>
+            <a:off x="504000" y="1768680"/>
+            <a:ext cx="9072000" cy="2090880"/>
           </a:xfrm>
           <a:prstGeom prst="rect">
             <a:avLst/>
@@ -1558,8 +1559,8 @@
         </p:nvSpPr>
         <p:spPr>
           <a:xfrm>
-            <a:off x="504000" y="4563360"/>
-            <a:ext cx="9071280" cy="2091240"/>
+            <a:off x="504000" y="4058640"/>
+            <a:ext cx="9072000" cy="2090880"/>
           </a:xfrm>
           <a:prstGeom prst="rect">
             <a:avLst/>
@@ -1610,8 +1611,8 @@
         </p:nvSpPr>
         <p:spPr>
           <a:xfrm>
-            <a:off x="504000" y="805320"/>
-            <a:ext cx="9071280" cy="1261800"/>
+            <a:off x="504000" y="301320"/>
+            <a:ext cx="9072000" cy="1261800"/>
           </a:xfrm>
           <a:prstGeom prst="rect">
             <a:avLst/>
@@ -1639,8 +1640,8 @@
         </p:nvSpPr>
         <p:spPr>
           <a:xfrm>
-            <a:off x="504000" y="2273040"/>
-            <a:ext cx="4426560" cy="2091240"/>
+            <a:off x="504000" y="1768680"/>
+            <a:ext cx="4426920" cy="2090880"/>
           </a:xfrm>
           <a:prstGeom prst="rect">
             <a:avLst/>
@@ -1669,8 +1670,8 @@
         </p:nvSpPr>
         <p:spPr>
           <a:xfrm>
-            <a:off x="5152320" y="2273040"/>
-            <a:ext cx="4426560" cy="2091240"/>
+            <a:off x="5152680" y="1768680"/>
+            <a:ext cx="4426920" cy="2090880"/>
           </a:xfrm>
           <a:prstGeom prst="rect">
             <a:avLst/>
@@ -1699,8 +1700,8 @@
         </p:nvSpPr>
         <p:spPr>
           <a:xfrm>
-            <a:off x="504000" y="4563360"/>
-            <a:ext cx="4426560" cy="2091240"/>
+            <a:off x="504000" y="4058640"/>
+            <a:ext cx="4426920" cy="2090880"/>
           </a:xfrm>
           <a:prstGeom prst="rect">
             <a:avLst/>
@@ -1729,8 +1730,8 @@
         </p:nvSpPr>
         <p:spPr>
           <a:xfrm>
-            <a:off x="5152320" y="4563360"/>
-            <a:ext cx="4426560" cy="2091240"/>
+            <a:off x="5152680" y="4058640"/>
+            <a:ext cx="4426920" cy="2090880"/>
           </a:xfrm>
           <a:prstGeom prst="rect">
             <a:avLst/>
@@ -1781,8 +1782,8 @@
         </p:nvSpPr>
         <p:spPr>
           <a:xfrm>
-            <a:off x="504000" y="805320"/>
-            <a:ext cx="9071280" cy="1261800"/>
+            <a:off x="504000" y="301320"/>
+            <a:ext cx="9072000" cy="1261800"/>
           </a:xfrm>
           <a:prstGeom prst="rect">
             <a:avLst/>
@@ -1810,8 +1811,8 @@
         </p:nvSpPr>
         <p:spPr>
           <a:xfrm>
-            <a:off x="504000" y="2273040"/>
-            <a:ext cx="2920680" cy="2091240"/>
+            <a:off x="504000" y="1768680"/>
+            <a:ext cx="2921040" cy="2090880"/>
           </a:xfrm>
           <a:prstGeom prst="rect">
             <a:avLst/>
@@ -1840,8 +1841,8 @@
         </p:nvSpPr>
         <p:spPr>
           <a:xfrm>
-            <a:off x="3571200" y="2273040"/>
-            <a:ext cx="2920680" cy="2091240"/>
+            <a:off x="3571560" y="1768680"/>
+            <a:ext cx="2921040" cy="2090880"/>
           </a:xfrm>
           <a:prstGeom prst="rect">
             <a:avLst/>
@@ -1870,8 +1871,8 @@
         </p:nvSpPr>
         <p:spPr>
           <a:xfrm>
-            <a:off x="6638040" y="2273040"/>
-            <a:ext cx="2920680" cy="2091240"/>
+            <a:off x="6639120" y="1768680"/>
+            <a:ext cx="2921040" cy="2090880"/>
           </a:xfrm>
           <a:prstGeom prst="rect">
             <a:avLst/>
@@ -1900,8 +1901,8 @@
         </p:nvSpPr>
         <p:spPr>
           <a:xfrm>
-            <a:off x="504000" y="4563360"/>
-            <a:ext cx="2920680" cy="2091240"/>
+            <a:off x="504000" y="4058640"/>
+            <a:ext cx="2921040" cy="2090880"/>
           </a:xfrm>
           <a:prstGeom prst="rect">
             <a:avLst/>
@@ -1930,8 +1931,8 @@
         </p:nvSpPr>
         <p:spPr>
           <a:xfrm>
-            <a:off x="3571200" y="4563360"/>
-            <a:ext cx="2920680" cy="2091240"/>
+            <a:off x="3571560" y="4058640"/>
+            <a:ext cx="2921040" cy="2090880"/>
           </a:xfrm>
           <a:prstGeom prst="rect">
             <a:avLst/>
@@ -1960,8 +1961,8 @@
         </p:nvSpPr>
         <p:spPr>
           <a:xfrm>
-            <a:off x="6638040" y="4563360"/>
-            <a:ext cx="2920680" cy="2091240"/>
+            <a:off x="6639120" y="4058640"/>
+            <a:ext cx="2921040" cy="2090880"/>
           </a:xfrm>
           <a:prstGeom prst="rect">
             <a:avLst/>
@@ -2012,8 +2013,8 @@
         </p:nvSpPr>
         <p:spPr>
           <a:xfrm>
-            <a:off x="504000" y="805320"/>
-            <a:ext cx="9071280" cy="1261800"/>
+            <a:off x="504000" y="301320"/>
+            <a:ext cx="9072000" cy="1261800"/>
           </a:xfrm>
           <a:prstGeom prst="rect">
             <a:avLst/>
@@ -2041,8 +2042,8 @@
         </p:nvSpPr>
         <p:spPr>
           <a:xfrm>
-            <a:off x="504000" y="2273040"/>
-            <a:ext cx="9071280" cy="4384440"/>
+            <a:off x="504000" y="1768680"/>
+            <a:ext cx="9072000" cy="4384080"/>
           </a:xfrm>
           <a:prstGeom prst="rect">
             <a:avLst/>
@@ -2093,8 +2094,8 @@
         </p:nvSpPr>
         <p:spPr>
           <a:xfrm>
-            <a:off x="504000" y="805320"/>
-            <a:ext cx="9071280" cy="1261800"/>
+            <a:off x="504000" y="301320"/>
+            <a:ext cx="9072000" cy="1261800"/>
           </a:xfrm>
           <a:prstGeom prst="rect">
             <a:avLst/>
@@ -2122,8 +2123,8 @@
         </p:nvSpPr>
         <p:spPr>
           <a:xfrm>
-            <a:off x="504000" y="2273040"/>
-            <a:ext cx="4426560" cy="4384440"/>
+            <a:off x="504000" y="1768680"/>
+            <a:ext cx="4426920" cy="4384080"/>
           </a:xfrm>
           <a:prstGeom prst="rect">
             <a:avLst/>
@@ -2152,8 +2153,8 @@
         </p:nvSpPr>
         <p:spPr>
           <a:xfrm>
-            <a:off x="5152320" y="2273040"/>
-            <a:ext cx="4426560" cy="4384440"/>
+            <a:off x="5152680" y="1768680"/>
+            <a:ext cx="4426920" cy="4384080"/>
           </a:xfrm>
           <a:prstGeom prst="rect">
             <a:avLst/>
@@ -2204,8 +2205,8 @@
         </p:nvSpPr>
         <p:spPr>
           <a:xfrm>
-            <a:off x="504000" y="805320"/>
-            <a:ext cx="9071280" cy="1261800"/>
+            <a:off x="504000" y="301320"/>
+            <a:ext cx="9072000" cy="1261800"/>
           </a:xfrm>
           <a:prstGeom prst="rect">
             <a:avLst/>
@@ -2255,8 +2256,8 @@
         </p:nvSpPr>
         <p:spPr>
           <a:xfrm>
-            <a:off x="504000" y="805320"/>
-            <a:ext cx="9071280" cy="5850360"/>
+            <a:off x="504000" y="301320"/>
+            <a:ext cx="9072000" cy="5850360"/>
           </a:xfrm>
           <a:prstGeom prst="rect">
             <a:avLst/>
@@ -2306,8 +2307,8 @@
         </p:nvSpPr>
         <p:spPr>
           <a:xfrm>
-            <a:off x="504000" y="805320"/>
-            <a:ext cx="9071280" cy="1261800"/>
+            <a:off x="504000" y="301320"/>
+            <a:ext cx="9072000" cy="1261800"/>
           </a:xfrm>
           <a:prstGeom prst="rect">
             <a:avLst/>
@@ -2335,8 +2336,8 @@
         </p:nvSpPr>
         <p:spPr>
           <a:xfrm>
-            <a:off x="504000" y="2273040"/>
-            <a:ext cx="4426560" cy="2091240"/>
+            <a:off x="504000" y="1768680"/>
+            <a:ext cx="4426920" cy="2090880"/>
           </a:xfrm>
           <a:prstGeom prst="rect">
             <a:avLst/>
@@ -2365,8 +2366,8 @@
         </p:nvSpPr>
         <p:spPr>
           <a:xfrm>
-            <a:off x="5152320" y="2273040"/>
-            <a:ext cx="4426560" cy="4384440"/>
+            <a:off x="5152680" y="1768680"/>
+            <a:ext cx="4426920" cy="4384080"/>
           </a:xfrm>
           <a:prstGeom prst="rect">
             <a:avLst/>
@@ -2395,8 +2396,8 @@
         </p:nvSpPr>
         <p:spPr>
           <a:xfrm>
-            <a:off x="504000" y="4563360"/>
-            <a:ext cx="4426560" cy="2091240"/>
+            <a:off x="504000" y="4058640"/>
+            <a:ext cx="4426920" cy="2090880"/>
           </a:xfrm>
           <a:prstGeom prst="rect">
             <a:avLst/>
@@ -2447,8 +2448,8 @@
         </p:nvSpPr>
         <p:spPr>
           <a:xfrm>
-            <a:off x="504000" y="805320"/>
-            <a:ext cx="9071280" cy="1261800"/>
+            <a:off x="504000" y="301320"/>
+            <a:ext cx="9072000" cy="1261800"/>
           </a:xfrm>
           <a:prstGeom prst="rect">
             <a:avLst/>
@@ -2476,8 +2477,8 @@
         </p:nvSpPr>
         <p:spPr>
           <a:xfrm>
-            <a:off x="504000" y="2273040"/>
-            <a:ext cx="4426560" cy="4384440"/>
+            <a:off x="504000" y="1768680"/>
+            <a:ext cx="4426920" cy="4384080"/>
           </a:xfrm>
           <a:prstGeom prst="rect">
             <a:avLst/>
@@ -2506,8 +2507,8 @@
         </p:nvSpPr>
         <p:spPr>
           <a:xfrm>
-            <a:off x="5152320" y="2273040"/>
-            <a:ext cx="4426560" cy="2091240"/>
+            <a:off x="5152680" y="1768680"/>
+            <a:ext cx="4426920" cy="2090880"/>
           </a:xfrm>
           <a:prstGeom prst="rect">
             <a:avLst/>
@@ -2536,8 +2537,8 @@
         </p:nvSpPr>
         <p:spPr>
           <a:xfrm>
-            <a:off x="5152320" y="4563360"/>
-            <a:ext cx="4426560" cy="2091240"/>
+            <a:off x="5152680" y="4058640"/>
+            <a:ext cx="4426920" cy="2090880"/>
           </a:xfrm>
           <a:prstGeom prst="rect">
             <a:avLst/>
@@ -2588,8 +2589,8 @@
         </p:nvSpPr>
         <p:spPr>
           <a:xfrm>
-            <a:off x="504000" y="805320"/>
-            <a:ext cx="9071280" cy="1261800"/>
+            <a:off x="504000" y="301320"/>
+            <a:ext cx="9072000" cy="1261800"/>
           </a:xfrm>
           <a:prstGeom prst="rect">
             <a:avLst/>
@@ -2617,8 +2618,8 @@
         </p:nvSpPr>
         <p:spPr>
           <a:xfrm>
-            <a:off x="504000" y="2273040"/>
-            <a:ext cx="4426560" cy="2091240"/>
+            <a:off x="504000" y="1768680"/>
+            <a:ext cx="4426920" cy="2090880"/>
           </a:xfrm>
           <a:prstGeom prst="rect">
             <a:avLst/>
@@ -2647,8 +2648,8 @@
         </p:nvSpPr>
         <p:spPr>
           <a:xfrm>
-            <a:off x="5152320" y="2273040"/>
-            <a:ext cx="4426560" cy="2091240"/>
+            <a:off x="5152680" y="1768680"/>
+            <a:ext cx="4426920" cy="2090880"/>
           </a:xfrm>
           <a:prstGeom prst="rect">
             <a:avLst/>
@@ -2677,8 +2678,8 @@
         </p:nvSpPr>
         <p:spPr>
           <a:xfrm>
-            <a:off x="504000" y="4563360"/>
-            <a:ext cx="9071280" cy="2091240"/>
+            <a:off x="504000" y="4058640"/>
+            <a:ext cx="9072000" cy="2090880"/>
           </a:xfrm>
           <a:prstGeom prst="rect">
             <a:avLst/>
@@ -2730,7 +2731,7 @@
         <p:spPr>
           <a:xfrm>
             <a:off x="360" y="360"/>
-            <a:ext cx="10057680" cy="7543080"/>
+            <a:ext cx="10057320" cy="7542720"/>
           </a:xfrm>
           <a:prstGeom prst="rect">
             <a:avLst/>
@@ -2753,7 +2754,7 @@
         <p:spPr>
           <a:xfrm>
             <a:off x="504000" y="805320"/>
-            <a:ext cx="9071280" cy="1261800"/>
+            <a:ext cx="9070920" cy="1261440"/>
           </a:xfrm>
           <a:prstGeom prst="rect">
             <a:avLst/>
@@ -2762,13 +2763,14 @@
         <p:txBody>
           <a:bodyPr lIns="0" rIns="0" tIns="0" bIns="0" anchor="ctr"/>
           <a:p>
-            <a:r>
-              <a:rPr b="0" lang="en-US" sz="1800" spc="-1" strike="noStrike">
+            <a:pPr algn="ctr"/>
+            <a:r>
+              <a:rPr b="0" lang="en-US" sz="4400" spc="-1" strike="noStrike">
                 <a:latin typeface="Arial"/>
               </a:rPr>
               <a:t>Click to edit the title text format</a:t>
             </a:r>
-            <a:endParaRPr b="0" lang="en-US" sz="1800" spc="-1" strike="noStrike">
+            <a:endParaRPr b="0" lang="en-US" sz="4400" spc="-1" strike="noStrike">
               <a:latin typeface="Arial"/>
             </a:endParaRPr>
           </a:p>
@@ -2786,8 +2788,8 @@
         </p:nvSpPr>
         <p:spPr>
           <a:xfrm>
-            <a:off x="504000" y="1768680"/>
-            <a:ext cx="9072000" cy="4384080"/>
+            <a:off x="504000" y="2273040"/>
+            <a:ext cx="9070920" cy="4384080"/>
           </a:xfrm>
           <a:prstGeom prst="rect">
             <a:avLst/>
@@ -3003,7 +3005,7 @@
         <p:spPr>
           <a:xfrm>
             <a:off x="0" y="360"/>
-            <a:ext cx="10072800" cy="7543080"/>
+            <a:ext cx="10072440" cy="7542720"/>
           </a:xfrm>
           <a:prstGeom prst="rect">
             <a:avLst/>
@@ -3025,8 +3027,8 @@
         </p:nvSpPr>
         <p:spPr>
           <a:xfrm>
-            <a:off x="504000" y="805320"/>
-            <a:ext cx="9071280" cy="1261800"/>
+            <a:off x="504000" y="301320"/>
+            <a:ext cx="9072000" cy="1261800"/>
           </a:xfrm>
           <a:prstGeom prst="rect">
             <a:avLst/>
@@ -3035,13 +3037,14 @@
         <p:txBody>
           <a:bodyPr lIns="0" rIns="0" tIns="0" bIns="0" anchor="ctr"/>
           <a:p>
-            <a:r>
-              <a:rPr b="0" lang="en-US" sz="1800" spc="-1" strike="noStrike">
+            <a:pPr algn="ctr"/>
+            <a:r>
+              <a:rPr b="0" lang="en-US" sz="4400" spc="-1" strike="noStrike">
                 <a:latin typeface="Arial"/>
               </a:rPr>
               <a:t>Click to edit the title text format</a:t>
             </a:r>
-            <a:endParaRPr b="0" lang="en-US" sz="1800" spc="-1" strike="noStrike">
+            <a:endParaRPr b="0" lang="en-US" sz="4400" spc="-1" strike="noStrike">
               <a:latin typeface="Arial"/>
             </a:endParaRPr>
           </a:p>
@@ -3059,15 +3062,17 @@
         </p:nvSpPr>
         <p:spPr>
           <a:xfrm>
-            <a:off x="504000" y="2273040"/>
-            <a:ext cx="9071280" cy="4384440"/>
+            <a:off x="504000" y="1768680"/>
+            <a:ext cx="9072000" cy="4384080"/>
           </a:xfrm>
           <a:prstGeom prst="rect">
             <a:avLst/>
           </a:prstGeom>
         </p:spPr>
         <p:txBody>
-          <a:bodyPr lIns="0" rIns="0" tIns="0" bIns="0"/>
+          <a:bodyPr lIns="0" rIns="0" tIns="0" bIns="0">
+            <a:normAutofit/>
+          </a:bodyPr>
           <a:p>
             <a:pPr marL="432000" indent="-324000">
               <a:spcBef>
@@ -3081,12 +3086,12 @@
               <a:buChar char=""/>
             </a:pPr>
             <a:r>
-              <a:rPr b="0" lang="en-US" sz="1800" spc="-1" strike="noStrike">
+              <a:rPr b="0" lang="en-US" sz="3200" spc="-1" strike="noStrike">
                 <a:latin typeface="Arial"/>
               </a:rPr>
               <a:t>Click to edit the outline text format</a:t>
             </a:r>
-            <a:endParaRPr b="0" lang="en-US" sz="1800" spc="-1" strike="noStrike">
+            <a:endParaRPr b="0" lang="en-US" sz="3200" spc="-1" strike="noStrike">
               <a:latin typeface="Arial"/>
             </a:endParaRPr>
           </a:p>
@@ -3103,12 +3108,12 @@
               <a:buChar char=""/>
             </a:pPr>
             <a:r>
-              <a:rPr b="0" lang="en-US" sz="1800" spc="-1" strike="noStrike">
+              <a:rPr b="0" lang="en-US" sz="2800" spc="-1" strike="noStrike">
                 <a:latin typeface="Arial"/>
               </a:rPr>
               <a:t>Second Outline Level</a:t>
             </a:r>
-            <a:endParaRPr b="0" lang="en-US" sz="1800" spc="-1" strike="noStrike">
+            <a:endParaRPr b="0" lang="en-US" sz="2800" spc="-1" strike="noStrike">
               <a:latin typeface="Arial"/>
             </a:endParaRPr>
           </a:p>
@@ -3125,12 +3130,12 @@
               <a:buChar char=""/>
             </a:pPr>
             <a:r>
-              <a:rPr b="0" lang="en-US" sz="1800" spc="-1" strike="noStrike">
+              <a:rPr b="0" lang="en-US" sz="2400" spc="-1" strike="noStrike">
                 <a:latin typeface="Arial"/>
               </a:rPr>
               <a:t>Third Outline Level</a:t>
             </a:r>
-            <a:endParaRPr b="0" lang="en-US" sz="1800" spc="-1" strike="noStrike">
+            <a:endParaRPr b="0" lang="en-US" sz="2400" spc="-1" strike="noStrike">
               <a:latin typeface="Arial"/>
             </a:endParaRPr>
           </a:p>
@@ -3147,12 +3152,12 @@
               <a:buChar char=""/>
             </a:pPr>
             <a:r>
-              <a:rPr b="0" lang="en-US" sz="1800" spc="-1" strike="noStrike">
+              <a:rPr b="0" lang="en-US" sz="2000" spc="-1" strike="noStrike">
                 <a:latin typeface="Arial"/>
               </a:rPr>
               <a:t>Fourth Outline Level</a:t>
             </a:r>
-            <a:endParaRPr b="0" lang="en-US" sz="1800" spc="-1" strike="noStrike">
+            <a:endParaRPr b="0" lang="en-US" sz="2000" spc="-1" strike="noStrike">
               <a:latin typeface="Arial"/>
             </a:endParaRPr>
           </a:p>
@@ -3169,12 +3174,12 @@
               <a:buChar char=""/>
             </a:pPr>
             <a:r>
-              <a:rPr b="0" lang="en-US" sz="1800" spc="-1" strike="noStrike">
+              <a:rPr b="0" lang="en-US" sz="2000" spc="-1" strike="noStrike">
                 <a:latin typeface="Arial"/>
               </a:rPr>
               <a:t>Fifth Outline Level</a:t>
             </a:r>
-            <a:endParaRPr b="0" lang="en-US" sz="1800" spc="-1" strike="noStrike">
+            <a:endParaRPr b="0" lang="en-US" sz="2000" spc="-1" strike="noStrike">
               <a:latin typeface="Arial"/>
             </a:endParaRPr>
           </a:p>
@@ -3191,12 +3196,12 @@
               <a:buChar char=""/>
             </a:pPr>
             <a:r>
-              <a:rPr b="0" lang="en-US" sz="1800" spc="-1" strike="noStrike">
+              <a:rPr b="0" lang="en-US" sz="2000" spc="-1" strike="noStrike">
                 <a:latin typeface="Arial"/>
               </a:rPr>
               <a:t>Sixth Outline Level</a:t>
             </a:r>
-            <a:endParaRPr b="0" lang="en-US" sz="1800" spc="-1" strike="noStrike">
+            <a:endParaRPr b="0" lang="en-US" sz="2000" spc="-1" strike="noStrike">
               <a:latin typeface="Arial"/>
             </a:endParaRPr>
           </a:p>
@@ -3213,12 +3218,12 @@
               <a:buChar char=""/>
             </a:pPr>
             <a:r>
-              <a:rPr b="0" lang="en-US" sz="1800" spc="-1" strike="noStrike">
+              <a:rPr b="0" lang="en-US" sz="2000" spc="-1" strike="noStrike">
                 <a:latin typeface="Arial"/>
               </a:rPr>
               <a:t>Seventh Outline Level</a:t>
             </a:r>
-            <a:endParaRPr b="0" lang="en-US" sz="1800" spc="-1" strike="noStrike">
+            <a:endParaRPr b="0" lang="en-US" sz="2000" spc="-1" strike="noStrike">
               <a:latin typeface="Arial"/>
             </a:endParaRPr>
           </a:p>
@@ -3270,7 +3275,7 @@
         <p:spPr>
           <a:xfrm>
             <a:off x="3825000" y="2851200"/>
-            <a:ext cx="5642640" cy="1092960"/>
+            <a:ext cx="5642280" cy="1092600"/>
           </a:xfrm>
           <a:prstGeom prst="rect">
             <a:avLst/>
@@ -3296,7 +3301,7 @@
         <p:spPr>
           <a:xfrm>
             <a:off x="5257800" y="4150800"/>
-            <a:ext cx="4209840" cy="685440"/>
+            <a:ext cx="4209480" cy="685080"/>
           </a:xfrm>
           <a:prstGeom prst="rect">
             <a:avLst/>
@@ -3364,40 +3369,14 @@
       </p:grpSpPr>
       <p:sp>
         <p:nvSpPr>
-          <p:cNvPr id="99" name="CustomShape 1"/>
+          <p:cNvPr id="97" name="CustomShape 1"/>
           <p:cNvSpPr/>
           <p:nvPr/>
         </p:nvSpPr>
         <p:spPr>
           <a:xfrm>
             <a:off x="504000" y="805320"/>
-            <a:ext cx="9071280" cy="1261800"/>
-          </a:xfrm>
-          <a:prstGeom prst="rect">
-            <a:avLst/>
-          </a:prstGeom>
-          <a:noFill/>
-          <a:ln>
-            <a:noFill/>
-          </a:ln>
-        </p:spPr>
-        <p:style>
-          <a:lnRef idx="0"/>
-          <a:fillRef idx="0"/>
-          <a:effectRef idx="0"/>
-          <a:fontRef idx="minor"/>
-        </p:style>
-      </p:sp>
-      <p:sp>
-        <p:nvSpPr>
-          <p:cNvPr id="100" name="CustomShape 2"/>
-          <p:cNvSpPr/>
-          <p:nvPr/>
-        </p:nvSpPr>
-        <p:spPr>
-          <a:xfrm>
-            <a:off x="504000" y="2273040"/>
-            <a:ext cx="9071280" cy="4384440"/>
+            <a:ext cx="9070920" cy="1261440"/>
           </a:xfrm>
           <a:prstGeom prst="rect">
             <a:avLst/>
@@ -3416,7 +3395,7 @@
       </p:sp>
       <p:pic>
         <p:nvPicPr>
-          <p:cNvPr id="101" name="" descr=""/>
+          <p:cNvPr id="98" name="" descr=""/>
           <p:cNvPicPr/>
           <p:nvPr/>
         </p:nvPicPr>
@@ -3426,8 +3405,8 @@
         </p:blipFill>
         <p:spPr>
           <a:xfrm>
-            <a:off x="180720" y="180720"/>
-            <a:ext cx="9719280" cy="7199280"/>
+            <a:off x="180360" y="180720"/>
+            <a:ext cx="9767520" cy="7198920"/>
           </a:xfrm>
           <a:prstGeom prst="rect">
             <a:avLst/>
@@ -3488,14 +3467,40 @@
       </p:grpSpPr>
       <p:sp>
         <p:nvSpPr>
-          <p:cNvPr id="102" name="CustomShape 1"/>
+          <p:cNvPr id="99" name="CustomShape 1"/>
           <p:cNvSpPr/>
           <p:nvPr/>
         </p:nvSpPr>
         <p:spPr>
           <a:xfrm>
             <a:off x="504000" y="805320"/>
-            <a:ext cx="9071280" cy="1261800"/>
+            <a:ext cx="9070920" cy="1261440"/>
+          </a:xfrm>
+          <a:prstGeom prst="rect">
+            <a:avLst/>
+          </a:prstGeom>
+          <a:noFill/>
+          <a:ln>
+            <a:noFill/>
+          </a:ln>
+        </p:spPr>
+        <p:style>
+          <a:lnRef idx="0"/>
+          <a:fillRef idx="0"/>
+          <a:effectRef idx="0"/>
+          <a:fontRef idx="minor"/>
+        </p:style>
+      </p:sp>
+      <p:sp>
+        <p:nvSpPr>
+          <p:cNvPr id="100" name="CustomShape 2"/>
+          <p:cNvSpPr/>
+          <p:nvPr/>
+        </p:nvSpPr>
+        <p:spPr>
+          <a:xfrm>
+            <a:off x="504000" y="2273040"/>
+            <a:ext cx="9070920" cy="4384080"/>
           </a:xfrm>
           <a:prstGeom prst="rect">
             <a:avLst/>
@@ -3514,7 +3519,7 @@
       </p:sp>
       <p:pic>
         <p:nvPicPr>
-          <p:cNvPr id="103" name="" descr=""/>
+          <p:cNvPr id="101" name="" descr=""/>
           <p:cNvPicPr/>
           <p:nvPr/>
         </p:nvPicPr>
@@ -3524,8 +3529,8 @@
         </p:blipFill>
         <p:spPr>
           <a:xfrm>
-            <a:off x="180360" y="180720"/>
-            <a:ext cx="9767880" cy="7199280"/>
+            <a:off x="251280" y="180720"/>
+            <a:ext cx="9648000" cy="7198920"/>
           </a:xfrm>
           <a:prstGeom prst="rect">
             <a:avLst/>
@@ -3586,14 +3591,14 @@
       </p:grpSpPr>
       <p:sp>
         <p:nvSpPr>
-          <p:cNvPr id="104" name="CustomShape 1"/>
+          <p:cNvPr id="102" name="CustomShape 1"/>
           <p:cNvSpPr/>
           <p:nvPr/>
         </p:nvSpPr>
         <p:spPr>
           <a:xfrm>
             <a:off x="504000" y="805320"/>
-            <a:ext cx="9071280" cy="1261800"/>
+            <a:ext cx="9070920" cy="1261440"/>
           </a:xfrm>
           <a:prstGeom prst="rect">
             <a:avLst/>
@@ -3612,14 +3617,14 @@
       </p:sp>
       <p:sp>
         <p:nvSpPr>
-          <p:cNvPr id="105" name="CustomShape 2"/>
+          <p:cNvPr id="103" name="CustomShape 2"/>
           <p:cNvSpPr/>
           <p:nvPr/>
         </p:nvSpPr>
         <p:spPr>
           <a:xfrm>
             <a:off x="504000" y="2273040"/>
-            <a:ext cx="9071280" cy="4384440"/>
+            <a:ext cx="9070920" cy="4384080"/>
           </a:xfrm>
           <a:prstGeom prst="rect">
             <a:avLst/>
@@ -3638,7 +3643,7 @@
       </p:sp>
       <p:pic>
         <p:nvPicPr>
-          <p:cNvPr id="106" name="" descr=""/>
+          <p:cNvPr id="104" name="" descr=""/>
           <p:cNvPicPr/>
           <p:nvPr/>
         </p:nvPicPr>
@@ -3648,8 +3653,8 @@
         </p:blipFill>
         <p:spPr>
           <a:xfrm>
-            <a:off x="251280" y="180720"/>
-            <a:ext cx="9648360" cy="7199280"/>
+            <a:off x="180360" y="180360"/>
+            <a:ext cx="9718920" cy="7198920"/>
           </a:xfrm>
           <a:prstGeom prst="rect">
             <a:avLst/>
@@ -3710,14 +3715,14 @@
       </p:grpSpPr>
       <p:sp>
         <p:nvSpPr>
-          <p:cNvPr id="107" name="CustomShape 1"/>
+          <p:cNvPr id="105" name="CustomShape 1"/>
           <p:cNvSpPr/>
           <p:nvPr/>
         </p:nvSpPr>
         <p:spPr>
           <a:xfrm>
             <a:off x="504000" y="805320"/>
-            <a:ext cx="9071280" cy="1261800"/>
+            <a:ext cx="9070920" cy="1261440"/>
           </a:xfrm>
           <a:prstGeom prst="rect">
             <a:avLst/>
@@ -3733,17 +3738,40 @@
           <a:effectRef idx="0"/>
           <a:fontRef idx="minor"/>
         </p:style>
+        <p:txBody>
+          <a:bodyPr lIns="0" rIns="0" tIns="0" bIns="0" anchor="ctr"/>
+          <a:p>
+            <a:pPr>
+              <a:lnSpc>
+                <a:spcPct val="100000"/>
+              </a:lnSpc>
+            </a:pPr>
+            <a:r>
+              <a:rPr b="0" lang="en-US" sz="3200" spc="-1" strike="noStrike">
+                <a:solidFill>
+                  <a:srgbClr val="3399ff"/>
+                </a:solidFill>
+                <a:latin typeface="Source Sans Pro"/>
+                <a:ea typeface="DejaVu Sans"/>
+              </a:rPr>
+              <a:t>Clustering</a:t>
+            </a:r>
+            <a:endParaRPr b="0" lang="en-US" sz="3200" spc="-1" strike="noStrike">
+              <a:latin typeface="Arial"/>
+            </a:endParaRPr>
+          </a:p>
+        </p:txBody>
       </p:sp>
       <p:sp>
         <p:nvSpPr>
-          <p:cNvPr id="108" name="CustomShape 2"/>
+          <p:cNvPr id="106" name="CustomShape 2"/>
           <p:cNvSpPr/>
           <p:nvPr/>
         </p:nvSpPr>
         <p:spPr>
           <a:xfrm>
             <a:off x="504000" y="2273040"/>
-            <a:ext cx="9071280" cy="4384440"/>
+            <a:ext cx="9070920" cy="4384080"/>
           </a:xfrm>
           <a:prstGeom prst="rect">
             <a:avLst/>
@@ -3759,30 +3787,68 @@
           <a:effectRef idx="0"/>
           <a:fontRef idx="minor"/>
         </p:style>
+        <p:txBody>
+          <a:bodyPr lIns="0" rIns="0" tIns="0" bIns="0"/>
+          <a:p>
+            <a:pPr marL="432000" indent="-323280">
+              <a:lnSpc>
+                <a:spcPct val="100000"/>
+              </a:lnSpc>
+              <a:spcAft>
+                <a:spcPts val="1417"/>
+              </a:spcAft>
+              <a:buClr>
+                <a:srgbClr val="000000"/>
+              </a:buClr>
+              <a:buSzPct val="45000"/>
+              <a:buFont typeface="Wingdings" charset="2"/>
+              <a:buChar char=""/>
+            </a:pPr>
+            <a:r>
+              <a:rPr b="0" lang="en-US" sz="2200" spc="-1" strike="noStrike">
+                <a:solidFill>
+                  <a:srgbClr val="000000"/>
+                </a:solidFill>
+                <a:latin typeface="Source Sans Pro"/>
+                <a:ea typeface="DejaVu Sans"/>
+              </a:rPr>
+              <a:t>Important features:</a:t>
+            </a:r>
+            <a:endParaRPr b="0" lang="en-US" sz="2200" spc="-1" strike="noStrike">
+              <a:latin typeface="Arial"/>
+            </a:endParaRPr>
+          </a:p>
+          <a:p>
+            <a:pPr lvl="1" marL="864000" indent="-323280">
+              <a:lnSpc>
+                <a:spcPct val="100000"/>
+              </a:lnSpc>
+              <a:spcAft>
+                <a:spcPts val="1134"/>
+              </a:spcAft>
+              <a:buClr>
+                <a:srgbClr val="000000"/>
+              </a:buClr>
+              <a:buSzPct val="75000"/>
+              <a:buFont typeface="Symbol"/>
+              <a:buChar char=""/>
+            </a:pPr>
+            <a:r>
+              <a:rPr b="0" lang="en-US" sz="1800" spc="-1" strike="noStrike">
+                <a:solidFill>
+                  <a:srgbClr val="111111"/>
+                </a:solidFill>
+                <a:latin typeface="Corbel"/>
+                <a:ea typeface="DejaVu Sans"/>
+              </a:rPr>
+              <a:t>Busines</a:t>
+            </a:r>
+            <a:endParaRPr b="0" lang="en-US" sz="1800" spc="-1" strike="noStrike">
+              <a:latin typeface="Arial"/>
+            </a:endParaRPr>
+          </a:p>
+        </p:txBody>
       </p:sp>
-      <p:pic>
-        <p:nvPicPr>
-          <p:cNvPr id="109" name="" descr=""/>
-          <p:cNvPicPr/>
-          <p:nvPr/>
-        </p:nvPicPr>
-        <p:blipFill>
-          <a:blip r:embed="rId1"/>
-          <a:stretch/>
-        </p:blipFill>
-        <p:spPr>
-          <a:xfrm>
-            <a:off x="180360" y="180360"/>
-            <a:ext cx="9719280" cy="7199280"/>
-          </a:xfrm>
-          <a:prstGeom prst="rect">
-            <a:avLst/>
-          </a:prstGeom>
-          <a:ln>
-            <a:noFill/>
-          </a:ln>
-        </p:spPr>
-      </p:pic>
     </p:spTree>
   </p:cSld>
   <p:timing>
@@ -3834,14 +3900,14 @@
       </p:grpSpPr>
       <p:sp>
         <p:nvSpPr>
-          <p:cNvPr id="110" name="CustomShape 1"/>
+          <p:cNvPr id="107" name="CustomShape 1"/>
           <p:cNvSpPr/>
           <p:nvPr/>
         </p:nvSpPr>
         <p:spPr>
           <a:xfrm>
             <a:off x="504000" y="805320"/>
-            <a:ext cx="9071280" cy="1261800"/>
+            <a:ext cx="9070920" cy="1261440"/>
           </a:xfrm>
           <a:prstGeom prst="rect">
             <a:avLst/>
@@ -3857,17 +3923,40 @@
           <a:effectRef idx="0"/>
           <a:fontRef idx="minor"/>
         </p:style>
+        <p:txBody>
+          <a:bodyPr lIns="0" rIns="0" tIns="0" bIns="0" anchor="ctr"/>
+          <a:p>
+            <a:pPr>
+              <a:lnSpc>
+                <a:spcPct val="100000"/>
+              </a:lnSpc>
+            </a:pPr>
+            <a:r>
+              <a:rPr b="0" lang="en-US" sz="3200" spc="-1" strike="noStrike">
+                <a:solidFill>
+                  <a:srgbClr val="3399ff"/>
+                </a:solidFill>
+                <a:latin typeface="Source Sans Pro"/>
+                <a:ea typeface="DejaVu Sans"/>
+              </a:rPr>
+              <a:t>Predicting Category using all features</a:t>
+            </a:r>
+            <a:endParaRPr b="0" lang="en-US" sz="3200" spc="-1" strike="noStrike">
+              <a:latin typeface="Arial"/>
+            </a:endParaRPr>
+          </a:p>
+        </p:txBody>
       </p:sp>
       <p:sp>
         <p:nvSpPr>
-          <p:cNvPr id="111" name="CustomShape 2"/>
+          <p:cNvPr id="108" name="CustomShape 2"/>
           <p:cNvSpPr/>
           <p:nvPr/>
         </p:nvSpPr>
         <p:spPr>
           <a:xfrm>
             <a:off x="504000" y="2273040"/>
-            <a:ext cx="9071280" cy="4384440"/>
+            <a:ext cx="9070920" cy="4384080"/>
           </a:xfrm>
           <a:prstGeom prst="rect">
             <a:avLst/>
@@ -3883,30 +3972,329 @@
           <a:effectRef idx="0"/>
           <a:fontRef idx="minor"/>
         </p:style>
+        <p:txBody>
+          <a:bodyPr lIns="0" rIns="0" tIns="0" bIns="0"/>
+          <a:p>
+            <a:pPr marL="432000" indent="-323280">
+              <a:lnSpc>
+                <a:spcPct val="100000"/>
+              </a:lnSpc>
+              <a:spcAft>
+                <a:spcPts val="1417"/>
+              </a:spcAft>
+              <a:buClr>
+                <a:srgbClr val="000000"/>
+              </a:buClr>
+              <a:buSzPct val="45000"/>
+              <a:buFont typeface="Wingdings" charset="2"/>
+              <a:buChar char=""/>
+            </a:pPr>
+            <a:r>
+              <a:rPr b="0" lang="en-US" sz="2200" spc="-1" strike="noStrike">
+                <a:solidFill>
+                  <a:srgbClr val="000000"/>
+                </a:solidFill>
+                <a:latin typeface="Source Sans Pro"/>
+                <a:ea typeface="DejaVu Sans"/>
+              </a:rPr>
+              <a:t>Important features:</a:t>
+            </a:r>
+            <a:endParaRPr b="0" lang="en-US" sz="2200" spc="-1" strike="noStrike">
+              <a:latin typeface="Arial"/>
+            </a:endParaRPr>
+          </a:p>
+          <a:p>
+            <a:pPr lvl="1" marL="864000" indent="-323280">
+              <a:lnSpc>
+                <a:spcPct val="100000"/>
+              </a:lnSpc>
+              <a:spcAft>
+                <a:spcPts val="1134"/>
+              </a:spcAft>
+              <a:buClr>
+                <a:srgbClr val="000000"/>
+              </a:buClr>
+              <a:buSzPct val="75000"/>
+              <a:buFont typeface="Symbol"/>
+              <a:buChar char=""/>
+            </a:pPr>
+            <a:r>
+              <a:rPr b="0" lang="en-US" sz="1800" spc="-1" strike="noStrike">
+                <a:solidFill>
+                  <a:srgbClr val="111111"/>
+                </a:solidFill>
+                <a:latin typeface="Corbel"/>
+                <a:ea typeface="DejaVu Sans"/>
+              </a:rPr>
+              <a:t>Business service</a:t>
+            </a:r>
+            <a:endParaRPr b="0" lang="en-US" sz="1800" spc="-1" strike="noStrike">
+              <a:latin typeface="Arial"/>
+            </a:endParaRPr>
+          </a:p>
+          <a:p>
+            <a:pPr lvl="1" marL="864000" indent="-323280">
+              <a:lnSpc>
+                <a:spcPct val="100000"/>
+              </a:lnSpc>
+              <a:spcAft>
+                <a:spcPts val="1134"/>
+              </a:spcAft>
+              <a:buClr>
+                <a:srgbClr val="000000"/>
+              </a:buClr>
+              <a:buSzPct val="75000"/>
+              <a:buFont typeface="Symbol"/>
+              <a:buChar char=""/>
+            </a:pPr>
+            <a:r>
+              <a:rPr b="0" lang="en-US" sz="1800" spc="-1" strike="noStrike">
+                <a:solidFill>
+                  <a:srgbClr val="111111"/>
+                </a:solidFill>
+                <a:latin typeface="Corbel"/>
+                <a:ea typeface="DejaVu Sans"/>
+              </a:rPr>
+              <a:t>Duration Mean</a:t>
+            </a:r>
+            <a:endParaRPr b="0" lang="en-US" sz="1800" spc="-1" strike="noStrike">
+              <a:latin typeface="Arial"/>
+            </a:endParaRPr>
+          </a:p>
+          <a:p>
+            <a:pPr lvl="1" marL="864000" indent="-323280">
+              <a:lnSpc>
+                <a:spcPct val="100000"/>
+              </a:lnSpc>
+              <a:spcAft>
+                <a:spcPts val="1134"/>
+              </a:spcAft>
+              <a:buClr>
+                <a:srgbClr val="000000"/>
+              </a:buClr>
+              <a:buSzPct val="75000"/>
+              <a:buFont typeface="Symbol"/>
+              <a:buChar char=""/>
+            </a:pPr>
+            <a:r>
+              <a:rPr b="0" lang="en-US" sz="1800" spc="-1" strike="noStrike">
+                <a:solidFill>
+                  <a:srgbClr val="111111"/>
+                </a:solidFill>
+                <a:latin typeface="Corbel"/>
+                <a:ea typeface="DejaVu Sans"/>
+              </a:rPr>
+              <a:t>Opened by</a:t>
+            </a:r>
+            <a:endParaRPr b="0" lang="en-US" sz="1800" spc="-1" strike="noStrike">
+              <a:latin typeface="Arial"/>
+            </a:endParaRPr>
+          </a:p>
+          <a:p>
+            <a:pPr lvl="1" marL="864000" indent="-323280">
+              <a:lnSpc>
+                <a:spcPct val="100000"/>
+              </a:lnSpc>
+              <a:spcAft>
+                <a:spcPts val="1134"/>
+              </a:spcAft>
+              <a:buClr>
+                <a:srgbClr val="000000"/>
+              </a:buClr>
+              <a:buSzPct val="75000"/>
+              <a:buFont typeface="Symbol"/>
+              <a:buChar char=""/>
+            </a:pPr>
+            <a:r>
+              <a:rPr b="0" lang="en-US" sz="1800" spc="-1" strike="noStrike">
+                <a:solidFill>
+                  <a:srgbClr val="111111"/>
+                </a:solidFill>
+                <a:latin typeface="Corbel"/>
+                <a:ea typeface="DejaVu Sans"/>
+              </a:rPr>
+              <a:t>Business Duration</a:t>
+            </a:r>
+            <a:endParaRPr b="0" lang="en-US" sz="1800" spc="-1" strike="noStrike">
+              <a:latin typeface="Arial"/>
+            </a:endParaRPr>
+          </a:p>
+          <a:p>
+            <a:pPr lvl="1" marL="864000" indent="-323280">
+              <a:lnSpc>
+                <a:spcPct val="100000"/>
+              </a:lnSpc>
+              <a:spcAft>
+                <a:spcPts val="1134"/>
+              </a:spcAft>
+              <a:buClr>
+                <a:srgbClr val="000000"/>
+              </a:buClr>
+              <a:buSzPct val="75000"/>
+              <a:buFont typeface="Symbol"/>
+              <a:buChar char=""/>
+            </a:pPr>
+            <a:r>
+              <a:rPr b="0" lang="en-US" sz="1800" spc="-1" strike="noStrike">
+                <a:solidFill>
+                  <a:srgbClr val="111111"/>
+                </a:solidFill>
+                <a:latin typeface="Corbel"/>
+                <a:ea typeface="DejaVu Sans"/>
+              </a:rPr>
+              <a:t>Created Time</a:t>
+            </a:r>
+            <a:endParaRPr b="0" lang="en-US" sz="1800" spc="-1" strike="noStrike">
+              <a:latin typeface="Arial"/>
+            </a:endParaRPr>
+          </a:p>
+          <a:p>
+            <a:pPr lvl="1" marL="864000" indent="-323280">
+              <a:lnSpc>
+                <a:spcPct val="100000"/>
+              </a:lnSpc>
+              <a:spcAft>
+                <a:spcPts val="1134"/>
+              </a:spcAft>
+              <a:buClr>
+                <a:srgbClr val="000000"/>
+              </a:buClr>
+              <a:buSzPct val="75000"/>
+              <a:buFont typeface="Symbol"/>
+              <a:buChar char=""/>
+            </a:pPr>
+            <a:r>
+              <a:rPr b="0" lang="en-US" sz="1800" spc="-1" strike="noStrike">
+                <a:solidFill>
+                  <a:srgbClr val="111111"/>
+                </a:solidFill>
+                <a:latin typeface="Corbel"/>
+                <a:ea typeface="DejaVu Sans"/>
+              </a:rPr>
+              <a:t>Company</a:t>
+            </a:r>
+            <a:endParaRPr b="0" lang="en-US" sz="1800" spc="-1" strike="noStrike">
+              <a:latin typeface="Arial"/>
+            </a:endParaRPr>
+          </a:p>
+          <a:p>
+            <a:pPr lvl="1" marL="864000" indent="-323280">
+              <a:lnSpc>
+                <a:spcPct val="100000"/>
+              </a:lnSpc>
+              <a:spcAft>
+                <a:spcPts val="1134"/>
+              </a:spcAft>
+              <a:buClr>
+                <a:srgbClr val="000000"/>
+              </a:buClr>
+              <a:buSzPct val="75000"/>
+              <a:buFont typeface="Symbol"/>
+              <a:buChar char=""/>
+            </a:pPr>
+            <a:r>
+              <a:rPr b="0" lang="en-US" sz="1800" spc="-1" strike="noStrike">
+                <a:solidFill>
+                  <a:srgbClr val="111111"/>
+                </a:solidFill>
+                <a:latin typeface="Corbel"/>
+                <a:ea typeface="DejaVu Sans"/>
+              </a:rPr>
+              <a:t>Problem Manager</a:t>
+            </a:r>
+            <a:endParaRPr b="0" lang="en-US" sz="1800" spc="-1" strike="noStrike">
+              <a:latin typeface="Arial"/>
+            </a:endParaRPr>
+          </a:p>
+          <a:p>
+            <a:pPr lvl="1" marL="864000" indent="-323280">
+              <a:lnSpc>
+                <a:spcPct val="100000"/>
+              </a:lnSpc>
+              <a:spcAft>
+                <a:spcPts val="1134"/>
+              </a:spcAft>
+              <a:buClr>
+                <a:srgbClr val="000000"/>
+              </a:buClr>
+              <a:buSzPct val="75000"/>
+              <a:buFont typeface="Symbol"/>
+              <a:buChar char=""/>
+            </a:pPr>
+            <a:r>
+              <a:rPr b="0" lang="en-US" sz="1800" spc="-1" strike="noStrike">
+                <a:solidFill>
+                  <a:srgbClr val="111111"/>
+                </a:solidFill>
+                <a:latin typeface="Corbel"/>
+                <a:ea typeface="DejaVu Sans"/>
+              </a:rPr>
+              <a:t>Created by</a:t>
+            </a:r>
+            <a:endParaRPr b="0" lang="en-US" sz="1800" spc="-1" strike="noStrike">
+              <a:latin typeface="Arial"/>
+            </a:endParaRPr>
+          </a:p>
+          <a:p>
+            <a:pPr lvl="1" marL="864000" indent="-323280">
+              <a:lnSpc>
+                <a:spcPct val="100000"/>
+              </a:lnSpc>
+              <a:spcAft>
+                <a:spcPts val="1134"/>
+              </a:spcAft>
+              <a:buClr>
+                <a:srgbClr val="000000"/>
+              </a:buClr>
+              <a:buSzPct val="75000"/>
+              <a:buFont typeface="Symbol"/>
+              <a:buChar char=""/>
+            </a:pPr>
+            <a:r>
+              <a:rPr b="0" lang="en-US" sz="1800" spc="-1" strike="noStrike">
+                <a:solidFill>
+                  <a:srgbClr val="111111"/>
+                </a:solidFill>
+                <a:latin typeface="Corbel"/>
+                <a:ea typeface="DejaVu Sans"/>
+              </a:rPr>
+              <a:t>Assignment group</a:t>
+            </a:r>
+            <a:endParaRPr b="0" lang="en-US" sz="1800" spc="-1" strike="noStrike">
+              <a:latin typeface="Arial"/>
+            </a:endParaRPr>
+          </a:p>
+          <a:p>
+            <a:pPr lvl="1" marL="864000" indent="-323280">
+              <a:lnSpc>
+                <a:spcPct val="100000"/>
+              </a:lnSpc>
+              <a:spcAft>
+                <a:spcPts val="1134"/>
+              </a:spcAft>
+              <a:buClr>
+                <a:srgbClr val="000000"/>
+              </a:buClr>
+              <a:buSzPct val="75000"/>
+              <a:buFont typeface="Symbol"/>
+              <a:buChar char=""/>
+            </a:pPr>
+            <a:r>
+              <a:rPr b="0" lang="en-US" sz="1800" spc="-1" strike="noStrike">
+                <a:solidFill>
+                  <a:srgbClr val="111111"/>
+                </a:solidFill>
+                <a:latin typeface="Corbel"/>
+                <a:ea typeface="DejaVu Sans"/>
+              </a:rPr>
+              <a:t>Priority</a:t>
+            </a:r>
+            <a:endParaRPr b="0" lang="en-US" sz="1800" spc="-1" strike="noStrike">
+              <a:latin typeface="Arial"/>
+            </a:endParaRPr>
+          </a:p>
+        </p:txBody>
       </p:sp>
-      <p:pic>
-        <p:nvPicPr>
-          <p:cNvPr id="112" name="" descr=""/>
-          <p:cNvPicPr/>
-          <p:nvPr/>
-        </p:nvPicPr>
-        <p:blipFill>
-          <a:blip r:embed="rId1"/>
-          <a:stretch/>
-        </p:blipFill>
-        <p:spPr>
-          <a:xfrm>
-            <a:off x="5400" y="0"/>
-            <a:ext cx="10079280" cy="7543440"/>
-          </a:xfrm>
-          <a:prstGeom prst="rect">
-            <a:avLst/>
-          </a:prstGeom>
-          <a:ln w="21600">
-            <a:noFill/>
-          </a:ln>
-        </p:spPr>
-      </p:pic>
     </p:spTree>
   </p:cSld>
   <p:timing>
@@ -3958,62 +4346,14 @@
       </p:grpSpPr>
       <p:sp>
         <p:nvSpPr>
-          <p:cNvPr id="113" name="CustomShape 1"/>
+          <p:cNvPr id="109" name="CustomShape 1"/>
           <p:cNvSpPr/>
           <p:nvPr/>
         </p:nvSpPr>
         <p:spPr>
           <a:xfrm>
             <a:off x="504000" y="805320"/>
-            <a:ext cx="9071280" cy="1261800"/>
-          </a:xfrm>
-          <a:prstGeom prst="rect">
-            <a:avLst/>
-          </a:prstGeom>
-          <a:noFill/>
-          <a:ln>
-            <a:noFill/>
-          </a:ln>
-        </p:spPr>
-        <p:style>
-          <a:lnRef idx="0"/>
-          <a:fillRef idx="0"/>
-          <a:effectRef idx="0"/>
-          <a:fontRef idx="minor"/>
-        </p:style>
-        <p:txBody>
-          <a:bodyPr lIns="0" rIns="0" tIns="0" bIns="0" anchor="ctr"/>
-          <a:p>
-            <a:pPr>
-              <a:lnSpc>
-                <a:spcPct val="100000"/>
-              </a:lnSpc>
-            </a:pPr>
-            <a:r>
-              <a:rPr b="0" lang="en-US" sz="3200" spc="-1" strike="noStrike">
-                <a:solidFill>
-                  <a:srgbClr val="3399ff"/>
-                </a:solidFill>
-                <a:latin typeface="Source Sans Pro"/>
-              </a:rPr>
-              <a:t>Models</a:t>
-            </a:r>
-            <a:endParaRPr b="0" lang="en-US" sz="3200" spc="-1" strike="noStrike">
-              <a:latin typeface="Arial"/>
-            </a:endParaRPr>
-          </a:p>
-        </p:txBody>
-      </p:sp>
-      <p:sp>
-        <p:nvSpPr>
-          <p:cNvPr id="114" name="CustomShape 2"/>
-          <p:cNvSpPr/>
-          <p:nvPr/>
-        </p:nvSpPr>
-        <p:spPr>
-          <a:xfrm>
-            <a:off x="504000" y="2273040"/>
-            <a:ext cx="9071280" cy="4384440"/>
+            <a:ext cx="9070920" cy="1261440"/>
           </a:xfrm>
           <a:prstGeom prst="rect">
             <a:avLst/>
@@ -4030,6 +4370,55 @@
           <a:fontRef idx="minor"/>
         </p:style>
       </p:sp>
+      <p:sp>
+        <p:nvSpPr>
+          <p:cNvPr id="110" name="CustomShape 2"/>
+          <p:cNvSpPr/>
+          <p:nvPr/>
+        </p:nvSpPr>
+        <p:spPr>
+          <a:xfrm>
+            <a:off x="504000" y="2273040"/>
+            <a:ext cx="9070920" cy="4384080"/>
+          </a:xfrm>
+          <a:prstGeom prst="rect">
+            <a:avLst/>
+          </a:prstGeom>
+          <a:noFill/>
+          <a:ln>
+            <a:noFill/>
+          </a:ln>
+        </p:spPr>
+        <p:style>
+          <a:lnRef idx="0"/>
+          <a:fillRef idx="0"/>
+          <a:effectRef idx="0"/>
+          <a:fontRef idx="minor"/>
+        </p:style>
+      </p:sp>
+      <p:pic>
+        <p:nvPicPr>
+          <p:cNvPr id="111" name="" descr=""/>
+          <p:cNvPicPr/>
+          <p:nvPr/>
+        </p:nvPicPr>
+        <p:blipFill>
+          <a:blip r:embed="rId1"/>
+          <a:stretch/>
+        </p:blipFill>
+        <p:spPr>
+          <a:xfrm>
+            <a:off x="26640" y="0"/>
+            <a:ext cx="10031040" cy="7543080"/>
+          </a:xfrm>
+          <a:prstGeom prst="rect">
+            <a:avLst/>
+          </a:prstGeom>
+          <a:ln w="21600">
+            <a:noFill/>
+          </a:ln>
+        </p:spPr>
+      </p:pic>
     </p:spTree>
   </p:cSld>
   <p:timing>
@@ -4081,14 +4470,14 @@
       </p:grpSpPr>
       <p:sp>
         <p:nvSpPr>
-          <p:cNvPr id="115" name="CustomShape 1"/>
+          <p:cNvPr id="112" name="CustomShape 1"/>
           <p:cNvSpPr/>
           <p:nvPr/>
         </p:nvSpPr>
         <p:spPr>
           <a:xfrm>
             <a:off x="504000" y="805320"/>
-            <a:ext cx="9071280" cy="1261800"/>
+            <a:ext cx="9070920" cy="1261440"/>
           </a:xfrm>
           <a:prstGeom prst="rect">
             <a:avLst/>
@@ -4118,8 +4507,9 @@
                   <a:srgbClr val="3399ff"/>
                 </a:solidFill>
                 <a:latin typeface="Source Sans Pro"/>
-              </a:rPr>
-              <a:t>Predicting Category at Problem Creation</a:t>
+                <a:ea typeface="DejaVu Sans"/>
+              </a:rPr>
+              <a:t>Models</a:t>
             </a:r>
             <a:endParaRPr b="0" lang="en-US" sz="3200" spc="-1" strike="noStrike">
               <a:latin typeface="Arial"/>
@@ -4129,14 +4519,14 @@
       </p:sp>
       <p:sp>
         <p:nvSpPr>
-          <p:cNvPr id="116" name="CustomShape 2"/>
+          <p:cNvPr id="113" name="CustomShape 2"/>
           <p:cNvSpPr/>
           <p:nvPr/>
         </p:nvSpPr>
         <p:spPr>
           <a:xfrm>
             <a:off x="504000" y="2273040"/>
-            <a:ext cx="9071280" cy="4384440"/>
+            <a:ext cx="9070920" cy="4384080"/>
           </a:xfrm>
           <a:prstGeom prst="rect">
             <a:avLst/>
@@ -4155,35 +4545,7 @@
         <p:txBody>
           <a:bodyPr lIns="0" rIns="0" tIns="0" bIns="0"/>
           <a:p>
-            <a:pPr marL="432000" indent="-323640">
-              <a:lnSpc>
-                <a:spcPct val="100000"/>
-              </a:lnSpc>
-              <a:spcAft>
-                <a:spcPts val="1417"/>
-              </a:spcAft>
-              <a:buClr>
-                <a:srgbClr val="000000"/>
-              </a:buClr>
-              <a:buSzPct val="45000"/>
-              <a:buFont typeface="Wingdings" charset="2"/>
-              <a:buChar char=""/>
-            </a:pPr>
-            <a:r>
-              <a:rPr b="0" lang="en-US" sz="2200" spc="-1" strike="noStrike">
-                <a:solidFill>
-                  <a:srgbClr val="000000"/>
-                </a:solidFill>
-                <a:latin typeface="Source Sans Pro"/>
-              </a:rPr>
-              <a:t>Important features (in order of importance):</a:t>
-            </a:r>
-            <a:endParaRPr b="0" lang="en-US" sz="2200" spc="-1" strike="noStrike">
-              <a:latin typeface="Arial"/>
-            </a:endParaRPr>
-          </a:p>
-          <a:p>
-            <a:pPr lvl="1" marL="864000" indent="-323640">
+            <a:pPr marL="432000" indent="-323280">
               <a:lnSpc>
                 <a:spcPct val="100000"/>
               </a:lnSpc>
@@ -4193,25 +4555,26 @@
               <a:buClr>
                 <a:srgbClr val="000000"/>
               </a:buClr>
-              <a:buSzPct val="75000"/>
-              <a:buFont typeface="Symbol"/>
-              <a:buChar char=""/>
+              <a:buSzPct val="45000"/>
+              <a:buFont typeface="Wingdings" charset="2"/>
+              <a:buChar char=""/>
             </a:pPr>
             <a:r>
-              <a:rPr b="0" lang="en-US" sz="1800" spc="-1" strike="noStrike">
+              <a:rPr b="0" lang="en-US" sz="2200" spc="-1" strike="noStrike">
                 <a:solidFill>
-                  <a:srgbClr val="111111"/>
+                  <a:srgbClr val="000000"/>
                 </a:solidFill>
-                <a:latin typeface="Corbel"/>
-              </a:rPr>
-              <a:t>Business service</a:t>
-            </a:r>
-            <a:endParaRPr b="0" lang="en-US" sz="1800" spc="-1" strike="noStrike">
-              <a:latin typeface="Arial"/>
-            </a:endParaRPr>
-          </a:p>
-          <a:p>
-            <a:pPr lvl="1" marL="864000" indent="-323640">
+                <a:latin typeface="Source Sans Pro"/>
+                <a:ea typeface="DejaVu Sans"/>
+              </a:rPr>
+              <a:t>Very few observations for most category classes</a:t>
+            </a:r>
+            <a:endParaRPr b="0" lang="en-US" sz="2200" spc="-1" strike="noStrike">
+              <a:latin typeface="Arial"/>
+            </a:endParaRPr>
+          </a:p>
+          <a:p>
+            <a:pPr marL="432000" indent="-323280">
               <a:lnSpc>
                 <a:spcPct val="100000"/>
               </a:lnSpc>
@@ -4221,25 +4584,26 @@
               <a:buClr>
                 <a:srgbClr val="000000"/>
               </a:buClr>
-              <a:buSzPct val="75000"/>
-              <a:buFont typeface="Symbol"/>
-              <a:buChar char=""/>
+              <a:buSzPct val="45000"/>
+              <a:buFont typeface="Wingdings" charset="2"/>
+              <a:buChar char=""/>
             </a:pPr>
             <a:r>
-              <a:rPr b="0" lang="en-US" sz="1800" spc="-1" strike="noStrike">
+              <a:rPr b="0" lang="en-US" sz="2200" spc="-1" strike="noStrike">
                 <a:solidFill>
-                  <a:srgbClr val="111111"/>
+                  <a:srgbClr val="000000"/>
                 </a:solidFill>
-                <a:latin typeface="Corbel"/>
-              </a:rPr>
-              <a:t>Opened by</a:t>
-            </a:r>
-            <a:endParaRPr b="0" lang="en-US" sz="1800" spc="-1" strike="noStrike">
-              <a:latin typeface="Arial"/>
-            </a:endParaRPr>
-          </a:p>
-          <a:p>
-            <a:pPr lvl="1" marL="864000" indent="-323640">
+                <a:latin typeface="Source Sans Pro"/>
+                <a:ea typeface="DejaVu Sans"/>
+              </a:rPr>
+              <a:t>To make a workable model, classification turned into binary classification task for category</a:t>
+            </a:r>
+            <a:endParaRPr b="0" lang="en-US" sz="2200" spc="-1" strike="noStrike">
+              <a:latin typeface="Arial"/>
+            </a:endParaRPr>
+          </a:p>
+          <a:p>
+            <a:pPr marL="432000" indent="-323280">
               <a:lnSpc>
                 <a:spcPct val="100000"/>
               </a:lnSpc>
@@ -4249,25 +4613,26 @@
               <a:buClr>
                 <a:srgbClr val="000000"/>
               </a:buClr>
-              <a:buSzPct val="75000"/>
-              <a:buFont typeface="Symbol"/>
-              <a:buChar char=""/>
+              <a:buSzPct val="45000"/>
+              <a:buFont typeface="Wingdings" charset="2"/>
+              <a:buChar char=""/>
             </a:pPr>
             <a:r>
-              <a:rPr b="0" lang="en-US" sz="1800" spc="-1" strike="noStrike">
+              <a:rPr b="0" lang="en-US" sz="2200" spc="-1" strike="noStrike">
                 <a:solidFill>
-                  <a:srgbClr val="111111"/>
+                  <a:srgbClr val="000000"/>
                 </a:solidFill>
-                <a:latin typeface="Corbel"/>
-              </a:rPr>
-              <a:t>Company</a:t>
-            </a:r>
-            <a:endParaRPr b="0" lang="en-US" sz="1800" spc="-1" strike="noStrike">
-              <a:latin typeface="Arial"/>
-            </a:endParaRPr>
-          </a:p>
-          <a:p>
-            <a:pPr lvl="1" marL="864000" indent="-323640">
+                <a:latin typeface="Source Sans Pro"/>
+                <a:ea typeface="DejaVu Sans"/>
+              </a:rPr>
+              <a:t>Application vs Hardware</a:t>
+            </a:r>
+            <a:endParaRPr b="0" lang="en-US" sz="2200" spc="-1" strike="noStrike">
+              <a:latin typeface="Arial"/>
+            </a:endParaRPr>
+          </a:p>
+          <a:p>
+            <a:pPr marL="432000" indent="-323280">
               <a:lnSpc>
                 <a:spcPct val="100000"/>
               </a:lnSpc>
@@ -4277,25 +4642,26 @@
               <a:buClr>
                 <a:srgbClr val="000000"/>
               </a:buClr>
-              <a:buSzPct val="75000"/>
-              <a:buFont typeface="Symbol"/>
-              <a:buChar char=""/>
+              <a:buSzPct val="45000"/>
+              <a:buFont typeface="Wingdings" charset="2"/>
+              <a:buChar char=""/>
             </a:pPr>
             <a:r>
-              <a:rPr b="0" lang="en-US" sz="1800" spc="-1" strike="noStrike">
+              <a:rPr b="0" lang="en-US" sz="2200" spc="-1" strike="noStrike">
                 <a:solidFill>
-                  <a:srgbClr val="111111"/>
+                  <a:srgbClr val="000000"/>
                 </a:solidFill>
-                <a:latin typeface="Corbel"/>
-              </a:rPr>
-              <a:t>Created Time</a:t>
-            </a:r>
-            <a:endParaRPr b="0" lang="en-US" sz="1800" spc="-1" strike="noStrike">
-              <a:latin typeface="Arial"/>
-            </a:endParaRPr>
-          </a:p>
-          <a:p>
-            <a:pPr lvl="1" marL="864000" indent="-323640">
+                <a:latin typeface="Source Sans Pro"/>
+                <a:ea typeface="DejaVu Sans"/>
+              </a:rPr>
+              <a:t>Due to severely unbalanced class “Application”, dataset was subsampled at a ratio of 1.5:1, leaving only 862 observations for binary classification task</a:t>
+            </a:r>
+            <a:endParaRPr b="0" lang="en-US" sz="2200" spc="-1" strike="noStrike">
+              <a:latin typeface="Arial"/>
+            </a:endParaRPr>
+          </a:p>
+          <a:p>
+            <a:pPr marL="432000" indent="-323280">
               <a:lnSpc>
                 <a:spcPct val="100000"/>
               </a:lnSpc>
@@ -4305,25 +4671,26 @@
               <a:buClr>
                 <a:srgbClr val="000000"/>
               </a:buClr>
-              <a:buSzPct val="75000"/>
-              <a:buFont typeface="Symbol"/>
-              <a:buChar char=""/>
+              <a:buSzPct val="45000"/>
+              <a:buFont typeface="Wingdings" charset="2"/>
+              <a:buChar char=""/>
             </a:pPr>
             <a:r>
-              <a:rPr b="0" lang="en-US" sz="1800" spc="-1" strike="noStrike">
+              <a:rPr b="0" lang="en-US" sz="2200" spc="-1" strike="noStrike">
                 <a:solidFill>
-                  <a:srgbClr val="111111"/>
+                  <a:srgbClr val="000000"/>
                 </a:solidFill>
-                <a:latin typeface="Corbel"/>
-              </a:rPr>
-              <a:t>Created by</a:t>
-            </a:r>
-            <a:endParaRPr b="0" lang="en-US" sz="1800" spc="-1" strike="noStrike">
-              <a:latin typeface="Arial"/>
-            </a:endParaRPr>
-          </a:p>
-          <a:p>
-            <a:pPr lvl="1" marL="864000" indent="-323640">
+                <a:latin typeface="Source Sans Pro"/>
+                <a:ea typeface="DejaVu Sans"/>
+              </a:rPr>
+              <a:t>Dataset was also subsampled at a ratio of 2:1 and then resampled using 0.5 bias to uniform resulting in 1034 observations</a:t>
+            </a:r>
+            <a:endParaRPr b="0" lang="en-US" sz="2200" spc="-1" strike="noStrike">
+              <a:latin typeface="Arial"/>
+            </a:endParaRPr>
+          </a:p>
+          <a:p>
+            <a:pPr marL="432000" indent="-323280">
               <a:lnSpc>
                 <a:spcPct val="100000"/>
               </a:lnSpc>
@@ -4333,76 +4700,21 @@
               <a:buClr>
                 <a:srgbClr val="000000"/>
               </a:buClr>
-              <a:buSzPct val="75000"/>
-              <a:buFont typeface="Symbol"/>
-              <a:buChar char=""/>
+              <a:buSzPct val="45000"/>
+              <a:buFont typeface="Wingdings" charset="2"/>
+              <a:buChar char=""/>
             </a:pPr>
             <a:r>
-              <a:rPr b="0" lang="en-US" sz="1800" spc="-1" strike="noStrike">
+              <a:rPr b="0" lang="en-US" sz="2200" spc="-1" strike="noStrike">
                 <a:solidFill>
-                  <a:srgbClr val="111111"/>
+                  <a:srgbClr val="000000"/>
                 </a:solidFill>
-                <a:latin typeface="Corbel"/>
-              </a:rPr>
-              <a:t>Assignment group</a:t>
-            </a:r>
-            <a:endParaRPr b="0" lang="en-US" sz="1800" spc="-1" strike="noStrike">
-              <a:latin typeface="Arial"/>
-            </a:endParaRPr>
-          </a:p>
-          <a:p>
-            <a:pPr lvl="1" marL="864000" indent="-323640">
-              <a:lnSpc>
-                <a:spcPct val="100000"/>
-              </a:lnSpc>
-              <a:spcAft>
-                <a:spcPts val="1134"/>
-              </a:spcAft>
-              <a:buClr>
-                <a:srgbClr val="000000"/>
-              </a:buClr>
-              <a:buSzPct val="75000"/>
-              <a:buFont typeface="Symbol"/>
-              <a:buChar char=""/>
-            </a:pPr>
-            <a:r>
-              <a:rPr b="0" lang="en-US" sz="1800" spc="-1" strike="noStrike">
-                <a:solidFill>
-                  <a:srgbClr val="111111"/>
-                </a:solidFill>
-                <a:latin typeface="Corbel"/>
-              </a:rPr>
-              <a:t>Type</a:t>
-            </a:r>
-            <a:endParaRPr b="0" lang="en-US" sz="1800" spc="-1" strike="noStrike">
-              <a:latin typeface="Arial"/>
-            </a:endParaRPr>
-          </a:p>
-          <a:p>
-            <a:pPr lvl="1" marL="864000" indent="-323640">
-              <a:lnSpc>
-                <a:spcPct val="100000"/>
-              </a:lnSpc>
-              <a:spcAft>
-                <a:spcPts val="1134"/>
-              </a:spcAft>
-              <a:buClr>
-                <a:srgbClr val="000000"/>
-              </a:buClr>
-              <a:buSzPct val="75000"/>
-              <a:buFont typeface="Symbol"/>
-              <a:buChar char=""/>
-            </a:pPr>
-            <a:r>
-              <a:rPr b="0" lang="en-US" sz="1800" spc="-1" strike="noStrike">
-                <a:solidFill>
-                  <a:srgbClr val="111111"/>
-                </a:solidFill>
-                <a:latin typeface="Corbel"/>
-              </a:rPr>
-              <a:t>Priority</a:t>
-            </a:r>
-            <a:endParaRPr b="0" lang="en-US" sz="1800" spc="-1" strike="noStrike">
+                <a:latin typeface="Source Sans Pro"/>
+                <a:ea typeface="DejaVu Sans"/>
+              </a:rPr>
+              <a:t>In order to do full, desired classification, need many more  observations for other 6 classes</a:t>
+            </a:r>
+            <a:endParaRPr b="0" lang="en-US" sz="2200" spc="-1" strike="noStrike">
               <a:latin typeface="Arial"/>
             </a:endParaRPr>
           </a:p>
@@ -4459,14 +4771,63 @@
       </p:grpSpPr>
       <p:sp>
         <p:nvSpPr>
-          <p:cNvPr id="117" name="CustomShape 1"/>
+          <p:cNvPr id="114" name="CustomShape 1"/>
           <p:cNvSpPr/>
           <p:nvPr/>
         </p:nvSpPr>
         <p:spPr>
           <a:xfrm>
             <a:off x="504000" y="805320"/>
-            <a:ext cx="9071280" cy="1261800"/>
+            <a:ext cx="9070920" cy="1261440"/>
+          </a:xfrm>
+          <a:prstGeom prst="rect">
+            <a:avLst/>
+          </a:prstGeom>
+          <a:noFill/>
+          <a:ln>
+            <a:noFill/>
+          </a:ln>
+        </p:spPr>
+        <p:style>
+          <a:lnRef idx="0"/>
+          <a:fillRef idx="0"/>
+          <a:effectRef idx="0"/>
+          <a:fontRef idx="minor"/>
+        </p:style>
+        <p:txBody>
+          <a:bodyPr lIns="0" rIns="0" tIns="0" bIns="0" anchor="ctr"/>
+          <a:p>
+            <a:pPr>
+              <a:lnSpc>
+                <a:spcPct val="100000"/>
+              </a:lnSpc>
+            </a:pPr>
+            <a:r>
+              <a:rPr b="0" lang="en-US" sz="3200" spc="-1" strike="noStrike">
+                <a:solidFill>
+                  <a:srgbClr val="3399ff"/>
+                </a:solidFill>
+                <a:latin typeface="Source Sans Pro"/>
+                <a:ea typeface="DejaVu Sans"/>
+              </a:rPr>
+              <a:t>Models</a:t>
+            </a:r>
+            <a:endParaRPr b="0" lang="en-US" sz="3200" spc="-1" strike="noStrike">
+              <a:latin typeface="Arial"/>
+            </a:endParaRPr>
+          </a:p>
+        </p:txBody>
+      </p:sp>
+      <p:sp>
+        <p:nvSpPr>
+          <p:cNvPr id="115" name="CustomShape 2"/>
+          <p:cNvSpPr/>
+          <p:nvPr/>
+        </p:nvSpPr>
+        <p:spPr>
+          <a:xfrm>
+            <a:off x="504000" y="2273040"/>
+            <a:ext cx="9070920" cy="4384080"/>
           </a:xfrm>
           <a:prstGeom prst="rect">
             <a:avLst/>
@@ -4483,16 +4844,783 @@
           <a:fontRef idx="minor"/>
         </p:style>
       </p:sp>
+      <p:graphicFrame>
+        <p:nvGraphicFramePr>
+          <p:cNvPr id="116" name="Table 3"/>
+          <p:cNvGraphicFramePr/>
+          <p:nvPr/>
+        </p:nvGraphicFramePr>
+        <p:xfrm>
+          <a:off x="742320" y="3021480"/>
+          <a:ext cx="8401320" cy="2159280"/>
+        </p:xfrm>
+        <a:graphic>
+          <a:graphicData uri="http://schemas.openxmlformats.org/drawingml/2006/table">
+            <a:tbl>
+              <a:tblPr/>
+              <a:tblGrid>
+                <a:gridCol w="1410120"/>
+                <a:gridCol w="1410120"/>
+                <a:gridCol w="1410120"/>
+                <a:gridCol w="1410120"/>
+                <a:gridCol w="1410120"/>
+                <a:gridCol w="1351080"/>
+              </a:tblGrid>
+              <a:tr h="719640">
+                <a:tc>
+                  <a:tcPr marL="90000" marR="90000">
+                    <a:lnL w="720">
+                      <a:solidFill>
+                        <a:srgbClr val="ffffff"/>
+                      </a:solidFill>
+                    </a:lnL>
+                    <a:lnR w="720">
+                      <a:solidFill>
+                        <a:srgbClr val="ffffff"/>
+                      </a:solidFill>
+                    </a:lnR>
+                    <a:lnT w="720">
+                      <a:solidFill>
+                        <a:srgbClr val="ffffff"/>
+                      </a:solidFill>
+                    </a:lnT>
+                    <a:lnB w="720">
+                      <a:solidFill>
+                        <a:srgbClr val="ffffff"/>
+                      </a:solidFill>
+                    </a:lnB>
+                    <a:solidFill>
+                      <a:srgbClr val="b3b3b3"/>
+                    </a:solidFill>
+                  </a:tcPr>
+                </a:tc>
+                <a:tc>
+                  <a:txBody>
+                    <a:bodyPr lIns="90000" rIns="90000" tIns="46800" bIns="46800"/>
+                    <a:p>
+                      <a:r>
+                        <a:rPr b="0" lang="en-US" sz="1800" spc="-1" strike="noStrike">
+                          <a:latin typeface="Arial"/>
+                        </a:rPr>
+                        <a:t>Random Forest</a:t>
+                      </a:r>
+                      <a:endParaRPr b="0" lang="en-US" sz="1800" spc="-1" strike="noStrike">
+                        <a:latin typeface="Arial"/>
+                      </a:endParaRPr>
+                    </a:p>
+                  </a:txBody>
+                  <a:tcPr marL="90000" marR="90000">
+                    <a:lnL w="720">
+                      <a:solidFill>
+                        <a:srgbClr val="ffffff"/>
+                      </a:solidFill>
+                    </a:lnL>
+                    <a:lnR w="720">
+                      <a:solidFill>
+                        <a:srgbClr val="ffffff"/>
+                      </a:solidFill>
+                    </a:lnR>
+                    <a:lnT w="720">
+                      <a:solidFill>
+                        <a:srgbClr val="ffffff"/>
+                      </a:solidFill>
+                    </a:lnT>
+                    <a:lnB w="720">
+                      <a:solidFill>
+                        <a:srgbClr val="ffffff"/>
+                      </a:solidFill>
+                    </a:lnB>
+                    <a:solidFill>
+                      <a:srgbClr val="b3b3b3"/>
+                    </a:solidFill>
+                  </a:tcPr>
+                </a:tc>
+                <a:tc>
+                  <a:txBody>
+                    <a:bodyPr lIns="90000" rIns="90000" tIns="46800" bIns="46800"/>
+                    <a:p>
+                      <a:r>
+                        <a:rPr b="0" lang="en-US" sz="1800" spc="-1" strike="noStrike">
+                          <a:latin typeface="Arial"/>
+                        </a:rPr>
+                        <a:t>Naive Bayes</a:t>
+                      </a:r>
+                      <a:endParaRPr b="0" lang="en-US" sz="1800" spc="-1" strike="noStrike">
+                        <a:latin typeface="Arial"/>
+                      </a:endParaRPr>
+                    </a:p>
+                  </a:txBody>
+                  <a:tcPr marL="90000" marR="90000">
+                    <a:lnL w="720">
+                      <a:solidFill>
+                        <a:srgbClr val="ffffff"/>
+                      </a:solidFill>
+                    </a:lnL>
+                    <a:lnR w="720">
+                      <a:solidFill>
+                        <a:srgbClr val="ffffff"/>
+                      </a:solidFill>
+                    </a:lnR>
+                    <a:lnT w="720">
+                      <a:solidFill>
+                        <a:srgbClr val="ffffff"/>
+                      </a:solidFill>
+                    </a:lnT>
+                    <a:lnB w="720">
+                      <a:solidFill>
+                        <a:srgbClr val="ffffff"/>
+                      </a:solidFill>
+                    </a:lnB>
+                    <a:solidFill>
+                      <a:srgbClr val="b3b3b3"/>
+                    </a:solidFill>
+                  </a:tcPr>
+                </a:tc>
+                <a:tc>
+                  <a:txBody>
+                    <a:bodyPr lIns="90000" rIns="90000" tIns="46800" bIns="46800"/>
+                    <a:p>
+                      <a:r>
+                        <a:rPr b="0" lang="en-US" sz="1800" spc="-1" strike="noStrike">
+                          <a:latin typeface="Arial"/>
+                        </a:rPr>
+                        <a:t>Logistic Regression</a:t>
+                      </a:r>
+                      <a:endParaRPr b="0" lang="en-US" sz="1800" spc="-1" strike="noStrike">
+                        <a:latin typeface="Arial"/>
+                      </a:endParaRPr>
+                    </a:p>
+                  </a:txBody>
+                  <a:tcPr marL="90000" marR="90000">
+                    <a:lnL w="720">
+                      <a:solidFill>
+                        <a:srgbClr val="ffffff"/>
+                      </a:solidFill>
+                    </a:lnL>
+                    <a:lnR w="720">
+                      <a:solidFill>
+                        <a:srgbClr val="ffffff"/>
+                      </a:solidFill>
+                    </a:lnR>
+                    <a:lnT w="720">
+                      <a:solidFill>
+                        <a:srgbClr val="ffffff"/>
+                      </a:solidFill>
+                    </a:lnT>
+                    <a:lnB w="720">
+                      <a:solidFill>
+                        <a:srgbClr val="ffffff"/>
+                      </a:solidFill>
+                    </a:lnB>
+                    <a:solidFill>
+                      <a:srgbClr val="b3b3b3"/>
+                    </a:solidFill>
+                  </a:tcPr>
+                </a:tc>
+                <a:tc>
+                  <a:txBody>
+                    <a:bodyPr lIns="90000" rIns="90000" tIns="46800" bIns="46800"/>
+                    <a:p>
+                      <a:r>
+                        <a:rPr b="0" lang="en-US" sz="1800" spc="-1" strike="noStrike">
+                          <a:latin typeface="Arial"/>
+                        </a:rPr>
+                        <a:t>Neural Network</a:t>
+                      </a:r>
+                      <a:endParaRPr b="0" lang="en-US" sz="1800" spc="-1" strike="noStrike">
+                        <a:latin typeface="Arial"/>
+                      </a:endParaRPr>
+                    </a:p>
+                  </a:txBody>
+                  <a:tcPr marL="90000" marR="90000">
+                    <a:lnL w="720">
+                      <a:solidFill>
+                        <a:srgbClr val="ffffff"/>
+                      </a:solidFill>
+                    </a:lnL>
+                    <a:lnR w="720">
+                      <a:solidFill>
+                        <a:srgbClr val="ffffff"/>
+                      </a:solidFill>
+                    </a:lnR>
+                    <a:lnT w="720">
+                      <a:solidFill>
+                        <a:srgbClr val="ffffff"/>
+                      </a:solidFill>
+                    </a:lnT>
+                    <a:lnB w="720">
+                      <a:solidFill>
+                        <a:srgbClr val="ffffff"/>
+                      </a:solidFill>
+                    </a:lnB>
+                    <a:solidFill>
+                      <a:srgbClr val="b3b3b3"/>
+                    </a:solidFill>
+                  </a:tcPr>
+                </a:tc>
+                <a:tc>
+                  <a:txBody>
+                    <a:bodyPr lIns="90000" rIns="90000" tIns="46800" bIns="46800"/>
+                    <a:p>
+                      <a:r>
+                        <a:rPr b="0" lang="en-US" sz="1800" spc="-1" strike="noStrike">
+                          <a:latin typeface="Arial"/>
+                        </a:rPr>
+                        <a:t>SVM</a:t>
+                      </a:r>
+                      <a:endParaRPr b="0" lang="en-US" sz="1800" spc="-1" strike="noStrike">
+                        <a:latin typeface="Arial"/>
+                      </a:endParaRPr>
+                    </a:p>
+                    <a:p>
+                      <a:r>
+                        <a:rPr b="0" lang="en-US" sz="1800" spc="-1" strike="noStrike">
+                          <a:latin typeface="Arial"/>
+                        </a:rPr>
+                        <a:t>(Poly-3)</a:t>
+                      </a:r>
+                      <a:endParaRPr b="0" lang="en-US" sz="1800" spc="-1" strike="noStrike">
+                        <a:latin typeface="Arial"/>
+                      </a:endParaRPr>
+                    </a:p>
+                  </a:txBody>
+                  <a:tcPr marL="90000" marR="90000">
+                    <a:lnL w="720">
+                      <a:solidFill>
+                        <a:srgbClr val="ffffff"/>
+                      </a:solidFill>
+                    </a:lnL>
+                    <a:lnR w="720">
+                      <a:solidFill>
+                        <a:srgbClr val="ffffff"/>
+                      </a:solidFill>
+                    </a:lnR>
+                    <a:lnT w="720">
+                      <a:solidFill>
+                        <a:srgbClr val="ffffff"/>
+                      </a:solidFill>
+                    </a:lnT>
+                    <a:lnB w="720">
+                      <a:solidFill>
+                        <a:srgbClr val="ffffff"/>
+                      </a:solidFill>
+                    </a:lnB>
+                    <a:solidFill>
+                      <a:srgbClr val="b3b3b3"/>
+                    </a:solidFill>
+                  </a:tcPr>
+                </a:tc>
+              </a:tr>
+              <a:tr h="719640">
+                <a:tc>
+                  <a:txBody>
+                    <a:bodyPr lIns="90000" rIns="90000" tIns="46800" bIns="46800"/>
+                    <a:p>
+                      <a:r>
+                        <a:rPr b="0" lang="en-US" sz="1800" spc="-1" strike="noStrike">
+                          <a:latin typeface="Arial"/>
+                        </a:rPr>
+                        <a:t>F-1 score</a:t>
+                      </a:r>
+                      <a:endParaRPr b="0" lang="en-US" sz="1800" spc="-1" strike="noStrike">
+                        <a:latin typeface="Arial"/>
+                      </a:endParaRPr>
+                    </a:p>
+                  </a:txBody>
+                  <a:tcPr marL="90000" marR="90000">
+                    <a:lnL w="720">
+                      <a:solidFill>
+                        <a:srgbClr val="ffffff"/>
+                      </a:solidFill>
+                    </a:lnL>
+                    <a:lnR w="720">
+                      <a:solidFill>
+                        <a:srgbClr val="ffffff"/>
+                      </a:solidFill>
+                    </a:lnR>
+                    <a:lnT w="720">
+                      <a:solidFill>
+                        <a:srgbClr val="ffffff"/>
+                      </a:solidFill>
+                    </a:lnT>
+                    <a:lnB w="720">
+                      <a:solidFill>
+                        <a:srgbClr val="ffffff"/>
+                      </a:solidFill>
+                    </a:lnB>
+                    <a:solidFill>
+                      <a:srgbClr val="cccccc"/>
+                    </a:solidFill>
+                  </a:tcPr>
+                </a:tc>
+                <a:tc>
+                  <a:txBody>
+                    <a:bodyPr lIns="90000" rIns="90000" tIns="46800" bIns="46800"/>
+                    <a:p>
+                      <a:r>
+                        <a:rPr b="0" lang="en-US" sz="1800" spc="-1" strike="noStrike">
+                          <a:latin typeface="Arial"/>
+                        </a:rPr>
+                        <a:t>0.854</a:t>
+                      </a:r>
+                      <a:endParaRPr b="0" lang="en-US" sz="1800" spc="-1" strike="noStrike">
+                        <a:latin typeface="Arial"/>
+                      </a:endParaRPr>
+                    </a:p>
+                  </a:txBody>
+                  <a:tcPr marL="90000" marR="90000">
+                    <a:lnL w="720">
+                      <a:solidFill>
+                        <a:srgbClr val="ffffff"/>
+                      </a:solidFill>
+                    </a:lnL>
+                    <a:lnR w="720">
+                      <a:solidFill>
+                        <a:srgbClr val="ffffff"/>
+                      </a:solidFill>
+                    </a:lnR>
+                    <a:lnT w="720">
+                      <a:solidFill>
+                        <a:srgbClr val="ffffff"/>
+                      </a:solidFill>
+                    </a:lnT>
+                    <a:lnB w="720">
+                      <a:solidFill>
+                        <a:srgbClr val="ffffff"/>
+                      </a:solidFill>
+                    </a:lnB>
+                    <a:solidFill>
+                      <a:srgbClr val="cccccc"/>
+                    </a:solidFill>
+                  </a:tcPr>
+                </a:tc>
+                <a:tc>
+                  <a:txBody>
+                    <a:bodyPr lIns="90000" rIns="90000" tIns="46800" bIns="46800"/>
+                    <a:p>
+                      <a:r>
+                        <a:rPr b="0" lang="en-US" sz="1800" spc="-1" strike="noStrike">
+                          <a:latin typeface="Arial"/>
+                        </a:rPr>
+                        <a:t>0.646</a:t>
+                      </a:r>
+                      <a:endParaRPr b="0" lang="en-US" sz="1800" spc="-1" strike="noStrike">
+                        <a:latin typeface="Arial"/>
+                      </a:endParaRPr>
+                    </a:p>
+                  </a:txBody>
+                  <a:tcPr marL="90000" marR="90000">
+                    <a:lnL w="720">
+                      <a:solidFill>
+                        <a:srgbClr val="ffffff"/>
+                      </a:solidFill>
+                    </a:lnL>
+                    <a:lnR w="720">
+                      <a:solidFill>
+                        <a:srgbClr val="ffffff"/>
+                      </a:solidFill>
+                    </a:lnR>
+                    <a:lnT w="720">
+                      <a:solidFill>
+                        <a:srgbClr val="ffffff"/>
+                      </a:solidFill>
+                    </a:lnT>
+                    <a:lnB w="720">
+                      <a:solidFill>
+                        <a:srgbClr val="ffffff"/>
+                      </a:solidFill>
+                    </a:lnB>
+                    <a:solidFill>
+                      <a:srgbClr val="cccccc"/>
+                    </a:solidFill>
+                  </a:tcPr>
+                </a:tc>
+                <a:tc>
+                  <a:txBody>
+                    <a:bodyPr lIns="90000" rIns="90000" tIns="46800" bIns="46800"/>
+                    <a:p>
+                      <a:r>
+                        <a:rPr b="0" lang="en-US" sz="1800" spc="-1" strike="noStrike">
+                          <a:latin typeface="Arial"/>
+                        </a:rPr>
+                        <a:t>0.727</a:t>
+                      </a:r>
+                      <a:endParaRPr b="0" lang="en-US" sz="1800" spc="-1" strike="noStrike">
+                        <a:latin typeface="Arial"/>
+                      </a:endParaRPr>
+                    </a:p>
+                  </a:txBody>
+                  <a:tcPr marL="90000" marR="90000">
+                    <a:lnL w="720">
+                      <a:solidFill>
+                        <a:srgbClr val="ffffff"/>
+                      </a:solidFill>
+                    </a:lnL>
+                    <a:lnR w="720">
+                      <a:solidFill>
+                        <a:srgbClr val="ffffff"/>
+                      </a:solidFill>
+                    </a:lnR>
+                    <a:lnT w="720">
+                      <a:solidFill>
+                        <a:srgbClr val="ffffff"/>
+                      </a:solidFill>
+                    </a:lnT>
+                    <a:lnB w="720">
+                      <a:solidFill>
+                        <a:srgbClr val="ffffff"/>
+                      </a:solidFill>
+                    </a:lnB>
+                    <a:solidFill>
+                      <a:srgbClr val="cccccc"/>
+                    </a:solidFill>
+                  </a:tcPr>
+                </a:tc>
+                <a:tc>
+                  <a:txBody>
+                    <a:bodyPr lIns="90000" rIns="90000" tIns="46800" bIns="46800"/>
+                    <a:p>
+                      <a:r>
+                        <a:rPr b="0" lang="en-US" sz="1800" spc="-1" strike="noStrike">
+                          <a:latin typeface="Arial"/>
+                        </a:rPr>
+                        <a:t>0.844</a:t>
+                      </a:r>
+                      <a:endParaRPr b="0" lang="en-US" sz="1800" spc="-1" strike="noStrike">
+                        <a:latin typeface="Arial"/>
+                      </a:endParaRPr>
+                    </a:p>
+                  </a:txBody>
+                  <a:tcPr marL="90000" marR="90000">
+                    <a:lnL w="720">
+                      <a:solidFill>
+                        <a:srgbClr val="ffffff"/>
+                      </a:solidFill>
+                    </a:lnL>
+                    <a:lnR w="720">
+                      <a:solidFill>
+                        <a:srgbClr val="ffffff"/>
+                      </a:solidFill>
+                    </a:lnR>
+                    <a:lnT w="720">
+                      <a:solidFill>
+                        <a:srgbClr val="ffffff"/>
+                      </a:solidFill>
+                    </a:lnT>
+                    <a:lnB w="720">
+                      <a:solidFill>
+                        <a:srgbClr val="ffffff"/>
+                      </a:solidFill>
+                    </a:lnB>
+                    <a:solidFill>
+                      <a:srgbClr val="cccccc"/>
+                    </a:solidFill>
+                  </a:tcPr>
+                </a:tc>
+                <a:tc>
+                  <a:txBody>
+                    <a:bodyPr lIns="90000" rIns="90000" tIns="46800" bIns="46800"/>
+                    <a:p>
+                      <a:r>
+                        <a:rPr b="0" lang="en-US" sz="1800" spc="-1" strike="noStrike">
+                          <a:latin typeface="Arial"/>
+                        </a:rPr>
+                        <a:t>0.841</a:t>
+                      </a:r>
+                      <a:endParaRPr b="0" lang="en-US" sz="1800" spc="-1" strike="noStrike">
+                        <a:latin typeface="Arial"/>
+                      </a:endParaRPr>
+                    </a:p>
+                  </a:txBody>
+                  <a:tcPr marL="90000" marR="90000">
+                    <a:lnL w="720">
+                      <a:solidFill>
+                        <a:srgbClr val="ffffff"/>
+                      </a:solidFill>
+                    </a:lnL>
+                    <a:lnR w="720">
+                      <a:solidFill>
+                        <a:srgbClr val="ffffff"/>
+                      </a:solidFill>
+                    </a:lnR>
+                    <a:lnT w="720">
+                      <a:solidFill>
+                        <a:srgbClr val="ffffff"/>
+                      </a:solidFill>
+                    </a:lnT>
+                    <a:lnB w="720">
+                      <a:solidFill>
+                        <a:srgbClr val="ffffff"/>
+                      </a:solidFill>
+                    </a:lnB>
+                    <a:solidFill>
+                      <a:srgbClr val="cccccc"/>
+                    </a:solidFill>
+                  </a:tcPr>
+                </a:tc>
+              </a:tr>
+              <a:tr h="720360">
+                <a:tc>
+                  <a:txBody>
+                    <a:bodyPr lIns="90000" rIns="90000" tIns="46800" bIns="46800"/>
+                    <a:p>
+                      <a:r>
+                        <a:rPr b="0" lang="en-US" sz="1800" spc="-1" strike="noStrike">
+                          <a:latin typeface="Arial"/>
+                        </a:rPr>
+                        <a:t>Accuracy</a:t>
+                      </a:r>
+                      <a:endParaRPr b="0" lang="en-US" sz="1800" spc="-1" strike="noStrike">
+                        <a:latin typeface="Arial"/>
+                      </a:endParaRPr>
+                    </a:p>
+                  </a:txBody>
+                  <a:tcPr marL="90000" marR="90000">
+                    <a:lnL w="720">
+                      <a:solidFill>
+                        <a:srgbClr val="ffffff"/>
+                      </a:solidFill>
+                    </a:lnL>
+                    <a:lnR w="720">
+                      <a:solidFill>
+                        <a:srgbClr val="ffffff"/>
+                      </a:solidFill>
+                    </a:lnR>
+                    <a:lnT w="720">
+                      <a:solidFill>
+                        <a:srgbClr val="ffffff"/>
+                      </a:solidFill>
+                    </a:lnT>
+                    <a:lnB w="720">
+                      <a:solidFill>
+                        <a:srgbClr val="ffffff"/>
+                      </a:solidFill>
+                    </a:lnB>
+                    <a:solidFill>
+                      <a:srgbClr val="e6e6e6"/>
+                    </a:solidFill>
+                  </a:tcPr>
+                </a:tc>
+                <a:tc>
+                  <a:txBody>
+                    <a:bodyPr lIns="90000" rIns="90000" tIns="46800" bIns="46800"/>
+                    <a:p>
+                      <a:r>
+                        <a:rPr b="0" lang="en-US" sz="1800" spc="-1" strike="noStrike">
+                          <a:latin typeface="Arial"/>
+                        </a:rPr>
+                        <a:t>85.397%</a:t>
+                      </a:r>
+                      <a:endParaRPr b="0" lang="en-US" sz="1800" spc="-1" strike="noStrike">
+                        <a:latin typeface="Arial"/>
+                      </a:endParaRPr>
+                    </a:p>
+                  </a:txBody>
+                  <a:tcPr marL="90000" marR="90000">
+                    <a:lnL w="720">
+                      <a:solidFill>
+                        <a:srgbClr val="ffffff"/>
+                      </a:solidFill>
+                    </a:lnL>
+                    <a:lnR w="720">
+                      <a:solidFill>
+                        <a:srgbClr val="ffffff"/>
+                      </a:solidFill>
+                    </a:lnR>
+                    <a:lnT w="720">
+                      <a:solidFill>
+                        <a:srgbClr val="ffffff"/>
+                      </a:solidFill>
+                    </a:lnT>
+                    <a:lnB w="720">
+                      <a:solidFill>
+                        <a:srgbClr val="ffffff"/>
+                      </a:solidFill>
+                    </a:lnB>
+                    <a:solidFill>
+                      <a:srgbClr val="e6e6e6"/>
+                    </a:solidFill>
+                  </a:tcPr>
+                </a:tc>
+                <a:tc>
+                  <a:txBody>
+                    <a:bodyPr lIns="90000" rIns="90000" tIns="46800" bIns="46800"/>
+                    <a:p>
+                      <a:r>
+                        <a:rPr b="0" lang="en-US" sz="1800" spc="-1" strike="noStrike">
+                          <a:latin typeface="Arial"/>
+                        </a:rPr>
+                        <a:t>64.410%</a:t>
+                      </a:r>
+                      <a:endParaRPr b="0" lang="en-US" sz="1800" spc="-1" strike="noStrike">
+                        <a:latin typeface="Arial"/>
+                      </a:endParaRPr>
+                    </a:p>
+                  </a:txBody>
+                  <a:tcPr marL="90000" marR="90000">
+                    <a:lnL w="720">
+                      <a:solidFill>
+                        <a:srgbClr val="ffffff"/>
+                      </a:solidFill>
+                    </a:lnL>
+                    <a:lnR w="720">
+                      <a:solidFill>
+                        <a:srgbClr val="ffffff"/>
+                      </a:solidFill>
+                    </a:lnR>
+                    <a:lnT w="720">
+                      <a:solidFill>
+                        <a:srgbClr val="ffffff"/>
+                      </a:solidFill>
+                    </a:lnT>
+                    <a:lnB w="720">
+                      <a:solidFill>
+                        <a:srgbClr val="ffffff"/>
+                      </a:solidFill>
+                    </a:lnB>
+                    <a:solidFill>
+                      <a:srgbClr val="e6e6e6"/>
+                    </a:solidFill>
+                  </a:tcPr>
+                </a:tc>
+                <a:tc>
+                  <a:txBody>
+                    <a:bodyPr lIns="90000" rIns="90000" tIns="46800" bIns="46800"/>
+                    <a:p>
+                      <a:r>
+                        <a:rPr b="0" lang="en-US" sz="1800" spc="-1" strike="noStrike">
+                          <a:latin typeface="Arial"/>
+                        </a:rPr>
+                        <a:t>72.727%</a:t>
+                      </a:r>
+                      <a:endParaRPr b="0" lang="en-US" sz="1800" spc="-1" strike="noStrike">
+                        <a:latin typeface="Arial"/>
+                      </a:endParaRPr>
+                    </a:p>
+                  </a:txBody>
+                  <a:tcPr marL="90000" marR="90000">
+                    <a:lnL w="720">
+                      <a:solidFill>
+                        <a:srgbClr val="ffffff"/>
+                      </a:solidFill>
+                    </a:lnL>
+                    <a:lnR w="720">
+                      <a:solidFill>
+                        <a:srgbClr val="ffffff"/>
+                      </a:solidFill>
+                    </a:lnR>
+                    <a:lnT w="720">
+                      <a:solidFill>
+                        <a:srgbClr val="ffffff"/>
+                      </a:solidFill>
+                    </a:lnT>
+                    <a:lnB w="720">
+                      <a:solidFill>
+                        <a:srgbClr val="ffffff"/>
+                      </a:solidFill>
+                    </a:lnB>
+                    <a:solidFill>
+                      <a:srgbClr val="e6e6e6"/>
+                    </a:solidFill>
+                  </a:tcPr>
+                </a:tc>
+                <a:tc>
+                  <a:txBody>
+                    <a:bodyPr lIns="90000" rIns="90000" tIns="46800" bIns="46800"/>
+                    <a:p>
+                      <a:r>
+                        <a:rPr b="0" lang="en-US" sz="1800" spc="-1" strike="noStrike">
+                          <a:latin typeface="Arial"/>
+                        </a:rPr>
+                        <a:t>84.333%</a:t>
+                      </a:r>
+                      <a:endParaRPr b="0" lang="en-US" sz="1800" spc="-1" strike="noStrike">
+                        <a:latin typeface="Arial"/>
+                      </a:endParaRPr>
+                    </a:p>
+                  </a:txBody>
+                  <a:tcPr marL="90000" marR="90000">
+                    <a:lnL w="720">
+                      <a:solidFill>
+                        <a:srgbClr val="ffffff"/>
+                      </a:solidFill>
+                    </a:lnL>
+                    <a:lnR w="720">
+                      <a:solidFill>
+                        <a:srgbClr val="ffffff"/>
+                      </a:solidFill>
+                    </a:lnR>
+                    <a:lnT w="720">
+                      <a:solidFill>
+                        <a:srgbClr val="ffffff"/>
+                      </a:solidFill>
+                    </a:lnT>
+                    <a:lnB w="720">
+                      <a:solidFill>
+                        <a:srgbClr val="ffffff"/>
+                      </a:solidFill>
+                    </a:lnB>
+                    <a:solidFill>
+                      <a:srgbClr val="e6e6e6"/>
+                    </a:solidFill>
+                  </a:tcPr>
+                </a:tc>
+                <a:tc>
+                  <a:txBody>
+                    <a:bodyPr lIns="90000" rIns="90000" tIns="46800" bIns="46800"/>
+                    <a:p>
+                      <a:r>
+                        <a:rPr b="0" lang="en-US" sz="1800" spc="-1" strike="noStrike">
+                          <a:latin typeface="Arial"/>
+                        </a:rPr>
+                        <a:t>84.042%</a:t>
+                      </a:r>
+                      <a:endParaRPr b="0" lang="en-US" sz="1800" spc="-1" strike="noStrike">
+                        <a:latin typeface="Arial"/>
+                      </a:endParaRPr>
+                    </a:p>
+                  </a:txBody>
+                  <a:tcPr marL="90000" marR="90000">
+                    <a:lnL w="720">
+                      <a:solidFill>
+                        <a:srgbClr val="ffffff"/>
+                      </a:solidFill>
+                    </a:lnL>
+                    <a:lnR w="720">
+                      <a:solidFill>
+                        <a:srgbClr val="ffffff"/>
+                      </a:solidFill>
+                    </a:lnR>
+                    <a:lnT w="720">
+                      <a:solidFill>
+                        <a:srgbClr val="ffffff"/>
+                      </a:solidFill>
+                    </a:lnT>
+                    <a:lnB w="720">
+                      <a:solidFill>
+                        <a:srgbClr val="ffffff"/>
+                      </a:solidFill>
+                    </a:lnB>
+                    <a:solidFill>
+                      <a:srgbClr val="e6e6e6"/>
+                    </a:solidFill>
+                  </a:tcPr>
+                </a:tc>
+              </a:tr>
+            </a:tbl>
+          </a:graphicData>
+        </a:graphic>
+      </p:graphicFrame>
       <p:sp>
         <p:nvSpPr>
-          <p:cNvPr id="118" name="CustomShape 2"/>
-          <p:cNvSpPr/>
+          <p:cNvPr id="117" name="TextShape 4"/>
+          <p:cNvSpPr txBox="1"/>
           <p:nvPr/>
         </p:nvSpPr>
         <p:spPr>
           <a:xfrm>
-            <a:off x="504000" y="2273040"/>
-            <a:ext cx="9071280" cy="4384440"/>
+            <a:off x="2377440" y="1737360"/>
+            <a:ext cx="5760720" cy="1448640"/>
           </a:xfrm>
           <a:prstGeom prst="rect">
             <a:avLst/>
@@ -4502,12 +5630,53 @@
             <a:noFill/>
           </a:ln>
         </p:spPr>
-        <p:style>
-          <a:lnRef idx="0"/>
-          <a:fillRef idx="0"/>
-          <a:effectRef idx="0"/>
-          <a:fontRef idx="minor"/>
-        </p:style>
+        <p:txBody>
+          <a:bodyPr lIns="90000" rIns="90000" tIns="45000" bIns="45000"/>
+          <a:p>
+            <a:r>
+              <a:rPr b="0" lang="en-US" sz="1800" spc="-1" strike="noStrike">
+                <a:latin typeface="Arial"/>
+              </a:rPr>
+              <a:t>Category Classification with full dataset</a:t>
+            </a:r>
+            <a:endParaRPr b="0" lang="en-US" sz="1800" spc="-1" strike="noStrike">
+              <a:latin typeface="Arial"/>
+            </a:endParaRPr>
+          </a:p>
+          <a:p>
+            <a:r>
+              <a:rPr b="0" lang="en-US" sz="1800" spc="-1" strike="noStrike">
+                <a:latin typeface="Arial"/>
+              </a:rPr>
+              <a:t>Subsampling 2:1</a:t>
+            </a:r>
+            <a:endParaRPr b="0" lang="en-US" sz="1800" spc="-1" strike="noStrike">
+              <a:latin typeface="Arial"/>
+            </a:endParaRPr>
+          </a:p>
+          <a:p>
+            <a:r>
+              <a:rPr b="0" lang="en-US" sz="1800" spc="-1" strike="noStrike">
+                <a:latin typeface="Arial"/>
+              </a:rPr>
+              <a:t>Resampling 0.5 bias to uniform</a:t>
+            </a:r>
+            <a:endParaRPr b="0" lang="en-US" sz="1800" spc="-1" strike="noStrike">
+              <a:latin typeface="Arial"/>
+            </a:endParaRPr>
+          </a:p>
+          <a:p>
+            <a:r>
+              <a:rPr b="0" lang="en-US" sz="1800" spc="-1" strike="noStrike">
+                <a:latin typeface="Arial"/>
+              </a:rPr>
+              <a:t>1034 observations</a:t>
+            </a:r>
+            <a:endParaRPr b="0" lang="en-US" sz="1800" spc="-1" strike="noStrike">
+              <a:latin typeface="Arial"/>
+            </a:endParaRPr>
+          </a:p>
+        </p:txBody>
       </p:sp>
     </p:spTree>
   </p:cSld>
@@ -4560,14 +5729,14 @@
       </p:grpSpPr>
       <p:sp>
         <p:nvSpPr>
-          <p:cNvPr id="119" name="CustomShape 1"/>
+          <p:cNvPr id="118" name="CustomShape 1"/>
           <p:cNvSpPr/>
           <p:nvPr/>
         </p:nvSpPr>
         <p:spPr>
           <a:xfrm>
             <a:off x="504000" y="805320"/>
-            <a:ext cx="9071280" cy="1261800"/>
+            <a:ext cx="9070920" cy="1261440"/>
           </a:xfrm>
           <a:prstGeom prst="rect">
             <a:avLst/>
@@ -4597,8 +5766,9 @@
                   <a:srgbClr val="3399ff"/>
                 </a:solidFill>
                 <a:latin typeface="Source Sans Pro"/>
-              </a:rPr>
-              <a:t>Predicting Duration at Problem Creation</a:t>
+                <a:ea typeface="DejaVu Sans"/>
+              </a:rPr>
+              <a:t>Models</a:t>
             </a:r>
             <a:endParaRPr b="0" lang="en-US" sz="3200" spc="-1" strike="noStrike">
               <a:latin typeface="Arial"/>
@@ -4608,14 +5778,14 @@
       </p:sp>
       <p:sp>
         <p:nvSpPr>
-          <p:cNvPr id="120" name="CustomShape 2"/>
+          <p:cNvPr id="119" name="CustomShape 2"/>
           <p:cNvSpPr/>
           <p:nvPr/>
         </p:nvSpPr>
         <p:spPr>
           <a:xfrm>
             <a:off x="504000" y="2273040"/>
-            <a:ext cx="9071280" cy="4384440"/>
+            <a:ext cx="9070920" cy="4384080"/>
           </a:xfrm>
           <a:prstGeom prst="rect">
             <a:avLst/>
@@ -4631,61 +5801,825 @@
           <a:effectRef idx="0"/>
           <a:fontRef idx="minor"/>
         </p:style>
+      </p:sp>
+      <p:graphicFrame>
+        <p:nvGraphicFramePr>
+          <p:cNvPr id="120" name="Table 3"/>
+          <p:cNvGraphicFramePr/>
+          <p:nvPr/>
+        </p:nvGraphicFramePr>
+        <p:xfrm>
+          <a:off x="742320" y="3021480"/>
+          <a:ext cx="8401320" cy="2159280"/>
+        </p:xfrm>
+        <a:graphic>
+          <a:graphicData uri="http://schemas.openxmlformats.org/drawingml/2006/table">
+            <a:tbl>
+              <a:tblPr/>
+              <a:tblGrid>
+                <a:gridCol w="1410120"/>
+                <a:gridCol w="1410120"/>
+                <a:gridCol w="1410120"/>
+                <a:gridCol w="1410120"/>
+                <a:gridCol w="1410120"/>
+                <a:gridCol w="1351080"/>
+              </a:tblGrid>
+              <a:tr h="719640">
+                <a:tc>
+                  <a:tcPr marL="90000" marR="90000">
+                    <a:lnL w="720">
+                      <a:solidFill>
+                        <a:srgbClr val="ffffff"/>
+                      </a:solidFill>
+                    </a:lnL>
+                    <a:lnR w="720">
+                      <a:solidFill>
+                        <a:srgbClr val="ffffff"/>
+                      </a:solidFill>
+                    </a:lnR>
+                    <a:lnT w="720">
+                      <a:solidFill>
+                        <a:srgbClr val="ffffff"/>
+                      </a:solidFill>
+                    </a:lnT>
+                    <a:lnB w="720">
+                      <a:solidFill>
+                        <a:srgbClr val="ffffff"/>
+                      </a:solidFill>
+                    </a:lnB>
+                    <a:solidFill>
+                      <a:srgbClr val="b3b3b3"/>
+                    </a:solidFill>
+                  </a:tcPr>
+                </a:tc>
+                <a:tc>
+                  <a:txBody>
+                    <a:bodyPr lIns="90000" rIns="90000" tIns="46800" bIns="46800"/>
+                    <a:p>
+                      <a:r>
+                        <a:rPr b="0" lang="en-US" sz="1800" spc="-1" strike="noStrike">
+                          <a:latin typeface="Arial"/>
+                        </a:rPr>
+                        <a:t>Random Forest</a:t>
+                      </a:r>
+                      <a:endParaRPr b="0" lang="en-US" sz="1800" spc="-1" strike="noStrike">
+                        <a:latin typeface="Arial"/>
+                      </a:endParaRPr>
+                    </a:p>
+                  </a:txBody>
+                  <a:tcPr marL="90000" marR="90000">
+                    <a:lnL w="720">
+                      <a:solidFill>
+                        <a:srgbClr val="ffffff"/>
+                      </a:solidFill>
+                    </a:lnL>
+                    <a:lnR w="720">
+                      <a:solidFill>
+                        <a:srgbClr val="ffffff"/>
+                      </a:solidFill>
+                    </a:lnR>
+                    <a:lnT w="720">
+                      <a:solidFill>
+                        <a:srgbClr val="ffffff"/>
+                      </a:solidFill>
+                    </a:lnT>
+                    <a:lnB w="720">
+                      <a:solidFill>
+                        <a:srgbClr val="ffffff"/>
+                      </a:solidFill>
+                    </a:lnB>
+                    <a:solidFill>
+                      <a:srgbClr val="b3b3b3"/>
+                    </a:solidFill>
+                  </a:tcPr>
+                </a:tc>
+                <a:tc>
+                  <a:txBody>
+                    <a:bodyPr lIns="90000" rIns="90000" tIns="46800" bIns="46800"/>
+                    <a:p>
+                      <a:r>
+                        <a:rPr b="0" lang="en-US" sz="1800" spc="-1" strike="noStrike">
+                          <a:latin typeface="Arial"/>
+                        </a:rPr>
+                        <a:t>Naive Bayes</a:t>
+                      </a:r>
+                      <a:endParaRPr b="0" lang="en-US" sz="1800" spc="-1" strike="noStrike">
+                        <a:latin typeface="Arial"/>
+                      </a:endParaRPr>
+                    </a:p>
+                  </a:txBody>
+                  <a:tcPr marL="90000" marR="90000">
+                    <a:lnL w="720">
+                      <a:solidFill>
+                        <a:srgbClr val="ffffff"/>
+                      </a:solidFill>
+                    </a:lnL>
+                    <a:lnR w="720">
+                      <a:solidFill>
+                        <a:srgbClr val="ffffff"/>
+                      </a:solidFill>
+                    </a:lnR>
+                    <a:lnT w="720">
+                      <a:solidFill>
+                        <a:srgbClr val="ffffff"/>
+                      </a:solidFill>
+                    </a:lnT>
+                    <a:lnB w="720">
+                      <a:solidFill>
+                        <a:srgbClr val="ffffff"/>
+                      </a:solidFill>
+                    </a:lnB>
+                    <a:solidFill>
+                      <a:srgbClr val="b3b3b3"/>
+                    </a:solidFill>
+                  </a:tcPr>
+                </a:tc>
+                <a:tc>
+                  <a:txBody>
+                    <a:bodyPr lIns="90000" rIns="90000" tIns="46800" bIns="46800"/>
+                    <a:p>
+                      <a:r>
+                        <a:rPr b="0" lang="en-US" sz="1800" spc="-1" strike="noStrike">
+                          <a:latin typeface="Arial"/>
+                        </a:rPr>
+                        <a:t>Logistic Regression</a:t>
+                      </a:r>
+                      <a:endParaRPr b="0" lang="en-US" sz="1800" spc="-1" strike="noStrike">
+                        <a:latin typeface="Arial"/>
+                      </a:endParaRPr>
+                    </a:p>
+                  </a:txBody>
+                  <a:tcPr marL="90000" marR="90000">
+                    <a:lnL w="720">
+                      <a:solidFill>
+                        <a:srgbClr val="ffffff"/>
+                      </a:solidFill>
+                    </a:lnL>
+                    <a:lnR w="720">
+                      <a:solidFill>
+                        <a:srgbClr val="ffffff"/>
+                      </a:solidFill>
+                    </a:lnR>
+                    <a:lnT w="720">
+                      <a:solidFill>
+                        <a:srgbClr val="ffffff"/>
+                      </a:solidFill>
+                    </a:lnT>
+                    <a:lnB w="720">
+                      <a:solidFill>
+                        <a:srgbClr val="ffffff"/>
+                      </a:solidFill>
+                    </a:lnB>
+                    <a:solidFill>
+                      <a:srgbClr val="b3b3b3"/>
+                    </a:solidFill>
+                  </a:tcPr>
+                </a:tc>
+                <a:tc>
+                  <a:txBody>
+                    <a:bodyPr lIns="90000" rIns="90000" tIns="46800" bIns="46800"/>
+                    <a:p>
+                      <a:r>
+                        <a:rPr b="0" lang="en-US" sz="1800" spc="-1" strike="noStrike">
+                          <a:latin typeface="Arial"/>
+                        </a:rPr>
+                        <a:t>Neural Network</a:t>
+                      </a:r>
+                      <a:endParaRPr b="0" lang="en-US" sz="1800" spc="-1" strike="noStrike">
+                        <a:latin typeface="Arial"/>
+                      </a:endParaRPr>
+                    </a:p>
+                  </a:txBody>
+                  <a:tcPr marL="90000" marR="90000">
+                    <a:lnL w="720">
+                      <a:solidFill>
+                        <a:srgbClr val="ffffff"/>
+                      </a:solidFill>
+                    </a:lnL>
+                    <a:lnR w="720">
+                      <a:solidFill>
+                        <a:srgbClr val="ffffff"/>
+                      </a:solidFill>
+                    </a:lnR>
+                    <a:lnT w="720">
+                      <a:solidFill>
+                        <a:srgbClr val="ffffff"/>
+                      </a:solidFill>
+                    </a:lnT>
+                    <a:lnB w="720">
+                      <a:solidFill>
+                        <a:srgbClr val="ffffff"/>
+                      </a:solidFill>
+                    </a:lnB>
+                    <a:solidFill>
+                      <a:srgbClr val="b3b3b3"/>
+                    </a:solidFill>
+                  </a:tcPr>
+                </a:tc>
+                <a:tc>
+                  <a:txBody>
+                    <a:bodyPr lIns="90000" rIns="90000" tIns="46800" bIns="46800"/>
+                    <a:p>
+                      <a:r>
+                        <a:rPr b="0" lang="en-US" sz="1800" spc="-1" strike="noStrike">
+                          <a:latin typeface="Arial"/>
+                        </a:rPr>
+                        <a:t>SVM</a:t>
+                      </a:r>
+                      <a:endParaRPr b="0" lang="en-US" sz="1800" spc="-1" strike="noStrike">
+                        <a:latin typeface="Arial"/>
+                      </a:endParaRPr>
+                    </a:p>
+                    <a:p>
+                      <a:r>
+                        <a:rPr b="0" lang="en-US" sz="1800" spc="-1" strike="noStrike">
+                          <a:latin typeface="Arial"/>
+                        </a:rPr>
+                        <a:t>(Poly-3)</a:t>
+                      </a:r>
+                      <a:endParaRPr b="0" lang="en-US" sz="1800" spc="-1" strike="noStrike">
+                        <a:latin typeface="Arial"/>
+                      </a:endParaRPr>
+                    </a:p>
+                  </a:txBody>
+                  <a:tcPr marL="90000" marR="90000">
+                    <a:lnL w="720">
+                      <a:solidFill>
+                        <a:srgbClr val="ffffff"/>
+                      </a:solidFill>
+                    </a:lnL>
+                    <a:lnR w="720">
+                      <a:solidFill>
+                        <a:srgbClr val="ffffff"/>
+                      </a:solidFill>
+                    </a:lnR>
+                    <a:lnT w="720">
+                      <a:solidFill>
+                        <a:srgbClr val="ffffff"/>
+                      </a:solidFill>
+                    </a:lnT>
+                    <a:lnB w="720">
+                      <a:solidFill>
+                        <a:srgbClr val="ffffff"/>
+                      </a:solidFill>
+                    </a:lnB>
+                    <a:solidFill>
+                      <a:srgbClr val="b3b3b3"/>
+                    </a:solidFill>
+                  </a:tcPr>
+                </a:tc>
+              </a:tr>
+              <a:tr h="719640">
+                <a:tc>
+                  <a:txBody>
+                    <a:bodyPr lIns="90000" rIns="90000" tIns="46800" bIns="46800"/>
+                    <a:p>
+                      <a:r>
+                        <a:rPr b="0" lang="en-US" sz="1800" spc="-1" strike="noStrike">
+                          <a:latin typeface="Arial"/>
+                        </a:rPr>
+                        <a:t>F-1 score</a:t>
+                      </a:r>
+                      <a:endParaRPr b="0" lang="en-US" sz="1800" spc="-1" strike="noStrike">
+                        <a:latin typeface="Arial"/>
+                      </a:endParaRPr>
+                    </a:p>
+                  </a:txBody>
+                  <a:tcPr marL="90000" marR="90000">
+                    <a:lnL w="720">
+                      <a:solidFill>
+                        <a:srgbClr val="ffffff"/>
+                      </a:solidFill>
+                    </a:lnL>
+                    <a:lnR w="720">
+                      <a:solidFill>
+                        <a:srgbClr val="ffffff"/>
+                      </a:solidFill>
+                    </a:lnR>
+                    <a:lnT w="720">
+                      <a:solidFill>
+                        <a:srgbClr val="ffffff"/>
+                      </a:solidFill>
+                    </a:lnT>
+                    <a:lnB w="720">
+                      <a:solidFill>
+                        <a:srgbClr val="ffffff"/>
+                      </a:solidFill>
+                    </a:lnB>
+                    <a:solidFill>
+                      <a:srgbClr val="cccccc"/>
+                    </a:solidFill>
+                  </a:tcPr>
+                </a:tc>
+                <a:tc>
+                  <a:txBody>
+                    <a:bodyPr lIns="90000" rIns="90000" tIns="46800" bIns="46800"/>
+                    <a:p>
+                      <a:r>
+                        <a:rPr b="0" lang="en-US" sz="1800" spc="-1" strike="noStrike">
+                          <a:latin typeface="Arial"/>
+                        </a:rPr>
+                        <a:t>0.898</a:t>
+                      </a:r>
+                      <a:endParaRPr b="0" lang="en-US" sz="1800" spc="-1" strike="noStrike">
+                        <a:latin typeface="Arial"/>
+                      </a:endParaRPr>
+                    </a:p>
+                  </a:txBody>
+                  <a:tcPr marL="90000" marR="90000">
+                    <a:lnL w="720">
+                      <a:solidFill>
+                        <a:srgbClr val="ffffff"/>
+                      </a:solidFill>
+                    </a:lnL>
+                    <a:lnR w="720">
+                      <a:solidFill>
+                        <a:srgbClr val="ffffff"/>
+                      </a:solidFill>
+                    </a:lnR>
+                    <a:lnT w="720">
+                      <a:solidFill>
+                        <a:srgbClr val="ffffff"/>
+                      </a:solidFill>
+                    </a:lnT>
+                    <a:lnB w="720">
+                      <a:solidFill>
+                        <a:srgbClr val="ffffff"/>
+                      </a:solidFill>
+                    </a:lnB>
+                    <a:solidFill>
+                      <a:srgbClr val="cccccc"/>
+                    </a:solidFill>
+                  </a:tcPr>
+                </a:tc>
+                <a:tc>
+                  <a:txBody>
+                    <a:bodyPr lIns="90000" rIns="90000" tIns="46800" bIns="46800"/>
+                    <a:p>
+                      <a:r>
+                        <a:rPr b="0" lang="en-US" sz="1800" spc="-1" strike="noStrike">
+                          <a:latin typeface="Arial"/>
+                        </a:rPr>
+                        <a:t>0.672</a:t>
+                      </a:r>
+                      <a:endParaRPr b="0" lang="en-US" sz="1800" spc="-1" strike="noStrike">
+                        <a:latin typeface="Arial"/>
+                      </a:endParaRPr>
+                    </a:p>
+                  </a:txBody>
+                  <a:tcPr marL="90000" marR="90000">
+                    <a:lnL w="720">
+                      <a:solidFill>
+                        <a:srgbClr val="ffffff"/>
+                      </a:solidFill>
+                    </a:lnL>
+                    <a:lnR w="720">
+                      <a:solidFill>
+                        <a:srgbClr val="ffffff"/>
+                      </a:solidFill>
+                    </a:lnR>
+                    <a:lnT w="720">
+                      <a:solidFill>
+                        <a:srgbClr val="ffffff"/>
+                      </a:solidFill>
+                    </a:lnT>
+                    <a:lnB w="720">
+                      <a:solidFill>
+                        <a:srgbClr val="ffffff"/>
+                      </a:solidFill>
+                    </a:lnB>
+                    <a:solidFill>
+                      <a:srgbClr val="cccccc"/>
+                    </a:solidFill>
+                  </a:tcPr>
+                </a:tc>
+                <a:tc>
+                  <a:txBody>
+                    <a:bodyPr lIns="90000" rIns="90000" tIns="46800" bIns="46800"/>
+                    <a:p>
+                      <a:r>
+                        <a:rPr b="0" lang="en-US" sz="1800" spc="-1" strike="noStrike">
+                          <a:latin typeface="Arial"/>
+                        </a:rPr>
+                        <a:t>0.725</a:t>
+                      </a:r>
+                      <a:endParaRPr b="0" lang="en-US" sz="1800" spc="-1" strike="noStrike">
+                        <a:latin typeface="Arial"/>
+                      </a:endParaRPr>
+                    </a:p>
+                  </a:txBody>
+                  <a:tcPr marL="90000" marR="90000">
+                    <a:lnL w="720">
+                      <a:solidFill>
+                        <a:srgbClr val="ffffff"/>
+                      </a:solidFill>
+                    </a:lnL>
+                    <a:lnR w="720">
+                      <a:solidFill>
+                        <a:srgbClr val="ffffff"/>
+                      </a:solidFill>
+                    </a:lnR>
+                    <a:lnT w="720">
+                      <a:solidFill>
+                        <a:srgbClr val="ffffff"/>
+                      </a:solidFill>
+                    </a:lnT>
+                    <a:lnB w="720">
+                      <a:solidFill>
+                        <a:srgbClr val="ffffff"/>
+                      </a:solidFill>
+                    </a:lnB>
+                    <a:solidFill>
+                      <a:srgbClr val="cccccc"/>
+                    </a:solidFill>
+                  </a:tcPr>
+                </a:tc>
+                <a:tc>
+                  <a:txBody>
+                    <a:bodyPr lIns="90000" rIns="90000" tIns="46800" bIns="46800"/>
+                    <a:p>
+                      <a:r>
+                        <a:rPr b="0" lang="en-US" sz="1800" spc="-1" strike="noStrike">
+                          <a:latin typeface="Arial"/>
+                        </a:rPr>
+                        <a:t>0.886</a:t>
+                      </a:r>
+                      <a:endParaRPr b="0" lang="en-US" sz="1800" spc="-1" strike="noStrike">
+                        <a:latin typeface="Arial"/>
+                      </a:endParaRPr>
+                    </a:p>
+                  </a:txBody>
+                  <a:tcPr marL="90000" marR="90000">
+                    <a:lnL w="720">
+                      <a:solidFill>
+                        <a:srgbClr val="ffffff"/>
+                      </a:solidFill>
+                    </a:lnL>
+                    <a:lnR w="720">
+                      <a:solidFill>
+                        <a:srgbClr val="ffffff"/>
+                      </a:solidFill>
+                    </a:lnR>
+                    <a:lnT w="720">
+                      <a:solidFill>
+                        <a:srgbClr val="ffffff"/>
+                      </a:solidFill>
+                    </a:lnT>
+                    <a:lnB w="720">
+                      <a:solidFill>
+                        <a:srgbClr val="ffffff"/>
+                      </a:solidFill>
+                    </a:lnB>
+                    <a:solidFill>
+                      <a:srgbClr val="cccccc"/>
+                    </a:solidFill>
+                  </a:tcPr>
+                </a:tc>
+                <a:tc>
+                  <a:txBody>
+                    <a:bodyPr lIns="90000" rIns="90000" tIns="46800" bIns="46800"/>
+                    <a:p>
+                      <a:r>
+                        <a:rPr b="0" lang="en-US" sz="1800" spc="-1" strike="noStrike">
+                          <a:latin typeface="Arial"/>
+                        </a:rPr>
+                        <a:t>0.862</a:t>
+                      </a:r>
+                      <a:endParaRPr b="0" lang="en-US" sz="1800" spc="-1" strike="noStrike">
+                        <a:latin typeface="Arial"/>
+                      </a:endParaRPr>
+                    </a:p>
+                  </a:txBody>
+                  <a:tcPr marL="90000" marR="90000">
+                    <a:lnL w="720">
+                      <a:solidFill>
+                        <a:srgbClr val="ffffff"/>
+                      </a:solidFill>
+                    </a:lnL>
+                    <a:lnR w="720">
+                      <a:solidFill>
+                        <a:srgbClr val="ffffff"/>
+                      </a:solidFill>
+                    </a:lnR>
+                    <a:lnT w="720">
+                      <a:solidFill>
+                        <a:srgbClr val="ffffff"/>
+                      </a:solidFill>
+                    </a:lnT>
+                    <a:lnB w="720">
+                      <a:solidFill>
+                        <a:srgbClr val="ffffff"/>
+                      </a:solidFill>
+                    </a:lnB>
+                    <a:solidFill>
+                      <a:srgbClr val="cccccc"/>
+                    </a:solidFill>
+                  </a:tcPr>
+                </a:tc>
+              </a:tr>
+              <a:tr h="720360">
+                <a:tc>
+                  <a:txBody>
+                    <a:bodyPr lIns="90000" rIns="90000" tIns="46800" bIns="46800"/>
+                    <a:p>
+                      <a:r>
+                        <a:rPr b="0" lang="en-US" sz="1800" spc="-1" strike="noStrike">
+                          <a:latin typeface="Arial"/>
+                        </a:rPr>
+                        <a:t>Accuracy</a:t>
+                      </a:r>
+                      <a:endParaRPr b="0" lang="en-US" sz="1800" spc="-1" strike="noStrike">
+                        <a:latin typeface="Arial"/>
+                      </a:endParaRPr>
+                    </a:p>
+                  </a:txBody>
+                  <a:tcPr marL="90000" marR="90000">
+                    <a:lnL w="720">
+                      <a:solidFill>
+                        <a:srgbClr val="ffffff"/>
+                      </a:solidFill>
+                    </a:lnL>
+                    <a:lnR w="720">
+                      <a:solidFill>
+                        <a:srgbClr val="ffffff"/>
+                      </a:solidFill>
+                    </a:lnR>
+                    <a:lnT w="720">
+                      <a:solidFill>
+                        <a:srgbClr val="ffffff"/>
+                      </a:solidFill>
+                    </a:lnT>
+                    <a:lnB w="720">
+                      <a:solidFill>
+                        <a:srgbClr val="ffffff"/>
+                      </a:solidFill>
+                    </a:lnB>
+                    <a:solidFill>
+                      <a:srgbClr val="e6e6e6"/>
+                    </a:solidFill>
+                  </a:tcPr>
+                </a:tc>
+                <a:tc>
+                  <a:txBody>
+                    <a:bodyPr lIns="90000" rIns="90000" tIns="46800" bIns="46800"/>
+                    <a:p>
+                      <a:r>
+                        <a:rPr b="0" lang="en-US" sz="1800" spc="-1" strike="noStrike">
+                          <a:latin typeface="Arial"/>
+                        </a:rPr>
+                        <a:t>89.786%</a:t>
+                      </a:r>
+                      <a:endParaRPr b="0" lang="en-US" sz="1800" spc="-1" strike="noStrike">
+                        <a:latin typeface="Arial"/>
+                      </a:endParaRPr>
+                    </a:p>
+                  </a:txBody>
+                  <a:tcPr marL="90000" marR="90000">
+                    <a:lnL w="720">
+                      <a:solidFill>
+                        <a:srgbClr val="ffffff"/>
+                      </a:solidFill>
+                    </a:lnL>
+                    <a:lnR w="720">
+                      <a:solidFill>
+                        <a:srgbClr val="ffffff"/>
+                      </a:solidFill>
+                    </a:lnR>
+                    <a:lnT w="720">
+                      <a:solidFill>
+                        <a:srgbClr val="ffffff"/>
+                      </a:solidFill>
+                    </a:lnT>
+                    <a:lnB w="720">
+                      <a:solidFill>
+                        <a:srgbClr val="ffffff"/>
+                      </a:solidFill>
+                    </a:lnB>
+                    <a:solidFill>
+                      <a:srgbClr val="e6e6e6"/>
+                    </a:solidFill>
+                  </a:tcPr>
+                </a:tc>
+                <a:tc>
+                  <a:txBody>
+                    <a:bodyPr lIns="90000" rIns="90000" tIns="46800" bIns="46800"/>
+                    <a:p>
+                      <a:r>
+                        <a:rPr b="0" lang="en-US" sz="1800" spc="-1" strike="noStrike">
+                          <a:latin typeface="Arial"/>
+                        </a:rPr>
+                        <a:t>66.746%</a:t>
+                      </a:r>
+                      <a:endParaRPr b="0" lang="en-US" sz="1800" spc="-1" strike="noStrike">
+                        <a:latin typeface="Arial"/>
+                      </a:endParaRPr>
+                    </a:p>
+                  </a:txBody>
+                  <a:tcPr marL="90000" marR="90000">
+                    <a:lnL w="720">
+                      <a:solidFill>
+                        <a:srgbClr val="ffffff"/>
+                      </a:solidFill>
+                    </a:lnL>
+                    <a:lnR w="720">
+                      <a:solidFill>
+                        <a:srgbClr val="ffffff"/>
+                      </a:solidFill>
+                    </a:lnR>
+                    <a:lnT w="720">
+                      <a:solidFill>
+                        <a:srgbClr val="ffffff"/>
+                      </a:solidFill>
+                    </a:lnT>
+                    <a:lnB w="720">
+                      <a:solidFill>
+                        <a:srgbClr val="ffffff"/>
+                      </a:solidFill>
+                    </a:lnB>
+                    <a:solidFill>
+                      <a:srgbClr val="e6e6e6"/>
+                    </a:solidFill>
+                  </a:tcPr>
+                </a:tc>
+                <a:tc>
+                  <a:txBody>
+                    <a:bodyPr lIns="90000" rIns="90000" tIns="46800" bIns="46800"/>
+                    <a:p>
+                      <a:r>
+                        <a:rPr b="0" lang="en-US" sz="1800" spc="-1" strike="noStrike">
+                          <a:latin typeface="Arial"/>
+                        </a:rPr>
+                        <a:t>72.922%</a:t>
+                      </a:r>
+                      <a:endParaRPr b="0" lang="en-US" sz="1800" spc="-1" strike="noStrike">
+                        <a:latin typeface="Arial"/>
+                      </a:endParaRPr>
+                    </a:p>
+                  </a:txBody>
+                  <a:tcPr marL="90000" marR="90000">
+                    <a:lnL w="720">
+                      <a:solidFill>
+                        <a:srgbClr val="ffffff"/>
+                      </a:solidFill>
+                    </a:lnL>
+                    <a:lnR w="720">
+                      <a:solidFill>
+                        <a:srgbClr val="ffffff"/>
+                      </a:solidFill>
+                    </a:lnR>
+                    <a:lnT w="720">
+                      <a:solidFill>
+                        <a:srgbClr val="ffffff"/>
+                      </a:solidFill>
+                    </a:lnT>
+                    <a:lnB w="720">
+                      <a:solidFill>
+                        <a:srgbClr val="ffffff"/>
+                      </a:solidFill>
+                    </a:lnB>
+                    <a:solidFill>
+                      <a:srgbClr val="e6e6e6"/>
+                    </a:solidFill>
+                  </a:tcPr>
+                </a:tc>
+                <a:tc>
+                  <a:txBody>
+                    <a:bodyPr lIns="90000" rIns="90000" tIns="46800" bIns="46800"/>
+                    <a:p>
+                      <a:r>
+                        <a:rPr b="0" lang="en-US" sz="1800" spc="-1" strike="noStrike">
+                          <a:latin typeface="Arial"/>
+                        </a:rPr>
+                        <a:t>88.599%</a:t>
+                      </a:r>
+                      <a:endParaRPr b="0" lang="en-US" sz="1800" spc="-1" strike="noStrike">
+                        <a:latin typeface="Arial"/>
+                      </a:endParaRPr>
+                    </a:p>
+                  </a:txBody>
+                  <a:tcPr marL="90000" marR="90000">
+                    <a:lnL w="720">
+                      <a:solidFill>
+                        <a:srgbClr val="ffffff"/>
+                      </a:solidFill>
+                    </a:lnL>
+                    <a:lnR w="720">
+                      <a:solidFill>
+                        <a:srgbClr val="ffffff"/>
+                      </a:solidFill>
+                    </a:lnR>
+                    <a:lnT w="720">
+                      <a:solidFill>
+                        <a:srgbClr val="ffffff"/>
+                      </a:solidFill>
+                    </a:lnT>
+                    <a:lnB w="720">
+                      <a:solidFill>
+                        <a:srgbClr val="ffffff"/>
+                      </a:solidFill>
+                    </a:lnB>
+                    <a:solidFill>
+                      <a:srgbClr val="e6e6e6"/>
+                    </a:solidFill>
+                  </a:tcPr>
+                </a:tc>
+                <a:tc>
+                  <a:txBody>
+                    <a:bodyPr lIns="90000" rIns="90000" tIns="46800" bIns="46800"/>
+                    <a:p>
+                      <a:r>
+                        <a:rPr b="0" lang="en-US" sz="1800" spc="-1" strike="noStrike">
+                          <a:latin typeface="Arial"/>
+                        </a:rPr>
+                        <a:t>86.105%</a:t>
+                      </a:r>
+                      <a:endParaRPr b="0" lang="en-US" sz="1800" spc="-1" strike="noStrike">
+                        <a:latin typeface="Arial"/>
+                      </a:endParaRPr>
+                    </a:p>
+                  </a:txBody>
+                  <a:tcPr marL="90000" marR="90000">
+                    <a:lnL w="720">
+                      <a:solidFill>
+                        <a:srgbClr val="ffffff"/>
+                      </a:solidFill>
+                    </a:lnL>
+                    <a:lnR w="720">
+                      <a:solidFill>
+                        <a:srgbClr val="ffffff"/>
+                      </a:solidFill>
+                    </a:lnR>
+                    <a:lnT w="720">
+                      <a:solidFill>
+                        <a:srgbClr val="ffffff"/>
+                      </a:solidFill>
+                    </a:lnT>
+                    <a:lnB w="720">
+                      <a:solidFill>
+                        <a:srgbClr val="ffffff"/>
+                      </a:solidFill>
+                    </a:lnB>
+                    <a:solidFill>
+                      <a:srgbClr val="e6e6e6"/>
+                    </a:solidFill>
+                  </a:tcPr>
+                </a:tc>
+              </a:tr>
+            </a:tbl>
+          </a:graphicData>
+        </a:graphic>
+      </p:graphicFrame>
+      <p:sp>
+        <p:nvSpPr>
+          <p:cNvPr id="121" name="TextShape 4"/>
+          <p:cNvSpPr txBox="1"/>
+          <p:nvPr/>
+        </p:nvSpPr>
+        <p:spPr>
+          <a:xfrm>
+            <a:off x="2377440" y="1920240"/>
+            <a:ext cx="5760720" cy="1448640"/>
+          </a:xfrm>
+          <a:prstGeom prst="rect">
+            <a:avLst/>
+          </a:prstGeom>
+          <a:noFill/>
+          <a:ln>
+            <a:noFill/>
+          </a:ln>
+        </p:spPr>
         <p:txBody>
-          <a:bodyPr lIns="0" rIns="0" tIns="0" bIns="0"/>
-          <a:p>
-            <a:pPr marL="432000" indent="-323640">
-              <a:lnSpc>
-                <a:spcPct val="100000"/>
-              </a:lnSpc>
-              <a:spcAft>
-                <a:spcPts val="1417"/>
-              </a:spcAft>
-              <a:buClr>
-                <a:srgbClr val="000000"/>
-              </a:buClr>
-              <a:buSzPct val="45000"/>
-              <a:buFont typeface="Wingdings" charset="2"/>
-              <a:buChar char=""/>
-            </a:pPr>
-            <a:r>
-              <a:rPr b="0" lang="en-US" sz="2200" spc="-1" strike="noStrike">
-                <a:solidFill>
-                  <a:srgbClr val="000000"/>
-                </a:solidFill>
-                <a:latin typeface="Source Sans Pro"/>
-              </a:rPr>
-              <a:t>Not really possible</a:t>
-            </a:r>
-            <a:endParaRPr b="0" lang="en-US" sz="2200" spc="-1" strike="noStrike">
-              <a:latin typeface="Arial"/>
-            </a:endParaRPr>
-          </a:p>
-          <a:p>
-            <a:pPr marL="432000" indent="-323640">
-              <a:lnSpc>
-                <a:spcPct val="100000"/>
-              </a:lnSpc>
-              <a:spcAft>
-                <a:spcPts val="1417"/>
-              </a:spcAft>
-              <a:buClr>
-                <a:srgbClr val="000000"/>
-              </a:buClr>
-              <a:buSzPct val="45000"/>
-              <a:buFont typeface="Wingdings" charset="2"/>
-              <a:buChar char=""/>
-            </a:pPr>
-            <a:r>
-              <a:rPr b="0" lang="en-US" sz="2200" spc="-1" strike="noStrike">
-                <a:solidFill>
-                  <a:srgbClr val="000000"/>
-                </a:solidFill>
-                <a:latin typeface="Source Sans Pro"/>
-              </a:rPr>
-              <a:t>All models had correlation coefficient of &lt; 0.2 and error measures &gt; 90%</a:t>
-            </a:r>
-            <a:endParaRPr b="0" lang="en-US" sz="2200" spc="-1" strike="noStrike">
+          <a:bodyPr lIns="90000" rIns="90000" tIns="45000" bIns="45000"/>
+          <a:p>
+            <a:r>
+              <a:rPr b="0" lang="en-US" sz="1800" spc="-1" strike="noStrike">
+                <a:latin typeface="Arial"/>
+              </a:rPr>
+              <a:t>Category Classification with Durations dataset</a:t>
+            </a:r>
+            <a:endParaRPr b="0" lang="en-US" sz="1800" spc="-1" strike="noStrike">
+              <a:latin typeface="Arial"/>
+            </a:endParaRPr>
+          </a:p>
+          <a:p>
+            <a:r>
+              <a:rPr b="0" lang="en-US" sz="1800" spc="-1" strike="noStrike">
+                <a:latin typeface="Arial"/>
+              </a:rPr>
+              <a:t>Resampling 0.5 bias to uniform</a:t>
+            </a:r>
+            <a:endParaRPr b="0" lang="en-US" sz="1800" spc="-1" strike="noStrike">
+              <a:latin typeface="Arial"/>
+            </a:endParaRPr>
+          </a:p>
+          <a:p>
+            <a:r>
+              <a:rPr b="0" lang="en-US" sz="1800" spc="-1" strike="noStrike">
+                <a:latin typeface="Arial"/>
+              </a:rPr>
+              <a:t>842 observations</a:t>
+            </a:r>
+            <a:endParaRPr b="0" lang="en-US" sz="1800" spc="-1" strike="noStrike">
               <a:latin typeface="Arial"/>
             </a:endParaRPr>
           </a:p>
@@ -4742,14 +6676,63 @@
       </p:grpSpPr>
       <p:sp>
         <p:nvSpPr>
-          <p:cNvPr id="121" name="CustomShape 1"/>
+          <p:cNvPr id="122" name="CustomShape 1"/>
           <p:cNvSpPr/>
           <p:nvPr/>
         </p:nvSpPr>
         <p:spPr>
           <a:xfrm>
             <a:off x="504000" y="805320"/>
-            <a:ext cx="9071280" cy="1261800"/>
+            <a:ext cx="9070920" cy="1261440"/>
+          </a:xfrm>
+          <a:prstGeom prst="rect">
+            <a:avLst/>
+          </a:prstGeom>
+          <a:noFill/>
+          <a:ln>
+            <a:noFill/>
+          </a:ln>
+        </p:spPr>
+        <p:style>
+          <a:lnRef idx="0"/>
+          <a:fillRef idx="0"/>
+          <a:effectRef idx="0"/>
+          <a:fontRef idx="minor"/>
+        </p:style>
+        <p:txBody>
+          <a:bodyPr lIns="0" rIns="0" tIns="0" bIns="0" anchor="ctr"/>
+          <a:p>
+            <a:pPr>
+              <a:lnSpc>
+                <a:spcPct val="100000"/>
+              </a:lnSpc>
+            </a:pPr>
+            <a:r>
+              <a:rPr b="0" lang="en-US" sz="3200" spc="-1" strike="noStrike">
+                <a:solidFill>
+                  <a:srgbClr val="3399ff"/>
+                </a:solidFill>
+                <a:latin typeface="Source Sans Pro"/>
+                <a:ea typeface="DejaVu Sans"/>
+              </a:rPr>
+              <a:t>Models</a:t>
+            </a:r>
+            <a:endParaRPr b="0" lang="en-US" sz="3200" spc="-1" strike="noStrike">
+              <a:latin typeface="Arial"/>
+            </a:endParaRPr>
+          </a:p>
+        </p:txBody>
+      </p:sp>
+      <p:sp>
+        <p:nvSpPr>
+          <p:cNvPr id="123" name="CustomShape 2"/>
+          <p:cNvSpPr/>
+          <p:nvPr/>
+        </p:nvSpPr>
+        <p:spPr>
+          <a:xfrm>
+            <a:off x="504000" y="2273040"/>
+            <a:ext cx="9070920" cy="4384080"/>
           </a:xfrm>
           <a:prstGeom prst="rect">
             <a:avLst/>
@@ -4766,16 +6749,755 @@
           <a:fontRef idx="minor"/>
         </p:style>
       </p:sp>
+      <p:graphicFrame>
+        <p:nvGraphicFramePr>
+          <p:cNvPr id="124" name="Table 3"/>
+          <p:cNvGraphicFramePr/>
+          <p:nvPr/>
+        </p:nvGraphicFramePr>
+        <p:xfrm>
+          <a:off x="742320" y="3021480"/>
+          <a:ext cx="8401320" cy="2159280"/>
+        </p:xfrm>
+        <a:graphic>
+          <a:graphicData uri="http://schemas.openxmlformats.org/drawingml/2006/table">
+            <a:tbl>
+              <a:tblPr/>
+              <a:tblGrid>
+                <a:gridCol w="1410120"/>
+                <a:gridCol w="1410120"/>
+                <a:gridCol w="1410120"/>
+                <a:gridCol w="1410120"/>
+                <a:gridCol w="1410120"/>
+                <a:gridCol w="1351080"/>
+              </a:tblGrid>
+              <a:tr h="719640">
+                <a:tc>
+                  <a:tcPr marL="90000" marR="90000">
+                    <a:lnL w="720">
+                      <a:solidFill>
+                        <a:srgbClr val="ffffff"/>
+                      </a:solidFill>
+                    </a:lnL>
+                    <a:lnR w="720">
+                      <a:solidFill>
+                        <a:srgbClr val="ffffff"/>
+                      </a:solidFill>
+                    </a:lnR>
+                    <a:lnT w="720">
+                      <a:solidFill>
+                        <a:srgbClr val="ffffff"/>
+                      </a:solidFill>
+                    </a:lnT>
+                    <a:lnB w="720">
+                      <a:solidFill>
+                        <a:srgbClr val="ffffff"/>
+                      </a:solidFill>
+                    </a:lnB>
+                    <a:solidFill>
+                      <a:srgbClr val="b3b3b3"/>
+                    </a:solidFill>
+                  </a:tcPr>
+                </a:tc>
+                <a:tc>
+                  <a:txBody>
+                    <a:bodyPr lIns="90000" rIns="90000" tIns="46800" bIns="46800"/>
+                    <a:p>
+                      <a:r>
+                        <a:rPr b="0" lang="en-US" sz="1800" spc="-1" strike="noStrike">
+                          <a:latin typeface="Arial"/>
+                        </a:rPr>
+                        <a:t>Random Forest</a:t>
+                      </a:r>
+                      <a:endParaRPr b="0" lang="en-US" sz="1800" spc="-1" strike="noStrike">
+                        <a:latin typeface="Arial"/>
+                      </a:endParaRPr>
+                    </a:p>
+                  </a:txBody>
+                  <a:tcPr marL="90000" marR="90000">
+                    <a:lnL w="720">
+                      <a:solidFill>
+                        <a:srgbClr val="ffffff"/>
+                      </a:solidFill>
+                    </a:lnL>
+                    <a:lnR w="720">
+                      <a:solidFill>
+                        <a:srgbClr val="ffffff"/>
+                      </a:solidFill>
+                    </a:lnR>
+                    <a:lnT w="720">
+                      <a:solidFill>
+                        <a:srgbClr val="ffffff"/>
+                      </a:solidFill>
+                    </a:lnT>
+                    <a:lnB w="720">
+                      <a:solidFill>
+                        <a:srgbClr val="ffffff"/>
+                      </a:solidFill>
+                    </a:lnB>
+                    <a:solidFill>
+                      <a:srgbClr val="b3b3b3"/>
+                    </a:solidFill>
+                  </a:tcPr>
+                </a:tc>
+                <a:tc>
+                  <a:txBody>
+                    <a:bodyPr lIns="90000" rIns="90000" tIns="46800" bIns="46800"/>
+                    <a:p>
+                      <a:r>
+                        <a:rPr b="0" lang="en-US" sz="1800" spc="-1" strike="noStrike">
+                          <a:latin typeface="Arial"/>
+                        </a:rPr>
+                        <a:t>Naive Bayes</a:t>
+                      </a:r>
+                      <a:endParaRPr b="0" lang="en-US" sz="1800" spc="-1" strike="noStrike">
+                        <a:latin typeface="Arial"/>
+                      </a:endParaRPr>
+                    </a:p>
+                  </a:txBody>
+                  <a:tcPr marL="90000" marR="90000">
+                    <a:lnL w="720">
+                      <a:solidFill>
+                        <a:srgbClr val="ffffff"/>
+                      </a:solidFill>
+                    </a:lnL>
+                    <a:lnR w="720">
+                      <a:solidFill>
+                        <a:srgbClr val="ffffff"/>
+                      </a:solidFill>
+                    </a:lnR>
+                    <a:lnT w="720">
+                      <a:solidFill>
+                        <a:srgbClr val="ffffff"/>
+                      </a:solidFill>
+                    </a:lnT>
+                    <a:lnB w="720">
+                      <a:solidFill>
+                        <a:srgbClr val="ffffff"/>
+                      </a:solidFill>
+                    </a:lnB>
+                    <a:solidFill>
+                      <a:srgbClr val="b3b3b3"/>
+                    </a:solidFill>
+                  </a:tcPr>
+                </a:tc>
+                <a:tc>
+                  <a:txBody>
+                    <a:bodyPr lIns="90000" rIns="90000" tIns="46800" bIns="46800"/>
+                    <a:p>
+                      <a:r>
+                        <a:rPr b="0" lang="en-US" sz="1800" spc="-1" strike="noStrike">
+                          <a:latin typeface="Arial"/>
+                        </a:rPr>
+                        <a:t>Logistic Regression</a:t>
+                      </a:r>
+                      <a:endParaRPr b="0" lang="en-US" sz="1800" spc="-1" strike="noStrike">
+                        <a:latin typeface="Arial"/>
+                      </a:endParaRPr>
+                    </a:p>
+                  </a:txBody>
+                  <a:tcPr marL="90000" marR="90000">
+                    <a:lnL w="720">
+                      <a:solidFill>
+                        <a:srgbClr val="ffffff"/>
+                      </a:solidFill>
+                    </a:lnL>
+                    <a:lnR w="720">
+                      <a:solidFill>
+                        <a:srgbClr val="ffffff"/>
+                      </a:solidFill>
+                    </a:lnR>
+                    <a:lnT w="720">
+                      <a:solidFill>
+                        <a:srgbClr val="ffffff"/>
+                      </a:solidFill>
+                    </a:lnT>
+                    <a:lnB w="720">
+                      <a:solidFill>
+                        <a:srgbClr val="ffffff"/>
+                      </a:solidFill>
+                    </a:lnB>
+                    <a:solidFill>
+                      <a:srgbClr val="b3b3b3"/>
+                    </a:solidFill>
+                  </a:tcPr>
+                </a:tc>
+                <a:tc>
+                  <a:txBody>
+                    <a:bodyPr lIns="90000" rIns="90000" tIns="46800" bIns="46800"/>
+                    <a:p>
+                      <a:r>
+                        <a:rPr b="0" lang="en-US" sz="1800" spc="-1" strike="noStrike">
+                          <a:latin typeface="Arial"/>
+                        </a:rPr>
+                        <a:t>Neural Network</a:t>
+                      </a:r>
+                      <a:endParaRPr b="0" lang="en-US" sz="1800" spc="-1" strike="noStrike">
+                        <a:latin typeface="Arial"/>
+                      </a:endParaRPr>
+                    </a:p>
+                  </a:txBody>
+                  <a:tcPr marL="90000" marR="90000">
+                    <a:lnL w="720">
+                      <a:solidFill>
+                        <a:srgbClr val="ffffff"/>
+                      </a:solidFill>
+                    </a:lnL>
+                    <a:lnR w="720">
+                      <a:solidFill>
+                        <a:srgbClr val="ffffff"/>
+                      </a:solidFill>
+                    </a:lnR>
+                    <a:lnT w="720">
+                      <a:solidFill>
+                        <a:srgbClr val="ffffff"/>
+                      </a:solidFill>
+                    </a:lnT>
+                    <a:lnB w="720">
+                      <a:solidFill>
+                        <a:srgbClr val="ffffff"/>
+                      </a:solidFill>
+                    </a:lnB>
+                    <a:solidFill>
+                      <a:srgbClr val="b3b3b3"/>
+                    </a:solidFill>
+                  </a:tcPr>
+                </a:tc>
+                <a:tc>
+                  <a:txBody>
+                    <a:bodyPr lIns="90000" rIns="90000" tIns="46800" bIns="46800"/>
+                    <a:p>
+                      <a:r>
+                        <a:rPr b="0" lang="en-US" sz="1800" spc="-1" strike="noStrike">
+                          <a:latin typeface="Arial"/>
+                        </a:rPr>
+                        <a:t>SVM</a:t>
+                      </a:r>
+                      <a:endParaRPr b="0" lang="en-US" sz="1800" spc="-1" strike="noStrike">
+                        <a:latin typeface="Arial"/>
+                      </a:endParaRPr>
+                    </a:p>
+                    <a:p>
+                      <a:r>
+                        <a:rPr b="0" lang="en-US" sz="1800" spc="-1" strike="noStrike">
+                          <a:latin typeface="Arial"/>
+                        </a:rPr>
+                        <a:t>(Poly-2)</a:t>
+                      </a:r>
+                      <a:endParaRPr b="0" lang="en-US" sz="1800" spc="-1" strike="noStrike">
+                        <a:latin typeface="Arial"/>
+                      </a:endParaRPr>
+                    </a:p>
+                  </a:txBody>
+                  <a:tcPr marL="90000" marR="90000">
+                    <a:lnL w="720">
+                      <a:solidFill>
+                        <a:srgbClr val="ffffff"/>
+                      </a:solidFill>
+                    </a:lnL>
+                    <a:lnR w="720">
+                      <a:solidFill>
+                        <a:srgbClr val="ffffff"/>
+                      </a:solidFill>
+                    </a:lnR>
+                    <a:lnT w="720">
+                      <a:solidFill>
+                        <a:srgbClr val="ffffff"/>
+                      </a:solidFill>
+                    </a:lnT>
+                    <a:lnB w="720">
+                      <a:solidFill>
+                        <a:srgbClr val="ffffff"/>
+                      </a:solidFill>
+                    </a:lnB>
+                    <a:solidFill>
+                      <a:srgbClr val="b3b3b3"/>
+                    </a:solidFill>
+                  </a:tcPr>
+                </a:tc>
+              </a:tr>
+              <a:tr h="719640">
+                <a:tc>
+                  <a:txBody>
+                    <a:bodyPr lIns="90000" rIns="90000" tIns="46800" bIns="46800"/>
+                    <a:p>
+                      <a:r>
+                        <a:rPr b="0" lang="en-US" sz="1800" spc="-1" strike="noStrike">
+                          <a:latin typeface="Arial"/>
+                        </a:rPr>
+                        <a:t>F-1 score</a:t>
+                      </a:r>
+                      <a:endParaRPr b="0" lang="en-US" sz="1800" spc="-1" strike="noStrike">
+                        <a:latin typeface="Arial"/>
+                      </a:endParaRPr>
+                    </a:p>
+                  </a:txBody>
+                  <a:tcPr marL="90000" marR="90000">
+                    <a:lnL w="720">
+                      <a:solidFill>
+                        <a:srgbClr val="ffffff"/>
+                      </a:solidFill>
+                    </a:lnL>
+                    <a:lnR w="720">
+                      <a:solidFill>
+                        <a:srgbClr val="ffffff"/>
+                      </a:solidFill>
+                    </a:lnR>
+                    <a:lnT w="720">
+                      <a:solidFill>
+                        <a:srgbClr val="ffffff"/>
+                      </a:solidFill>
+                    </a:lnT>
+                    <a:lnB w="720">
+                      <a:solidFill>
+                        <a:srgbClr val="ffffff"/>
+                      </a:solidFill>
+                    </a:lnB>
+                    <a:solidFill>
+                      <a:srgbClr val="cccccc"/>
+                    </a:solidFill>
+                  </a:tcPr>
+                </a:tc>
+                <a:tc>
+                  <a:txBody>
+                    <a:bodyPr lIns="90000" rIns="90000" tIns="46800" bIns="46800"/>
+                    <a:p>
+                      <a:r>
+                        <a:rPr b="0" lang="en-US" sz="1800" spc="-1" strike="noStrike">
+                          <a:latin typeface="Arial"/>
+                        </a:rPr>
+                        <a:t>0.696</a:t>
+                      </a:r>
+                      <a:endParaRPr b="0" lang="en-US" sz="1800" spc="-1" strike="noStrike">
+                        <a:latin typeface="Arial"/>
+                      </a:endParaRPr>
+                    </a:p>
+                  </a:txBody>
+                  <a:tcPr marL="90000" marR="90000">
+                    <a:lnL w="720">
+                      <a:solidFill>
+                        <a:srgbClr val="ffffff"/>
+                      </a:solidFill>
+                    </a:lnL>
+                    <a:lnR w="720">
+                      <a:solidFill>
+                        <a:srgbClr val="ffffff"/>
+                      </a:solidFill>
+                    </a:lnR>
+                    <a:lnT w="720">
+                      <a:solidFill>
+                        <a:srgbClr val="ffffff"/>
+                      </a:solidFill>
+                    </a:lnT>
+                    <a:lnB w="720">
+                      <a:solidFill>
+                        <a:srgbClr val="ffffff"/>
+                      </a:solidFill>
+                    </a:lnB>
+                    <a:solidFill>
+                      <a:srgbClr val="cccccc"/>
+                    </a:solidFill>
+                  </a:tcPr>
+                </a:tc>
+                <a:tc>
+                  <a:txBody>
+                    <a:bodyPr lIns="90000" rIns="90000" tIns="46800" bIns="46800"/>
+                    <a:p>
+                      <a:r>
+                        <a:rPr b="0" lang="en-US" sz="1800" spc="-1" strike="noStrike">
+                          <a:latin typeface="Arial"/>
+                        </a:rPr>
+                        <a:t>0.673</a:t>
+                      </a:r>
+                      <a:endParaRPr b="0" lang="en-US" sz="1800" spc="-1" strike="noStrike">
+                        <a:latin typeface="Arial"/>
+                      </a:endParaRPr>
+                    </a:p>
+                  </a:txBody>
+                  <a:tcPr marL="90000" marR="90000">
+                    <a:lnL w="720">
+                      <a:solidFill>
+                        <a:srgbClr val="ffffff"/>
+                      </a:solidFill>
+                    </a:lnL>
+                    <a:lnR w="720">
+                      <a:solidFill>
+                        <a:srgbClr val="ffffff"/>
+                      </a:solidFill>
+                    </a:lnR>
+                    <a:lnT w="720">
+                      <a:solidFill>
+                        <a:srgbClr val="ffffff"/>
+                      </a:solidFill>
+                    </a:lnT>
+                    <a:lnB w="720">
+                      <a:solidFill>
+                        <a:srgbClr val="ffffff"/>
+                      </a:solidFill>
+                    </a:lnB>
+                    <a:solidFill>
+                      <a:srgbClr val="cccccc"/>
+                    </a:solidFill>
+                  </a:tcPr>
+                </a:tc>
+                <a:tc>
+                  <a:txBody>
+                    <a:bodyPr lIns="90000" rIns="90000" tIns="46800" bIns="46800"/>
+                    <a:p>
+                      <a:r>
+                        <a:rPr b="0" lang="en-US" sz="1800" spc="-1" strike="noStrike">
+                          <a:latin typeface="Arial"/>
+                        </a:rPr>
+                        <a:t>0.609</a:t>
+                      </a:r>
+                      <a:endParaRPr b="0" lang="en-US" sz="1800" spc="-1" strike="noStrike">
+                        <a:latin typeface="Arial"/>
+                      </a:endParaRPr>
+                    </a:p>
+                  </a:txBody>
+                  <a:tcPr marL="90000" marR="90000">
+                    <a:lnL w="720">
+                      <a:solidFill>
+                        <a:srgbClr val="ffffff"/>
+                      </a:solidFill>
+                    </a:lnL>
+                    <a:lnR w="720">
+                      <a:solidFill>
+                        <a:srgbClr val="ffffff"/>
+                      </a:solidFill>
+                    </a:lnR>
+                    <a:lnT w="720">
+                      <a:solidFill>
+                        <a:srgbClr val="ffffff"/>
+                      </a:solidFill>
+                    </a:lnT>
+                    <a:lnB w="720">
+                      <a:solidFill>
+                        <a:srgbClr val="ffffff"/>
+                      </a:solidFill>
+                    </a:lnB>
+                    <a:solidFill>
+                      <a:srgbClr val="cccccc"/>
+                    </a:solidFill>
+                  </a:tcPr>
+                </a:tc>
+                <a:tc>
+                  <a:tcPr marL="90000" marR="90000">
+                    <a:lnL w="720">
+                      <a:solidFill>
+                        <a:srgbClr val="ffffff"/>
+                      </a:solidFill>
+                    </a:lnL>
+                    <a:lnR w="720">
+                      <a:solidFill>
+                        <a:srgbClr val="ffffff"/>
+                      </a:solidFill>
+                    </a:lnR>
+                    <a:lnT w="720">
+                      <a:solidFill>
+                        <a:srgbClr val="ffffff"/>
+                      </a:solidFill>
+                    </a:lnT>
+                    <a:lnB w="720">
+                      <a:solidFill>
+                        <a:srgbClr val="ffffff"/>
+                      </a:solidFill>
+                    </a:lnB>
+                    <a:solidFill>
+                      <a:srgbClr val="cccccc"/>
+                    </a:solidFill>
+                  </a:tcPr>
+                </a:tc>
+                <a:tc>
+                  <a:txBody>
+                    <a:bodyPr lIns="90000" rIns="90000" tIns="46800" bIns="46800"/>
+                    <a:p>
+                      <a:r>
+                        <a:rPr b="0" lang="en-US" sz="1800" spc="-1" strike="noStrike">
+                          <a:latin typeface="Arial"/>
+                        </a:rPr>
+                        <a:t>0.694</a:t>
+                      </a:r>
+                      <a:endParaRPr b="0" lang="en-US" sz="1800" spc="-1" strike="noStrike">
+                        <a:latin typeface="Arial"/>
+                      </a:endParaRPr>
+                    </a:p>
+                  </a:txBody>
+                  <a:tcPr marL="90000" marR="90000">
+                    <a:lnL w="720">
+                      <a:solidFill>
+                        <a:srgbClr val="ffffff"/>
+                      </a:solidFill>
+                    </a:lnL>
+                    <a:lnR w="720">
+                      <a:solidFill>
+                        <a:srgbClr val="ffffff"/>
+                      </a:solidFill>
+                    </a:lnR>
+                    <a:lnT w="720">
+                      <a:solidFill>
+                        <a:srgbClr val="ffffff"/>
+                      </a:solidFill>
+                    </a:lnT>
+                    <a:lnB w="720">
+                      <a:solidFill>
+                        <a:srgbClr val="ffffff"/>
+                      </a:solidFill>
+                    </a:lnB>
+                    <a:solidFill>
+                      <a:srgbClr val="cccccc"/>
+                    </a:solidFill>
+                  </a:tcPr>
+                </a:tc>
+              </a:tr>
+              <a:tr h="720360">
+                <a:tc>
+                  <a:txBody>
+                    <a:bodyPr lIns="90000" rIns="90000" tIns="46800" bIns="46800"/>
+                    <a:p>
+                      <a:r>
+                        <a:rPr b="0" lang="en-US" sz="1800" spc="-1" strike="noStrike">
+                          <a:latin typeface="Arial"/>
+                        </a:rPr>
+                        <a:t>Accuracy</a:t>
+                      </a:r>
+                      <a:endParaRPr b="0" lang="en-US" sz="1800" spc="-1" strike="noStrike">
+                        <a:latin typeface="Arial"/>
+                      </a:endParaRPr>
+                    </a:p>
+                  </a:txBody>
+                  <a:tcPr marL="90000" marR="90000">
+                    <a:lnL w="720">
+                      <a:solidFill>
+                        <a:srgbClr val="ffffff"/>
+                      </a:solidFill>
+                    </a:lnL>
+                    <a:lnR w="720">
+                      <a:solidFill>
+                        <a:srgbClr val="ffffff"/>
+                      </a:solidFill>
+                    </a:lnR>
+                    <a:lnT w="720">
+                      <a:solidFill>
+                        <a:srgbClr val="ffffff"/>
+                      </a:solidFill>
+                    </a:lnT>
+                    <a:lnB w="720">
+                      <a:solidFill>
+                        <a:srgbClr val="ffffff"/>
+                      </a:solidFill>
+                    </a:lnB>
+                    <a:solidFill>
+                      <a:srgbClr val="e6e6e6"/>
+                    </a:solidFill>
+                  </a:tcPr>
+                </a:tc>
+                <a:tc>
+                  <a:txBody>
+                    <a:bodyPr lIns="90000" rIns="90000" tIns="46800" bIns="46800"/>
+                    <a:p>
+                      <a:r>
+                        <a:rPr b="0" lang="en-US" sz="1800" spc="-1" strike="noStrike">
+                          <a:latin typeface="Arial"/>
+                        </a:rPr>
+                        <a:t>71.926%</a:t>
+                      </a:r>
+                      <a:endParaRPr b="0" lang="en-US" sz="1800" spc="-1" strike="noStrike">
+                        <a:latin typeface="Arial"/>
+                      </a:endParaRPr>
+                    </a:p>
+                  </a:txBody>
+                  <a:tcPr marL="90000" marR="90000">
+                    <a:lnL w="720">
+                      <a:solidFill>
+                        <a:srgbClr val="ffffff"/>
+                      </a:solidFill>
+                    </a:lnL>
+                    <a:lnR w="720">
+                      <a:solidFill>
+                        <a:srgbClr val="ffffff"/>
+                      </a:solidFill>
+                    </a:lnR>
+                    <a:lnT w="720">
+                      <a:solidFill>
+                        <a:srgbClr val="ffffff"/>
+                      </a:solidFill>
+                    </a:lnT>
+                    <a:lnB w="720">
+                      <a:solidFill>
+                        <a:srgbClr val="ffffff"/>
+                      </a:solidFill>
+                    </a:lnB>
+                    <a:solidFill>
+                      <a:srgbClr val="e6e6e6"/>
+                    </a:solidFill>
+                  </a:tcPr>
+                </a:tc>
+                <a:tc>
+                  <a:txBody>
+                    <a:bodyPr lIns="90000" rIns="90000" tIns="46800" bIns="46800"/>
+                    <a:p>
+                      <a:r>
+                        <a:rPr b="0" lang="en-US" sz="1800" spc="-1" strike="noStrike">
+                          <a:latin typeface="Arial"/>
+                        </a:rPr>
+                        <a:t>66.937%</a:t>
+                      </a:r>
+                      <a:endParaRPr b="0" lang="en-US" sz="1800" spc="-1" strike="noStrike">
+                        <a:latin typeface="Arial"/>
+                      </a:endParaRPr>
+                    </a:p>
+                  </a:txBody>
+                  <a:tcPr marL="90000" marR="90000">
+                    <a:lnL w="720">
+                      <a:solidFill>
+                        <a:srgbClr val="ffffff"/>
+                      </a:solidFill>
+                    </a:lnL>
+                    <a:lnR w="720">
+                      <a:solidFill>
+                        <a:srgbClr val="ffffff"/>
+                      </a:solidFill>
+                    </a:lnR>
+                    <a:lnT w="720">
+                      <a:solidFill>
+                        <a:srgbClr val="ffffff"/>
+                      </a:solidFill>
+                    </a:lnT>
+                    <a:lnB w="720">
+                      <a:solidFill>
+                        <a:srgbClr val="ffffff"/>
+                      </a:solidFill>
+                    </a:lnB>
+                    <a:solidFill>
+                      <a:srgbClr val="e6e6e6"/>
+                    </a:solidFill>
+                  </a:tcPr>
+                </a:tc>
+                <a:tc>
+                  <a:txBody>
+                    <a:bodyPr lIns="90000" rIns="90000" tIns="46800" bIns="46800"/>
+                    <a:p>
+                      <a:r>
+                        <a:rPr b="0" lang="en-US" sz="1800" spc="-1" strike="noStrike">
+                          <a:latin typeface="Arial"/>
+                        </a:rPr>
+                        <a:t>61.485%</a:t>
+                      </a:r>
+                      <a:endParaRPr b="0" lang="en-US" sz="1800" spc="-1" strike="noStrike">
+                        <a:latin typeface="Arial"/>
+                      </a:endParaRPr>
+                    </a:p>
+                  </a:txBody>
+                  <a:tcPr marL="90000" marR="90000">
+                    <a:lnL w="720">
+                      <a:solidFill>
+                        <a:srgbClr val="ffffff"/>
+                      </a:solidFill>
+                    </a:lnL>
+                    <a:lnR w="720">
+                      <a:solidFill>
+                        <a:srgbClr val="ffffff"/>
+                      </a:solidFill>
+                    </a:lnR>
+                    <a:lnT w="720">
+                      <a:solidFill>
+                        <a:srgbClr val="ffffff"/>
+                      </a:solidFill>
+                    </a:lnT>
+                    <a:lnB w="720">
+                      <a:solidFill>
+                        <a:srgbClr val="ffffff"/>
+                      </a:solidFill>
+                    </a:lnB>
+                    <a:solidFill>
+                      <a:srgbClr val="e6e6e6"/>
+                    </a:solidFill>
+                  </a:tcPr>
+                </a:tc>
+                <a:tc>
+                  <a:tcPr marL="90000" marR="90000">
+                    <a:lnL w="720">
+                      <a:solidFill>
+                        <a:srgbClr val="ffffff"/>
+                      </a:solidFill>
+                    </a:lnL>
+                    <a:lnR w="720">
+                      <a:solidFill>
+                        <a:srgbClr val="ffffff"/>
+                      </a:solidFill>
+                    </a:lnR>
+                    <a:lnT w="720">
+                      <a:solidFill>
+                        <a:srgbClr val="ffffff"/>
+                      </a:solidFill>
+                    </a:lnT>
+                    <a:lnB w="720">
+                      <a:solidFill>
+                        <a:srgbClr val="ffffff"/>
+                      </a:solidFill>
+                    </a:lnB>
+                    <a:solidFill>
+                      <a:srgbClr val="e6e6e6"/>
+                    </a:solidFill>
+                  </a:tcPr>
+                </a:tc>
+                <a:tc>
+                  <a:txBody>
+                    <a:bodyPr lIns="90000" rIns="90000" tIns="46800" bIns="46800"/>
+                    <a:p>
+                      <a:r>
+                        <a:rPr b="0" lang="en-US" sz="1800" spc="-1" strike="noStrike">
+                          <a:latin typeface="Arial"/>
+                        </a:rPr>
+                        <a:t>71.230%</a:t>
+                      </a:r>
+                      <a:endParaRPr b="0" lang="en-US" sz="1800" spc="-1" strike="noStrike">
+                        <a:latin typeface="Arial"/>
+                      </a:endParaRPr>
+                    </a:p>
+                  </a:txBody>
+                  <a:tcPr marL="90000" marR="90000">
+                    <a:lnL w="720">
+                      <a:solidFill>
+                        <a:srgbClr val="ffffff"/>
+                      </a:solidFill>
+                    </a:lnL>
+                    <a:lnR w="720">
+                      <a:solidFill>
+                        <a:srgbClr val="ffffff"/>
+                      </a:solidFill>
+                    </a:lnR>
+                    <a:lnT w="720">
+                      <a:solidFill>
+                        <a:srgbClr val="ffffff"/>
+                      </a:solidFill>
+                    </a:lnT>
+                    <a:lnB w="720">
+                      <a:solidFill>
+                        <a:srgbClr val="ffffff"/>
+                      </a:solidFill>
+                    </a:lnB>
+                    <a:solidFill>
+                      <a:srgbClr val="e6e6e6"/>
+                    </a:solidFill>
+                  </a:tcPr>
+                </a:tc>
+              </a:tr>
+            </a:tbl>
+          </a:graphicData>
+        </a:graphic>
+      </p:graphicFrame>
       <p:sp>
         <p:nvSpPr>
-          <p:cNvPr id="122" name="CustomShape 2"/>
-          <p:cNvSpPr/>
+          <p:cNvPr id="125" name="TextShape 4"/>
+          <p:cNvSpPr txBox="1"/>
           <p:nvPr/>
         </p:nvSpPr>
         <p:spPr>
           <a:xfrm>
-            <a:off x="504000" y="2273040"/>
-            <a:ext cx="9071280" cy="4384440"/>
+            <a:off x="2377440" y="2273040"/>
+            <a:ext cx="5760720" cy="602280"/>
           </a:xfrm>
           <a:prstGeom prst="rect">
             <a:avLst/>
@@ -4785,12 +7507,31 @@
             <a:noFill/>
           </a:ln>
         </p:spPr>
-        <p:style>
-          <a:lnRef idx="0"/>
-          <a:fillRef idx="0"/>
-          <a:effectRef idx="0"/>
-          <a:fontRef idx="minor"/>
-        </p:style>
+        <p:txBody>
+          <a:bodyPr lIns="90000" rIns="90000" tIns="45000" bIns="45000"/>
+          <a:p>
+            <a:r>
+              <a:rPr b="0" lang="en-US" sz="1800" spc="-1" strike="noStrike">
+                <a:latin typeface="Arial"/>
+              </a:rPr>
+              <a:t>Category Classification with Tf-idf Word Vectors</a:t>
+            </a:r>
+            <a:endParaRPr b="0" lang="en-US" sz="1800" spc="-1" strike="noStrike">
+              <a:latin typeface="Arial"/>
+            </a:endParaRPr>
+          </a:p>
+          <a:p>
+            <a:r>
+              <a:rPr b="0" lang="en-US" sz="1800" spc="-1" strike="noStrike">
+                <a:latin typeface="Arial"/>
+              </a:rPr>
+              <a:t>Subsampling 1.5:1</a:t>
+            </a:r>
+            <a:endParaRPr b="0" lang="en-US" sz="1800" spc="-1" strike="noStrike">
+              <a:latin typeface="Arial"/>
+            </a:endParaRPr>
+          </a:p>
+        </p:txBody>
       </p:sp>
     </p:spTree>
   </p:cSld>
@@ -4850,7 +7591,7 @@
         <p:spPr>
           <a:xfrm>
             <a:off x="504000" y="805320"/>
-            <a:ext cx="9071280" cy="1261800"/>
+            <a:ext cx="9070920" cy="1261440"/>
           </a:xfrm>
           <a:prstGeom prst="rect">
             <a:avLst/>
@@ -4880,6 +7621,7 @@
                   <a:srgbClr val="3399ff"/>
                 </a:solidFill>
                 <a:latin typeface="Source Sans Pro"/>
+                <a:ea typeface="DejaVu Sans"/>
               </a:rPr>
               <a:t>Dataset Summary</a:t>
             </a:r>
@@ -4898,7 +7640,7 @@
         <p:spPr>
           <a:xfrm>
             <a:off x="504000" y="2273040"/>
-            <a:ext cx="9071280" cy="4384440"/>
+            <a:ext cx="9070920" cy="4384080"/>
           </a:xfrm>
           <a:prstGeom prst="rect">
             <a:avLst/>
@@ -4917,7 +7659,7 @@
         <p:txBody>
           <a:bodyPr lIns="0" rIns="0" tIns="0" bIns="0"/>
           <a:p>
-            <a:pPr marL="432000" indent="-323640">
+            <a:pPr marL="432000" indent="-323280">
               <a:lnSpc>
                 <a:spcPct val="100000"/>
               </a:lnSpc>
@@ -4937,6 +7679,7 @@
                   <a:srgbClr val="000000"/>
                 </a:solidFill>
                 <a:latin typeface="Source Sans Pro"/>
+                <a:ea typeface="DejaVu Sans"/>
               </a:rPr>
               <a:t>1857 observations</a:t>
             </a:r>
@@ -4945,7 +7688,7 @@
             </a:endParaRPr>
           </a:p>
           <a:p>
-            <a:pPr marL="432000" indent="-323640">
+            <a:pPr marL="432000" indent="-323280">
               <a:lnSpc>
                 <a:spcPct val="100000"/>
               </a:lnSpc>
@@ -4965,6 +7708,7 @@
                   <a:srgbClr val="000000"/>
                 </a:solidFill>
                 <a:latin typeface="Source Sans Pro"/>
+                <a:ea typeface="DejaVu Sans"/>
               </a:rPr>
               <a:t>111 features</a:t>
             </a:r>
@@ -4973,7 +7717,7 @@
             </a:endParaRPr>
           </a:p>
           <a:p>
-            <a:pPr marL="432000" indent="-323640">
+            <a:pPr marL="432000" indent="-323280">
               <a:lnSpc>
                 <a:spcPct val="100000"/>
               </a:lnSpc>
@@ -4993,6 +7737,7 @@
                   <a:srgbClr val="000000"/>
                 </a:solidFill>
                 <a:latin typeface="Source Sans Pro"/>
+                <a:ea typeface="DejaVu Sans"/>
               </a:rPr>
               <a:t>27 / 111 had all NA</a:t>
             </a:r>
@@ -5001,7 +7746,7 @@
             </a:endParaRPr>
           </a:p>
           <a:p>
-            <a:pPr marL="432000" indent="-323640">
+            <a:pPr marL="432000" indent="-323280">
               <a:lnSpc>
                 <a:spcPct val="100000"/>
               </a:lnSpc>
@@ -5021,6 +7766,7 @@
                   <a:srgbClr val="000000"/>
                 </a:solidFill>
                 <a:latin typeface="Source Sans Pro"/>
+                <a:ea typeface="DejaVu Sans"/>
               </a:rPr>
               <a:t>40 / 111 were over 30% missing values</a:t>
             </a:r>
@@ -5029,7 +7775,7 @@
             </a:endParaRPr>
           </a:p>
           <a:p>
-            <a:pPr marL="432000" indent="-323640">
+            <a:pPr marL="432000" indent="-323280">
               <a:lnSpc>
                 <a:spcPct val="100000"/>
               </a:lnSpc>
@@ -5049,6 +7795,7 @@
                   <a:srgbClr val="000000"/>
                 </a:solidFill>
                 <a:latin typeface="Source Sans Pro"/>
+                <a:ea typeface="DejaVu Sans"/>
               </a:rPr>
               <a:t>11 / 111 had all the same value</a:t>
             </a:r>
@@ -5057,7 +7804,7 @@
             </a:endParaRPr>
           </a:p>
           <a:p>
-            <a:pPr marL="432000" indent="-323640">
+            <a:pPr marL="432000" indent="-323280">
               <a:lnSpc>
                 <a:spcPct val="100000"/>
               </a:lnSpc>
@@ -5077,9 +7824,58 @@
                   <a:srgbClr val="000000"/>
                 </a:solidFill>
                 <a:latin typeface="Source Sans Pro"/>
+                <a:ea typeface="DejaVu Sans"/>
               </a:rPr>
               <a:t>After eliminating features with mostly same value and lengthy text based features: 26 usable features</a:t>
             </a:r>
+            <a:endParaRPr b="0" lang="en-US" sz="2200" spc="-1" strike="noStrike">
+              <a:latin typeface="Arial"/>
+            </a:endParaRPr>
+          </a:p>
+          <a:p>
+            <a:pPr marL="432000" indent="-323280">
+              <a:lnSpc>
+                <a:spcPct val="100000"/>
+              </a:lnSpc>
+              <a:spcAft>
+                <a:spcPts val="1417"/>
+              </a:spcAft>
+              <a:buClr>
+                <a:srgbClr val="000000"/>
+              </a:buClr>
+              <a:buSzPct val="45000"/>
+              <a:buFont typeface="Wingdings" charset="2"/>
+              <a:buChar char=""/>
+            </a:pPr>
+            <a:r>
+              <a:rPr b="0" lang="en-US" sz="2200" spc="-1" strike="noStrike">
+                <a:solidFill>
+                  <a:srgbClr val="000000"/>
+                </a:solidFill>
+                <a:latin typeface="Source Sans Pro"/>
+                <a:ea typeface="DejaVu Sans"/>
+              </a:rPr>
+              <a:t>233 observations had no Category associated and so were removed for the purpose of analysis resulting in 1624 usable observations</a:t>
+            </a:r>
+            <a:endParaRPr b="0" lang="en-US" sz="2200" spc="-1" strike="noStrike">
+              <a:latin typeface="Arial"/>
+            </a:endParaRPr>
+          </a:p>
+          <a:p>
+            <a:pPr marL="432000" indent="-323280">
+              <a:lnSpc>
+                <a:spcPct val="100000"/>
+              </a:lnSpc>
+              <a:spcAft>
+                <a:spcPts val="1417"/>
+              </a:spcAft>
+              <a:buClr>
+                <a:srgbClr val="000000"/>
+              </a:buClr>
+              <a:buSzPct val="45000"/>
+              <a:buFont typeface="Wingdings" charset="2"/>
+              <a:buChar char=""/>
+            </a:pPr>
             <a:endParaRPr b="0" lang="en-US" sz="2200" spc="-1" strike="noStrike">
               <a:latin typeface="Arial"/>
             </a:endParaRPr>
@@ -5137,14 +7933,73 @@
       </p:grpSpPr>
       <p:sp>
         <p:nvSpPr>
-          <p:cNvPr id="123" name="CustomShape 1"/>
+          <p:cNvPr id="126" name="CustomShape 1"/>
           <p:cNvSpPr/>
           <p:nvPr/>
         </p:nvSpPr>
         <p:spPr>
           <a:xfrm>
             <a:off x="504000" y="805320"/>
-            <a:ext cx="9071280" cy="1261800"/>
+            <a:ext cx="9070920" cy="1261440"/>
+          </a:xfrm>
+          <a:prstGeom prst="rect">
+            <a:avLst/>
+          </a:prstGeom>
+          <a:noFill/>
+          <a:ln>
+            <a:noFill/>
+          </a:ln>
+        </p:spPr>
+        <p:style>
+          <a:lnRef idx="0"/>
+          <a:fillRef idx="0"/>
+          <a:effectRef idx="0"/>
+          <a:fontRef idx="minor"/>
+        </p:style>
+        <p:txBody>
+          <a:bodyPr lIns="0" rIns="0" tIns="0" bIns="0" anchor="ctr"/>
+          <a:p>
+            <a:pPr>
+              <a:lnSpc>
+                <a:spcPct val="100000"/>
+              </a:lnSpc>
+            </a:pPr>
+            <a:r>
+              <a:rPr b="0" lang="en-US" sz="3200" spc="-1" strike="noStrike">
+                <a:solidFill>
+                  <a:srgbClr val="3399ff"/>
+                </a:solidFill>
+                <a:latin typeface="Source Sans Pro"/>
+                <a:ea typeface="DejaVu Sans"/>
+              </a:rPr>
+              <a:t>Model</a:t>
+            </a:r>
+            <a:r>
+              <a:rPr b="0" lang="en-US" sz="3200" spc="-1" strike="noStrike">
+                <a:solidFill>
+                  <a:srgbClr val="3399ff"/>
+                </a:solidFill>
+                <a:latin typeface="Source Sans Pro"/>
+                <a:ea typeface="DejaVu Sans"/>
+              </a:rPr>
+              <a:t>s</a:t>
+            </a:r>
+            <a:endParaRPr b="0" lang="en-US" sz="3200" spc="-1" strike="noStrike">
+              <a:latin typeface="Arial"/>
+            </a:endParaRPr>
+          </a:p>
+        </p:txBody>
+      </p:sp>
+      <p:sp>
+        <p:nvSpPr>
+          <p:cNvPr id="127" name="CustomShape 2"/>
+          <p:cNvSpPr/>
+          <p:nvPr/>
+        </p:nvSpPr>
+        <p:spPr>
+          <a:xfrm>
+            <a:off x="504000" y="2273040"/>
+            <a:ext cx="9070920" cy="4384080"/>
           </a:xfrm>
           <a:prstGeom prst="rect">
             <a:avLst/>
@@ -5161,16 +8016,779 @@
           <a:fontRef idx="minor"/>
         </p:style>
       </p:sp>
+      <p:graphicFrame>
+        <p:nvGraphicFramePr>
+          <p:cNvPr id="128" name="Table 3"/>
+          <p:cNvGraphicFramePr/>
+          <p:nvPr/>
+        </p:nvGraphicFramePr>
+        <p:xfrm>
+          <a:off x="742320" y="3021480"/>
+          <a:ext cx="8401320" cy="2159280"/>
+        </p:xfrm>
+        <a:graphic>
+          <a:graphicData uri="http://schemas.openxmlformats.org/drawingml/2006/table">
+            <a:tbl>
+              <a:tblPr/>
+              <a:tblGrid>
+                <a:gridCol w="1410120"/>
+                <a:gridCol w="1410120"/>
+                <a:gridCol w="1410120"/>
+                <a:gridCol w="1410120"/>
+                <a:gridCol w="1410120"/>
+                <a:gridCol w="1351080"/>
+              </a:tblGrid>
+              <a:tr h="719640">
+                <a:tc>
+                  <a:tcPr marL="90000" marR="90000">
+                    <a:lnL w="720">
+                      <a:solidFill>
+                        <a:srgbClr val="ffffff"/>
+                      </a:solidFill>
+                    </a:lnL>
+                    <a:lnR w="720">
+                      <a:solidFill>
+                        <a:srgbClr val="ffffff"/>
+                      </a:solidFill>
+                    </a:lnR>
+                    <a:lnT w="720">
+                      <a:solidFill>
+                        <a:srgbClr val="ffffff"/>
+                      </a:solidFill>
+                    </a:lnT>
+                    <a:lnB w="720">
+                      <a:solidFill>
+                        <a:srgbClr val="ffffff"/>
+                      </a:solidFill>
+                    </a:lnB>
+                    <a:solidFill>
+                      <a:srgbClr val="b3b3b3"/>
+                    </a:solidFill>
+                  </a:tcPr>
+                </a:tc>
+                <a:tc>
+                  <a:txBody>
+                    <a:bodyPr lIns="90000" rIns="90000" tIns="46800" bIns="46800"/>
+                    <a:p>
+                      <a:r>
+                        <a:rPr b="0" lang="en-US" sz="1800" spc="-1" strike="noStrike">
+                          <a:latin typeface="Arial"/>
+                        </a:rPr>
+                        <a:t>Random </a:t>
+                      </a:r>
+                      <a:r>
+                        <a:rPr b="0" lang="en-US" sz="1800" spc="-1" strike="noStrike">
+                          <a:latin typeface="Arial"/>
+                        </a:rPr>
+                        <a:t>Forest</a:t>
+                      </a:r>
+                      <a:endParaRPr b="0" lang="en-US" sz="1800" spc="-1" strike="noStrike">
+                        <a:latin typeface="Arial"/>
+                      </a:endParaRPr>
+                    </a:p>
+                  </a:txBody>
+                  <a:tcPr marL="90000" marR="90000">
+                    <a:lnL w="720">
+                      <a:solidFill>
+                        <a:srgbClr val="ffffff"/>
+                      </a:solidFill>
+                    </a:lnL>
+                    <a:lnR w="720">
+                      <a:solidFill>
+                        <a:srgbClr val="ffffff"/>
+                      </a:solidFill>
+                    </a:lnR>
+                    <a:lnT w="720">
+                      <a:solidFill>
+                        <a:srgbClr val="ffffff"/>
+                      </a:solidFill>
+                    </a:lnT>
+                    <a:lnB w="720">
+                      <a:solidFill>
+                        <a:srgbClr val="ffffff"/>
+                      </a:solidFill>
+                    </a:lnB>
+                    <a:solidFill>
+                      <a:srgbClr val="b3b3b3"/>
+                    </a:solidFill>
+                  </a:tcPr>
+                </a:tc>
+                <a:tc>
+                  <a:txBody>
+                    <a:bodyPr lIns="90000" rIns="90000" tIns="46800" bIns="46800"/>
+                    <a:p>
+                      <a:r>
+                        <a:rPr b="0" lang="en-US" sz="1800" spc="-1" strike="noStrike">
+                          <a:latin typeface="Arial"/>
+                        </a:rPr>
+                        <a:t>Naive </a:t>
+                      </a:r>
+                      <a:r>
+                        <a:rPr b="0" lang="en-US" sz="1800" spc="-1" strike="noStrike">
+                          <a:latin typeface="Arial"/>
+                        </a:rPr>
+                        <a:t>Bayes</a:t>
+                      </a:r>
+                      <a:endParaRPr b="0" lang="en-US" sz="1800" spc="-1" strike="noStrike">
+                        <a:latin typeface="Arial"/>
+                      </a:endParaRPr>
+                    </a:p>
+                  </a:txBody>
+                  <a:tcPr marL="90000" marR="90000">
+                    <a:lnL w="720">
+                      <a:solidFill>
+                        <a:srgbClr val="ffffff"/>
+                      </a:solidFill>
+                    </a:lnL>
+                    <a:lnR w="720">
+                      <a:solidFill>
+                        <a:srgbClr val="ffffff"/>
+                      </a:solidFill>
+                    </a:lnR>
+                    <a:lnT w="720">
+                      <a:solidFill>
+                        <a:srgbClr val="ffffff"/>
+                      </a:solidFill>
+                    </a:lnT>
+                    <a:lnB w="720">
+                      <a:solidFill>
+                        <a:srgbClr val="ffffff"/>
+                      </a:solidFill>
+                    </a:lnB>
+                    <a:solidFill>
+                      <a:srgbClr val="b3b3b3"/>
+                    </a:solidFill>
+                  </a:tcPr>
+                </a:tc>
+                <a:tc>
+                  <a:txBody>
+                    <a:bodyPr lIns="90000" rIns="90000" tIns="46800" bIns="46800"/>
+                    <a:p>
+                      <a:r>
+                        <a:rPr b="0" lang="en-US" sz="1800" spc="-1" strike="noStrike">
+                          <a:latin typeface="Arial"/>
+                        </a:rPr>
+                        <a:t>Logistic </a:t>
+                      </a:r>
+                      <a:r>
+                        <a:rPr b="0" lang="en-US" sz="1800" spc="-1" strike="noStrike">
+                          <a:latin typeface="Arial"/>
+                        </a:rPr>
+                        <a:t>Regression</a:t>
+                      </a:r>
+                      <a:endParaRPr b="0" lang="en-US" sz="1800" spc="-1" strike="noStrike">
+                        <a:latin typeface="Arial"/>
+                      </a:endParaRPr>
+                    </a:p>
+                  </a:txBody>
+                  <a:tcPr marL="90000" marR="90000">
+                    <a:lnL w="720">
+                      <a:solidFill>
+                        <a:srgbClr val="ffffff"/>
+                      </a:solidFill>
+                    </a:lnL>
+                    <a:lnR w="720">
+                      <a:solidFill>
+                        <a:srgbClr val="ffffff"/>
+                      </a:solidFill>
+                    </a:lnR>
+                    <a:lnT w="720">
+                      <a:solidFill>
+                        <a:srgbClr val="ffffff"/>
+                      </a:solidFill>
+                    </a:lnT>
+                    <a:lnB w="720">
+                      <a:solidFill>
+                        <a:srgbClr val="ffffff"/>
+                      </a:solidFill>
+                    </a:lnB>
+                    <a:solidFill>
+                      <a:srgbClr val="b3b3b3"/>
+                    </a:solidFill>
+                  </a:tcPr>
+                </a:tc>
+                <a:tc>
+                  <a:txBody>
+                    <a:bodyPr lIns="90000" rIns="90000" tIns="46800" bIns="46800"/>
+                    <a:p>
+                      <a:r>
+                        <a:rPr b="0" lang="en-US" sz="1800" spc="-1" strike="noStrike">
+                          <a:latin typeface="Arial"/>
+                        </a:rPr>
+                        <a:t>Neural </a:t>
+                      </a:r>
+                      <a:r>
+                        <a:rPr b="0" lang="en-US" sz="1800" spc="-1" strike="noStrike">
+                          <a:latin typeface="Arial"/>
+                        </a:rPr>
+                        <a:t>Network</a:t>
+                      </a:r>
+                      <a:endParaRPr b="0" lang="en-US" sz="1800" spc="-1" strike="noStrike">
+                        <a:latin typeface="Arial"/>
+                      </a:endParaRPr>
+                    </a:p>
+                  </a:txBody>
+                  <a:tcPr marL="90000" marR="90000">
+                    <a:lnL w="720">
+                      <a:solidFill>
+                        <a:srgbClr val="ffffff"/>
+                      </a:solidFill>
+                    </a:lnL>
+                    <a:lnR w="720">
+                      <a:solidFill>
+                        <a:srgbClr val="ffffff"/>
+                      </a:solidFill>
+                    </a:lnR>
+                    <a:lnT w="720">
+                      <a:solidFill>
+                        <a:srgbClr val="ffffff"/>
+                      </a:solidFill>
+                    </a:lnT>
+                    <a:lnB w="720">
+                      <a:solidFill>
+                        <a:srgbClr val="ffffff"/>
+                      </a:solidFill>
+                    </a:lnB>
+                    <a:solidFill>
+                      <a:srgbClr val="b3b3b3"/>
+                    </a:solidFill>
+                  </a:tcPr>
+                </a:tc>
+                <a:tc>
+                  <a:txBody>
+                    <a:bodyPr lIns="90000" rIns="90000" tIns="46800" bIns="46800"/>
+                    <a:p>
+                      <a:r>
+                        <a:rPr b="0" lang="en-US" sz="1800" spc="-1" strike="noStrike">
+                          <a:latin typeface="Arial"/>
+                        </a:rPr>
+                        <a:t>SVM</a:t>
+                      </a:r>
+                      <a:endParaRPr b="0" lang="en-US" sz="1800" spc="-1" strike="noStrike">
+                        <a:latin typeface="Arial"/>
+                      </a:endParaRPr>
+                    </a:p>
+                    <a:p>
+                      <a:r>
+                        <a:rPr b="0" lang="en-US" sz="1800" spc="-1" strike="noStrike">
+                          <a:latin typeface="Arial"/>
+                        </a:rPr>
+                        <a:t>(Poly-2)</a:t>
+                      </a:r>
+                      <a:endParaRPr b="0" lang="en-US" sz="1800" spc="-1" strike="noStrike">
+                        <a:latin typeface="Arial"/>
+                      </a:endParaRPr>
+                    </a:p>
+                  </a:txBody>
+                  <a:tcPr marL="90000" marR="90000">
+                    <a:lnL w="720">
+                      <a:solidFill>
+                        <a:srgbClr val="ffffff"/>
+                      </a:solidFill>
+                    </a:lnL>
+                    <a:lnR w="720">
+                      <a:solidFill>
+                        <a:srgbClr val="ffffff"/>
+                      </a:solidFill>
+                    </a:lnR>
+                    <a:lnT w="720">
+                      <a:solidFill>
+                        <a:srgbClr val="ffffff"/>
+                      </a:solidFill>
+                    </a:lnT>
+                    <a:lnB w="720">
+                      <a:solidFill>
+                        <a:srgbClr val="ffffff"/>
+                      </a:solidFill>
+                    </a:lnB>
+                    <a:solidFill>
+                      <a:srgbClr val="b3b3b3"/>
+                    </a:solidFill>
+                  </a:tcPr>
+                </a:tc>
+              </a:tr>
+              <a:tr h="719640">
+                <a:tc>
+                  <a:txBody>
+                    <a:bodyPr lIns="90000" rIns="90000" tIns="46800" bIns="46800"/>
+                    <a:p>
+                      <a:r>
+                        <a:rPr b="0" lang="en-US" sz="1800" spc="-1" strike="noStrike">
+                          <a:latin typeface="Arial"/>
+                        </a:rPr>
+                        <a:t>F-1 score</a:t>
+                      </a:r>
+                      <a:endParaRPr b="0" lang="en-US" sz="1800" spc="-1" strike="noStrike">
+                        <a:latin typeface="Arial"/>
+                      </a:endParaRPr>
+                    </a:p>
+                  </a:txBody>
+                  <a:tcPr marL="90000" marR="90000">
+                    <a:lnL w="720">
+                      <a:solidFill>
+                        <a:srgbClr val="ffffff"/>
+                      </a:solidFill>
+                    </a:lnL>
+                    <a:lnR w="720">
+                      <a:solidFill>
+                        <a:srgbClr val="ffffff"/>
+                      </a:solidFill>
+                    </a:lnR>
+                    <a:lnT w="720">
+                      <a:solidFill>
+                        <a:srgbClr val="ffffff"/>
+                      </a:solidFill>
+                    </a:lnT>
+                    <a:lnB w="720">
+                      <a:solidFill>
+                        <a:srgbClr val="ffffff"/>
+                      </a:solidFill>
+                    </a:lnB>
+                    <a:solidFill>
+                      <a:srgbClr val="cccccc"/>
+                    </a:solidFill>
+                  </a:tcPr>
+                </a:tc>
+                <a:tc>
+                  <a:txBody>
+                    <a:bodyPr lIns="90000" rIns="90000" tIns="46800" bIns="46800"/>
+                    <a:p>
+                      <a:r>
+                        <a:rPr b="0" lang="en-US" sz="1800" spc="-1" strike="noStrike">
+                          <a:latin typeface="Arial"/>
+                        </a:rPr>
+                        <a:t>0.889</a:t>
+                      </a:r>
+                      <a:endParaRPr b="0" lang="en-US" sz="1800" spc="-1" strike="noStrike">
+                        <a:latin typeface="Arial"/>
+                      </a:endParaRPr>
+                    </a:p>
+                  </a:txBody>
+                  <a:tcPr marL="90000" marR="90000">
+                    <a:lnL w="720">
+                      <a:solidFill>
+                        <a:srgbClr val="ffffff"/>
+                      </a:solidFill>
+                    </a:lnL>
+                    <a:lnR w="720">
+                      <a:solidFill>
+                        <a:srgbClr val="ffffff"/>
+                      </a:solidFill>
+                    </a:lnR>
+                    <a:lnT w="720">
+                      <a:solidFill>
+                        <a:srgbClr val="ffffff"/>
+                      </a:solidFill>
+                    </a:lnT>
+                    <a:lnB w="720">
+                      <a:solidFill>
+                        <a:srgbClr val="ffffff"/>
+                      </a:solidFill>
+                    </a:lnB>
+                    <a:solidFill>
+                      <a:srgbClr val="cccccc"/>
+                    </a:solidFill>
+                  </a:tcPr>
+                </a:tc>
+                <a:tc>
+                  <a:txBody>
+                    <a:bodyPr lIns="90000" rIns="90000" tIns="46800" bIns="46800"/>
+                    <a:p>
+                      <a:r>
+                        <a:rPr b="0" lang="en-US" sz="1800" spc="-1" strike="noStrike">
+                          <a:latin typeface="Arial"/>
+                        </a:rPr>
+                        <a:t>0.723</a:t>
+                      </a:r>
+                      <a:endParaRPr b="0" lang="en-US" sz="1800" spc="-1" strike="noStrike">
+                        <a:latin typeface="Arial"/>
+                      </a:endParaRPr>
+                    </a:p>
+                  </a:txBody>
+                  <a:tcPr marL="90000" marR="90000">
+                    <a:lnL w="720">
+                      <a:solidFill>
+                        <a:srgbClr val="ffffff"/>
+                      </a:solidFill>
+                    </a:lnL>
+                    <a:lnR w="720">
+                      <a:solidFill>
+                        <a:srgbClr val="ffffff"/>
+                      </a:solidFill>
+                    </a:lnR>
+                    <a:lnT w="720">
+                      <a:solidFill>
+                        <a:srgbClr val="ffffff"/>
+                      </a:solidFill>
+                    </a:lnT>
+                    <a:lnB w="720">
+                      <a:solidFill>
+                        <a:srgbClr val="ffffff"/>
+                      </a:solidFill>
+                    </a:lnB>
+                    <a:solidFill>
+                      <a:srgbClr val="cccccc"/>
+                    </a:solidFill>
+                  </a:tcPr>
+                </a:tc>
+                <a:tc>
+                  <a:txBody>
+                    <a:bodyPr lIns="90000" rIns="90000" tIns="46800" bIns="46800"/>
+                    <a:p>
+                      <a:r>
+                        <a:rPr b="0" lang="en-US" sz="1800" spc="-1" strike="noStrike">
+                          <a:latin typeface="Arial"/>
+                        </a:rPr>
+                        <a:t>0.842</a:t>
+                      </a:r>
+                      <a:endParaRPr b="0" lang="en-US" sz="1800" spc="-1" strike="noStrike">
+                        <a:latin typeface="Arial"/>
+                      </a:endParaRPr>
+                    </a:p>
+                  </a:txBody>
+                  <a:tcPr marL="90000" marR="90000">
+                    <a:lnL w="720">
+                      <a:solidFill>
+                        <a:srgbClr val="ffffff"/>
+                      </a:solidFill>
+                    </a:lnL>
+                    <a:lnR w="720">
+                      <a:solidFill>
+                        <a:srgbClr val="ffffff"/>
+                      </a:solidFill>
+                    </a:lnR>
+                    <a:lnT w="720">
+                      <a:solidFill>
+                        <a:srgbClr val="ffffff"/>
+                      </a:solidFill>
+                    </a:lnT>
+                    <a:lnB w="720">
+                      <a:solidFill>
+                        <a:srgbClr val="ffffff"/>
+                      </a:solidFill>
+                    </a:lnB>
+                    <a:solidFill>
+                      <a:srgbClr val="cccccc"/>
+                    </a:solidFill>
+                  </a:tcPr>
+                </a:tc>
+                <a:tc>
+                  <a:tcPr marL="90000" marR="90000">
+                    <a:lnL w="720">
+                      <a:solidFill>
+                        <a:srgbClr val="ffffff"/>
+                      </a:solidFill>
+                    </a:lnL>
+                    <a:lnR w="720">
+                      <a:solidFill>
+                        <a:srgbClr val="ffffff"/>
+                      </a:solidFill>
+                    </a:lnR>
+                    <a:lnT w="720">
+                      <a:solidFill>
+                        <a:srgbClr val="ffffff"/>
+                      </a:solidFill>
+                    </a:lnT>
+                    <a:lnB w="720">
+                      <a:solidFill>
+                        <a:srgbClr val="ffffff"/>
+                      </a:solidFill>
+                    </a:lnB>
+                    <a:solidFill>
+                      <a:srgbClr val="cccccc"/>
+                    </a:solidFill>
+                  </a:tcPr>
+                </a:tc>
+                <a:tc>
+                  <a:txBody>
+                    <a:bodyPr lIns="90000" rIns="90000" tIns="46800" bIns="46800"/>
+                    <a:p>
+                      <a:r>
+                        <a:rPr b="0" lang="en-US" sz="1800" spc="-1" strike="noStrike">
+                          <a:latin typeface="Arial"/>
+                        </a:rPr>
+                        <a:t>0.886</a:t>
+                      </a:r>
+                      <a:endParaRPr b="0" lang="en-US" sz="1800" spc="-1" strike="noStrike">
+                        <a:latin typeface="Arial"/>
+                      </a:endParaRPr>
+                    </a:p>
+                  </a:txBody>
+                  <a:tcPr marL="90000" marR="90000">
+                    <a:lnL w="720">
+                      <a:solidFill>
+                        <a:srgbClr val="ffffff"/>
+                      </a:solidFill>
+                    </a:lnL>
+                    <a:lnR w="720">
+                      <a:solidFill>
+                        <a:srgbClr val="ffffff"/>
+                      </a:solidFill>
+                    </a:lnR>
+                    <a:lnT w="720">
+                      <a:solidFill>
+                        <a:srgbClr val="ffffff"/>
+                      </a:solidFill>
+                    </a:lnT>
+                    <a:lnB w="720">
+                      <a:solidFill>
+                        <a:srgbClr val="ffffff"/>
+                      </a:solidFill>
+                    </a:lnB>
+                    <a:solidFill>
+                      <a:srgbClr val="cccccc"/>
+                    </a:solidFill>
+                  </a:tcPr>
+                </a:tc>
+              </a:tr>
+              <a:tr h="720360">
+                <a:tc>
+                  <a:txBody>
+                    <a:bodyPr lIns="90000" rIns="90000" tIns="46800" bIns="46800"/>
+                    <a:p>
+                      <a:r>
+                        <a:rPr b="0" lang="en-US" sz="1800" spc="-1" strike="noStrike">
+                          <a:latin typeface="Arial"/>
+                        </a:rPr>
+                        <a:t>Accuracy</a:t>
+                      </a:r>
+                      <a:endParaRPr b="0" lang="en-US" sz="1800" spc="-1" strike="noStrike">
+                        <a:latin typeface="Arial"/>
+                      </a:endParaRPr>
+                    </a:p>
+                  </a:txBody>
+                  <a:tcPr marL="90000" marR="90000">
+                    <a:lnL w="720">
+                      <a:solidFill>
+                        <a:srgbClr val="ffffff"/>
+                      </a:solidFill>
+                    </a:lnL>
+                    <a:lnR w="720">
+                      <a:solidFill>
+                        <a:srgbClr val="ffffff"/>
+                      </a:solidFill>
+                    </a:lnR>
+                    <a:lnT w="720">
+                      <a:solidFill>
+                        <a:srgbClr val="ffffff"/>
+                      </a:solidFill>
+                    </a:lnT>
+                    <a:lnB w="720">
+                      <a:solidFill>
+                        <a:srgbClr val="ffffff"/>
+                      </a:solidFill>
+                    </a:lnB>
+                    <a:solidFill>
+                      <a:srgbClr val="e6e6e6"/>
+                    </a:solidFill>
+                  </a:tcPr>
+                </a:tc>
+                <a:tc>
+                  <a:txBody>
+                    <a:bodyPr lIns="90000" rIns="90000" tIns="46800" bIns="46800"/>
+                    <a:p>
+                      <a:r>
+                        <a:rPr b="0" lang="en-US" sz="1800" spc="-1" strike="noStrike">
+                          <a:latin typeface="Arial"/>
+                        </a:rPr>
+                        <a:t>89.072%</a:t>
+                      </a:r>
+                      <a:endParaRPr b="0" lang="en-US" sz="1800" spc="-1" strike="noStrike">
+                        <a:latin typeface="Arial"/>
+                      </a:endParaRPr>
+                    </a:p>
+                  </a:txBody>
+                  <a:tcPr marL="90000" marR="90000">
+                    <a:lnL w="720">
+                      <a:solidFill>
+                        <a:srgbClr val="ffffff"/>
+                      </a:solidFill>
+                    </a:lnL>
+                    <a:lnR w="720">
+                      <a:solidFill>
+                        <a:srgbClr val="ffffff"/>
+                      </a:solidFill>
+                    </a:lnR>
+                    <a:lnT w="720">
+                      <a:solidFill>
+                        <a:srgbClr val="ffffff"/>
+                      </a:solidFill>
+                    </a:lnT>
+                    <a:lnB w="720">
+                      <a:solidFill>
+                        <a:srgbClr val="ffffff"/>
+                      </a:solidFill>
+                    </a:lnB>
+                    <a:solidFill>
+                      <a:srgbClr val="e6e6e6"/>
+                    </a:solidFill>
+                  </a:tcPr>
+                </a:tc>
+                <a:tc>
+                  <a:txBody>
+                    <a:bodyPr lIns="90000" rIns="90000" tIns="46800" bIns="46800"/>
+                    <a:p>
+                      <a:r>
+                        <a:rPr b="0" lang="en-US" sz="1800" spc="-1" strike="noStrike">
+                          <a:latin typeface="Arial"/>
+                        </a:rPr>
+                        <a:t>72.147%</a:t>
+                      </a:r>
+                      <a:endParaRPr b="0" lang="en-US" sz="1800" spc="-1" strike="noStrike">
+                        <a:latin typeface="Arial"/>
+                      </a:endParaRPr>
+                    </a:p>
+                  </a:txBody>
+                  <a:tcPr marL="90000" marR="90000">
+                    <a:lnL w="720">
+                      <a:solidFill>
+                        <a:srgbClr val="ffffff"/>
+                      </a:solidFill>
+                    </a:lnL>
+                    <a:lnR w="720">
+                      <a:solidFill>
+                        <a:srgbClr val="ffffff"/>
+                      </a:solidFill>
+                    </a:lnR>
+                    <a:lnT w="720">
+                      <a:solidFill>
+                        <a:srgbClr val="ffffff"/>
+                      </a:solidFill>
+                    </a:lnT>
+                    <a:lnB w="720">
+                      <a:solidFill>
+                        <a:srgbClr val="ffffff"/>
+                      </a:solidFill>
+                    </a:lnB>
+                    <a:solidFill>
+                      <a:srgbClr val="e6e6e6"/>
+                    </a:solidFill>
+                  </a:tcPr>
+                </a:tc>
+                <a:tc>
+                  <a:txBody>
+                    <a:bodyPr lIns="90000" rIns="90000" tIns="46800" bIns="46800"/>
+                    <a:p>
+                      <a:r>
+                        <a:rPr b="0" lang="en-US" sz="1800" spc="-1" strike="noStrike">
+                          <a:latin typeface="Arial"/>
+                        </a:rPr>
+                        <a:t>84.236%</a:t>
+                      </a:r>
+                      <a:endParaRPr b="0" lang="en-US" sz="1800" spc="-1" strike="noStrike">
+                        <a:latin typeface="Arial"/>
+                      </a:endParaRPr>
+                    </a:p>
+                  </a:txBody>
+                  <a:tcPr marL="90000" marR="90000">
+                    <a:lnL w="720">
+                      <a:solidFill>
+                        <a:srgbClr val="ffffff"/>
+                      </a:solidFill>
+                    </a:lnL>
+                    <a:lnR w="720">
+                      <a:solidFill>
+                        <a:srgbClr val="ffffff"/>
+                      </a:solidFill>
+                    </a:lnR>
+                    <a:lnT w="720">
+                      <a:solidFill>
+                        <a:srgbClr val="ffffff"/>
+                      </a:solidFill>
+                    </a:lnT>
+                    <a:lnB w="720">
+                      <a:solidFill>
+                        <a:srgbClr val="ffffff"/>
+                      </a:solidFill>
+                    </a:lnB>
+                    <a:solidFill>
+                      <a:srgbClr val="e6e6e6"/>
+                    </a:solidFill>
+                  </a:tcPr>
+                </a:tc>
+                <a:tc>
+                  <a:tcPr marL="90000" marR="90000">
+                    <a:lnL w="720">
+                      <a:solidFill>
+                        <a:srgbClr val="ffffff"/>
+                      </a:solidFill>
+                    </a:lnL>
+                    <a:lnR w="720">
+                      <a:solidFill>
+                        <a:srgbClr val="ffffff"/>
+                      </a:solidFill>
+                    </a:lnR>
+                    <a:lnT w="720">
+                      <a:solidFill>
+                        <a:srgbClr val="ffffff"/>
+                      </a:solidFill>
+                    </a:lnT>
+                    <a:lnB w="720">
+                      <a:solidFill>
+                        <a:srgbClr val="ffffff"/>
+                      </a:solidFill>
+                    </a:lnB>
+                    <a:solidFill>
+                      <a:srgbClr val="e6e6e6"/>
+                    </a:solidFill>
+                  </a:tcPr>
+                </a:tc>
+                <a:tc>
+                  <a:txBody>
+                    <a:bodyPr lIns="90000" rIns="90000" tIns="46800" bIns="46800"/>
+                    <a:p>
+                      <a:r>
+                        <a:rPr b="0" lang="en-US" sz="1800" spc="-1" strike="noStrike">
+                          <a:latin typeface="Arial"/>
+                        </a:rPr>
+                        <a:t>88.781%</a:t>
+                      </a:r>
+                      <a:endParaRPr b="0" lang="en-US" sz="1800" spc="-1" strike="noStrike">
+                        <a:latin typeface="Arial"/>
+                      </a:endParaRPr>
+                    </a:p>
+                  </a:txBody>
+                  <a:tcPr marL="90000" marR="90000">
+                    <a:lnL w="720">
+                      <a:solidFill>
+                        <a:srgbClr val="ffffff"/>
+                      </a:solidFill>
+                    </a:lnL>
+                    <a:lnR w="720">
+                      <a:solidFill>
+                        <a:srgbClr val="ffffff"/>
+                      </a:solidFill>
+                    </a:lnR>
+                    <a:lnT w="720">
+                      <a:solidFill>
+                        <a:srgbClr val="ffffff"/>
+                      </a:solidFill>
+                    </a:lnT>
+                    <a:lnB w="720">
+                      <a:solidFill>
+                        <a:srgbClr val="ffffff"/>
+                      </a:solidFill>
+                    </a:lnB>
+                    <a:solidFill>
+                      <a:srgbClr val="e6e6e6"/>
+                    </a:solidFill>
+                  </a:tcPr>
+                </a:tc>
+              </a:tr>
+            </a:tbl>
+          </a:graphicData>
+        </a:graphic>
+      </p:graphicFrame>
       <p:sp>
         <p:nvSpPr>
-          <p:cNvPr id="124" name="CustomShape 2"/>
-          <p:cNvSpPr/>
+          <p:cNvPr id="129" name="TextShape 4"/>
+          <p:cNvSpPr txBox="1"/>
           <p:nvPr/>
         </p:nvSpPr>
         <p:spPr>
           <a:xfrm>
-            <a:off x="504000" y="2273040"/>
-            <a:ext cx="9071280" cy="4384440"/>
+            <a:off x="2377440" y="2066760"/>
+            <a:ext cx="5760720" cy="858240"/>
           </a:xfrm>
           <a:prstGeom prst="rect">
             <a:avLst/>
@@ -5180,12 +8798,42 @@
             <a:noFill/>
           </a:ln>
         </p:spPr>
-        <p:style>
-          <a:lnRef idx="0"/>
-          <a:fillRef idx="0"/>
-          <a:effectRef idx="0"/>
-          <a:fontRef idx="minor"/>
-        </p:style>
+        <p:txBody>
+          <a:bodyPr lIns="90000" rIns="90000" tIns="45000" bIns="45000"/>
+          <a:p>
+            <a:r>
+              <a:rPr b="0" lang="en-US" sz="1800" spc="-1" strike="noStrike">
+                <a:latin typeface="Arial"/>
+              </a:rPr>
+              <a:t>Category Classification with Tf-idf Word Vectors</a:t>
+            </a:r>
+            <a:endParaRPr b="0" lang="en-US" sz="1800" spc="-1" strike="noStrike">
+              <a:latin typeface="Arial"/>
+            </a:endParaRPr>
+          </a:p>
+          <a:p>
+            <a:r>
+              <a:rPr b="0" lang="en-US" sz="1800" spc="-1" strike="noStrike">
+                <a:latin typeface="Arial"/>
+              </a:rPr>
+              <a:t>Subsampling 2:1</a:t>
+            </a:r>
+            <a:endParaRPr b="0" lang="en-US" sz="1800" spc="-1" strike="noStrike">
+              <a:latin typeface="Arial"/>
+            </a:endParaRPr>
+          </a:p>
+          <a:p>
+            <a:r>
+              <a:rPr b="0" lang="en-US" sz="1800" spc="-1" strike="noStrike">
+                <a:latin typeface="Arial"/>
+              </a:rPr>
+              <a:t>Resampling 0.5 bias to uniform</a:t>
+            </a:r>
+            <a:endParaRPr b="0" lang="en-US" sz="1800" spc="-1" strike="noStrike">
+              <a:latin typeface="Arial"/>
+            </a:endParaRPr>
+          </a:p>
+        </p:txBody>
       </p:sp>
     </p:spTree>
   </p:cSld>
@@ -5238,14 +8886,14 @@
       </p:grpSpPr>
       <p:sp>
         <p:nvSpPr>
-          <p:cNvPr id="125" name="CustomShape 1"/>
+          <p:cNvPr id="130" name="CustomShape 1"/>
           <p:cNvSpPr/>
           <p:nvPr/>
         </p:nvSpPr>
         <p:spPr>
           <a:xfrm>
             <a:off x="504000" y="805320"/>
-            <a:ext cx="9071280" cy="1261800"/>
+            <a:ext cx="9070920" cy="1261440"/>
           </a:xfrm>
           <a:prstGeom prst="rect">
             <a:avLst/>
@@ -5261,17 +8909,40 @@
           <a:effectRef idx="0"/>
           <a:fontRef idx="minor"/>
         </p:style>
+        <p:txBody>
+          <a:bodyPr lIns="0" rIns="0" tIns="0" bIns="0" anchor="ctr"/>
+          <a:p>
+            <a:pPr>
+              <a:lnSpc>
+                <a:spcPct val="100000"/>
+              </a:lnSpc>
+            </a:pPr>
+            <a:r>
+              <a:rPr b="0" lang="en-US" sz="3200" spc="-1" strike="noStrike">
+                <a:solidFill>
+                  <a:srgbClr val="3399ff"/>
+                </a:solidFill>
+                <a:latin typeface="Source Sans Pro"/>
+                <a:ea typeface="DejaVu Sans"/>
+              </a:rPr>
+              <a:t>Predicting Category at Problem Creation</a:t>
+            </a:r>
+            <a:endParaRPr b="0" lang="en-US" sz="3200" spc="-1" strike="noStrike">
+              <a:latin typeface="Arial"/>
+            </a:endParaRPr>
+          </a:p>
+        </p:txBody>
       </p:sp>
       <p:sp>
         <p:nvSpPr>
-          <p:cNvPr id="126" name="CustomShape 2"/>
+          <p:cNvPr id="131" name="CustomShape 2"/>
           <p:cNvSpPr/>
           <p:nvPr/>
         </p:nvSpPr>
         <p:spPr>
           <a:xfrm>
             <a:off x="504000" y="2273040"/>
-            <a:ext cx="9071280" cy="4384440"/>
+            <a:ext cx="9070920" cy="4384080"/>
           </a:xfrm>
           <a:prstGeom prst="rect">
             <a:avLst/>
@@ -5287,6 +8958,270 @@
           <a:effectRef idx="0"/>
           <a:fontRef idx="minor"/>
         </p:style>
+        <p:txBody>
+          <a:bodyPr lIns="0" rIns="0" tIns="0" bIns="0"/>
+          <a:p>
+            <a:pPr marL="432000" indent="-323280">
+              <a:lnSpc>
+                <a:spcPct val="100000"/>
+              </a:lnSpc>
+              <a:spcAft>
+                <a:spcPts val="1417"/>
+              </a:spcAft>
+              <a:buClr>
+                <a:srgbClr val="000000"/>
+              </a:buClr>
+              <a:buSzPct val="45000"/>
+              <a:buFont typeface="Wingdings" charset="2"/>
+              <a:buChar char=""/>
+            </a:pPr>
+            <a:r>
+              <a:rPr b="0" lang="en-US" sz="2200" spc="-1" strike="noStrike">
+                <a:solidFill>
+                  <a:srgbClr val="000000"/>
+                </a:solidFill>
+                <a:latin typeface="Source Sans Pro"/>
+                <a:ea typeface="DejaVu Sans"/>
+              </a:rPr>
+              <a:t>Important features (in order of importance):</a:t>
+            </a:r>
+            <a:endParaRPr b="0" lang="en-US" sz="2200" spc="-1" strike="noStrike">
+              <a:latin typeface="Arial"/>
+            </a:endParaRPr>
+          </a:p>
+          <a:p>
+            <a:pPr lvl="1" marL="864000" indent="-323280">
+              <a:lnSpc>
+                <a:spcPct val="100000"/>
+              </a:lnSpc>
+              <a:spcAft>
+                <a:spcPts val="1134"/>
+              </a:spcAft>
+              <a:buClr>
+                <a:srgbClr val="000000"/>
+              </a:buClr>
+              <a:buSzPct val="75000"/>
+              <a:buFont typeface="Symbol"/>
+              <a:buChar char=""/>
+            </a:pPr>
+            <a:r>
+              <a:rPr b="0" lang="en-US" sz="1800" spc="-1" strike="noStrike">
+                <a:solidFill>
+                  <a:srgbClr val="111111"/>
+                </a:solidFill>
+                <a:latin typeface="Corbel"/>
+                <a:ea typeface="DejaVu Sans"/>
+              </a:rPr>
+              <a:t>Business service</a:t>
+            </a:r>
+            <a:endParaRPr b="0" lang="en-US" sz="1800" spc="-1" strike="noStrike">
+              <a:latin typeface="Arial"/>
+            </a:endParaRPr>
+          </a:p>
+          <a:p>
+            <a:pPr lvl="1" marL="864000" indent="-323280">
+              <a:lnSpc>
+                <a:spcPct val="100000"/>
+              </a:lnSpc>
+              <a:spcAft>
+                <a:spcPts val="1134"/>
+              </a:spcAft>
+              <a:buClr>
+                <a:srgbClr val="000000"/>
+              </a:buClr>
+              <a:buSzPct val="75000"/>
+              <a:buFont typeface="Symbol"/>
+              <a:buChar char=""/>
+            </a:pPr>
+            <a:r>
+              <a:rPr b="0" lang="en-US" sz="1800" spc="-1" strike="noStrike">
+                <a:solidFill>
+                  <a:srgbClr val="111111"/>
+                </a:solidFill>
+                <a:latin typeface="Corbel"/>
+                <a:ea typeface="DejaVu Sans"/>
+              </a:rPr>
+              <a:t>Opened by</a:t>
+            </a:r>
+            <a:endParaRPr b="0" lang="en-US" sz="1800" spc="-1" strike="noStrike">
+              <a:latin typeface="Arial"/>
+            </a:endParaRPr>
+          </a:p>
+          <a:p>
+            <a:pPr lvl="1" marL="864000" indent="-323280">
+              <a:lnSpc>
+                <a:spcPct val="100000"/>
+              </a:lnSpc>
+              <a:spcAft>
+                <a:spcPts val="1134"/>
+              </a:spcAft>
+              <a:buClr>
+                <a:srgbClr val="000000"/>
+              </a:buClr>
+              <a:buSzPct val="75000"/>
+              <a:buFont typeface="Symbol"/>
+              <a:buChar char=""/>
+            </a:pPr>
+            <a:r>
+              <a:rPr b="0" lang="en-US" sz="1800" spc="-1" strike="noStrike">
+                <a:solidFill>
+                  <a:srgbClr val="111111"/>
+                </a:solidFill>
+                <a:latin typeface="Corbel"/>
+                <a:ea typeface="DejaVu Sans"/>
+              </a:rPr>
+              <a:t>Company</a:t>
+            </a:r>
+            <a:endParaRPr b="0" lang="en-US" sz="1800" spc="-1" strike="noStrike">
+              <a:latin typeface="Arial"/>
+            </a:endParaRPr>
+          </a:p>
+          <a:p>
+            <a:pPr lvl="1" marL="864000" indent="-323280">
+              <a:lnSpc>
+                <a:spcPct val="100000"/>
+              </a:lnSpc>
+              <a:spcAft>
+                <a:spcPts val="1134"/>
+              </a:spcAft>
+              <a:buClr>
+                <a:srgbClr val="000000"/>
+              </a:buClr>
+              <a:buSzPct val="75000"/>
+              <a:buFont typeface="Symbol"/>
+              <a:buChar char=""/>
+            </a:pPr>
+            <a:r>
+              <a:rPr b="0" lang="en-US" sz="1800" spc="-1" strike="noStrike">
+                <a:solidFill>
+                  <a:srgbClr val="111111"/>
+                </a:solidFill>
+                <a:latin typeface="Corbel"/>
+                <a:ea typeface="DejaVu Sans"/>
+              </a:rPr>
+              <a:t>Created Time</a:t>
+            </a:r>
+            <a:endParaRPr b="0" lang="en-US" sz="1800" spc="-1" strike="noStrike">
+              <a:latin typeface="Arial"/>
+            </a:endParaRPr>
+          </a:p>
+          <a:p>
+            <a:pPr lvl="1" marL="864000" indent="-323280">
+              <a:lnSpc>
+                <a:spcPct val="100000"/>
+              </a:lnSpc>
+              <a:spcAft>
+                <a:spcPts val="1134"/>
+              </a:spcAft>
+              <a:buClr>
+                <a:srgbClr val="000000"/>
+              </a:buClr>
+              <a:buSzPct val="75000"/>
+              <a:buFont typeface="Symbol"/>
+              <a:buChar char=""/>
+            </a:pPr>
+            <a:r>
+              <a:rPr b="0" lang="en-US" sz="1800" spc="-1" strike="noStrike">
+                <a:solidFill>
+                  <a:srgbClr val="111111"/>
+                </a:solidFill>
+                <a:latin typeface="Corbel"/>
+                <a:ea typeface="DejaVu Sans"/>
+              </a:rPr>
+              <a:t>Created by</a:t>
+            </a:r>
+            <a:endParaRPr b="0" lang="en-US" sz="1800" spc="-1" strike="noStrike">
+              <a:latin typeface="Arial"/>
+            </a:endParaRPr>
+          </a:p>
+          <a:p>
+            <a:pPr lvl="1" marL="864000" indent="-323280">
+              <a:lnSpc>
+                <a:spcPct val="100000"/>
+              </a:lnSpc>
+              <a:spcAft>
+                <a:spcPts val="1134"/>
+              </a:spcAft>
+              <a:buClr>
+                <a:srgbClr val="000000"/>
+              </a:buClr>
+              <a:buSzPct val="75000"/>
+              <a:buFont typeface="Symbol"/>
+              <a:buChar char=""/>
+            </a:pPr>
+            <a:r>
+              <a:rPr b="0" lang="en-US" sz="1800" spc="-1" strike="noStrike">
+                <a:solidFill>
+                  <a:srgbClr val="111111"/>
+                </a:solidFill>
+                <a:latin typeface="Corbel"/>
+                <a:ea typeface="DejaVu Sans"/>
+              </a:rPr>
+              <a:t>Assignment group</a:t>
+            </a:r>
+            <a:endParaRPr b="0" lang="en-US" sz="1800" spc="-1" strike="noStrike">
+              <a:latin typeface="Arial"/>
+            </a:endParaRPr>
+          </a:p>
+          <a:p>
+            <a:pPr lvl="1" marL="864000" indent="-323280">
+              <a:lnSpc>
+                <a:spcPct val="100000"/>
+              </a:lnSpc>
+              <a:spcAft>
+                <a:spcPts val="1134"/>
+              </a:spcAft>
+              <a:buClr>
+                <a:srgbClr val="000000"/>
+              </a:buClr>
+              <a:buSzPct val="75000"/>
+              <a:buFont typeface="Symbol"/>
+              <a:buChar char=""/>
+            </a:pPr>
+            <a:r>
+              <a:rPr b="0" lang="en-US" sz="1800" spc="-1" strike="noStrike">
+                <a:solidFill>
+                  <a:srgbClr val="111111"/>
+                </a:solidFill>
+                <a:latin typeface="Corbel"/>
+                <a:ea typeface="DejaVu Sans"/>
+              </a:rPr>
+              <a:t>Type</a:t>
+            </a:r>
+            <a:endParaRPr b="0" lang="en-US" sz="1800" spc="-1" strike="noStrike">
+              <a:latin typeface="Arial"/>
+            </a:endParaRPr>
+          </a:p>
+          <a:p>
+            <a:pPr lvl="1" marL="864000" indent="-323280">
+              <a:lnSpc>
+                <a:spcPct val="100000"/>
+              </a:lnSpc>
+              <a:spcAft>
+                <a:spcPts val="1134"/>
+              </a:spcAft>
+              <a:buClr>
+                <a:srgbClr val="000000"/>
+              </a:buClr>
+              <a:buSzPct val="75000"/>
+              <a:buFont typeface="Symbol"/>
+              <a:buChar char=""/>
+            </a:pPr>
+            <a:r>
+              <a:rPr b="0" lang="en-US" sz="1800" spc="-1" strike="noStrike">
+                <a:solidFill>
+                  <a:srgbClr val="111111"/>
+                </a:solidFill>
+                <a:latin typeface="Corbel"/>
+                <a:ea typeface="DejaVu Sans"/>
+              </a:rPr>
+              <a:t>Priority</a:t>
+            </a:r>
+            <a:endParaRPr b="0" lang="en-US" sz="1800" spc="-1" strike="noStrike">
+              <a:latin typeface="Arial"/>
+            </a:endParaRPr>
+          </a:p>
+        </p:txBody>
       </p:sp>
     </p:spTree>
   </p:cSld>
@@ -5339,14 +9274,14 @@
       </p:grpSpPr>
       <p:sp>
         <p:nvSpPr>
-          <p:cNvPr id="127" name="CustomShape 1"/>
+          <p:cNvPr id="132" name="CustomShape 1"/>
           <p:cNvSpPr/>
           <p:nvPr/>
         </p:nvSpPr>
         <p:spPr>
           <a:xfrm>
             <a:off x="504000" y="805320"/>
-            <a:ext cx="9071280" cy="1261800"/>
+            <a:ext cx="9070920" cy="1261440"/>
           </a:xfrm>
           <a:prstGeom prst="rect">
             <a:avLst/>
@@ -5362,17 +9297,40 @@
           <a:effectRef idx="0"/>
           <a:fontRef idx="minor"/>
         </p:style>
+        <p:txBody>
+          <a:bodyPr lIns="0" rIns="0" tIns="0" bIns="0" anchor="ctr"/>
+          <a:p>
+            <a:pPr>
+              <a:lnSpc>
+                <a:spcPct val="100000"/>
+              </a:lnSpc>
+            </a:pPr>
+            <a:r>
+              <a:rPr b="0" lang="en-US" sz="3200" spc="-1" strike="noStrike">
+                <a:solidFill>
+                  <a:srgbClr val="3399ff"/>
+                </a:solidFill>
+                <a:latin typeface="Source Sans Pro"/>
+                <a:ea typeface="DejaVu Sans"/>
+              </a:rPr>
+              <a:t>Predicting Category at Problem Creation</a:t>
+            </a:r>
+            <a:endParaRPr b="0" lang="en-US" sz="3200" spc="-1" strike="noStrike">
+              <a:latin typeface="Arial"/>
+            </a:endParaRPr>
+          </a:p>
+        </p:txBody>
       </p:sp>
       <p:sp>
         <p:nvSpPr>
-          <p:cNvPr id="128" name="CustomShape 2"/>
+          <p:cNvPr id="133" name="CustomShape 2"/>
           <p:cNvSpPr/>
           <p:nvPr/>
         </p:nvSpPr>
         <p:spPr>
           <a:xfrm>
             <a:off x="504000" y="2273040"/>
-            <a:ext cx="9071280" cy="4384440"/>
+            <a:ext cx="9070920" cy="4384080"/>
           </a:xfrm>
           <a:prstGeom prst="rect">
             <a:avLst/>
@@ -5388,6 +9346,183 @@
           <a:effectRef idx="0"/>
           <a:fontRef idx="minor"/>
         </p:style>
+        <p:txBody>
+          <a:bodyPr lIns="0" rIns="0" tIns="0" bIns="0"/>
+          <a:p>
+            <a:pPr marL="432000" indent="-323280">
+              <a:lnSpc>
+                <a:spcPct val="100000"/>
+              </a:lnSpc>
+              <a:spcAft>
+                <a:spcPts val="1417"/>
+              </a:spcAft>
+              <a:buClr>
+                <a:srgbClr val="000000"/>
+              </a:buClr>
+              <a:buSzPct val="45000"/>
+              <a:buFont typeface="Wingdings" charset="2"/>
+              <a:buChar char=""/>
+            </a:pPr>
+            <a:r>
+              <a:rPr b="0" lang="en-US" sz="2200" spc="-1" strike="noStrike">
+                <a:solidFill>
+                  <a:srgbClr val="000000"/>
+                </a:solidFill>
+                <a:latin typeface="Source Sans Pro"/>
+                <a:ea typeface="DejaVu Sans"/>
+              </a:rPr>
+              <a:t>Features dropped:</a:t>
+            </a:r>
+            <a:endParaRPr b="0" lang="en-US" sz="2200" spc="-1" strike="noStrike">
+              <a:latin typeface="Arial"/>
+            </a:endParaRPr>
+          </a:p>
+          <a:p>
+            <a:pPr lvl="1" marL="864000" indent="-323280">
+              <a:lnSpc>
+                <a:spcPct val="100000"/>
+              </a:lnSpc>
+              <a:spcAft>
+                <a:spcPts val="1134"/>
+              </a:spcAft>
+              <a:buClr>
+                <a:srgbClr val="000000"/>
+              </a:buClr>
+              <a:buSzPct val="75000"/>
+              <a:buFont typeface="Symbol"/>
+              <a:buChar char=""/>
+            </a:pPr>
+            <a:r>
+              <a:rPr b="0" lang="en-US" sz="1800" spc="-1" strike="noStrike">
+                <a:solidFill>
+                  <a:srgbClr val="111111"/>
+                </a:solidFill>
+                <a:latin typeface="Corbel"/>
+                <a:ea typeface="DejaVu Sans"/>
+              </a:rPr>
+              <a:t>Problem Manager</a:t>
+            </a:r>
+            <a:endParaRPr b="0" lang="en-US" sz="1800" spc="-1" strike="noStrike">
+              <a:latin typeface="Arial"/>
+            </a:endParaRPr>
+          </a:p>
+          <a:p>
+            <a:pPr lvl="1" marL="864000" indent="-323280">
+              <a:lnSpc>
+                <a:spcPct val="100000"/>
+              </a:lnSpc>
+              <a:spcAft>
+                <a:spcPts val="1134"/>
+              </a:spcAft>
+              <a:buClr>
+                <a:srgbClr val="000000"/>
+              </a:buClr>
+              <a:buSzPct val="75000"/>
+              <a:buFont typeface="Symbol"/>
+              <a:buChar char=""/>
+            </a:pPr>
+            <a:r>
+              <a:rPr b="0" lang="en-US" sz="1800" spc="-1" strike="noStrike">
+                <a:solidFill>
+                  <a:srgbClr val="111111"/>
+                </a:solidFill>
+                <a:latin typeface="Corbel"/>
+                <a:ea typeface="DejaVu Sans"/>
+              </a:rPr>
+              <a:t>Reassignment count</a:t>
+            </a:r>
+            <a:endParaRPr b="0" lang="en-US" sz="1800" spc="-1" strike="noStrike">
+              <a:latin typeface="Arial"/>
+            </a:endParaRPr>
+          </a:p>
+          <a:p>
+            <a:pPr lvl="1" marL="864000" indent="-323280">
+              <a:lnSpc>
+                <a:spcPct val="100000"/>
+              </a:lnSpc>
+              <a:spcAft>
+                <a:spcPts val="1134"/>
+              </a:spcAft>
+              <a:buClr>
+                <a:srgbClr val="000000"/>
+              </a:buClr>
+              <a:buSzPct val="75000"/>
+              <a:buFont typeface="Symbol"/>
+              <a:buChar char=""/>
+            </a:pPr>
+            <a:r>
+              <a:rPr b="0" lang="en-US" sz="1800" spc="-1" strike="noStrike">
+                <a:solidFill>
+                  <a:srgbClr val="111111"/>
+                </a:solidFill>
+                <a:latin typeface="Corbel"/>
+                <a:ea typeface="DejaVu Sans"/>
+              </a:rPr>
+              <a:t>Related Incidents</a:t>
+            </a:r>
+            <a:endParaRPr b="0" lang="en-US" sz="1800" spc="-1" strike="noStrike">
+              <a:latin typeface="Arial"/>
+            </a:endParaRPr>
+          </a:p>
+          <a:p>
+            <a:pPr lvl="1" marL="864000" indent="-323280">
+              <a:lnSpc>
+                <a:spcPct val="100000"/>
+              </a:lnSpc>
+              <a:spcAft>
+                <a:spcPts val="1134"/>
+              </a:spcAft>
+              <a:buClr>
+                <a:srgbClr val="000000"/>
+              </a:buClr>
+              <a:buSzPct val="75000"/>
+              <a:buFont typeface="Symbol"/>
+              <a:buChar char=""/>
+            </a:pPr>
+            <a:r>
+              <a:rPr b="0" lang="en-US" sz="1800" spc="-1" strike="noStrike">
+                <a:solidFill>
+                  <a:srgbClr val="111111"/>
+                </a:solidFill>
+                <a:latin typeface="Corbel"/>
+                <a:ea typeface="DejaVu Sans"/>
+              </a:rPr>
+              <a:t>Updates</a:t>
+            </a:r>
+            <a:endParaRPr b="0" lang="en-US" sz="1800" spc="-1" strike="noStrike">
+              <a:latin typeface="Arial"/>
+            </a:endParaRPr>
+          </a:p>
+          <a:p>
+            <a:pPr lvl="1" marL="864000" indent="-323280">
+              <a:lnSpc>
+                <a:spcPct val="100000"/>
+              </a:lnSpc>
+              <a:spcAft>
+                <a:spcPts val="1134"/>
+              </a:spcAft>
+              <a:buClr>
+                <a:srgbClr val="000000"/>
+              </a:buClr>
+              <a:buSzPct val="75000"/>
+              <a:buFont typeface="Symbol"/>
+              <a:buChar char=""/>
+            </a:pPr>
+            <a:r>
+              <a:rPr b="0" lang="en-US" sz="1800" spc="-1" strike="noStrike">
+                <a:solidFill>
+                  <a:srgbClr val="111111"/>
+                </a:solidFill>
+                <a:latin typeface="Corbel"/>
+                <a:ea typeface="DejaVu Sans"/>
+              </a:rPr>
+              <a:t>Duration Mean</a:t>
+            </a:r>
+            <a:endParaRPr b="0" lang="en-US" sz="1800" spc="-1" strike="noStrike">
+              <a:latin typeface="Arial"/>
+            </a:endParaRPr>
+          </a:p>
+        </p:txBody>
       </p:sp>
     </p:spTree>
   </p:cSld>
@@ -5440,14 +9575,63 @@
       </p:grpSpPr>
       <p:sp>
         <p:nvSpPr>
-          <p:cNvPr id="129" name="CustomShape 1"/>
+          <p:cNvPr id="134" name="CustomShape 1"/>
           <p:cNvSpPr/>
           <p:nvPr/>
         </p:nvSpPr>
         <p:spPr>
           <a:xfrm>
             <a:off x="504000" y="805320"/>
-            <a:ext cx="9071280" cy="1261800"/>
+            <a:ext cx="9070920" cy="1261440"/>
+          </a:xfrm>
+          <a:prstGeom prst="rect">
+            <a:avLst/>
+          </a:prstGeom>
+          <a:noFill/>
+          <a:ln>
+            <a:noFill/>
+          </a:ln>
+        </p:spPr>
+        <p:style>
+          <a:lnRef idx="0"/>
+          <a:fillRef idx="0"/>
+          <a:effectRef idx="0"/>
+          <a:fontRef idx="minor"/>
+        </p:style>
+        <p:txBody>
+          <a:bodyPr lIns="0" rIns="0" tIns="0" bIns="0" anchor="ctr"/>
+          <a:p>
+            <a:pPr>
+              <a:lnSpc>
+                <a:spcPct val="100000"/>
+              </a:lnSpc>
+            </a:pPr>
+            <a:r>
+              <a:rPr b="0" lang="en-US" sz="3200" spc="-1" strike="noStrike">
+                <a:solidFill>
+                  <a:srgbClr val="3399ff"/>
+                </a:solidFill>
+                <a:latin typeface="Source Sans Pro"/>
+                <a:ea typeface="DejaVu Sans"/>
+              </a:rPr>
+              <a:t>Predicting Category at Problem Creation</a:t>
+            </a:r>
+            <a:endParaRPr b="0" lang="en-US" sz="3200" spc="-1" strike="noStrike">
+              <a:latin typeface="Arial"/>
+            </a:endParaRPr>
+          </a:p>
+        </p:txBody>
+      </p:sp>
+      <p:sp>
+        <p:nvSpPr>
+          <p:cNvPr id="135" name="CustomShape 2"/>
+          <p:cNvSpPr/>
+          <p:nvPr/>
+        </p:nvSpPr>
+        <p:spPr>
+          <a:xfrm>
+            <a:off x="504000" y="2273040"/>
+            <a:ext cx="9070920" cy="4384080"/>
           </a:xfrm>
           <a:prstGeom prst="rect">
             <a:avLst/>
@@ -5464,16 +9648,783 @@
           <a:fontRef idx="minor"/>
         </p:style>
       </p:sp>
+      <p:graphicFrame>
+        <p:nvGraphicFramePr>
+          <p:cNvPr id="136" name="Table 3"/>
+          <p:cNvGraphicFramePr/>
+          <p:nvPr/>
+        </p:nvGraphicFramePr>
+        <p:xfrm>
+          <a:off x="742320" y="3021480"/>
+          <a:ext cx="8401320" cy="2159280"/>
+        </p:xfrm>
+        <a:graphic>
+          <a:graphicData uri="http://schemas.openxmlformats.org/drawingml/2006/table">
+            <a:tbl>
+              <a:tblPr/>
+              <a:tblGrid>
+                <a:gridCol w="1410120"/>
+                <a:gridCol w="1410120"/>
+                <a:gridCol w="1410120"/>
+                <a:gridCol w="1410120"/>
+                <a:gridCol w="1410120"/>
+                <a:gridCol w="1351080"/>
+              </a:tblGrid>
+              <a:tr h="719640">
+                <a:tc>
+                  <a:tcPr marL="90000" marR="90000">
+                    <a:lnL w="720">
+                      <a:solidFill>
+                        <a:srgbClr val="ffffff"/>
+                      </a:solidFill>
+                    </a:lnL>
+                    <a:lnR w="720">
+                      <a:solidFill>
+                        <a:srgbClr val="ffffff"/>
+                      </a:solidFill>
+                    </a:lnR>
+                    <a:lnT w="720">
+                      <a:solidFill>
+                        <a:srgbClr val="ffffff"/>
+                      </a:solidFill>
+                    </a:lnT>
+                    <a:lnB w="720">
+                      <a:solidFill>
+                        <a:srgbClr val="ffffff"/>
+                      </a:solidFill>
+                    </a:lnB>
+                    <a:solidFill>
+                      <a:srgbClr val="b3b3b3"/>
+                    </a:solidFill>
+                  </a:tcPr>
+                </a:tc>
+                <a:tc>
+                  <a:txBody>
+                    <a:bodyPr lIns="90000" rIns="90000" tIns="46800" bIns="46800"/>
+                    <a:p>
+                      <a:r>
+                        <a:rPr b="0" lang="en-US" sz="1800" spc="-1" strike="noStrike">
+                          <a:latin typeface="Arial"/>
+                        </a:rPr>
+                        <a:t>Random Forest</a:t>
+                      </a:r>
+                      <a:endParaRPr b="0" lang="en-US" sz="1800" spc="-1" strike="noStrike">
+                        <a:latin typeface="Arial"/>
+                      </a:endParaRPr>
+                    </a:p>
+                  </a:txBody>
+                  <a:tcPr marL="90000" marR="90000">
+                    <a:lnL w="720">
+                      <a:solidFill>
+                        <a:srgbClr val="ffffff"/>
+                      </a:solidFill>
+                    </a:lnL>
+                    <a:lnR w="720">
+                      <a:solidFill>
+                        <a:srgbClr val="ffffff"/>
+                      </a:solidFill>
+                    </a:lnR>
+                    <a:lnT w="720">
+                      <a:solidFill>
+                        <a:srgbClr val="ffffff"/>
+                      </a:solidFill>
+                    </a:lnT>
+                    <a:lnB w="720">
+                      <a:solidFill>
+                        <a:srgbClr val="ffffff"/>
+                      </a:solidFill>
+                    </a:lnB>
+                    <a:solidFill>
+                      <a:srgbClr val="b3b3b3"/>
+                    </a:solidFill>
+                  </a:tcPr>
+                </a:tc>
+                <a:tc>
+                  <a:txBody>
+                    <a:bodyPr lIns="90000" rIns="90000" tIns="46800" bIns="46800"/>
+                    <a:p>
+                      <a:r>
+                        <a:rPr b="0" lang="en-US" sz="1800" spc="-1" strike="noStrike">
+                          <a:latin typeface="Arial"/>
+                        </a:rPr>
+                        <a:t>Naive Bayes</a:t>
+                      </a:r>
+                      <a:endParaRPr b="0" lang="en-US" sz="1800" spc="-1" strike="noStrike">
+                        <a:latin typeface="Arial"/>
+                      </a:endParaRPr>
+                    </a:p>
+                  </a:txBody>
+                  <a:tcPr marL="90000" marR="90000">
+                    <a:lnL w="720">
+                      <a:solidFill>
+                        <a:srgbClr val="ffffff"/>
+                      </a:solidFill>
+                    </a:lnL>
+                    <a:lnR w="720">
+                      <a:solidFill>
+                        <a:srgbClr val="ffffff"/>
+                      </a:solidFill>
+                    </a:lnR>
+                    <a:lnT w="720">
+                      <a:solidFill>
+                        <a:srgbClr val="ffffff"/>
+                      </a:solidFill>
+                    </a:lnT>
+                    <a:lnB w="720">
+                      <a:solidFill>
+                        <a:srgbClr val="ffffff"/>
+                      </a:solidFill>
+                    </a:lnB>
+                    <a:solidFill>
+                      <a:srgbClr val="b3b3b3"/>
+                    </a:solidFill>
+                  </a:tcPr>
+                </a:tc>
+                <a:tc>
+                  <a:txBody>
+                    <a:bodyPr lIns="90000" rIns="90000" tIns="46800" bIns="46800"/>
+                    <a:p>
+                      <a:r>
+                        <a:rPr b="0" lang="en-US" sz="1800" spc="-1" strike="noStrike">
+                          <a:latin typeface="Arial"/>
+                        </a:rPr>
+                        <a:t>Logistic Regression</a:t>
+                      </a:r>
+                      <a:endParaRPr b="0" lang="en-US" sz="1800" spc="-1" strike="noStrike">
+                        <a:latin typeface="Arial"/>
+                      </a:endParaRPr>
+                    </a:p>
+                  </a:txBody>
+                  <a:tcPr marL="90000" marR="90000">
+                    <a:lnL w="720">
+                      <a:solidFill>
+                        <a:srgbClr val="ffffff"/>
+                      </a:solidFill>
+                    </a:lnL>
+                    <a:lnR w="720">
+                      <a:solidFill>
+                        <a:srgbClr val="ffffff"/>
+                      </a:solidFill>
+                    </a:lnR>
+                    <a:lnT w="720">
+                      <a:solidFill>
+                        <a:srgbClr val="ffffff"/>
+                      </a:solidFill>
+                    </a:lnT>
+                    <a:lnB w="720">
+                      <a:solidFill>
+                        <a:srgbClr val="ffffff"/>
+                      </a:solidFill>
+                    </a:lnB>
+                    <a:solidFill>
+                      <a:srgbClr val="b3b3b3"/>
+                    </a:solidFill>
+                  </a:tcPr>
+                </a:tc>
+                <a:tc>
+                  <a:txBody>
+                    <a:bodyPr lIns="90000" rIns="90000" tIns="46800" bIns="46800"/>
+                    <a:p>
+                      <a:r>
+                        <a:rPr b="0" lang="en-US" sz="1800" spc="-1" strike="noStrike">
+                          <a:latin typeface="Arial"/>
+                        </a:rPr>
+                        <a:t>Neural Network</a:t>
+                      </a:r>
+                      <a:endParaRPr b="0" lang="en-US" sz="1800" spc="-1" strike="noStrike">
+                        <a:latin typeface="Arial"/>
+                      </a:endParaRPr>
+                    </a:p>
+                  </a:txBody>
+                  <a:tcPr marL="90000" marR="90000">
+                    <a:lnL w="720">
+                      <a:solidFill>
+                        <a:srgbClr val="ffffff"/>
+                      </a:solidFill>
+                    </a:lnL>
+                    <a:lnR w="720">
+                      <a:solidFill>
+                        <a:srgbClr val="ffffff"/>
+                      </a:solidFill>
+                    </a:lnR>
+                    <a:lnT w="720">
+                      <a:solidFill>
+                        <a:srgbClr val="ffffff"/>
+                      </a:solidFill>
+                    </a:lnT>
+                    <a:lnB w="720">
+                      <a:solidFill>
+                        <a:srgbClr val="ffffff"/>
+                      </a:solidFill>
+                    </a:lnB>
+                    <a:solidFill>
+                      <a:srgbClr val="b3b3b3"/>
+                    </a:solidFill>
+                  </a:tcPr>
+                </a:tc>
+                <a:tc>
+                  <a:txBody>
+                    <a:bodyPr lIns="90000" rIns="90000" tIns="46800" bIns="46800"/>
+                    <a:p>
+                      <a:r>
+                        <a:rPr b="0" lang="en-US" sz="1800" spc="-1" strike="noStrike">
+                          <a:latin typeface="Arial"/>
+                        </a:rPr>
+                        <a:t>SVM</a:t>
+                      </a:r>
+                      <a:endParaRPr b="0" lang="en-US" sz="1800" spc="-1" strike="noStrike">
+                        <a:latin typeface="Arial"/>
+                      </a:endParaRPr>
+                    </a:p>
+                    <a:p>
+                      <a:r>
+                        <a:rPr b="0" lang="en-US" sz="1800" spc="-1" strike="noStrike">
+                          <a:latin typeface="Arial"/>
+                        </a:rPr>
+                        <a:t>(Poly-3)</a:t>
+                      </a:r>
+                      <a:endParaRPr b="0" lang="en-US" sz="1800" spc="-1" strike="noStrike">
+                        <a:latin typeface="Arial"/>
+                      </a:endParaRPr>
+                    </a:p>
+                  </a:txBody>
+                  <a:tcPr marL="90000" marR="90000">
+                    <a:lnL w="720">
+                      <a:solidFill>
+                        <a:srgbClr val="ffffff"/>
+                      </a:solidFill>
+                    </a:lnL>
+                    <a:lnR w="720">
+                      <a:solidFill>
+                        <a:srgbClr val="ffffff"/>
+                      </a:solidFill>
+                    </a:lnR>
+                    <a:lnT w="720">
+                      <a:solidFill>
+                        <a:srgbClr val="ffffff"/>
+                      </a:solidFill>
+                    </a:lnT>
+                    <a:lnB w="720">
+                      <a:solidFill>
+                        <a:srgbClr val="ffffff"/>
+                      </a:solidFill>
+                    </a:lnB>
+                    <a:solidFill>
+                      <a:srgbClr val="b3b3b3"/>
+                    </a:solidFill>
+                  </a:tcPr>
+                </a:tc>
+              </a:tr>
+              <a:tr h="719640">
+                <a:tc>
+                  <a:txBody>
+                    <a:bodyPr lIns="90000" rIns="90000" tIns="46800" bIns="46800"/>
+                    <a:p>
+                      <a:r>
+                        <a:rPr b="0" lang="en-US" sz="1800" spc="-1" strike="noStrike">
+                          <a:latin typeface="Arial"/>
+                        </a:rPr>
+                        <a:t>F-1 score</a:t>
+                      </a:r>
+                      <a:endParaRPr b="0" lang="en-US" sz="1800" spc="-1" strike="noStrike">
+                        <a:latin typeface="Arial"/>
+                      </a:endParaRPr>
+                    </a:p>
+                  </a:txBody>
+                  <a:tcPr marL="90000" marR="90000">
+                    <a:lnL w="720">
+                      <a:solidFill>
+                        <a:srgbClr val="ffffff"/>
+                      </a:solidFill>
+                    </a:lnL>
+                    <a:lnR w="720">
+                      <a:solidFill>
+                        <a:srgbClr val="ffffff"/>
+                      </a:solidFill>
+                    </a:lnR>
+                    <a:lnT w="720">
+                      <a:solidFill>
+                        <a:srgbClr val="ffffff"/>
+                      </a:solidFill>
+                    </a:lnT>
+                    <a:lnB w="720">
+                      <a:solidFill>
+                        <a:srgbClr val="ffffff"/>
+                      </a:solidFill>
+                    </a:lnB>
+                    <a:solidFill>
+                      <a:srgbClr val="cccccc"/>
+                    </a:solidFill>
+                  </a:tcPr>
+                </a:tc>
+                <a:tc>
+                  <a:txBody>
+                    <a:bodyPr lIns="90000" rIns="90000" tIns="46800" bIns="46800"/>
+                    <a:p>
+                      <a:r>
+                        <a:rPr b="0" lang="en-US" sz="1800" spc="-1" strike="noStrike">
+                          <a:latin typeface="Arial"/>
+                        </a:rPr>
+                        <a:t>0.794</a:t>
+                      </a:r>
+                      <a:endParaRPr b="0" lang="en-US" sz="1800" spc="-1" strike="noStrike">
+                        <a:latin typeface="Arial"/>
+                      </a:endParaRPr>
+                    </a:p>
+                  </a:txBody>
+                  <a:tcPr marL="90000" marR="90000">
+                    <a:lnL w="720">
+                      <a:solidFill>
+                        <a:srgbClr val="ffffff"/>
+                      </a:solidFill>
+                    </a:lnL>
+                    <a:lnR w="720">
+                      <a:solidFill>
+                        <a:srgbClr val="ffffff"/>
+                      </a:solidFill>
+                    </a:lnR>
+                    <a:lnT w="720">
+                      <a:solidFill>
+                        <a:srgbClr val="ffffff"/>
+                      </a:solidFill>
+                    </a:lnT>
+                    <a:lnB w="720">
+                      <a:solidFill>
+                        <a:srgbClr val="ffffff"/>
+                      </a:solidFill>
+                    </a:lnB>
+                    <a:solidFill>
+                      <a:srgbClr val="cccccc"/>
+                    </a:solidFill>
+                  </a:tcPr>
+                </a:tc>
+                <a:tc>
+                  <a:txBody>
+                    <a:bodyPr lIns="90000" rIns="90000" tIns="46800" bIns="46800"/>
+                    <a:p>
+                      <a:r>
+                        <a:rPr b="0" lang="en-US" sz="1800" spc="-1" strike="noStrike">
+                          <a:latin typeface="Arial"/>
+                        </a:rPr>
+                        <a:t>0.631</a:t>
+                      </a:r>
+                      <a:endParaRPr b="0" lang="en-US" sz="1800" spc="-1" strike="noStrike">
+                        <a:latin typeface="Arial"/>
+                      </a:endParaRPr>
+                    </a:p>
+                  </a:txBody>
+                  <a:tcPr marL="90000" marR="90000">
+                    <a:lnL w="720">
+                      <a:solidFill>
+                        <a:srgbClr val="ffffff"/>
+                      </a:solidFill>
+                    </a:lnL>
+                    <a:lnR w="720">
+                      <a:solidFill>
+                        <a:srgbClr val="ffffff"/>
+                      </a:solidFill>
+                    </a:lnR>
+                    <a:lnT w="720">
+                      <a:solidFill>
+                        <a:srgbClr val="ffffff"/>
+                      </a:solidFill>
+                    </a:lnT>
+                    <a:lnB w="720">
+                      <a:solidFill>
+                        <a:srgbClr val="ffffff"/>
+                      </a:solidFill>
+                    </a:lnB>
+                    <a:solidFill>
+                      <a:srgbClr val="cccccc"/>
+                    </a:solidFill>
+                  </a:tcPr>
+                </a:tc>
+                <a:tc>
+                  <a:txBody>
+                    <a:bodyPr lIns="90000" rIns="90000" tIns="46800" bIns="46800"/>
+                    <a:p>
+                      <a:r>
+                        <a:rPr b="0" lang="en-US" sz="1800" spc="-1" strike="noStrike">
+                          <a:latin typeface="Arial"/>
+                        </a:rPr>
+                        <a:t>0.678</a:t>
+                      </a:r>
+                      <a:endParaRPr b="0" lang="en-US" sz="1800" spc="-1" strike="noStrike">
+                        <a:latin typeface="Arial"/>
+                      </a:endParaRPr>
+                    </a:p>
+                  </a:txBody>
+                  <a:tcPr marL="90000" marR="90000">
+                    <a:lnL w="720">
+                      <a:solidFill>
+                        <a:srgbClr val="ffffff"/>
+                      </a:solidFill>
+                    </a:lnL>
+                    <a:lnR w="720">
+                      <a:solidFill>
+                        <a:srgbClr val="ffffff"/>
+                      </a:solidFill>
+                    </a:lnR>
+                    <a:lnT w="720">
+                      <a:solidFill>
+                        <a:srgbClr val="ffffff"/>
+                      </a:solidFill>
+                    </a:lnT>
+                    <a:lnB w="720">
+                      <a:solidFill>
+                        <a:srgbClr val="ffffff"/>
+                      </a:solidFill>
+                    </a:lnB>
+                    <a:solidFill>
+                      <a:srgbClr val="cccccc"/>
+                    </a:solidFill>
+                  </a:tcPr>
+                </a:tc>
+                <a:tc>
+                  <a:txBody>
+                    <a:bodyPr lIns="90000" rIns="90000" tIns="46800" bIns="46800"/>
+                    <a:p>
+                      <a:r>
+                        <a:rPr b="0" lang="en-US" sz="1800" spc="-1" strike="noStrike">
+                          <a:latin typeface="Arial"/>
+                        </a:rPr>
+                        <a:t>0.774</a:t>
+                      </a:r>
+                      <a:endParaRPr b="0" lang="en-US" sz="1800" spc="-1" strike="noStrike">
+                        <a:latin typeface="Arial"/>
+                      </a:endParaRPr>
+                    </a:p>
+                  </a:txBody>
+                  <a:tcPr marL="90000" marR="90000">
+                    <a:lnL w="720">
+                      <a:solidFill>
+                        <a:srgbClr val="ffffff"/>
+                      </a:solidFill>
+                    </a:lnL>
+                    <a:lnR w="720">
+                      <a:solidFill>
+                        <a:srgbClr val="ffffff"/>
+                      </a:solidFill>
+                    </a:lnR>
+                    <a:lnT w="720">
+                      <a:solidFill>
+                        <a:srgbClr val="ffffff"/>
+                      </a:solidFill>
+                    </a:lnT>
+                    <a:lnB w="720">
+                      <a:solidFill>
+                        <a:srgbClr val="ffffff"/>
+                      </a:solidFill>
+                    </a:lnB>
+                    <a:solidFill>
+                      <a:srgbClr val="cccccc"/>
+                    </a:solidFill>
+                  </a:tcPr>
+                </a:tc>
+                <a:tc>
+                  <a:txBody>
+                    <a:bodyPr lIns="90000" rIns="90000" tIns="46800" bIns="46800"/>
+                    <a:p>
+                      <a:r>
+                        <a:rPr b="0" lang="en-US" sz="1800" spc="-1" strike="noStrike">
+                          <a:latin typeface="Arial"/>
+                        </a:rPr>
+                        <a:t>0.779</a:t>
+                      </a:r>
+                      <a:endParaRPr b="0" lang="en-US" sz="1800" spc="-1" strike="noStrike">
+                        <a:latin typeface="Arial"/>
+                      </a:endParaRPr>
+                    </a:p>
+                  </a:txBody>
+                  <a:tcPr marL="90000" marR="90000">
+                    <a:lnL w="720">
+                      <a:solidFill>
+                        <a:srgbClr val="ffffff"/>
+                      </a:solidFill>
+                    </a:lnL>
+                    <a:lnR w="720">
+                      <a:solidFill>
+                        <a:srgbClr val="ffffff"/>
+                      </a:solidFill>
+                    </a:lnR>
+                    <a:lnT w="720">
+                      <a:solidFill>
+                        <a:srgbClr val="ffffff"/>
+                      </a:solidFill>
+                    </a:lnT>
+                    <a:lnB w="720">
+                      <a:solidFill>
+                        <a:srgbClr val="ffffff"/>
+                      </a:solidFill>
+                    </a:lnB>
+                    <a:solidFill>
+                      <a:srgbClr val="cccccc"/>
+                    </a:solidFill>
+                  </a:tcPr>
+                </a:tc>
+              </a:tr>
+              <a:tr h="720360">
+                <a:tc>
+                  <a:txBody>
+                    <a:bodyPr lIns="90000" rIns="90000" tIns="46800" bIns="46800"/>
+                    <a:p>
+                      <a:r>
+                        <a:rPr b="0" lang="en-US" sz="1800" spc="-1" strike="noStrike">
+                          <a:latin typeface="Arial"/>
+                        </a:rPr>
+                        <a:t>Accuracy</a:t>
+                      </a:r>
+                      <a:endParaRPr b="0" lang="en-US" sz="1800" spc="-1" strike="noStrike">
+                        <a:latin typeface="Arial"/>
+                      </a:endParaRPr>
+                    </a:p>
+                  </a:txBody>
+                  <a:tcPr marL="90000" marR="90000">
+                    <a:lnL w="720">
+                      <a:solidFill>
+                        <a:srgbClr val="ffffff"/>
+                      </a:solidFill>
+                    </a:lnL>
+                    <a:lnR w="720">
+                      <a:solidFill>
+                        <a:srgbClr val="ffffff"/>
+                      </a:solidFill>
+                    </a:lnR>
+                    <a:lnT w="720">
+                      <a:solidFill>
+                        <a:srgbClr val="ffffff"/>
+                      </a:solidFill>
+                    </a:lnT>
+                    <a:lnB w="720">
+                      <a:solidFill>
+                        <a:srgbClr val="ffffff"/>
+                      </a:solidFill>
+                    </a:lnB>
+                    <a:solidFill>
+                      <a:srgbClr val="e6e6e6"/>
+                    </a:solidFill>
+                  </a:tcPr>
+                </a:tc>
+                <a:tc>
+                  <a:txBody>
+                    <a:bodyPr lIns="90000" rIns="90000" tIns="46800" bIns="46800"/>
+                    <a:p>
+                      <a:r>
+                        <a:rPr b="0" lang="en-US" sz="1800" spc="-1" strike="noStrike">
+                          <a:latin typeface="Arial"/>
+                        </a:rPr>
+                        <a:t>79.497%</a:t>
+                      </a:r>
+                      <a:endParaRPr b="0" lang="en-US" sz="1800" spc="-1" strike="noStrike">
+                        <a:latin typeface="Arial"/>
+                      </a:endParaRPr>
+                    </a:p>
+                  </a:txBody>
+                  <a:tcPr marL="90000" marR="90000">
+                    <a:lnL w="720">
+                      <a:solidFill>
+                        <a:srgbClr val="ffffff"/>
+                      </a:solidFill>
+                    </a:lnL>
+                    <a:lnR w="720">
+                      <a:solidFill>
+                        <a:srgbClr val="ffffff"/>
+                      </a:solidFill>
+                    </a:lnR>
+                    <a:lnT w="720">
+                      <a:solidFill>
+                        <a:srgbClr val="ffffff"/>
+                      </a:solidFill>
+                    </a:lnT>
+                    <a:lnB w="720">
+                      <a:solidFill>
+                        <a:srgbClr val="ffffff"/>
+                      </a:solidFill>
+                    </a:lnB>
+                    <a:solidFill>
+                      <a:srgbClr val="e6e6e6"/>
+                    </a:solidFill>
+                  </a:tcPr>
+                </a:tc>
+                <a:tc>
+                  <a:txBody>
+                    <a:bodyPr lIns="90000" rIns="90000" tIns="46800" bIns="46800"/>
+                    <a:p>
+                      <a:r>
+                        <a:rPr b="0" lang="en-US" sz="1800" spc="-1" strike="noStrike">
+                          <a:latin typeface="Arial"/>
+                        </a:rPr>
+                        <a:t>62.959%</a:t>
+                      </a:r>
+                      <a:endParaRPr b="0" lang="en-US" sz="1800" spc="-1" strike="noStrike">
+                        <a:latin typeface="Arial"/>
+                      </a:endParaRPr>
+                    </a:p>
+                  </a:txBody>
+                  <a:tcPr marL="90000" marR="90000">
+                    <a:lnL w="720">
+                      <a:solidFill>
+                        <a:srgbClr val="ffffff"/>
+                      </a:solidFill>
+                    </a:lnL>
+                    <a:lnR w="720">
+                      <a:solidFill>
+                        <a:srgbClr val="ffffff"/>
+                      </a:solidFill>
+                    </a:lnR>
+                    <a:lnT w="720">
+                      <a:solidFill>
+                        <a:srgbClr val="ffffff"/>
+                      </a:solidFill>
+                    </a:lnT>
+                    <a:lnB w="720">
+                      <a:solidFill>
+                        <a:srgbClr val="ffffff"/>
+                      </a:solidFill>
+                    </a:lnB>
+                    <a:solidFill>
+                      <a:srgbClr val="e6e6e6"/>
+                    </a:solidFill>
+                  </a:tcPr>
+                </a:tc>
+                <a:tc>
+                  <a:txBody>
+                    <a:bodyPr lIns="90000" rIns="90000" tIns="46800" bIns="46800"/>
+                    <a:p>
+                      <a:r>
+                        <a:rPr b="0" lang="en-US" sz="1800" spc="-1" strike="noStrike">
+                          <a:latin typeface="Arial"/>
+                        </a:rPr>
+                        <a:t>68.472%</a:t>
+                      </a:r>
+                      <a:endParaRPr b="0" lang="en-US" sz="1800" spc="-1" strike="noStrike">
+                        <a:latin typeface="Arial"/>
+                      </a:endParaRPr>
+                    </a:p>
+                  </a:txBody>
+                  <a:tcPr marL="90000" marR="90000">
+                    <a:lnL w="720">
+                      <a:solidFill>
+                        <a:srgbClr val="ffffff"/>
+                      </a:solidFill>
+                    </a:lnL>
+                    <a:lnR w="720">
+                      <a:solidFill>
+                        <a:srgbClr val="ffffff"/>
+                      </a:solidFill>
+                    </a:lnR>
+                    <a:lnT w="720">
+                      <a:solidFill>
+                        <a:srgbClr val="ffffff"/>
+                      </a:solidFill>
+                    </a:lnT>
+                    <a:lnB w="720">
+                      <a:solidFill>
+                        <a:srgbClr val="ffffff"/>
+                      </a:solidFill>
+                    </a:lnB>
+                    <a:solidFill>
+                      <a:srgbClr val="e6e6e6"/>
+                    </a:solidFill>
+                  </a:tcPr>
+                </a:tc>
+                <a:tc>
+                  <a:txBody>
+                    <a:bodyPr lIns="90000" rIns="90000" tIns="46800" bIns="46800"/>
+                    <a:p>
+                      <a:r>
+                        <a:rPr b="0" lang="en-US" sz="1800" spc="-1" strike="noStrike">
+                          <a:latin typeface="Arial"/>
+                        </a:rPr>
+                        <a:t>77.369%</a:t>
+                      </a:r>
+                      <a:endParaRPr b="0" lang="en-US" sz="1800" spc="-1" strike="noStrike">
+                        <a:latin typeface="Arial"/>
+                      </a:endParaRPr>
+                    </a:p>
+                  </a:txBody>
+                  <a:tcPr marL="90000" marR="90000">
+                    <a:lnL w="720">
+                      <a:solidFill>
+                        <a:srgbClr val="ffffff"/>
+                      </a:solidFill>
+                    </a:lnL>
+                    <a:lnR w="720">
+                      <a:solidFill>
+                        <a:srgbClr val="ffffff"/>
+                      </a:solidFill>
+                    </a:lnR>
+                    <a:lnT w="720">
+                      <a:solidFill>
+                        <a:srgbClr val="ffffff"/>
+                      </a:solidFill>
+                    </a:lnT>
+                    <a:lnB w="720">
+                      <a:solidFill>
+                        <a:srgbClr val="ffffff"/>
+                      </a:solidFill>
+                    </a:lnB>
+                    <a:solidFill>
+                      <a:srgbClr val="e6e6e6"/>
+                    </a:solidFill>
+                  </a:tcPr>
+                </a:tc>
+                <a:tc>
+                  <a:txBody>
+                    <a:bodyPr lIns="90000" rIns="90000" tIns="46800" bIns="46800"/>
+                    <a:p>
+                      <a:r>
+                        <a:rPr b="0" lang="en-US" sz="1800" spc="-1" strike="noStrike">
+                          <a:latin typeface="Arial"/>
+                        </a:rPr>
+                        <a:t>77.950%</a:t>
+                      </a:r>
+                      <a:endParaRPr b="0" lang="en-US" sz="1800" spc="-1" strike="noStrike">
+                        <a:latin typeface="Arial"/>
+                      </a:endParaRPr>
+                    </a:p>
+                  </a:txBody>
+                  <a:tcPr marL="90000" marR="90000">
+                    <a:lnL w="720">
+                      <a:solidFill>
+                        <a:srgbClr val="ffffff"/>
+                      </a:solidFill>
+                    </a:lnL>
+                    <a:lnR w="720">
+                      <a:solidFill>
+                        <a:srgbClr val="ffffff"/>
+                      </a:solidFill>
+                    </a:lnR>
+                    <a:lnT w="720">
+                      <a:solidFill>
+                        <a:srgbClr val="ffffff"/>
+                      </a:solidFill>
+                    </a:lnT>
+                    <a:lnB w="720">
+                      <a:solidFill>
+                        <a:srgbClr val="ffffff"/>
+                      </a:solidFill>
+                    </a:lnB>
+                    <a:solidFill>
+                      <a:srgbClr val="e6e6e6"/>
+                    </a:solidFill>
+                  </a:tcPr>
+                </a:tc>
+              </a:tr>
+            </a:tbl>
+          </a:graphicData>
+        </a:graphic>
+      </p:graphicFrame>
       <p:sp>
         <p:nvSpPr>
-          <p:cNvPr id="130" name="CustomShape 2"/>
-          <p:cNvSpPr/>
+          <p:cNvPr id="137" name="TextShape 4"/>
+          <p:cNvSpPr txBox="1"/>
           <p:nvPr/>
         </p:nvSpPr>
         <p:spPr>
           <a:xfrm>
-            <a:off x="504000" y="2273040"/>
-            <a:ext cx="9071280" cy="4384440"/>
+            <a:off x="2377440" y="1737360"/>
+            <a:ext cx="5760720" cy="1448640"/>
           </a:xfrm>
           <a:prstGeom prst="rect">
             <a:avLst/>
@@ -5483,12 +10434,53 @@
             <a:noFill/>
           </a:ln>
         </p:spPr>
-        <p:style>
-          <a:lnRef idx="0"/>
-          <a:fillRef idx="0"/>
-          <a:effectRef idx="0"/>
-          <a:fontRef idx="minor"/>
-        </p:style>
+        <p:txBody>
+          <a:bodyPr lIns="90000" rIns="90000" tIns="45000" bIns="45000"/>
+          <a:p>
+            <a:r>
+              <a:rPr b="0" lang="en-US" sz="1800" spc="-1" strike="noStrike">
+                <a:latin typeface="Arial"/>
+              </a:rPr>
+              <a:t>Category Classification with full dataset</a:t>
+            </a:r>
+            <a:endParaRPr b="0" lang="en-US" sz="1800" spc="-1" strike="noStrike">
+              <a:latin typeface="Arial"/>
+            </a:endParaRPr>
+          </a:p>
+          <a:p>
+            <a:r>
+              <a:rPr b="0" lang="en-US" sz="1800" spc="-1" strike="noStrike">
+                <a:latin typeface="Arial"/>
+              </a:rPr>
+              <a:t>Subsampling 2:1</a:t>
+            </a:r>
+            <a:endParaRPr b="0" lang="en-US" sz="1800" spc="-1" strike="noStrike">
+              <a:latin typeface="Arial"/>
+            </a:endParaRPr>
+          </a:p>
+          <a:p>
+            <a:r>
+              <a:rPr b="0" lang="en-US" sz="1800" spc="-1" strike="noStrike">
+                <a:latin typeface="Arial"/>
+              </a:rPr>
+              <a:t>Resampling 0.5 bias to uniform</a:t>
+            </a:r>
+            <a:endParaRPr b="0" lang="en-US" sz="1800" spc="-1" strike="noStrike">
+              <a:latin typeface="Arial"/>
+            </a:endParaRPr>
+          </a:p>
+          <a:p>
+            <a:r>
+              <a:rPr b="0" lang="en-US" sz="1800" spc="-1" strike="noStrike">
+                <a:latin typeface="Arial"/>
+              </a:rPr>
+              <a:t>1034 observations</a:t>
+            </a:r>
+            <a:endParaRPr b="0" lang="en-US" sz="1800" spc="-1" strike="noStrike">
+              <a:latin typeface="Arial"/>
+            </a:endParaRPr>
+          </a:p>
+        </p:txBody>
       </p:sp>
     </p:spTree>
   </p:cSld>
@@ -5541,14 +10533,14 @@
       </p:grpSpPr>
       <p:sp>
         <p:nvSpPr>
-          <p:cNvPr id="131" name="CustomShape 1"/>
+          <p:cNvPr id="138" name="CustomShape 1"/>
           <p:cNvSpPr/>
           <p:nvPr/>
         </p:nvSpPr>
         <p:spPr>
           <a:xfrm>
             <a:off x="504000" y="805320"/>
-            <a:ext cx="9071280" cy="1261800"/>
+            <a:ext cx="9070920" cy="1261440"/>
           </a:xfrm>
           <a:prstGeom prst="rect">
             <a:avLst/>
@@ -5564,17 +10556,110 @@
           <a:effectRef idx="0"/>
           <a:fontRef idx="minor"/>
         </p:style>
+        <p:txBody>
+          <a:bodyPr lIns="0" rIns="0" tIns="0" bIns="0" anchor="ctr"/>
+          <a:p>
+            <a:pPr>
+              <a:lnSpc>
+                <a:spcPct val="100000"/>
+              </a:lnSpc>
+            </a:pPr>
+            <a:r>
+              <a:rPr b="0" lang="en-US" sz="3200" spc="-1" strike="noStrike">
+                <a:solidFill>
+                  <a:srgbClr val="3399ff"/>
+                </a:solidFill>
+                <a:latin typeface="Source Sans Pro"/>
+                <a:ea typeface="DejaVu Sans"/>
+              </a:rPr>
+              <a:t>Predi</a:t>
+            </a:r>
+            <a:r>
+              <a:rPr b="0" lang="en-US" sz="3200" spc="-1" strike="noStrike">
+                <a:solidFill>
+                  <a:srgbClr val="3399ff"/>
+                </a:solidFill>
+                <a:latin typeface="Source Sans Pro"/>
+                <a:ea typeface="DejaVu Sans"/>
+              </a:rPr>
+              <a:t>cting </a:t>
+            </a:r>
+            <a:r>
+              <a:rPr b="0" lang="en-US" sz="3200" spc="-1" strike="noStrike">
+                <a:solidFill>
+                  <a:srgbClr val="3399ff"/>
+                </a:solidFill>
+                <a:latin typeface="Source Sans Pro"/>
+                <a:ea typeface="DejaVu Sans"/>
+              </a:rPr>
+              <a:t>Durat</a:t>
+            </a:r>
+            <a:r>
+              <a:rPr b="0" lang="en-US" sz="3200" spc="-1" strike="noStrike">
+                <a:solidFill>
+                  <a:srgbClr val="3399ff"/>
+                </a:solidFill>
+                <a:latin typeface="Source Sans Pro"/>
+                <a:ea typeface="DejaVu Sans"/>
+              </a:rPr>
+              <a:t>ion at </a:t>
+            </a:r>
+            <a:r>
+              <a:rPr b="0" lang="en-US" sz="3200" spc="-1" strike="noStrike">
+                <a:solidFill>
+                  <a:srgbClr val="3399ff"/>
+                </a:solidFill>
+                <a:latin typeface="Source Sans Pro"/>
+                <a:ea typeface="DejaVu Sans"/>
+              </a:rPr>
+              <a:t>Probl</a:t>
+            </a:r>
+            <a:r>
+              <a:rPr b="0" lang="en-US" sz="3200" spc="-1" strike="noStrike">
+                <a:solidFill>
+                  <a:srgbClr val="3399ff"/>
+                </a:solidFill>
+                <a:latin typeface="Source Sans Pro"/>
+                <a:ea typeface="DejaVu Sans"/>
+              </a:rPr>
+              <a:t>em </a:t>
+            </a:r>
+            <a:r>
+              <a:rPr b="0" lang="en-US" sz="3200" spc="-1" strike="noStrike">
+                <a:solidFill>
+                  <a:srgbClr val="3399ff"/>
+                </a:solidFill>
+                <a:latin typeface="Source Sans Pro"/>
+                <a:ea typeface="DejaVu Sans"/>
+              </a:rPr>
+              <a:t>Creat</a:t>
+            </a:r>
+            <a:r>
+              <a:rPr b="0" lang="en-US" sz="3200" spc="-1" strike="noStrike">
+                <a:solidFill>
+                  <a:srgbClr val="3399ff"/>
+                </a:solidFill>
+                <a:latin typeface="Source Sans Pro"/>
+                <a:ea typeface="DejaVu Sans"/>
+              </a:rPr>
+              <a:t>ion</a:t>
+            </a:r>
+            <a:endParaRPr b="0" lang="en-US" sz="3200" spc="-1" strike="noStrike">
+              <a:latin typeface="Arial"/>
+            </a:endParaRPr>
+          </a:p>
+        </p:txBody>
       </p:sp>
       <p:sp>
         <p:nvSpPr>
-          <p:cNvPr id="132" name="CustomShape 2"/>
+          <p:cNvPr id="139" name="CustomShape 2"/>
           <p:cNvSpPr/>
           <p:nvPr/>
         </p:nvSpPr>
         <p:spPr>
           <a:xfrm>
             <a:off x="504000" y="2273040"/>
-            <a:ext cx="9071280" cy="4384440"/>
+            <a:ext cx="9070920" cy="4384080"/>
           </a:xfrm>
           <a:prstGeom prst="rect">
             <a:avLst/>
@@ -5590,6 +10675,277 @@
           <a:effectRef idx="0"/>
           <a:fontRef idx="minor"/>
         </p:style>
+        <p:txBody>
+          <a:bodyPr lIns="0" rIns="0" tIns="0" bIns="0"/>
+          <a:p>
+            <a:pPr marL="432000" indent="-323280">
+              <a:lnSpc>
+                <a:spcPct val="100000"/>
+              </a:lnSpc>
+              <a:spcAft>
+                <a:spcPts val="1417"/>
+              </a:spcAft>
+              <a:buClr>
+                <a:srgbClr val="000000"/>
+              </a:buClr>
+              <a:buSzPct val="45000"/>
+              <a:buFont typeface="Wingdings" charset="2"/>
+              <a:buChar char=""/>
+            </a:pPr>
+            <a:r>
+              <a:rPr b="0" lang="en-US" sz="2200" spc="-1" strike="noStrike">
+                <a:solidFill>
+                  <a:srgbClr val="000000"/>
+                </a:solidFill>
+                <a:latin typeface="Source Sans Pro"/>
+                <a:ea typeface="DejaVu Sans"/>
+              </a:rPr>
+              <a:t>Not </a:t>
+            </a:r>
+            <a:r>
+              <a:rPr b="0" lang="en-US" sz="2200" spc="-1" strike="noStrike">
+                <a:solidFill>
+                  <a:srgbClr val="000000"/>
+                </a:solidFill>
+                <a:latin typeface="Source Sans Pro"/>
+                <a:ea typeface="DejaVu Sans"/>
+              </a:rPr>
+              <a:t>reall</a:t>
+            </a:r>
+            <a:r>
+              <a:rPr b="0" lang="en-US" sz="2200" spc="-1" strike="noStrike">
+                <a:solidFill>
+                  <a:srgbClr val="000000"/>
+                </a:solidFill>
+                <a:latin typeface="Source Sans Pro"/>
+                <a:ea typeface="DejaVu Sans"/>
+              </a:rPr>
+              <a:t>y </a:t>
+            </a:r>
+            <a:r>
+              <a:rPr b="0" lang="en-US" sz="2200" spc="-1" strike="noStrike">
+                <a:solidFill>
+                  <a:srgbClr val="000000"/>
+                </a:solidFill>
+                <a:latin typeface="Source Sans Pro"/>
+                <a:ea typeface="DejaVu Sans"/>
+              </a:rPr>
+              <a:t>possi</a:t>
+            </a:r>
+            <a:r>
+              <a:rPr b="0" lang="en-US" sz="2200" spc="-1" strike="noStrike">
+                <a:solidFill>
+                  <a:srgbClr val="000000"/>
+                </a:solidFill>
+                <a:latin typeface="Source Sans Pro"/>
+                <a:ea typeface="DejaVu Sans"/>
+              </a:rPr>
+              <a:t>ble</a:t>
+            </a:r>
+            <a:endParaRPr b="0" lang="en-US" sz="2200" spc="-1" strike="noStrike">
+              <a:latin typeface="Arial"/>
+            </a:endParaRPr>
+          </a:p>
+          <a:p>
+            <a:pPr marL="432000" indent="-323280">
+              <a:lnSpc>
+                <a:spcPct val="100000"/>
+              </a:lnSpc>
+              <a:spcAft>
+                <a:spcPts val="1417"/>
+              </a:spcAft>
+              <a:buClr>
+                <a:srgbClr val="000000"/>
+              </a:buClr>
+              <a:buSzPct val="45000"/>
+              <a:buFont typeface="Wingdings" charset="2"/>
+              <a:buChar char=""/>
+            </a:pPr>
+            <a:r>
+              <a:rPr b="0" lang="en-US" sz="2200" spc="-1" strike="noStrike">
+                <a:solidFill>
+                  <a:srgbClr val="000000"/>
+                </a:solidFill>
+                <a:latin typeface="Source Sans Pro"/>
+                <a:ea typeface="DejaVu Sans"/>
+              </a:rPr>
+              <a:t>All </a:t>
+            </a:r>
+            <a:r>
+              <a:rPr b="0" lang="en-US" sz="2200" spc="-1" strike="noStrike">
+                <a:solidFill>
+                  <a:srgbClr val="000000"/>
+                </a:solidFill>
+                <a:latin typeface="Source Sans Pro"/>
+                <a:ea typeface="DejaVu Sans"/>
+              </a:rPr>
+              <a:t>mod</a:t>
+            </a:r>
+            <a:r>
+              <a:rPr b="0" lang="en-US" sz="2200" spc="-1" strike="noStrike">
+                <a:solidFill>
+                  <a:srgbClr val="000000"/>
+                </a:solidFill>
+                <a:latin typeface="Source Sans Pro"/>
+                <a:ea typeface="DejaVu Sans"/>
+              </a:rPr>
+              <a:t>els </a:t>
+            </a:r>
+            <a:r>
+              <a:rPr b="0" lang="en-US" sz="2200" spc="-1" strike="noStrike">
+                <a:solidFill>
+                  <a:srgbClr val="000000"/>
+                </a:solidFill>
+                <a:latin typeface="Source Sans Pro"/>
+                <a:ea typeface="DejaVu Sans"/>
+              </a:rPr>
+              <a:t>had </a:t>
+            </a:r>
+            <a:r>
+              <a:rPr b="0" lang="en-US" sz="2200" spc="-1" strike="noStrike">
+                <a:solidFill>
+                  <a:srgbClr val="000000"/>
+                </a:solidFill>
+                <a:latin typeface="Source Sans Pro"/>
+                <a:ea typeface="DejaVu Sans"/>
+              </a:rPr>
+              <a:t>corre</a:t>
+            </a:r>
+            <a:r>
+              <a:rPr b="0" lang="en-US" sz="2200" spc="-1" strike="noStrike">
+                <a:solidFill>
+                  <a:srgbClr val="000000"/>
+                </a:solidFill>
+                <a:latin typeface="Source Sans Pro"/>
+                <a:ea typeface="DejaVu Sans"/>
+              </a:rPr>
+              <a:t>latio</a:t>
+            </a:r>
+            <a:r>
+              <a:rPr b="0" lang="en-US" sz="2200" spc="-1" strike="noStrike">
+                <a:solidFill>
+                  <a:srgbClr val="000000"/>
+                </a:solidFill>
+                <a:latin typeface="Source Sans Pro"/>
+                <a:ea typeface="DejaVu Sans"/>
+              </a:rPr>
+              <a:t>n </a:t>
+            </a:r>
+            <a:r>
+              <a:rPr b="0" lang="en-US" sz="2200" spc="-1" strike="noStrike">
+                <a:solidFill>
+                  <a:srgbClr val="000000"/>
+                </a:solidFill>
+                <a:latin typeface="Source Sans Pro"/>
+                <a:ea typeface="DejaVu Sans"/>
+              </a:rPr>
+              <a:t>coe</a:t>
+            </a:r>
+            <a:r>
+              <a:rPr b="0" lang="en-US" sz="2200" spc="-1" strike="noStrike">
+                <a:solidFill>
+                  <a:srgbClr val="000000"/>
+                </a:solidFill>
+                <a:latin typeface="Source Sans Pro"/>
+                <a:ea typeface="DejaVu Sans"/>
+              </a:rPr>
+              <a:t>fficie</a:t>
+            </a:r>
+            <a:r>
+              <a:rPr b="0" lang="en-US" sz="2200" spc="-1" strike="noStrike">
+                <a:solidFill>
+                  <a:srgbClr val="000000"/>
+                </a:solidFill>
+                <a:latin typeface="Source Sans Pro"/>
+                <a:ea typeface="DejaVu Sans"/>
+              </a:rPr>
+              <a:t>nt of </a:t>
+            </a:r>
+            <a:r>
+              <a:rPr b="0" lang="en-US" sz="2200" spc="-1" strike="noStrike">
+                <a:solidFill>
+                  <a:srgbClr val="000000"/>
+                </a:solidFill>
+                <a:latin typeface="Source Sans Pro"/>
+                <a:ea typeface="DejaVu Sans"/>
+              </a:rPr>
+              <a:t>&lt; </a:t>
+            </a:r>
+            <a:r>
+              <a:rPr b="0" lang="en-US" sz="2200" spc="-1" strike="noStrike">
+                <a:solidFill>
+                  <a:srgbClr val="000000"/>
+                </a:solidFill>
+                <a:latin typeface="Source Sans Pro"/>
+                <a:ea typeface="DejaVu Sans"/>
+              </a:rPr>
+              <a:t>0.2 </a:t>
+            </a:r>
+            <a:r>
+              <a:rPr b="0" lang="en-US" sz="2200" spc="-1" strike="noStrike">
+                <a:solidFill>
+                  <a:srgbClr val="000000"/>
+                </a:solidFill>
+                <a:latin typeface="Source Sans Pro"/>
+                <a:ea typeface="DejaVu Sans"/>
+              </a:rPr>
+              <a:t>and </a:t>
+            </a:r>
+            <a:r>
+              <a:rPr b="0" lang="en-US" sz="2200" spc="-1" strike="noStrike">
+                <a:solidFill>
+                  <a:srgbClr val="000000"/>
+                </a:solidFill>
+                <a:latin typeface="Source Sans Pro"/>
+                <a:ea typeface="DejaVu Sans"/>
+              </a:rPr>
+              <a:t>error </a:t>
+            </a:r>
+            <a:r>
+              <a:rPr b="0" lang="en-US" sz="2200" spc="-1" strike="noStrike">
+                <a:solidFill>
+                  <a:srgbClr val="000000"/>
+                </a:solidFill>
+                <a:latin typeface="Source Sans Pro"/>
+                <a:ea typeface="DejaVu Sans"/>
+              </a:rPr>
+              <a:t>mea</a:t>
+            </a:r>
+            <a:r>
+              <a:rPr b="0" lang="en-US" sz="2200" spc="-1" strike="noStrike">
+                <a:solidFill>
+                  <a:srgbClr val="000000"/>
+                </a:solidFill>
+                <a:latin typeface="Source Sans Pro"/>
+                <a:ea typeface="DejaVu Sans"/>
+              </a:rPr>
+              <a:t>sures </a:t>
+            </a:r>
+            <a:r>
+              <a:rPr b="0" lang="en-US" sz="2200" spc="-1" strike="noStrike">
+                <a:solidFill>
+                  <a:srgbClr val="000000"/>
+                </a:solidFill>
+                <a:latin typeface="Source Sans Pro"/>
+                <a:ea typeface="DejaVu Sans"/>
+              </a:rPr>
+              <a:t>&gt; </a:t>
+            </a:r>
+            <a:r>
+              <a:rPr b="0" lang="en-US" sz="2200" spc="-1" strike="noStrike">
+                <a:solidFill>
+                  <a:srgbClr val="000000"/>
+                </a:solidFill>
+                <a:latin typeface="Source Sans Pro"/>
+                <a:ea typeface="DejaVu Sans"/>
+              </a:rPr>
+              <a:t>90%</a:t>
+            </a:r>
+            <a:endParaRPr b="0" lang="en-US" sz="2200" spc="-1" strike="noStrike">
+              <a:latin typeface="Arial"/>
+            </a:endParaRPr>
+          </a:p>
+        </p:txBody>
       </p:sp>
     </p:spTree>
   </p:cSld>
@@ -5600,6 +10956,191 @@
           <p:childTnLst>
             <p:seq>
               <p:cTn id="48" dur="indefinite" nodeType="mainSeq"/>
+              <p:prevCondLst>
+                <p:cond delay="0" evt="onPrev">
+                  <p:tgtEl>
+                    <p:sldTgt/>
+                  </p:tgtEl>
+                </p:cond>
+              </p:prevCondLst>
+              <p:nextCondLst>
+                <p:cond delay="0" evt="onNext">
+                  <p:tgtEl>
+                    <p:sldTgt/>
+                  </p:tgtEl>
+                </p:cond>
+              </p:nextCondLst>
+            </p:seq>
+          </p:childTnLst>
+        </p:cTn>
+      </p:par>
+    </p:tnLst>
+  </p:timing>
+</p:sld>
+</file>
+
+<file path=ppt/slides/slide25.xml><?xml version="1.0" encoding="utf-8"?>
+<p:sld xmlns:a="http://schemas.openxmlformats.org/drawingml/2006/main" xmlns:p="http://schemas.openxmlformats.org/presentationml/2006/main" xmlns:r="http://schemas.openxmlformats.org/officeDocument/2006/relationships" xmlns:p14="http://schemas.microsoft.com/office/powerpoint/2010/main" xmlns:p15="http://schemas.microsoft.com/office/powerpoint/2012/main" xmlns:mc="http://schemas.openxmlformats.org/markup-compatibility/2006">
+  <p:cSld>
+    <p:spTree>
+      <p:nvGrpSpPr>
+        <p:cNvPr id="1" name=""/>
+        <p:cNvGrpSpPr/>
+        <p:nvPr/>
+      </p:nvGrpSpPr>
+      <p:grpSpPr>
+        <a:xfrm>
+          <a:off x="0" y="0"/>
+          <a:ext cx="0" cy="0"/>
+          <a:chOff x="0" y="0"/>
+          <a:chExt cx="0" cy="0"/>
+        </a:xfrm>
+      </p:grpSpPr>
+      <p:sp>
+        <p:nvSpPr>
+          <p:cNvPr id="140" name="CustomShape 1"/>
+          <p:cNvSpPr/>
+          <p:nvPr/>
+        </p:nvSpPr>
+        <p:spPr>
+          <a:xfrm>
+            <a:off x="504000" y="805320"/>
+            <a:ext cx="9070920" cy="1261440"/>
+          </a:xfrm>
+          <a:prstGeom prst="rect">
+            <a:avLst/>
+          </a:prstGeom>
+          <a:noFill/>
+          <a:ln>
+            <a:noFill/>
+          </a:ln>
+        </p:spPr>
+        <p:style>
+          <a:lnRef idx="0"/>
+          <a:fillRef idx="0"/>
+          <a:effectRef idx="0"/>
+          <a:fontRef idx="minor"/>
+        </p:style>
+        <p:txBody>
+          <a:bodyPr lIns="0" rIns="0" tIns="0" bIns="0" anchor="ctr"/>
+          <a:p>
+            <a:pPr>
+              <a:lnSpc>
+                <a:spcPct val="100000"/>
+              </a:lnSpc>
+            </a:pPr>
+            <a:r>
+              <a:rPr b="0" lang="en-US" sz="3200" spc="-1" strike="noStrike">
+                <a:solidFill>
+                  <a:srgbClr val="3399ff"/>
+                </a:solidFill>
+                <a:latin typeface="Source Sans Pro"/>
+                <a:ea typeface="DejaVu Sans"/>
+              </a:rPr>
+              <a:t>Summary</a:t>
+            </a:r>
+            <a:endParaRPr b="0" lang="en-US" sz="3200" spc="-1" strike="noStrike">
+              <a:latin typeface="Arial"/>
+            </a:endParaRPr>
+          </a:p>
+        </p:txBody>
+      </p:sp>
+      <p:sp>
+        <p:nvSpPr>
+          <p:cNvPr id="141" name="CustomShape 2"/>
+          <p:cNvSpPr/>
+          <p:nvPr/>
+        </p:nvSpPr>
+        <p:spPr>
+          <a:xfrm>
+            <a:off x="504000" y="2273040"/>
+            <a:ext cx="9070920" cy="4384080"/>
+          </a:xfrm>
+          <a:prstGeom prst="rect">
+            <a:avLst/>
+          </a:prstGeom>
+          <a:noFill/>
+          <a:ln>
+            <a:noFill/>
+          </a:ln>
+        </p:spPr>
+        <p:style>
+          <a:lnRef idx="0"/>
+          <a:fillRef idx="0"/>
+          <a:effectRef idx="0"/>
+          <a:fontRef idx="minor"/>
+        </p:style>
+        <p:txBody>
+          <a:bodyPr lIns="0" rIns="0" tIns="0" bIns="0"/>
+          <a:p>
+            <a:pPr marL="432000" indent="-323280">
+              <a:lnSpc>
+                <a:spcPct val="100000"/>
+              </a:lnSpc>
+              <a:spcAft>
+                <a:spcPts val="1417"/>
+              </a:spcAft>
+              <a:buClr>
+                <a:srgbClr val="000000"/>
+              </a:buClr>
+              <a:buSzPct val="45000"/>
+              <a:buFont typeface="Wingdings" charset="2"/>
+              <a:buChar char=""/>
+            </a:pPr>
+            <a:r>
+              <a:rPr b="0" lang="en-US" sz="2200" spc="-1" strike="noStrike">
+                <a:solidFill>
+                  <a:srgbClr val="000000"/>
+                </a:solidFill>
+                <a:latin typeface="Source Sans Pro"/>
+                <a:ea typeface="DejaVu Sans"/>
+              </a:rPr>
+              <a:t>Many NAs</a:t>
+            </a:r>
+            <a:endParaRPr b="0" lang="en-US" sz="2200" spc="-1" strike="noStrike">
+              <a:latin typeface="Arial"/>
+            </a:endParaRPr>
+          </a:p>
+          <a:p>
+            <a:pPr marL="432000" indent="-323280">
+              <a:lnSpc>
+                <a:spcPct val="100000"/>
+              </a:lnSpc>
+              <a:spcAft>
+                <a:spcPts val="1417"/>
+              </a:spcAft>
+              <a:buClr>
+                <a:srgbClr val="000000"/>
+              </a:buClr>
+              <a:buSzPct val="45000"/>
+              <a:buFont typeface="Wingdings" charset="2"/>
+              <a:buChar char=""/>
+            </a:pPr>
+            <a:r>
+              <a:rPr b="0" lang="en-US" sz="2200" spc="-1" strike="noStrike">
+                <a:solidFill>
+                  <a:srgbClr val="000000"/>
+                </a:solidFill>
+                <a:latin typeface="Source Sans Pro"/>
+                <a:ea typeface="DejaVu Sans"/>
+              </a:rPr>
+              <a:t>All models had correlation coefficient of &lt; 0.2 and error measures &gt; 90%</a:t>
+            </a:r>
+            <a:endParaRPr b="0" lang="en-US" sz="2200" spc="-1" strike="noStrike">
+              <a:latin typeface="Arial"/>
+            </a:endParaRPr>
+          </a:p>
+        </p:txBody>
+      </p:sp>
+    </p:spTree>
+  </p:cSld>
+  <p:timing>
+    <p:tnLst>
+      <p:par>
+        <p:cTn id="49" dur="indefinite" restart="never" nodeType="tmRoot">
+          <p:childTnLst>
+            <p:seq>
+              <p:cTn id="50" dur="indefinite" nodeType="mainSeq"/>
               <p:prevCondLst>
                 <p:cond delay="0" evt="onPrev">
                   <p:tgtEl>
@@ -5649,7 +11190,7 @@
         <p:spPr>
           <a:xfrm>
             <a:off x="504000" y="805320"/>
-            <a:ext cx="9071280" cy="1261800"/>
+            <a:ext cx="9070920" cy="1261440"/>
           </a:xfrm>
           <a:prstGeom prst="rect">
             <a:avLst/>
@@ -5679,6 +11220,7 @@
                   <a:srgbClr val="3399ff"/>
                 </a:solidFill>
                 <a:latin typeface="Source Sans Pro"/>
+                <a:ea typeface="DejaVu Sans"/>
               </a:rPr>
               <a:t>Missing Data</a:t>
             </a:r>
@@ -5697,7 +11239,7 @@
         <p:spPr>
           <a:xfrm>
             <a:off x="504000" y="2273040"/>
-            <a:ext cx="9071280" cy="4384440"/>
+            <a:ext cx="9070920" cy="4384080"/>
           </a:xfrm>
           <a:prstGeom prst="rect">
             <a:avLst/>
@@ -5716,7 +11258,7 @@
         <p:txBody>
           <a:bodyPr lIns="0" rIns="0" tIns="0" bIns="0"/>
           <a:p>
-            <a:pPr marL="432000" indent="-323640">
+            <a:pPr marL="432000" indent="-323280">
               <a:lnSpc>
                 <a:spcPct val="100000"/>
               </a:lnSpc>
@@ -5736,6 +11278,7 @@
                   <a:srgbClr val="000000"/>
                 </a:solidFill>
                 <a:latin typeface="Source Sans Pro"/>
+                <a:ea typeface="DejaVu Sans"/>
               </a:rPr>
               <a:t>1324 / 1857 had 0 duration</a:t>
             </a:r>
@@ -5744,7 +11287,7 @@
             </a:endParaRPr>
           </a:p>
           <a:p>
-            <a:pPr marL="432000" indent="-323640">
+            <a:pPr marL="432000" indent="-323280">
               <a:lnSpc>
                 <a:spcPct val="100000"/>
               </a:lnSpc>
@@ -5764,6 +11307,7 @@
                   <a:srgbClr val="000000"/>
                 </a:solidFill>
                 <a:latin typeface="Source Sans Pro"/>
+                <a:ea typeface="DejaVu Sans"/>
               </a:rPr>
               <a:t>Taking mean combined with duration data in instances dataset brought this down to 887</a:t>
             </a:r>
@@ -5772,7 +11316,7 @@
             </a:endParaRPr>
           </a:p>
           <a:p>
-            <a:pPr marL="432000" indent="-323640">
+            <a:pPr marL="432000" indent="-323280">
               <a:lnSpc>
                 <a:spcPct val="100000"/>
               </a:lnSpc>
@@ -5792,6 +11336,36 @@
                   <a:srgbClr val="000000"/>
                 </a:solidFill>
                 <a:latin typeface="Source Sans Pro"/>
+                <a:ea typeface="DejaVu Sans"/>
+              </a:rPr>
+              <a:t>Dropping observations with 0 duration and combining with durations from instances dataset left 970 observations with no 0 duration observations</a:t>
+            </a:r>
+            <a:endParaRPr b="0" lang="en-US" sz="2200" spc="-1" strike="noStrike">
+              <a:latin typeface="Arial"/>
+            </a:endParaRPr>
+          </a:p>
+          <a:p>
+            <a:pPr marL="432000" indent="-323280">
+              <a:lnSpc>
+                <a:spcPct val="100000"/>
+              </a:lnSpc>
+              <a:spcAft>
+                <a:spcPts val="1417"/>
+              </a:spcAft>
+              <a:buClr>
+                <a:srgbClr val="000000"/>
+              </a:buClr>
+              <a:buSzPct val="45000"/>
+              <a:buFont typeface="Wingdings" charset="2"/>
+              <a:buChar char=""/>
+            </a:pPr>
+            <a:r>
+              <a:rPr b="0" lang="en-US" sz="2200" spc="-1" strike="noStrike">
+                <a:solidFill>
+                  <a:srgbClr val="000000"/>
+                </a:solidFill>
+                <a:latin typeface="Source Sans Pro"/>
+                <a:ea typeface="DejaVu Sans"/>
               </a:rPr>
               <a:t>992 / 1857 Problems had no related incident</a:t>
             </a:r>
@@ -5859,7 +11433,7 @@
         <p:spPr>
           <a:xfrm>
             <a:off x="504000" y="805320"/>
-            <a:ext cx="9071280" cy="1261800"/>
+            <a:ext cx="9070920" cy="1261440"/>
           </a:xfrm>
           <a:prstGeom prst="rect">
             <a:avLst/>
@@ -5889,6 +11463,7 @@
                   <a:srgbClr val="3399ff"/>
                 </a:solidFill>
                 <a:latin typeface="Source Sans Pro"/>
+                <a:ea typeface="DejaVu Sans"/>
               </a:rPr>
               <a:t>Missing Data</a:t>
             </a:r>
@@ -5907,7 +11482,7 @@
         <p:spPr>
           <a:xfrm>
             <a:off x="504000" y="2273040"/>
-            <a:ext cx="9071280" cy="4384440"/>
+            <a:ext cx="9070920" cy="4384080"/>
           </a:xfrm>
           <a:prstGeom prst="rect">
             <a:avLst/>
@@ -5926,7 +11501,7 @@
         <p:txBody>
           <a:bodyPr lIns="0" rIns="0" tIns="0" bIns="0"/>
           <a:p>
-            <a:pPr marL="432000" indent="-323640">
+            <a:pPr marL="432000" indent="-323280">
               <a:lnSpc>
                 <a:spcPct val="100000"/>
               </a:lnSpc>
@@ -5946,6 +11521,7 @@
                   <a:srgbClr val="000000"/>
                 </a:solidFill>
                 <a:latin typeface="Source Sans Pro"/>
+                <a:ea typeface="DejaVu Sans"/>
               </a:rPr>
               <a:t>NA count by feature:</a:t>
             </a:r>
@@ -5954,7 +11530,7 @@
             </a:endParaRPr>
           </a:p>
           <a:p>
-            <a:pPr marL="432000" indent="-323640">
+            <a:pPr marL="432000" indent="-323280">
               <a:lnSpc>
                 <a:spcPct val="100000"/>
               </a:lnSpc>
@@ -5974,6 +11550,7 @@
                   <a:srgbClr val="000000"/>
                 </a:solidFill>
                 <a:latin typeface="Source Sans Pro"/>
+                <a:ea typeface="DejaVu Sans"/>
               </a:rPr>
               <a:t>Assignment group = 16</a:t>
             </a:r>
@@ -5982,7 +11559,7 @@
             </a:endParaRPr>
           </a:p>
           <a:p>
-            <a:pPr marL="432000" indent="-323640">
+            <a:pPr marL="432000" indent="-323280">
               <a:lnSpc>
                 <a:spcPct val="100000"/>
               </a:lnSpc>
@@ -6002,6 +11579,7 @@
                   <a:srgbClr val="000000"/>
                 </a:solidFill>
                 <a:latin typeface="Source Sans Pro"/>
+                <a:ea typeface="DejaVu Sans"/>
               </a:rPr>
               <a:t>Business service = 131</a:t>
             </a:r>
@@ -6010,7 +11588,7 @@
             </a:endParaRPr>
           </a:p>
           <a:p>
-            <a:pPr marL="432000" indent="-323640">
+            <a:pPr marL="432000" indent="-323280">
               <a:lnSpc>
                 <a:spcPct val="100000"/>
               </a:lnSpc>
@@ -6030,6 +11608,7 @@
                   <a:srgbClr val="000000"/>
                 </a:solidFill>
                 <a:latin typeface="Source Sans Pro"/>
+                <a:ea typeface="DejaVu Sans"/>
               </a:rPr>
               <a:t>Category = 233</a:t>
             </a:r>
@@ -6038,7 +11617,7 @@
             </a:endParaRPr>
           </a:p>
           <a:p>
-            <a:pPr marL="432000" indent="-323640">
+            <a:pPr marL="432000" indent="-323280">
               <a:lnSpc>
                 <a:spcPct val="100000"/>
               </a:lnSpc>
@@ -6058,6 +11637,7 @@
                   <a:srgbClr val="000000"/>
                 </a:solidFill>
                 <a:latin typeface="Source Sans Pro"/>
+                <a:ea typeface="DejaVu Sans"/>
               </a:rPr>
               <a:t>Company = 923</a:t>
             </a:r>
@@ -6066,7 +11646,7 @@
             </a:endParaRPr>
           </a:p>
           <a:p>
-            <a:pPr marL="432000" indent="-323640">
+            <a:pPr marL="432000" indent="-323280">
               <a:lnSpc>
                 <a:spcPct val="100000"/>
               </a:lnSpc>
@@ -6086,6 +11666,7 @@
                   <a:srgbClr val="000000"/>
                 </a:solidFill>
                 <a:latin typeface="Source Sans Pro"/>
+                <a:ea typeface="DejaVu Sans"/>
               </a:rPr>
               <a:t>Opened by = 0</a:t>
             </a:r>
@@ -6094,7 +11675,7 @@
             </a:endParaRPr>
           </a:p>
           <a:p>
-            <a:pPr marL="432000" indent="-323640">
+            <a:pPr marL="432000" indent="-323280">
               <a:lnSpc>
                 <a:spcPct val="100000"/>
               </a:lnSpc>
@@ -6114,6 +11695,7 @@
                   <a:srgbClr val="000000"/>
                 </a:solidFill>
                 <a:latin typeface="Source Sans Pro"/>
+                <a:ea typeface="DejaVu Sans"/>
               </a:rPr>
               <a:t>Problem Manager = 27</a:t>
             </a:r>
@@ -6122,7 +11704,7 @@
             </a:endParaRPr>
           </a:p>
           <a:p>
-            <a:pPr marL="432000" indent="-323640">
+            <a:pPr marL="432000" indent="-323280">
               <a:lnSpc>
                 <a:spcPct val="100000"/>
               </a:lnSpc>
@@ -6142,6 +11724,7 @@
                   <a:srgbClr val="000000"/>
                 </a:solidFill>
                 <a:latin typeface="Source Sans Pro"/>
+                <a:ea typeface="DejaVu Sans"/>
               </a:rPr>
               <a:t>Type = 99</a:t>
             </a:r>
@@ -6209,7 +11792,7 @@
         <p:spPr>
           <a:xfrm>
             <a:off x="504000" y="805320"/>
-            <a:ext cx="9071280" cy="1261800"/>
+            <a:ext cx="9070920" cy="1261440"/>
           </a:xfrm>
           <a:prstGeom prst="rect">
             <a:avLst/>
@@ -6239,6 +11822,7 @@
                   <a:srgbClr val="3399ff"/>
                 </a:solidFill>
                 <a:latin typeface="Source Sans Pro"/>
+                <a:ea typeface="DejaVu Sans"/>
               </a:rPr>
               <a:t>Meaningful Features</a:t>
             </a:r>
@@ -6257,7 +11841,7 @@
         <p:spPr>
           <a:xfrm>
             <a:off x="504000" y="2273040"/>
-            <a:ext cx="9071280" cy="4384440"/>
+            <a:ext cx="9070920" cy="4384080"/>
           </a:xfrm>
           <a:prstGeom prst="rect">
             <a:avLst/>
@@ -6276,7 +11860,7 @@
         <p:txBody>
           <a:bodyPr lIns="0" rIns="0" tIns="0" bIns="0"/>
           <a:p>
-            <a:pPr marL="432000" indent="-323640">
+            <a:pPr marL="432000" indent="-323280">
               <a:lnSpc>
                 <a:spcPct val="100000"/>
               </a:lnSpc>
@@ -6296,6 +11880,7 @@
                   <a:srgbClr val="000000"/>
                 </a:solidFill>
                 <a:latin typeface="Source Sans Pro"/>
+                <a:ea typeface="DejaVu Sans"/>
               </a:rPr>
               <a:t>For Category Prediction:</a:t>
             </a:r>
@@ -6304,7 +11889,7 @@
             </a:endParaRPr>
           </a:p>
           <a:p>
-            <a:pPr lvl="1" marL="864000" indent="-323640">
+            <a:pPr lvl="1" marL="864000" indent="-323280">
               <a:lnSpc>
                 <a:spcPct val="100000"/>
               </a:lnSpc>
@@ -6324,6 +11909,7 @@
                   <a:srgbClr val="111111"/>
                 </a:solidFill>
                 <a:latin typeface="Corbel"/>
+                <a:ea typeface="DejaVu Sans"/>
               </a:rPr>
               <a:t>Business service</a:t>
             </a:r>
@@ -6332,7 +11918,7 @@
             </a:endParaRPr>
           </a:p>
           <a:p>
-            <a:pPr lvl="1" marL="864000" indent="-323640">
+            <a:pPr lvl="1" marL="864000" indent="-323280">
               <a:lnSpc>
                 <a:spcPct val="100000"/>
               </a:lnSpc>
@@ -6352,6 +11938,7 @@
                   <a:srgbClr val="111111"/>
                 </a:solidFill>
                 <a:latin typeface="Corbel"/>
+                <a:ea typeface="DejaVu Sans"/>
               </a:rPr>
               <a:t>Duration Mean</a:t>
             </a:r>
@@ -6360,7 +11947,7 @@
             </a:endParaRPr>
           </a:p>
           <a:p>
-            <a:pPr lvl="1" marL="864000" indent="-323640">
+            <a:pPr lvl="1" marL="864000" indent="-323280">
               <a:lnSpc>
                 <a:spcPct val="100000"/>
               </a:lnSpc>
@@ -6380,6 +11967,7 @@
                   <a:srgbClr val="111111"/>
                 </a:solidFill>
                 <a:latin typeface="Corbel"/>
+                <a:ea typeface="DejaVu Sans"/>
               </a:rPr>
               <a:t>Opened by</a:t>
             </a:r>
@@ -6388,7 +11976,7 @@
             </a:endParaRPr>
           </a:p>
           <a:p>
-            <a:pPr lvl="1" marL="864000" indent="-323640">
+            <a:pPr lvl="1" marL="864000" indent="-323280">
               <a:lnSpc>
                 <a:spcPct val="100000"/>
               </a:lnSpc>
@@ -6408,6 +11996,7 @@
                   <a:srgbClr val="111111"/>
                 </a:solidFill>
                 <a:latin typeface="Corbel"/>
+                <a:ea typeface="DejaVu Sans"/>
               </a:rPr>
               <a:t>Problem Manager</a:t>
             </a:r>
@@ -6416,7 +12005,7 @@
             </a:endParaRPr>
           </a:p>
           <a:p>
-            <a:pPr lvl="1" marL="864000" indent="-323640">
+            <a:pPr lvl="1" marL="864000" indent="-323280">
               <a:lnSpc>
                 <a:spcPct val="100000"/>
               </a:lnSpc>
@@ -6436,6 +12025,7 @@
                   <a:srgbClr val="111111"/>
                 </a:solidFill>
                 <a:latin typeface="Corbel"/>
+                <a:ea typeface="DejaVu Sans"/>
               </a:rPr>
               <a:t>Reassignment Count</a:t>
             </a:r>
@@ -6444,7 +12034,7 @@
             </a:endParaRPr>
           </a:p>
           <a:p>
-            <a:pPr lvl="1" marL="864000" indent="-323640">
+            <a:pPr lvl="1" marL="864000" indent="-323280">
               <a:lnSpc>
                 <a:spcPct val="100000"/>
               </a:lnSpc>
@@ -6464,6 +12054,7 @@
                   <a:srgbClr val="111111"/>
                 </a:solidFill>
                 <a:latin typeface="Corbel"/>
+                <a:ea typeface="DejaVu Sans"/>
               </a:rPr>
               <a:t>Updates</a:t>
             </a:r>
@@ -6531,7 +12122,7 @@
         <p:spPr>
           <a:xfrm>
             <a:off x="504000" y="805320"/>
-            <a:ext cx="9071280" cy="1261800"/>
+            <a:ext cx="9070920" cy="1261440"/>
           </a:xfrm>
           <a:prstGeom prst="rect">
             <a:avLst/>
@@ -6561,6 +12152,7 @@
                   <a:srgbClr val="3399ff"/>
                 </a:solidFill>
                 <a:latin typeface="Source Sans Pro"/>
+                <a:ea typeface="DejaVu Sans"/>
               </a:rPr>
               <a:t>Category Distribution</a:t>
             </a:r>
@@ -6579,7 +12171,7 @@
         <p:spPr>
           <a:xfrm>
             <a:off x="504000" y="2273040"/>
-            <a:ext cx="9071280" cy="4384440"/>
+            <a:ext cx="9070920" cy="4384080"/>
           </a:xfrm>
           <a:prstGeom prst="rect">
             <a:avLst/>
@@ -6598,7 +12190,7 @@
         <p:txBody>
           <a:bodyPr lIns="0" rIns="0" tIns="0" bIns="0"/>
           <a:p>
-            <a:pPr marL="432000" indent="-323640">
+            <a:pPr marL="432000" indent="-323280">
               <a:lnSpc>
                 <a:spcPct val="100000"/>
               </a:lnSpc>
@@ -6618,6 +12210,7 @@
                   <a:srgbClr val="000000"/>
                 </a:solidFill>
                 <a:latin typeface="Source Sans Pro"/>
+                <a:ea typeface="DejaVu Sans"/>
               </a:rPr>
               <a:t>Application - 1122</a:t>
             </a:r>
@@ -6626,7 +12219,7 @@
             </a:endParaRPr>
           </a:p>
           <a:p>
-            <a:pPr marL="432000" indent="-323640">
+            <a:pPr marL="432000" indent="-323280">
               <a:lnSpc>
                 <a:spcPct val="100000"/>
               </a:lnSpc>
@@ -6646,6 +12239,7 @@
                   <a:srgbClr val="000000"/>
                 </a:solidFill>
                 <a:latin typeface="Source Sans Pro"/>
+                <a:ea typeface="DejaVu Sans"/>
               </a:rPr>
               <a:t>Hardware – 345</a:t>
             </a:r>
@@ -6654,7 +12248,7 @@
             </a:endParaRPr>
           </a:p>
           <a:p>
-            <a:pPr marL="432000" indent="-323640">
+            <a:pPr marL="432000" indent="-323280">
               <a:lnSpc>
                 <a:spcPct val="100000"/>
               </a:lnSpc>
@@ -6674,6 +12268,7 @@
                   <a:srgbClr val="000000"/>
                 </a:solidFill>
                 <a:latin typeface="Source Sans Pro"/>
+                <a:ea typeface="DejaVu Sans"/>
               </a:rPr>
               <a:t>Other – 233</a:t>
             </a:r>
@@ -6682,7 +12277,7 @@
             </a:endParaRPr>
           </a:p>
           <a:p>
-            <a:pPr marL="432000" indent="-323640">
+            <a:pPr marL="432000" indent="-323280">
               <a:lnSpc>
                 <a:spcPct val="100000"/>
               </a:lnSpc>
@@ -6702,6 +12297,7 @@
                   <a:srgbClr val="000000"/>
                 </a:solidFill>
                 <a:latin typeface="Source Sans Pro"/>
+                <a:ea typeface="DejaVu Sans"/>
               </a:rPr>
               <a:t>Network – 59</a:t>
             </a:r>
@@ -6710,7 +12306,7 @@
             </a:endParaRPr>
           </a:p>
           <a:p>
-            <a:pPr marL="432000" indent="-323640">
+            <a:pPr marL="432000" indent="-323280">
               <a:lnSpc>
                 <a:spcPct val="100000"/>
               </a:lnSpc>
@@ -6730,6 +12326,7 @@
                   <a:srgbClr val="000000"/>
                 </a:solidFill>
                 <a:latin typeface="Source Sans Pro"/>
+                <a:ea typeface="DejaVu Sans"/>
               </a:rPr>
               <a:t>Inquiry / Help – 39</a:t>
             </a:r>
@@ -6738,7 +12335,7 @@
             </a:endParaRPr>
           </a:p>
           <a:p>
-            <a:pPr marL="432000" indent="-323640">
+            <a:pPr marL="432000" indent="-323280">
               <a:lnSpc>
                 <a:spcPct val="100000"/>
               </a:lnSpc>
@@ -6758,6 +12355,7 @@
                   <a:srgbClr val="000000"/>
                 </a:solidFill>
                 <a:latin typeface="Source Sans Pro"/>
+                <a:ea typeface="DejaVu Sans"/>
               </a:rPr>
               <a:t>Infrastructure – 33</a:t>
             </a:r>
@@ -6766,7 +12364,7 @@
             </a:endParaRPr>
           </a:p>
           <a:p>
-            <a:pPr marL="432000" indent="-323640">
+            <a:pPr marL="432000" indent="-323280">
               <a:lnSpc>
                 <a:spcPct val="100000"/>
               </a:lnSpc>
@@ -6786,6 +12384,7 @@
                   <a:srgbClr val="000000"/>
                 </a:solidFill>
                 <a:latin typeface="Source Sans Pro"/>
+                <a:ea typeface="DejaVu Sans"/>
               </a:rPr>
               <a:t>Security – 14</a:t>
             </a:r>
@@ -6794,7 +12393,7 @@
             </a:endParaRPr>
           </a:p>
           <a:p>
-            <a:pPr marL="432000" indent="-323640">
+            <a:pPr marL="432000" indent="-323280">
               <a:lnSpc>
                 <a:spcPct val="100000"/>
               </a:lnSpc>
@@ -6814,6 +12413,7 @@
                   <a:srgbClr val="000000"/>
                 </a:solidFill>
                 <a:latin typeface="Source Sans Pro"/>
+                <a:ea typeface="DejaVu Sans"/>
               </a:rPr>
               <a:t>Environment 7</a:t>
             </a:r>
@@ -6822,7 +12422,7 @@
             </a:endParaRPr>
           </a:p>
           <a:p>
-            <a:pPr marL="432000" indent="-323640">
+            <a:pPr marL="432000" indent="-323280">
               <a:lnSpc>
                 <a:spcPct val="100000"/>
               </a:lnSpc>
@@ -6842,6 +12442,7 @@
                   <a:srgbClr val="000000"/>
                 </a:solidFill>
                 <a:latin typeface="Source Sans Pro"/>
+                <a:ea typeface="DejaVu Sans"/>
               </a:rPr>
               <a:t>Telephony - 5</a:t>
             </a:r>
@@ -6908,8 +12509,8 @@
         </p:nvSpPr>
         <p:spPr>
           <a:xfrm>
-            <a:off x="504000" y="850320"/>
-            <a:ext cx="9071280" cy="1171800"/>
+            <a:off x="504000" y="805320"/>
+            <a:ext cx="9070920" cy="1261440"/>
           </a:xfrm>
           <a:prstGeom prst="rect">
             <a:avLst/>
@@ -6925,6 +12526,29 @@
           <a:effectRef idx="0"/>
           <a:fontRef idx="minor"/>
         </p:style>
+        <p:txBody>
+          <a:bodyPr lIns="0" rIns="0" tIns="0" bIns="0" anchor="ctr"/>
+          <a:p>
+            <a:pPr>
+              <a:lnSpc>
+                <a:spcPct val="100000"/>
+              </a:lnSpc>
+            </a:pPr>
+            <a:r>
+              <a:rPr b="0" lang="en-US" sz="3200" spc="-1" strike="noStrike">
+                <a:solidFill>
+                  <a:srgbClr val="3399ff"/>
+                </a:solidFill>
+                <a:latin typeface="Source Sans Pro"/>
+                <a:ea typeface="DejaVu Sans"/>
+              </a:rPr>
+              <a:t>Datasets</a:t>
+            </a:r>
+            <a:endParaRPr b="0" lang="en-US" sz="3200" spc="-1" strike="noStrike">
+              <a:latin typeface="Arial"/>
+            </a:endParaRPr>
+          </a:p>
+        </p:txBody>
       </p:sp>
       <p:sp>
         <p:nvSpPr>
@@ -6935,7 +12559,7 @@
         <p:spPr>
           <a:xfrm>
             <a:off x="504000" y="2273040"/>
-            <a:ext cx="9071280" cy="3627000"/>
+            <a:ext cx="9070920" cy="4384080"/>
           </a:xfrm>
           <a:prstGeom prst="rect">
             <a:avLst/>
@@ -6951,30 +12575,271 @@
           <a:effectRef idx="0"/>
           <a:fontRef idx="minor"/>
         </p:style>
+        <p:txBody>
+          <a:bodyPr lIns="0" rIns="0" tIns="0" bIns="0"/>
+          <a:p>
+            <a:pPr marL="432000" indent="-323280">
+              <a:lnSpc>
+                <a:spcPct val="100000"/>
+              </a:lnSpc>
+              <a:spcAft>
+                <a:spcPts val="1417"/>
+              </a:spcAft>
+              <a:buClr>
+                <a:srgbClr val="000000"/>
+              </a:buClr>
+              <a:buSzPct val="45000"/>
+              <a:buFont typeface="Wingdings" charset="2"/>
+              <a:buChar char=""/>
+            </a:pPr>
+            <a:r>
+              <a:rPr b="0" lang="en-US" sz="2200" spc="-1" strike="noStrike">
+                <a:solidFill>
+                  <a:srgbClr val="000000"/>
+                </a:solidFill>
+                <a:latin typeface="Source Sans Pro"/>
+                <a:ea typeface="DejaVu Sans"/>
+              </a:rPr>
+              <a:t>Two datasets created</a:t>
+            </a:r>
+            <a:endParaRPr b="0" lang="en-US" sz="2200" spc="-1" strike="noStrike">
+              <a:latin typeface="Arial"/>
+            </a:endParaRPr>
+          </a:p>
+          <a:p>
+            <a:pPr marL="432000" indent="-323280">
+              <a:lnSpc>
+                <a:spcPct val="100000"/>
+              </a:lnSpc>
+              <a:spcAft>
+                <a:spcPts val="1417"/>
+              </a:spcAft>
+              <a:buClr>
+                <a:srgbClr val="000000"/>
+              </a:buClr>
+              <a:buSzPct val="45000"/>
+              <a:buFont typeface="Wingdings" charset="2"/>
+              <a:buChar char=""/>
+            </a:pPr>
+            <a:r>
+              <a:rPr b="0" lang="en-US" sz="2200" spc="-1" strike="noStrike">
+                <a:solidFill>
+                  <a:srgbClr val="000000"/>
+                </a:solidFill>
+                <a:latin typeface="Source Sans Pro"/>
+                <a:ea typeface="DejaVu Sans"/>
+              </a:rPr>
+              <a:t>First dataset created using mostly categorical features, along with features like problem duration</a:t>
+            </a:r>
+            <a:endParaRPr b="0" lang="en-US" sz="2200" spc="-1" strike="noStrike">
+              <a:latin typeface="Arial"/>
+            </a:endParaRPr>
+          </a:p>
+          <a:p>
+            <a:pPr lvl="1" marL="864000" indent="-323280">
+              <a:lnSpc>
+                <a:spcPct val="100000"/>
+              </a:lnSpc>
+              <a:spcAft>
+                <a:spcPts val="1134"/>
+              </a:spcAft>
+              <a:buClr>
+                <a:srgbClr val="000000"/>
+              </a:buClr>
+              <a:buSzPct val="75000"/>
+              <a:buFont typeface="Symbol"/>
+              <a:buChar char=""/>
+            </a:pPr>
+            <a:r>
+              <a:rPr b="0" lang="en-US" sz="1800" spc="-1" strike="noStrike">
+                <a:solidFill>
+                  <a:srgbClr val="111111"/>
+                </a:solidFill>
+                <a:latin typeface="Corbel"/>
+                <a:ea typeface="DejaVu Sans"/>
+              </a:rPr>
+              <a:t>For other features, “other” category created from NA observations</a:t>
+            </a:r>
+            <a:endParaRPr b="0" lang="en-US" sz="1800" spc="-1" strike="noStrike">
+              <a:latin typeface="Arial"/>
+            </a:endParaRPr>
+          </a:p>
+          <a:p>
+            <a:pPr lvl="1" marL="864000" indent="-323280">
+              <a:lnSpc>
+                <a:spcPct val="100000"/>
+              </a:lnSpc>
+              <a:spcAft>
+                <a:spcPts val="1134"/>
+              </a:spcAft>
+              <a:buClr>
+                <a:srgbClr val="000000"/>
+              </a:buClr>
+              <a:buSzPct val="75000"/>
+              <a:buFont typeface="Symbol"/>
+              <a:buChar char=""/>
+            </a:pPr>
+            <a:r>
+              <a:rPr b="0" lang="en-US" sz="1800" spc="-1" strike="noStrike">
+                <a:solidFill>
+                  <a:srgbClr val="111111"/>
+                </a:solidFill>
+                <a:latin typeface="Corbel"/>
+                <a:ea typeface="DejaVu Sans"/>
+              </a:rPr>
+              <a:t>Better to remove NA observations, but already few observations</a:t>
+            </a:r>
+            <a:endParaRPr b="0" lang="en-US" sz="1800" spc="-1" strike="noStrike">
+              <a:latin typeface="Arial"/>
+            </a:endParaRPr>
+          </a:p>
+          <a:p>
+            <a:pPr lvl="1" marL="864000" indent="-323280">
+              <a:lnSpc>
+                <a:spcPct val="100000"/>
+              </a:lnSpc>
+              <a:spcAft>
+                <a:spcPts val="1417"/>
+              </a:spcAft>
+              <a:buClr>
+                <a:srgbClr val="000000"/>
+              </a:buClr>
+              <a:buSzPct val="75000"/>
+              <a:buFont typeface="Symbol"/>
+              <a:buChar char=""/>
+            </a:pPr>
+            <a:r>
+              <a:rPr b="0" lang="en-US" sz="1800" spc="-1" strike="noStrike">
+                <a:solidFill>
+                  <a:srgbClr val="111111"/>
+                </a:solidFill>
+                <a:latin typeface="Corbel"/>
+                <a:ea typeface="DejaVu Sans"/>
+              </a:rPr>
+              <a:t>Created features from difficult to use features such as Created Time of Day from Created Time</a:t>
+            </a:r>
+            <a:endParaRPr b="0" lang="en-US" sz="1800" spc="-1" strike="noStrike">
+              <a:latin typeface="Arial"/>
+            </a:endParaRPr>
+          </a:p>
+          <a:p>
+            <a:pPr marL="432000" indent="-323280">
+              <a:lnSpc>
+                <a:spcPct val="100000"/>
+              </a:lnSpc>
+              <a:spcAft>
+                <a:spcPts val="1417"/>
+              </a:spcAft>
+              <a:buClr>
+                <a:srgbClr val="000000"/>
+              </a:buClr>
+              <a:buSzPct val="45000"/>
+              <a:buFont typeface="Wingdings" charset="2"/>
+              <a:buChar char=""/>
+            </a:pPr>
+            <a:r>
+              <a:rPr b="0" lang="en-US" sz="2200" spc="-1" strike="noStrike">
+                <a:solidFill>
+                  <a:srgbClr val="000000"/>
+                </a:solidFill>
+                <a:latin typeface="Source Sans Pro"/>
+                <a:ea typeface="DejaVu Sans"/>
+              </a:rPr>
+              <a:t>Second dataset created using problem short descriptions</a:t>
+            </a:r>
+            <a:endParaRPr b="0" lang="en-US" sz="2200" spc="-1" strike="noStrike">
+              <a:latin typeface="Arial"/>
+            </a:endParaRPr>
+          </a:p>
+          <a:p>
+            <a:pPr lvl="1" marL="864000" indent="-323280">
+              <a:lnSpc>
+                <a:spcPct val="100000"/>
+              </a:lnSpc>
+              <a:spcAft>
+                <a:spcPts val="1134"/>
+              </a:spcAft>
+              <a:buClr>
+                <a:srgbClr val="000000"/>
+              </a:buClr>
+              <a:buSzPct val="75000"/>
+              <a:buFont typeface="Symbol"/>
+              <a:buChar char=""/>
+            </a:pPr>
+            <a:r>
+              <a:rPr b="0" lang="en-US" sz="1800" spc="-1" strike="noStrike">
+                <a:solidFill>
+                  <a:srgbClr val="111111"/>
+                </a:solidFill>
+                <a:latin typeface="Corbel"/>
+                <a:ea typeface="DejaVu Sans"/>
+              </a:rPr>
+              <a:t>Bag of Words</a:t>
+            </a:r>
+            <a:endParaRPr b="0" lang="en-US" sz="1800" spc="-1" strike="noStrike">
+              <a:latin typeface="Arial"/>
+            </a:endParaRPr>
+          </a:p>
+          <a:p>
+            <a:pPr lvl="1" marL="864000" indent="-323280">
+              <a:lnSpc>
+                <a:spcPct val="100000"/>
+              </a:lnSpc>
+              <a:spcAft>
+                <a:spcPts val="1134"/>
+              </a:spcAft>
+              <a:buClr>
+                <a:srgbClr val="000000"/>
+              </a:buClr>
+              <a:buSzPct val="75000"/>
+              <a:buFont typeface="Symbol"/>
+              <a:buChar char=""/>
+            </a:pPr>
+            <a:r>
+              <a:rPr b="0" lang="en-US" sz="1800" spc="-1" strike="noStrike">
+                <a:solidFill>
+                  <a:srgbClr val="111111"/>
+                </a:solidFill>
+                <a:latin typeface="Corbel"/>
+                <a:ea typeface="DejaVu Sans"/>
+              </a:rPr>
+              <a:t>Term Frequency-Inverse Document Frequency word vectors</a:t>
+            </a:r>
+            <a:endParaRPr b="0" lang="en-US" sz="1800" spc="-1" strike="noStrike">
+              <a:latin typeface="Arial"/>
+            </a:endParaRPr>
+          </a:p>
+          <a:p>
+            <a:pPr lvl="1" marL="864000" indent="-323280">
+              <a:lnSpc>
+                <a:spcPct val="100000"/>
+              </a:lnSpc>
+              <a:spcAft>
+                <a:spcPts val="1134"/>
+              </a:spcAft>
+              <a:buClr>
+                <a:srgbClr val="000000"/>
+              </a:buClr>
+              <a:buSzPct val="75000"/>
+              <a:buFont typeface="Symbol"/>
+              <a:buChar char=""/>
+            </a:pPr>
+            <a:r>
+              <a:rPr b="0" lang="en-US" sz="1800" spc="-1" strike="noStrike">
+                <a:solidFill>
+                  <a:srgbClr val="111111"/>
+                </a:solidFill>
+                <a:latin typeface="Corbel"/>
+                <a:ea typeface="DejaVu Sans"/>
+              </a:rPr>
+              <a:t>Used to try to classify problem category based on problem descriptions</a:t>
+            </a:r>
+            <a:endParaRPr b="0" lang="en-US" sz="1800" spc="-1" strike="noStrike">
+              <a:latin typeface="Arial"/>
+            </a:endParaRPr>
+          </a:p>
+        </p:txBody>
       </p:sp>
-      <p:pic>
-        <p:nvPicPr>
-          <p:cNvPr id="92" name="" descr=""/>
-          <p:cNvPicPr/>
-          <p:nvPr/>
-        </p:nvPicPr>
-        <p:blipFill>
-          <a:blip r:embed="rId1"/>
-          <a:stretch/>
-        </p:blipFill>
-        <p:spPr>
-          <a:xfrm>
-            <a:off x="180360" y="180360"/>
-            <a:ext cx="9719280" cy="7199280"/>
-          </a:xfrm>
-          <a:prstGeom prst="rect">
-            <a:avLst/>
-          </a:prstGeom>
-          <a:ln>
-            <a:noFill/>
-          </a:ln>
-        </p:spPr>
-      </p:pic>
     </p:spTree>
   </p:cSld>
   <p:timing>
@@ -7026,14 +12891,14 @@
       </p:grpSpPr>
       <p:sp>
         <p:nvSpPr>
-          <p:cNvPr id="93" name="CustomShape 1"/>
+          <p:cNvPr id="92" name="CustomShape 1"/>
           <p:cNvSpPr/>
           <p:nvPr/>
         </p:nvSpPr>
         <p:spPr>
           <a:xfrm>
             <a:off x="504000" y="805320"/>
-            <a:ext cx="9071280" cy="1261800"/>
+            <a:ext cx="9070920" cy="1261440"/>
           </a:xfrm>
           <a:prstGeom prst="rect">
             <a:avLst/>
@@ -7049,17 +12914,40 @@
           <a:effectRef idx="0"/>
           <a:fontRef idx="minor"/>
         </p:style>
+        <p:txBody>
+          <a:bodyPr lIns="0" rIns="0" tIns="0" bIns="0" anchor="ctr"/>
+          <a:p>
+            <a:pPr>
+              <a:lnSpc>
+                <a:spcPct val="100000"/>
+              </a:lnSpc>
+            </a:pPr>
+            <a:r>
+              <a:rPr b="0" lang="en-US" sz="3200" spc="-1" strike="noStrike">
+                <a:solidFill>
+                  <a:srgbClr val="3399ff"/>
+                </a:solidFill>
+                <a:latin typeface="Source Sans Pro"/>
+                <a:ea typeface="DejaVu Sans"/>
+              </a:rPr>
+              <a:t>Visualizations</a:t>
+            </a:r>
+            <a:endParaRPr b="0" lang="en-US" sz="3200" spc="-1" strike="noStrike">
+              <a:latin typeface="Arial"/>
+            </a:endParaRPr>
+          </a:p>
+        </p:txBody>
       </p:sp>
       <p:sp>
         <p:nvSpPr>
-          <p:cNvPr id="94" name="CustomShape 2"/>
+          <p:cNvPr id="93" name="CustomShape 2"/>
           <p:cNvSpPr/>
           <p:nvPr/>
         </p:nvSpPr>
         <p:spPr>
           <a:xfrm>
             <a:off x="504000" y="2273040"/>
-            <a:ext cx="9071280" cy="4384440"/>
+            <a:ext cx="9070920" cy="4384080"/>
           </a:xfrm>
           <a:prstGeom prst="rect">
             <a:avLst/>
@@ -7075,30 +12963,271 @@
           <a:effectRef idx="0"/>
           <a:fontRef idx="minor"/>
         </p:style>
+        <p:txBody>
+          <a:bodyPr lIns="0" rIns="0" tIns="0" bIns="0"/>
+          <a:p>
+            <a:pPr marL="432000" indent="-323280">
+              <a:lnSpc>
+                <a:spcPct val="100000"/>
+              </a:lnSpc>
+              <a:spcAft>
+                <a:spcPts val="1417"/>
+              </a:spcAft>
+              <a:buClr>
+                <a:srgbClr val="000000"/>
+              </a:buClr>
+              <a:buSzPct val="45000"/>
+              <a:buFont typeface="Wingdings" charset="2"/>
+              <a:buChar char=""/>
+            </a:pPr>
+            <a:r>
+              <a:rPr b="0" lang="en-US" sz="2200" spc="-1" strike="noStrike">
+                <a:solidFill>
+                  <a:srgbClr val="000000"/>
+                </a:solidFill>
+                <a:latin typeface="Source Sans Pro"/>
+                <a:ea typeface="DejaVu Sans"/>
+              </a:rPr>
+              <a:t>Relationships between different features</a:t>
+            </a:r>
+            <a:endParaRPr b="0" lang="en-US" sz="2200" spc="-1" strike="noStrike">
+              <a:latin typeface="Arial"/>
+            </a:endParaRPr>
+          </a:p>
+          <a:p>
+            <a:pPr marL="432000" indent="-323280">
+              <a:lnSpc>
+                <a:spcPct val="100000"/>
+              </a:lnSpc>
+              <a:spcAft>
+                <a:spcPts val="1417"/>
+              </a:spcAft>
+              <a:buClr>
+                <a:srgbClr val="000000"/>
+              </a:buClr>
+              <a:buSzPct val="45000"/>
+              <a:buFont typeface="Wingdings" charset="2"/>
+              <a:buChar char=""/>
+            </a:pPr>
+            <a:r>
+              <a:rPr b="0" lang="en-US" sz="2200" spc="-1" strike="noStrike">
+                <a:solidFill>
+                  <a:srgbClr val="000000"/>
+                </a:solidFill>
+                <a:latin typeface="Source Sans Pro"/>
+                <a:ea typeface="DejaVu Sans"/>
+              </a:rPr>
+              <a:t>Problem duration</a:t>
+            </a:r>
+            <a:endParaRPr b="0" lang="en-US" sz="2200" spc="-1" strike="noStrike">
+              <a:latin typeface="Arial"/>
+            </a:endParaRPr>
+          </a:p>
+          <a:p>
+            <a:pPr lvl="1" marL="864000" indent="-323280">
+              <a:lnSpc>
+                <a:spcPct val="100000"/>
+              </a:lnSpc>
+              <a:spcAft>
+                <a:spcPts val="1134"/>
+              </a:spcAft>
+              <a:buClr>
+                <a:srgbClr val="000000"/>
+              </a:buClr>
+              <a:buSzPct val="75000"/>
+              <a:buFont typeface="Symbol"/>
+              <a:buChar char=""/>
+            </a:pPr>
+            <a:r>
+              <a:rPr b="0" lang="en-US" sz="1800" spc="-1" strike="noStrike">
+                <a:solidFill>
+                  <a:srgbClr val="111111"/>
+                </a:solidFill>
+                <a:latin typeface="Corbel"/>
+                <a:ea typeface="DejaVu Sans"/>
+              </a:rPr>
+              <a:t>Category</a:t>
+            </a:r>
+            <a:endParaRPr b="0" lang="en-US" sz="1800" spc="-1" strike="noStrike">
+              <a:latin typeface="Arial"/>
+            </a:endParaRPr>
+          </a:p>
+          <a:p>
+            <a:pPr lvl="1" marL="864000" indent="-323280">
+              <a:lnSpc>
+                <a:spcPct val="100000"/>
+              </a:lnSpc>
+              <a:spcAft>
+                <a:spcPts val="1134"/>
+              </a:spcAft>
+              <a:buClr>
+                <a:srgbClr val="000000"/>
+              </a:buClr>
+              <a:buSzPct val="75000"/>
+              <a:buFont typeface="Symbol"/>
+              <a:buChar char=""/>
+            </a:pPr>
+            <a:r>
+              <a:rPr b="0" lang="en-US" sz="1800" spc="-1" strike="noStrike">
+                <a:solidFill>
+                  <a:srgbClr val="111111"/>
+                </a:solidFill>
+                <a:latin typeface="Corbel"/>
+                <a:ea typeface="DejaVu Sans"/>
+              </a:rPr>
+              <a:t>Business service</a:t>
+            </a:r>
+            <a:endParaRPr b="0" lang="en-US" sz="1800" spc="-1" strike="noStrike">
+              <a:latin typeface="Arial"/>
+            </a:endParaRPr>
+          </a:p>
+          <a:p>
+            <a:pPr lvl="1" marL="864000" indent="-323280">
+              <a:lnSpc>
+                <a:spcPct val="100000"/>
+              </a:lnSpc>
+              <a:spcAft>
+                <a:spcPts val="1134"/>
+              </a:spcAft>
+              <a:buClr>
+                <a:srgbClr val="000000"/>
+              </a:buClr>
+              <a:buSzPct val="75000"/>
+              <a:buFont typeface="Symbol"/>
+              <a:buChar char=""/>
+            </a:pPr>
+            <a:r>
+              <a:rPr b="0" lang="en-US" sz="1800" spc="-1" strike="noStrike">
+                <a:solidFill>
+                  <a:srgbClr val="111111"/>
+                </a:solidFill>
+                <a:latin typeface="Corbel"/>
+                <a:ea typeface="DejaVu Sans"/>
+              </a:rPr>
+              <a:t>Problem Manager</a:t>
+            </a:r>
+            <a:endParaRPr b="0" lang="en-US" sz="1800" spc="-1" strike="noStrike">
+              <a:latin typeface="Arial"/>
+            </a:endParaRPr>
+          </a:p>
+          <a:p>
+            <a:pPr marL="432000" indent="-323280">
+              <a:lnSpc>
+                <a:spcPct val="100000"/>
+              </a:lnSpc>
+              <a:spcAft>
+                <a:spcPts val="1417"/>
+              </a:spcAft>
+              <a:buClr>
+                <a:srgbClr val="000000"/>
+              </a:buClr>
+              <a:buSzPct val="45000"/>
+              <a:buFont typeface="Wingdings" charset="2"/>
+              <a:buChar char=""/>
+            </a:pPr>
+            <a:r>
+              <a:rPr b="0" lang="en-US" sz="2200" spc="-1" strike="noStrike">
+                <a:solidFill>
+                  <a:srgbClr val="000000"/>
+                </a:solidFill>
+                <a:latin typeface="Source Sans Pro"/>
+                <a:ea typeface="DejaVu Sans"/>
+              </a:rPr>
+              <a:t>Problem updates</a:t>
+            </a:r>
+            <a:endParaRPr b="0" lang="en-US" sz="2200" spc="-1" strike="noStrike">
+              <a:latin typeface="Arial"/>
+            </a:endParaRPr>
+          </a:p>
+          <a:p>
+            <a:pPr lvl="1" marL="864000" indent="-323280">
+              <a:lnSpc>
+                <a:spcPct val="100000"/>
+              </a:lnSpc>
+              <a:spcAft>
+                <a:spcPts val="1134"/>
+              </a:spcAft>
+              <a:buClr>
+                <a:srgbClr val="000000"/>
+              </a:buClr>
+              <a:buSzPct val="75000"/>
+              <a:buFont typeface="Symbol"/>
+              <a:buChar char=""/>
+            </a:pPr>
+            <a:r>
+              <a:rPr b="0" lang="en-US" sz="1800" spc="-1" strike="noStrike">
+                <a:solidFill>
+                  <a:srgbClr val="111111"/>
+                </a:solidFill>
+                <a:latin typeface="Corbel"/>
+                <a:ea typeface="DejaVu Sans"/>
+              </a:rPr>
+              <a:t>Category</a:t>
+            </a:r>
+            <a:endParaRPr b="0" lang="en-US" sz="1800" spc="-1" strike="noStrike">
+              <a:latin typeface="Arial"/>
+            </a:endParaRPr>
+          </a:p>
+          <a:p>
+            <a:pPr lvl="1" marL="864000" indent="-323280">
+              <a:lnSpc>
+                <a:spcPct val="100000"/>
+              </a:lnSpc>
+              <a:spcAft>
+                <a:spcPts val="1134"/>
+              </a:spcAft>
+              <a:buClr>
+                <a:srgbClr val="000000"/>
+              </a:buClr>
+              <a:buSzPct val="75000"/>
+              <a:buFont typeface="Symbol"/>
+              <a:buChar char=""/>
+            </a:pPr>
+            <a:r>
+              <a:rPr b="0" lang="en-US" sz="1800" spc="-1" strike="noStrike">
+                <a:solidFill>
+                  <a:srgbClr val="111111"/>
+                </a:solidFill>
+                <a:latin typeface="Corbel"/>
+                <a:ea typeface="DejaVu Sans"/>
+              </a:rPr>
+              <a:t>Business service</a:t>
+            </a:r>
+            <a:endParaRPr b="0" lang="en-US" sz="1800" spc="-1" strike="noStrike">
+              <a:latin typeface="Arial"/>
+            </a:endParaRPr>
+          </a:p>
+          <a:p>
+            <a:pPr lvl="1" marL="864000" indent="-323280">
+              <a:lnSpc>
+                <a:spcPct val="100000"/>
+              </a:lnSpc>
+              <a:spcAft>
+                <a:spcPts val="1134"/>
+              </a:spcAft>
+              <a:buClr>
+                <a:srgbClr val="000000"/>
+              </a:buClr>
+              <a:buSzPct val="75000"/>
+              <a:buFont typeface="Symbol"/>
+              <a:buChar char=""/>
+            </a:pPr>
+            <a:r>
+              <a:rPr b="0" lang="en-US" sz="1800" spc="-1" strike="noStrike">
+                <a:solidFill>
+                  <a:srgbClr val="111111"/>
+                </a:solidFill>
+                <a:latin typeface="Corbel"/>
+                <a:ea typeface="DejaVu Sans"/>
+              </a:rPr>
+              <a:t>Problem manager</a:t>
+            </a:r>
+            <a:endParaRPr b="0" lang="en-US" sz="1800" spc="-1" strike="noStrike">
+              <a:latin typeface="Arial"/>
+            </a:endParaRPr>
+          </a:p>
+        </p:txBody>
       </p:sp>
-      <p:pic>
-        <p:nvPicPr>
-          <p:cNvPr id="95" name="" descr=""/>
-          <p:cNvPicPr/>
-          <p:nvPr/>
-        </p:nvPicPr>
-        <p:blipFill>
-          <a:blip r:embed="rId1"/>
-          <a:stretch/>
-        </p:blipFill>
-        <p:spPr>
-          <a:xfrm>
-            <a:off x="26640" y="19800"/>
-            <a:ext cx="10031400" cy="7523640"/>
-          </a:xfrm>
-          <a:prstGeom prst="rect">
-            <a:avLst/>
-          </a:prstGeom>
-          <a:ln w="21600">
-            <a:noFill/>
-          </a:ln>
-        </p:spPr>
-      </p:pic>
     </p:spTree>
   </p:cSld>
   <p:timing>
@@ -7150,14 +13279,14 @@
       </p:grpSpPr>
       <p:sp>
         <p:nvSpPr>
-          <p:cNvPr id="96" name="CustomShape 1"/>
+          <p:cNvPr id="94" name="CustomShape 1"/>
           <p:cNvSpPr/>
           <p:nvPr/>
         </p:nvSpPr>
         <p:spPr>
           <a:xfrm>
             <a:off x="504000" y="805320"/>
-            <a:ext cx="9071280" cy="1261800"/>
+            <a:ext cx="9070920" cy="1261440"/>
           </a:xfrm>
           <a:prstGeom prst="rect">
             <a:avLst/>
@@ -7176,14 +13305,14 @@
       </p:sp>
       <p:sp>
         <p:nvSpPr>
-          <p:cNvPr id="97" name="CustomShape 2"/>
+          <p:cNvPr id="95" name="CustomShape 2"/>
           <p:cNvSpPr/>
           <p:nvPr/>
         </p:nvSpPr>
         <p:spPr>
           <a:xfrm>
             <a:off x="504000" y="2273040"/>
-            <a:ext cx="9071280" cy="4384440"/>
+            <a:ext cx="9070920" cy="4384080"/>
           </a:xfrm>
           <a:prstGeom prst="rect">
             <a:avLst/>
@@ -7202,7 +13331,7 @@
       </p:sp>
       <p:pic>
         <p:nvPicPr>
-          <p:cNvPr id="98" name="" descr=""/>
+          <p:cNvPr id="96" name="" descr=""/>
           <p:cNvPicPr/>
           <p:nvPr/>
         </p:nvPicPr>
@@ -7213,7 +13342,7 @@
         <p:spPr>
           <a:xfrm>
             <a:off x="180720" y="180720"/>
-            <a:ext cx="9719280" cy="7199280"/>
+            <a:ext cx="9718920" cy="7198920"/>
           </a:xfrm>
           <a:prstGeom prst="rect">
             <a:avLst/>
